--- a/FinalTask/userDocs/img/final_task_schema.pptx
+++ b/FinalTask/userDocs/img/final_task_schema.pptx
@@ -159,10 +159,9 @@
           </a:lstStyle>
           <a:p>
             <a:r>
-              <a:rPr lang="it-IT" smtClean="0"/>
+              <a:rPr lang="it-IT"/>
               <a:t>Fare clic per modificare lo stile del titolo</a:t>
             </a:r>
-            <a:endParaRPr lang="it-IT"/>
           </a:p>
         </p:txBody>
       </p:sp>
@@ -224,10 +223,9 @@
           </a:lstStyle>
           <a:p>
             <a:r>
-              <a:rPr lang="it-IT" smtClean="0"/>
+              <a:rPr lang="it-IT"/>
               <a:t>Fare clic per modificare lo stile del sottotitolo dello schema</a:t>
             </a:r>
-            <a:endParaRPr lang="it-IT"/>
           </a:p>
         </p:txBody>
       </p:sp>
@@ -248,7 +246,7 @@
           <a:p>
             <a:fld id="{B54D5996-1787-4713-9AAF-D983FFC67929}" type="datetimeFigureOut">
               <a:rPr lang="it-IT" smtClean="0"/>
-              <a:t>17/06/2021</a:t>
+              <a:t>22/06/2021</a:t>
             </a:fld>
             <a:endParaRPr lang="it-IT"/>
           </a:p>
@@ -342,10 +340,9 @@
           <a:lstStyle/>
           <a:p>
             <a:r>
-              <a:rPr lang="it-IT" smtClean="0"/>
+              <a:rPr lang="it-IT"/>
               <a:t>Fare clic per modificare lo stile del titolo</a:t>
             </a:r>
-            <a:endParaRPr lang="it-IT"/>
           </a:p>
         </p:txBody>
       </p:sp>
@@ -366,38 +363,37 @@
           <a:p>
             <a:pPr lvl="0"/>
             <a:r>
-              <a:rPr lang="it-IT" smtClean="0"/>
+              <a:rPr lang="it-IT"/>
               <a:t>Modifica gli stili del testo dello schema</a:t>
             </a:r>
           </a:p>
           <a:p>
             <a:pPr lvl="1"/>
             <a:r>
-              <a:rPr lang="it-IT" smtClean="0"/>
+              <a:rPr lang="it-IT"/>
               <a:t>Secondo livello</a:t>
             </a:r>
           </a:p>
           <a:p>
             <a:pPr lvl="2"/>
             <a:r>
-              <a:rPr lang="it-IT" smtClean="0"/>
+              <a:rPr lang="it-IT"/>
               <a:t>Terzo livello</a:t>
             </a:r>
           </a:p>
           <a:p>
             <a:pPr lvl="3"/>
             <a:r>
-              <a:rPr lang="it-IT" smtClean="0"/>
+              <a:rPr lang="it-IT"/>
               <a:t>Quarto livello</a:t>
             </a:r>
           </a:p>
           <a:p>
             <a:pPr lvl="4"/>
             <a:r>
-              <a:rPr lang="it-IT" smtClean="0"/>
+              <a:rPr lang="it-IT"/>
               <a:t>Quinto livello</a:t>
             </a:r>
-            <a:endParaRPr lang="it-IT"/>
           </a:p>
         </p:txBody>
       </p:sp>
@@ -418,7 +414,7 @@
           <a:p>
             <a:fld id="{B54D5996-1787-4713-9AAF-D983FFC67929}" type="datetimeFigureOut">
               <a:rPr lang="it-IT" smtClean="0"/>
-              <a:t>17/06/2021</a:t>
+              <a:t>22/06/2021</a:t>
             </a:fld>
             <a:endParaRPr lang="it-IT"/>
           </a:p>
@@ -517,10 +513,9 @@
           <a:lstStyle/>
           <a:p>
             <a:r>
-              <a:rPr lang="it-IT" smtClean="0"/>
+              <a:rPr lang="it-IT"/>
               <a:t>Fare clic per modificare lo stile del titolo</a:t>
             </a:r>
-            <a:endParaRPr lang="it-IT"/>
           </a:p>
         </p:txBody>
       </p:sp>
@@ -546,38 +541,37 @@
           <a:p>
             <a:pPr lvl="0"/>
             <a:r>
-              <a:rPr lang="it-IT" smtClean="0"/>
+              <a:rPr lang="it-IT"/>
               <a:t>Modifica gli stili del testo dello schema</a:t>
             </a:r>
           </a:p>
           <a:p>
             <a:pPr lvl="1"/>
             <a:r>
-              <a:rPr lang="it-IT" smtClean="0"/>
+              <a:rPr lang="it-IT"/>
               <a:t>Secondo livello</a:t>
             </a:r>
           </a:p>
           <a:p>
             <a:pPr lvl="2"/>
             <a:r>
-              <a:rPr lang="it-IT" smtClean="0"/>
+              <a:rPr lang="it-IT"/>
               <a:t>Terzo livello</a:t>
             </a:r>
           </a:p>
           <a:p>
             <a:pPr lvl="3"/>
             <a:r>
-              <a:rPr lang="it-IT" smtClean="0"/>
+              <a:rPr lang="it-IT"/>
               <a:t>Quarto livello</a:t>
             </a:r>
           </a:p>
           <a:p>
             <a:pPr lvl="4"/>
             <a:r>
-              <a:rPr lang="it-IT" smtClean="0"/>
+              <a:rPr lang="it-IT"/>
               <a:t>Quinto livello</a:t>
             </a:r>
-            <a:endParaRPr lang="it-IT"/>
           </a:p>
         </p:txBody>
       </p:sp>
@@ -598,7 +592,7 @@
           <a:p>
             <a:fld id="{B54D5996-1787-4713-9AAF-D983FFC67929}" type="datetimeFigureOut">
               <a:rPr lang="it-IT" smtClean="0"/>
-              <a:t>17/06/2021</a:t>
+              <a:t>22/06/2021</a:t>
             </a:fld>
             <a:endParaRPr lang="it-IT"/>
           </a:p>
@@ -692,10 +686,9 @@
           <a:lstStyle/>
           <a:p>
             <a:r>
-              <a:rPr lang="it-IT" smtClean="0"/>
+              <a:rPr lang="it-IT"/>
               <a:t>Fare clic per modificare lo stile del titolo</a:t>
             </a:r>
-            <a:endParaRPr lang="it-IT"/>
           </a:p>
         </p:txBody>
       </p:sp>
@@ -716,38 +709,37 @@
           <a:p>
             <a:pPr lvl="0"/>
             <a:r>
-              <a:rPr lang="it-IT" smtClean="0"/>
+              <a:rPr lang="it-IT"/>
               <a:t>Modifica gli stili del testo dello schema</a:t>
             </a:r>
           </a:p>
           <a:p>
             <a:pPr lvl="1"/>
             <a:r>
-              <a:rPr lang="it-IT" smtClean="0"/>
+              <a:rPr lang="it-IT"/>
               <a:t>Secondo livello</a:t>
             </a:r>
           </a:p>
           <a:p>
             <a:pPr lvl="2"/>
             <a:r>
-              <a:rPr lang="it-IT" smtClean="0"/>
+              <a:rPr lang="it-IT"/>
               <a:t>Terzo livello</a:t>
             </a:r>
           </a:p>
           <a:p>
             <a:pPr lvl="3"/>
             <a:r>
-              <a:rPr lang="it-IT" smtClean="0"/>
+              <a:rPr lang="it-IT"/>
               <a:t>Quarto livello</a:t>
             </a:r>
           </a:p>
           <a:p>
             <a:pPr lvl="4"/>
             <a:r>
-              <a:rPr lang="it-IT" smtClean="0"/>
+              <a:rPr lang="it-IT"/>
               <a:t>Quinto livello</a:t>
             </a:r>
-            <a:endParaRPr lang="it-IT"/>
           </a:p>
         </p:txBody>
       </p:sp>
@@ -768,7 +760,7 @@
           <a:p>
             <a:fld id="{B54D5996-1787-4713-9AAF-D983FFC67929}" type="datetimeFigureOut">
               <a:rPr lang="it-IT" smtClean="0"/>
-              <a:t>17/06/2021</a:t>
+              <a:t>22/06/2021</a:t>
             </a:fld>
             <a:endParaRPr lang="it-IT"/>
           </a:p>
@@ -871,10 +863,9 @@
           </a:lstStyle>
           <a:p>
             <a:r>
-              <a:rPr lang="it-IT" smtClean="0"/>
+              <a:rPr lang="it-IT"/>
               <a:t>Fare clic per modificare lo stile del titolo</a:t>
             </a:r>
-            <a:endParaRPr lang="it-IT"/>
           </a:p>
         </p:txBody>
       </p:sp>
@@ -991,7 +982,7 @@
           <a:p>
             <a:pPr lvl="0"/>
             <a:r>
-              <a:rPr lang="it-IT" smtClean="0"/>
+              <a:rPr lang="it-IT"/>
               <a:t>Modifica gli stili del testo dello schema</a:t>
             </a:r>
           </a:p>
@@ -1014,7 +1005,7 @@
           <a:p>
             <a:fld id="{B54D5996-1787-4713-9AAF-D983FFC67929}" type="datetimeFigureOut">
               <a:rPr lang="it-IT" smtClean="0"/>
-              <a:t>17/06/2021</a:t>
+              <a:t>22/06/2021</a:t>
             </a:fld>
             <a:endParaRPr lang="it-IT"/>
           </a:p>
@@ -1108,10 +1099,9 @@
           <a:lstStyle/>
           <a:p>
             <a:r>
-              <a:rPr lang="it-IT" smtClean="0"/>
+              <a:rPr lang="it-IT"/>
               <a:t>Fare clic per modificare lo stile del titolo</a:t>
             </a:r>
-            <a:endParaRPr lang="it-IT"/>
           </a:p>
         </p:txBody>
       </p:sp>
@@ -1137,38 +1127,37 @@
           <a:p>
             <a:pPr lvl="0"/>
             <a:r>
-              <a:rPr lang="it-IT" smtClean="0"/>
+              <a:rPr lang="it-IT"/>
               <a:t>Modifica gli stili del testo dello schema</a:t>
             </a:r>
           </a:p>
           <a:p>
             <a:pPr lvl="1"/>
             <a:r>
-              <a:rPr lang="it-IT" smtClean="0"/>
+              <a:rPr lang="it-IT"/>
               <a:t>Secondo livello</a:t>
             </a:r>
           </a:p>
           <a:p>
             <a:pPr lvl="2"/>
             <a:r>
-              <a:rPr lang="it-IT" smtClean="0"/>
+              <a:rPr lang="it-IT"/>
               <a:t>Terzo livello</a:t>
             </a:r>
           </a:p>
           <a:p>
             <a:pPr lvl="3"/>
             <a:r>
-              <a:rPr lang="it-IT" smtClean="0"/>
+              <a:rPr lang="it-IT"/>
               <a:t>Quarto livello</a:t>
             </a:r>
           </a:p>
           <a:p>
             <a:pPr lvl="4"/>
             <a:r>
-              <a:rPr lang="it-IT" smtClean="0"/>
+              <a:rPr lang="it-IT"/>
               <a:t>Quinto livello</a:t>
             </a:r>
-            <a:endParaRPr lang="it-IT"/>
           </a:p>
         </p:txBody>
       </p:sp>
@@ -1194,38 +1183,37 @@
           <a:p>
             <a:pPr lvl="0"/>
             <a:r>
-              <a:rPr lang="it-IT" smtClean="0"/>
+              <a:rPr lang="it-IT"/>
               <a:t>Modifica gli stili del testo dello schema</a:t>
             </a:r>
           </a:p>
           <a:p>
             <a:pPr lvl="1"/>
             <a:r>
-              <a:rPr lang="it-IT" smtClean="0"/>
+              <a:rPr lang="it-IT"/>
               <a:t>Secondo livello</a:t>
             </a:r>
           </a:p>
           <a:p>
             <a:pPr lvl="2"/>
             <a:r>
-              <a:rPr lang="it-IT" smtClean="0"/>
+              <a:rPr lang="it-IT"/>
               <a:t>Terzo livello</a:t>
             </a:r>
           </a:p>
           <a:p>
             <a:pPr lvl="3"/>
             <a:r>
-              <a:rPr lang="it-IT" smtClean="0"/>
+              <a:rPr lang="it-IT"/>
               <a:t>Quarto livello</a:t>
             </a:r>
           </a:p>
           <a:p>
             <a:pPr lvl="4"/>
             <a:r>
-              <a:rPr lang="it-IT" smtClean="0"/>
+              <a:rPr lang="it-IT"/>
               <a:t>Quinto livello</a:t>
             </a:r>
-            <a:endParaRPr lang="it-IT"/>
           </a:p>
         </p:txBody>
       </p:sp>
@@ -1246,7 +1234,7 @@
           <a:p>
             <a:fld id="{B54D5996-1787-4713-9AAF-D983FFC67929}" type="datetimeFigureOut">
               <a:rPr lang="it-IT" smtClean="0"/>
-              <a:t>17/06/2021</a:t>
+              <a:t>22/06/2021</a:t>
             </a:fld>
             <a:endParaRPr lang="it-IT"/>
           </a:p>
@@ -1345,10 +1333,9 @@
           <a:lstStyle/>
           <a:p>
             <a:r>
-              <a:rPr lang="it-IT" smtClean="0"/>
+              <a:rPr lang="it-IT"/>
               <a:t>Fare clic per modificare lo stile del titolo</a:t>
             </a:r>
-            <a:endParaRPr lang="it-IT"/>
           </a:p>
         </p:txBody>
       </p:sp>
@@ -1411,7 +1398,7 @@
           <a:p>
             <a:pPr lvl="0"/>
             <a:r>
-              <a:rPr lang="it-IT" smtClean="0"/>
+              <a:rPr lang="it-IT"/>
               <a:t>Modifica gli stili del testo dello schema</a:t>
             </a:r>
           </a:p>
@@ -1439,38 +1426,37 @@
           <a:p>
             <a:pPr lvl="0"/>
             <a:r>
-              <a:rPr lang="it-IT" smtClean="0"/>
+              <a:rPr lang="it-IT"/>
               <a:t>Modifica gli stili del testo dello schema</a:t>
             </a:r>
           </a:p>
           <a:p>
             <a:pPr lvl="1"/>
             <a:r>
-              <a:rPr lang="it-IT" smtClean="0"/>
+              <a:rPr lang="it-IT"/>
               <a:t>Secondo livello</a:t>
             </a:r>
           </a:p>
           <a:p>
             <a:pPr lvl="2"/>
             <a:r>
-              <a:rPr lang="it-IT" smtClean="0"/>
+              <a:rPr lang="it-IT"/>
               <a:t>Terzo livello</a:t>
             </a:r>
           </a:p>
           <a:p>
             <a:pPr lvl="3"/>
             <a:r>
-              <a:rPr lang="it-IT" smtClean="0"/>
+              <a:rPr lang="it-IT"/>
               <a:t>Quarto livello</a:t>
             </a:r>
           </a:p>
           <a:p>
             <a:pPr lvl="4"/>
             <a:r>
-              <a:rPr lang="it-IT" smtClean="0"/>
+              <a:rPr lang="it-IT"/>
               <a:t>Quinto livello</a:t>
             </a:r>
-            <a:endParaRPr lang="it-IT"/>
           </a:p>
         </p:txBody>
       </p:sp>
@@ -1533,7 +1519,7 @@
           <a:p>
             <a:pPr lvl="0"/>
             <a:r>
-              <a:rPr lang="it-IT" smtClean="0"/>
+              <a:rPr lang="it-IT"/>
               <a:t>Modifica gli stili del testo dello schema</a:t>
             </a:r>
           </a:p>
@@ -1561,38 +1547,37 @@
           <a:p>
             <a:pPr lvl="0"/>
             <a:r>
-              <a:rPr lang="it-IT" smtClean="0"/>
+              <a:rPr lang="it-IT"/>
               <a:t>Modifica gli stili del testo dello schema</a:t>
             </a:r>
           </a:p>
           <a:p>
             <a:pPr lvl="1"/>
             <a:r>
-              <a:rPr lang="it-IT" smtClean="0"/>
+              <a:rPr lang="it-IT"/>
               <a:t>Secondo livello</a:t>
             </a:r>
           </a:p>
           <a:p>
             <a:pPr lvl="2"/>
             <a:r>
-              <a:rPr lang="it-IT" smtClean="0"/>
+              <a:rPr lang="it-IT"/>
               <a:t>Terzo livello</a:t>
             </a:r>
           </a:p>
           <a:p>
             <a:pPr lvl="3"/>
             <a:r>
-              <a:rPr lang="it-IT" smtClean="0"/>
+              <a:rPr lang="it-IT"/>
               <a:t>Quarto livello</a:t>
             </a:r>
           </a:p>
           <a:p>
             <a:pPr lvl="4"/>
             <a:r>
-              <a:rPr lang="it-IT" smtClean="0"/>
+              <a:rPr lang="it-IT"/>
               <a:t>Quinto livello</a:t>
             </a:r>
-            <a:endParaRPr lang="it-IT"/>
           </a:p>
         </p:txBody>
       </p:sp>
@@ -1613,7 +1598,7 @@
           <a:p>
             <a:fld id="{B54D5996-1787-4713-9AAF-D983FFC67929}" type="datetimeFigureOut">
               <a:rPr lang="it-IT" smtClean="0"/>
-              <a:t>17/06/2021</a:t>
+              <a:t>22/06/2021</a:t>
             </a:fld>
             <a:endParaRPr lang="it-IT"/>
           </a:p>
@@ -1707,10 +1692,9 @@
           <a:lstStyle/>
           <a:p>
             <a:r>
-              <a:rPr lang="it-IT" smtClean="0"/>
+              <a:rPr lang="it-IT"/>
               <a:t>Fare clic per modificare lo stile del titolo</a:t>
             </a:r>
-            <a:endParaRPr lang="it-IT"/>
           </a:p>
         </p:txBody>
       </p:sp>
@@ -1731,7 +1715,7 @@
           <a:p>
             <a:fld id="{B54D5996-1787-4713-9AAF-D983FFC67929}" type="datetimeFigureOut">
               <a:rPr lang="it-IT" smtClean="0"/>
-              <a:t>17/06/2021</a:t>
+              <a:t>22/06/2021</a:t>
             </a:fld>
             <a:endParaRPr lang="it-IT"/>
           </a:p>
@@ -1826,7 +1810,7 @@
           <a:p>
             <a:fld id="{B54D5996-1787-4713-9AAF-D983FFC67929}" type="datetimeFigureOut">
               <a:rPr lang="it-IT" smtClean="0"/>
-              <a:t>17/06/2021</a:t>
+              <a:t>22/06/2021</a:t>
             </a:fld>
             <a:endParaRPr lang="it-IT"/>
           </a:p>
@@ -1929,10 +1913,9 @@
           </a:lstStyle>
           <a:p>
             <a:r>
-              <a:rPr lang="it-IT" smtClean="0"/>
+              <a:rPr lang="it-IT"/>
               <a:t>Fare clic per modificare lo stile del titolo</a:t>
             </a:r>
-            <a:endParaRPr lang="it-IT"/>
           </a:p>
         </p:txBody>
       </p:sp>
@@ -1986,38 +1969,37 @@
           <a:p>
             <a:pPr lvl="0"/>
             <a:r>
-              <a:rPr lang="it-IT" smtClean="0"/>
+              <a:rPr lang="it-IT"/>
               <a:t>Modifica gli stili del testo dello schema</a:t>
             </a:r>
           </a:p>
           <a:p>
             <a:pPr lvl="1"/>
             <a:r>
-              <a:rPr lang="it-IT" smtClean="0"/>
+              <a:rPr lang="it-IT"/>
               <a:t>Secondo livello</a:t>
             </a:r>
           </a:p>
           <a:p>
             <a:pPr lvl="2"/>
             <a:r>
-              <a:rPr lang="it-IT" smtClean="0"/>
+              <a:rPr lang="it-IT"/>
               <a:t>Terzo livello</a:t>
             </a:r>
           </a:p>
           <a:p>
             <a:pPr lvl="3"/>
             <a:r>
-              <a:rPr lang="it-IT" smtClean="0"/>
+              <a:rPr lang="it-IT"/>
               <a:t>Quarto livello</a:t>
             </a:r>
           </a:p>
           <a:p>
             <a:pPr lvl="4"/>
             <a:r>
-              <a:rPr lang="it-IT" smtClean="0"/>
+              <a:rPr lang="it-IT"/>
               <a:t>Quinto livello</a:t>
             </a:r>
-            <a:endParaRPr lang="it-IT"/>
           </a:p>
         </p:txBody>
       </p:sp>
@@ -2080,7 +2062,7 @@
           <a:p>
             <a:pPr lvl="0"/>
             <a:r>
-              <a:rPr lang="it-IT" smtClean="0"/>
+              <a:rPr lang="it-IT"/>
               <a:t>Modifica gli stili del testo dello schema</a:t>
             </a:r>
           </a:p>
@@ -2103,7 +2085,7 @@
           <a:p>
             <a:fld id="{B54D5996-1787-4713-9AAF-D983FFC67929}" type="datetimeFigureOut">
               <a:rPr lang="it-IT" smtClean="0"/>
-              <a:t>17/06/2021</a:t>
+              <a:t>22/06/2021</a:t>
             </a:fld>
             <a:endParaRPr lang="it-IT"/>
           </a:p>
@@ -2206,10 +2188,9 @@
           </a:lstStyle>
           <a:p>
             <a:r>
-              <a:rPr lang="it-IT" smtClean="0"/>
+              <a:rPr lang="it-IT"/>
               <a:t>Fare clic per modificare lo stile del titolo</a:t>
             </a:r>
-            <a:endParaRPr lang="it-IT"/>
           </a:p>
         </p:txBody>
       </p:sp>
@@ -2333,7 +2314,7 @@
           <a:p>
             <a:pPr lvl="0"/>
             <a:r>
-              <a:rPr lang="it-IT" smtClean="0"/>
+              <a:rPr lang="it-IT"/>
               <a:t>Modifica gli stili del testo dello schema</a:t>
             </a:r>
           </a:p>
@@ -2356,7 +2337,7 @@
           <a:p>
             <a:fld id="{B54D5996-1787-4713-9AAF-D983FFC67929}" type="datetimeFigureOut">
               <a:rPr lang="it-IT" smtClean="0"/>
-              <a:t>17/06/2021</a:t>
+              <a:t>22/06/2021</a:t>
             </a:fld>
             <a:endParaRPr lang="it-IT"/>
           </a:p>
@@ -2465,10 +2446,9 @@
           <a:lstStyle/>
           <a:p>
             <a:r>
-              <a:rPr lang="it-IT" smtClean="0"/>
+              <a:rPr lang="it-IT"/>
               <a:t>Fare clic per modificare lo stile del titolo</a:t>
             </a:r>
-            <a:endParaRPr lang="it-IT"/>
           </a:p>
         </p:txBody>
       </p:sp>
@@ -2499,38 +2479,37 @@
           <a:p>
             <a:pPr lvl="0"/>
             <a:r>
-              <a:rPr lang="it-IT" smtClean="0"/>
+              <a:rPr lang="it-IT"/>
               <a:t>Modifica gli stili del testo dello schema</a:t>
             </a:r>
           </a:p>
           <a:p>
             <a:pPr lvl="1"/>
             <a:r>
-              <a:rPr lang="it-IT" smtClean="0"/>
+              <a:rPr lang="it-IT"/>
               <a:t>Secondo livello</a:t>
             </a:r>
           </a:p>
           <a:p>
             <a:pPr lvl="2"/>
             <a:r>
-              <a:rPr lang="it-IT" smtClean="0"/>
+              <a:rPr lang="it-IT"/>
               <a:t>Terzo livello</a:t>
             </a:r>
           </a:p>
           <a:p>
             <a:pPr lvl="3"/>
             <a:r>
-              <a:rPr lang="it-IT" smtClean="0"/>
+              <a:rPr lang="it-IT"/>
               <a:t>Quarto livello</a:t>
             </a:r>
           </a:p>
           <a:p>
             <a:pPr lvl="4"/>
             <a:r>
-              <a:rPr lang="it-IT" smtClean="0"/>
+              <a:rPr lang="it-IT"/>
               <a:t>Quinto livello</a:t>
             </a:r>
-            <a:endParaRPr lang="it-IT"/>
           </a:p>
         </p:txBody>
       </p:sp>
@@ -2569,7 +2548,7 @@
           <a:p>
             <a:fld id="{B54D5996-1787-4713-9AAF-D983FFC67929}" type="datetimeFigureOut">
               <a:rPr lang="it-IT" smtClean="0"/>
-              <a:t>17/06/2021</a:t>
+              <a:t>22/06/2021</a:t>
             </a:fld>
             <a:endParaRPr lang="it-IT"/>
           </a:p>
@@ -3022,7 +3001,7 @@
           <a:p>
             <a:pPr algn="ctr"/>
             <a:r>
-              <a:rPr lang="it-IT" sz="1400" dirty="0" smtClean="0">
+              <a:rPr lang="it-IT" sz="1400" dirty="0">
                 <a:solidFill>
                   <a:schemeClr val="tx1"/>
                 </a:solidFill>
@@ -3034,7 +3013,7 @@
           <a:p>
             <a:pPr algn="ctr"/>
             <a:r>
-              <a:rPr lang="it-IT" sz="1400" i="1" dirty="0" smtClean="0">
+              <a:rPr lang="it-IT" sz="1400" i="1" dirty="0">
                 <a:solidFill>
                   <a:schemeClr val="tx1"/>
                 </a:solidFill>
@@ -3042,12 +3021,6 @@
               </a:rPr>
               <a:t>interface</a:t>
             </a:r>
-            <a:endParaRPr lang="it-IT" sz="1400" i="1" dirty="0">
-              <a:solidFill>
-                <a:schemeClr val="tx1"/>
-              </a:solidFill>
-              <a:latin typeface="Century Schoolbook" panose="02040604050505020304" pitchFamily="18" charset="0"/>
-            </a:endParaRPr>
           </a:p>
         </p:txBody>
       </p:sp>
@@ -3099,7 +3072,7 @@
           <a:p>
             <a:pPr algn="ctr"/>
             <a:r>
-              <a:rPr lang="it-IT" sz="1400" dirty="0" smtClean="0">
+              <a:rPr lang="it-IT" sz="1400" dirty="0">
                 <a:solidFill>
                   <a:schemeClr val="tx1"/>
                 </a:solidFill>
@@ -3107,12 +3080,6 @@
               </a:rPr>
               <a:t>Presence Sonar</a:t>
             </a:r>
-            <a:endParaRPr lang="it-IT" sz="1400" dirty="0">
-              <a:solidFill>
-                <a:schemeClr val="tx1"/>
-              </a:solidFill>
-              <a:latin typeface="Century Schoolbook" panose="02040604050505020304" pitchFamily="18" charset="0"/>
-            </a:endParaRPr>
           </a:p>
         </p:txBody>
       </p:sp>
@@ -3164,7 +3131,7 @@
           <a:p>
             <a:pPr algn="ctr"/>
             <a:r>
-              <a:rPr lang="it-IT" sz="1400" dirty="0" smtClean="0">
+              <a:rPr lang="it-IT" sz="1400" dirty="0">
                 <a:solidFill>
                   <a:schemeClr val="tx1"/>
                 </a:solidFill>
@@ -3172,12 +3139,6 @@
               </a:rPr>
               <a:t>Presence Weight</a:t>
             </a:r>
-            <a:endParaRPr lang="it-IT" sz="1400" dirty="0">
-              <a:solidFill>
-                <a:schemeClr val="tx1"/>
-              </a:solidFill>
-              <a:latin typeface="Century Schoolbook" panose="02040604050505020304" pitchFamily="18" charset="0"/>
-            </a:endParaRPr>
           </a:p>
         </p:txBody>
       </p:sp>
@@ -3303,7 +3264,7 @@
           <a:p>
             <a:pPr algn="ctr"/>
             <a:r>
-              <a:rPr lang="it-IT" sz="1400" dirty="0" smtClean="0">
+              <a:rPr lang="it-IT" sz="1400" dirty="0">
                 <a:solidFill>
                   <a:schemeClr val="tx1"/>
                 </a:solidFill>
@@ -3315,7 +3276,7 @@
           <a:p>
             <a:pPr algn="ctr"/>
             <a:r>
-              <a:rPr lang="it-IT" sz="1400" i="1" dirty="0" smtClean="0">
+              <a:rPr lang="it-IT" sz="1400" i="1" dirty="0">
                 <a:solidFill>
                   <a:schemeClr val="tx1"/>
                 </a:solidFill>
@@ -3323,12 +3284,6 @@
               </a:rPr>
               <a:t>interface</a:t>
             </a:r>
-            <a:endParaRPr lang="it-IT" sz="1400" i="1" dirty="0">
-              <a:solidFill>
-                <a:schemeClr val="tx1"/>
-              </a:solidFill>
-              <a:latin typeface="Century Schoolbook" panose="02040604050505020304" pitchFamily="18" charset="0"/>
-            </a:endParaRPr>
           </a:p>
         </p:txBody>
       </p:sp>
@@ -3380,7 +3335,7 @@
           <a:p>
             <a:pPr algn="ctr"/>
             <a:r>
-              <a:rPr lang="it-IT" sz="1400" dirty="0" smtClean="0">
+              <a:rPr lang="it-IT" sz="1400" dirty="0">
                 <a:solidFill>
                   <a:schemeClr val="tx1"/>
                 </a:solidFill>
@@ -3392,7 +3347,7 @@
           <a:p>
             <a:pPr algn="ctr"/>
             <a:r>
-              <a:rPr lang="it-IT" sz="1400" i="1" dirty="0" smtClean="0">
+              <a:rPr lang="it-IT" sz="1400" i="1" dirty="0">
                 <a:solidFill>
                   <a:schemeClr val="tx1"/>
                 </a:solidFill>
@@ -3400,12 +3355,6 @@
               </a:rPr>
               <a:t>interface</a:t>
             </a:r>
-            <a:endParaRPr lang="it-IT" sz="1400" i="1" dirty="0">
-              <a:solidFill>
-                <a:schemeClr val="tx1"/>
-              </a:solidFill>
-              <a:latin typeface="Century Schoolbook" panose="02040604050505020304" pitchFamily="18" charset="0"/>
-            </a:endParaRPr>
           </a:p>
         </p:txBody>
       </p:sp>
@@ -3457,7 +3406,7 @@
           <a:p>
             <a:pPr algn="ctr"/>
             <a:r>
-              <a:rPr lang="it-IT" sz="1400" dirty="0" smtClean="0">
+              <a:rPr lang="it-IT" sz="1400" dirty="0">
                 <a:solidFill>
                   <a:schemeClr val="tx1"/>
                 </a:solidFill>
@@ -3465,12 +3414,6 @@
               </a:rPr>
               <a:t>Mock Sonar</a:t>
             </a:r>
-            <a:endParaRPr lang="it-IT" sz="1400" dirty="0">
-              <a:solidFill>
-                <a:schemeClr val="tx1"/>
-              </a:solidFill>
-              <a:latin typeface="Century Schoolbook" panose="02040604050505020304" pitchFamily="18" charset="0"/>
-            </a:endParaRPr>
           </a:p>
         </p:txBody>
       </p:sp>
@@ -3522,7 +3465,7 @@
           <a:p>
             <a:pPr algn="ctr"/>
             <a:r>
-              <a:rPr lang="it-IT" sz="1400" dirty="0" smtClean="0">
+              <a:rPr lang="it-IT" sz="1400" dirty="0">
                 <a:solidFill>
                   <a:schemeClr val="tx1"/>
                 </a:solidFill>
@@ -3530,12 +3473,6 @@
               </a:rPr>
               <a:t>Sonar Driver</a:t>
             </a:r>
-            <a:endParaRPr lang="it-IT" sz="1400" dirty="0">
-              <a:solidFill>
-                <a:schemeClr val="tx1"/>
-              </a:solidFill>
-              <a:latin typeface="Century Schoolbook" panose="02040604050505020304" pitchFamily="18" charset="0"/>
-            </a:endParaRPr>
           </a:p>
         </p:txBody>
       </p:sp>
@@ -3587,7 +3524,7 @@
           <a:p>
             <a:pPr algn="ctr"/>
             <a:r>
-              <a:rPr lang="it-IT" sz="1400" dirty="0" smtClean="0">
+              <a:rPr lang="it-IT" sz="1400" dirty="0">
                 <a:solidFill>
                   <a:schemeClr val="tx1"/>
                 </a:solidFill>
@@ -3595,12 +3532,6 @@
               </a:rPr>
               <a:t>Mock Weight Sensor</a:t>
             </a:r>
-            <a:endParaRPr lang="it-IT" sz="1400" dirty="0">
-              <a:solidFill>
-                <a:schemeClr val="tx1"/>
-              </a:solidFill>
-              <a:latin typeface="Century Schoolbook" panose="02040604050505020304" pitchFamily="18" charset="0"/>
-            </a:endParaRPr>
           </a:p>
         </p:txBody>
       </p:sp>
@@ -3819,7 +3750,7 @@
           <a:lstStyle/>
           <a:p>
             <a:pPr algn="ctr"/>
-            <a:endParaRPr lang="it-IT" sz="1400" dirty="0" smtClean="0">
+            <a:endParaRPr lang="it-IT" sz="1400" dirty="0">
               <a:solidFill>
                 <a:schemeClr val="tx1"/>
               </a:solidFill>
@@ -3829,7 +3760,7 @@
           <a:p>
             <a:pPr algn="ctr"/>
             <a:r>
-              <a:rPr lang="it-IT" sz="1400" dirty="0" smtClean="0">
+              <a:rPr lang="it-IT" sz="1400" dirty="0">
                 <a:solidFill>
                   <a:schemeClr val="tx1"/>
                 </a:solidFill>
@@ -3837,12 +3768,6 @@
               </a:rPr>
               <a:t>GUI</a:t>
             </a:r>
-            <a:endParaRPr lang="it-IT" sz="1400" dirty="0">
-              <a:solidFill>
-                <a:schemeClr val="tx1"/>
-              </a:solidFill>
-              <a:latin typeface="Century Schoolbook" panose="02040604050505020304" pitchFamily="18" charset="0"/>
-            </a:endParaRPr>
           </a:p>
         </p:txBody>
       </p:sp>
@@ -4005,7 +3930,7 @@
           <a:lstStyle/>
           <a:p>
             <a:pPr algn="ctr"/>
-            <a:endParaRPr lang="it-IT" sz="1400" dirty="0" smtClean="0">
+            <a:endParaRPr lang="it-IT" sz="1400" dirty="0">
               <a:solidFill>
                 <a:schemeClr val="tx1"/>
               </a:solidFill>
@@ -4015,7 +3940,7 @@
           <a:p>
             <a:pPr algn="ctr"/>
             <a:r>
-              <a:rPr lang="it-IT" sz="1400" dirty="0" smtClean="0">
+              <a:rPr lang="it-IT" sz="1400" dirty="0">
                 <a:solidFill>
                   <a:schemeClr val="tx1"/>
                 </a:solidFill>
@@ -4023,12 +3948,6 @@
               </a:rPr>
               <a:t>GUI</a:t>
             </a:r>
-            <a:endParaRPr lang="it-IT" sz="1400" dirty="0">
-              <a:solidFill>
-                <a:schemeClr val="tx1"/>
-              </a:solidFill>
-              <a:latin typeface="Century Schoolbook" panose="02040604050505020304" pitchFamily="18" charset="0"/>
-            </a:endParaRPr>
           </a:p>
         </p:txBody>
       </p:sp>
@@ -4167,7 +4086,7 @@
           <a:lstStyle/>
           <a:p>
             <a:r>
-              <a:rPr lang="it-IT" sz="1600" dirty="0" smtClean="0">
+              <a:rPr lang="it-IT" sz="1600" dirty="0">
                 <a:latin typeface="Century Schoolbook" panose="02040604050505020304" pitchFamily="18" charset="0"/>
               </a:rPr>
               <a:t>Real device</a:t>
@@ -4253,7 +4172,7 @@
           <a:p>
             <a:pPr algn="ctr"/>
             <a:r>
-              <a:rPr lang="it-IT" sz="1400" dirty="0" smtClean="0">
+              <a:rPr lang="it-IT" sz="1400" dirty="0">
                 <a:solidFill>
                   <a:schemeClr val="tx1"/>
                 </a:solidFill>
@@ -4265,7 +4184,7 @@
           <a:p>
             <a:pPr algn="ctr"/>
             <a:r>
-              <a:rPr lang="it-IT" sz="1400" dirty="0" smtClean="0">
+              <a:rPr lang="it-IT" sz="1400" dirty="0">
                 <a:solidFill>
                   <a:schemeClr val="tx1"/>
                 </a:solidFill>
@@ -4273,12 +4192,6 @@
               </a:rPr>
               <a:t>Actor</a:t>
             </a:r>
-            <a:endParaRPr lang="it-IT" sz="1400" dirty="0">
-              <a:solidFill>
-                <a:schemeClr val="tx1"/>
-              </a:solidFill>
-              <a:latin typeface="Century Schoolbook" panose="02040604050505020304" pitchFamily="18" charset="0"/>
-            </a:endParaRPr>
           </a:p>
         </p:txBody>
       </p:sp>
@@ -4297,6 +4210,54 @@
             <a:avLst/>
           </a:prstGeom>
           <a:solidFill>
+            <a:srgbClr val="FF0000"/>
+          </a:solidFill>
+          <a:ln w="12700">
+            <a:solidFill>
+              <a:schemeClr val="tx1"/>
+            </a:solidFill>
+          </a:ln>
+        </p:spPr>
+        <p:style>
+          <a:lnRef idx="2">
+            <a:schemeClr val="accent1">
+              <a:shade val="50000"/>
+            </a:schemeClr>
+          </a:lnRef>
+          <a:fillRef idx="1">
+            <a:schemeClr val="accent1"/>
+          </a:fillRef>
+          <a:effectRef idx="0">
+            <a:schemeClr val="accent1"/>
+          </a:effectRef>
+          <a:fontRef idx="minor">
+            <a:schemeClr val="lt1"/>
+          </a:fontRef>
+        </p:style>
+        <p:txBody>
+          <a:bodyPr rtlCol="0" anchor="ctr"/>
+          <a:lstStyle/>
+          <a:p>
+            <a:pPr algn="ctr"/>
+            <a:endParaRPr lang="it-IT"/>
+          </a:p>
+        </p:txBody>
+      </p:sp>
+      <p:sp>
+        <p:nvSpPr>
+          <p:cNvPr id="6" name="Rettangolo 5"/>
+          <p:cNvSpPr/>
+          <p:nvPr/>
+        </p:nvSpPr>
+        <p:spPr>
+          <a:xfrm>
+            <a:off x="3301618" y="4583535"/>
+            <a:ext cx="714644" cy="339520"/>
+          </a:xfrm>
+          <a:prstGeom prst="rect">
+            <a:avLst/>
+          </a:prstGeom>
+          <a:solidFill>
             <a:schemeClr val="accent2">
               <a:lumMod val="20000"/>
               <a:lumOff val="80000"/>
@@ -4335,25 +4296,25 @@
       </p:sp>
       <p:sp>
         <p:nvSpPr>
-          <p:cNvPr id="6" name="Rettangolo 5"/>
+          <p:cNvPr id="10" name="Rettangolo arrotondato 9"/>
           <p:cNvSpPr/>
           <p:nvPr/>
         </p:nvSpPr>
         <p:spPr>
           <a:xfrm>
-            <a:off x="3301618" y="4583535"/>
-            <a:ext cx="714644" cy="339520"/>
-          </a:xfrm>
-          <a:prstGeom prst="rect">
-            <a:avLst/>
-          </a:prstGeom>
-          <a:solidFill>
-            <a:schemeClr val="accent2">
+            <a:off x="3737252" y="2881297"/>
+            <a:ext cx="1853089" cy="471580"/>
+          </a:xfrm>
+          <a:prstGeom prst="roundRect">
+            <a:avLst/>
+          </a:prstGeom>
+          <a:solidFill>
+            <a:schemeClr val="accent6">
               <a:lumMod val="20000"/>
               <a:lumOff val="80000"/>
             </a:schemeClr>
           </a:solidFill>
-          <a:ln w="12700">
+          <a:ln>
             <a:solidFill>
               <a:schemeClr val="tx1"/>
             </a:solidFill>
@@ -4380,59 +4341,8 @@
           <a:lstStyle/>
           <a:p>
             <a:pPr algn="ctr"/>
-            <a:endParaRPr lang="it-IT"/>
-          </a:p>
-        </p:txBody>
-      </p:sp>
-      <p:sp>
-        <p:nvSpPr>
-          <p:cNvPr id="10" name="Rettangolo arrotondato 9"/>
-          <p:cNvSpPr/>
-          <p:nvPr/>
-        </p:nvSpPr>
-        <p:spPr>
-          <a:xfrm>
-            <a:off x="3737252" y="2881297"/>
-            <a:ext cx="1853089" cy="471580"/>
-          </a:xfrm>
-          <a:prstGeom prst="roundRect">
-            <a:avLst/>
-          </a:prstGeom>
-          <a:solidFill>
-            <a:schemeClr val="accent6">
-              <a:lumMod val="20000"/>
-              <a:lumOff val="80000"/>
-            </a:schemeClr>
-          </a:solidFill>
-          <a:ln>
-            <a:solidFill>
-              <a:schemeClr val="tx1"/>
-            </a:solidFill>
-          </a:ln>
-        </p:spPr>
-        <p:style>
-          <a:lnRef idx="2">
-            <a:schemeClr val="accent1">
-              <a:shade val="50000"/>
-            </a:schemeClr>
-          </a:lnRef>
-          <a:fillRef idx="1">
-            <a:schemeClr val="accent1"/>
-          </a:fillRef>
-          <a:effectRef idx="0">
-            <a:schemeClr val="accent1"/>
-          </a:effectRef>
-          <a:fontRef idx="minor">
-            <a:schemeClr val="lt1"/>
-          </a:fontRef>
-        </p:style>
-        <p:txBody>
-          <a:bodyPr rtlCol="0" anchor="ctr"/>
-          <a:lstStyle/>
-          <a:p>
-            <a:pPr algn="ctr"/>
-            <a:r>
-              <a:rPr lang="it-IT" sz="1400" dirty="0" smtClean="0">
+            <a:r>
+              <a:rPr lang="it-IT" sz="1400" dirty="0">
                 <a:solidFill>
                   <a:schemeClr val="tx1"/>
                 </a:solidFill>
@@ -4444,7 +4354,7 @@
           <a:p>
             <a:pPr algn="ctr"/>
             <a:r>
-              <a:rPr lang="it-IT" sz="1400" i="1" dirty="0" smtClean="0">
+              <a:rPr lang="it-IT" sz="1400" i="1" dirty="0">
                 <a:solidFill>
                   <a:schemeClr val="tx1"/>
                 </a:solidFill>
@@ -4452,12 +4362,6 @@
               </a:rPr>
               <a:t>interface</a:t>
             </a:r>
-            <a:endParaRPr lang="it-IT" sz="1400" i="1" dirty="0">
-              <a:solidFill>
-                <a:schemeClr val="tx1"/>
-              </a:solidFill>
-              <a:latin typeface="Century Schoolbook" panose="02040604050505020304" pitchFamily="18" charset="0"/>
-            </a:endParaRPr>
           </a:p>
         </p:txBody>
       </p:sp>
@@ -4549,7 +4453,7 @@
           <a:p>
             <a:pPr algn="ctr"/>
             <a:r>
-              <a:rPr lang="it-IT" sz="1400" dirty="0" smtClean="0">
+              <a:rPr lang="it-IT" sz="1400" dirty="0">
                 <a:solidFill>
                   <a:schemeClr val="tx1"/>
                 </a:solidFill>
@@ -4557,12 +4461,6 @@
               </a:rPr>
               <a:t>Mock Thermometer</a:t>
             </a:r>
-            <a:endParaRPr lang="it-IT" sz="1400" dirty="0">
-              <a:solidFill>
-                <a:schemeClr val="tx1"/>
-              </a:solidFill>
-              <a:latin typeface="Century Schoolbook" panose="02040604050505020304" pitchFamily="18" charset="0"/>
-            </a:endParaRPr>
           </a:p>
         </p:txBody>
       </p:sp>
@@ -4614,7 +4512,7 @@
           <a:p>
             <a:pPr algn="ctr"/>
             <a:r>
-              <a:rPr lang="it-IT" sz="1400" dirty="0" smtClean="0">
+              <a:rPr lang="it-IT" sz="1400" dirty="0">
                 <a:solidFill>
                   <a:schemeClr val="tx1"/>
                 </a:solidFill>
@@ -4626,7 +4524,7 @@
           <a:p>
             <a:pPr algn="ctr"/>
             <a:r>
-              <a:rPr lang="it-IT" sz="1400" dirty="0" smtClean="0">
+              <a:rPr lang="it-IT" sz="1400" dirty="0">
                 <a:solidFill>
                   <a:schemeClr val="tx1"/>
                 </a:solidFill>
@@ -4634,12 +4532,6 @@
               </a:rPr>
               <a:t>Actor</a:t>
             </a:r>
-            <a:endParaRPr lang="it-IT" sz="1400" dirty="0">
-              <a:solidFill>
-                <a:schemeClr val="tx1"/>
-              </a:solidFill>
-              <a:latin typeface="Century Schoolbook" panose="02040604050505020304" pitchFamily="18" charset="0"/>
-            </a:endParaRPr>
           </a:p>
         </p:txBody>
       </p:sp>
@@ -4658,6 +4550,54 @@
             <a:avLst/>
           </a:prstGeom>
           <a:solidFill>
+            <a:srgbClr val="FF0000"/>
+          </a:solidFill>
+          <a:ln w="12700">
+            <a:solidFill>
+              <a:schemeClr val="tx1"/>
+            </a:solidFill>
+          </a:ln>
+        </p:spPr>
+        <p:style>
+          <a:lnRef idx="2">
+            <a:schemeClr val="accent1">
+              <a:shade val="50000"/>
+            </a:schemeClr>
+          </a:lnRef>
+          <a:fillRef idx="1">
+            <a:schemeClr val="accent1"/>
+          </a:fillRef>
+          <a:effectRef idx="0">
+            <a:schemeClr val="accent1"/>
+          </a:effectRef>
+          <a:fontRef idx="minor">
+            <a:schemeClr val="lt1"/>
+          </a:fontRef>
+        </p:style>
+        <p:txBody>
+          <a:bodyPr rtlCol="0" anchor="ctr"/>
+          <a:lstStyle/>
+          <a:p>
+            <a:pPr algn="ctr"/>
+            <a:endParaRPr lang="it-IT"/>
+          </a:p>
+        </p:txBody>
+      </p:sp>
+      <p:sp>
+        <p:nvSpPr>
+          <p:cNvPr id="19" name="Rettangolo 18"/>
+          <p:cNvSpPr/>
+          <p:nvPr/>
+        </p:nvSpPr>
+        <p:spPr>
+          <a:xfrm>
+            <a:off x="6333637" y="4583535"/>
+            <a:ext cx="714644" cy="339520"/>
+          </a:xfrm>
+          <a:prstGeom prst="rect">
+            <a:avLst/>
+          </a:prstGeom>
+          <a:solidFill>
             <a:schemeClr val="accent2">
               <a:lumMod val="20000"/>
               <a:lumOff val="80000"/>
@@ -4696,25 +4636,25 @@
       </p:sp>
       <p:sp>
         <p:nvSpPr>
-          <p:cNvPr id="19" name="Rettangolo 18"/>
+          <p:cNvPr id="20" name="Rettangolo arrotondato 19"/>
           <p:cNvSpPr/>
           <p:nvPr/>
         </p:nvSpPr>
         <p:spPr>
           <a:xfrm>
-            <a:off x="6333637" y="4583535"/>
-            <a:ext cx="714644" cy="339520"/>
-          </a:xfrm>
-          <a:prstGeom prst="rect">
-            <a:avLst/>
-          </a:prstGeom>
-          <a:solidFill>
-            <a:schemeClr val="accent2">
+            <a:off x="6769271" y="2881297"/>
+            <a:ext cx="1853089" cy="471580"/>
+          </a:xfrm>
+          <a:prstGeom prst="roundRect">
+            <a:avLst/>
+          </a:prstGeom>
+          <a:solidFill>
+            <a:schemeClr val="accent6">
               <a:lumMod val="20000"/>
               <a:lumOff val="80000"/>
             </a:schemeClr>
           </a:solidFill>
-          <a:ln w="12700">
+          <a:ln>
             <a:solidFill>
               <a:schemeClr val="tx1"/>
             </a:solidFill>
@@ -4741,59 +4681,8 @@
           <a:lstStyle/>
           <a:p>
             <a:pPr algn="ctr"/>
-            <a:endParaRPr lang="it-IT"/>
-          </a:p>
-        </p:txBody>
-      </p:sp>
-      <p:sp>
-        <p:nvSpPr>
-          <p:cNvPr id="20" name="Rettangolo arrotondato 19"/>
-          <p:cNvSpPr/>
-          <p:nvPr/>
-        </p:nvSpPr>
-        <p:spPr>
-          <a:xfrm>
-            <a:off x="6769271" y="2881297"/>
-            <a:ext cx="1853089" cy="471580"/>
-          </a:xfrm>
-          <a:prstGeom prst="roundRect">
-            <a:avLst/>
-          </a:prstGeom>
-          <a:solidFill>
-            <a:schemeClr val="accent6">
-              <a:lumMod val="20000"/>
-              <a:lumOff val="80000"/>
-            </a:schemeClr>
-          </a:solidFill>
-          <a:ln>
-            <a:solidFill>
-              <a:schemeClr val="tx1"/>
-            </a:solidFill>
-          </a:ln>
-        </p:spPr>
-        <p:style>
-          <a:lnRef idx="2">
-            <a:schemeClr val="accent1">
-              <a:shade val="50000"/>
-            </a:schemeClr>
-          </a:lnRef>
-          <a:fillRef idx="1">
-            <a:schemeClr val="accent1"/>
-          </a:fillRef>
-          <a:effectRef idx="0">
-            <a:schemeClr val="accent1"/>
-          </a:effectRef>
-          <a:fontRef idx="minor">
-            <a:schemeClr val="lt1"/>
-          </a:fontRef>
-        </p:style>
-        <p:txBody>
-          <a:bodyPr rtlCol="0" anchor="ctr"/>
-          <a:lstStyle/>
-          <a:p>
-            <a:pPr algn="ctr"/>
-            <a:r>
-              <a:rPr lang="it-IT" sz="1400" dirty="0" smtClean="0">
+            <a:r>
+              <a:rPr lang="it-IT" sz="1400" dirty="0">
                 <a:solidFill>
                   <a:schemeClr val="tx1"/>
                 </a:solidFill>
@@ -4805,7 +4694,7 @@
           <a:p>
             <a:pPr algn="ctr"/>
             <a:r>
-              <a:rPr lang="it-IT" sz="1400" i="1" dirty="0" smtClean="0">
+              <a:rPr lang="it-IT" sz="1400" i="1" dirty="0">
                 <a:solidFill>
                   <a:schemeClr val="tx1"/>
                 </a:solidFill>
@@ -4813,12 +4702,6 @@
               </a:rPr>
               <a:t>interface</a:t>
             </a:r>
-            <a:endParaRPr lang="it-IT" sz="1400" i="1" dirty="0">
-              <a:solidFill>
-                <a:schemeClr val="tx1"/>
-              </a:solidFill>
-              <a:latin typeface="Century Schoolbook" panose="02040604050505020304" pitchFamily="18" charset="0"/>
-            </a:endParaRPr>
           </a:p>
         </p:txBody>
       </p:sp>
@@ -4910,7 +4793,7 @@
           <a:p>
             <a:pPr algn="ctr"/>
             <a:r>
-              <a:rPr lang="it-IT" sz="1400" dirty="0" smtClean="0">
+              <a:rPr lang="it-IT" sz="1400" dirty="0">
                 <a:solidFill>
                   <a:schemeClr val="tx1"/>
                 </a:solidFill>
@@ -4918,12 +4801,6 @@
               </a:rPr>
               <a:t>Mock Fan</a:t>
             </a:r>
-            <a:endParaRPr lang="it-IT" sz="1400" dirty="0">
-              <a:solidFill>
-                <a:schemeClr val="tx1"/>
-              </a:solidFill>
-              <a:latin typeface="Century Schoolbook" panose="02040604050505020304" pitchFamily="18" charset="0"/>
-            </a:endParaRPr>
           </a:p>
         </p:txBody>
       </p:sp>
@@ -4943,80 +4820,6 @@
           </a:prstGeom>
           <a:solidFill>
             <a:schemeClr val="accent3">
-              <a:lumMod val="20000"/>
-              <a:lumOff val="80000"/>
-            </a:schemeClr>
-          </a:solidFill>
-          <a:ln>
-            <a:solidFill>
-              <a:schemeClr val="tx1"/>
-            </a:solidFill>
-          </a:ln>
-        </p:spPr>
-        <p:style>
-          <a:lnRef idx="2">
-            <a:schemeClr val="accent1">
-              <a:shade val="50000"/>
-            </a:schemeClr>
-          </a:lnRef>
-          <a:fillRef idx="1">
-            <a:schemeClr val="accent1"/>
-          </a:fillRef>
-          <a:effectRef idx="0">
-            <a:schemeClr val="accent1"/>
-          </a:effectRef>
-          <a:fontRef idx="minor">
-            <a:schemeClr val="lt1"/>
-          </a:fontRef>
-        </p:style>
-        <p:txBody>
-          <a:bodyPr rtlCol="0" anchor="ctr"/>
-          <a:lstStyle/>
-          <a:p>
-            <a:pPr algn="ctr"/>
-            <a:endParaRPr lang="it-IT" sz="1400" dirty="0" smtClean="0">
-              <a:solidFill>
-                <a:schemeClr val="tx1"/>
-              </a:solidFill>
-              <a:latin typeface="Century Schoolbook" panose="02040604050505020304" pitchFamily="18" charset="0"/>
-            </a:endParaRPr>
-          </a:p>
-          <a:p>
-            <a:pPr algn="ctr"/>
-            <a:r>
-              <a:rPr lang="it-IT" sz="1400" dirty="0" smtClean="0">
-                <a:solidFill>
-                  <a:schemeClr val="tx1"/>
-                </a:solidFill>
-                <a:latin typeface="Century Schoolbook" panose="02040604050505020304" pitchFamily="18" charset="0"/>
-              </a:rPr>
-              <a:t>GUI</a:t>
-            </a:r>
-            <a:endParaRPr lang="it-IT" sz="1400" dirty="0">
-              <a:solidFill>
-                <a:schemeClr val="tx1"/>
-              </a:solidFill>
-              <a:latin typeface="Century Schoolbook" panose="02040604050505020304" pitchFamily="18" charset="0"/>
-            </a:endParaRPr>
-          </a:p>
-        </p:txBody>
-      </p:sp>
-      <p:sp>
-        <p:nvSpPr>
-          <p:cNvPr id="25" name="Rettangolo 24"/>
-          <p:cNvSpPr/>
-          <p:nvPr/>
-        </p:nvSpPr>
-        <p:spPr>
-          <a:xfrm>
-            <a:off x="4217622" y="1454196"/>
-            <a:ext cx="892349" cy="236289"/>
-          </a:xfrm>
-          <a:prstGeom prst="rect">
-            <a:avLst/>
-          </a:prstGeom>
-          <a:solidFill>
-            <a:schemeClr val="accent1">
               <a:lumMod val="20000"/>
               <a:lumOff val="80000"/>
             </a:schemeClr>
@@ -5055,24 +4858,36 @@
               <a:latin typeface="Century Schoolbook" panose="02040604050505020304" pitchFamily="18" charset="0"/>
             </a:endParaRPr>
           </a:p>
-        </p:txBody>
-      </p:sp>
-      <p:sp>
-        <p:nvSpPr>
-          <p:cNvPr id="26" name="Rettangolo 25"/>
+          <a:p>
+            <a:pPr algn="ctr"/>
+            <a:r>
+              <a:rPr lang="it-IT" sz="1400" dirty="0">
+                <a:solidFill>
+                  <a:schemeClr val="tx1"/>
+                </a:solidFill>
+                <a:latin typeface="Century Schoolbook" panose="02040604050505020304" pitchFamily="18" charset="0"/>
+              </a:rPr>
+              <a:t>GUI</a:t>
+            </a:r>
+          </a:p>
+        </p:txBody>
+      </p:sp>
+      <p:sp>
+        <p:nvSpPr>
+          <p:cNvPr id="25" name="Rettangolo 24"/>
           <p:cNvSpPr/>
           <p:nvPr/>
         </p:nvSpPr>
         <p:spPr>
           <a:xfrm>
-            <a:off x="4964914" y="1517353"/>
-            <a:ext cx="96705" cy="109973"/>
+            <a:off x="4217622" y="1454196"/>
+            <a:ext cx="892349" cy="236289"/>
           </a:xfrm>
           <a:prstGeom prst="rect">
             <a:avLst/>
           </a:prstGeom>
           <a:solidFill>
-            <a:schemeClr val="accent3">
+            <a:schemeClr val="accent1">
               <a:lumMod val="20000"/>
               <a:lumOff val="80000"/>
             </a:schemeClr>
@@ -5115,14 +4930,14 @@
       </p:sp>
       <p:sp>
         <p:nvSpPr>
-          <p:cNvPr id="27" name="Rettangolo 26"/>
+          <p:cNvPr id="26" name="Rettangolo 25"/>
           <p:cNvSpPr/>
           <p:nvPr/>
         </p:nvSpPr>
         <p:spPr>
           <a:xfrm>
-            <a:off x="7182234" y="1454196"/>
-            <a:ext cx="892349" cy="770719"/>
+            <a:off x="4964914" y="1517353"/>
+            <a:ext cx="96705" cy="109973"/>
           </a:xfrm>
           <a:prstGeom prst="rect">
             <a:avLst/>
@@ -5160,17 +4975,73 @@
           <a:lstStyle/>
           <a:p>
             <a:pPr algn="ctr"/>
-            <a:endParaRPr lang="it-IT" sz="1400" dirty="0" smtClean="0">
+            <a:endParaRPr lang="it-IT" sz="1400" dirty="0">
               <a:solidFill>
                 <a:schemeClr val="tx1"/>
               </a:solidFill>
               <a:latin typeface="Century Schoolbook" panose="02040604050505020304" pitchFamily="18" charset="0"/>
             </a:endParaRPr>
           </a:p>
+        </p:txBody>
+      </p:sp>
+      <p:sp>
+        <p:nvSpPr>
+          <p:cNvPr id="27" name="Rettangolo 26"/>
+          <p:cNvSpPr/>
+          <p:nvPr/>
+        </p:nvSpPr>
+        <p:spPr>
+          <a:xfrm>
+            <a:off x="7182234" y="1454196"/>
+            <a:ext cx="892349" cy="770719"/>
+          </a:xfrm>
+          <a:prstGeom prst="rect">
+            <a:avLst/>
+          </a:prstGeom>
+          <a:solidFill>
+            <a:schemeClr val="accent3">
+              <a:lumMod val="20000"/>
+              <a:lumOff val="80000"/>
+            </a:schemeClr>
+          </a:solidFill>
+          <a:ln>
+            <a:solidFill>
+              <a:schemeClr val="tx1"/>
+            </a:solidFill>
+          </a:ln>
+        </p:spPr>
+        <p:style>
+          <a:lnRef idx="2">
+            <a:schemeClr val="accent1">
+              <a:shade val="50000"/>
+            </a:schemeClr>
+          </a:lnRef>
+          <a:fillRef idx="1">
+            <a:schemeClr val="accent1"/>
+          </a:fillRef>
+          <a:effectRef idx="0">
+            <a:schemeClr val="accent1"/>
+          </a:effectRef>
+          <a:fontRef idx="minor">
+            <a:schemeClr val="lt1"/>
+          </a:fontRef>
+        </p:style>
+        <p:txBody>
+          <a:bodyPr rtlCol="0" anchor="ctr"/>
+          <a:lstStyle/>
           <a:p>
             <a:pPr algn="ctr"/>
-            <a:r>
-              <a:rPr lang="it-IT" sz="1400" dirty="0" smtClean="0">
+            <a:endParaRPr lang="it-IT" sz="1400" dirty="0">
+              <a:solidFill>
+                <a:schemeClr val="tx1"/>
+              </a:solidFill>
+              <a:latin typeface="Century Schoolbook" panose="02040604050505020304" pitchFamily="18" charset="0"/>
+            </a:endParaRPr>
+          </a:p>
+          <a:p>
+            <a:pPr algn="ctr"/>
+            <a:r>
+              <a:rPr lang="it-IT" sz="1400" dirty="0">
                 <a:solidFill>
                   <a:schemeClr val="tx1"/>
                 </a:solidFill>
@@ -5178,12 +5049,6 @@
               </a:rPr>
               <a:t>GUI</a:t>
             </a:r>
-            <a:endParaRPr lang="it-IT" sz="1400" dirty="0">
-              <a:solidFill>
-                <a:schemeClr val="tx1"/>
-              </a:solidFill>
-              <a:latin typeface="Century Schoolbook" panose="02040604050505020304" pitchFamily="18" charset="0"/>
-            </a:endParaRPr>
           </a:p>
         </p:txBody>
       </p:sp>
@@ -5417,7 +5282,7 @@
           <a:p>
             <a:pPr algn="ctr"/>
             <a:r>
-              <a:rPr lang="it-IT" sz="1400" dirty="0" smtClean="0">
+              <a:rPr lang="it-IT" sz="1400" dirty="0">
                 <a:solidFill>
                   <a:schemeClr val="tx1"/>
                 </a:solidFill>
@@ -5476,7 +5341,7 @@
           <a:p>
             <a:pPr algn="ctr"/>
             <a:r>
-              <a:rPr lang="it-IT" sz="1400" dirty="0" smtClean="0">
+              <a:rPr lang="it-IT" sz="1400" dirty="0">
                 <a:solidFill>
                   <a:schemeClr val="tx1"/>
                 </a:solidFill>
@@ -5535,7 +5400,7 @@
           <a:p>
             <a:pPr algn="ctr"/>
             <a:r>
-              <a:rPr lang="it-IT" sz="1400" dirty="0" smtClean="0">
+              <a:rPr lang="it-IT" sz="1400" dirty="0">
                 <a:solidFill>
                   <a:schemeClr val="tx1"/>
                 </a:solidFill>
@@ -5641,7 +5506,7 @@
           <a:lstStyle/>
           <a:p>
             <a:r>
-              <a:rPr lang="it-IT" sz="1600" dirty="0" smtClean="0">
+              <a:rPr lang="it-IT" sz="1600" dirty="0">
                 <a:solidFill>
                   <a:srgbClr val="00B050"/>
                 </a:solidFill>
@@ -5650,13 +5515,13 @@
               <a:t>enter_request</a:t>
             </a:r>
             <a:r>
-              <a:rPr lang="it-IT" sz="1600" dirty="0" smtClean="0">
+              <a:rPr lang="it-IT" sz="1600" dirty="0">
                 <a:latin typeface="Century Schoolbook" panose="02040604050505020304" pitchFamily="18" charset="0"/>
               </a:rPr>
               <a:t> / </a:t>
             </a:r>
             <a:r>
-              <a:rPr lang="it-IT" sz="1600" dirty="0" smtClean="0">
+              <a:rPr lang="it-IT" sz="1600" dirty="0">
                 <a:solidFill>
                   <a:schemeClr val="accent2">
                     <a:lumMod val="75000"/>
@@ -5666,14 +5531,6 @@
               </a:rPr>
               <a:t>goto_indoor</a:t>
             </a:r>
-            <a:endParaRPr lang="it-IT" sz="1600" dirty="0">
-              <a:solidFill>
-                <a:schemeClr val="accent2">
-                  <a:lumMod val="75000"/>
-                </a:schemeClr>
-              </a:solidFill>
-              <a:latin typeface="Century Schoolbook" panose="02040604050505020304" pitchFamily="18" charset="0"/>
-            </a:endParaRPr>
           </a:p>
         </p:txBody>
       </p:sp>
@@ -5725,7 +5582,7 @@
           <a:p>
             <a:pPr algn="ctr"/>
             <a:r>
-              <a:rPr lang="it-IT" sz="1400" dirty="0" smtClean="0">
+              <a:rPr lang="it-IT" sz="1400" dirty="0">
                 <a:solidFill>
                   <a:schemeClr val="tx1"/>
                 </a:solidFill>
@@ -5795,7 +5652,7 @@
           <a:lstStyle/>
           <a:p>
             <a:r>
-              <a:rPr lang="it-IT" sz="1600" dirty="0" smtClean="0">
+              <a:rPr lang="it-IT" sz="1600" dirty="0">
                 <a:solidFill>
                   <a:schemeClr val="accent1">
                     <a:lumMod val="75000"/>
@@ -5806,13 +5663,13 @@
               <a:t>done</a:t>
             </a:r>
             <a:r>
-              <a:rPr lang="it-IT" sz="1600" dirty="0" smtClean="0">
+              <a:rPr lang="it-IT" sz="1600" dirty="0">
                 <a:latin typeface="Century Schoolbook" panose="02040604050505020304" pitchFamily="18" charset="0"/>
               </a:rPr>
               <a:t> / </a:t>
             </a:r>
             <a:r>
-              <a:rPr lang="it-IT" sz="1600" dirty="0" smtClean="0">
+              <a:rPr lang="it-IT" sz="1600" dirty="0">
                 <a:solidFill>
                   <a:schemeClr val="accent2">
                     <a:lumMod val="75000"/>
@@ -5822,14 +5679,6 @@
               </a:rPr>
               <a:t>pickup_car</a:t>
             </a:r>
-            <a:endParaRPr lang="it-IT" sz="1600" dirty="0">
-              <a:solidFill>
-                <a:schemeClr val="accent2">
-                  <a:lumMod val="75000"/>
-                </a:schemeClr>
-              </a:solidFill>
-              <a:latin typeface="Century Schoolbook" panose="02040604050505020304" pitchFamily="18" charset="0"/>
-            </a:endParaRPr>
           </a:p>
         </p:txBody>
       </p:sp>
@@ -5881,7 +5730,7 @@
           <a:p>
             <a:pPr algn="ctr"/>
             <a:r>
-              <a:rPr lang="it-IT" sz="1400" dirty="0" smtClean="0">
+              <a:rPr lang="it-IT" sz="1400" dirty="0">
                 <a:solidFill>
                   <a:schemeClr val="tx1"/>
                 </a:solidFill>
@@ -5951,7 +5800,7 @@
           <a:lstStyle/>
           <a:p>
             <a:r>
-              <a:rPr lang="it-IT" sz="1600" dirty="0" smtClean="0">
+              <a:rPr lang="it-IT" sz="1600" dirty="0">
                 <a:solidFill>
                   <a:schemeClr val="accent1">
                     <a:lumMod val="75000"/>
@@ -5962,13 +5811,13 @@
               <a:t>done</a:t>
             </a:r>
             <a:r>
-              <a:rPr lang="it-IT" sz="1600" dirty="0" smtClean="0">
+              <a:rPr lang="it-IT" sz="1600" dirty="0">
                 <a:latin typeface="Century Schoolbook" panose="02040604050505020304" pitchFamily="18" charset="0"/>
               </a:rPr>
               <a:t> / </a:t>
             </a:r>
             <a:r>
-              <a:rPr lang="it-IT" sz="1600" dirty="0" smtClean="0">
+              <a:rPr lang="it-IT" sz="1600" dirty="0">
                 <a:solidFill>
                   <a:schemeClr val="accent2">
                     <a:lumMod val="75000"/>
@@ -5978,14 +5827,6 @@
               </a:rPr>
               <a:t>goto_parking</a:t>
             </a:r>
-            <a:endParaRPr lang="it-IT" sz="1600" dirty="0">
-              <a:solidFill>
-                <a:schemeClr val="accent2">
-                  <a:lumMod val="75000"/>
-                </a:schemeClr>
-              </a:solidFill>
-              <a:latin typeface="Century Schoolbook" panose="02040604050505020304" pitchFamily="18" charset="0"/>
-            </a:endParaRPr>
           </a:p>
         </p:txBody>
       </p:sp>
@@ -6037,7 +5878,7 @@
           <a:p>
             <a:pPr algn="ctr"/>
             <a:r>
-              <a:rPr lang="it-IT" sz="1400" dirty="0" smtClean="0">
+              <a:rPr lang="it-IT" sz="1400" dirty="0">
                 <a:solidFill>
                   <a:schemeClr val="tx1"/>
                 </a:solidFill>
@@ -6107,7 +5948,7 @@
           <a:lstStyle/>
           <a:p>
             <a:r>
-              <a:rPr lang="it-IT" sz="1600" dirty="0" smtClean="0">
+              <a:rPr lang="it-IT" sz="1600" dirty="0">
                 <a:solidFill>
                   <a:schemeClr val="accent1">
                     <a:lumMod val="75000"/>
@@ -6118,13 +5959,13 @@
               <a:t>done</a:t>
             </a:r>
             <a:r>
-              <a:rPr lang="it-IT" sz="1600" dirty="0" smtClean="0">
+              <a:rPr lang="it-IT" sz="1600" dirty="0">
                 <a:latin typeface="Century Schoolbook" panose="02040604050505020304" pitchFamily="18" charset="0"/>
               </a:rPr>
               <a:t> / </a:t>
             </a:r>
             <a:r>
-              <a:rPr lang="it-IT" sz="1600" dirty="0" smtClean="0">
+              <a:rPr lang="it-IT" sz="1600" dirty="0">
                 <a:solidFill>
                   <a:schemeClr val="accent2">
                     <a:lumMod val="75000"/>
@@ -6134,14 +5975,6 @@
               </a:rPr>
               <a:t>putdown_car</a:t>
             </a:r>
-            <a:endParaRPr lang="it-IT" sz="1600" dirty="0">
-              <a:solidFill>
-                <a:schemeClr val="accent2">
-                  <a:lumMod val="75000"/>
-                </a:schemeClr>
-              </a:solidFill>
-              <a:latin typeface="Century Schoolbook" panose="02040604050505020304" pitchFamily="18" charset="0"/>
-            </a:endParaRPr>
           </a:p>
         </p:txBody>
       </p:sp>
@@ -6168,7 +6001,7 @@
           <a:lstStyle/>
           <a:p>
             <a:r>
-              <a:rPr lang="it-IT" sz="1600" dirty="0" smtClean="0">
+              <a:rPr lang="it-IT" sz="1600" dirty="0">
                 <a:solidFill>
                   <a:schemeClr val="accent1">
                     <a:lumMod val="75000"/>
@@ -6179,13 +6012,13 @@
               <a:t>done</a:t>
             </a:r>
             <a:r>
-              <a:rPr lang="it-IT" sz="1600" dirty="0" smtClean="0">
+              <a:rPr lang="it-IT" sz="1600" dirty="0">
                 <a:latin typeface="Century Schoolbook" panose="02040604050505020304" pitchFamily="18" charset="0"/>
               </a:rPr>
               <a:t> / </a:t>
             </a:r>
             <a:r>
-              <a:rPr lang="it-IT" sz="1600" dirty="0" smtClean="0">
+              <a:rPr lang="it-IT" sz="1600" dirty="0">
                 <a:solidFill>
                   <a:schemeClr val="accent2">
                     <a:lumMod val="75000"/>
@@ -6195,14 +6028,6 @@
               </a:rPr>
               <a:t>goto_home</a:t>
             </a:r>
-            <a:endParaRPr lang="it-IT" sz="1600" dirty="0">
-              <a:solidFill>
-                <a:schemeClr val="accent2">
-                  <a:lumMod val="75000"/>
-                </a:schemeClr>
-              </a:solidFill>
-              <a:latin typeface="Century Schoolbook" panose="02040604050505020304" pitchFamily="18" charset="0"/>
-            </a:endParaRPr>
           </a:p>
         </p:txBody>
       </p:sp>
@@ -6254,7 +6079,7 @@
           <a:p>
             <a:pPr algn="ctr"/>
             <a:r>
-              <a:rPr lang="it-IT" sz="1400" dirty="0" smtClean="0">
+              <a:rPr lang="it-IT" sz="1400" dirty="0">
                 <a:solidFill>
                   <a:schemeClr val="tx1"/>
                 </a:solidFill>
@@ -6324,7 +6149,7 @@
           <a:lstStyle/>
           <a:p>
             <a:r>
-              <a:rPr lang="it-IT" sz="1600" dirty="0" smtClean="0">
+              <a:rPr lang="it-IT" sz="1600" dirty="0">
                 <a:solidFill>
                   <a:schemeClr val="accent1">
                     <a:lumMod val="75000"/>
@@ -6335,13 +6160,13 @@
               <a:t>done</a:t>
             </a:r>
             <a:r>
-              <a:rPr lang="it-IT" sz="1600" dirty="0" smtClean="0">
+              <a:rPr lang="it-IT" sz="1600" dirty="0">
                 <a:latin typeface="Century Schoolbook" panose="02040604050505020304" pitchFamily="18" charset="0"/>
               </a:rPr>
               <a:t> / </a:t>
             </a:r>
             <a:r>
-              <a:rPr lang="it-IT" sz="1600" dirty="0" smtClean="0">
+              <a:rPr lang="it-IT" sz="1600" dirty="0">
                 <a:solidFill>
                   <a:schemeClr val="accent2">
                     <a:lumMod val="75000"/>
@@ -6351,14 +6176,6 @@
               </a:rPr>
               <a:t>pickup_car</a:t>
             </a:r>
-            <a:endParaRPr lang="it-IT" sz="1600" dirty="0">
-              <a:solidFill>
-                <a:schemeClr val="accent2">
-                  <a:lumMod val="75000"/>
-                </a:schemeClr>
-              </a:solidFill>
-              <a:latin typeface="Century Schoolbook" panose="02040604050505020304" pitchFamily="18" charset="0"/>
-            </a:endParaRPr>
           </a:p>
         </p:txBody>
       </p:sp>
@@ -6385,7 +6202,7 @@
           <a:lstStyle/>
           <a:p>
             <a:r>
-              <a:rPr lang="it-IT" sz="1600" dirty="0" smtClean="0">
+              <a:rPr lang="it-IT" sz="1600" dirty="0">
                 <a:solidFill>
                   <a:srgbClr val="00B050"/>
                 </a:solidFill>
@@ -6394,13 +6211,13 @@
               <a:t>exit_request</a:t>
             </a:r>
             <a:r>
-              <a:rPr lang="it-IT" sz="1600" dirty="0" smtClean="0">
+              <a:rPr lang="it-IT" sz="1600" dirty="0">
                 <a:latin typeface="Century Schoolbook" panose="02040604050505020304" pitchFamily="18" charset="0"/>
               </a:rPr>
               <a:t> / </a:t>
             </a:r>
             <a:r>
-              <a:rPr lang="it-IT" sz="1600" dirty="0" smtClean="0">
+              <a:rPr lang="it-IT" sz="1600" dirty="0">
                 <a:solidFill>
                   <a:schemeClr val="accent2">
                     <a:lumMod val="75000"/>
@@ -6410,14 +6227,6 @@
               </a:rPr>
               <a:t>goto_parking</a:t>
             </a:r>
-            <a:endParaRPr lang="it-IT" sz="1600" dirty="0">
-              <a:solidFill>
-                <a:schemeClr val="accent2">
-                  <a:lumMod val="75000"/>
-                </a:schemeClr>
-              </a:solidFill>
-              <a:latin typeface="Century Schoolbook" panose="02040604050505020304" pitchFamily="18" charset="0"/>
-            </a:endParaRPr>
           </a:p>
         </p:txBody>
       </p:sp>
@@ -6469,7 +6278,7 @@
           <a:p>
             <a:pPr algn="ctr"/>
             <a:r>
-              <a:rPr lang="it-IT" sz="1400" dirty="0" smtClean="0">
+              <a:rPr lang="it-IT" sz="1400" dirty="0">
                 <a:solidFill>
                   <a:schemeClr val="tx1"/>
                 </a:solidFill>
@@ -6539,7 +6348,7 @@
           <a:lstStyle/>
           <a:p>
             <a:r>
-              <a:rPr lang="it-IT" sz="1600" dirty="0" smtClean="0">
+              <a:rPr lang="it-IT" sz="1600" dirty="0">
                 <a:solidFill>
                   <a:schemeClr val="accent1">
                     <a:lumMod val="75000"/>
@@ -6550,13 +6359,13 @@
               <a:t>done</a:t>
             </a:r>
             <a:r>
-              <a:rPr lang="it-IT" sz="1600" dirty="0" smtClean="0">
+              <a:rPr lang="it-IT" sz="1600" dirty="0">
                 <a:latin typeface="Century Schoolbook" panose="02040604050505020304" pitchFamily="18" charset="0"/>
               </a:rPr>
               <a:t> / </a:t>
             </a:r>
             <a:r>
-              <a:rPr lang="it-IT" sz="1600" dirty="0" smtClean="0">
+              <a:rPr lang="it-IT" sz="1600" dirty="0">
                 <a:solidFill>
                   <a:schemeClr val="accent2">
                     <a:lumMod val="75000"/>
@@ -6566,14 +6375,6 @@
               </a:rPr>
               <a:t>goto_outdoor</a:t>
             </a:r>
-            <a:endParaRPr lang="it-IT" sz="1600" dirty="0">
-              <a:solidFill>
-                <a:schemeClr val="accent2">
-                  <a:lumMod val="75000"/>
-                </a:schemeClr>
-              </a:solidFill>
-              <a:latin typeface="Century Schoolbook" panose="02040604050505020304" pitchFamily="18" charset="0"/>
-            </a:endParaRPr>
           </a:p>
         </p:txBody>
       </p:sp>
@@ -6625,7 +6426,7 @@
           <a:p>
             <a:pPr algn="ctr"/>
             <a:r>
-              <a:rPr lang="it-IT" sz="1400" dirty="0" smtClean="0">
+              <a:rPr lang="it-IT" sz="1400" dirty="0">
                 <a:solidFill>
                   <a:schemeClr val="tx1"/>
                 </a:solidFill>
@@ -6695,7 +6496,7 @@
           <a:lstStyle/>
           <a:p>
             <a:r>
-              <a:rPr lang="it-IT" sz="1600" dirty="0" smtClean="0">
+              <a:rPr lang="it-IT" sz="1600" dirty="0">
                 <a:solidFill>
                   <a:schemeClr val="accent1">
                     <a:lumMod val="75000"/>
@@ -6706,13 +6507,13 @@
               <a:t>done</a:t>
             </a:r>
             <a:r>
-              <a:rPr lang="it-IT" sz="1600" dirty="0" smtClean="0">
+              <a:rPr lang="it-IT" sz="1600" dirty="0">
                 <a:latin typeface="Century Schoolbook" panose="02040604050505020304" pitchFamily="18" charset="0"/>
               </a:rPr>
               <a:t> / </a:t>
             </a:r>
             <a:r>
-              <a:rPr lang="it-IT" sz="1600" dirty="0" smtClean="0">
+              <a:rPr lang="it-IT" sz="1600" dirty="0">
                 <a:solidFill>
                   <a:schemeClr val="accent2">
                     <a:lumMod val="75000"/>
@@ -6722,14 +6523,6 @@
               </a:rPr>
               <a:t>putdown_car</a:t>
             </a:r>
-            <a:endParaRPr lang="it-IT" sz="1600" dirty="0">
-              <a:solidFill>
-                <a:schemeClr val="accent2">
-                  <a:lumMod val="75000"/>
-                </a:schemeClr>
-              </a:solidFill>
-              <a:latin typeface="Century Schoolbook" panose="02040604050505020304" pitchFamily="18" charset="0"/>
-            </a:endParaRPr>
           </a:p>
         </p:txBody>
       </p:sp>
@@ -6796,7 +6589,7 @@
           <a:lstStyle/>
           <a:p>
             <a:r>
-              <a:rPr lang="it-IT" sz="1600" dirty="0" smtClean="0">
+              <a:rPr lang="it-IT" sz="1600" dirty="0">
                 <a:solidFill>
                   <a:schemeClr val="accent1">
                     <a:lumMod val="75000"/>
@@ -6807,13 +6600,13 @@
               <a:t>done</a:t>
             </a:r>
             <a:r>
-              <a:rPr lang="it-IT" sz="1600" dirty="0" smtClean="0">
+              <a:rPr lang="it-IT" sz="1600" dirty="0">
                 <a:latin typeface="Century Schoolbook" panose="02040604050505020304" pitchFamily="18" charset="0"/>
               </a:rPr>
               <a:t> / </a:t>
             </a:r>
             <a:r>
-              <a:rPr lang="it-IT" sz="1600" dirty="0" smtClean="0">
+              <a:rPr lang="it-IT" sz="1600" dirty="0">
                 <a:solidFill>
                   <a:schemeClr val="accent2">
                     <a:lumMod val="75000"/>
@@ -6823,14 +6616,6 @@
               </a:rPr>
               <a:t>goto_home</a:t>
             </a:r>
-            <a:endParaRPr lang="it-IT" sz="1600" dirty="0">
-              <a:solidFill>
-                <a:schemeClr val="accent2">
-                  <a:lumMod val="75000"/>
-                </a:schemeClr>
-              </a:solidFill>
-              <a:latin typeface="Century Schoolbook" panose="02040604050505020304" pitchFamily="18" charset="0"/>
-            </a:endParaRPr>
           </a:p>
         </p:txBody>
       </p:sp>
@@ -6912,7 +6697,7 @@
           <a:p>
             <a:pPr algn="ctr"/>
             <a:r>
-              <a:rPr lang="it-IT" sz="1400" dirty="0" smtClean="0">
+              <a:rPr lang="it-IT" sz="1400" dirty="0">
                 <a:solidFill>
                   <a:schemeClr val="tx1"/>
                 </a:solidFill>
@@ -6920,12 +6705,6 @@
               </a:rPr>
               <a:t>Trolley Status</a:t>
             </a:r>
-            <a:endParaRPr lang="it-IT" sz="1400" dirty="0">
-              <a:solidFill>
-                <a:schemeClr val="tx1"/>
-              </a:solidFill>
-              <a:latin typeface="Century Schoolbook" panose="02040604050505020304" pitchFamily="18" charset="0"/>
-            </a:endParaRPr>
           </a:p>
         </p:txBody>
       </p:sp>
@@ -6944,6 +6723,54 @@
             <a:avLst/>
           </a:prstGeom>
           <a:solidFill>
+            <a:srgbClr val="FF0000"/>
+          </a:solidFill>
+          <a:ln w="12700">
+            <a:solidFill>
+              <a:schemeClr val="tx1"/>
+            </a:solidFill>
+          </a:ln>
+        </p:spPr>
+        <p:style>
+          <a:lnRef idx="2">
+            <a:schemeClr val="accent1">
+              <a:shade val="50000"/>
+            </a:schemeClr>
+          </a:lnRef>
+          <a:fillRef idx="1">
+            <a:schemeClr val="accent1"/>
+          </a:fillRef>
+          <a:effectRef idx="0">
+            <a:schemeClr val="accent1"/>
+          </a:effectRef>
+          <a:fontRef idx="minor">
+            <a:schemeClr val="lt1"/>
+          </a:fontRef>
+        </p:style>
+        <p:txBody>
+          <a:bodyPr rtlCol="0" anchor="ctr"/>
+          <a:lstStyle/>
+          <a:p>
+            <a:pPr algn="ctr"/>
+            <a:endParaRPr lang="it-IT"/>
+          </a:p>
+        </p:txBody>
+      </p:sp>
+      <p:sp>
+        <p:nvSpPr>
+          <p:cNvPr id="6" name="Rettangolo 5"/>
+          <p:cNvSpPr/>
+          <p:nvPr/>
+        </p:nvSpPr>
+        <p:spPr>
+          <a:xfrm>
+            <a:off x="2973825" y="4616938"/>
+            <a:ext cx="501185" cy="238108"/>
+          </a:xfrm>
+          <a:prstGeom prst="rect">
+            <a:avLst/>
+          </a:prstGeom>
+          <a:solidFill>
             <a:schemeClr val="accent2">
               <a:lumMod val="20000"/>
               <a:lumOff val="80000"/>
@@ -6982,16 +6809,16 @@
       </p:sp>
       <p:sp>
         <p:nvSpPr>
-          <p:cNvPr id="6" name="Rettangolo 5"/>
+          <p:cNvPr id="7" name="Ovale 6"/>
           <p:cNvSpPr/>
           <p:nvPr/>
         </p:nvSpPr>
         <p:spPr>
           <a:xfrm>
-            <a:off x="2973825" y="4616938"/>
-            <a:ext cx="501185" cy="238108"/>
-          </a:xfrm>
-          <a:prstGeom prst="rect">
+            <a:off x="5768186" y="4242720"/>
+            <a:ext cx="1302611" cy="982897"/>
+          </a:xfrm>
+          <a:prstGeom prst="ellipse">
             <a:avLst/>
           </a:prstGeom>
           <a:solidFill>
@@ -7027,59 +6854,8 @@
           <a:lstStyle/>
           <a:p>
             <a:pPr algn="ctr"/>
-            <a:endParaRPr lang="it-IT"/>
-          </a:p>
-        </p:txBody>
-      </p:sp>
-      <p:sp>
-        <p:nvSpPr>
-          <p:cNvPr id="7" name="Ovale 6"/>
-          <p:cNvSpPr/>
-          <p:nvPr/>
-        </p:nvSpPr>
-        <p:spPr>
-          <a:xfrm>
-            <a:off x="5768186" y="4242720"/>
-            <a:ext cx="1302611" cy="982897"/>
-          </a:xfrm>
-          <a:prstGeom prst="ellipse">
-            <a:avLst/>
-          </a:prstGeom>
-          <a:solidFill>
-            <a:schemeClr val="accent2">
-              <a:lumMod val="20000"/>
-              <a:lumOff val="80000"/>
-            </a:schemeClr>
-          </a:solidFill>
-          <a:ln w="12700">
-            <a:solidFill>
-              <a:schemeClr val="tx1"/>
-            </a:solidFill>
-          </a:ln>
-        </p:spPr>
-        <p:style>
-          <a:lnRef idx="2">
-            <a:schemeClr val="accent1">
-              <a:shade val="50000"/>
-            </a:schemeClr>
-          </a:lnRef>
-          <a:fillRef idx="1">
-            <a:schemeClr val="accent1"/>
-          </a:fillRef>
-          <a:effectRef idx="0">
-            <a:schemeClr val="accent1"/>
-          </a:effectRef>
-          <a:fontRef idx="minor">
-            <a:schemeClr val="lt1"/>
-          </a:fontRef>
-        </p:style>
-        <p:txBody>
-          <a:bodyPr rtlCol="0" anchor="ctr"/>
-          <a:lstStyle/>
-          <a:p>
-            <a:pPr algn="ctr"/>
-            <a:r>
-              <a:rPr lang="it-IT" sz="1400" dirty="0" smtClean="0">
+            <a:r>
+              <a:rPr lang="it-IT" sz="1400" dirty="0">
                 <a:solidFill>
                   <a:schemeClr val="tx1"/>
                 </a:solidFill>
@@ -7087,12 +6863,6 @@
               </a:rPr>
               <a:t>Robot Driver</a:t>
             </a:r>
-            <a:endParaRPr lang="it-IT" sz="1400" dirty="0">
-              <a:solidFill>
-                <a:schemeClr val="tx1"/>
-              </a:solidFill>
-              <a:latin typeface="Century Schoolbook" panose="02040604050505020304" pitchFamily="18" charset="0"/>
-            </a:endParaRPr>
           </a:p>
         </p:txBody>
       </p:sp>
@@ -7111,6 +6881,54 @@
             <a:avLst/>
           </a:prstGeom>
           <a:solidFill>
+            <a:srgbClr val="FF0000"/>
+          </a:solidFill>
+          <a:ln w="12700">
+            <a:solidFill>
+              <a:schemeClr val="tx1"/>
+            </a:solidFill>
+          </a:ln>
+        </p:spPr>
+        <p:style>
+          <a:lnRef idx="2">
+            <a:schemeClr val="accent1">
+              <a:shade val="50000"/>
+            </a:schemeClr>
+          </a:lnRef>
+          <a:fillRef idx="1">
+            <a:schemeClr val="accent1"/>
+          </a:fillRef>
+          <a:effectRef idx="0">
+            <a:schemeClr val="accent1"/>
+          </a:effectRef>
+          <a:fontRef idx="minor">
+            <a:schemeClr val="lt1"/>
+          </a:fontRef>
+        </p:style>
+        <p:txBody>
+          <a:bodyPr rtlCol="0" anchor="ctr"/>
+          <a:lstStyle/>
+          <a:p>
+            <a:pPr algn="ctr"/>
+            <a:endParaRPr lang="it-IT"/>
+          </a:p>
+        </p:txBody>
+      </p:sp>
+      <p:sp>
+        <p:nvSpPr>
+          <p:cNvPr id="9" name="Rettangolo 8"/>
+          <p:cNvSpPr/>
+          <p:nvPr/>
+        </p:nvSpPr>
+        <p:spPr>
+          <a:xfrm>
+            <a:off x="5444695" y="4616938"/>
+            <a:ext cx="501185" cy="238108"/>
+          </a:xfrm>
+          <a:prstGeom prst="rect">
+            <a:avLst/>
+          </a:prstGeom>
+          <a:solidFill>
             <a:schemeClr val="accent2">
               <a:lumMod val="20000"/>
               <a:lumOff val="80000"/>
@@ -7149,20 +6967,20 @@
       </p:sp>
       <p:sp>
         <p:nvSpPr>
-          <p:cNvPr id="9" name="Rettangolo 8"/>
+          <p:cNvPr id="10" name="Ovale 9"/>
           <p:cNvSpPr/>
           <p:nvPr/>
         </p:nvSpPr>
         <p:spPr>
           <a:xfrm>
-            <a:off x="5444695" y="4616938"/>
-            <a:ext cx="501185" cy="238108"/>
-          </a:xfrm>
-          <a:prstGeom prst="rect">
-            <a:avLst/>
-          </a:prstGeom>
-          <a:solidFill>
-            <a:schemeClr val="accent2">
+            <a:off x="7915565" y="4242720"/>
+            <a:ext cx="1302611" cy="982897"/>
+          </a:xfrm>
+          <a:prstGeom prst="ellipse">
+            <a:avLst/>
+          </a:prstGeom>
+          <a:solidFill>
+            <a:schemeClr val="accent4">
               <a:lumMod val="20000"/>
               <a:lumOff val="80000"/>
             </a:schemeClr>
@@ -7194,59 +7012,8 @@
           <a:lstStyle/>
           <a:p>
             <a:pPr algn="ctr"/>
-            <a:endParaRPr lang="it-IT"/>
-          </a:p>
-        </p:txBody>
-      </p:sp>
-      <p:sp>
-        <p:nvSpPr>
-          <p:cNvPr id="10" name="Ovale 9"/>
-          <p:cNvSpPr/>
-          <p:nvPr/>
-        </p:nvSpPr>
-        <p:spPr>
-          <a:xfrm>
-            <a:off x="7915565" y="4242720"/>
-            <a:ext cx="1302611" cy="982897"/>
-          </a:xfrm>
-          <a:prstGeom prst="ellipse">
-            <a:avLst/>
-          </a:prstGeom>
-          <a:solidFill>
-            <a:schemeClr val="accent4">
-              <a:lumMod val="20000"/>
-              <a:lumOff val="80000"/>
-            </a:schemeClr>
-          </a:solidFill>
-          <a:ln w="12700">
-            <a:solidFill>
-              <a:schemeClr val="tx1"/>
-            </a:solidFill>
-          </a:ln>
-        </p:spPr>
-        <p:style>
-          <a:lnRef idx="2">
-            <a:schemeClr val="accent1">
-              <a:shade val="50000"/>
-            </a:schemeClr>
-          </a:lnRef>
-          <a:fillRef idx="1">
-            <a:schemeClr val="accent1"/>
-          </a:fillRef>
-          <a:effectRef idx="0">
-            <a:schemeClr val="accent1"/>
-          </a:effectRef>
-          <a:fontRef idx="minor">
-            <a:schemeClr val="lt1"/>
-          </a:fontRef>
-        </p:style>
-        <p:txBody>
-          <a:bodyPr rtlCol="0" anchor="ctr"/>
-          <a:lstStyle/>
-          <a:p>
-            <a:pPr algn="ctr"/>
-            <a:r>
-              <a:rPr lang="it-IT" sz="1400" dirty="0" smtClean="0">
+            <a:r>
+              <a:rPr lang="it-IT" sz="1400" dirty="0">
                 <a:solidFill>
                   <a:schemeClr val="tx1"/>
                 </a:solidFill>
@@ -7254,12 +7021,6 @@
               </a:rPr>
               <a:t>Virtual Robot</a:t>
             </a:r>
-            <a:endParaRPr lang="it-IT" sz="1400" dirty="0">
-              <a:solidFill>
-                <a:schemeClr val="tx1"/>
-              </a:solidFill>
-              <a:latin typeface="Century Schoolbook" panose="02040604050505020304" pitchFamily="18" charset="0"/>
-            </a:endParaRPr>
           </a:p>
         </p:txBody>
       </p:sp>
@@ -7278,10 +7039,7 @@
             <a:avLst/>
           </a:prstGeom>
           <a:solidFill>
-            <a:schemeClr val="accent4">
-              <a:lumMod val="20000"/>
-              <a:lumOff val="80000"/>
-            </a:schemeClr>
+            <a:srgbClr val="FF0000"/>
           </a:solidFill>
           <a:ln w="12700">
             <a:solidFill>
@@ -7362,7 +7120,7 @@
           <a:p>
             <a:pPr algn="ctr"/>
             <a:r>
-              <a:rPr lang="it-IT" sz="1400" dirty="0" smtClean="0">
+              <a:rPr lang="it-IT" sz="1400" dirty="0">
                 <a:solidFill>
                   <a:schemeClr val="tx1"/>
                 </a:solidFill>
@@ -7370,12 +7128,6 @@
               </a:rPr>
               <a:t>Planner Util</a:t>
             </a:r>
-            <a:endParaRPr lang="it-IT" sz="1400" dirty="0">
-              <a:solidFill>
-                <a:schemeClr val="tx1"/>
-              </a:solidFill>
-              <a:latin typeface="Century Schoolbook" panose="02040604050505020304" pitchFamily="18" charset="0"/>
-            </a:endParaRPr>
           </a:p>
         </p:txBody>
       </p:sp>
@@ -7464,7 +7216,7 @@
           <a:p>
             <a:pPr algn="ctr"/>
             <a:r>
-              <a:rPr lang="it-IT" sz="1400" dirty="0" smtClean="0">
+              <a:rPr lang="it-IT" sz="1400" dirty="0">
                 <a:solidFill>
                   <a:schemeClr val="tx1"/>
                 </a:solidFill>
@@ -7472,12 +7224,6 @@
               </a:rPr>
               <a:t>Directional Planner</a:t>
             </a:r>
-            <a:endParaRPr lang="it-IT" sz="1400" dirty="0">
-              <a:solidFill>
-                <a:schemeClr val="tx1"/>
-              </a:solidFill>
-              <a:latin typeface="Century Schoolbook" panose="02040604050505020304" pitchFamily="18" charset="0"/>
-            </a:endParaRPr>
           </a:p>
         </p:txBody>
       </p:sp>
@@ -7808,7 +7554,7 @@
           <a:p>
             <a:pPr algn="ctr"/>
             <a:r>
-              <a:rPr lang="it-IT" sz="1400" dirty="0" smtClean="0">
+              <a:rPr lang="it-IT" sz="1400" dirty="0">
                 <a:solidFill>
                   <a:schemeClr val="tx1"/>
                 </a:solidFill>
@@ -7816,12 +7562,6 @@
               </a:rPr>
               <a:t>Robot Driver</a:t>
             </a:r>
-            <a:endParaRPr lang="it-IT" sz="1400" dirty="0">
-              <a:solidFill>
-                <a:schemeClr val="tx1"/>
-              </a:solidFill>
-              <a:latin typeface="Century Schoolbook" panose="02040604050505020304" pitchFamily="18" charset="0"/>
-            </a:endParaRPr>
           </a:p>
         </p:txBody>
       </p:sp>
@@ -7840,6 +7580,54 @@
             <a:avLst/>
           </a:prstGeom>
           <a:solidFill>
+            <a:srgbClr val="FF0000"/>
+          </a:solidFill>
+          <a:ln w="12700">
+            <a:solidFill>
+              <a:schemeClr val="tx1"/>
+            </a:solidFill>
+          </a:ln>
+        </p:spPr>
+        <p:style>
+          <a:lnRef idx="2">
+            <a:schemeClr val="accent1">
+              <a:shade val="50000"/>
+            </a:schemeClr>
+          </a:lnRef>
+          <a:fillRef idx="1">
+            <a:schemeClr val="accent1"/>
+          </a:fillRef>
+          <a:effectRef idx="0">
+            <a:schemeClr val="accent1"/>
+          </a:effectRef>
+          <a:fontRef idx="minor">
+            <a:schemeClr val="lt1"/>
+          </a:fontRef>
+        </p:style>
+        <p:txBody>
+          <a:bodyPr rtlCol="0" anchor="ctr"/>
+          <a:lstStyle/>
+          <a:p>
+            <a:pPr algn="ctr"/>
+            <a:endParaRPr lang="it-IT"/>
+          </a:p>
+        </p:txBody>
+      </p:sp>
+      <p:sp>
+        <p:nvSpPr>
+          <p:cNvPr id="83" name="Rettangolo 82"/>
+          <p:cNvSpPr/>
+          <p:nvPr/>
+        </p:nvSpPr>
+        <p:spPr>
+          <a:xfrm>
+            <a:off x="1900137" y="4616938"/>
+            <a:ext cx="501185" cy="238108"/>
+          </a:xfrm>
+          <a:prstGeom prst="rect">
+            <a:avLst/>
+          </a:prstGeom>
+          <a:solidFill>
             <a:schemeClr val="accent2">
               <a:lumMod val="20000"/>
               <a:lumOff val="80000"/>
@@ -7878,20 +7666,20 @@
       </p:sp>
       <p:sp>
         <p:nvSpPr>
-          <p:cNvPr id="83" name="Rettangolo 82"/>
+          <p:cNvPr id="84" name="Ovale 83"/>
           <p:cNvSpPr/>
           <p:nvPr/>
         </p:nvSpPr>
         <p:spPr>
           <a:xfrm>
-            <a:off x="1900137" y="4616938"/>
-            <a:ext cx="501185" cy="238108"/>
-          </a:xfrm>
-          <a:prstGeom prst="rect">
-            <a:avLst/>
-          </a:prstGeom>
-          <a:solidFill>
-            <a:schemeClr val="accent2">
+            <a:off x="4371007" y="4242720"/>
+            <a:ext cx="1302611" cy="982897"/>
+          </a:xfrm>
+          <a:prstGeom prst="ellipse">
+            <a:avLst/>
+          </a:prstGeom>
+          <a:solidFill>
+            <a:schemeClr val="accent4">
               <a:lumMod val="20000"/>
               <a:lumOff val="80000"/>
             </a:schemeClr>
@@ -7923,59 +7711,8 @@
           <a:lstStyle/>
           <a:p>
             <a:pPr algn="ctr"/>
-            <a:endParaRPr lang="it-IT"/>
-          </a:p>
-        </p:txBody>
-      </p:sp>
-      <p:sp>
-        <p:nvSpPr>
-          <p:cNvPr id="84" name="Ovale 83"/>
-          <p:cNvSpPr/>
-          <p:nvPr/>
-        </p:nvSpPr>
-        <p:spPr>
-          <a:xfrm>
-            <a:off x="4371007" y="4242720"/>
-            <a:ext cx="1302611" cy="982897"/>
-          </a:xfrm>
-          <a:prstGeom prst="ellipse">
-            <a:avLst/>
-          </a:prstGeom>
-          <a:solidFill>
-            <a:schemeClr val="accent4">
-              <a:lumMod val="20000"/>
-              <a:lumOff val="80000"/>
-            </a:schemeClr>
-          </a:solidFill>
-          <a:ln w="12700">
-            <a:solidFill>
-              <a:schemeClr val="tx1"/>
-            </a:solidFill>
-          </a:ln>
-        </p:spPr>
-        <p:style>
-          <a:lnRef idx="2">
-            <a:schemeClr val="accent1">
-              <a:shade val="50000"/>
-            </a:schemeClr>
-          </a:lnRef>
-          <a:fillRef idx="1">
-            <a:schemeClr val="accent1"/>
-          </a:fillRef>
-          <a:effectRef idx="0">
-            <a:schemeClr val="accent1"/>
-          </a:effectRef>
-          <a:fontRef idx="minor">
-            <a:schemeClr val="lt1"/>
-          </a:fontRef>
-        </p:style>
-        <p:txBody>
-          <a:bodyPr rtlCol="0" anchor="ctr"/>
-          <a:lstStyle/>
-          <a:p>
-            <a:pPr algn="ctr"/>
-            <a:r>
-              <a:rPr lang="it-IT" sz="1400" dirty="0" smtClean="0">
+            <a:r>
+              <a:rPr lang="it-IT" sz="1400" dirty="0">
                 <a:solidFill>
                   <a:schemeClr val="tx1"/>
                 </a:solidFill>
@@ -7983,12 +7720,6 @@
               </a:rPr>
               <a:t>Robot Proxy</a:t>
             </a:r>
-            <a:endParaRPr lang="it-IT" sz="1400" dirty="0">
-              <a:solidFill>
-                <a:schemeClr val="tx1"/>
-              </a:solidFill>
-              <a:latin typeface="Century Schoolbook" panose="02040604050505020304" pitchFamily="18" charset="0"/>
-            </a:endParaRPr>
           </a:p>
         </p:txBody>
       </p:sp>
@@ -8007,10 +7738,7 @@
             <a:avLst/>
           </a:prstGeom>
           <a:solidFill>
-            <a:schemeClr val="accent4">
-              <a:lumMod val="20000"/>
-              <a:lumOff val="80000"/>
-            </a:schemeClr>
+            <a:srgbClr val="FF0000"/>
           </a:solidFill>
           <a:ln w="12700">
             <a:solidFill>
@@ -8091,7 +7819,7 @@
           <a:p>
             <a:pPr algn="ctr"/>
             <a:r>
-              <a:rPr lang="it-IT" sz="1400" dirty="0" smtClean="0">
+              <a:rPr lang="it-IT" sz="1400" dirty="0">
                 <a:solidFill>
                   <a:schemeClr val="tx1"/>
                 </a:solidFill>
@@ -8099,12 +7827,6 @@
               </a:rPr>
               <a:t>Planner Util</a:t>
             </a:r>
-            <a:endParaRPr lang="it-IT" sz="1400" dirty="0">
-              <a:solidFill>
-                <a:schemeClr val="tx1"/>
-              </a:solidFill>
-              <a:latin typeface="Century Schoolbook" panose="02040604050505020304" pitchFamily="18" charset="0"/>
-            </a:endParaRPr>
           </a:p>
         </p:txBody>
       </p:sp>
@@ -8193,7 +7915,7 @@
           <a:p>
             <a:pPr algn="ctr"/>
             <a:r>
-              <a:rPr lang="it-IT" sz="1400" dirty="0" smtClean="0">
+              <a:rPr lang="it-IT" sz="1400" dirty="0">
                 <a:solidFill>
                   <a:schemeClr val="tx1"/>
                 </a:solidFill>
@@ -8201,12 +7923,6 @@
               </a:rPr>
               <a:t>Directional Planner</a:t>
             </a:r>
-            <a:endParaRPr lang="it-IT" sz="1400" dirty="0">
-              <a:solidFill>
-                <a:schemeClr val="tx1"/>
-              </a:solidFill>
-              <a:latin typeface="Century Schoolbook" panose="02040604050505020304" pitchFamily="18" charset="0"/>
-            </a:endParaRPr>
           </a:p>
         </p:txBody>
       </p:sp>
@@ -8370,7 +8086,7 @@
           <a:p>
             <a:pPr algn="ctr"/>
             <a:r>
-              <a:rPr lang="it-IT" sz="1400" dirty="0" smtClean="0">
+              <a:rPr lang="it-IT" sz="1400" dirty="0">
                 <a:solidFill>
                   <a:schemeClr val="tx1"/>
                 </a:solidFill>
@@ -8378,12 +8094,6 @@
               </a:rPr>
               <a:t>Basic Step Robot</a:t>
             </a:r>
-            <a:endParaRPr lang="it-IT" sz="1400" dirty="0">
-              <a:solidFill>
-                <a:schemeClr val="tx1"/>
-              </a:solidFill>
-              <a:latin typeface="Century Schoolbook" panose="02040604050505020304" pitchFamily="18" charset="0"/>
-            </a:endParaRPr>
           </a:p>
         </p:txBody>
       </p:sp>
@@ -8402,10 +8112,7 @@
             <a:avLst/>
           </a:prstGeom>
           <a:solidFill>
-            <a:schemeClr val="accent2">
-              <a:lumMod val="20000"/>
-              <a:lumOff val="80000"/>
-            </a:schemeClr>
+            <a:srgbClr val="FF0000"/>
           </a:solidFill>
           <a:ln w="12700">
             <a:solidFill>
@@ -8575,7 +8282,7 @@
           <a:p>
             <a:pPr algn="ctr"/>
             <a:r>
-              <a:rPr lang="it-IT" sz="1400" dirty="0" smtClean="0">
+              <a:rPr lang="it-IT" sz="1400" dirty="0">
                 <a:solidFill>
                   <a:schemeClr val="tx1"/>
                 </a:solidFill>
@@ -8583,12 +8290,6 @@
               </a:rPr>
               <a:t>WEnv</a:t>
             </a:r>
-            <a:endParaRPr lang="it-IT" sz="1400" dirty="0">
-              <a:solidFill>
-                <a:schemeClr val="tx1"/>
-              </a:solidFill>
-              <a:latin typeface="Century Schoolbook" panose="02040604050505020304" pitchFamily="18" charset="0"/>
-            </a:endParaRPr>
           </a:p>
         </p:txBody>
       </p:sp>
@@ -8607,10 +8308,7 @@
             <a:avLst/>
           </a:prstGeom>
           <a:solidFill>
-            <a:schemeClr val="accent4">
-              <a:lumMod val="20000"/>
-              <a:lumOff val="80000"/>
-            </a:schemeClr>
+            <a:srgbClr val="FF0000"/>
           </a:solidFill>
           <a:ln w="12700">
             <a:solidFill>
@@ -8930,7 +8628,7 @@
           <a:p>
             <a:pPr algn="ctr"/>
             <a:r>
-              <a:rPr lang="it-IT" sz="1400" dirty="0" smtClean="0">
+              <a:rPr lang="it-IT" sz="1400" dirty="0">
                 <a:solidFill>
                   <a:schemeClr val="tx1"/>
                 </a:solidFill>
@@ -8938,17 +8636,11 @@
               </a:rPr>
               <a:t>Weight</a:t>
             </a:r>
-            <a:endParaRPr lang="it-IT" sz="1400" dirty="0" smtClean="0">
-              <a:solidFill>
-                <a:schemeClr val="tx1"/>
-              </a:solidFill>
-              <a:latin typeface="Century Schoolbook" panose="02040604050505020304" pitchFamily="18" charset="0"/>
-            </a:endParaRPr>
           </a:p>
           <a:p>
             <a:pPr algn="ctr"/>
             <a:r>
-              <a:rPr lang="it-IT" sz="1400" dirty="0" smtClean="0">
+              <a:rPr lang="it-IT" sz="1400" dirty="0">
                 <a:solidFill>
                   <a:schemeClr val="tx1"/>
                 </a:solidFill>
@@ -8956,12 +8648,6 @@
               </a:rPr>
               <a:t>Actor</a:t>
             </a:r>
-            <a:endParaRPr lang="it-IT" sz="1400" dirty="0">
-              <a:solidFill>
-                <a:schemeClr val="tx1"/>
-              </a:solidFill>
-              <a:latin typeface="Century Schoolbook" panose="02040604050505020304" pitchFamily="18" charset="0"/>
-            </a:endParaRPr>
           </a:p>
         </p:txBody>
       </p:sp>
@@ -8980,10 +8666,7 @@
             <a:avLst/>
           </a:prstGeom>
           <a:solidFill>
-            <a:schemeClr val="accent2">
-              <a:lumMod val="20000"/>
-              <a:lumOff val="80000"/>
-            </a:schemeClr>
+            <a:srgbClr val="FF0000"/>
           </a:solidFill>
           <a:ln w="12700">
             <a:solidFill>
@@ -9154,7 +8837,7 @@
           <a:p>
             <a:pPr algn="ctr"/>
             <a:r>
-              <a:rPr lang="it-IT" sz="1400" dirty="0" smtClean="0">
+              <a:rPr lang="it-IT" sz="1400" dirty="0">
                 <a:solidFill>
                   <a:schemeClr val="tx1"/>
                 </a:solidFill>
@@ -9162,12 +8845,6 @@
               </a:rPr>
               <a:t>Presence Weight</a:t>
             </a:r>
-            <a:endParaRPr lang="it-IT" sz="1400" dirty="0">
-              <a:solidFill>
-                <a:schemeClr val="tx1"/>
-              </a:solidFill>
-              <a:latin typeface="Century Schoolbook" panose="02040604050505020304" pitchFamily="18" charset="0"/>
-            </a:endParaRPr>
           </a:p>
         </p:txBody>
       </p:sp>
@@ -9219,7 +8896,7 @@
           <a:p>
             <a:pPr algn="ctr"/>
             <a:r>
-              <a:rPr lang="it-IT" sz="1400" dirty="0" smtClean="0">
+              <a:rPr lang="it-IT" sz="1400" dirty="0">
                 <a:solidFill>
                   <a:schemeClr val="tx1"/>
                 </a:solidFill>
@@ -9227,17 +8904,11 @@
               </a:rPr>
               <a:t>Sonar</a:t>
             </a:r>
-            <a:endParaRPr lang="it-IT" sz="1400" dirty="0" smtClean="0">
-              <a:solidFill>
-                <a:schemeClr val="tx1"/>
-              </a:solidFill>
-              <a:latin typeface="Century Schoolbook" panose="02040604050505020304" pitchFamily="18" charset="0"/>
-            </a:endParaRPr>
           </a:p>
           <a:p>
             <a:pPr algn="ctr"/>
             <a:r>
-              <a:rPr lang="it-IT" sz="1400" dirty="0" smtClean="0">
+              <a:rPr lang="it-IT" sz="1400" dirty="0">
                 <a:solidFill>
                   <a:schemeClr val="tx1"/>
                 </a:solidFill>
@@ -9245,12 +8916,6 @@
               </a:rPr>
               <a:t>Actor</a:t>
             </a:r>
-            <a:endParaRPr lang="it-IT" sz="1400" dirty="0">
-              <a:solidFill>
-                <a:schemeClr val="tx1"/>
-              </a:solidFill>
-              <a:latin typeface="Century Schoolbook" panose="02040604050505020304" pitchFamily="18" charset="0"/>
-            </a:endParaRPr>
           </a:p>
         </p:txBody>
       </p:sp>
@@ -9269,10 +8934,7 @@
             <a:avLst/>
           </a:prstGeom>
           <a:solidFill>
-            <a:schemeClr val="accent2">
-              <a:lumMod val="20000"/>
-              <a:lumOff val="80000"/>
-            </a:schemeClr>
+            <a:srgbClr val="FF0000"/>
           </a:solidFill>
           <a:ln w="12700">
             <a:solidFill>
@@ -9443,7 +9105,7 @@
           <a:p>
             <a:pPr algn="ctr"/>
             <a:r>
-              <a:rPr lang="it-IT" sz="1400" dirty="0" smtClean="0">
+              <a:rPr lang="it-IT" sz="1400" dirty="0">
                 <a:solidFill>
                   <a:schemeClr val="tx1"/>
                 </a:solidFill>
@@ -9451,12 +9113,6 @@
               </a:rPr>
               <a:t>Presence Sonar</a:t>
             </a:r>
-            <a:endParaRPr lang="it-IT" sz="1400" dirty="0">
-              <a:solidFill>
-                <a:schemeClr val="tx1"/>
-              </a:solidFill>
-              <a:latin typeface="Century Schoolbook" panose="02040604050505020304" pitchFamily="18" charset="0"/>
-            </a:endParaRPr>
           </a:p>
         </p:txBody>
       </p:sp>

--- a/FinalTask/userDocs/img/final_task_schema.pptx
+++ b/FinalTask/userDocs/img/final_task_schema.pptx
@@ -6,11 +6,10 @@
   </p:sldMasterIdLst>
   <p:sldIdLst>
     <p:sldId id="261" r:id="rId2"/>
-    <p:sldId id="262" r:id="rId3"/>
-    <p:sldId id="263" r:id="rId4"/>
-    <p:sldId id="264" r:id="rId5"/>
-    <p:sldId id="265" r:id="rId6"/>
-    <p:sldId id="266" r:id="rId7"/>
+    <p:sldId id="271" r:id="rId3"/>
+    <p:sldId id="266" r:id="rId4"/>
+    <p:sldId id="270" r:id="rId5"/>
+    <p:sldId id="269" r:id="rId6"/>
   </p:sldIdLst>
   <p:sldSz cx="12192000" cy="6858000"/>
   <p:notesSz cx="6858000" cy="9144000"/>
@@ -159,9 +158,10 @@
           </a:lstStyle>
           <a:p>
             <a:r>
-              <a:rPr lang="it-IT"/>
+              <a:rPr lang="it-IT" smtClean="0"/>
               <a:t>Fare clic per modificare lo stile del titolo</a:t>
             </a:r>
+            <a:endParaRPr lang="it-IT"/>
           </a:p>
         </p:txBody>
       </p:sp>
@@ -223,9 +223,10 @@
           </a:lstStyle>
           <a:p>
             <a:r>
-              <a:rPr lang="it-IT"/>
+              <a:rPr lang="it-IT" smtClean="0"/>
               <a:t>Fare clic per modificare lo stile del sottotitolo dello schema</a:t>
             </a:r>
+            <a:endParaRPr lang="it-IT"/>
           </a:p>
         </p:txBody>
       </p:sp>
@@ -340,9 +341,10 @@
           <a:lstStyle/>
           <a:p>
             <a:r>
-              <a:rPr lang="it-IT"/>
+              <a:rPr lang="it-IT" smtClean="0"/>
               <a:t>Fare clic per modificare lo stile del titolo</a:t>
             </a:r>
+            <a:endParaRPr lang="it-IT"/>
           </a:p>
         </p:txBody>
       </p:sp>
@@ -363,37 +365,38 @@
           <a:p>
             <a:pPr lvl="0"/>
             <a:r>
-              <a:rPr lang="it-IT"/>
+              <a:rPr lang="it-IT" smtClean="0"/>
               <a:t>Modifica gli stili del testo dello schema</a:t>
             </a:r>
           </a:p>
           <a:p>
             <a:pPr lvl="1"/>
             <a:r>
-              <a:rPr lang="it-IT"/>
+              <a:rPr lang="it-IT" smtClean="0"/>
               <a:t>Secondo livello</a:t>
             </a:r>
           </a:p>
           <a:p>
             <a:pPr lvl="2"/>
             <a:r>
-              <a:rPr lang="it-IT"/>
+              <a:rPr lang="it-IT" smtClean="0"/>
               <a:t>Terzo livello</a:t>
             </a:r>
           </a:p>
           <a:p>
             <a:pPr lvl="3"/>
             <a:r>
-              <a:rPr lang="it-IT"/>
+              <a:rPr lang="it-IT" smtClean="0"/>
               <a:t>Quarto livello</a:t>
             </a:r>
           </a:p>
           <a:p>
             <a:pPr lvl="4"/>
             <a:r>
-              <a:rPr lang="it-IT"/>
+              <a:rPr lang="it-IT" smtClean="0"/>
               <a:t>Quinto livello</a:t>
             </a:r>
+            <a:endParaRPr lang="it-IT"/>
           </a:p>
         </p:txBody>
       </p:sp>
@@ -513,9 +516,10 @@
           <a:lstStyle/>
           <a:p>
             <a:r>
-              <a:rPr lang="it-IT"/>
+              <a:rPr lang="it-IT" smtClean="0"/>
               <a:t>Fare clic per modificare lo stile del titolo</a:t>
             </a:r>
+            <a:endParaRPr lang="it-IT"/>
           </a:p>
         </p:txBody>
       </p:sp>
@@ -541,37 +545,38 @@
           <a:p>
             <a:pPr lvl="0"/>
             <a:r>
-              <a:rPr lang="it-IT"/>
+              <a:rPr lang="it-IT" smtClean="0"/>
               <a:t>Modifica gli stili del testo dello schema</a:t>
             </a:r>
           </a:p>
           <a:p>
             <a:pPr lvl="1"/>
             <a:r>
-              <a:rPr lang="it-IT"/>
+              <a:rPr lang="it-IT" smtClean="0"/>
               <a:t>Secondo livello</a:t>
             </a:r>
           </a:p>
           <a:p>
             <a:pPr lvl="2"/>
             <a:r>
-              <a:rPr lang="it-IT"/>
+              <a:rPr lang="it-IT" smtClean="0"/>
               <a:t>Terzo livello</a:t>
             </a:r>
           </a:p>
           <a:p>
             <a:pPr lvl="3"/>
             <a:r>
-              <a:rPr lang="it-IT"/>
+              <a:rPr lang="it-IT" smtClean="0"/>
               <a:t>Quarto livello</a:t>
             </a:r>
           </a:p>
           <a:p>
             <a:pPr lvl="4"/>
             <a:r>
-              <a:rPr lang="it-IT"/>
+              <a:rPr lang="it-IT" smtClean="0"/>
               <a:t>Quinto livello</a:t>
             </a:r>
+            <a:endParaRPr lang="it-IT"/>
           </a:p>
         </p:txBody>
       </p:sp>
@@ -686,9 +691,10 @@
           <a:lstStyle/>
           <a:p>
             <a:r>
-              <a:rPr lang="it-IT"/>
+              <a:rPr lang="it-IT" smtClean="0"/>
               <a:t>Fare clic per modificare lo stile del titolo</a:t>
             </a:r>
+            <a:endParaRPr lang="it-IT"/>
           </a:p>
         </p:txBody>
       </p:sp>
@@ -709,37 +715,38 @@
           <a:p>
             <a:pPr lvl="0"/>
             <a:r>
-              <a:rPr lang="it-IT"/>
+              <a:rPr lang="it-IT" smtClean="0"/>
               <a:t>Modifica gli stili del testo dello schema</a:t>
             </a:r>
           </a:p>
           <a:p>
             <a:pPr lvl="1"/>
             <a:r>
-              <a:rPr lang="it-IT"/>
+              <a:rPr lang="it-IT" smtClean="0"/>
               <a:t>Secondo livello</a:t>
             </a:r>
           </a:p>
           <a:p>
             <a:pPr lvl="2"/>
             <a:r>
-              <a:rPr lang="it-IT"/>
+              <a:rPr lang="it-IT" smtClean="0"/>
               <a:t>Terzo livello</a:t>
             </a:r>
           </a:p>
           <a:p>
             <a:pPr lvl="3"/>
             <a:r>
-              <a:rPr lang="it-IT"/>
+              <a:rPr lang="it-IT" smtClean="0"/>
               <a:t>Quarto livello</a:t>
             </a:r>
           </a:p>
           <a:p>
             <a:pPr lvl="4"/>
             <a:r>
-              <a:rPr lang="it-IT"/>
+              <a:rPr lang="it-IT" smtClean="0"/>
               <a:t>Quinto livello</a:t>
             </a:r>
+            <a:endParaRPr lang="it-IT"/>
           </a:p>
         </p:txBody>
       </p:sp>
@@ -863,9 +870,10 @@
           </a:lstStyle>
           <a:p>
             <a:r>
-              <a:rPr lang="it-IT"/>
+              <a:rPr lang="it-IT" smtClean="0"/>
               <a:t>Fare clic per modificare lo stile del titolo</a:t>
             </a:r>
+            <a:endParaRPr lang="it-IT"/>
           </a:p>
         </p:txBody>
       </p:sp>
@@ -982,7 +990,7 @@
           <a:p>
             <a:pPr lvl="0"/>
             <a:r>
-              <a:rPr lang="it-IT"/>
+              <a:rPr lang="it-IT" smtClean="0"/>
               <a:t>Modifica gli stili del testo dello schema</a:t>
             </a:r>
           </a:p>
@@ -1099,9 +1107,10 @@
           <a:lstStyle/>
           <a:p>
             <a:r>
-              <a:rPr lang="it-IT"/>
+              <a:rPr lang="it-IT" smtClean="0"/>
               <a:t>Fare clic per modificare lo stile del titolo</a:t>
             </a:r>
+            <a:endParaRPr lang="it-IT"/>
           </a:p>
         </p:txBody>
       </p:sp>
@@ -1127,37 +1136,38 @@
           <a:p>
             <a:pPr lvl="0"/>
             <a:r>
-              <a:rPr lang="it-IT"/>
+              <a:rPr lang="it-IT" smtClean="0"/>
               <a:t>Modifica gli stili del testo dello schema</a:t>
             </a:r>
           </a:p>
           <a:p>
             <a:pPr lvl="1"/>
             <a:r>
-              <a:rPr lang="it-IT"/>
+              <a:rPr lang="it-IT" smtClean="0"/>
               <a:t>Secondo livello</a:t>
             </a:r>
           </a:p>
           <a:p>
             <a:pPr lvl="2"/>
             <a:r>
-              <a:rPr lang="it-IT"/>
+              <a:rPr lang="it-IT" smtClean="0"/>
               <a:t>Terzo livello</a:t>
             </a:r>
           </a:p>
           <a:p>
             <a:pPr lvl="3"/>
             <a:r>
-              <a:rPr lang="it-IT"/>
+              <a:rPr lang="it-IT" smtClean="0"/>
               <a:t>Quarto livello</a:t>
             </a:r>
           </a:p>
           <a:p>
             <a:pPr lvl="4"/>
             <a:r>
-              <a:rPr lang="it-IT"/>
+              <a:rPr lang="it-IT" smtClean="0"/>
               <a:t>Quinto livello</a:t>
             </a:r>
+            <a:endParaRPr lang="it-IT"/>
           </a:p>
         </p:txBody>
       </p:sp>
@@ -1183,37 +1193,38 @@
           <a:p>
             <a:pPr lvl="0"/>
             <a:r>
-              <a:rPr lang="it-IT"/>
+              <a:rPr lang="it-IT" smtClean="0"/>
               <a:t>Modifica gli stili del testo dello schema</a:t>
             </a:r>
           </a:p>
           <a:p>
             <a:pPr lvl="1"/>
             <a:r>
-              <a:rPr lang="it-IT"/>
+              <a:rPr lang="it-IT" smtClean="0"/>
               <a:t>Secondo livello</a:t>
             </a:r>
           </a:p>
           <a:p>
             <a:pPr lvl="2"/>
             <a:r>
-              <a:rPr lang="it-IT"/>
+              <a:rPr lang="it-IT" smtClean="0"/>
               <a:t>Terzo livello</a:t>
             </a:r>
           </a:p>
           <a:p>
             <a:pPr lvl="3"/>
             <a:r>
-              <a:rPr lang="it-IT"/>
+              <a:rPr lang="it-IT" smtClean="0"/>
               <a:t>Quarto livello</a:t>
             </a:r>
           </a:p>
           <a:p>
             <a:pPr lvl="4"/>
             <a:r>
-              <a:rPr lang="it-IT"/>
+              <a:rPr lang="it-IT" smtClean="0"/>
               <a:t>Quinto livello</a:t>
             </a:r>
+            <a:endParaRPr lang="it-IT"/>
           </a:p>
         </p:txBody>
       </p:sp>
@@ -1333,9 +1344,10 @@
           <a:lstStyle/>
           <a:p>
             <a:r>
-              <a:rPr lang="it-IT"/>
+              <a:rPr lang="it-IT" smtClean="0"/>
               <a:t>Fare clic per modificare lo stile del titolo</a:t>
             </a:r>
+            <a:endParaRPr lang="it-IT"/>
           </a:p>
         </p:txBody>
       </p:sp>
@@ -1398,7 +1410,7 @@
           <a:p>
             <a:pPr lvl="0"/>
             <a:r>
-              <a:rPr lang="it-IT"/>
+              <a:rPr lang="it-IT" smtClean="0"/>
               <a:t>Modifica gli stili del testo dello schema</a:t>
             </a:r>
           </a:p>
@@ -1426,37 +1438,38 @@
           <a:p>
             <a:pPr lvl="0"/>
             <a:r>
-              <a:rPr lang="it-IT"/>
+              <a:rPr lang="it-IT" smtClean="0"/>
               <a:t>Modifica gli stili del testo dello schema</a:t>
             </a:r>
           </a:p>
           <a:p>
             <a:pPr lvl="1"/>
             <a:r>
-              <a:rPr lang="it-IT"/>
+              <a:rPr lang="it-IT" smtClean="0"/>
               <a:t>Secondo livello</a:t>
             </a:r>
           </a:p>
           <a:p>
             <a:pPr lvl="2"/>
             <a:r>
-              <a:rPr lang="it-IT"/>
+              <a:rPr lang="it-IT" smtClean="0"/>
               <a:t>Terzo livello</a:t>
             </a:r>
           </a:p>
           <a:p>
             <a:pPr lvl="3"/>
             <a:r>
-              <a:rPr lang="it-IT"/>
+              <a:rPr lang="it-IT" smtClean="0"/>
               <a:t>Quarto livello</a:t>
             </a:r>
           </a:p>
           <a:p>
             <a:pPr lvl="4"/>
             <a:r>
-              <a:rPr lang="it-IT"/>
+              <a:rPr lang="it-IT" smtClean="0"/>
               <a:t>Quinto livello</a:t>
             </a:r>
+            <a:endParaRPr lang="it-IT"/>
           </a:p>
         </p:txBody>
       </p:sp>
@@ -1519,7 +1532,7 @@
           <a:p>
             <a:pPr lvl="0"/>
             <a:r>
-              <a:rPr lang="it-IT"/>
+              <a:rPr lang="it-IT" smtClean="0"/>
               <a:t>Modifica gli stili del testo dello schema</a:t>
             </a:r>
           </a:p>
@@ -1547,37 +1560,38 @@
           <a:p>
             <a:pPr lvl="0"/>
             <a:r>
-              <a:rPr lang="it-IT"/>
+              <a:rPr lang="it-IT" smtClean="0"/>
               <a:t>Modifica gli stili del testo dello schema</a:t>
             </a:r>
           </a:p>
           <a:p>
             <a:pPr lvl="1"/>
             <a:r>
-              <a:rPr lang="it-IT"/>
+              <a:rPr lang="it-IT" smtClean="0"/>
               <a:t>Secondo livello</a:t>
             </a:r>
           </a:p>
           <a:p>
             <a:pPr lvl="2"/>
             <a:r>
-              <a:rPr lang="it-IT"/>
+              <a:rPr lang="it-IT" smtClean="0"/>
               <a:t>Terzo livello</a:t>
             </a:r>
           </a:p>
           <a:p>
             <a:pPr lvl="3"/>
             <a:r>
-              <a:rPr lang="it-IT"/>
+              <a:rPr lang="it-IT" smtClean="0"/>
               <a:t>Quarto livello</a:t>
             </a:r>
           </a:p>
           <a:p>
             <a:pPr lvl="4"/>
             <a:r>
-              <a:rPr lang="it-IT"/>
+              <a:rPr lang="it-IT" smtClean="0"/>
               <a:t>Quinto livello</a:t>
             </a:r>
+            <a:endParaRPr lang="it-IT"/>
           </a:p>
         </p:txBody>
       </p:sp>
@@ -1692,9 +1706,10 @@
           <a:lstStyle/>
           <a:p>
             <a:r>
-              <a:rPr lang="it-IT"/>
+              <a:rPr lang="it-IT" smtClean="0"/>
               <a:t>Fare clic per modificare lo stile del titolo</a:t>
             </a:r>
+            <a:endParaRPr lang="it-IT"/>
           </a:p>
         </p:txBody>
       </p:sp>
@@ -1913,9 +1928,10 @@
           </a:lstStyle>
           <a:p>
             <a:r>
-              <a:rPr lang="it-IT"/>
+              <a:rPr lang="it-IT" smtClean="0"/>
               <a:t>Fare clic per modificare lo stile del titolo</a:t>
             </a:r>
+            <a:endParaRPr lang="it-IT"/>
           </a:p>
         </p:txBody>
       </p:sp>
@@ -1969,37 +1985,38 @@
           <a:p>
             <a:pPr lvl="0"/>
             <a:r>
-              <a:rPr lang="it-IT"/>
+              <a:rPr lang="it-IT" smtClean="0"/>
               <a:t>Modifica gli stili del testo dello schema</a:t>
             </a:r>
           </a:p>
           <a:p>
             <a:pPr lvl="1"/>
             <a:r>
-              <a:rPr lang="it-IT"/>
+              <a:rPr lang="it-IT" smtClean="0"/>
               <a:t>Secondo livello</a:t>
             </a:r>
           </a:p>
           <a:p>
             <a:pPr lvl="2"/>
             <a:r>
-              <a:rPr lang="it-IT"/>
+              <a:rPr lang="it-IT" smtClean="0"/>
               <a:t>Terzo livello</a:t>
             </a:r>
           </a:p>
           <a:p>
             <a:pPr lvl="3"/>
             <a:r>
-              <a:rPr lang="it-IT"/>
+              <a:rPr lang="it-IT" smtClean="0"/>
               <a:t>Quarto livello</a:t>
             </a:r>
           </a:p>
           <a:p>
             <a:pPr lvl="4"/>
             <a:r>
-              <a:rPr lang="it-IT"/>
+              <a:rPr lang="it-IT" smtClean="0"/>
               <a:t>Quinto livello</a:t>
             </a:r>
+            <a:endParaRPr lang="it-IT"/>
           </a:p>
         </p:txBody>
       </p:sp>
@@ -2062,7 +2079,7 @@
           <a:p>
             <a:pPr lvl="0"/>
             <a:r>
-              <a:rPr lang="it-IT"/>
+              <a:rPr lang="it-IT" smtClean="0"/>
               <a:t>Modifica gli stili del testo dello schema</a:t>
             </a:r>
           </a:p>
@@ -2188,9 +2205,10 @@
           </a:lstStyle>
           <a:p>
             <a:r>
-              <a:rPr lang="it-IT"/>
+              <a:rPr lang="it-IT" smtClean="0"/>
               <a:t>Fare clic per modificare lo stile del titolo</a:t>
             </a:r>
+            <a:endParaRPr lang="it-IT"/>
           </a:p>
         </p:txBody>
       </p:sp>
@@ -2314,7 +2332,7 @@
           <a:p>
             <a:pPr lvl="0"/>
             <a:r>
-              <a:rPr lang="it-IT"/>
+              <a:rPr lang="it-IT" smtClean="0"/>
               <a:t>Modifica gli stili del testo dello schema</a:t>
             </a:r>
           </a:p>
@@ -2446,9 +2464,10 @@
           <a:lstStyle/>
           <a:p>
             <a:r>
-              <a:rPr lang="it-IT"/>
+              <a:rPr lang="it-IT" smtClean="0"/>
               <a:t>Fare clic per modificare lo stile del titolo</a:t>
             </a:r>
+            <a:endParaRPr lang="it-IT"/>
           </a:p>
         </p:txBody>
       </p:sp>
@@ -2479,37 +2498,38 @@
           <a:p>
             <a:pPr lvl="0"/>
             <a:r>
-              <a:rPr lang="it-IT"/>
+              <a:rPr lang="it-IT" smtClean="0"/>
               <a:t>Modifica gli stili del testo dello schema</a:t>
             </a:r>
           </a:p>
           <a:p>
             <a:pPr lvl="1"/>
             <a:r>
-              <a:rPr lang="it-IT"/>
+              <a:rPr lang="it-IT" smtClean="0"/>
               <a:t>Secondo livello</a:t>
             </a:r>
           </a:p>
           <a:p>
             <a:pPr lvl="2"/>
             <a:r>
-              <a:rPr lang="it-IT"/>
+              <a:rPr lang="it-IT" smtClean="0"/>
               <a:t>Terzo livello</a:t>
             </a:r>
           </a:p>
           <a:p>
             <a:pPr lvl="3"/>
             <a:r>
-              <a:rPr lang="it-IT"/>
+              <a:rPr lang="it-IT" smtClean="0"/>
               <a:t>Quarto livello</a:t>
             </a:r>
           </a:p>
           <a:p>
             <a:pPr lvl="4"/>
             <a:r>
-              <a:rPr lang="it-IT"/>
+              <a:rPr lang="it-IT" smtClean="0"/>
               <a:t>Quinto livello</a:t>
             </a:r>
+            <a:endParaRPr lang="it-IT"/>
           </a:p>
         </p:txBody>
       </p:sp>
@@ -2961,7 +2981,7 @@
         </p:nvSpPr>
         <p:spPr>
           <a:xfrm>
-            <a:off x="5048046" y="3885565"/>
+            <a:off x="5048046" y="4640593"/>
             <a:ext cx="3653990" cy="471580"/>
           </a:xfrm>
           <a:prstGeom prst="roundRect">
@@ -3001,7 +3021,7 @@
           <a:p>
             <a:pPr algn="ctr"/>
             <a:r>
-              <a:rPr lang="it-IT" sz="1400" dirty="0">
+              <a:rPr lang="it-IT" sz="1400" dirty="0" smtClean="0">
                 <a:solidFill>
                   <a:schemeClr val="tx1"/>
                 </a:solidFill>
@@ -3013,7 +3033,7 @@
           <a:p>
             <a:pPr algn="ctr"/>
             <a:r>
-              <a:rPr lang="it-IT" sz="1400" i="1" dirty="0">
+              <a:rPr lang="it-IT" sz="1400" i="1" dirty="0" smtClean="0">
                 <a:solidFill>
                   <a:schemeClr val="tx1"/>
                 </a:solidFill>
@@ -3021,6 +3041,12 @@
               </a:rPr>
               <a:t>interface</a:t>
             </a:r>
+            <a:endParaRPr lang="it-IT" sz="1400" i="1" dirty="0">
+              <a:solidFill>
+                <a:schemeClr val="tx1"/>
+              </a:solidFill>
+              <a:latin typeface="Century Schoolbook" panose="02040604050505020304" pitchFamily="18" charset="0"/>
+            </a:endParaRPr>
           </a:p>
         </p:txBody>
       </p:sp>
@@ -3032,7 +3058,7 @@
         </p:nvSpPr>
         <p:spPr>
           <a:xfrm>
-            <a:off x="5048046" y="3405359"/>
+            <a:off x="5048046" y="4160387"/>
             <a:ext cx="1616791" cy="471580"/>
           </a:xfrm>
           <a:prstGeom prst="roundRect">
@@ -3072,7 +3098,7 @@
           <a:p>
             <a:pPr algn="ctr"/>
             <a:r>
-              <a:rPr lang="it-IT" sz="1400" dirty="0">
+              <a:rPr lang="it-IT" sz="1400" dirty="0" smtClean="0">
                 <a:solidFill>
                   <a:schemeClr val="tx1"/>
                 </a:solidFill>
@@ -3080,6 +3106,12 @@
               </a:rPr>
               <a:t>Presence Sonar</a:t>
             </a:r>
+            <a:endParaRPr lang="it-IT" sz="1400" dirty="0">
+              <a:solidFill>
+                <a:schemeClr val="tx1"/>
+              </a:solidFill>
+              <a:latin typeface="Century Schoolbook" panose="02040604050505020304" pitchFamily="18" charset="0"/>
+            </a:endParaRPr>
           </a:p>
         </p:txBody>
       </p:sp>
@@ -3091,7 +3123,7 @@
         </p:nvSpPr>
         <p:spPr>
           <a:xfrm>
-            <a:off x="7085245" y="3408343"/>
+            <a:off x="7085245" y="4163371"/>
             <a:ext cx="1616791" cy="471580"/>
           </a:xfrm>
           <a:prstGeom prst="roundRect">
@@ -3131,7 +3163,7 @@
           <a:p>
             <a:pPr algn="ctr"/>
             <a:r>
-              <a:rPr lang="it-IT" sz="1400" dirty="0">
+              <a:rPr lang="it-IT" sz="1400" dirty="0" smtClean="0">
                 <a:solidFill>
                   <a:schemeClr val="tx1"/>
                 </a:solidFill>
@@ -3139,6 +3171,12 @@
               </a:rPr>
               <a:t>Presence Weight</a:t>
             </a:r>
+            <a:endParaRPr lang="it-IT" sz="1400" dirty="0">
+              <a:solidFill>
+                <a:schemeClr val="tx1"/>
+              </a:solidFill>
+              <a:latin typeface="Century Schoolbook" panose="02040604050505020304" pitchFamily="18" charset="0"/>
+            </a:endParaRPr>
           </a:p>
         </p:txBody>
       </p:sp>
@@ -3150,7 +3188,7 @@
         </p:nvCxnSpPr>
         <p:spPr>
           <a:xfrm flipH="1" flipV="1">
-            <a:off x="5850993" y="2944990"/>
+            <a:off x="5850993" y="3700018"/>
             <a:ext cx="5448" cy="460369"/>
           </a:xfrm>
           <a:prstGeom prst="straightConnector1">
@@ -3187,7 +3225,7 @@
         </p:nvCxnSpPr>
         <p:spPr>
           <a:xfrm flipH="1" flipV="1">
-            <a:off x="7888192" y="2944990"/>
+            <a:off x="7888192" y="3700018"/>
             <a:ext cx="5448" cy="460369"/>
           </a:xfrm>
           <a:prstGeom prst="straightConnector1">
@@ -3224,7 +3262,7 @@
         </p:nvSpPr>
         <p:spPr>
           <a:xfrm>
-            <a:off x="3169947" y="2461839"/>
+            <a:off x="3169947" y="3216867"/>
             <a:ext cx="3494890" cy="471580"/>
           </a:xfrm>
           <a:prstGeom prst="roundRect">
@@ -3264,7 +3302,7 @@
           <a:p>
             <a:pPr algn="ctr"/>
             <a:r>
-              <a:rPr lang="it-IT" sz="1400" dirty="0">
+              <a:rPr lang="it-IT" sz="1400" dirty="0" smtClean="0">
                 <a:solidFill>
                   <a:schemeClr val="tx1"/>
                 </a:solidFill>
@@ -3276,7 +3314,7 @@
           <a:p>
             <a:pPr algn="ctr"/>
             <a:r>
-              <a:rPr lang="it-IT" sz="1400" i="1" dirty="0">
+              <a:rPr lang="it-IT" sz="1400" i="1" dirty="0" smtClean="0">
                 <a:solidFill>
                   <a:schemeClr val="tx1"/>
                 </a:solidFill>
@@ -3284,6 +3322,12 @@
               </a:rPr>
               <a:t>interface</a:t>
             </a:r>
+            <a:endParaRPr lang="it-IT" sz="1400" i="1" dirty="0">
+              <a:solidFill>
+                <a:schemeClr val="tx1"/>
+              </a:solidFill>
+              <a:latin typeface="Century Schoolbook" panose="02040604050505020304" pitchFamily="18" charset="0"/>
+            </a:endParaRPr>
           </a:p>
         </p:txBody>
       </p:sp>
@@ -3295,7 +3339,7 @@
         </p:nvSpPr>
         <p:spPr>
           <a:xfrm>
-            <a:off x="7097753" y="2456522"/>
+            <a:off x="7097753" y="3211550"/>
             <a:ext cx="1924301" cy="471580"/>
           </a:xfrm>
           <a:prstGeom prst="roundRect">
@@ -3335,7 +3379,7 @@
           <a:p>
             <a:pPr algn="ctr"/>
             <a:r>
-              <a:rPr lang="it-IT" sz="1400" dirty="0">
+              <a:rPr lang="it-IT" sz="1400" dirty="0" smtClean="0">
                 <a:solidFill>
                   <a:schemeClr val="tx1"/>
                 </a:solidFill>
@@ -3347,7 +3391,7 @@
           <a:p>
             <a:pPr algn="ctr"/>
             <a:r>
-              <a:rPr lang="it-IT" sz="1400" i="1" dirty="0">
+              <a:rPr lang="it-IT" sz="1400" i="1" dirty="0" smtClean="0">
                 <a:solidFill>
                   <a:schemeClr val="tx1"/>
                 </a:solidFill>
@@ -3355,6 +3399,12 @@
               </a:rPr>
               <a:t>interface</a:t>
             </a:r>
+            <a:endParaRPr lang="it-IT" sz="1400" i="1" dirty="0">
+              <a:solidFill>
+                <a:schemeClr val="tx1"/>
+              </a:solidFill>
+              <a:latin typeface="Century Schoolbook" panose="02040604050505020304" pitchFamily="18" charset="0"/>
+            </a:endParaRPr>
           </a:p>
         </p:txBody>
       </p:sp>
@@ -3366,7 +3416,7 @@
         </p:nvSpPr>
         <p:spPr>
           <a:xfrm>
-            <a:off x="3169947" y="1981633"/>
+            <a:off x="3169947" y="2736661"/>
             <a:ext cx="1575031" cy="471580"/>
           </a:xfrm>
           <a:prstGeom prst="roundRect">
@@ -3406,7 +3456,7 @@
           <a:p>
             <a:pPr algn="ctr"/>
             <a:r>
-              <a:rPr lang="it-IT" sz="1400" dirty="0">
+              <a:rPr lang="it-IT" sz="1400" dirty="0" smtClean="0">
                 <a:solidFill>
                   <a:schemeClr val="tx1"/>
                 </a:solidFill>
@@ -3414,6 +3464,12 @@
               </a:rPr>
               <a:t>Mock Sonar</a:t>
             </a:r>
+            <a:endParaRPr lang="it-IT" sz="1400" dirty="0">
+              <a:solidFill>
+                <a:schemeClr val="tx1"/>
+              </a:solidFill>
+              <a:latin typeface="Century Schoolbook" panose="02040604050505020304" pitchFamily="18" charset="0"/>
+            </a:endParaRPr>
           </a:p>
         </p:txBody>
       </p:sp>
@@ -3425,7 +3481,7 @@
         </p:nvSpPr>
         <p:spPr>
           <a:xfrm>
-            <a:off x="5089806" y="1981633"/>
+            <a:off x="5089806" y="2736661"/>
             <a:ext cx="1575031" cy="471580"/>
           </a:xfrm>
           <a:prstGeom prst="roundRect">
@@ -3465,7 +3521,7 @@
           <a:p>
             <a:pPr algn="ctr"/>
             <a:r>
-              <a:rPr lang="it-IT" sz="1400" dirty="0">
+              <a:rPr lang="it-IT" sz="1400" dirty="0" smtClean="0">
                 <a:solidFill>
                   <a:schemeClr val="tx1"/>
                 </a:solidFill>
@@ -3473,6 +3529,12 @@
               </a:rPr>
               <a:t>Sonar Driver</a:t>
             </a:r>
+            <a:endParaRPr lang="it-IT" sz="1400" dirty="0">
+              <a:solidFill>
+                <a:schemeClr val="tx1"/>
+              </a:solidFill>
+              <a:latin typeface="Century Schoolbook" panose="02040604050505020304" pitchFamily="18" charset="0"/>
+            </a:endParaRPr>
           </a:p>
         </p:txBody>
       </p:sp>
@@ -3484,7 +3546,7 @@
         </p:nvSpPr>
         <p:spPr>
           <a:xfrm>
-            <a:off x="7097753" y="1976884"/>
+            <a:off x="7097753" y="2731912"/>
             <a:ext cx="1924301" cy="471580"/>
           </a:xfrm>
           <a:prstGeom prst="roundRect">
@@ -3524,7 +3586,7 @@
           <a:p>
             <a:pPr algn="ctr"/>
             <a:r>
-              <a:rPr lang="it-IT" sz="1400" dirty="0">
+              <a:rPr lang="it-IT" sz="1400" dirty="0" smtClean="0">
                 <a:solidFill>
                   <a:schemeClr val="tx1"/>
                 </a:solidFill>
@@ -3532,6 +3594,12 @@
               </a:rPr>
               <a:t>Mock Weight Sensor</a:t>
             </a:r>
+            <a:endParaRPr lang="it-IT" sz="1400" dirty="0">
+              <a:solidFill>
+                <a:schemeClr val="tx1"/>
+              </a:solidFill>
+              <a:latin typeface="Century Schoolbook" panose="02040604050505020304" pitchFamily="18" charset="0"/>
+            </a:endParaRPr>
           </a:p>
         </p:txBody>
       </p:sp>
@@ -3543,7 +3611,7 @@
         </p:nvSpPr>
         <p:spPr>
           <a:xfrm>
-            <a:off x="5396638" y="1335615"/>
+            <a:off x="5396638" y="2090643"/>
             <a:ext cx="892349" cy="471580"/>
           </a:xfrm>
           <a:prstGeom prst="rect">
@@ -3599,7 +3667,7 @@
         </p:nvSpPr>
         <p:spPr>
           <a:xfrm>
-            <a:off x="5450835" y="1378643"/>
+            <a:off x="5450835" y="2133671"/>
             <a:ext cx="370937" cy="385524"/>
           </a:xfrm>
           <a:prstGeom prst="ellipse">
@@ -3655,7 +3723,7 @@
         </p:nvSpPr>
         <p:spPr>
           <a:xfrm>
-            <a:off x="5875969" y="1378643"/>
+            <a:off x="5875969" y="2133671"/>
             <a:ext cx="370937" cy="385524"/>
           </a:xfrm>
           <a:prstGeom prst="ellipse">
@@ -3711,7 +3779,7 @@
         </p:nvSpPr>
         <p:spPr>
           <a:xfrm>
-            <a:off x="3511287" y="1036476"/>
+            <a:off x="3511287" y="1791504"/>
             <a:ext cx="892349" cy="770719"/>
           </a:xfrm>
           <a:prstGeom prst="rect">
@@ -3719,6 +3787,80 @@
           </a:prstGeom>
           <a:solidFill>
             <a:schemeClr val="accent3">
+              <a:lumMod val="20000"/>
+              <a:lumOff val="80000"/>
+            </a:schemeClr>
+          </a:solidFill>
+          <a:ln>
+            <a:solidFill>
+              <a:schemeClr val="tx1"/>
+            </a:solidFill>
+          </a:ln>
+        </p:spPr>
+        <p:style>
+          <a:lnRef idx="2">
+            <a:schemeClr val="accent1">
+              <a:shade val="50000"/>
+            </a:schemeClr>
+          </a:lnRef>
+          <a:fillRef idx="1">
+            <a:schemeClr val="accent1"/>
+          </a:fillRef>
+          <a:effectRef idx="0">
+            <a:schemeClr val="accent1"/>
+          </a:effectRef>
+          <a:fontRef idx="minor">
+            <a:schemeClr val="lt1"/>
+          </a:fontRef>
+        </p:style>
+        <p:txBody>
+          <a:bodyPr rtlCol="0" anchor="ctr"/>
+          <a:lstStyle/>
+          <a:p>
+            <a:pPr algn="ctr"/>
+            <a:endParaRPr lang="it-IT" sz="1400" dirty="0" smtClean="0">
+              <a:solidFill>
+                <a:schemeClr val="tx1"/>
+              </a:solidFill>
+              <a:latin typeface="Century Schoolbook" panose="02040604050505020304" pitchFamily="18" charset="0"/>
+            </a:endParaRPr>
+          </a:p>
+          <a:p>
+            <a:pPr algn="ctr"/>
+            <a:r>
+              <a:rPr lang="it-IT" sz="1400" dirty="0" smtClean="0">
+                <a:solidFill>
+                  <a:schemeClr val="tx1"/>
+                </a:solidFill>
+                <a:latin typeface="Century Schoolbook" panose="02040604050505020304" pitchFamily="18" charset="0"/>
+              </a:rPr>
+              <a:t>GUI</a:t>
+            </a:r>
+            <a:endParaRPr lang="it-IT" sz="1400" dirty="0">
+              <a:solidFill>
+                <a:schemeClr val="tx1"/>
+              </a:solidFill>
+              <a:latin typeface="Century Schoolbook" panose="02040604050505020304" pitchFamily="18" charset="0"/>
+            </a:endParaRPr>
+          </a:p>
+        </p:txBody>
+      </p:sp>
+      <p:sp>
+        <p:nvSpPr>
+          <p:cNvPr id="62" name="Rettangolo 61"/>
+          <p:cNvSpPr/>
+          <p:nvPr/>
+        </p:nvSpPr>
+        <p:spPr>
+          <a:xfrm>
+            <a:off x="3511286" y="1791504"/>
+            <a:ext cx="892349" cy="236289"/>
+          </a:xfrm>
+          <a:prstGeom prst="rect">
+            <a:avLst/>
+          </a:prstGeom>
+          <a:solidFill>
+            <a:schemeClr val="accent1">
               <a:lumMod val="20000"/>
               <a:lumOff val="80000"/>
             </a:schemeClr>
@@ -3757,36 +3899,24 @@
               <a:latin typeface="Century Schoolbook" panose="02040604050505020304" pitchFamily="18" charset="0"/>
             </a:endParaRPr>
           </a:p>
-          <a:p>
-            <a:pPr algn="ctr"/>
-            <a:r>
-              <a:rPr lang="it-IT" sz="1400" dirty="0">
-                <a:solidFill>
-                  <a:schemeClr val="tx1"/>
-                </a:solidFill>
-                <a:latin typeface="Century Schoolbook" panose="02040604050505020304" pitchFamily="18" charset="0"/>
-              </a:rPr>
-              <a:t>GUI</a:t>
-            </a:r>
-          </a:p>
-        </p:txBody>
-      </p:sp>
-      <p:sp>
-        <p:nvSpPr>
-          <p:cNvPr id="62" name="Rettangolo 61"/>
+        </p:txBody>
+      </p:sp>
+      <p:sp>
+        <p:nvSpPr>
+          <p:cNvPr id="63" name="Rettangolo 62"/>
           <p:cNvSpPr/>
           <p:nvPr/>
         </p:nvSpPr>
         <p:spPr>
           <a:xfrm>
-            <a:off x="3511286" y="1036476"/>
-            <a:ext cx="892349" cy="236289"/>
+            <a:off x="4258578" y="1854661"/>
+            <a:ext cx="96705" cy="109973"/>
           </a:xfrm>
           <a:prstGeom prst="rect">
             <a:avLst/>
           </a:prstGeom>
           <a:solidFill>
-            <a:schemeClr val="accent1">
+            <a:schemeClr val="accent3">
               <a:lumMod val="20000"/>
               <a:lumOff val="80000"/>
             </a:schemeClr>
@@ -3829,20 +3959,94 @@
       </p:sp>
       <p:sp>
         <p:nvSpPr>
-          <p:cNvPr id="63" name="Rettangolo 62"/>
+          <p:cNvPr id="64" name="Rettangolo 63"/>
           <p:cNvSpPr/>
           <p:nvPr/>
         </p:nvSpPr>
         <p:spPr>
           <a:xfrm>
-            <a:off x="4258578" y="1099633"/>
-            <a:ext cx="96705" cy="109973"/>
+            <a:off x="7668982" y="1782878"/>
+            <a:ext cx="892349" cy="770719"/>
           </a:xfrm>
           <a:prstGeom prst="rect">
             <a:avLst/>
           </a:prstGeom>
           <a:solidFill>
             <a:schemeClr val="accent3">
+              <a:lumMod val="20000"/>
+              <a:lumOff val="80000"/>
+            </a:schemeClr>
+          </a:solidFill>
+          <a:ln>
+            <a:solidFill>
+              <a:schemeClr val="tx1"/>
+            </a:solidFill>
+          </a:ln>
+        </p:spPr>
+        <p:style>
+          <a:lnRef idx="2">
+            <a:schemeClr val="accent1">
+              <a:shade val="50000"/>
+            </a:schemeClr>
+          </a:lnRef>
+          <a:fillRef idx="1">
+            <a:schemeClr val="accent1"/>
+          </a:fillRef>
+          <a:effectRef idx="0">
+            <a:schemeClr val="accent1"/>
+          </a:effectRef>
+          <a:fontRef idx="minor">
+            <a:schemeClr val="lt1"/>
+          </a:fontRef>
+        </p:style>
+        <p:txBody>
+          <a:bodyPr rtlCol="0" anchor="ctr"/>
+          <a:lstStyle/>
+          <a:p>
+            <a:pPr algn="ctr"/>
+            <a:endParaRPr lang="it-IT" sz="1400" dirty="0" smtClean="0">
+              <a:solidFill>
+                <a:schemeClr val="tx1"/>
+              </a:solidFill>
+              <a:latin typeface="Century Schoolbook" panose="02040604050505020304" pitchFamily="18" charset="0"/>
+            </a:endParaRPr>
+          </a:p>
+          <a:p>
+            <a:pPr algn="ctr"/>
+            <a:r>
+              <a:rPr lang="it-IT" sz="1400" dirty="0" smtClean="0">
+                <a:solidFill>
+                  <a:schemeClr val="tx1"/>
+                </a:solidFill>
+                <a:latin typeface="Century Schoolbook" panose="02040604050505020304" pitchFamily="18" charset="0"/>
+              </a:rPr>
+              <a:t>GUI</a:t>
+            </a:r>
+            <a:endParaRPr lang="it-IT" sz="1400" dirty="0">
+              <a:solidFill>
+                <a:schemeClr val="tx1"/>
+              </a:solidFill>
+              <a:latin typeface="Century Schoolbook" panose="02040604050505020304" pitchFamily="18" charset="0"/>
+            </a:endParaRPr>
+          </a:p>
+        </p:txBody>
+      </p:sp>
+      <p:sp>
+        <p:nvSpPr>
+          <p:cNvPr id="65" name="Rettangolo 64"/>
+          <p:cNvSpPr/>
+          <p:nvPr/>
+        </p:nvSpPr>
+        <p:spPr>
+          <a:xfrm>
+            <a:off x="7668981" y="1782878"/>
+            <a:ext cx="892349" cy="236289"/>
+          </a:xfrm>
+          <a:prstGeom prst="rect">
+            <a:avLst/>
+          </a:prstGeom>
+          <a:solidFill>
+            <a:schemeClr val="accent1">
               <a:lumMod val="20000"/>
               <a:lumOff val="80000"/>
             </a:schemeClr>
@@ -3885,14 +4089,14 @@
       </p:sp>
       <p:sp>
         <p:nvSpPr>
-          <p:cNvPr id="64" name="Rettangolo 63"/>
+          <p:cNvPr id="66" name="Rettangolo 65"/>
           <p:cNvSpPr/>
           <p:nvPr/>
         </p:nvSpPr>
         <p:spPr>
           <a:xfrm>
-            <a:off x="7668982" y="1027850"/>
-            <a:ext cx="892349" cy="770719"/>
+            <a:off x="8416273" y="1846035"/>
+            <a:ext cx="96705" cy="109973"/>
           </a:xfrm>
           <a:prstGeom prst="rect">
             <a:avLst/>
@@ -3937,130 +4141,6 @@
               <a:latin typeface="Century Schoolbook" panose="02040604050505020304" pitchFamily="18" charset="0"/>
             </a:endParaRPr>
           </a:p>
-          <a:p>
-            <a:pPr algn="ctr"/>
-            <a:r>
-              <a:rPr lang="it-IT" sz="1400" dirty="0">
-                <a:solidFill>
-                  <a:schemeClr val="tx1"/>
-                </a:solidFill>
-                <a:latin typeface="Century Schoolbook" panose="02040604050505020304" pitchFamily="18" charset="0"/>
-              </a:rPr>
-              <a:t>GUI</a:t>
-            </a:r>
-          </a:p>
-        </p:txBody>
-      </p:sp>
-      <p:sp>
-        <p:nvSpPr>
-          <p:cNvPr id="65" name="Rettangolo 64"/>
-          <p:cNvSpPr/>
-          <p:nvPr/>
-        </p:nvSpPr>
-        <p:spPr>
-          <a:xfrm>
-            <a:off x="7668981" y="1027850"/>
-            <a:ext cx="892349" cy="236289"/>
-          </a:xfrm>
-          <a:prstGeom prst="rect">
-            <a:avLst/>
-          </a:prstGeom>
-          <a:solidFill>
-            <a:schemeClr val="accent1">
-              <a:lumMod val="20000"/>
-              <a:lumOff val="80000"/>
-            </a:schemeClr>
-          </a:solidFill>
-          <a:ln>
-            <a:solidFill>
-              <a:schemeClr val="tx1"/>
-            </a:solidFill>
-          </a:ln>
-        </p:spPr>
-        <p:style>
-          <a:lnRef idx="2">
-            <a:schemeClr val="accent1">
-              <a:shade val="50000"/>
-            </a:schemeClr>
-          </a:lnRef>
-          <a:fillRef idx="1">
-            <a:schemeClr val="accent1"/>
-          </a:fillRef>
-          <a:effectRef idx="0">
-            <a:schemeClr val="accent1"/>
-          </a:effectRef>
-          <a:fontRef idx="minor">
-            <a:schemeClr val="lt1"/>
-          </a:fontRef>
-        </p:style>
-        <p:txBody>
-          <a:bodyPr rtlCol="0" anchor="ctr"/>
-          <a:lstStyle/>
-          <a:p>
-            <a:pPr algn="ctr"/>
-            <a:endParaRPr lang="it-IT" sz="1400" dirty="0">
-              <a:solidFill>
-                <a:schemeClr val="tx1"/>
-              </a:solidFill>
-              <a:latin typeface="Century Schoolbook" panose="02040604050505020304" pitchFamily="18" charset="0"/>
-            </a:endParaRPr>
-          </a:p>
-        </p:txBody>
-      </p:sp>
-      <p:sp>
-        <p:nvSpPr>
-          <p:cNvPr id="66" name="Rettangolo 65"/>
-          <p:cNvSpPr/>
-          <p:nvPr/>
-        </p:nvSpPr>
-        <p:spPr>
-          <a:xfrm>
-            <a:off x="8416273" y="1091007"/>
-            <a:ext cx="96705" cy="109973"/>
-          </a:xfrm>
-          <a:prstGeom prst="rect">
-            <a:avLst/>
-          </a:prstGeom>
-          <a:solidFill>
-            <a:schemeClr val="accent3">
-              <a:lumMod val="20000"/>
-              <a:lumOff val="80000"/>
-            </a:schemeClr>
-          </a:solidFill>
-          <a:ln>
-            <a:solidFill>
-              <a:schemeClr val="tx1"/>
-            </a:solidFill>
-          </a:ln>
-        </p:spPr>
-        <p:style>
-          <a:lnRef idx="2">
-            <a:schemeClr val="accent1">
-              <a:shade val="50000"/>
-            </a:schemeClr>
-          </a:lnRef>
-          <a:fillRef idx="1">
-            <a:schemeClr val="accent1"/>
-          </a:fillRef>
-          <a:effectRef idx="0">
-            <a:schemeClr val="accent1"/>
-          </a:effectRef>
-          <a:fontRef idx="minor">
-            <a:schemeClr val="lt1"/>
-          </a:fontRef>
-        </p:style>
-        <p:txBody>
-          <a:bodyPr rtlCol="0" anchor="ctr"/>
-          <a:lstStyle/>
-          <a:p>
-            <a:pPr algn="ctr"/>
-            <a:endParaRPr lang="it-IT" sz="1400" dirty="0">
-              <a:solidFill>
-                <a:schemeClr val="tx1"/>
-              </a:solidFill>
-              <a:latin typeface="Century Schoolbook" panose="02040604050505020304" pitchFamily="18" charset="0"/>
-            </a:endParaRPr>
-          </a:p>
         </p:txBody>
       </p:sp>
       <p:sp>
@@ -4071,7 +4151,7 @@
         </p:nvSpPr>
         <p:spPr>
           <a:xfrm>
-            <a:off x="5212671" y="990800"/>
+            <a:off x="5212671" y="1745828"/>
             <a:ext cx="1260281" cy="338554"/>
           </a:xfrm>
           <a:prstGeom prst="rect">
@@ -4086,7 +4166,7 @@
           <a:lstStyle/>
           <a:p>
             <a:r>
-              <a:rPr lang="it-IT" sz="1600" dirty="0">
+              <a:rPr lang="it-IT" sz="1600" dirty="0" smtClean="0">
                 <a:latin typeface="Century Schoolbook" panose="02040604050505020304" pitchFamily="18" charset="0"/>
               </a:rPr>
               <a:t>Real device</a:t>
@@ -4172,7 +4252,7 @@
           <a:p>
             <a:pPr algn="ctr"/>
             <a:r>
-              <a:rPr lang="it-IT" sz="1400" dirty="0">
+              <a:rPr lang="it-IT" sz="1400" dirty="0" smtClean="0">
                 <a:solidFill>
                   <a:schemeClr val="tx1"/>
                 </a:solidFill>
@@ -4184,7 +4264,7 @@
           <a:p>
             <a:pPr algn="ctr"/>
             <a:r>
-              <a:rPr lang="it-IT" sz="1400" dirty="0">
+              <a:rPr lang="it-IT" sz="1400" dirty="0" smtClean="0">
                 <a:solidFill>
                   <a:schemeClr val="tx1"/>
                 </a:solidFill>
@@ -4192,6 +4272,12 @@
               </a:rPr>
               <a:t>Actor</a:t>
             </a:r>
+            <a:endParaRPr lang="it-IT" sz="1400" dirty="0">
+              <a:solidFill>
+                <a:schemeClr val="tx1"/>
+              </a:solidFill>
+              <a:latin typeface="Century Schoolbook" panose="02040604050505020304" pitchFamily="18" charset="0"/>
+            </a:endParaRPr>
           </a:p>
         </p:txBody>
       </p:sp>
@@ -4210,7 +4296,10 @@
             <a:avLst/>
           </a:prstGeom>
           <a:solidFill>
-            <a:srgbClr val="FF0000"/>
+            <a:schemeClr val="accent2">
+              <a:lumMod val="20000"/>
+              <a:lumOff val="80000"/>
+            </a:schemeClr>
           </a:solidFill>
           <a:ln w="12700">
             <a:solidFill>
@@ -4291,77 +4380,6 @@
           <a:p>
             <a:pPr algn="ctr"/>
             <a:endParaRPr lang="it-IT"/>
-          </a:p>
-        </p:txBody>
-      </p:sp>
-      <p:sp>
-        <p:nvSpPr>
-          <p:cNvPr id="10" name="Rettangolo arrotondato 9"/>
-          <p:cNvSpPr/>
-          <p:nvPr/>
-        </p:nvSpPr>
-        <p:spPr>
-          <a:xfrm>
-            <a:off x="3737252" y="2881297"/>
-            <a:ext cx="1853089" cy="471580"/>
-          </a:xfrm>
-          <a:prstGeom prst="roundRect">
-            <a:avLst/>
-          </a:prstGeom>
-          <a:solidFill>
-            <a:schemeClr val="accent6">
-              <a:lumMod val="20000"/>
-              <a:lumOff val="80000"/>
-            </a:schemeClr>
-          </a:solidFill>
-          <a:ln>
-            <a:solidFill>
-              <a:schemeClr val="tx1"/>
-            </a:solidFill>
-          </a:ln>
-        </p:spPr>
-        <p:style>
-          <a:lnRef idx="2">
-            <a:schemeClr val="accent1">
-              <a:shade val="50000"/>
-            </a:schemeClr>
-          </a:lnRef>
-          <a:fillRef idx="1">
-            <a:schemeClr val="accent1"/>
-          </a:fillRef>
-          <a:effectRef idx="0">
-            <a:schemeClr val="accent1"/>
-          </a:effectRef>
-          <a:fontRef idx="minor">
-            <a:schemeClr val="lt1"/>
-          </a:fontRef>
-        </p:style>
-        <p:txBody>
-          <a:bodyPr rtlCol="0" anchor="ctr"/>
-          <a:lstStyle/>
-          <a:p>
-            <a:pPr algn="ctr"/>
-            <a:r>
-              <a:rPr lang="it-IT" sz="1400" dirty="0">
-                <a:solidFill>
-                  <a:schemeClr val="tx1"/>
-                </a:solidFill>
-                <a:latin typeface="Century Schoolbook" panose="02040604050505020304" pitchFamily="18" charset="0"/>
-              </a:rPr>
-              <a:t>Thermometer</a:t>
-            </a:r>
-          </a:p>
-          <a:p>
-            <a:pPr algn="ctr"/>
-            <a:r>
-              <a:rPr lang="it-IT" sz="1400" i="1" dirty="0">
-                <a:solidFill>
-                  <a:schemeClr val="tx1"/>
-                </a:solidFill>
-                <a:latin typeface="Century Schoolbook" panose="02040604050505020304" pitchFamily="18" charset="0"/>
-              </a:rPr>
-              <a:t>interface</a:t>
-            </a:r>
           </a:p>
         </p:txBody>
       </p:sp>
@@ -4413,7 +4431,7 @@
         </p:nvSpPr>
         <p:spPr>
           <a:xfrm>
-            <a:off x="3737252" y="2400548"/>
+            <a:off x="3737252" y="2881297"/>
             <a:ext cx="1853089" cy="471580"/>
           </a:xfrm>
           <a:prstGeom prst="roundRect">
@@ -4453,7 +4471,7 @@
           <a:p>
             <a:pPr algn="ctr"/>
             <a:r>
-              <a:rPr lang="it-IT" sz="1400" dirty="0">
+              <a:rPr lang="it-IT" sz="1400" dirty="0" smtClean="0">
                 <a:solidFill>
                   <a:schemeClr val="tx1"/>
                 </a:solidFill>
@@ -4461,6 +4479,12 @@
               </a:rPr>
               <a:t>Mock Thermometer</a:t>
             </a:r>
+            <a:endParaRPr lang="it-IT" sz="1400" dirty="0">
+              <a:solidFill>
+                <a:schemeClr val="tx1"/>
+              </a:solidFill>
+              <a:latin typeface="Century Schoolbook" panose="02040604050505020304" pitchFamily="18" charset="0"/>
+            </a:endParaRPr>
           </a:p>
         </p:txBody>
       </p:sp>
@@ -4512,7 +4536,7 @@
           <a:p>
             <a:pPr algn="ctr"/>
             <a:r>
-              <a:rPr lang="it-IT" sz="1400" dirty="0">
+              <a:rPr lang="it-IT" sz="1400" dirty="0" smtClean="0">
                 <a:solidFill>
                   <a:schemeClr val="tx1"/>
                 </a:solidFill>
@@ -4524,7 +4548,7 @@
           <a:p>
             <a:pPr algn="ctr"/>
             <a:r>
-              <a:rPr lang="it-IT" sz="1400" dirty="0">
+              <a:rPr lang="it-IT" sz="1400" dirty="0" smtClean="0">
                 <a:solidFill>
                   <a:schemeClr val="tx1"/>
                 </a:solidFill>
@@ -4532,6 +4556,12 @@
               </a:rPr>
               <a:t>Actor</a:t>
             </a:r>
+            <a:endParaRPr lang="it-IT" sz="1400" dirty="0">
+              <a:solidFill>
+                <a:schemeClr val="tx1"/>
+              </a:solidFill>
+              <a:latin typeface="Century Schoolbook" panose="02040604050505020304" pitchFamily="18" charset="0"/>
+            </a:endParaRPr>
           </a:p>
         </p:txBody>
       </p:sp>
@@ -4550,7 +4580,10 @@
             <a:avLst/>
           </a:prstGeom>
           <a:solidFill>
-            <a:srgbClr val="FF0000"/>
+            <a:schemeClr val="accent2">
+              <a:lumMod val="20000"/>
+              <a:lumOff val="80000"/>
+            </a:schemeClr>
           </a:solidFill>
           <a:ln w="12700">
             <a:solidFill>
@@ -4631,77 +4664,6 @@
           <a:p>
             <a:pPr algn="ctr"/>
             <a:endParaRPr lang="it-IT"/>
-          </a:p>
-        </p:txBody>
-      </p:sp>
-      <p:sp>
-        <p:nvSpPr>
-          <p:cNvPr id="20" name="Rettangolo arrotondato 19"/>
-          <p:cNvSpPr/>
-          <p:nvPr/>
-        </p:nvSpPr>
-        <p:spPr>
-          <a:xfrm>
-            <a:off x="6769271" y="2881297"/>
-            <a:ext cx="1853089" cy="471580"/>
-          </a:xfrm>
-          <a:prstGeom prst="roundRect">
-            <a:avLst/>
-          </a:prstGeom>
-          <a:solidFill>
-            <a:schemeClr val="accent6">
-              <a:lumMod val="20000"/>
-              <a:lumOff val="80000"/>
-            </a:schemeClr>
-          </a:solidFill>
-          <a:ln>
-            <a:solidFill>
-              <a:schemeClr val="tx1"/>
-            </a:solidFill>
-          </a:ln>
-        </p:spPr>
-        <p:style>
-          <a:lnRef idx="2">
-            <a:schemeClr val="accent1">
-              <a:shade val="50000"/>
-            </a:schemeClr>
-          </a:lnRef>
-          <a:fillRef idx="1">
-            <a:schemeClr val="accent1"/>
-          </a:fillRef>
-          <a:effectRef idx="0">
-            <a:schemeClr val="accent1"/>
-          </a:effectRef>
-          <a:fontRef idx="minor">
-            <a:schemeClr val="lt1"/>
-          </a:fontRef>
-        </p:style>
-        <p:txBody>
-          <a:bodyPr rtlCol="0" anchor="ctr"/>
-          <a:lstStyle/>
-          <a:p>
-            <a:pPr algn="ctr"/>
-            <a:r>
-              <a:rPr lang="it-IT" sz="1400" dirty="0">
-                <a:solidFill>
-                  <a:schemeClr val="tx1"/>
-                </a:solidFill>
-                <a:latin typeface="Century Schoolbook" panose="02040604050505020304" pitchFamily="18" charset="0"/>
-              </a:rPr>
-              <a:t>Fan</a:t>
-            </a:r>
-          </a:p>
-          <a:p>
-            <a:pPr algn="ctr"/>
-            <a:r>
-              <a:rPr lang="it-IT" sz="1400" i="1" dirty="0">
-                <a:solidFill>
-                  <a:schemeClr val="tx1"/>
-                </a:solidFill>
-                <a:latin typeface="Century Schoolbook" panose="02040604050505020304" pitchFamily="18" charset="0"/>
-              </a:rPr>
-              <a:t>interface</a:t>
-            </a:r>
           </a:p>
         </p:txBody>
       </p:sp>
@@ -4753,7 +4715,7 @@
         </p:nvSpPr>
         <p:spPr>
           <a:xfrm>
-            <a:off x="6769271" y="2400548"/>
+            <a:off x="6769271" y="2881297"/>
             <a:ext cx="1853089" cy="471580"/>
           </a:xfrm>
           <a:prstGeom prst="roundRect">
@@ -4793,7 +4755,7 @@
           <a:p>
             <a:pPr algn="ctr"/>
             <a:r>
-              <a:rPr lang="it-IT" sz="1400" dirty="0">
+              <a:rPr lang="it-IT" sz="1400" dirty="0" smtClean="0">
                 <a:solidFill>
                   <a:schemeClr val="tx1"/>
                 </a:solidFill>
@@ -4801,6 +4763,12 @@
               </a:rPr>
               <a:t>Mock Fan</a:t>
             </a:r>
+            <a:endParaRPr lang="it-IT" sz="1400" dirty="0">
+              <a:solidFill>
+                <a:schemeClr val="tx1"/>
+              </a:solidFill>
+              <a:latin typeface="Century Schoolbook" panose="02040604050505020304" pitchFamily="18" charset="0"/>
+            </a:endParaRPr>
           </a:p>
         </p:txBody>
       </p:sp>
@@ -4812,7 +4780,7 @@
         </p:nvSpPr>
         <p:spPr>
           <a:xfrm>
-            <a:off x="4217623" y="1454196"/>
+            <a:off x="4217623" y="1934945"/>
             <a:ext cx="892349" cy="770719"/>
           </a:xfrm>
           <a:prstGeom prst="rect">
@@ -4820,6 +4788,80 @@
           </a:prstGeom>
           <a:solidFill>
             <a:schemeClr val="accent3">
+              <a:lumMod val="20000"/>
+              <a:lumOff val="80000"/>
+            </a:schemeClr>
+          </a:solidFill>
+          <a:ln>
+            <a:solidFill>
+              <a:schemeClr val="tx1"/>
+            </a:solidFill>
+          </a:ln>
+        </p:spPr>
+        <p:style>
+          <a:lnRef idx="2">
+            <a:schemeClr val="accent1">
+              <a:shade val="50000"/>
+            </a:schemeClr>
+          </a:lnRef>
+          <a:fillRef idx="1">
+            <a:schemeClr val="accent1"/>
+          </a:fillRef>
+          <a:effectRef idx="0">
+            <a:schemeClr val="accent1"/>
+          </a:effectRef>
+          <a:fontRef idx="minor">
+            <a:schemeClr val="lt1"/>
+          </a:fontRef>
+        </p:style>
+        <p:txBody>
+          <a:bodyPr rtlCol="0" anchor="ctr"/>
+          <a:lstStyle/>
+          <a:p>
+            <a:pPr algn="ctr"/>
+            <a:endParaRPr lang="it-IT" sz="1400" dirty="0" smtClean="0">
+              <a:solidFill>
+                <a:schemeClr val="tx1"/>
+              </a:solidFill>
+              <a:latin typeface="Century Schoolbook" panose="02040604050505020304" pitchFamily="18" charset="0"/>
+            </a:endParaRPr>
+          </a:p>
+          <a:p>
+            <a:pPr algn="ctr"/>
+            <a:r>
+              <a:rPr lang="it-IT" sz="1400" dirty="0" smtClean="0">
+                <a:solidFill>
+                  <a:schemeClr val="tx1"/>
+                </a:solidFill>
+                <a:latin typeface="Century Schoolbook" panose="02040604050505020304" pitchFamily="18" charset="0"/>
+              </a:rPr>
+              <a:t>GUI</a:t>
+            </a:r>
+            <a:endParaRPr lang="it-IT" sz="1400" dirty="0">
+              <a:solidFill>
+                <a:schemeClr val="tx1"/>
+              </a:solidFill>
+              <a:latin typeface="Century Schoolbook" panose="02040604050505020304" pitchFamily="18" charset="0"/>
+            </a:endParaRPr>
+          </a:p>
+        </p:txBody>
+      </p:sp>
+      <p:sp>
+        <p:nvSpPr>
+          <p:cNvPr id="25" name="Rettangolo 24"/>
+          <p:cNvSpPr/>
+          <p:nvPr/>
+        </p:nvSpPr>
+        <p:spPr>
+          <a:xfrm>
+            <a:off x="4217622" y="1934945"/>
+            <a:ext cx="892349" cy="236289"/>
+          </a:xfrm>
+          <a:prstGeom prst="rect">
+            <a:avLst/>
+          </a:prstGeom>
+          <a:solidFill>
+            <a:schemeClr val="accent1">
               <a:lumMod val="20000"/>
               <a:lumOff val="80000"/>
             </a:schemeClr>
@@ -4858,36 +4900,24 @@
               <a:latin typeface="Century Schoolbook" panose="02040604050505020304" pitchFamily="18" charset="0"/>
             </a:endParaRPr>
           </a:p>
-          <a:p>
-            <a:pPr algn="ctr"/>
-            <a:r>
-              <a:rPr lang="it-IT" sz="1400" dirty="0">
-                <a:solidFill>
-                  <a:schemeClr val="tx1"/>
-                </a:solidFill>
-                <a:latin typeface="Century Schoolbook" panose="02040604050505020304" pitchFamily="18" charset="0"/>
-              </a:rPr>
-              <a:t>GUI</a:t>
-            </a:r>
-          </a:p>
-        </p:txBody>
-      </p:sp>
-      <p:sp>
-        <p:nvSpPr>
-          <p:cNvPr id="25" name="Rettangolo 24"/>
+        </p:txBody>
+      </p:sp>
+      <p:sp>
+        <p:nvSpPr>
+          <p:cNvPr id="26" name="Rettangolo 25"/>
           <p:cNvSpPr/>
           <p:nvPr/>
         </p:nvSpPr>
         <p:spPr>
           <a:xfrm>
-            <a:off x="4217622" y="1454196"/>
-            <a:ext cx="892349" cy="236289"/>
+            <a:off x="4964914" y="1998102"/>
+            <a:ext cx="96705" cy="109973"/>
           </a:xfrm>
           <a:prstGeom prst="rect">
             <a:avLst/>
           </a:prstGeom>
           <a:solidFill>
-            <a:schemeClr val="accent1">
+            <a:schemeClr val="accent3">
               <a:lumMod val="20000"/>
               <a:lumOff val="80000"/>
             </a:schemeClr>
@@ -4930,20 +4960,94 @@
       </p:sp>
       <p:sp>
         <p:nvSpPr>
-          <p:cNvPr id="26" name="Rettangolo 25"/>
+          <p:cNvPr id="27" name="Rettangolo 26"/>
           <p:cNvSpPr/>
           <p:nvPr/>
         </p:nvSpPr>
         <p:spPr>
           <a:xfrm>
-            <a:off x="4964914" y="1517353"/>
-            <a:ext cx="96705" cy="109973"/>
+            <a:off x="7182234" y="1934945"/>
+            <a:ext cx="892349" cy="770719"/>
           </a:xfrm>
           <a:prstGeom prst="rect">
             <a:avLst/>
           </a:prstGeom>
           <a:solidFill>
             <a:schemeClr val="accent3">
+              <a:lumMod val="20000"/>
+              <a:lumOff val="80000"/>
+            </a:schemeClr>
+          </a:solidFill>
+          <a:ln>
+            <a:solidFill>
+              <a:schemeClr val="tx1"/>
+            </a:solidFill>
+          </a:ln>
+        </p:spPr>
+        <p:style>
+          <a:lnRef idx="2">
+            <a:schemeClr val="accent1">
+              <a:shade val="50000"/>
+            </a:schemeClr>
+          </a:lnRef>
+          <a:fillRef idx="1">
+            <a:schemeClr val="accent1"/>
+          </a:fillRef>
+          <a:effectRef idx="0">
+            <a:schemeClr val="accent1"/>
+          </a:effectRef>
+          <a:fontRef idx="minor">
+            <a:schemeClr val="lt1"/>
+          </a:fontRef>
+        </p:style>
+        <p:txBody>
+          <a:bodyPr rtlCol="0" anchor="ctr"/>
+          <a:lstStyle/>
+          <a:p>
+            <a:pPr algn="ctr"/>
+            <a:endParaRPr lang="it-IT" sz="1400" dirty="0" smtClean="0">
+              <a:solidFill>
+                <a:schemeClr val="tx1"/>
+              </a:solidFill>
+              <a:latin typeface="Century Schoolbook" panose="02040604050505020304" pitchFamily="18" charset="0"/>
+            </a:endParaRPr>
+          </a:p>
+          <a:p>
+            <a:pPr algn="ctr"/>
+            <a:r>
+              <a:rPr lang="it-IT" sz="1400" dirty="0" smtClean="0">
+                <a:solidFill>
+                  <a:schemeClr val="tx1"/>
+                </a:solidFill>
+                <a:latin typeface="Century Schoolbook" panose="02040604050505020304" pitchFamily="18" charset="0"/>
+              </a:rPr>
+              <a:t>GUI</a:t>
+            </a:r>
+            <a:endParaRPr lang="it-IT" sz="1400" dirty="0">
+              <a:solidFill>
+                <a:schemeClr val="tx1"/>
+              </a:solidFill>
+              <a:latin typeface="Century Schoolbook" panose="02040604050505020304" pitchFamily="18" charset="0"/>
+            </a:endParaRPr>
+          </a:p>
+        </p:txBody>
+      </p:sp>
+      <p:sp>
+        <p:nvSpPr>
+          <p:cNvPr id="28" name="Rettangolo 27"/>
+          <p:cNvSpPr/>
+          <p:nvPr/>
+        </p:nvSpPr>
+        <p:spPr>
+          <a:xfrm>
+            <a:off x="7182233" y="1934945"/>
+            <a:ext cx="892349" cy="236289"/>
+          </a:xfrm>
+          <a:prstGeom prst="rect">
+            <a:avLst/>
+          </a:prstGeom>
+          <a:solidFill>
+            <a:schemeClr val="accent1">
               <a:lumMod val="20000"/>
               <a:lumOff val="80000"/>
             </a:schemeClr>
@@ -4986,14 +5090,14 @@
       </p:sp>
       <p:sp>
         <p:nvSpPr>
-          <p:cNvPr id="27" name="Rettangolo 26"/>
+          <p:cNvPr id="29" name="Rettangolo 28"/>
           <p:cNvSpPr/>
           <p:nvPr/>
         </p:nvSpPr>
         <p:spPr>
           <a:xfrm>
-            <a:off x="7182234" y="1454196"/>
-            <a:ext cx="892349" cy="770719"/>
+            <a:off x="7929525" y="1998102"/>
+            <a:ext cx="96705" cy="109973"/>
           </a:xfrm>
           <a:prstGeom prst="rect">
             <a:avLst/>
@@ -5038,136 +5142,12 @@
               <a:latin typeface="Century Schoolbook" panose="02040604050505020304" pitchFamily="18" charset="0"/>
             </a:endParaRPr>
           </a:p>
-          <a:p>
-            <a:pPr algn="ctr"/>
-            <a:r>
-              <a:rPr lang="it-IT" sz="1400" dirty="0">
-                <a:solidFill>
-                  <a:schemeClr val="tx1"/>
-                </a:solidFill>
-                <a:latin typeface="Century Schoolbook" panose="02040604050505020304" pitchFamily="18" charset="0"/>
-              </a:rPr>
-              <a:t>GUI</a:t>
-            </a:r>
-          </a:p>
-        </p:txBody>
-      </p:sp>
-      <p:sp>
-        <p:nvSpPr>
-          <p:cNvPr id="28" name="Rettangolo 27"/>
-          <p:cNvSpPr/>
-          <p:nvPr/>
-        </p:nvSpPr>
-        <p:spPr>
-          <a:xfrm>
-            <a:off x="7182233" y="1454196"/>
-            <a:ext cx="892349" cy="236289"/>
-          </a:xfrm>
-          <a:prstGeom prst="rect">
-            <a:avLst/>
-          </a:prstGeom>
-          <a:solidFill>
-            <a:schemeClr val="accent1">
-              <a:lumMod val="20000"/>
-              <a:lumOff val="80000"/>
-            </a:schemeClr>
-          </a:solidFill>
-          <a:ln>
-            <a:solidFill>
-              <a:schemeClr val="tx1"/>
-            </a:solidFill>
-          </a:ln>
-        </p:spPr>
-        <p:style>
-          <a:lnRef idx="2">
-            <a:schemeClr val="accent1">
-              <a:shade val="50000"/>
-            </a:schemeClr>
-          </a:lnRef>
-          <a:fillRef idx="1">
-            <a:schemeClr val="accent1"/>
-          </a:fillRef>
-          <a:effectRef idx="0">
-            <a:schemeClr val="accent1"/>
-          </a:effectRef>
-          <a:fontRef idx="minor">
-            <a:schemeClr val="lt1"/>
-          </a:fontRef>
-        </p:style>
-        <p:txBody>
-          <a:bodyPr rtlCol="0" anchor="ctr"/>
-          <a:lstStyle/>
-          <a:p>
-            <a:pPr algn="ctr"/>
-            <a:endParaRPr lang="it-IT" sz="1400" dirty="0">
-              <a:solidFill>
-                <a:schemeClr val="tx1"/>
-              </a:solidFill>
-              <a:latin typeface="Century Schoolbook" panose="02040604050505020304" pitchFamily="18" charset="0"/>
-            </a:endParaRPr>
-          </a:p>
-        </p:txBody>
-      </p:sp>
-      <p:sp>
-        <p:nvSpPr>
-          <p:cNvPr id="29" name="Rettangolo 28"/>
-          <p:cNvSpPr/>
-          <p:nvPr/>
-        </p:nvSpPr>
-        <p:spPr>
-          <a:xfrm>
-            <a:off x="7929525" y="1517353"/>
-            <a:ext cx="96705" cy="109973"/>
-          </a:xfrm>
-          <a:prstGeom prst="rect">
-            <a:avLst/>
-          </a:prstGeom>
-          <a:solidFill>
-            <a:schemeClr val="accent3">
-              <a:lumMod val="20000"/>
-              <a:lumOff val="80000"/>
-            </a:schemeClr>
-          </a:solidFill>
-          <a:ln>
-            <a:solidFill>
-              <a:schemeClr val="tx1"/>
-            </a:solidFill>
-          </a:ln>
-        </p:spPr>
-        <p:style>
-          <a:lnRef idx="2">
-            <a:schemeClr val="accent1">
-              <a:shade val="50000"/>
-            </a:schemeClr>
-          </a:lnRef>
-          <a:fillRef idx="1">
-            <a:schemeClr val="accent1"/>
-          </a:fillRef>
-          <a:effectRef idx="0">
-            <a:schemeClr val="accent1"/>
-          </a:effectRef>
-          <a:fontRef idx="minor">
-            <a:schemeClr val="lt1"/>
-          </a:fontRef>
-        </p:style>
-        <p:txBody>
-          <a:bodyPr rtlCol="0" anchor="ctr"/>
-          <a:lstStyle/>
-          <a:p>
-            <a:pPr algn="ctr"/>
-            <a:endParaRPr lang="it-IT" sz="1400" dirty="0">
-              <a:solidFill>
-                <a:schemeClr val="tx1"/>
-              </a:solidFill>
-              <a:latin typeface="Century Schoolbook" panose="02040604050505020304" pitchFamily="18" charset="0"/>
-            </a:endParaRPr>
-          </a:p>
         </p:txBody>
       </p:sp>
     </p:spTree>
     <p:extLst>
       <p:ext uri="{BB962C8B-B14F-4D97-AF65-F5344CB8AC3E}">
-        <p14:creationId xmlns:p14="http://schemas.microsoft.com/office/powerpoint/2010/main" val="856027782"/>
+        <p14:creationId xmlns:p14="http://schemas.microsoft.com/office/powerpoint/2010/main" val="3517570753"/>
       </p:ext>
     </p:extLst>
   </p:cSld>
@@ -5194,29 +5174,207 @@
           <a:chExt cx="0" cy="0"/>
         </a:xfrm>
       </p:grpSpPr>
+      <p:sp>
+        <p:nvSpPr>
+          <p:cNvPr id="4" name="Ovale 3"/>
+          <p:cNvSpPr/>
+          <p:nvPr/>
+        </p:nvSpPr>
+        <p:spPr>
+          <a:xfrm>
+            <a:off x="6680131" y="3436921"/>
+            <a:ext cx="1302611" cy="982897"/>
+          </a:xfrm>
+          <a:prstGeom prst="ellipse">
+            <a:avLst/>
+          </a:prstGeom>
+          <a:solidFill>
+            <a:schemeClr val="accent2">
+              <a:lumMod val="20000"/>
+              <a:lumOff val="80000"/>
+            </a:schemeClr>
+          </a:solidFill>
+          <a:ln w="12700">
+            <a:solidFill>
+              <a:schemeClr val="tx1"/>
+            </a:solidFill>
+          </a:ln>
+        </p:spPr>
+        <p:style>
+          <a:lnRef idx="2">
+            <a:schemeClr val="accent1">
+              <a:shade val="50000"/>
+            </a:schemeClr>
+          </a:lnRef>
+          <a:fillRef idx="1">
+            <a:schemeClr val="accent1"/>
+          </a:fillRef>
+          <a:effectRef idx="0">
+            <a:schemeClr val="accent1"/>
+          </a:effectRef>
+          <a:fontRef idx="minor">
+            <a:schemeClr val="lt1"/>
+          </a:fontRef>
+        </p:style>
+        <p:txBody>
+          <a:bodyPr rtlCol="0" anchor="ctr"/>
+          <a:lstStyle/>
+          <a:p>
+            <a:pPr algn="ctr"/>
+            <a:r>
+              <a:rPr lang="it-IT" sz="1400" dirty="0" smtClean="0">
+                <a:solidFill>
+                  <a:schemeClr val="tx1"/>
+                </a:solidFill>
+                <a:latin typeface="Century Schoolbook" panose="02040604050505020304" pitchFamily="18" charset="0"/>
+              </a:rPr>
+              <a:t>Weight</a:t>
+            </a:r>
+          </a:p>
+          <a:p>
+            <a:pPr algn="ctr"/>
+            <a:r>
+              <a:rPr lang="it-IT" sz="1400" dirty="0" smtClean="0">
+                <a:solidFill>
+                  <a:schemeClr val="tx1"/>
+                </a:solidFill>
+                <a:latin typeface="Century Schoolbook" panose="02040604050505020304" pitchFamily="18" charset="0"/>
+              </a:rPr>
+              <a:t>Actor</a:t>
+            </a:r>
+            <a:endParaRPr lang="it-IT" sz="1400" dirty="0">
+              <a:solidFill>
+                <a:schemeClr val="tx1"/>
+              </a:solidFill>
+              <a:latin typeface="Century Schoolbook" panose="02040604050505020304" pitchFamily="18" charset="0"/>
+            </a:endParaRPr>
+          </a:p>
+        </p:txBody>
+      </p:sp>
+      <p:sp>
+        <p:nvSpPr>
+          <p:cNvPr id="5" name="Triangolo isoscele 4"/>
+          <p:cNvSpPr/>
+          <p:nvPr/>
+        </p:nvSpPr>
+        <p:spPr>
+          <a:xfrm rot="16200000">
+            <a:off x="7180606" y="3315521"/>
+            <a:ext cx="301659" cy="260051"/>
+          </a:xfrm>
+          <a:prstGeom prst="triangle">
+            <a:avLst/>
+          </a:prstGeom>
+          <a:solidFill>
+            <a:schemeClr val="accent2">
+              <a:lumMod val="20000"/>
+              <a:lumOff val="80000"/>
+            </a:schemeClr>
+          </a:solidFill>
+          <a:ln w="12700">
+            <a:solidFill>
+              <a:schemeClr val="tx1"/>
+            </a:solidFill>
+          </a:ln>
+        </p:spPr>
+        <p:style>
+          <a:lnRef idx="2">
+            <a:schemeClr val="accent1">
+              <a:shade val="50000"/>
+            </a:schemeClr>
+          </a:lnRef>
+          <a:fillRef idx="1">
+            <a:schemeClr val="accent1"/>
+          </a:fillRef>
+          <a:effectRef idx="0">
+            <a:schemeClr val="accent1"/>
+          </a:effectRef>
+          <a:fontRef idx="minor">
+            <a:schemeClr val="lt1"/>
+          </a:fontRef>
+        </p:style>
+        <p:txBody>
+          <a:bodyPr rtlCol="0" anchor="ctr"/>
+          <a:lstStyle/>
+          <a:p>
+            <a:pPr algn="ctr"/>
+            <a:endParaRPr lang="it-IT"/>
+          </a:p>
+        </p:txBody>
+      </p:sp>
+      <p:sp>
+        <p:nvSpPr>
+          <p:cNvPr id="6" name="Rettangolo 5"/>
+          <p:cNvSpPr/>
+          <p:nvPr/>
+        </p:nvSpPr>
+        <p:spPr>
+          <a:xfrm>
+            <a:off x="6356640" y="3811139"/>
+            <a:ext cx="501185" cy="238108"/>
+          </a:xfrm>
+          <a:prstGeom prst="rect">
+            <a:avLst/>
+          </a:prstGeom>
+          <a:solidFill>
+            <a:schemeClr val="accent2">
+              <a:lumMod val="20000"/>
+              <a:lumOff val="80000"/>
+            </a:schemeClr>
+          </a:solidFill>
+          <a:ln w="12700">
+            <a:solidFill>
+              <a:schemeClr val="tx1"/>
+            </a:solidFill>
+          </a:ln>
+        </p:spPr>
+        <p:style>
+          <a:lnRef idx="2">
+            <a:schemeClr val="accent1">
+              <a:shade val="50000"/>
+            </a:schemeClr>
+          </a:lnRef>
+          <a:fillRef idx="1">
+            <a:schemeClr val="accent1"/>
+          </a:fillRef>
+          <a:effectRef idx="0">
+            <a:schemeClr val="accent1"/>
+          </a:effectRef>
+          <a:fontRef idx="minor">
+            <a:schemeClr val="lt1"/>
+          </a:fontRef>
+        </p:style>
+        <p:txBody>
+          <a:bodyPr rtlCol="0" anchor="ctr"/>
+          <a:lstStyle/>
+          <a:p>
+            <a:pPr algn="ctr"/>
+            <a:endParaRPr lang="it-IT"/>
+          </a:p>
+        </p:txBody>
+      </p:sp>
       <p:cxnSp>
         <p:nvCxnSpPr>
-          <p:cNvPr id="16" name="Connettore 4 15"/>
+          <p:cNvPr id="8" name="Connettore 2 7"/>
           <p:cNvCxnSpPr>
-            <a:stCxn id="45" idx="2"/>
+            <a:stCxn id="5" idx="5"/>
           </p:cNvCxnSpPr>
           <p:nvPr/>
         </p:nvCxnSpPr>
         <p:spPr>
-          <a:xfrm rot="5400000" flipH="1">
-            <a:off x="4878898" y="3029429"/>
-            <a:ext cx="3538336" cy="711792"/>
-          </a:xfrm>
-          <a:prstGeom prst="bentConnector3">
-            <a:avLst>
-              <a:gd name="adj1" fmla="val -6461"/>
-            </a:avLst>
+          <a:xfrm flipH="1" flipV="1">
+            <a:off x="7325988" y="2909763"/>
+            <a:ext cx="5448" cy="460369"/>
+          </a:xfrm>
+          <a:prstGeom prst="straightConnector1">
+            <a:avLst/>
           </a:prstGeom>
           <a:ln w="19050">
             <a:solidFill>
               <a:schemeClr val="tx1"/>
             </a:solidFill>
-            <a:tailEnd type="triangle"/>
+            <a:headEnd type="none" w="med" len="med"/>
+            <a:tailEnd type="arrow" w="med" len="med"/>
           </a:ln>
         </p:spPr>
         <p:style>
@@ -5236,22 +5394,22 @@
       </p:cxnSp>
       <p:sp>
         <p:nvSpPr>
-          <p:cNvPr id="23" name="Rettangolo arrotondato 22"/>
+          <p:cNvPr id="10" name="Rettangolo arrotondato 9"/>
           <p:cNvSpPr/>
           <p:nvPr/>
         </p:nvSpPr>
         <p:spPr>
           <a:xfrm>
-            <a:off x="5503371" y="1302723"/>
-            <a:ext cx="1244316" cy="294736"/>
+            <a:off x="6517592" y="2438183"/>
+            <a:ext cx="1616791" cy="471580"/>
           </a:xfrm>
           <a:prstGeom prst="roundRect">
             <a:avLst/>
           </a:prstGeom>
           <a:solidFill>
             <a:schemeClr val="accent4">
-              <a:lumMod val="40000"/>
-              <a:lumOff val="60000"/>
+              <a:lumMod val="20000"/>
+              <a:lumOff val="80000"/>
             </a:schemeClr>
           </a:solidFill>
           <a:ln>
@@ -5282,35 +5440,259 @@
           <a:p>
             <a:pPr algn="ctr"/>
             <a:r>
-              <a:rPr lang="it-IT" sz="1400" dirty="0">
+              <a:rPr lang="it-IT" sz="1400" dirty="0" smtClean="0">
                 <a:solidFill>
                   <a:schemeClr val="tx1"/>
                 </a:solidFill>
                 <a:latin typeface="Century Schoolbook" panose="02040604050505020304" pitchFamily="18" charset="0"/>
               </a:rPr>
-              <a:t>IDLE</a:t>
-            </a:r>
-          </a:p>
-        </p:txBody>
-      </p:sp>
-      <p:sp>
-        <p:nvSpPr>
-          <p:cNvPr id="24" name="Rettangolo arrotondato 23"/>
+              <a:t>Presence Weight</a:t>
+            </a:r>
+            <a:endParaRPr lang="it-IT" sz="1400" dirty="0">
+              <a:solidFill>
+                <a:schemeClr val="tx1"/>
+              </a:solidFill>
+              <a:latin typeface="Century Schoolbook" panose="02040604050505020304" pitchFamily="18" charset="0"/>
+            </a:endParaRPr>
+          </a:p>
+        </p:txBody>
+      </p:sp>
+      <p:sp>
+        <p:nvSpPr>
+          <p:cNvPr id="11" name="Ovale 10"/>
           <p:cNvSpPr/>
           <p:nvPr/>
         </p:nvSpPr>
         <p:spPr>
           <a:xfrm>
-            <a:off x="6366822" y="2186936"/>
-            <a:ext cx="1275900" cy="294736"/>
+            <a:off x="4381109" y="3436921"/>
+            <a:ext cx="1302611" cy="982897"/>
+          </a:xfrm>
+          <a:prstGeom prst="ellipse">
+            <a:avLst/>
+          </a:prstGeom>
+          <a:solidFill>
+            <a:schemeClr val="accent2">
+              <a:lumMod val="20000"/>
+              <a:lumOff val="80000"/>
+            </a:schemeClr>
+          </a:solidFill>
+          <a:ln w="12700">
+            <a:solidFill>
+              <a:schemeClr val="tx1"/>
+            </a:solidFill>
+          </a:ln>
+        </p:spPr>
+        <p:style>
+          <a:lnRef idx="2">
+            <a:schemeClr val="accent1">
+              <a:shade val="50000"/>
+            </a:schemeClr>
+          </a:lnRef>
+          <a:fillRef idx="1">
+            <a:schemeClr val="accent1"/>
+          </a:fillRef>
+          <a:effectRef idx="0">
+            <a:schemeClr val="accent1"/>
+          </a:effectRef>
+          <a:fontRef idx="minor">
+            <a:schemeClr val="lt1"/>
+          </a:fontRef>
+        </p:style>
+        <p:txBody>
+          <a:bodyPr rtlCol="0" anchor="ctr"/>
+          <a:lstStyle/>
+          <a:p>
+            <a:pPr algn="ctr"/>
+            <a:r>
+              <a:rPr lang="it-IT" sz="1400" dirty="0" smtClean="0">
+                <a:solidFill>
+                  <a:schemeClr val="tx1"/>
+                </a:solidFill>
+                <a:latin typeface="Century Schoolbook" panose="02040604050505020304" pitchFamily="18" charset="0"/>
+              </a:rPr>
+              <a:t>Sonar</a:t>
+            </a:r>
+          </a:p>
+          <a:p>
+            <a:pPr algn="ctr"/>
+            <a:r>
+              <a:rPr lang="it-IT" sz="1400" dirty="0" smtClean="0">
+                <a:solidFill>
+                  <a:schemeClr val="tx1"/>
+                </a:solidFill>
+                <a:latin typeface="Century Schoolbook" panose="02040604050505020304" pitchFamily="18" charset="0"/>
+              </a:rPr>
+              <a:t>Actor</a:t>
+            </a:r>
+            <a:endParaRPr lang="it-IT" sz="1400" dirty="0">
+              <a:solidFill>
+                <a:schemeClr val="tx1"/>
+              </a:solidFill>
+              <a:latin typeface="Century Schoolbook" panose="02040604050505020304" pitchFamily="18" charset="0"/>
+            </a:endParaRPr>
+          </a:p>
+        </p:txBody>
+      </p:sp>
+      <p:sp>
+        <p:nvSpPr>
+          <p:cNvPr id="12" name="Triangolo isoscele 11"/>
+          <p:cNvSpPr/>
+          <p:nvPr/>
+        </p:nvSpPr>
+        <p:spPr>
+          <a:xfrm rot="16200000">
+            <a:off x="4881584" y="3315521"/>
+            <a:ext cx="301659" cy="260051"/>
+          </a:xfrm>
+          <a:prstGeom prst="triangle">
+            <a:avLst/>
+          </a:prstGeom>
+          <a:solidFill>
+            <a:schemeClr val="accent2">
+              <a:lumMod val="20000"/>
+              <a:lumOff val="80000"/>
+            </a:schemeClr>
+          </a:solidFill>
+          <a:ln w="12700">
+            <a:solidFill>
+              <a:schemeClr val="tx1"/>
+            </a:solidFill>
+          </a:ln>
+        </p:spPr>
+        <p:style>
+          <a:lnRef idx="2">
+            <a:schemeClr val="accent1">
+              <a:shade val="50000"/>
+            </a:schemeClr>
+          </a:lnRef>
+          <a:fillRef idx="1">
+            <a:schemeClr val="accent1"/>
+          </a:fillRef>
+          <a:effectRef idx="0">
+            <a:schemeClr val="accent1"/>
+          </a:effectRef>
+          <a:fontRef idx="minor">
+            <a:schemeClr val="lt1"/>
+          </a:fontRef>
+        </p:style>
+        <p:txBody>
+          <a:bodyPr rtlCol="0" anchor="ctr"/>
+          <a:lstStyle/>
+          <a:p>
+            <a:pPr algn="ctr"/>
+            <a:endParaRPr lang="it-IT"/>
+          </a:p>
+        </p:txBody>
+      </p:sp>
+      <p:sp>
+        <p:nvSpPr>
+          <p:cNvPr id="13" name="Rettangolo 12"/>
+          <p:cNvSpPr/>
+          <p:nvPr/>
+        </p:nvSpPr>
+        <p:spPr>
+          <a:xfrm>
+            <a:off x="4057618" y="3811139"/>
+            <a:ext cx="501185" cy="238108"/>
+          </a:xfrm>
+          <a:prstGeom prst="rect">
+            <a:avLst/>
+          </a:prstGeom>
+          <a:solidFill>
+            <a:schemeClr val="accent2">
+              <a:lumMod val="20000"/>
+              <a:lumOff val="80000"/>
+            </a:schemeClr>
+          </a:solidFill>
+          <a:ln w="12700">
+            <a:solidFill>
+              <a:schemeClr val="tx1"/>
+            </a:solidFill>
+          </a:ln>
+        </p:spPr>
+        <p:style>
+          <a:lnRef idx="2">
+            <a:schemeClr val="accent1">
+              <a:shade val="50000"/>
+            </a:schemeClr>
+          </a:lnRef>
+          <a:fillRef idx="1">
+            <a:schemeClr val="accent1"/>
+          </a:fillRef>
+          <a:effectRef idx="0">
+            <a:schemeClr val="accent1"/>
+          </a:effectRef>
+          <a:fontRef idx="minor">
+            <a:schemeClr val="lt1"/>
+          </a:fontRef>
+        </p:style>
+        <p:txBody>
+          <a:bodyPr rtlCol="0" anchor="ctr"/>
+          <a:lstStyle/>
+          <a:p>
+            <a:pPr algn="ctr"/>
+            <a:endParaRPr lang="it-IT"/>
+          </a:p>
+        </p:txBody>
+      </p:sp>
+      <p:cxnSp>
+        <p:nvCxnSpPr>
+          <p:cNvPr id="15" name="Connettore 2 14"/>
+          <p:cNvCxnSpPr>
+            <a:stCxn id="12" idx="5"/>
+          </p:cNvCxnSpPr>
+          <p:nvPr/>
+        </p:nvCxnSpPr>
+        <p:spPr>
+          <a:xfrm flipH="1" flipV="1">
+            <a:off x="5026966" y="2909763"/>
+            <a:ext cx="5448" cy="460369"/>
+          </a:xfrm>
+          <a:prstGeom prst="straightConnector1">
+            <a:avLst/>
+          </a:prstGeom>
+          <a:ln w="19050">
+            <a:solidFill>
+              <a:schemeClr val="tx1"/>
+            </a:solidFill>
+            <a:headEnd type="none" w="med" len="med"/>
+            <a:tailEnd type="arrow" w="med" len="med"/>
+          </a:ln>
+        </p:spPr>
+        <p:style>
+          <a:lnRef idx="1">
+            <a:schemeClr val="accent1"/>
+          </a:lnRef>
+          <a:fillRef idx="0">
+            <a:schemeClr val="accent1"/>
+          </a:fillRef>
+          <a:effectRef idx="0">
+            <a:schemeClr val="accent1"/>
+          </a:effectRef>
+          <a:fontRef idx="minor">
+            <a:schemeClr val="tx1"/>
+          </a:fontRef>
+        </p:style>
+      </p:cxnSp>
+      <p:sp>
+        <p:nvSpPr>
+          <p:cNvPr id="16" name="Rettangolo arrotondato 15"/>
+          <p:cNvSpPr/>
+          <p:nvPr/>
+        </p:nvSpPr>
+        <p:spPr>
+          <a:xfrm>
+            <a:off x="4218570" y="2438183"/>
+            <a:ext cx="1616791" cy="471580"/>
           </a:xfrm>
           <a:prstGeom prst="roundRect">
             <a:avLst/>
           </a:prstGeom>
           <a:solidFill>
             <a:schemeClr val="accent4">
-              <a:lumMod val="40000"/>
-              <a:lumOff val="60000"/>
+              <a:lumMod val="20000"/>
+              <a:lumOff val="80000"/>
             </a:schemeClr>
           </a:solidFill>
           <a:ln>
@@ -5341,1288 +5723,27 @@
           <a:p>
             <a:pPr algn="ctr"/>
             <a:r>
-              <a:rPr lang="it-IT" sz="1400" dirty="0">
+              <a:rPr lang="it-IT" sz="1400" dirty="0" smtClean="0">
                 <a:solidFill>
                   <a:schemeClr val="tx1"/>
                 </a:solidFill>
                 <a:latin typeface="Century Schoolbook" panose="02040604050505020304" pitchFamily="18" charset="0"/>
               </a:rPr>
-              <a:t>INDOOR</a:t>
-            </a:r>
-          </a:p>
-        </p:txBody>
-      </p:sp>
-      <p:sp>
-        <p:nvSpPr>
-          <p:cNvPr id="25" name="Rettangolo arrotondato 24"/>
-          <p:cNvSpPr/>
-          <p:nvPr/>
-        </p:nvSpPr>
-        <p:spPr>
-          <a:xfrm>
-            <a:off x="4521448" y="2186936"/>
-            <a:ext cx="1387624" cy="294736"/>
-          </a:xfrm>
-          <a:prstGeom prst="roundRect">
-            <a:avLst/>
-          </a:prstGeom>
-          <a:solidFill>
-            <a:schemeClr val="accent4">
-              <a:lumMod val="40000"/>
-              <a:lumOff val="60000"/>
-            </a:schemeClr>
-          </a:solidFill>
-          <a:ln>
-            <a:solidFill>
-              <a:schemeClr val="tx1"/>
-            </a:solidFill>
-          </a:ln>
-        </p:spPr>
-        <p:style>
-          <a:lnRef idx="2">
-            <a:schemeClr val="accent1">
-              <a:shade val="50000"/>
-            </a:schemeClr>
-          </a:lnRef>
-          <a:fillRef idx="1">
-            <a:schemeClr val="accent1"/>
-          </a:fillRef>
-          <a:effectRef idx="0">
-            <a:schemeClr val="accent1"/>
-          </a:effectRef>
-          <a:fontRef idx="minor">
-            <a:schemeClr val="lt1"/>
-          </a:fontRef>
-        </p:style>
-        <p:txBody>
-          <a:bodyPr rtlCol="0" anchor="ctr"/>
-          <a:lstStyle/>
-          <a:p>
-            <a:pPr algn="ctr"/>
-            <a:r>
-              <a:rPr lang="it-IT" sz="1400" dirty="0">
-                <a:solidFill>
-                  <a:schemeClr val="tx1"/>
-                </a:solidFill>
-                <a:latin typeface="Century Schoolbook" panose="02040604050505020304" pitchFamily="18" charset="0"/>
-              </a:rPr>
-              <a:t>UNPARKING</a:t>
-            </a:r>
-          </a:p>
-        </p:txBody>
-      </p:sp>
-      <p:cxnSp>
-        <p:nvCxnSpPr>
-          <p:cNvPr id="26" name="Connettore 2 25"/>
-          <p:cNvCxnSpPr/>
-          <p:nvPr/>
-        </p:nvCxnSpPr>
-        <p:spPr>
-          <a:xfrm>
-            <a:off x="6566489" y="1591712"/>
-            <a:ext cx="1" cy="593786"/>
-          </a:xfrm>
-          <a:prstGeom prst="straightConnector1">
-            <a:avLst/>
-          </a:prstGeom>
-          <a:ln w="19050">
-            <a:solidFill>
-              <a:schemeClr val="tx1"/>
-            </a:solidFill>
-            <a:tailEnd type="triangle"/>
-          </a:ln>
-        </p:spPr>
-        <p:style>
-          <a:lnRef idx="1">
-            <a:schemeClr val="accent1"/>
-          </a:lnRef>
-          <a:fillRef idx="0">
-            <a:schemeClr val="accent1"/>
-          </a:fillRef>
-          <a:effectRef idx="0">
-            <a:schemeClr val="accent1"/>
-          </a:effectRef>
-          <a:fontRef idx="minor">
-            <a:schemeClr val="tx1"/>
-          </a:fontRef>
-        </p:style>
-      </p:cxnSp>
-      <p:cxnSp>
-        <p:nvCxnSpPr>
-          <p:cNvPr id="27" name="Connettore 2 26"/>
-          <p:cNvCxnSpPr/>
-          <p:nvPr/>
-        </p:nvCxnSpPr>
-        <p:spPr>
-          <a:xfrm>
-            <a:off x="5665432" y="1595613"/>
-            <a:ext cx="1" cy="593786"/>
-          </a:xfrm>
-          <a:prstGeom prst="straightConnector1">
-            <a:avLst/>
-          </a:prstGeom>
-          <a:ln w="19050">
-            <a:solidFill>
-              <a:schemeClr val="tx1"/>
-            </a:solidFill>
-            <a:tailEnd type="triangle"/>
-          </a:ln>
-        </p:spPr>
-        <p:style>
-          <a:lnRef idx="1">
-            <a:schemeClr val="accent1"/>
-          </a:lnRef>
-          <a:fillRef idx="0">
-            <a:schemeClr val="accent1"/>
-          </a:fillRef>
-          <a:effectRef idx="0">
-            <a:schemeClr val="accent1"/>
-          </a:effectRef>
-          <a:fontRef idx="minor">
-            <a:schemeClr val="tx1"/>
-          </a:fontRef>
-        </p:style>
-      </p:cxnSp>
-      <p:sp>
-        <p:nvSpPr>
-          <p:cNvPr id="28" name="CasellaDiTesto 27"/>
-          <p:cNvSpPr txBox="1"/>
-          <p:nvPr/>
-        </p:nvSpPr>
-        <p:spPr>
-          <a:xfrm>
-            <a:off x="6566489" y="1678386"/>
-            <a:ext cx="2775119" cy="338554"/>
-          </a:xfrm>
-          <a:prstGeom prst="rect">
-            <a:avLst/>
-          </a:prstGeom>
-          <a:noFill/>
-        </p:spPr>
-        <p:txBody>
-          <a:bodyPr wrap="none" rtlCol="0">
-            <a:spAutoFit/>
-          </a:bodyPr>
-          <a:lstStyle/>
-          <a:p>
-            <a:r>
-              <a:rPr lang="it-IT" sz="1600" dirty="0">
-                <a:solidFill>
-                  <a:srgbClr val="00B050"/>
-                </a:solidFill>
-                <a:latin typeface="Century Schoolbook" panose="02040604050505020304" pitchFamily="18" charset="0"/>
-              </a:rPr>
-              <a:t>enter_request</a:t>
-            </a:r>
-            <a:r>
-              <a:rPr lang="it-IT" sz="1600" dirty="0">
-                <a:latin typeface="Century Schoolbook" panose="02040604050505020304" pitchFamily="18" charset="0"/>
-              </a:rPr>
-              <a:t> / </a:t>
-            </a:r>
-            <a:r>
-              <a:rPr lang="it-IT" sz="1600" dirty="0">
-                <a:solidFill>
-                  <a:schemeClr val="accent2">
-                    <a:lumMod val="75000"/>
-                  </a:schemeClr>
-                </a:solidFill>
-                <a:latin typeface="Century Schoolbook" panose="02040604050505020304" pitchFamily="18" charset="0"/>
-              </a:rPr>
-              <a:t>goto_indoor</a:t>
-            </a:r>
-          </a:p>
-        </p:txBody>
-      </p:sp>
-      <p:sp>
-        <p:nvSpPr>
-          <p:cNvPr id="29" name="Rettangolo arrotondato 28"/>
-          <p:cNvSpPr/>
-          <p:nvPr/>
-        </p:nvSpPr>
-        <p:spPr>
-          <a:xfrm>
-            <a:off x="6366013" y="3081240"/>
-            <a:ext cx="1275900" cy="294736"/>
-          </a:xfrm>
-          <a:prstGeom prst="roundRect">
-            <a:avLst/>
-          </a:prstGeom>
-          <a:solidFill>
-            <a:schemeClr val="accent4">
-              <a:lumMod val="40000"/>
-              <a:lumOff val="60000"/>
-            </a:schemeClr>
-          </a:solidFill>
-          <a:ln>
-            <a:solidFill>
-              <a:schemeClr val="tx1"/>
-            </a:solidFill>
-          </a:ln>
-        </p:spPr>
-        <p:style>
-          <a:lnRef idx="2">
-            <a:schemeClr val="accent1">
-              <a:shade val="50000"/>
-            </a:schemeClr>
-          </a:lnRef>
-          <a:fillRef idx="1">
-            <a:schemeClr val="accent1"/>
-          </a:fillRef>
-          <a:effectRef idx="0">
-            <a:schemeClr val="accent1"/>
-          </a:effectRef>
-          <a:fontRef idx="minor">
-            <a:schemeClr val="lt1"/>
-          </a:fontRef>
-        </p:style>
-        <p:txBody>
-          <a:bodyPr rtlCol="0" anchor="ctr"/>
-          <a:lstStyle/>
-          <a:p>
-            <a:pPr algn="ctr"/>
-            <a:r>
-              <a:rPr lang="it-IT" sz="1400" dirty="0">
-                <a:solidFill>
-                  <a:schemeClr val="tx1"/>
-                </a:solidFill>
-                <a:latin typeface="Century Schoolbook" panose="02040604050505020304" pitchFamily="18" charset="0"/>
-              </a:rPr>
-              <a:t>TAKE IN</a:t>
-            </a:r>
-          </a:p>
-        </p:txBody>
-      </p:sp>
-      <p:cxnSp>
-        <p:nvCxnSpPr>
-          <p:cNvPr id="31" name="Connettore 2 30"/>
-          <p:cNvCxnSpPr/>
-          <p:nvPr/>
-        </p:nvCxnSpPr>
-        <p:spPr>
-          <a:xfrm>
-            <a:off x="7021877" y="2487454"/>
-            <a:ext cx="1" cy="593786"/>
-          </a:xfrm>
-          <a:prstGeom prst="straightConnector1">
-            <a:avLst/>
-          </a:prstGeom>
-          <a:ln w="19050">
-            <a:solidFill>
-              <a:schemeClr val="tx1"/>
-            </a:solidFill>
-            <a:tailEnd type="triangle"/>
-          </a:ln>
-        </p:spPr>
-        <p:style>
-          <a:lnRef idx="1">
-            <a:schemeClr val="accent1"/>
-          </a:lnRef>
-          <a:fillRef idx="0">
-            <a:schemeClr val="accent1"/>
-          </a:fillRef>
-          <a:effectRef idx="0">
-            <a:schemeClr val="accent1"/>
-          </a:effectRef>
-          <a:fontRef idx="minor">
-            <a:schemeClr val="tx1"/>
-          </a:fontRef>
-        </p:style>
-      </p:cxnSp>
-      <p:sp>
-        <p:nvSpPr>
-          <p:cNvPr id="32" name="CasellaDiTesto 31"/>
-          <p:cNvSpPr txBox="1"/>
-          <p:nvPr/>
-        </p:nvSpPr>
-        <p:spPr>
-          <a:xfrm>
-            <a:off x="7021876" y="2615803"/>
-            <a:ext cx="1845377" cy="338554"/>
-          </a:xfrm>
-          <a:prstGeom prst="rect">
-            <a:avLst/>
-          </a:prstGeom>
-          <a:noFill/>
-        </p:spPr>
-        <p:txBody>
-          <a:bodyPr wrap="none" rtlCol="0">
-            <a:spAutoFit/>
-          </a:bodyPr>
-          <a:lstStyle/>
-          <a:p>
-            <a:r>
-              <a:rPr lang="it-IT" sz="1600" dirty="0">
-                <a:solidFill>
-                  <a:schemeClr val="accent1">
-                    <a:lumMod val="75000"/>
-                  </a:schemeClr>
-                </a:solidFill>
-                <a:latin typeface="Century Schoolbook" panose="02040604050505020304" pitchFamily="18" charset="0"/>
-              </a:rPr>
-              <a:t>done</a:t>
-            </a:r>
-            <a:r>
-              <a:rPr lang="it-IT" sz="1600" dirty="0">
-                <a:latin typeface="Century Schoolbook" panose="02040604050505020304" pitchFamily="18" charset="0"/>
-              </a:rPr>
-              <a:t> / </a:t>
-            </a:r>
-            <a:r>
-              <a:rPr lang="it-IT" sz="1600" dirty="0">
-                <a:solidFill>
-                  <a:schemeClr val="accent2">
-                    <a:lumMod val="75000"/>
-                  </a:schemeClr>
-                </a:solidFill>
-                <a:latin typeface="Century Schoolbook" panose="02040604050505020304" pitchFamily="18" charset="0"/>
-              </a:rPr>
-              <a:t>pickup_car</a:t>
-            </a:r>
-          </a:p>
-        </p:txBody>
-      </p:sp>
-      <p:sp>
-        <p:nvSpPr>
-          <p:cNvPr id="34" name="Rettangolo arrotondato 33"/>
-          <p:cNvSpPr/>
-          <p:nvPr/>
-        </p:nvSpPr>
-        <p:spPr>
-          <a:xfrm>
-            <a:off x="6366012" y="3975544"/>
-            <a:ext cx="1275900" cy="294736"/>
-          </a:xfrm>
-          <a:prstGeom prst="roundRect">
-            <a:avLst/>
-          </a:prstGeom>
-          <a:solidFill>
-            <a:schemeClr val="accent4">
-              <a:lumMod val="40000"/>
-              <a:lumOff val="60000"/>
-            </a:schemeClr>
-          </a:solidFill>
-          <a:ln>
-            <a:solidFill>
-              <a:schemeClr val="tx1"/>
-            </a:solidFill>
-          </a:ln>
-        </p:spPr>
-        <p:style>
-          <a:lnRef idx="2">
-            <a:schemeClr val="accent1">
-              <a:shade val="50000"/>
-            </a:schemeClr>
-          </a:lnRef>
-          <a:fillRef idx="1">
-            <a:schemeClr val="accent1"/>
-          </a:fillRef>
-          <a:effectRef idx="0">
-            <a:schemeClr val="accent1"/>
-          </a:effectRef>
-          <a:fontRef idx="minor">
-            <a:schemeClr val="lt1"/>
-          </a:fontRef>
-        </p:style>
-        <p:txBody>
-          <a:bodyPr rtlCol="0" anchor="ctr"/>
-          <a:lstStyle/>
-          <a:p>
-            <a:pPr algn="ctr"/>
-            <a:r>
-              <a:rPr lang="it-IT" sz="1400" dirty="0">
-                <a:solidFill>
-                  <a:schemeClr val="tx1"/>
-                </a:solidFill>
-                <a:latin typeface="Century Schoolbook" panose="02040604050505020304" pitchFamily="18" charset="0"/>
-              </a:rPr>
-              <a:t>PARKING</a:t>
-            </a:r>
-          </a:p>
-        </p:txBody>
-      </p:sp>
-      <p:cxnSp>
-        <p:nvCxnSpPr>
-          <p:cNvPr id="35" name="Connettore 2 34"/>
-          <p:cNvCxnSpPr/>
-          <p:nvPr/>
-        </p:nvCxnSpPr>
-        <p:spPr>
-          <a:xfrm>
-            <a:off x="7021876" y="3381758"/>
-            <a:ext cx="1" cy="593786"/>
-          </a:xfrm>
-          <a:prstGeom prst="straightConnector1">
-            <a:avLst/>
-          </a:prstGeom>
-          <a:ln w="19050">
-            <a:solidFill>
-              <a:schemeClr val="tx1"/>
-            </a:solidFill>
-            <a:tailEnd type="triangle"/>
-          </a:ln>
-        </p:spPr>
-        <p:style>
-          <a:lnRef idx="1">
-            <a:schemeClr val="accent1"/>
-          </a:lnRef>
-          <a:fillRef idx="0">
-            <a:schemeClr val="accent1"/>
-          </a:fillRef>
-          <a:effectRef idx="0">
-            <a:schemeClr val="accent1"/>
-          </a:effectRef>
-          <a:fontRef idx="minor">
-            <a:schemeClr val="tx1"/>
-          </a:fontRef>
-        </p:style>
-      </p:cxnSp>
-      <p:sp>
-        <p:nvSpPr>
-          <p:cNvPr id="36" name="CasellaDiTesto 35"/>
-          <p:cNvSpPr txBox="1"/>
-          <p:nvPr/>
-        </p:nvSpPr>
-        <p:spPr>
-          <a:xfrm>
-            <a:off x="7021875" y="3510107"/>
-            <a:ext cx="2050561" cy="338554"/>
-          </a:xfrm>
-          <a:prstGeom prst="rect">
-            <a:avLst/>
-          </a:prstGeom>
-          <a:noFill/>
-        </p:spPr>
-        <p:txBody>
-          <a:bodyPr wrap="none" rtlCol="0">
-            <a:spAutoFit/>
-          </a:bodyPr>
-          <a:lstStyle/>
-          <a:p>
-            <a:r>
-              <a:rPr lang="it-IT" sz="1600" dirty="0">
-                <a:solidFill>
-                  <a:schemeClr val="accent1">
-                    <a:lumMod val="75000"/>
-                  </a:schemeClr>
-                </a:solidFill>
-                <a:latin typeface="Century Schoolbook" panose="02040604050505020304" pitchFamily="18" charset="0"/>
-              </a:rPr>
-              <a:t>done</a:t>
-            </a:r>
-            <a:r>
-              <a:rPr lang="it-IT" sz="1600" dirty="0">
-                <a:latin typeface="Century Schoolbook" panose="02040604050505020304" pitchFamily="18" charset="0"/>
-              </a:rPr>
-              <a:t> / </a:t>
-            </a:r>
-            <a:r>
-              <a:rPr lang="it-IT" sz="1600" dirty="0">
-                <a:solidFill>
-                  <a:schemeClr val="accent2">
-                    <a:lumMod val="75000"/>
-                  </a:schemeClr>
-                </a:solidFill>
-                <a:latin typeface="Century Schoolbook" panose="02040604050505020304" pitchFamily="18" charset="0"/>
-              </a:rPr>
-              <a:t>goto_parking</a:t>
-            </a:r>
-          </a:p>
-        </p:txBody>
-      </p:sp>
-      <p:sp>
-        <p:nvSpPr>
-          <p:cNvPr id="45" name="Rettangolo arrotondato 44"/>
-          <p:cNvSpPr/>
-          <p:nvPr/>
-        </p:nvSpPr>
-        <p:spPr>
-          <a:xfrm>
-            <a:off x="6366012" y="4859757"/>
-            <a:ext cx="1275900" cy="294736"/>
-          </a:xfrm>
-          <a:prstGeom prst="roundRect">
-            <a:avLst/>
-          </a:prstGeom>
-          <a:solidFill>
-            <a:schemeClr val="accent4">
-              <a:lumMod val="40000"/>
-              <a:lumOff val="60000"/>
-            </a:schemeClr>
-          </a:solidFill>
-          <a:ln>
-            <a:solidFill>
-              <a:schemeClr val="tx1"/>
-            </a:solidFill>
-          </a:ln>
-        </p:spPr>
-        <p:style>
-          <a:lnRef idx="2">
-            <a:schemeClr val="accent1">
-              <a:shade val="50000"/>
-            </a:schemeClr>
-          </a:lnRef>
-          <a:fillRef idx="1">
-            <a:schemeClr val="accent1"/>
-          </a:fillRef>
-          <a:effectRef idx="0">
-            <a:schemeClr val="accent1"/>
-          </a:effectRef>
-          <a:fontRef idx="minor">
-            <a:schemeClr val="lt1"/>
-          </a:fontRef>
-        </p:style>
-        <p:txBody>
-          <a:bodyPr rtlCol="0" anchor="ctr"/>
-          <a:lstStyle/>
-          <a:p>
-            <a:pPr algn="ctr"/>
-            <a:r>
-              <a:rPr lang="it-IT" sz="1400" dirty="0">
-                <a:solidFill>
-                  <a:schemeClr val="tx1"/>
-                </a:solidFill>
-                <a:latin typeface="Century Schoolbook" panose="02040604050505020304" pitchFamily="18" charset="0"/>
-              </a:rPr>
-              <a:t>PARKED</a:t>
-            </a:r>
-          </a:p>
-        </p:txBody>
-      </p:sp>
-      <p:cxnSp>
-        <p:nvCxnSpPr>
-          <p:cNvPr id="46" name="Connettore 2 45"/>
-          <p:cNvCxnSpPr/>
-          <p:nvPr/>
-        </p:nvCxnSpPr>
-        <p:spPr>
-          <a:xfrm>
-            <a:off x="7021876" y="4265971"/>
-            <a:ext cx="1" cy="593786"/>
-          </a:xfrm>
-          <a:prstGeom prst="straightConnector1">
-            <a:avLst/>
-          </a:prstGeom>
-          <a:ln w="19050">
-            <a:solidFill>
-              <a:schemeClr val="tx1"/>
-            </a:solidFill>
-            <a:tailEnd type="triangle"/>
-          </a:ln>
-        </p:spPr>
-        <p:style>
-          <a:lnRef idx="1">
-            <a:schemeClr val="accent1"/>
-          </a:lnRef>
-          <a:fillRef idx="0">
-            <a:schemeClr val="accent1"/>
-          </a:fillRef>
-          <a:effectRef idx="0">
-            <a:schemeClr val="accent1"/>
-          </a:effectRef>
-          <a:fontRef idx="minor">
-            <a:schemeClr val="tx1"/>
-          </a:fontRef>
-        </p:style>
-      </p:cxnSp>
-      <p:sp>
-        <p:nvSpPr>
-          <p:cNvPr id="47" name="CasellaDiTesto 46"/>
-          <p:cNvSpPr txBox="1"/>
-          <p:nvPr/>
-        </p:nvSpPr>
-        <p:spPr>
-          <a:xfrm>
-            <a:off x="7021875" y="4394320"/>
-            <a:ext cx="2036135" cy="338554"/>
-          </a:xfrm>
-          <a:prstGeom prst="rect">
-            <a:avLst/>
-          </a:prstGeom>
-          <a:noFill/>
-        </p:spPr>
-        <p:txBody>
-          <a:bodyPr wrap="none" rtlCol="0">
-            <a:spAutoFit/>
-          </a:bodyPr>
-          <a:lstStyle/>
-          <a:p>
-            <a:r>
-              <a:rPr lang="it-IT" sz="1600" dirty="0">
-                <a:solidFill>
-                  <a:schemeClr val="accent1">
-                    <a:lumMod val="75000"/>
-                  </a:schemeClr>
-                </a:solidFill>
-                <a:latin typeface="Century Schoolbook" panose="02040604050505020304" pitchFamily="18" charset="0"/>
-              </a:rPr>
-              <a:t>done</a:t>
-            </a:r>
-            <a:r>
-              <a:rPr lang="it-IT" sz="1600" dirty="0">
-                <a:latin typeface="Century Schoolbook" panose="02040604050505020304" pitchFamily="18" charset="0"/>
-              </a:rPr>
-              <a:t> / </a:t>
-            </a:r>
-            <a:r>
-              <a:rPr lang="it-IT" sz="1600" dirty="0">
-                <a:solidFill>
-                  <a:schemeClr val="accent2">
-                    <a:lumMod val="75000"/>
-                  </a:schemeClr>
-                </a:solidFill>
-                <a:latin typeface="Century Schoolbook" panose="02040604050505020304" pitchFamily="18" charset="0"/>
-              </a:rPr>
-              <a:t>putdown_car</a:t>
-            </a:r>
-          </a:p>
-        </p:txBody>
-      </p:sp>
-      <p:sp>
-        <p:nvSpPr>
-          <p:cNvPr id="50" name="CasellaDiTesto 49"/>
-          <p:cNvSpPr txBox="1"/>
-          <p:nvPr/>
-        </p:nvSpPr>
-        <p:spPr>
-          <a:xfrm>
-            <a:off x="7021875" y="5216724"/>
-            <a:ext cx="1818126" cy="338554"/>
-          </a:xfrm>
-          <a:prstGeom prst="rect">
-            <a:avLst/>
-          </a:prstGeom>
-          <a:noFill/>
-        </p:spPr>
-        <p:txBody>
-          <a:bodyPr wrap="none" rtlCol="0">
-            <a:spAutoFit/>
-          </a:bodyPr>
-          <a:lstStyle/>
-          <a:p>
-            <a:r>
-              <a:rPr lang="it-IT" sz="1600" dirty="0">
-                <a:solidFill>
-                  <a:schemeClr val="accent1">
-                    <a:lumMod val="75000"/>
-                  </a:schemeClr>
-                </a:solidFill>
-                <a:latin typeface="Century Schoolbook" panose="02040604050505020304" pitchFamily="18" charset="0"/>
-              </a:rPr>
-              <a:t>done</a:t>
-            </a:r>
-            <a:r>
-              <a:rPr lang="it-IT" sz="1600" dirty="0">
-                <a:latin typeface="Century Schoolbook" panose="02040604050505020304" pitchFamily="18" charset="0"/>
-              </a:rPr>
-              <a:t> / </a:t>
-            </a:r>
-            <a:r>
-              <a:rPr lang="it-IT" sz="1600" dirty="0">
-                <a:solidFill>
-                  <a:schemeClr val="accent2">
-                    <a:lumMod val="75000"/>
-                  </a:schemeClr>
-                </a:solidFill>
-                <a:latin typeface="Century Schoolbook" panose="02040604050505020304" pitchFamily="18" charset="0"/>
-              </a:rPr>
-              <a:t>goto_home</a:t>
-            </a:r>
-          </a:p>
-        </p:txBody>
-      </p:sp>
-      <p:sp>
-        <p:nvSpPr>
-          <p:cNvPr id="59" name="Rettangolo arrotondato 58"/>
-          <p:cNvSpPr/>
-          <p:nvPr/>
-        </p:nvSpPr>
-        <p:spPr>
-          <a:xfrm>
-            <a:off x="4521448" y="3076931"/>
-            <a:ext cx="1387624" cy="294736"/>
-          </a:xfrm>
-          <a:prstGeom prst="roundRect">
-            <a:avLst/>
-          </a:prstGeom>
-          <a:solidFill>
-            <a:schemeClr val="accent4">
-              <a:lumMod val="40000"/>
-              <a:lumOff val="60000"/>
-            </a:schemeClr>
-          </a:solidFill>
-          <a:ln>
-            <a:solidFill>
-              <a:schemeClr val="tx1"/>
-            </a:solidFill>
-          </a:ln>
-        </p:spPr>
-        <p:style>
-          <a:lnRef idx="2">
-            <a:schemeClr val="accent1">
-              <a:shade val="50000"/>
-            </a:schemeClr>
-          </a:lnRef>
-          <a:fillRef idx="1">
-            <a:schemeClr val="accent1"/>
-          </a:fillRef>
-          <a:effectRef idx="0">
-            <a:schemeClr val="accent1"/>
-          </a:effectRef>
-          <a:fontRef idx="minor">
-            <a:schemeClr val="lt1"/>
-          </a:fontRef>
-        </p:style>
-        <p:txBody>
-          <a:bodyPr rtlCol="0" anchor="ctr"/>
-          <a:lstStyle/>
-          <a:p>
-            <a:pPr algn="ctr"/>
-            <a:r>
-              <a:rPr lang="it-IT" sz="1400" dirty="0">
-                <a:solidFill>
-                  <a:schemeClr val="tx1"/>
-                </a:solidFill>
-                <a:latin typeface="Century Schoolbook" panose="02040604050505020304" pitchFamily="18" charset="0"/>
-              </a:rPr>
-              <a:t>TAKE OUT</a:t>
-            </a:r>
-          </a:p>
-        </p:txBody>
-      </p:sp>
-      <p:cxnSp>
-        <p:nvCxnSpPr>
-          <p:cNvPr id="60" name="Connettore 2 59"/>
-          <p:cNvCxnSpPr/>
-          <p:nvPr/>
-        </p:nvCxnSpPr>
-        <p:spPr>
-          <a:xfrm>
-            <a:off x="5228372" y="2483145"/>
-            <a:ext cx="1" cy="593786"/>
-          </a:xfrm>
-          <a:prstGeom prst="straightConnector1">
-            <a:avLst/>
-          </a:prstGeom>
-          <a:ln w="19050">
-            <a:solidFill>
-              <a:schemeClr val="tx1"/>
-            </a:solidFill>
-            <a:tailEnd type="triangle"/>
-          </a:ln>
-        </p:spPr>
-        <p:style>
-          <a:lnRef idx="1">
-            <a:schemeClr val="accent1"/>
-          </a:lnRef>
-          <a:fillRef idx="0">
-            <a:schemeClr val="accent1"/>
-          </a:fillRef>
-          <a:effectRef idx="0">
-            <a:schemeClr val="accent1"/>
-          </a:effectRef>
-          <a:fontRef idx="minor">
-            <a:schemeClr val="tx1"/>
-          </a:fontRef>
-        </p:style>
-      </p:cxnSp>
-      <p:sp>
-        <p:nvSpPr>
-          <p:cNvPr id="61" name="CasellaDiTesto 60"/>
-          <p:cNvSpPr txBox="1"/>
-          <p:nvPr/>
-        </p:nvSpPr>
-        <p:spPr>
-          <a:xfrm>
-            <a:off x="3331124" y="2610761"/>
-            <a:ext cx="1845377" cy="338554"/>
-          </a:xfrm>
-          <a:prstGeom prst="rect">
-            <a:avLst/>
-          </a:prstGeom>
-          <a:noFill/>
-        </p:spPr>
-        <p:txBody>
-          <a:bodyPr wrap="none" rtlCol="0">
-            <a:spAutoFit/>
-          </a:bodyPr>
-          <a:lstStyle/>
-          <a:p>
-            <a:r>
-              <a:rPr lang="it-IT" sz="1600" dirty="0">
-                <a:solidFill>
-                  <a:schemeClr val="accent1">
-                    <a:lumMod val="75000"/>
-                  </a:schemeClr>
-                </a:solidFill>
-                <a:latin typeface="Century Schoolbook" panose="02040604050505020304" pitchFamily="18" charset="0"/>
-              </a:rPr>
-              <a:t>done</a:t>
-            </a:r>
-            <a:r>
-              <a:rPr lang="it-IT" sz="1600" dirty="0">
-                <a:latin typeface="Century Schoolbook" panose="02040604050505020304" pitchFamily="18" charset="0"/>
-              </a:rPr>
-              <a:t> / </a:t>
-            </a:r>
-            <a:r>
-              <a:rPr lang="it-IT" sz="1600" dirty="0">
-                <a:solidFill>
-                  <a:schemeClr val="accent2">
-                    <a:lumMod val="75000"/>
-                  </a:schemeClr>
-                </a:solidFill>
-                <a:latin typeface="Century Schoolbook" panose="02040604050505020304" pitchFamily="18" charset="0"/>
-              </a:rPr>
-              <a:t>pickup_car</a:t>
-            </a:r>
-          </a:p>
-        </p:txBody>
-      </p:sp>
-      <p:sp>
-        <p:nvSpPr>
-          <p:cNvPr id="62" name="CasellaDiTesto 61"/>
-          <p:cNvSpPr txBox="1"/>
-          <p:nvPr/>
-        </p:nvSpPr>
-        <p:spPr>
-          <a:xfrm>
-            <a:off x="2850393" y="1677685"/>
-            <a:ext cx="2771913" cy="338554"/>
-          </a:xfrm>
-          <a:prstGeom prst="rect">
-            <a:avLst/>
-          </a:prstGeom>
-          <a:noFill/>
-        </p:spPr>
-        <p:txBody>
-          <a:bodyPr wrap="none" rtlCol="0">
-            <a:spAutoFit/>
-          </a:bodyPr>
-          <a:lstStyle/>
-          <a:p>
-            <a:r>
-              <a:rPr lang="it-IT" sz="1600" dirty="0">
-                <a:solidFill>
-                  <a:srgbClr val="00B050"/>
-                </a:solidFill>
-                <a:latin typeface="Century Schoolbook" panose="02040604050505020304" pitchFamily="18" charset="0"/>
-              </a:rPr>
-              <a:t>exit_request</a:t>
-            </a:r>
-            <a:r>
-              <a:rPr lang="it-IT" sz="1600" dirty="0">
-                <a:latin typeface="Century Schoolbook" panose="02040604050505020304" pitchFamily="18" charset="0"/>
-              </a:rPr>
-              <a:t> / </a:t>
-            </a:r>
-            <a:r>
-              <a:rPr lang="it-IT" sz="1600" dirty="0">
-                <a:solidFill>
-                  <a:schemeClr val="accent2">
-                    <a:lumMod val="75000"/>
-                  </a:schemeClr>
-                </a:solidFill>
-                <a:latin typeface="Century Schoolbook" panose="02040604050505020304" pitchFamily="18" charset="0"/>
-              </a:rPr>
-              <a:t>goto_parking</a:t>
-            </a:r>
-          </a:p>
-        </p:txBody>
-      </p:sp>
-      <p:sp>
-        <p:nvSpPr>
-          <p:cNvPr id="64" name="Rettangolo arrotondato 63"/>
-          <p:cNvSpPr/>
-          <p:nvPr/>
-        </p:nvSpPr>
-        <p:spPr>
-          <a:xfrm>
-            <a:off x="4523051" y="3975544"/>
-            <a:ext cx="1387624" cy="294736"/>
-          </a:xfrm>
-          <a:prstGeom prst="roundRect">
-            <a:avLst/>
-          </a:prstGeom>
-          <a:solidFill>
-            <a:schemeClr val="accent4">
-              <a:lumMod val="40000"/>
-              <a:lumOff val="60000"/>
-            </a:schemeClr>
-          </a:solidFill>
-          <a:ln>
-            <a:solidFill>
-              <a:schemeClr val="tx1"/>
-            </a:solidFill>
-          </a:ln>
-        </p:spPr>
-        <p:style>
-          <a:lnRef idx="2">
-            <a:schemeClr val="accent1">
-              <a:shade val="50000"/>
-            </a:schemeClr>
-          </a:lnRef>
-          <a:fillRef idx="1">
-            <a:schemeClr val="accent1"/>
-          </a:fillRef>
-          <a:effectRef idx="0">
-            <a:schemeClr val="accent1"/>
-          </a:effectRef>
-          <a:fontRef idx="minor">
-            <a:schemeClr val="lt1"/>
-          </a:fontRef>
-        </p:style>
-        <p:txBody>
-          <a:bodyPr rtlCol="0" anchor="ctr"/>
-          <a:lstStyle/>
-          <a:p>
-            <a:pPr algn="ctr"/>
-            <a:r>
-              <a:rPr lang="it-IT" sz="1400" dirty="0">
-                <a:solidFill>
-                  <a:schemeClr val="tx1"/>
-                </a:solidFill>
-                <a:latin typeface="Century Schoolbook" panose="02040604050505020304" pitchFamily="18" charset="0"/>
-              </a:rPr>
-              <a:t>OUTDOOR</a:t>
-            </a:r>
-          </a:p>
-        </p:txBody>
-      </p:sp>
-      <p:cxnSp>
-        <p:nvCxnSpPr>
-          <p:cNvPr id="65" name="Connettore 2 64"/>
-          <p:cNvCxnSpPr/>
-          <p:nvPr/>
-        </p:nvCxnSpPr>
-        <p:spPr>
-          <a:xfrm>
-            <a:off x="5229975" y="3381758"/>
-            <a:ext cx="1" cy="593786"/>
-          </a:xfrm>
-          <a:prstGeom prst="straightConnector1">
-            <a:avLst/>
-          </a:prstGeom>
-          <a:ln w="19050">
-            <a:solidFill>
-              <a:schemeClr val="tx1"/>
-            </a:solidFill>
-            <a:tailEnd type="triangle"/>
-          </a:ln>
-        </p:spPr>
-        <p:style>
-          <a:lnRef idx="1">
-            <a:schemeClr val="accent1"/>
-          </a:lnRef>
-          <a:fillRef idx="0">
-            <a:schemeClr val="accent1"/>
-          </a:fillRef>
-          <a:effectRef idx="0">
-            <a:schemeClr val="accent1"/>
-          </a:effectRef>
-          <a:fontRef idx="minor">
-            <a:schemeClr val="tx1"/>
-          </a:fontRef>
-        </p:style>
-      </p:cxnSp>
-      <p:sp>
-        <p:nvSpPr>
-          <p:cNvPr id="66" name="CasellaDiTesto 65"/>
-          <p:cNvSpPr txBox="1"/>
-          <p:nvPr/>
-        </p:nvSpPr>
-        <p:spPr>
-          <a:xfrm>
-            <a:off x="3222289" y="3509374"/>
-            <a:ext cx="2028119" cy="338554"/>
-          </a:xfrm>
-          <a:prstGeom prst="rect">
-            <a:avLst/>
-          </a:prstGeom>
-          <a:noFill/>
-        </p:spPr>
-        <p:txBody>
-          <a:bodyPr wrap="none" rtlCol="0">
-            <a:spAutoFit/>
-          </a:bodyPr>
-          <a:lstStyle/>
-          <a:p>
-            <a:r>
-              <a:rPr lang="it-IT" sz="1600" dirty="0">
-                <a:solidFill>
-                  <a:schemeClr val="accent1">
-                    <a:lumMod val="75000"/>
-                  </a:schemeClr>
-                </a:solidFill>
-                <a:latin typeface="Century Schoolbook" panose="02040604050505020304" pitchFamily="18" charset="0"/>
-              </a:rPr>
-              <a:t>done</a:t>
-            </a:r>
-            <a:r>
-              <a:rPr lang="it-IT" sz="1600" dirty="0">
-                <a:latin typeface="Century Schoolbook" panose="02040604050505020304" pitchFamily="18" charset="0"/>
-              </a:rPr>
-              <a:t> / </a:t>
-            </a:r>
-            <a:r>
-              <a:rPr lang="it-IT" sz="1600" dirty="0">
-                <a:solidFill>
-                  <a:schemeClr val="accent2">
-                    <a:lumMod val="75000"/>
-                  </a:schemeClr>
-                </a:solidFill>
-                <a:latin typeface="Century Schoolbook" panose="02040604050505020304" pitchFamily="18" charset="0"/>
-              </a:rPr>
-              <a:t>goto_outdoor</a:t>
-            </a:r>
-          </a:p>
-        </p:txBody>
-      </p:sp>
-      <p:sp>
-        <p:nvSpPr>
-          <p:cNvPr id="67" name="Rettangolo arrotondato 66"/>
-          <p:cNvSpPr/>
-          <p:nvPr/>
-        </p:nvSpPr>
-        <p:spPr>
-          <a:xfrm>
-            <a:off x="4508990" y="4874157"/>
-            <a:ext cx="1387624" cy="294736"/>
-          </a:xfrm>
-          <a:prstGeom prst="roundRect">
-            <a:avLst/>
-          </a:prstGeom>
-          <a:solidFill>
-            <a:schemeClr val="accent4">
-              <a:lumMod val="40000"/>
-              <a:lumOff val="60000"/>
-            </a:schemeClr>
-          </a:solidFill>
-          <a:ln>
-            <a:solidFill>
-              <a:schemeClr val="tx1"/>
-            </a:solidFill>
-          </a:ln>
-        </p:spPr>
-        <p:style>
-          <a:lnRef idx="2">
-            <a:schemeClr val="accent1">
-              <a:shade val="50000"/>
-            </a:schemeClr>
-          </a:lnRef>
-          <a:fillRef idx="1">
-            <a:schemeClr val="accent1"/>
-          </a:fillRef>
-          <a:effectRef idx="0">
-            <a:schemeClr val="accent1"/>
-          </a:effectRef>
-          <a:fontRef idx="minor">
-            <a:schemeClr val="lt1"/>
-          </a:fontRef>
-        </p:style>
-        <p:txBody>
-          <a:bodyPr rtlCol="0" anchor="ctr"/>
-          <a:lstStyle/>
-          <a:p>
-            <a:pPr algn="ctr"/>
-            <a:r>
-              <a:rPr lang="it-IT" sz="1400" dirty="0">
-                <a:solidFill>
-                  <a:schemeClr val="tx1"/>
-                </a:solidFill>
-                <a:latin typeface="Century Schoolbook" panose="02040604050505020304" pitchFamily="18" charset="0"/>
-              </a:rPr>
-              <a:t>LEAVING</a:t>
-            </a:r>
-          </a:p>
-        </p:txBody>
-      </p:sp>
-      <p:cxnSp>
-        <p:nvCxnSpPr>
-          <p:cNvPr id="68" name="Connettore 2 67"/>
-          <p:cNvCxnSpPr/>
-          <p:nvPr/>
-        </p:nvCxnSpPr>
-        <p:spPr>
-          <a:xfrm>
-            <a:off x="5215914" y="4280371"/>
-            <a:ext cx="1" cy="593786"/>
-          </a:xfrm>
-          <a:prstGeom prst="straightConnector1">
-            <a:avLst/>
-          </a:prstGeom>
-          <a:ln w="19050">
-            <a:solidFill>
-              <a:schemeClr val="tx1"/>
-            </a:solidFill>
-            <a:tailEnd type="triangle"/>
-          </a:ln>
-        </p:spPr>
-        <p:style>
-          <a:lnRef idx="1">
-            <a:schemeClr val="accent1"/>
-          </a:lnRef>
-          <a:fillRef idx="0">
-            <a:schemeClr val="accent1"/>
-          </a:fillRef>
-          <a:effectRef idx="0">
-            <a:schemeClr val="accent1"/>
-          </a:effectRef>
-          <a:fontRef idx="minor">
-            <a:schemeClr val="tx1"/>
-          </a:fontRef>
-        </p:style>
-      </p:cxnSp>
-      <p:sp>
-        <p:nvSpPr>
-          <p:cNvPr id="69" name="CasellaDiTesto 68"/>
-          <p:cNvSpPr txBox="1"/>
-          <p:nvPr/>
-        </p:nvSpPr>
-        <p:spPr>
-          <a:xfrm>
-            <a:off x="3136541" y="4396910"/>
-            <a:ext cx="2036135" cy="338554"/>
-          </a:xfrm>
-          <a:prstGeom prst="rect">
-            <a:avLst/>
-          </a:prstGeom>
-          <a:noFill/>
-        </p:spPr>
-        <p:txBody>
-          <a:bodyPr wrap="none" rtlCol="0">
-            <a:spAutoFit/>
-          </a:bodyPr>
-          <a:lstStyle/>
-          <a:p>
-            <a:r>
-              <a:rPr lang="it-IT" sz="1600" dirty="0">
-                <a:solidFill>
-                  <a:schemeClr val="accent1">
-                    <a:lumMod val="75000"/>
-                  </a:schemeClr>
-                </a:solidFill>
-                <a:latin typeface="Century Schoolbook" panose="02040604050505020304" pitchFamily="18" charset="0"/>
-              </a:rPr>
-              <a:t>done</a:t>
-            </a:r>
-            <a:r>
-              <a:rPr lang="it-IT" sz="1600" dirty="0">
-                <a:latin typeface="Century Schoolbook" panose="02040604050505020304" pitchFamily="18" charset="0"/>
-              </a:rPr>
-              <a:t> / </a:t>
-            </a:r>
-            <a:r>
-              <a:rPr lang="it-IT" sz="1600" dirty="0">
-                <a:solidFill>
-                  <a:schemeClr val="accent2">
-                    <a:lumMod val="75000"/>
-                  </a:schemeClr>
-                </a:solidFill>
-                <a:latin typeface="Century Schoolbook" panose="02040604050505020304" pitchFamily="18" charset="0"/>
-              </a:rPr>
-              <a:t>putdown_car</a:t>
-            </a:r>
-          </a:p>
-        </p:txBody>
-      </p:sp>
-      <p:cxnSp>
-        <p:nvCxnSpPr>
-          <p:cNvPr id="70" name="Connettore 4 69"/>
-          <p:cNvCxnSpPr>
-            <a:stCxn id="67" idx="2"/>
-          </p:cNvCxnSpPr>
-          <p:nvPr/>
-        </p:nvCxnSpPr>
-        <p:spPr>
-          <a:xfrm rot="5400000" flipH="1" flipV="1">
-            <a:off x="3828739" y="2990218"/>
-            <a:ext cx="3552738" cy="804612"/>
-          </a:xfrm>
-          <a:prstGeom prst="bentConnector3">
-            <a:avLst>
-              <a:gd name="adj1" fmla="val -6434"/>
-            </a:avLst>
-          </a:prstGeom>
-          <a:ln w="19050">
-            <a:solidFill>
-              <a:schemeClr val="tx1"/>
-            </a:solidFill>
-            <a:tailEnd type="triangle"/>
-          </a:ln>
-        </p:spPr>
-        <p:style>
-          <a:lnRef idx="1">
-            <a:schemeClr val="accent1"/>
-          </a:lnRef>
-          <a:fillRef idx="0">
-            <a:schemeClr val="accent1"/>
-          </a:fillRef>
-          <a:effectRef idx="0">
-            <a:schemeClr val="accent1"/>
-          </a:effectRef>
-          <a:fontRef idx="minor">
-            <a:schemeClr val="tx1"/>
-          </a:fontRef>
-        </p:style>
-      </p:cxnSp>
-      <p:sp>
-        <p:nvSpPr>
-          <p:cNvPr id="73" name="CasellaDiTesto 72"/>
-          <p:cNvSpPr txBox="1"/>
-          <p:nvPr/>
-        </p:nvSpPr>
-        <p:spPr>
-          <a:xfrm>
-            <a:off x="3354550" y="5170064"/>
-            <a:ext cx="1818126" cy="338554"/>
-          </a:xfrm>
-          <a:prstGeom prst="rect">
-            <a:avLst/>
-          </a:prstGeom>
-          <a:noFill/>
-        </p:spPr>
-        <p:txBody>
-          <a:bodyPr wrap="none" rtlCol="0">
-            <a:spAutoFit/>
-          </a:bodyPr>
-          <a:lstStyle/>
-          <a:p>
-            <a:r>
-              <a:rPr lang="it-IT" sz="1600" dirty="0">
-                <a:solidFill>
-                  <a:schemeClr val="accent1">
-                    <a:lumMod val="75000"/>
-                  </a:schemeClr>
-                </a:solidFill>
-                <a:latin typeface="Century Schoolbook" panose="02040604050505020304" pitchFamily="18" charset="0"/>
-              </a:rPr>
-              <a:t>done</a:t>
-            </a:r>
-            <a:r>
-              <a:rPr lang="it-IT" sz="1600" dirty="0">
-                <a:latin typeface="Century Schoolbook" panose="02040604050505020304" pitchFamily="18" charset="0"/>
-              </a:rPr>
-              <a:t> / </a:t>
-            </a:r>
-            <a:r>
-              <a:rPr lang="it-IT" sz="1600" dirty="0">
-                <a:solidFill>
-                  <a:schemeClr val="accent2">
-                    <a:lumMod val="75000"/>
-                  </a:schemeClr>
-                </a:solidFill>
-                <a:latin typeface="Century Schoolbook" panose="02040604050505020304" pitchFamily="18" charset="0"/>
-              </a:rPr>
-              <a:t>goto_home</a:t>
-            </a:r>
+              <a:t>Presence Sonar</a:t>
+            </a:r>
+            <a:endParaRPr lang="it-IT" sz="1400" dirty="0">
+              <a:solidFill>
+                <a:schemeClr val="tx1"/>
+              </a:solidFill>
+              <a:latin typeface="Century Schoolbook" panose="02040604050505020304" pitchFamily="18" charset="0"/>
+            </a:endParaRPr>
           </a:p>
         </p:txBody>
       </p:sp>
     </p:spTree>
     <p:extLst>
       <p:ext uri="{BB962C8B-B14F-4D97-AF65-F5344CB8AC3E}">
-        <p14:creationId xmlns:p14="http://schemas.microsoft.com/office/powerpoint/2010/main" val="2635279355"/>
+        <p14:creationId xmlns:p14="http://schemas.microsoft.com/office/powerpoint/2010/main" val="721290290"/>
       </p:ext>
     </p:extLst>
   </p:cSld>
@@ -6651,13 +5772,13 @@
       </p:grpSpPr>
       <p:sp>
         <p:nvSpPr>
-          <p:cNvPr id="4" name="Ovale 3"/>
+          <p:cNvPr id="81" name="Ovale 80"/>
           <p:cNvSpPr/>
           <p:nvPr/>
         </p:nvSpPr>
         <p:spPr>
           <a:xfrm>
-            <a:off x="3297316" y="4242720"/>
+            <a:off x="2223628" y="4242720"/>
             <a:ext cx="1302611" cy="982897"/>
           </a:xfrm>
           <a:prstGeom prst="ellipse">
@@ -6697,33 +5818,54 @@
           <a:p>
             <a:pPr algn="ctr"/>
             <a:r>
-              <a:rPr lang="it-IT" sz="1400" dirty="0">
+              <a:rPr lang="it-IT" sz="1400" dirty="0" smtClean="0">
                 <a:solidFill>
                   <a:schemeClr val="tx1"/>
                 </a:solidFill>
                 <a:latin typeface="Century Schoolbook" panose="02040604050505020304" pitchFamily="18" charset="0"/>
               </a:rPr>
-              <a:t>Trolley Status</a:t>
-            </a:r>
-          </a:p>
-        </p:txBody>
-      </p:sp>
-      <p:sp>
-        <p:nvSpPr>
-          <p:cNvPr id="5" name="Triangolo isoscele 4"/>
+              <a:t>Business</a:t>
+            </a:r>
+          </a:p>
+          <a:p>
+            <a:pPr algn="ctr"/>
+            <a:r>
+              <a:rPr lang="it-IT" sz="1400" dirty="0" smtClean="0">
+                <a:solidFill>
+                  <a:schemeClr val="tx1"/>
+                </a:solidFill>
+                <a:latin typeface="Century Schoolbook" panose="02040604050505020304" pitchFamily="18" charset="0"/>
+              </a:rPr>
+              <a:t>Logic</a:t>
+            </a:r>
+            <a:endParaRPr lang="it-IT" sz="1400" dirty="0">
+              <a:solidFill>
+                <a:schemeClr val="tx1"/>
+              </a:solidFill>
+              <a:latin typeface="Century Schoolbook" panose="02040604050505020304" pitchFamily="18" charset="0"/>
+            </a:endParaRPr>
+          </a:p>
+        </p:txBody>
+      </p:sp>
+      <p:sp>
+        <p:nvSpPr>
+          <p:cNvPr id="82" name="Triangolo isoscele 81"/>
           <p:cNvSpPr/>
           <p:nvPr/>
         </p:nvSpPr>
         <p:spPr>
           <a:xfrm rot="16200000">
-            <a:off x="3797791" y="4121320"/>
+            <a:off x="2724103" y="4121320"/>
             <a:ext cx="301659" cy="260051"/>
           </a:xfrm>
           <a:prstGeom prst="triangle">
             <a:avLst/>
           </a:prstGeom>
           <a:solidFill>
-            <a:srgbClr val="FF0000"/>
+            <a:schemeClr val="accent2">
+              <a:lumMod val="20000"/>
+              <a:lumOff val="80000"/>
+            </a:schemeClr>
           </a:solidFill>
           <a:ln w="12700">
             <a:solidFill>
@@ -6758,13 +5900,13 @@
       </p:sp>
       <p:sp>
         <p:nvSpPr>
-          <p:cNvPr id="6" name="Rettangolo 5"/>
+          <p:cNvPr id="83" name="Rettangolo 82"/>
           <p:cNvSpPr/>
           <p:nvPr/>
         </p:nvSpPr>
         <p:spPr>
           <a:xfrm>
-            <a:off x="2973825" y="4616938"/>
+            <a:off x="1900137" y="4616938"/>
             <a:ext cx="501185" cy="238108"/>
           </a:xfrm>
           <a:prstGeom prst="rect">
@@ -6809,20 +5951,20 @@
       </p:sp>
       <p:sp>
         <p:nvSpPr>
-          <p:cNvPr id="7" name="Ovale 6"/>
+          <p:cNvPr id="84" name="Ovale 83"/>
           <p:cNvSpPr/>
           <p:nvPr/>
         </p:nvSpPr>
         <p:spPr>
           <a:xfrm>
-            <a:off x="5768186" y="4242720"/>
+            <a:off x="4371007" y="4242720"/>
             <a:ext cx="1302611" cy="982897"/>
           </a:xfrm>
           <a:prstGeom prst="ellipse">
             <a:avLst/>
           </a:prstGeom>
           <a:solidFill>
-            <a:schemeClr val="accent2">
+            <a:schemeClr val="accent4">
               <a:lumMod val="20000"/>
               <a:lumOff val="80000"/>
             </a:schemeClr>
@@ -6855,33 +5997,42 @@
           <a:p>
             <a:pPr algn="ctr"/>
             <a:r>
-              <a:rPr lang="it-IT" sz="1400" dirty="0">
+              <a:rPr lang="it-IT" sz="1400" dirty="0" smtClean="0">
                 <a:solidFill>
                   <a:schemeClr val="tx1"/>
                 </a:solidFill>
                 <a:latin typeface="Century Schoolbook" panose="02040604050505020304" pitchFamily="18" charset="0"/>
               </a:rPr>
-              <a:t>Robot Driver</a:t>
-            </a:r>
-          </a:p>
-        </p:txBody>
-      </p:sp>
-      <p:sp>
-        <p:nvSpPr>
-          <p:cNvPr id="8" name="Triangolo isoscele 7"/>
+              <a:t>Robot Proxy</a:t>
+            </a:r>
+            <a:endParaRPr lang="it-IT" sz="1400" dirty="0">
+              <a:solidFill>
+                <a:schemeClr val="tx1"/>
+              </a:solidFill>
+              <a:latin typeface="Century Schoolbook" panose="02040604050505020304" pitchFamily="18" charset="0"/>
+            </a:endParaRPr>
+          </a:p>
+        </p:txBody>
+      </p:sp>
+      <p:sp>
+        <p:nvSpPr>
+          <p:cNvPr id="85" name="Triangolo isoscele 84"/>
           <p:cNvSpPr/>
           <p:nvPr/>
         </p:nvSpPr>
         <p:spPr>
           <a:xfrm rot="16200000">
-            <a:off x="6268661" y="4121320"/>
+            <a:off x="4871482" y="4121320"/>
             <a:ext cx="301659" cy="260051"/>
           </a:xfrm>
           <a:prstGeom prst="triangle">
             <a:avLst/>
           </a:prstGeom>
           <a:solidFill>
-            <a:srgbClr val="FF0000"/>
+            <a:schemeClr val="accent4">
+              <a:lumMod val="20000"/>
+              <a:lumOff val="80000"/>
+            </a:schemeClr>
           </a:solidFill>
           <a:ln w="12700">
             <a:solidFill>
@@ -6916,20 +6067,20 @@
       </p:sp>
       <p:sp>
         <p:nvSpPr>
-          <p:cNvPr id="9" name="Rettangolo 8"/>
+          <p:cNvPr id="86" name="Ovale 85"/>
           <p:cNvSpPr/>
           <p:nvPr/>
         </p:nvSpPr>
         <p:spPr>
           <a:xfrm>
-            <a:off x="5444695" y="4616938"/>
-            <a:ext cx="501185" cy="238108"/>
-          </a:xfrm>
-          <a:prstGeom prst="rect">
+            <a:off x="2220389" y="1632384"/>
+            <a:ext cx="1302611" cy="982897"/>
+          </a:xfrm>
+          <a:prstGeom prst="ellipse">
             <a:avLst/>
           </a:prstGeom>
           <a:solidFill>
-            <a:schemeClr val="accent2">
+            <a:schemeClr val="accent1">
               <a:lumMod val="20000"/>
               <a:lumOff val="80000"/>
             </a:schemeClr>
@@ -6961,166 +6112,8 @@
           <a:lstStyle/>
           <a:p>
             <a:pPr algn="ctr"/>
-            <a:endParaRPr lang="it-IT"/>
-          </a:p>
-        </p:txBody>
-      </p:sp>
-      <p:sp>
-        <p:nvSpPr>
-          <p:cNvPr id="10" name="Ovale 9"/>
-          <p:cNvSpPr/>
-          <p:nvPr/>
-        </p:nvSpPr>
-        <p:spPr>
-          <a:xfrm>
-            <a:off x="7915565" y="4242720"/>
-            <a:ext cx="1302611" cy="982897"/>
-          </a:xfrm>
-          <a:prstGeom prst="ellipse">
-            <a:avLst/>
-          </a:prstGeom>
-          <a:solidFill>
-            <a:schemeClr val="accent4">
-              <a:lumMod val="20000"/>
-              <a:lumOff val="80000"/>
-            </a:schemeClr>
-          </a:solidFill>
-          <a:ln w="12700">
-            <a:solidFill>
-              <a:schemeClr val="tx1"/>
-            </a:solidFill>
-          </a:ln>
-        </p:spPr>
-        <p:style>
-          <a:lnRef idx="2">
-            <a:schemeClr val="accent1">
-              <a:shade val="50000"/>
-            </a:schemeClr>
-          </a:lnRef>
-          <a:fillRef idx="1">
-            <a:schemeClr val="accent1"/>
-          </a:fillRef>
-          <a:effectRef idx="0">
-            <a:schemeClr val="accent1"/>
-          </a:effectRef>
-          <a:fontRef idx="minor">
-            <a:schemeClr val="lt1"/>
-          </a:fontRef>
-        </p:style>
-        <p:txBody>
-          <a:bodyPr rtlCol="0" anchor="ctr"/>
-          <a:lstStyle/>
-          <a:p>
-            <a:pPr algn="ctr"/>
-            <a:r>
-              <a:rPr lang="it-IT" sz="1400" dirty="0">
-                <a:solidFill>
-                  <a:schemeClr val="tx1"/>
-                </a:solidFill>
-                <a:latin typeface="Century Schoolbook" panose="02040604050505020304" pitchFamily="18" charset="0"/>
-              </a:rPr>
-              <a:t>Virtual Robot</a:t>
-            </a:r>
-          </a:p>
-        </p:txBody>
-      </p:sp>
-      <p:sp>
-        <p:nvSpPr>
-          <p:cNvPr id="11" name="Triangolo isoscele 10"/>
-          <p:cNvSpPr/>
-          <p:nvPr/>
-        </p:nvSpPr>
-        <p:spPr>
-          <a:xfrm rot="16200000">
-            <a:off x="8416040" y="4121320"/>
-            <a:ext cx="301659" cy="260051"/>
-          </a:xfrm>
-          <a:prstGeom prst="triangle">
-            <a:avLst/>
-          </a:prstGeom>
-          <a:solidFill>
-            <a:srgbClr val="FF0000"/>
-          </a:solidFill>
-          <a:ln w="12700">
-            <a:solidFill>
-              <a:schemeClr val="tx1"/>
-            </a:solidFill>
-          </a:ln>
-        </p:spPr>
-        <p:style>
-          <a:lnRef idx="2">
-            <a:schemeClr val="accent1">
-              <a:shade val="50000"/>
-            </a:schemeClr>
-          </a:lnRef>
-          <a:fillRef idx="1">
-            <a:schemeClr val="accent1"/>
-          </a:fillRef>
-          <a:effectRef idx="0">
-            <a:schemeClr val="accent1"/>
-          </a:effectRef>
-          <a:fontRef idx="minor">
-            <a:schemeClr val="lt1"/>
-          </a:fontRef>
-        </p:style>
-        <p:txBody>
-          <a:bodyPr rtlCol="0" anchor="ctr"/>
-          <a:lstStyle/>
-          <a:p>
-            <a:pPr algn="ctr"/>
-            <a:endParaRPr lang="it-IT"/>
-          </a:p>
-        </p:txBody>
-      </p:sp>
-      <p:sp>
-        <p:nvSpPr>
-          <p:cNvPr id="13" name="Ovale 12"/>
-          <p:cNvSpPr/>
-          <p:nvPr/>
-        </p:nvSpPr>
-        <p:spPr>
-          <a:xfrm>
-            <a:off x="5764947" y="1632384"/>
-            <a:ext cx="1302611" cy="982897"/>
-          </a:xfrm>
-          <a:prstGeom prst="ellipse">
-            <a:avLst/>
-          </a:prstGeom>
-          <a:solidFill>
-            <a:schemeClr val="accent1">
-              <a:lumMod val="20000"/>
-              <a:lumOff val="80000"/>
-            </a:schemeClr>
-          </a:solidFill>
-          <a:ln w="12700">
-            <a:solidFill>
-              <a:schemeClr val="tx1"/>
-            </a:solidFill>
-          </a:ln>
-        </p:spPr>
-        <p:style>
-          <a:lnRef idx="2">
-            <a:schemeClr val="accent1">
-              <a:shade val="50000"/>
-            </a:schemeClr>
-          </a:lnRef>
-          <a:fillRef idx="1">
-            <a:schemeClr val="accent1"/>
-          </a:fillRef>
-          <a:effectRef idx="0">
-            <a:schemeClr val="accent1"/>
-          </a:effectRef>
-          <a:fontRef idx="minor">
-            <a:schemeClr val="lt1"/>
-          </a:fontRef>
-        </p:style>
-        <p:txBody>
-          <a:bodyPr rtlCol="0" anchor="ctr"/>
-          <a:lstStyle/>
-          <a:p>
-            <a:pPr algn="ctr"/>
-            <a:r>
-              <a:rPr lang="it-IT" sz="1400" dirty="0">
+            <a:r>
+              <a:rPr lang="it-IT" sz="1400" dirty="0" smtClean="0">
                 <a:solidFill>
                   <a:schemeClr val="tx1"/>
                 </a:solidFill>
@@ -7128,18 +6121,24 @@
               </a:rPr>
               <a:t>Planner Util</a:t>
             </a:r>
+            <a:endParaRPr lang="it-IT" sz="1400" dirty="0">
+              <a:solidFill>
+                <a:schemeClr val="tx1"/>
+              </a:solidFill>
+              <a:latin typeface="Century Schoolbook" panose="02040604050505020304" pitchFamily="18" charset="0"/>
+            </a:endParaRPr>
           </a:p>
         </p:txBody>
       </p:sp>
       <p:cxnSp>
         <p:nvCxnSpPr>
-          <p:cNvPr id="15" name="Connettore 2 14"/>
+          <p:cNvPr id="87" name="Connettore 2 86"/>
           <p:cNvCxnSpPr/>
           <p:nvPr/>
         </p:nvCxnSpPr>
         <p:spPr>
           <a:xfrm flipH="1" flipV="1">
-            <a:off x="6418411" y="3629746"/>
+            <a:off x="2873853" y="3629746"/>
             <a:ext cx="2157" cy="541872"/>
           </a:xfrm>
           <a:prstGeom prst="straightConnector1">
@@ -7170,13 +6169,13 @@
       </p:cxnSp>
       <p:sp>
         <p:nvSpPr>
-          <p:cNvPr id="16" name="Rettangolo arrotondato 15"/>
+          <p:cNvPr id="88" name="Rettangolo arrotondato 87"/>
           <p:cNvSpPr/>
           <p:nvPr/>
         </p:nvSpPr>
         <p:spPr>
           <a:xfrm>
-            <a:off x="5610015" y="3157761"/>
+            <a:off x="2065457" y="3157761"/>
             <a:ext cx="1616791" cy="471580"/>
           </a:xfrm>
           <a:prstGeom prst="roundRect">
@@ -7216,7 +6215,7 @@
           <a:p>
             <a:pPr algn="ctr"/>
             <a:r>
-              <a:rPr lang="it-IT" sz="1400" dirty="0">
+              <a:rPr lang="it-IT" sz="1400" dirty="0" smtClean="0">
                 <a:solidFill>
                   <a:schemeClr val="tx1"/>
                 </a:solidFill>
@@ -7224,18 +6223,24 @@
               </a:rPr>
               <a:t>Directional Planner</a:t>
             </a:r>
+            <a:endParaRPr lang="it-IT" sz="1400" dirty="0">
+              <a:solidFill>
+                <a:schemeClr val="tx1"/>
+              </a:solidFill>
+              <a:latin typeface="Century Schoolbook" panose="02040604050505020304" pitchFamily="18" charset="0"/>
+            </a:endParaRPr>
           </a:p>
         </p:txBody>
       </p:sp>
       <p:cxnSp>
         <p:nvCxnSpPr>
-          <p:cNvPr id="17" name="Connettore 2 16"/>
+          <p:cNvPr id="89" name="Connettore 2 88"/>
           <p:cNvCxnSpPr/>
           <p:nvPr/>
         </p:nvCxnSpPr>
         <p:spPr>
           <a:xfrm flipH="1" flipV="1">
-            <a:off x="6416253" y="2615484"/>
+            <a:off x="2871695" y="2615484"/>
             <a:ext cx="2157" cy="541872"/>
           </a:xfrm>
           <a:prstGeom prst="straightConnector1">
@@ -7266,16 +6271,50 @@
       </p:cxnSp>
       <p:cxnSp>
         <p:nvCxnSpPr>
-          <p:cNvPr id="18" name="Connettore 2 17"/>
-          <p:cNvCxnSpPr>
-            <a:stCxn id="4" idx="6"/>
-            <a:endCxn id="9" idx="1"/>
-          </p:cNvCxnSpPr>
+          <p:cNvPr id="95" name="Connettore 2 94"/>
+          <p:cNvCxnSpPr/>
           <p:nvPr/>
         </p:nvCxnSpPr>
         <p:spPr>
           <a:xfrm>
-            <a:off x="4599927" y="4734169"/>
+            <a:off x="3526239" y="4647909"/>
+            <a:ext cx="844768" cy="0"/>
+          </a:xfrm>
+          <a:prstGeom prst="straightConnector1">
+            <a:avLst/>
+          </a:prstGeom>
+          <a:ln w="19050">
+            <a:solidFill>
+              <a:schemeClr val="tx1"/>
+            </a:solidFill>
+            <a:headEnd type="none" w="med" len="med"/>
+            <a:tailEnd type="arrow" w="med" len="med"/>
+          </a:ln>
+        </p:spPr>
+        <p:style>
+          <a:lnRef idx="1">
+            <a:schemeClr val="accent1"/>
+          </a:lnRef>
+          <a:fillRef idx="0">
+            <a:schemeClr val="accent1"/>
+          </a:fillRef>
+          <a:effectRef idx="0">
+            <a:schemeClr val="accent1"/>
+          </a:effectRef>
+          <a:fontRef idx="minor">
+            <a:schemeClr val="tx1"/>
+          </a:fontRef>
+        </p:style>
+      </p:cxnSp>
+      <p:cxnSp>
+        <p:nvCxnSpPr>
+          <p:cNvPr id="96" name="Connettore 2 95"/>
+          <p:cNvCxnSpPr/>
+          <p:nvPr/>
+        </p:nvCxnSpPr>
+        <p:spPr>
+          <a:xfrm flipH="1">
+            <a:off x="3523000" y="4820428"/>
             <a:ext cx="844768" cy="1823"/>
           </a:xfrm>
           <a:prstGeom prst="straightConnector1">
@@ -7305,15 +6344,336 @@
           </a:fontRef>
         </p:style>
       </p:cxnSp>
+      <p:sp>
+        <p:nvSpPr>
+          <p:cNvPr id="97" name="Ovale 96"/>
+          <p:cNvSpPr/>
+          <p:nvPr/>
+        </p:nvSpPr>
+        <p:spPr>
+          <a:xfrm>
+            <a:off x="6841875" y="4242720"/>
+            <a:ext cx="1302611" cy="982897"/>
+          </a:xfrm>
+          <a:prstGeom prst="ellipse">
+            <a:avLst/>
+          </a:prstGeom>
+          <a:solidFill>
+            <a:schemeClr val="accent2">
+              <a:lumMod val="20000"/>
+              <a:lumOff val="80000"/>
+            </a:schemeClr>
+          </a:solidFill>
+          <a:ln w="12700">
+            <a:solidFill>
+              <a:schemeClr val="tx1"/>
+            </a:solidFill>
+          </a:ln>
+        </p:spPr>
+        <p:style>
+          <a:lnRef idx="2">
+            <a:schemeClr val="accent1">
+              <a:shade val="50000"/>
+            </a:schemeClr>
+          </a:lnRef>
+          <a:fillRef idx="1">
+            <a:schemeClr val="accent1"/>
+          </a:fillRef>
+          <a:effectRef idx="0">
+            <a:schemeClr val="accent1"/>
+          </a:effectRef>
+          <a:fontRef idx="minor">
+            <a:schemeClr val="lt1"/>
+          </a:fontRef>
+        </p:style>
+        <p:txBody>
+          <a:bodyPr rtlCol="0" anchor="ctr"/>
+          <a:lstStyle/>
+          <a:p>
+            <a:pPr algn="ctr"/>
+            <a:r>
+              <a:rPr lang="it-IT" sz="1400" dirty="0" smtClean="0">
+                <a:solidFill>
+                  <a:schemeClr val="tx1"/>
+                </a:solidFill>
+                <a:latin typeface="Century Schoolbook" panose="02040604050505020304" pitchFamily="18" charset="0"/>
+              </a:rPr>
+              <a:t>Basic Step Robot</a:t>
+            </a:r>
+            <a:endParaRPr lang="it-IT" sz="1400" dirty="0">
+              <a:solidFill>
+                <a:schemeClr val="tx1"/>
+              </a:solidFill>
+              <a:latin typeface="Century Schoolbook" panose="02040604050505020304" pitchFamily="18" charset="0"/>
+            </a:endParaRPr>
+          </a:p>
+        </p:txBody>
+      </p:sp>
+      <p:sp>
+        <p:nvSpPr>
+          <p:cNvPr id="98" name="Triangolo isoscele 97"/>
+          <p:cNvSpPr/>
+          <p:nvPr/>
+        </p:nvSpPr>
+        <p:spPr>
+          <a:xfrm rot="16200000">
+            <a:off x="7342350" y="4121320"/>
+            <a:ext cx="301659" cy="260051"/>
+          </a:xfrm>
+          <a:prstGeom prst="triangle">
+            <a:avLst/>
+          </a:prstGeom>
+          <a:solidFill>
+            <a:schemeClr val="accent2">
+              <a:lumMod val="20000"/>
+              <a:lumOff val="80000"/>
+            </a:schemeClr>
+          </a:solidFill>
+          <a:ln w="12700">
+            <a:solidFill>
+              <a:schemeClr val="tx1"/>
+            </a:solidFill>
+          </a:ln>
+        </p:spPr>
+        <p:style>
+          <a:lnRef idx="2">
+            <a:schemeClr val="accent1">
+              <a:shade val="50000"/>
+            </a:schemeClr>
+          </a:lnRef>
+          <a:fillRef idx="1">
+            <a:schemeClr val="accent1"/>
+          </a:fillRef>
+          <a:effectRef idx="0">
+            <a:schemeClr val="accent1"/>
+          </a:effectRef>
+          <a:fontRef idx="minor">
+            <a:schemeClr val="lt1"/>
+          </a:fontRef>
+        </p:style>
+        <p:txBody>
+          <a:bodyPr rtlCol="0" anchor="ctr"/>
+          <a:lstStyle/>
+          <a:p>
+            <a:pPr algn="ctr"/>
+            <a:endParaRPr lang="it-IT"/>
+          </a:p>
+        </p:txBody>
+      </p:sp>
+      <p:sp>
+        <p:nvSpPr>
+          <p:cNvPr id="99" name="Rettangolo 98"/>
+          <p:cNvSpPr/>
+          <p:nvPr/>
+        </p:nvSpPr>
+        <p:spPr>
+          <a:xfrm>
+            <a:off x="6518384" y="4616938"/>
+            <a:ext cx="501185" cy="238108"/>
+          </a:xfrm>
+          <a:prstGeom prst="rect">
+            <a:avLst/>
+          </a:prstGeom>
+          <a:solidFill>
+            <a:schemeClr val="accent2">
+              <a:lumMod val="20000"/>
+              <a:lumOff val="80000"/>
+            </a:schemeClr>
+          </a:solidFill>
+          <a:ln w="12700">
+            <a:solidFill>
+              <a:schemeClr val="tx1"/>
+            </a:solidFill>
+          </a:ln>
+        </p:spPr>
+        <p:style>
+          <a:lnRef idx="2">
+            <a:schemeClr val="accent1">
+              <a:shade val="50000"/>
+            </a:schemeClr>
+          </a:lnRef>
+          <a:fillRef idx="1">
+            <a:schemeClr val="accent1"/>
+          </a:fillRef>
+          <a:effectRef idx="0">
+            <a:schemeClr val="accent1"/>
+          </a:effectRef>
+          <a:fontRef idx="minor">
+            <a:schemeClr val="lt1"/>
+          </a:fontRef>
+        </p:style>
+        <p:txBody>
+          <a:bodyPr rtlCol="0" anchor="ctr"/>
+          <a:lstStyle/>
+          <a:p>
+            <a:pPr algn="ctr"/>
+            <a:endParaRPr lang="it-IT"/>
+          </a:p>
+        </p:txBody>
+      </p:sp>
       <p:cxnSp>
         <p:nvCxnSpPr>
-          <p:cNvPr id="21" name="Connettore 2 20"/>
+          <p:cNvPr id="100" name="Connettore 2 99"/>
           <p:cNvCxnSpPr/>
           <p:nvPr/>
         </p:nvCxnSpPr>
         <p:spPr>
+          <a:xfrm>
+            <a:off x="5673617" y="4647907"/>
+            <a:ext cx="844768" cy="1823"/>
+          </a:xfrm>
+          <a:prstGeom prst="straightConnector1">
+            <a:avLst/>
+          </a:prstGeom>
+          <a:ln w="19050">
+            <a:solidFill>
+              <a:schemeClr val="tx1"/>
+            </a:solidFill>
+            <a:prstDash val="sysDash"/>
+            <a:headEnd type="none" w="med" len="med"/>
+            <a:tailEnd type="arrow" w="med" len="med"/>
+          </a:ln>
+        </p:spPr>
+        <p:style>
+          <a:lnRef idx="1">
+            <a:schemeClr val="accent1"/>
+          </a:lnRef>
+          <a:fillRef idx="0">
+            <a:schemeClr val="accent1"/>
+          </a:fillRef>
+          <a:effectRef idx="0">
+            <a:schemeClr val="accent1"/>
+          </a:effectRef>
+          <a:fontRef idx="minor">
+            <a:schemeClr val="tx1"/>
+          </a:fontRef>
+        </p:style>
+      </p:cxnSp>
+      <p:sp>
+        <p:nvSpPr>
+          <p:cNvPr id="101" name="Ovale 100"/>
+          <p:cNvSpPr/>
+          <p:nvPr/>
+        </p:nvSpPr>
+        <p:spPr>
+          <a:xfrm>
+            <a:off x="8989252" y="4242720"/>
+            <a:ext cx="1302611" cy="982897"/>
+          </a:xfrm>
+          <a:prstGeom prst="ellipse">
+            <a:avLst/>
+          </a:prstGeom>
+          <a:solidFill>
+            <a:schemeClr val="accent4">
+              <a:lumMod val="20000"/>
+              <a:lumOff val="80000"/>
+            </a:schemeClr>
+          </a:solidFill>
+          <a:ln w="12700">
+            <a:solidFill>
+              <a:schemeClr val="tx1"/>
+            </a:solidFill>
+          </a:ln>
+        </p:spPr>
+        <p:style>
+          <a:lnRef idx="2">
+            <a:schemeClr val="accent1">
+              <a:shade val="50000"/>
+            </a:schemeClr>
+          </a:lnRef>
+          <a:fillRef idx="1">
+            <a:schemeClr val="accent1"/>
+          </a:fillRef>
+          <a:effectRef idx="0">
+            <a:schemeClr val="accent1"/>
+          </a:effectRef>
+          <a:fontRef idx="minor">
+            <a:schemeClr val="lt1"/>
+          </a:fontRef>
+        </p:style>
+        <p:txBody>
+          <a:bodyPr rtlCol="0" anchor="ctr"/>
+          <a:lstStyle/>
+          <a:p>
+            <a:pPr algn="ctr"/>
+            <a:r>
+              <a:rPr lang="it-IT" sz="1400" dirty="0" smtClean="0">
+                <a:solidFill>
+                  <a:schemeClr val="tx1"/>
+                </a:solidFill>
+                <a:latin typeface="Century Schoolbook" panose="02040604050505020304" pitchFamily="18" charset="0"/>
+              </a:rPr>
+              <a:t>WEnv</a:t>
+            </a:r>
+            <a:endParaRPr lang="it-IT" sz="1400" dirty="0">
+              <a:solidFill>
+                <a:schemeClr val="tx1"/>
+              </a:solidFill>
+              <a:latin typeface="Century Schoolbook" panose="02040604050505020304" pitchFamily="18" charset="0"/>
+            </a:endParaRPr>
+          </a:p>
+        </p:txBody>
+      </p:sp>
+      <p:sp>
+        <p:nvSpPr>
+          <p:cNvPr id="102" name="Triangolo isoscele 101"/>
+          <p:cNvSpPr/>
+          <p:nvPr/>
+        </p:nvSpPr>
+        <p:spPr>
+          <a:xfrm rot="16200000">
+            <a:off x="9489727" y="4121320"/>
+            <a:ext cx="301659" cy="260051"/>
+          </a:xfrm>
+          <a:prstGeom prst="triangle">
+            <a:avLst/>
+          </a:prstGeom>
+          <a:solidFill>
+            <a:schemeClr val="accent4">
+              <a:lumMod val="20000"/>
+              <a:lumOff val="80000"/>
+            </a:schemeClr>
+          </a:solidFill>
+          <a:ln w="12700">
+            <a:solidFill>
+              <a:schemeClr val="tx1"/>
+            </a:solidFill>
+          </a:ln>
+        </p:spPr>
+        <p:style>
+          <a:lnRef idx="2">
+            <a:schemeClr val="accent1">
+              <a:shade val="50000"/>
+            </a:schemeClr>
+          </a:lnRef>
+          <a:fillRef idx="1">
+            <a:schemeClr val="accent1"/>
+          </a:fillRef>
+          <a:effectRef idx="0">
+            <a:schemeClr val="accent1"/>
+          </a:effectRef>
+          <a:fontRef idx="minor">
+            <a:schemeClr val="lt1"/>
+          </a:fontRef>
+        </p:style>
+        <p:txBody>
+          <a:bodyPr rtlCol="0" anchor="ctr"/>
+          <a:lstStyle/>
+          <a:p>
+            <a:pPr algn="ctr"/>
+            <a:endParaRPr lang="it-IT"/>
+          </a:p>
+        </p:txBody>
+      </p:sp>
+      <p:cxnSp>
+        <p:nvCxnSpPr>
+          <p:cNvPr id="103" name="Connettore 2 102"/>
+          <p:cNvCxnSpPr/>
+          <p:nvPr/>
+        </p:nvCxnSpPr>
+        <p:spPr>
           <a:xfrm flipV="1">
-            <a:off x="7070797" y="4591292"/>
+            <a:off x="8144484" y="4634422"/>
             <a:ext cx="721852" cy="2"/>
           </a:xfrm>
           <a:prstGeom prst="straightConnector1">
@@ -7344,13 +6704,13 @@
       </p:cxnSp>
       <p:sp>
         <p:nvSpPr>
-          <p:cNvPr id="26" name="Triangolo isoscele 25"/>
+          <p:cNvPr id="104" name="Triangolo isoscele 103"/>
           <p:cNvSpPr/>
           <p:nvPr/>
         </p:nvSpPr>
         <p:spPr>
           <a:xfrm rot="16200000" flipV="1">
-            <a:off x="7782815" y="4529834"/>
+            <a:off x="8856502" y="4572964"/>
             <a:ext cx="142583" cy="122916"/>
           </a:xfrm>
           <a:prstGeom prst="triangle">
@@ -7392,13 +6752,13 @@
       </p:sp>
       <p:cxnSp>
         <p:nvCxnSpPr>
-          <p:cNvPr id="29" name="Connettore 2 28"/>
+          <p:cNvPr id="105" name="Connettore 2 104"/>
           <p:cNvCxnSpPr/>
           <p:nvPr/>
         </p:nvCxnSpPr>
         <p:spPr>
           <a:xfrm flipV="1">
-            <a:off x="7193713" y="4877040"/>
+            <a:off x="8267400" y="4833910"/>
             <a:ext cx="721852" cy="2"/>
           </a:xfrm>
           <a:prstGeom prst="straightConnector1">
@@ -7430,13 +6790,13 @@
       </p:cxnSp>
       <p:sp>
         <p:nvSpPr>
-          <p:cNvPr id="31" name="Triangolo isoscele 30"/>
+          <p:cNvPr id="106" name="Triangolo isoscele 105"/>
           <p:cNvSpPr/>
           <p:nvPr/>
         </p:nvSpPr>
         <p:spPr>
           <a:xfrm rot="5400000" flipH="1" flipV="1">
-            <a:off x="7094057" y="4815584"/>
+            <a:off x="8167744" y="4772454"/>
             <a:ext cx="142583" cy="122916"/>
           </a:xfrm>
           <a:prstGeom prst="triangle">
@@ -7476,10 +6836,48 @@
           </a:p>
         </p:txBody>
       </p:sp>
+      <p:cxnSp>
+        <p:nvCxnSpPr>
+          <p:cNvPr id="25" name="Connettore 2 24"/>
+          <p:cNvCxnSpPr/>
+          <p:nvPr/>
+        </p:nvCxnSpPr>
+        <p:spPr>
+          <a:xfrm flipH="1">
+            <a:off x="5673615" y="4818605"/>
+            <a:ext cx="844768" cy="1823"/>
+          </a:xfrm>
+          <a:prstGeom prst="straightConnector1">
+            <a:avLst/>
+          </a:prstGeom>
+          <a:ln w="19050">
+            <a:solidFill>
+              <a:schemeClr val="tx1"/>
+            </a:solidFill>
+            <a:prstDash val="sysDash"/>
+            <a:headEnd type="none" w="med" len="med"/>
+            <a:tailEnd type="arrow" w="med" len="med"/>
+          </a:ln>
+        </p:spPr>
+        <p:style>
+          <a:lnRef idx="1">
+            <a:schemeClr val="accent1"/>
+          </a:lnRef>
+          <a:fillRef idx="0">
+            <a:schemeClr val="accent1"/>
+          </a:fillRef>
+          <a:effectRef idx="0">
+            <a:schemeClr val="accent1"/>
+          </a:effectRef>
+          <a:fontRef idx="minor">
+            <a:schemeClr val="tx1"/>
+          </a:fontRef>
+        </p:style>
+      </p:cxnSp>
     </p:spTree>
     <p:extLst>
       <p:ext uri="{BB962C8B-B14F-4D97-AF65-F5344CB8AC3E}">
-        <p14:creationId xmlns:p14="http://schemas.microsoft.com/office/powerpoint/2010/main" val="392137146"/>
+        <p14:creationId xmlns:p14="http://schemas.microsoft.com/office/powerpoint/2010/main" val="2649924062"/>
       </p:ext>
     </p:extLst>
   </p:cSld>
@@ -7506,446 +6904,25 @@
           <a:chExt cx="0" cy="0"/>
         </a:xfrm>
       </p:grpSpPr>
-      <p:sp>
-        <p:nvSpPr>
-          <p:cNvPr id="81" name="Ovale 80"/>
-          <p:cNvSpPr/>
-          <p:nvPr/>
-        </p:nvSpPr>
-        <p:spPr>
-          <a:xfrm>
-            <a:off x="2223628" y="4242720"/>
-            <a:ext cx="1302611" cy="982897"/>
-          </a:xfrm>
-          <a:prstGeom prst="ellipse">
-            <a:avLst/>
-          </a:prstGeom>
-          <a:solidFill>
-            <a:schemeClr val="accent2">
-              <a:lumMod val="20000"/>
-              <a:lumOff val="80000"/>
-            </a:schemeClr>
-          </a:solidFill>
-          <a:ln w="12700">
-            <a:solidFill>
-              <a:schemeClr val="tx1"/>
-            </a:solidFill>
-          </a:ln>
-        </p:spPr>
-        <p:style>
-          <a:lnRef idx="2">
-            <a:schemeClr val="accent1">
-              <a:shade val="50000"/>
-            </a:schemeClr>
-          </a:lnRef>
-          <a:fillRef idx="1">
-            <a:schemeClr val="accent1"/>
-          </a:fillRef>
-          <a:effectRef idx="0">
-            <a:schemeClr val="accent1"/>
-          </a:effectRef>
-          <a:fontRef idx="minor">
-            <a:schemeClr val="lt1"/>
-          </a:fontRef>
-        </p:style>
-        <p:txBody>
-          <a:bodyPr rtlCol="0" anchor="ctr"/>
-          <a:lstStyle/>
-          <a:p>
-            <a:pPr algn="ctr"/>
-            <a:r>
-              <a:rPr lang="it-IT" sz="1400" dirty="0">
-                <a:solidFill>
-                  <a:schemeClr val="tx1"/>
-                </a:solidFill>
-                <a:latin typeface="Century Schoolbook" panose="02040604050505020304" pitchFamily="18" charset="0"/>
-              </a:rPr>
-              <a:t>Robot Driver</a:t>
-            </a:r>
-          </a:p>
-        </p:txBody>
-      </p:sp>
-      <p:sp>
-        <p:nvSpPr>
-          <p:cNvPr id="82" name="Triangolo isoscele 81"/>
-          <p:cNvSpPr/>
-          <p:nvPr/>
-        </p:nvSpPr>
-        <p:spPr>
-          <a:xfrm rot="16200000">
-            <a:off x="2724103" y="4121320"/>
-            <a:ext cx="301659" cy="260051"/>
-          </a:xfrm>
-          <a:prstGeom prst="triangle">
-            <a:avLst/>
-          </a:prstGeom>
-          <a:solidFill>
-            <a:srgbClr val="FF0000"/>
-          </a:solidFill>
-          <a:ln w="12700">
-            <a:solidFill>
-              <a:schemeClr val="tx1"/>
-            </a:solidFill>
-          </a:ln>
-        </p:spPr>
-        <p:style>
-          <a:lnRef idx="2">
-            <a:schemeClr val="accent1">
-              <a:shade val="50000"/>
-            </a:schemeClr>
-          </a:lnRef>
-          <a:fillRef idx="1">
-            <a:schemeClr val="accent1"/>
-          </a:fillRef>
-          <a:effectRef idx="0">
-            <a:schemeClr val="accent1"/>
-          </a:effectRef>
-          <a:fontRef idx="minor">
-            <a:schemeClr val="lt1"/>
-          </a:fontRef>
-        </p:style>
-        <p:txBody>
-          <a:bodyPr rtlCol="0" anchor="ctr"/>
-          <a:lstStyle/>
-          <a:p>
-            <a:pPr algn="ctr"/>
-            <a:endParaRPr lang="it-IT"/>
-          </a:p>
-        </p:txBody>
-      </p:sp>
-      <p:sp>
-        <p:nvSpPr>
-          <p:cNvPr id="83" name="Rettangolo 82"/>
-          <p:cNvSpPr/>
-          <p:nvPr/>
-        </p:nvSpPr>
-        <p:spPr>
-          <a:xfrm>
-            <a:off x="1900137" y="4616938"/>
-            <a:ext cx="501185" cy="238108"/>
-          </a:xfrm>
-          <a:prstGeom prst="rect">
-            <a:avLst/>
-          </a:prstGeom>
-          <a:solidFill>
-            <a:schemeClr val="accent2">
-              <a:lumMod val="20000"/>
-              <a:lumOff val="80000"/>
-            </a:schemeClr>
-          </a:solidFill>
-          <a:ln w="12700">
-            <a:solidFill>
-              <a:schemeClr val="tx1"/>
-            </a:solidFill>
-          </a:ln>
-        </p:spPr>
-        <p:style>
-          <a:lnRef idx="2">
-            <a:schemeClr val="accent1">
-              <a:shade val="50000"/>
-            </a:schemeClr>
-          </a:lnRef>
-          <a:fillRef idx="1">
-            <a:schemeClr val="accent1"/>
-          </a:fillRef>
-          <a:effectRef idx="0">
-            <a:schemeClr val="accent1"/>
-          </a:effectRef>
-          <a:fontRef idx="minor">
-            <a:schemeClr val="lt1"/>
-          </a:fontRef>
-        </p:style>
-        <p:txBody>
-          <a:bodyPr rtlCol="0" anchor="ctr"/>
-          <a:lstStyle/>
-          <a:p>
-            <a:pPr algn="ctr"/>
-            <a:endParaRPr lang="it-IT"/>
-          </a:p>
-        </p:txBody>
-      </p:sp>
-      <p:sp>
-        <p:nvSpPr>
-          <p:cNvPr id="84" name="Ovale 83"/>
-          <p:cNvSpPr/>
-          <p:nvPr/>
-        </p:nvSpPr>
-        <p:spPr>
-          <a:xfrm>
-            <a:off x="4371007" y="4242720"/>
-            <a:ext cx="1302611" cy="982897"/>
-          </a:xfrm>
-          <a:prstGeom prst="ellipse">
-            <a:avLst/>
-          </a:prstGeom>
-          <a:solidFill>
-            <a:schemeClr val="accent4">
-              <a:lumMod val="20000"/>
-              <a:lumOff val="80000"/>
-            </a:schemeClr>
-          </a:solidFill>
-          <a:ln w="12700">
-            <a:solidFill>
-              <a:schemeClr val="tx1"/>
-            </a:solidFill>
-          </a:ln>
-        </p:spPr>
-        <p:style>
-          <a:lnRef idx="2">
-            <a:schemeClr val="accent1">
-              <a:shade val="50000"/>
-            </a:schemeClr>
-          </a:lnRef>
-          <a:fillRef idx="1">
-            <a:schemeClr val="accent1"/>
-          </a:fillRef>
-          <a:effectRef idx="0">
-            <a:schemeClr val="accent1"/>
-          </a:effectRef>
-          <a:fontRef idx="minor">
-            <a:schemeClr val="lt1"/>
-          </a:fontRef>
-        </p:style>
-        <p:txBody>
-          <a:bodyPr rtlCol="0" anchor="ctr"/>
-          <a:lstStyle/>
-          <a:p>
-            <a:pPr algn="ctr"/>
-            <a:r>
-              <a:rPr lang="it-IT" sz="1400" dirty="0">
-                <a:solidFill>
-                  <a:schemeClr val="tx1"/>
-                </a:solidFill>
-                <a:latin typeface="Century Schoolbook" panose="02040604050505020304" pitchFamily="18" charset="0"/>
-              </a:rPr>
-              <a:t>Robot Proxy</a:t>
-            </a:r>
-          </a:p>
-        </p:txBody>
-      </p:sp>
-      <p:sp>
-        <p:nvSpPr>
-          <p:cNvPr id="85" name="Triangolo isoscele 84"/>
-          <p:cNvSpPr/>
-          <p:nvPr/>
-        </p:nvSpPr>
-        <p:spPr>
-          <a:xfrm rot="16200000">
-            <a:off x="4871482" y="4121320"/>
-            <a:ext cx="301659" cy="260051"/>
-          </a:xfrm>
-          <a:prstGeom prst="triangle">
-            <a:avLst/>
-          </a:prstGeom>
-          <a:solidFill>
-            <a:srgbClr val="FF0000"/>
-          </a:solidFill>
-          <a:ln w="12700">
-            <a:solidFill>
-              <a:schemeClr val="tx1"/>
-            </a:solidFill>
-          </a:ln>
-        </p:spPr>
-        <p:style>
-          <a:lnRef idx="2">
-            <a:schemeClr val="accent1">
-              <a:shade val="50000"/>
-            </a:schemeClr>
-          </a:lnRef>
-          <a:fillRef idx="1">
-            <a:schemeClr val="accent1"/>
-          </a:fillRef>
-          <a:effectRef idx="0">
-            <a:schemeClr val="accent1"/>
-          </a:effectRef>
-          <a:fontRef idx="minor">
-            <a:schemeClr val="lt1"/>
-          </a:fontRef>
-        </p:style>
-        <p:txBody>
-          <a:bodyPr rtlCol="0" anchor="ctr"/>
-          <a:lstStyle/>
-          <a:p>
-            <a:pPr algn="ctr"/>
-            <a:endParaRPr lang="it-IT"/>
-          </a:p>
-        </p:txBody>
-      </p:sp>
-      <p:sp>
-        <p:nvSpPr>
-          <p:cNvPr id="86" name="Ovale 85"/>
-          <p:cNvSpPr/>
-          <p:nvPr/>
-        </p:nvSpPr>
-        <p:spPr>
-          <a:xfrm>
-            <a:off x="2220389" y="1632384"/>
-            <a:ext cx="1302611" cy="982897"/>
-          </a:xfrm>
-          <a:prstGeom prst="ellipse">
-            <a:avLst/>
-          </a:prstGeom>
-          <a:solidFill>
-            <a:schemeClr val="accent1">
-              <a:lumMod val="20000"/>
-              <a:lumOff val="80000"/>
-            </a:schemeClr>
-          </a:solidFill>
-          <a:ln w="12700">
-            <a:solidFill>
-              <a:schemeClr val="tx1"/>
-            </a:solidFill>
-          </a:ln>
-        </p:spPr>
-        <p:style>
-          <a:lnRef idx="2">
-            <a:schemeClr val="accent1">
-              <a:shade val="50000"/>
-            </a:schemeClr>
-          </a:lnRef>
-          <a:fillRef idx="1">
-            <a:schemeClr val="accent1"/>
-          </a:fillRef>
-          <a:effectRef idx="0">
-            <a:schemeClr val="accent1"/>
-          </a:effectRef>
-          <a:fontRef idx="minor">
-            <a:schemeClr val="lt1"/>
-          </a:fontRef>
-        </p:style>
-        <p:txBody>
-          <a:bodyPr rtlCol="0" anchor="ctr"/>
-          <a:lstStyle/>
-          <a:p>
-            <a:pPr algn="ctr"/>
-            <a:r>
-              <a:rPr lang="it-IT" sz="1400" dirty="0">
-                <a:solidFill>
-                  <a:schemeClr val="tx1"/>
-                </a:solidFill>
-                <a:latin typeface="Century Schoolbook" panose="02040604050505020304" pitchFamily="18" charset="0"/>
-              </a:rPr>
-              <a:t>Planner Util</a:t>
-            </a:r>
-          </a:p>
-        </p:txBody>
-      </p:sp>
       <p:cxnSp>
         <p:nvCxnSpPr>
-          <p:cNvPr id="87" name="Connettore 2 86"/>
+          <p:cNvPr id="56" name="Connettore 4 55"/>
           <p:cNvCxnSpPr/>
           <p:nvPr/>
         </p:nvCxnSpPr>
         <p:spPr>
-          <a:xfrm flipH="1" flipV="1">
-            <a:off x="2873853" y="3629746"/>
-            <a:ext cx="2157" cy="541872"/>
-          </a:xfrm>
-          <a:prstGeom prst="straightConnector1">
+          <a:xfrm rot="10800000">
+            <a:off x="6367683" y="2206509"/>
+            <a:ext cx="1810597" cy="2244137"/>
+          </a:xfrm>
+          <a:prstGeom prst="bentConnector2">
             <a:avLst/>
           </a:prstGeom>
           <a:ln w="19050">
             <a:solidFill>
               <a:schemeClr val="tx1"/>
             </a:solidFill>
-            <a:headEnd type="none" w="med" len="med"/>
-            <a:tailEnd type="arrow" w="med" len="med"/>
-          </a:ln>
-        </p:spPr>
-        <p:style>
-          <a:lnRef idx="1">
-            <a:schemeClr val="accent1"/>
-          </a:lnRef>
-          <a:fillRef idx="0">
-            <a:schemeClr val="accent1"/>
-          </a:fillRef>
-          <a:effectRef idx="0">
-            <a:schemeClr val="accent1"/>
-          </a:effectRef>
-          <a:fontRef idx="minor">
-            <a:schemeClr val="tx1"/>
-          </a:fontRef>
-        </p:style>
-      </p:cxnSp>
-      <p:sp>
-        <p:nvSpPr>
-          <p:cNvPr id="88" name="Rettangolo arrotondato 87"/>
-          <p:cNvSpPr/>
-          <p:nvPr/>
-        </p:nvSpPr>
-        <p:spPr>
-          <a:xfrm>
-            <a:off x="2065457" y="3157761"/>
-            <a:ext cx="1616791" cy="471580"/>
-          </a:xfrm>
-          <a:prstGeom prst="roundRect">
-            <a:avLst/>
-          </a:prstGeom>
-          <a:solidFill>
-            <a:schemeClr val="accent4">
-              <a:lumMod val="20000"/>
-              <a:lumOff val="80000"/>
-            </a:schemeClr>
-          </a:solidFill>
-          <a:ln>
-            <a:solidFill>
-              <a:schemeClr val="tx1"/>
-            </a:solidFill>
-          </a:ln>
-        </p:spPr>
-        <p:style>
-          <a:lnRef idx="2">
-            <a:schemeClr val="accent1">
-              <a:shade val="50000"/>
-            </a:schemeClr>
-          </a:lnRef>
-          <a:fillRef idx="1">
-            <a:schemeClr val="accent1"/>
-          </a:fillRef>
-          <a:effectRef idx="0">
-            <a:schemeClr val="accent1"/>
-          </a:effectRef>
-          <a:fontRef idx="minor">
-            <a:schemeClr val="lt1"/>
-          </a:fontRef>
-        </p:style>
-        <p:txBody>
-          <a:bodyPr rtlCol="0" anchor="ctr"/>
-          <a:lstStyle/>
-          <a:p>
-            <a:pPr algn="ctr"/>
-            <a:r>
-              <a:rPr lang="it-IT" sz="1400" dirty="0">
-                <a:solidFill>
-                  <a:schemeClr val="tx1"/>
-                </a:solidFill>
-                <a:latin typeface="Century Schoolbook" panose="02040604050505020304" pitchFamily="18" charset="0"/>
-              </a:rPr>
-              <a:t>Directional Planner</a:t>
-            </a:r>
-          </a:p>
-        </p:txBody>
-      </p:sp>
-      <p:cxnSp>
-        <p:nvCxnSpPr>
-          <p:cNvPr id="89" name="Connettore 2 88"/>
-          <p:cNvCxnSpPr/>
-          <p:nvPr/>
-        </p:nvCxnSpPr>
-        <p:spPr>
-          <a:xfrm flipH="1" flipV="1">
-            <a:off x="2871695" y="2615484"/>
-            <a:ext cx="2157" cy="541872"/>
-          </a:xfrm>
-          <a:prstGeom prst="straightConnector1">
-            <a:avLst/>
-          </a:prstGeom>
-          <a:ln w="19050">
-            <a:solidFill>
-              <a:schemeClr val="tx1"/>
-            </a:solidFill>
-            <a:headEnd type="none" w="med" len="med"/>
-            <a:tailEnd type="arrow" w="med" len="med"/>
+            <a:tailEnd type="triangle"/>
           </a:ln>
         </p:spPr>
         <p:style>
@@ -7965,24 +6942,936 @@
       </p:cxnSp>
       <p:cxnSp>
         <p:nvCxnSpPr>
-          <p:cNvPr id="95" name="Connettore 2 94"/>
+          <p:cNvPr id="133" name="Connettore 4 132"/>
           <p:cNvCxnSpPr/>
           <p:nvPr/>
         </p:nvCxnSpPr>
         <p:spPr>
-          <a:xfrm>
-            <a:off x="3526239" y="4647909"/>
-            <a:ext cx="844768" cy="0"/>
-          </a:xfrm>
-          <a:prstGeom prst="straightConnector1">
+          <a:xfrm flipV="1">
+            <a:off x="3735784" y="2206508"/>
+            <a:ext cx="1810599" cy="749213"/>
+          </a:xfrm>
+          <a:prstGeom prst="bentConnector2">
             <a:avLst/>
           </a:prstGeom>
           <a:ln w="19050">
             <a:solidFill>
               <a:schemeClr val="tx1"/>
             </a:solidFill>
-            <a:headEnd type="none" w="med" len="med"/>
-            <a:tailEnd type="arrow" w="med" len="med"/>
+            <a:tailEnd type="triangle"/>
+          </a:ln>
+        </p:spPr>
+        <p:style>
+          <a:lnRef idx="1">
+            <a:schemeClr val="accent1"/>
+          </a:lnRef>
+          <a:fillRef idx="0">
+            <a:schemeClr val="accent1"/>
+          </a:fillRef>
+          <a:effectRef idx="0">
+            <a:schemeClr val="accent1"/>
+          </a:effectRef>
+          <a:fontRef idx="minor">
+            <a:schemeClr val="tx1"/>
+          </a:fontRef>
+        </p:style>
+      </p:cxnSp>
+      <p:sp>
+        <p:nvSpPr>
+          <p:cNvPr id="4" name="Rettangolo arrotondato 3"/>
+          <p:cNvSpPr/>
+          <p:nvPr/>
+        </p:nvSpPr>
+        <p:spPr>
+          <a:xfrm>
+            <a:off x="2498048" y="1775042"/>
+            <a:ext cx="1652621" cy="440431"/>
+          </a:xfrm>
+          <a:prstGeom prst="roundRect">
+            <a:avLst/>
+          </a:prstGeom>
+          <a:solidFill>
+            <a:schemeClr val="accent3">
+              <a:lumMod val="20000"/>
+              <a:lumOff val="80000"/>
+            </a:schemeClr>
+          </a:solidFill>
+          <a:ln>
+            <a:solidFill>
+              <a:schemeClr val="tx1"/>
+            </a:solidFill>
+          </a:ln>
+        </p:spPr>
+        <p:style>
+          <a:lnRef idx="2">
+            <a:schemeClr val="accent1">
+              <a:shade val="50000"/>
+            </a:schemeClr>
+          </a:lnRef>
+          <a:fillRef idx="1">
+            <a:schemeClr val="accent1"/>
+          </a:fillRef>
+          <a:effectRef idx="0">
+            <a:schemeClr val="accent1"/>
+          </a:effectRef>
+          <a:fontRef idx="minor">
+            <a:schemeClr val="lt1"/>
+          </a:fontRef>
+        </p:style>
+        <p:txBody>
+          <a:bodyPr rtlCol="0" anchor="ctr"/>
+          <a:lstStyle/>
+          <a:p>
+            <a:pPr algn="ctr"/>
+            <a:r>
+              <a:rPr lang="it-IT" sz="1400" dirty="0" smtClean="0">
+                <a:solidFill>
+                  <a:schemeClr val="tx1"/>
+                </a:solidFill>
+                <a:latin typeface="Century Schoolbook" panose="02040604050505020304" pitchFamily="18" charset="0"/>
+              </a:rPr>
+              <a:t>acceptIN</a:t>
+            </a:r>
+          </a:p>
+          <a:p>
+            <a:pPr algn="ctr"/>
+            <a:r>
+              <a:rPr lang="it-IT" sz="1400" dirty="0">
+                <a:solidFill>
+                  <a:schemeClr val="tx1"/>
+                </a:solidFill>
+                <a:latin typeface="Century Schoolbook" panose="02040604050505020304" pitchFamily="18" charset="0"/>
+              </a:rPr>
+              <a:t>/</a:t>
+            </a:r>
+            <a:r>
+              <a:rPr lang="it-IT" sz="1400" dirty="0">
+                <a:solidFill>
+                  <a:schemeClr val="accent2">
+                    <a:lumMod val="75000"/>
+                  </a:schemeClr>
+                </a:solidFill>
+                <a:latin typeface="Century Schoolbook" panose="02040604050505020304" pitchFamily="18" charset="0"/>
+              </a:rPr>
+              <a:t>send </a:t>
+            </a:r>
+            <a:r>
+              <a:rPr lang="it-IT" sz="1400" dirty="0" smtClean="0">
+                <a:solidFill>
+                  <a:schemeClr val="accent2">
+                    <a:lumMod val="75000"/>
+                  </a:schemeClr>
+                </a:solidFill>
+                <a:latin typeface="Century Schoolbook" panose="02040604050505020304" pitchFamily="18" charset="0"/>
+              </a:rPr>
+              <a:t>notice</a:t>
+            </a:r>
+            <a:endParaRPr lang="it-IT" sz="1400" dirty="0">
+              <a:solidFill>
+                <a:schemeClr val="accent2">
+                  <a:lumMod val="75000"/>
+                </a:schemeClr>
+              </a:solidFill>
+              <a:latin typeface="Century Schoolbook" panose="02040604050505020304" pitchFamily="18" charset="0"/>
+            </a:endParaRPr>
+          </a:p>
+        </p:txBody>
+      </p:sp>
+      <p:sp>
+        <p:nvSpPr>
+          <p:cNvPr id="5" name="Rettangolo arrotondato 4"/>
+          <p:cNvSpPr/>
+          <p:nvPr/>
+        </p:nvSpPr>
+        <p:spPr>
+          <a:xfrm>
+            <a:off x="2498046" y="2735505"/>
+            <a:ext cx="1652621" cy="440431"/>
+          </a:xfrm>
+          <a:prstGeom prst="roundRect">
+            <a:avLst/>
+          </a:prstGeom>
+          <a:solidFill>
+            <a:schemeClr val="accent3">
+              <a:lumMod val="20000"/>
+              <a:lumOff val="80000"/>
+            </a:schemeClr>
+          </a:solidFill>
+          <a:ln>
+            <a:solidFill>
+              <a:schemeClr val="tx1"/>
+            </a:solidFill>
+          </a:ln>
+        </p:spPr>
+        <p:style>
+          <a:lnRef idx="2">
+            <a:schemeClr val="accent1">
+              <a:shade val="50000"/>
+            </a:schemeClr>
+          </a:lnRef>
+          <a:fillRef idx="1">
+            <a:schemeClr val="accent1"/>
+          </a:fillRef>
+          <a:effectRef idx="0">
+            <a:schemeClr val="accent1"/>
+          </a:effectRef>
+          <a:fontRef idx="minor">
+            <a:schemeClr val="lt1"/>
+          </a:fontRef>
+        </p:style>
+        <p:txBody>
+          <a:bodyPr rtlCol="0" anchor="ctr"/>
+          <a:lstStyle/>
+          <a:p>
+            <a:pPr algn="ctr"/>
+            <a:r>
+              <a:rPr lang="it-IT" sz="1400" dirty="0" smtClean="0">
+                <a:solidFill>
+                  <a:schemeClr val="tx1"/>
+                </a:solidFill>
+                <a:latin typeface="Century Schoolbook" panose="02040604050505020304" pitchFamily="18" charset="0"/>
+              </a:rPr>
+              <a:t>informIN</a:t>
+            </a:r>
+          </a:p>
+          <a:p>
+            <a:pPr algn="ctr"/>
+            <a:r>
+              <a:rPr lang="it-IT" sz="1400" dirty="0" smtClean="0">
+                <a:solidFill>
+                  <a:schemeClr val="tx1"/>
+                </a:solidFill>
+                <a:latin typeface="Century Schoolbook" panose="02040604050505020304" pitchFamily="18" charset="0"/>
+              </a:rPr>
+              <a:t>/</a:t>
+            </a:r>
+            <a:r>
+              <a:rPr lang="it-IT" sz="1400" dirty="0" smtClean="0">
+                <a:solidFill>
+                  <a:schemeClr val="accent2">
+                    <a:lumMod val="75000"/>
+                  </a:schemeClr>
+                </a:solidFill>
+                <a:latin typeface="Century Schoolbook" panose="02040604050505020304" pitchFamily="18" charset="0"/>
+              </a:rPr>
+              <a:t>SLOTNUM</a:t>
+            </a:r>
+          </a:p>
+        </p:txBody>
+      </p:sp>
+      <p:sp>
+        <p:nvSpPr>
+          <p:cNvPr id="15" name="Rettangolo arrotondato 14"/>
+          <p:cNvSpPr/>
+          <p:nvPr/>
+        </p:nvSpPr>
+        <p:spPr>
+          <a:xfrm>
+            <a:off x="2498048" y="3482967"/>
+            <a:ext cx="1652621" cy="440431"/>
+          </a:xfrm>
+          <a:prstGeom prst="roundRect">
+            <a:avLst/>
+          </a:prstGeom>
+          <a:solidFill>
+            <a:schemeClr val="accent3">
+              <a:lumMod val="20000"/>
+              <a:lumOff val="80000"/>
+            </a:schemeClr>
+          </a:solidFill>
+          <a:ln>
+            <a:solidFill>
+              <a:schemeClr val="tx1"/>
+            </a:solidFill>
+          </a:ln>
+        </p:spPr>
+        <p:style>
+          <a:lnRef idx="2">
+            <a:schemeClr val="accent1">
+              <a:shade val="50000"/>
+            </a:schemeClr>
+          </a:lnRef>
+          <a:fillRef idx="1">
+            <a:schemeClr val="accent1"/>
+          </a:fillRef>
+          <a:effectRef idx="0">
+            <a:schemeClr val="accent1"/>
+          </a:effectRef>
+          <a:fontRef idx="minor">
+            <a:schemeClr val="lt1"/>
+          </a:fontRef>
+        </p:style>
+        <p:txBody>
+          <a:bodyPr rtlCol="0" anchor="ctr"/>
+          <a:lstStyle/>
+          <a:p>
+            <a:pPr algn="ctr"/>
+            <a:r>
+              <a:rPr lang="it-IT" sz="1400" dirty="0" smtClean="0">
+                <a:solidFill>
+                  <a:schemeClr val="tx1"/>
+                </a:solidFill>
+                <a:latin typeface="Century Schoolbook" panose="02040604050505020304" pitchFamily="18" charset="0"/>
+              </a:rPr>
+              <a:t>moveToIn</a:t>
+            </a:r>
+          </a:p>
+          <a:p>
+            <a:pPr algn="ctr"/>
+            <a:r>
+              <a:rPr lang="it-IT" sz="1400" dirty="0" smtClean="0">
+                <a:solidFill>
+                  <a:schemeClr val="tx1"/>
+                </a:solidFill>
+                <a:latin typeface="Century Schoolbook" panose="02040604050505020304" pitchFamily="18" charset="0"/>
+              </a:rPr>
+              <a:t>/</a:t>
+            </a:r>
+            <a:r>
+              <a:rPr lang="it-IT" sz="1400" dirty="0" smtClean="0">
+                <a:solidFill>
+                  <a:schemeClr val="accent2">
+                    <a:lumMod val="75000"/>
+                  </a:schemeClr>
+                </a:solidFill>
+                <a:latin typeface="Century Schoolbook" panose="02040604050505020304" pitchFamily="18" charset="0"/>
+              </a:rPr>
+              <a:t>goto INDOOR</a:t>
+            </a:r>
+          </a:p>
+        </p:txBody>
+      </p:sp>
+      <p:sp>
+        <p:nvSpPr>
+          <p:cNvPr id="16" name="Rettangolo arrotondato 15"/>
+          <p:cNvSpPr/>
+          <p:nvPr/>
+        </p:nvSpPr>
+        <p:spPr>
+          <a:xfrm>
+            <a:off x="2498048" y="4231755"/>
+            <a:ext cx="1652621" cy="440431"/>
+          </a:xfrm>
+          <a:prstGeom prst="roundRect">
+            <a:avLst/>
+          </a:prstGeom>
+          <a:solidFill>
+            <a:schemeClr val="accent3">
+              <a:lumMod val="20000"/>
+              <a:lumOff val="80000"/>
+            </a:schemeClr>
+          </a:solidFill>
+          <a:ln>
+            <a:solidFill>
+              <a:schemeClr val="tx1"/>
+            </a:solidFill>
+          </a:ln>
+        </p:spPr>
+        <p:style>
+          <a:lnRef idx="2">
+            <a:schemeClr val="accent1">
+              <a:shade val="50000"/>
+            </a:schemeClr>
+          </a:lnRef>
+          <a:fillRef idx="1">
+            <a:schemeClr val="accent1"/>
+          </a:fillRef>
+          <a:effectRef idx="0">
+            <a:schemeClr val="accent1"/>
+          </a:effectRef>
+          <a:fontRef idx="minor">
+            <a:schemeClr val="lt1"/>
+          </a:fontRef>
+        </p:style>
+        <p:txBody>
+          <a:bodyPr rtlCol="0" anchor="ctr"/>
+          <a:lstStyle/>
+          <a:p>
+            <a:pPr algn="ctr"/>
+            <a:r>
+              <a:rPr lang="it-IT" sz="1400" dirty="0" smtClean="0">
+                <a:solidFill>
+                  <a:schemeClr val="tx1"/>
+                </a:solidFill>
+                <a:latin typeface="Century Schoolbook" panose="02040604050505020304" pitchFamily="18" charset="0"/>
+              </a:rPr>
+              <a:t>receipt</a:t>
+            </a:r>
+          </a:p>
+          <a:p>
+            <a:pPr algn="ctr"/>
+            <a:r>
+              <a:rPr lang="it-IT" sz="1400" dirty="0" smtClean="0">
+                <a:solidFill>
+                  <a:schemeClr val="tx1"/>
+                </a:solidFill>
+                <a:latin typeface="Century Schoolbook" panose="02040604050505020304" pitchFamily="18" charset="0"/>
+              </a:rPr>
+              <a:t>/</a:t>
+            </a:r>
+            <a:r>
+              <a:rPr lang="it-IT" sz="1400" dirty="0" smtClean="0">
+                <a:solidFill>
+                  <a:schemeClr val="accent2">
+                    <a:lumMod val="75000"/>
+                  </a:schemeClr>
+                </a:solidFill>
+                <a:latin typeface="Century Schoolbook" panose="02040604050505020304" pitchFamily="18" charset="0"/>
+              </a:rPr>
+              <a:t>TOKENID</a:t>
+            </a:r>
+          </a:p>
+        </p:txBody>
+      </p:sp>
+      <p:sp>
+        <p:nvSpPr>
+          <p:cNvPr id="17" name="Rettangolo arrotondato 16"/>
+          <p:cNvSpPr/>
+          <p:nvPr/>
+        </p:nvSpPr>
+        <p:spPr>
+          <a:xfrm>
+            <a:off x="2498048" y="4977891"/>
+            <a:ext cx="1652621" cy="440431"/>
+          </a:xfrm>
+          <a:prstGeom prst="roundRect">
+            <a:avLst/>
+          </a:prstGeom>
+          <a:solidFill>
+            <a:schemeClr val="accent3">
+              <a:lumMod val="20000"/>
+              <a:lumOff val="80000"/>
+            </a:schemeClr>
+          </a:solidFill>
+          <a:ln>
+            <a:solidFill>
+              <a:schemeClr val="tx1"/>
+            </a:solidFill>
+          </a:ln>
+        </p:spPr>
+        <p:style>
+          <a:lnRef idx="2">
+            <a:schemeClr val="accent1">
+              <a:shade val="50000"/>
+            </a:schemeClr>
+          </a:lnRef>
+          <a:fillRef idx="1">
+            <a:schemeClr val="accent1"/>
+          </a:fillRef>
+          <a:effectRef idx="0">
+            <a:schemeClr val="accent1"/>
+          </a:effectRef>
+          <a:fontRef idx="minor">
+            <a:schemeClr val="lt1"/>
+          </a:fontRef>
+        </p:style>
+        <p:txBody>
+          <a:bodyPr rtlCol="0" anchor="ctr"/>
+          <a:lstStyle/>
+          <a:p>
+            <a:pPr algn="ctr"/>
+            <a:r>
+              <a:rPr lang="it-IT" sz="1400" dirty="0" smtClean="0">
+                <a:solidFill>
+                  <a:schemeClr val="tx1"/>
+                </a:solidFill>
+                <a:latin typeface="Century Schoolbook" panose="02040604050505020304" pitchFamily="18" charset="0"/>
+              </a:rPr>
+              <a:t>moveToSlotIn</a:t>
+            </a:r>
+          </a:p>
+          <a:p>
+            <a:pPr algn="ctr"/>
+            <a:r>
+              <a:rPr lang="it-IT" sz="1400" dirty="0" smtClean="0">
+                <a:solidFill>
+                  <a:schemeClr val="tx1"/>
+                </a:solidFill>
+                <a:latin typeface="Century Schoolbook" panose="02040604050505020304" pitchFamily="18" charset="0"/>
+              </a:rPr>
+              <a:t>/</a:t>
+            </a:r>
+            <a:r>
+              <a:rPr lang="it-IT" sz="1400" dirty="0" smtClean="0">
+                <a:solidFill>
+                  <a:schemeClr val="accent2">
+                    <a:lumMod val="75000"/>
+                  </a:schemeClr>
+                </a:solidFill>
+                <a:latin typeface="Century Schoolbook" panose="02040604050505020304" pitchFamily="18" charset="0"/>
+              </a:rPr>
+              <a:t>goto SLOT</a:t>
+            </a:r>
+          </a:p>
+        </p:txBody>
+      </p:sp>
+      <p:sp>
+        <p:nvSpPr>
+          <p:cNvPr id="19" name="Rettangolo arrotondato 18"/>
+          <p:cNvSpPr/>
+          <p:nvPr/>
+        </p:nvSpPr>
+        <p:spPr>
+          <a:xfrm>
+            <a:off x="7771865" y="1775042"/>
+            <a:ext cx="1652621" cy="440431"/>
+          </a:xfrm>
+          <a:prstGeom prst="roundRect">
+            <a:avLst/>
+          </a:prstGeom>
+          <a:solidFill>
+            <a:schemeClr val="accent3">
+              <a:lumMod val="20000"/>
+              <a:lumOff val="80000"/>
+            </a:schemeClr>
+          </a:solidFill>
+          <a:ln>
+            <a:solidFill>
+              <a:schemeClr val="tx1"/>
+            </a:solidFill>
+          </a:ln>
+        </p:spPr>
+        <p:style>
+          <a:lnRef idx="2">
+            <a:schemeClr val="accent1">
+              <a:shade val="50000"/>
+            </a:schemeClr>
+          </a:lnRef>
+          <a:fillRef idx="1">
+            <a:schemeClr val="accent1"/>
+          </a:fillRef>
+          <a:effectRef idx="0">
+            <a:schemeClr val="accent1"/>
+          </a:effectRef>
+          <a:fontRef idx="minor">
+            <a:schemeClr val="lt1"/>
+          </a:fontRef>
+        </p:style>
+        <p:txBody>
+          <a:bodyPr rtlCol="0" anchor="ctr"/>
+          <a:lstStyle/>
+          <a:p>
+            <a:pPr algn="ctr"/>
+            <a:r>
+              <a:rPr lang="it-IT" sz="1400" dirty="0" smtClean="0">
+                <a:solidFill>
+                  <a:schemeClr val="tx1"/>
+                </a:solidFill>
+                <a:latin typeface="Century Schoolbook" panose="02040604050505020304" pitchFamily="18" charset="0"/>
+              </a:rPr>
+              <a:t>acceptOUT</a:t>
+            </a:r>
+          </a:p>
+          <a:p>
+            <a:pPr algn="ctr"/>
+            <a:r>
+              <a:rPr lang="it-IT" sz="1400" dirty="0">
+                <a:solidFill>
+                  <a:schemeClr val="tx1"/>
+                </a:solidFill>
+                <a:latin typeface="Century Schoolbook" panose="02040604050505020304" pitchFamily="18" charset="0"/>
+              </a:rPr>
+              <a:t>/</a:t>
+            </a:r>
+            <a:r>
+              <a:rPr lang="it-IT" sz="1400" dirty="0">
+                <a:solidFill>
+                  <a:schemeClr val="accent2">
+                    <a:lumMod val="75000"/>
+                  </a:schemeClr>
+                </a:solidFill>
+                <a:latin typeface="Century Schoolbook" panose="02040604050505020304" pitchFamily="18" charset="0"/>
+              </a:rPr>
+              <a:t>send </a:t>
+            </a:r>
+            <a:r>
+              <a:rPr lang="it-IT" sz="1400" dirty="0" smtClean="0">
+                <a:solidFill>
+                  <a:schemeClr val="accent2">
+                    <a:lumMod val="75000"/>
+                  </a:schemeClr>
+                </a:solidFill>
+                <a:latin typeface="Century Schoolbook" panose="02040604050505020304" pitchFamily="18" charset="0"/>
+              </a:rPr>
+              <a:t>notice</a:t>
+            </a:r>
+            <a:endParaRPr lang="it-IT" sz="1400" dirty="0">
+              <a:solidFill>
+                <a:schemeClr val="accent2">
+                  <a:lumMod val="75000"/>
+                </a:schemeClr>
+              </a:solidFill>
+              <a:latin typeface="Century Schoolbook" panose="02040604050505020304" pitchFamily="18" charset="0"/>
+            </a:endParaRPr>
+          </a:p>
+        </p:txBody>
+      </p:sp>
+      <p:sp>
+        <p:nvSpPr>
+          <p:cNvPr id="21" name="Rettangolo arrotondato 20"/>
+          <p:cNvSpPr/>
+          <p:nvPr/>
+        </p:nvSpPr>
+        <p:spPr>
+          <a:xfrm>
+            <a:off x="5134955" y="1766077"/>
+            <a:ext cx="1652621" cy="440431"/>
+          </a:xfrm>
+          <a:prstGeom prst="roundRect">
+            <a:avLst/>
+          </a:prstGeom>
+          <a:solidFill>
+            <a:schemeClr val="accent3">
+              <a:lumMod val="20000"/>
+              <a:lumOff val="80000"/>
+            </a:schemeClr>
+          </a:solidFill>
+          <a:ln>
+            <a:solidFill>
+              <a:schemeClr val="tx1"/>
+            </a:solidFill>
+          </a:ln>
+        </p:spPr>
+        <p:style>
+          <a:lnRef idx="2">
+            <a:schemeClr val="accent1">
+              <a:shade val="50000"/>
+            </a:schemeClr>
+          </a:lnRef>
+          <a:fillRef idx="1">
+            <a:schemeClr val="accent1"/>
+          </a:fillRef>
+          <a:effectRef idx="0">
+            <a:schemeClr val="accent1"/>
+          </a:effectRef>
+          <a:fontRef idx="minor">
+            <a:schemeClr val="lt1"/>
+          </a:fontRef>
+        </p:style>
+        <p:txBody>
+          <a:bodyPr rtlCol="0" anchor="ctr"/>
+          <a:lstStyle/>
+          <a:p>
+            <a:pPr algn="ctr"/>
+            <a:r>
+              <a:rPr lang="it-IT" sz="1400" dirty="0" smtClean="0">
+                <a:solidFill>
+                  <a:schemeClr val="tx1"/>
+                </a:solidFill>
+                <a:latin typeface="Century Schoolbook" panose="02040604050505020304" pitchFamily="18" charset="0"/>
+              </a:rPr>
+              <a:t>moveToHome</a:t>
+            </a:r>
+          </a:p>
+          <a:p>
+            <a:pPr algn="ctr"/>
+            <a:r>
+              <a:rPr lang="it-IT" sz="1400" dirty="0" smtClean="0">
+                <a:solidFill>
+                  <a:schemeClr val="tx1"/>
+                </a:solidFill>
+                <a:latin typeface="Century Schoolbook" panose="02040604050505020304" pitchFamily="18" charset="0"/>
+              </a:rPr>
+              <a:t>/ </a:t>
+            </a:r>
+            <a:r>
+              <a:rPr lang="it-IT" sz="1400" dirty="0" smtClean="0">
+                <a:solidFill>
+                  <a:schemeClr val="accent2">
+                    <a:lumMod val="75000"/>
+                  </a:schemeClr>
+                </a:solidFill>
+                <a:latin typeface="Century Schoolbook" panose="02040604050505020304" pitchFamily="18" charset="0"/>
+              </a:rPr>
+              <a:t>goto HOME</a:t>
+            </a:r>
+          </a:p>
+        </p:txBody>
+      </p:sp>
+      <p:sp>
+        <p:nvSpPr>
+          <p:cNvPr id="22" name="Rettangolo arrotondato 21"/>
+          <p:cNvSpPr/>
+          <p:nvPr/>
+        </p:nvSpPr>
+        <p:spPr>
+          <a:xfrm>
+            <a:off x="7771864" y="2735505"/>
+            <a:ext cx="1652621" cy="440431"/>
+          </a:xfrm>
+          <a:prstGeom prst="roundRect">
+            <a:avLst/>
+          </a:prstGeom>
+          <a:solidFill>
+            <a:schemeClr val="accent3">
+              <a:lumMod val="20000"/>
+              <a:lumOff val="80000"/>
+            </a:schemeClr>
+          </a:solidFill>
+          <a:ln>
+            <a:solidFill>
+              <a:schemeClr val="tx1"/>
+            </a:solidFill>
+          </a:ln>
+        </p:spPr>
+        <p:style>
+          <a:lnRef idx="2">
+            <a:schemeClr val="accent1">
+              <a:shade val="50000"/>
+            </a:schemeClr>
+          </a:lnRef>
+          <a:fillRef idx="1">
+            <a:schemeClr val="accent1"/>
+          </a:fillRef>
+          <a:effectRef idx="0">
+            <a:schemeClr val="accent1"/>
+          </a:effectRef>
+          <a:fontRef idx="minor">
+            <a:schemeClr val="lt1"/>
+          </a:fontRef>
+        </p:style>
+        <p:txBody>
+          <a:bodyPr rtlCol="0" anchor="ctr"/>
+          <a:lstStyle/>
+          <a:p>
+            <a:pPr algn="ctr"/>
+            <a:r>
+              <a:rPr lang="it-IT" sz="1400" dirty="0" smtClean="0">
+                <a:solidFill>
+                  <a:schemeClr val="tx1"/>
+                </a:solidFill>
+                <a:latin typeface="Century Schoolbook" panose="02040604050505020304" pitchFamily="18" charset="0"/>
+              </a:rPr>
+              <a:t>findSlot</a:t>
+            </a:r>
+          </a:p>
+          <a:p>
+            <a:pPr algn="ctr"/>
+            <a:r>
+              <a:rPr lang="it-IT" sz="1400" dirty="0" smtClean="0">
+                <a:solidFill>
+                  <a:schemeClr val="tx1"/>
+                </a:solidFill>
+                <a:latin typeface="Century Schoolbook" panose="02040604050505020304" pitchFamily="18" charset="0"/>
+              </a:rPr>
+              <a:t>/</a:t>
+            </a:r>
+            <a:r>
+              <a:rPr lang="it-IT" sz="1400" dirty="0" smtClean="0">
+                <a:solidFill>
+                  <a:schemeClr val="accent2">
+                    <a:lumMod val="75000"/>
+                  </a:schemeClr>
+                </a:solidFill>
+                <a:latin typeface="Century Schoolbook" panose="02040604050505020304" pitchFamily="18" charset="0"/>
+              </a:rPr>
+              <a:t>CARSLOTNUM</a:t>
+            </a:r>
+          </a:p>
+        </p:txBody>
+      </p:sp>
+      <p:sp>
+        <p:nvSpPr>
+          <p:cNvPr id="23" name="Rettangolo arrotondato 22"/>
+          <p:cNvSpPr/>
+          <p:nvPr/>
+        </p:nvSpPr>
+        <p:spPr>
+          <a:xfrm>
+            <a:off x="7771864" y="3484293"/>
+            <a:ext cx="1652621" cy="440431"/>
+          </a:xfrm>
+          <a:prstGeom prst="roundRect">
+            <a:avLst/>
+          </a:prstGeom>
+          <a:solidFill>
+            <a:schemeClr val="accent3">
+              <a:lumMod val="20000"/>
+              <a:lumOff val="80000"/>
+            </a:schemeClr>
+          </a:solidFill>
+          <a:ln>
+            <a:solidFill>
+              <a:schemeClr val="tx1"/>
+            </a:solidFill>
+          </a:ln>
+        </p:spPr>
+        <p:style>
+          <a:lnRef idx="2">
+            <a:schemeClr val="accent1">
+              <a:shade val="50000"/>
+            </a:schemeClr>
+          </a:lnRef>
+          <a:fillRef idx="1">
+            <a:schemeClr val="accent1"/>
+          </a:fillRef>
+          <a:effectRef idx="0">
+            <a:schemeClr val="accent1"/>
+          </a:effectRef>
+          <a:fontRef idx="minor">
+            <a:schemeClr val="lt1"/>
+          </a:fontRef>
+        </p:style>
+        <p:txBody>
+          <a:bodyPr rtlCol="0" anchor="ctr"/>
+          <a:lstStyle/>
+          <a:p>
+            <a:pPr algn="ctr"/>
+            <a:r>
+              <a:rPr lang="it-IT" sz="1400" dirty="0" smtClean="0">
+                <a:solidFill>
+                  <a:schemeClr val="tx1"/>
+                </a:solidFill>
+                <a:latin typeface="Century Schoolbook" panose="02040604050505020304" pitchFamily="18" charset="0"/>
+              </a:rPr>
+              <a:t>moveToSlotOut</a:t>
+            </a:r>
+          </a:p>
+          <a:p>
+            <a:pPr algn="ctr"/>
+            <a:r>
+              <a:rPr lang="it-IT" sz="1400" dirty="0" smtClean="0">
+                <a:solidFill>
+                  <a:schemeClr val="tx1"/>
+                </a:solidFill>
+                <a:latin typeface="Century Schoolbook" panose="02040604050505020304" pitchFamily="18" charset="0"/>
+              </a:rPr>
+              <a:t>/</a:t>
+            </a:r>
+            <a:r>
+              <a:rPr lang="it-IT" sz="1400" dirty="0" smtClean="0">
+                <a:solidFill>
+                  <a:schemeClr val="accent2">
+                    <a:lumMod val="75000"/>
+                  </a:schemeClr>
+                </a:solidFill>
+                <a:latin typeface="Century Schoolbook" panose="02040604050505020304" pitchFamily="18" charset="0"/>
+              </a:rPr>
+              <a:t>goto SLOT</a:t>
+            </a:r>
+            <a:endParaRPr lang="it-IT" sz="1400" dirty="0">
+              <a:solidFill>
+                <a:schemeClr val="accent2">
+                  <a:lumMod val="75000"/>
+                </a:schemeClr>
+              </a:solidFill>
+              <a:latin typeface="Century Schoolbook" panose="02040604050505020304" pitchFamily="18" charset="0"/>
+            </a:endParaRPr>
+          </a:p>
+        </p:txBody>
+      </p:sp>
+      <p:sp>
+        <p:nvSpPr>
+          <p:cNvPr id="25" name="Rettangolo arrotondato 24"/>
+          <p:cNvSpPr/>
+          <p:nvPr/>
+        </p:nvSpPr>
+        <p:spPr>
+          <a:xfrm>
+            <a:off x="7771863" y="4230429"/>
+            <a:ext cx="1652621" cy="440431"/>
+          </a:xfrm>
+          <a:prstGeom prst="roundRect">
+            <a:avLst/>
+          </a:prstGeom>
+          <a:solidFill>
+            <a:schemeClr val="accent3">
+              <a:lumMod val="20000"/>
+              <a:lumOff val="80000"/>
+            </a:schemeClr>
+          </a:solidFill>
+          <a:ln>
+            <a:solidFill>
+              <a:schemeClr val="tx1"/>
+            </a:solidFill>
+          </a:ln>
+        </p:spPr>
+        <p:style>
+          <a:lnRef idx="2">
+            <a:schemeClr val="accent1">
+              <a:shade val="50000"/>
+            </a:schemeClr>
+          </a:lnRef>
+          <a:fillRef idx="1">
+            <a:schemeClr val="accent1"/>
+          </a:fillRef>
+          <a:effectRef idx="0">
+            <a:schemeClr val="accent1"/>
+          </a:effectRef>
+          <a:fontRef idx="minor">
+            <a:schemeClr val="lt1"/>
+          </a:fontRef>
+        </p:style>
+        <p:txBody>
+          <a:bodyPr rtlCol="0" anchor="ctr"/>
+          <a:lstStyle/>
+          <a:p>
+            <a:pPr algn="ctr"/>
+            <a:r>
+              <a:rPr lang="it-IT" sz="1400" dirty="0" smtClean="0">
+                <a:solidFill>
+                  <a:schemeClr val="tx1"/>
+                </a:solidFill>
+                <a:latin typeface="Century Schoolbook" panose="02040604050505020304" pitchFamily="18" charset="0"/>
+              </a:rPr>
+              <a:t>moveToOut</a:t>
+            </a:r>
+          </a:p>
+          <a:p>
+            <a:pPr algn="ctr"/>
+            <a:r>
+              <a:rPr lang="it-IT" sz="1400" dirty="0" smtClean="0">
+                <a:solidFill>
+                  <a:schemeClr val="tx1"/>
+                </a:solidFill>
+                <a:latin typeface="Century Schoolbook" panose="02040604050505020304" pitchFamily="18" charset="0"/>
+              </a:rPr>
+              <a:t>/</a:t>
+            </a:r>
+            <a:r>
+              <a:rPr lang="it-IT" sz="1400" dirty="0" smtClean="0">
+                <a:solidFill>
+                  <a:schemeClr val="accent2">
+                    <a:lumMod val="75000"/>
+                  </a:schemeClr>
+                </a:solidFill>
+                <a:latin typeface="Century Schoolbook" panose="02040604050505020304" pitchFamily="18" charset="0"/>
+              </a:rPr>
+              <a:t>goto OUTDOOR</a:t>
+            </a:r>
+            <a:endParaRPr lang="it-IT" sz="1400" dirty="0">
+              <a:solidFill>
+                <a:schemeClr val="accent2">
+                  <a:lumMod val="75000"/>
+                </a:schemeClr>
+              </a:solidFill>
+              <a:latin typeface="Century Schoolbook" panose="02040604050505020304" pitchFamily="18" charset="0"/>
+            </a:endParaRPr>
+          </a:p>
+        </p:txBody>
+      </p:sp>
+      <p:cxnSp>
+        <p:nvCxnSpPr>
+          <p:cNvPr id="115" name="Connettore 4 114"/>
+          <p:cNvCxnSpPr>
+            <a:stCxn id="17" idx="3"/>
+            <a:endCxn id="21" idx="2"/>
+          </p:cNvCxnSpPr>
+          <p:nvPr/>
+        </p:nvCxnSpPr>
+        <p:spPr>
+          <a:xfrm flipV="1">
+            <a:off x="4150669" y="2206508"/>
+            <a:ext cx="1810597" cy="2991599"/>
+          </a:xfrm>
+          <a:prstGeom prst="bentConnector2">
+            <a:avLst/>
+          </a:prstGeom>
+          <a:ln w="19050">
+            <a:solidFill>
+              <a:schemeClr val="tx1"/>
+            </a:solidFill>
+            <a:tailEnd type="triangle"/>
           </a:ln>
         </p:spPr>
         <p:style>
@@ -8002,14 +7891,17 @@
       </p:cxnSp>
       <p:cxnSp>
         <p:nvCxnSpPr>
-          <p:cNvPr id="96" name="Connettore 2 95"/>
-          <p:cNvCxnSpPr/>
+          <p:cNvPr id="137" name="Connettore 2 136"/>
+          <p:cNvCxnSpPr>
+            <a:stCxn id="19" idx="2"/>
+            <a:endCxn id="22" idx="0"/>
+          </p:cNvCxnSpPr>
           <p:nvPr/>
         </p:nvCxnSpPr>
         <p:spPr>
           <a:xfrm flipH="1">
-            <a:off x="3523000" y="4820428"/>
-            <a:ext cx="844768" cy="1823"/>
+            <a:off x="8598175" y="2215473"/>
+            <a:ext cx="1" cy="520032"/>
           </a:xfrm>
           <a:prstGeom prst="straightConnector1">
             <a:avLst/>
@@ -8018,9 +7910,7 @@
             <a:solidFill>
               <a:schemeClr val="tx1"/>
             </a:solidFill>
-            <a:prstDash val="sysDash"/>
-            <a:headEnd type="none" w="med" len="med"/>
-            <a:tailEnd type="arrow" w="med" len="med"/>
+            <a:tailEnd type="triangle"/>
           </a:ln>
         </p:spPr>
         <p:style>
@@ -8038,174 +7928,19 @@
           </a:fontRef>
         </p:style>
       </p:cxnSp>
-      <p:sp>
-        <p:nvSpPr>
-          <p:cNvPr id="97" name="Ovale 96"/>
-          <p:cNvSpPr/>
-          <p:nvPr/>
-        </p:nvSpPr>
-        <p:spPr>
-          <a:xfrm>
-            <a:off x="6841875" y="4242720"/>
-            <a:ext cx="1302611" cy="982897"/>
-          </a:xfrm>
-          <a:prstGeom prst="ellipse">
-            <a:avLst/>
-          </a:prstGeom>
-          <a:solidFill>
-            <a:schemeClr val="accent2">
-              <a:lumMod val="20000"/>
-              <a:lumOff val="80000"/>
-            </a:schemeClr>
-          </a:solidFill>
-          <a:ln w="12700">
-            <a:solidFill>
-              <a:schemeClr val="tx1"/>
-            </a:solidFill>
-          </a:ln>
-        </p:spPr>
-        <p:style>
-          <a:lnRef idx="2">
-            <a:schemeClr val="accent1">
-              <a:shade val="50000"/>
-            </a:schemeClr>
-          </a:lnRef>
-          <a:fillRef idx="1">
-            <a:schemeClr val="accent1"/>
-          </a:fillRef>
-          <a:effectRef idx="0">
-            <a:schemeClr val="accent1"/>
-          </a:effectRef>
-          <a:fontRef idx="minor">
-            <a:schemeClr val="lt1"/>
-          </a:fontRef>
-        </p:style>
-        <p:txBody>
-          <a:bodyPr rtlCol="0" anchor="ctr"/>
-          <a:lstStyle/>
-          <a:p>
-            <a:pPr algn="ctr"/>
-            <a:r>
-              <a:rPr lang="it-IT" sz="1400" dirty="0">
-                <a:solidFill>
-                  <a:schemeClr val="tx1"/>
-                </a:solidFill>
-                <a:latin typeface="Century Schoolbook" panose="02040604050505020304" pitchFamily="18" charset="0"/>
-              </a:rPr>
-              <a:t>Basic Step Robot</a:t>
-            </a:r>
-          </a:p>
-        </p:txBody>
-      </p:sp>
-      <p:sp>
-        <p:nvSpPr>
-          <p:cNvPr id="98" name="Triangolo isoscele 97"/>
-          <p:cNvSpPr/>
-          <p:nvPr/>
-        </p:nvSpPr>
-        <p:spPr>
-          <a:xfrm rot="16200000">
-            <a:off x="7342350" y="4121320"/>
-            <a:ext cx="301659" cy="260051"/>
-          </a:xfrm>
-          <a:prstGeom prst="triangle">
-            <a:avLst/>
-          </a:prstGeom>
-          <a:solidFill>
-            <a:srgbClr val="FF0000"/>
-          </a:solidFill>
-          <a:ln w="12700">
-            <a:solidFill>
-              <a:schemeClr val="tx1"/>
-            </a:solidFill>
-          </a:ln>
-        </p:spPr>
-        <p:style>
-          <a:lnRef idx="2">
-            <a:schemeClr val="accent1">
-              <a:shade val="50000"/>
-            </a:schemeClr>
-          </a:lnRef>
-          <a:fillRef idx="1">
-            <a:schemeClr val="accent1"/>
-          </a:fillRef>
-          <a:effectRef idx="0">
-            <a:schemeClr val="accent1"/>
-          </a:effectRef>
-          <a:fontRef idx="minor">
-            <a:schemeClr val="lt1"/>
-          </a:fontRef>
-        </p:style>
-        <p:txBody>
-          <a:bodyPr rtlCol="0" anchor="ctr"/>
-          <a:lstStyle/>
-          <a:p>
-            <a:pPr algn="ctr"/>
-            <a:endParaRPr lang="it-IT"/>
-          </a:p>
-        </p:txBody>
-      </p:sp>
-      <p:sp>
-        <p:nvSpPr>
-          <p:cNvPr id="99" name="Rettangolo 98"/>
-          <p:cNvSpPr/>
-          <p:nvPr/>
-        </p:nvSpPr>
-        <p:spPr>
-          <a:xfrm>
-            <a:off x="6518384" y="4616938"/>
-            <a:ext cx="501185" cy="238108"/>
-          </a:xfrm>
-          <a:prstGeom prst="rect">
-            <a:avLst/>
-          </a:prstGeom>
-          <a:solidFill>
-            <a:schemeClr val="accent2">
-              <a:lumMod val="20000"/>
-              <a:lumOff val="80000"/>
-            </a:schemeClr>
-          </a:solidFill>
-          <a:ln w="12700">
-            <a:solidFill>
-              <a:schemeClr val="tx1"/>
-            </a:solidFill>
-          </a:ln>
-        </p:spPr>
-        <p:style>
-          <a:lnRef idx="2">
-            <a:schemeClr val="accent1">
-              <a:shade val="50000"/>
-            </a:schemeClr>
-          </a:lnRef>
-          <a:fillRef idx="1">
-            <a:schemeClr val="accent1"/>
-          </a:fillRef>
-          <a:effectRef idx="0">
-            <a:schemeClr val="accent1"/>
-          </a:effectRef>
-          <a:fontRef idx="minor">
-            <a:schemeClr val="lt1"/>
-          </a:fontRef>
-        </p:style>
-        <p:txBody>
-          <a:bodyPr rtlCol="0" anchor="ctr"/>
-          <a:lstStyle/>
-          <a:p>
-            <a:pPr algn="ctr"/>
-            <a:endParaRPr lang="it-IT"/>
-          </a:p>
-        </p:txBody>
-      </p:sp>
       <p:cxnSp>
         <p:nvCxnSpPr>
-          <p:cNvPr id="100" name="Connettore 2 99"/>
-          <p:cNvCxnSpPr/>
+          <p:cNvPr id="140" name="Connettore 2 139"/>
+          <p:cNvCxnSpPr>
+            <a:stCxn id="22" idx="2"/>
+            <a:endCxn id="23" idx="0"/>
+          </p:cNvCxnSpPr>
           <p:nvPr/>
         </p:nvCxnSpPr>
         <p:spPr>
           <a:xfrm>
-            <a:off x="5673617" y="4647907"/>
-            <a:ext cx="844768" cy="1823"/>
+            <a:off x="8598175" y="3175936"/>
+            <a:ext cx="0" cy="308357"/>
           </a:xfrm>
           <a:prstGeom prst="straightConnector1">
             <a:avLst/>
@@ -8214,9 +7949,7 @@
             <a:solidFill>
               <a:schemeClr val="tx1"/>
             </a:solidFill>
-            <a:prstDash val="sysDash"/>
-            <a:headEnd type="none" w="med" len="med"/>
-            <a:tailEnd type="arrow" w="med" len="med"/>
+            <a:tailEnd type="triangle"/>
           </a:ln>
         </p:spPr>
         <p:style>
@@ -8234,123 +7967,19 @@
           </a:fontRef>
         </p:style>
       </p:cxnSp>
-      <p:sp>
-        <p:nvSpPr>
-          <p:cNvPr id="101" name="Ovale 100"/>
-          <p:cNvSpPr/>
-          <p:nvPr/>
-        </p:nvSpPr>
-        <p:spPr>
-          <a:xfrm>
-            <a:off x="8989252" y="4242720"/>
-            <a:ext cx="1302611" cy="982897"/>
-          </a:xfrm>
-          <a:prstGeom prst="ellipse">
-            <a:avLst/>
-          </a:prstGeom>
-          <a:solidFill>
-            <a:schemeClr val="accent4">
-              <a:lumMod val="20000"/>
-              <a:lumOff val="80000"/>
-            </a:schemeClr>
-          </a:solidFill>
-          <a:ln w="12700">
-            <a:solidFill>
-              <a:schemeClr val="tx1"/>
-            </a:solidFill>
-          </a:ln>
-        </p:spPr>
-        <p:style>
-          <a:lnRef idx="2">
-            <a:schemeClr val="accent1">
-              <a:shade val="50000"/>
-            </a:schemeClr>
-          </a:lnRef>
-          <a:fillRef idx="1">
-            <a:schemeClr val="accent1"/>
-          </a:fillRef>
-          <a:effectRef idx="0">
-            <a:schemeClr val="accent1"/>
-          </a:effectRef>
-          <a:fontRef idx="minor">
-            <a:schemeClr val="lt1"/>
-          </a:fontRef>
-        </p:style>
-        <p:txBody>
-          <a:bodyPr rtlCol="0" anchor="ctr"/>
-          <a:lstStyle/>
-          <a:p>
-            <a:pPr algn="ctr"/>
-            <a:r>
-              <a:rPr lang="it-IT" sz="1400" dirty="0">
-                <a:solidFill>
-                  <a:schemeClr val="tx1"/>
-                </a:solidFill>
-                <a:latin typeface="Century Schoolbook" panose="02040604050505020304" pitchFamily="18" charset="0"/>
-              </a:rPr>
-              <a:t>WEnv</a:t>
-            </a:r>
-          </a:p>
-        </p:txBody>
-      </p:sp>
-      <p:sp>
-        <p:nvSpPr>
-          <p:cNvPr id="102" name="Triangolo isoscele 101"/>
-          <p:cNvSpPr/>
-          <p:nvPr/>
-        </p:nvSpPr>
-        <p:spPr>
-          <a:xfrm rot="16200000">
-            <a:off x="9489727" y="4121320"/>
-            <a:ext cx="301659" cy="260051"/>
-          </a:xfrm>
-          <a:prstGeom prst="triangle">
-            <a:avLst/>
-          </a:prstGeom>
-          <a:solidFill>
-            <a:srgbClr val="FF0000"/>
-          </a:solidFill>
-          <a:ln w="12700">
-            <a:solidFill>
-              <a:schemeClr val="tx1"/>
-            </a:solidFill>
-          </a:ln>
-        </p:spPr>
-        <p:style>
-          <a:lnRef idx="2">
-            <a:schemeClr val="accent1">
-              <a:shade val="50000"/>
-            </a:schemeClr>
-          </a:lnRef>
-          <a:fillRef idx="1">
-            <a:schemeClr val="accent1"/>
-          </a:fillRef>
-          <a:effectRef idx="0">
-            <a:schemeClr val="accent1"/>
-          </a:effectRef>
-          <a:fontRef idx="minor">
-            <a:schemeClr val="lt1"/>
-          </a:fontRef>
-        </p:style>
-        <p:txBody>
-          <a:bodyPr rtlCol="0" anchor="ctr"/>
-          <a:lstStyle/>
-          <a:p>
-            <a:pPr algn="ctr"/>
-            <a:endParaRPr lang="it-IT"/>
-          </a:p>
-        </p:txBody>
-      </p:sp>
       <p:cxnSp>
         <p:nvCxnSpPr>
-          <p:cNvPr id="103" name="Connettore 2 102"/>
-          <p:cNvCxnSpPr/>
+          <p:cNvPr id="143" name="Connettore 2 142"/>
+          <p:cNvCxnSpPr>
+            <a:stCxn id="23" idx="2"/>
+            <a:endCxn id="25" idx="0"/>
+          </p:cNvCxnSpPr>
           <p:nvPr/>
         </p:nvCxnSpPr>
         <p:spPr>
-          <a:xfrm flipV="1">
-            <a:off x="8144484" y="4634422"/>
-            <a:ext cx="721852" cy="2"/>
+          <a:xfrm flipH="1">
+            <a:off x="8598174" y="3924724"/>
+            <a:ext cx="1" cy="305705"/>
           </a:xfrm>
           <a:prstGeom prst="straightConnector1">
             <a:avLst/>
@@ -8359,8 +7988,7 @@
             <a:solidFill>
               <a:schemeClr val="tx1"/>
             </a:solidFill>
-            <a:headEnd type="none" w="med" len="med"/>
-            <a:tailEnd type="none" w="med" len="med"/>
+            <a:tailEnd type="triangle"/>
           </a:ln>
         </p:spPr>
         <p:style>
@@ -8378,64 +8006,19 @@
           </a:fontRef>
         </p:style>
       </p:cxnSp>
-      <p:sp>
-        <p:nvSpPr>
-          <p:cNvPr id="104" name="Triangolo isoscele 103"/>
-          <p:cNvSpPr/>
-          <p:nvPr/>
-        </p:nvSpPr>
-        <p:spPr>
-          <a:xfrm rot="16200000" flipV="1">
-            <a:off x="8856502" y="4572964"/>
-            <a:ext cx="142583" cy="122916"/>
-          </a:xfrm>
-          <a:prstGeom prst="triangle">
-            <a:avLst/>
-          </a:prstGeom>
-          <a:solidFill>
-            <a:schemeClr val="bg1"/>
-          </a:solidFill>
-          <a:ln w="15875">
-            <a:solidFill>
-              <a:schemeClr val="tx1"/>
-            </a:solidFill>
-          </a:ln>
-        </p:spPr>
-        <p:style>
-          <a:lnRef idx="2">
-            <a:schemeClr val="accent1">
-              <a:shade val="50000"/>
-            </a:schemeClr>
-          </a:lnRef>
-          <a:fillRef idx="1">
-            <a:schemeClr val="accent1"/>
-          </a:fillRef>
-          <a:effectRef idx="0">
-            <a:schemeClr val="accent1"/>
-          </a:effectRef>
-          <a:fontRef idx="minor">
-            <a:schemeClr val="lt1"/>
-          </a:fontRef>
-        </p:style>
-        <p:txBody>
-          <a:bodyPr rtlCol="0" anchor="ctr"/>
-          <a:lstStyle/>
-          <a:p>
-            <a:pPr algn="ctr"/>
-            <a:endParaRPr lang="it-IT"/>
-          </a:p>
-        </p:txBody>
-      </p:sp>
       <p:cxnSp>
         <p:nvCxnSpPr>
-          <p:cNvPr id="105" name="Connettore 2 104"/>
-          <p:cNvCxnSpPr/>
+          <p:cNvPr id="146" name="Connettore 2 145"/>
+          <p:cNvCxnSpPr>
+            <a:stCxn id="4" idx="2"/>
+            <a:endCxn id="5" idx="0"/>
+          </p:cNvCxnSpPr>
           <p:nvPr/>
         </p:nvCxnSpPr>
         <p:spPr>
-          <a:xfrm flipV="1">
-            <a:off x="8267400" y="4833910"/>
-            <a:ext cx="721852" cy="2"/>
+          <a:xfrm flipH="1">
+            <a:off x="3324357" y="2215473"/>
+            <a:ext cx="2" cy="520032"/>
           </a:xfrm>
           <a:prstGeom prst="straightConnector1">
             <a:avLst/>
@@ -8444,9 +8027,7 @@
             <a:solidFill>
               <a:schemeClr val="tx1"/>
             </a:solidFill>
-            <a:prstDash val="sysDash"/>
-            <a:headEnd type="none" w="med" len="med"/>
-            <a:tailEnd type="none" w="med" len="med"/>
+            <a:tailEnd type="triangle"/>
           </a:ln>
         </p:spPr>
         <p:style>
@@ -8464,64 +8045,19 @@
           </a:fontRef>
         </p:style>
       </p:cxnSp>
-      <p:sp>
-        <p:nvSpPr>
-          <p:cNvPr id="106" name="Triangolo isoscele 105"/>
-          <p:cNvSpPr/>
-          <p:nvPr/>
-        </p:nvSpPr>
-        <p:spPr>
-          <a:xfrm rot="5400000" flipH="1" flipV="1">
-            <a:off x="8167744" y="4772454"/>
-            <a:ext cx="142583" cy="122916"/>
-          </a:xfrm>
-          <a:prstGeom prst="triangle">
-            <a:avLst/>
-          </a:prstGeom>
-          <a:solidFill>
-            <a:schemeClr val="bg1"/>
-          </a:solidFill>
-          <a:ln w="15875">
-            <a:solidFill>
-              <a:schemeClr val="tx1"/>
-            </a:solidFill>
-          </a:ln>
-        </p:spPr>
-        <p:style>
-          <a:lnRef idx="2">
-            <a:schemeClr val="accent1">
-              <a:shade val="50000"/>
-            </a:schemeClr>
-          </a:lnRef>
-          <a:fillRef idx="1">
-            <a:schemeClr val="accent1"/>
-          </a:fillRef>
-          <a:effectRef idx="0">
-            <a:schemeClr val="accent1"/>
-          </a:effectRef>
-          <a:fontRef idx="minor">
-            <a:schemeClr val="lt1"/>
-          </a:fontRef>
-        </p:style>
-        <p:txBody>
-          <a:bodyPr rtlCol="0" anchor="ctr"/>
-          <a:lstStyle/>
-          <a:p>
-            <a:pPr algn="ctr"/>
-            <a:endParaRPr lang="it-IT"/>
-          </a:p>
-        </p:txBody>
-      </p:sp>
       <p:cxnSp>
         <p:nvCxnSpPr>
-          <p:cNvPr id="25" name="Connettore 2 24"/>
-          <p:cNvCxnSpPr/>
+          <p:cNvPr id="149" name="Connettore 2 148"/>
+          <p:cNvCxnSpPr>
+            <a:stCxn id="5" idx="2"/>
+            <a:endCxn id="15" idx="0"/>
+          </p:cNvCxnSpPr>
           <p:nvPr/>
         </p:nvCxnSpPr>
         <p:spPr>
-          <a:xfrm flipH="1">
-            <a:off x="5673615" y="4818605"/>
-            <a:ext cx="844768" cy="1823"/>
+          <a:xfrm>
+            <a:off x="3324357" y="3175936"/>
+            <a:ext cx="2" cy="307031"/>
           </a:xfrm>
           <a:prstGeom prst="straightConnector1">
             <a:avLst/>
@@ -8530,9 +8066,7 @@
             <a:solidFill>
               <a:schemeClr val="tx1"/>
             </a:solidFill>
-            <a:prstDash val="sysDash"/>
-            <a:headEnd type="none" w="med" len="med"/>
-            <a:tailEnd type="arrow" w="med" len="med"/>
+            <a:tailEnd type="triangle"/>
           </a:ln>
         </p:spPr>
         <p:style>
@@ -8550,218 +8084,19 @@
           </a:fontRef>
         </p:style>
       </p:cxnSp>
-    </p:spTree>
-    <p:extLst>
-      <p:ext uri="{BB962C8B-B14F-4D97-AF65-F5344CB8AC3E}">
-        <p14:creationId xmlns:p14="http://schemas.microsoft.com/office/powerpoint/2010/main" val="1714068102"/>
-      </p:ext>
-    </p:extLst>
-  </p:cSld>
-  <p:clrMapOvr>
-    <a:masterClrMapping/>
-  </p:clrMapOvr>
-</p:sld>
-</file>
-
-<file path=ppt/slides/slide6.xml><?xml version="1.0" encoding="utf-8"?>
-<p:sld xmlns:a="http://schemas.openxmlformats.org/drawingml/2006/main" xmlns:r="http://schemas.openxmlformats.org/officeDocument/2006/relationships" xmlns:p="http://schemas.openxmlformats.org/presentationml/2006/main">
-  <p:cSld>
-    <p:spTree>
-      <p:nvGrpSpPr>
-        <p:cNvPr id="1" name=""/>
-        <p:cNvGrpSpPr/>
-        <p:nvPr/>
-      </p:nvGrpSpPr>
-      <p:grpSpPr>
-        <a:xfrm>
-          <a:off x="0" y="0"/>
-          <a:ext cx="0" cy="0"/>
-          <a:chOff x="0" y="0"/>
-          <a:chExt cx="0" cy="0"/>
-        </a:xfrm>
-      </p:grpSpPr>
-      <p:sp>
-        <p:nvSpPr>
-          <p:cNvPr id="4" name="Ovale 3"/>
-          <p:cNvSpPr/>
-          <p:nvPr/>
-        </p:nvSpPr>
-        <p:spPr>
-          <a:xfrm>
-            <a:off x="6680131" y="3436921"/>
-            <a:ext cx="1302611" cy="982897"/>
-          </a:xfrm>
-          <a:prstGeom prst="ellipse">
-            <a:avLst/>
-          </a:prstGeom>
-          <a:solidFill>
-            <a:schemeClr val="accent2">
-              <a:lumMod val="20000"/>
-              <a:lumOff val="80000"/>
-            </a:schemeClr>
-          </a:solidFill>
-          <a:ln w="12700">
-            <a:solidFill>
-              <a:schemeClr val="tx1"/>
-            </a:solidFill>
-          </a:ln>
-        </p:spPr>
-        <p:style>
-          <a:lnRef idx="2">
-            <a:schemeClr val="accent1">
-              <a:shade val="50000"/>
-            </a:schemeClr>
-          </a:lnRef>
-          <a:fillRef idx="1">
-            <a:schemeClr val="accent1"/>
-          </a:fillRef>
-          <a:effectRef idx="0">
-            <a:schemeClr val="accent1"/>
-          </a:effectRef>
-          <a:fontRef idx="minor">
-            <a:schemeClr val="lt1"/>
-          </a:fontRef>
-        </p:style>
-        <p:txBody>
-          <a:bodyPr rtlCol="0" anchor="ctr"/>
-          <a:lstStyle/>
-          <a:p>
-            <a:pPr algn="ctr"/>
-            <a:r>
-              <a:rPr lang="it-IT" sz="1400" dirty="0">
-                <a:solidFill>
-                  <a:schemeClr val="tx1"/>
-                </a:solidFill>
-                <a:latin typeface="Century Schoolbook" panose="02040604050505020304" pitchFamily="18" charset="0"/>
-              </a:rPr>
-              <a:t>Weight</a:t>
-            </a:r>
-          </a:p>
-          <a:p>
-            <a:pPr algn="ctr"/>
-            <a:r>
-              <a:rPr lang="it-IT" sz="1400" dirty="0">
-                <a:solidFill>
-                  <a:schemeClr val="tx1"/>
-                </a:solidFill>
-                <a:latin typeface="Century Schoolbook" panose="02040604050505020304" pitchFamily="18" charset="0"/>
-              </a:rPr>
-              <a:t>Actor</a:t>
-            </a:r>
-          </a:p>
-        </p:txBody>
-      </p:sp>
-      <p:sp>
-        <p:nvSpPr>
-          <p:cNvPr id="5" name="Triangolo isoscele 4"/>
-          <p:cNvSpPr/>
-          <p:nvPr/>
-        </p:nvSpPr>
-        <p:spPr>
-          <a:xfrm rot="16200000">
-            <a:off x="7180606" y="3315521"/>
-            <a:ext cx="301659" cy="260051"/>
-          </a:xfrm>
-          <a:prstGeom prst="triangle">
-            <a:avLst/>
-          </a:prstGeom>
-          <a:solidFill>
-            <a:srgbClr val="FF0000"/>
-          </a:solidFill>
-          <a:ln w="12700">
-            <a:solidFill>
-              <a:schemeClr val="tx1"/>
-            </a:solidFill>
-          </a:ln>
-        </p:spPr>
-        <p:style>
-          <a:lnRef idx="2">
-            <a:schemeClr val="accent1">
-              <a:shade val="50000"/>
-            </a:schemeClr>
-          </a:lnRef>
-          <a:fillRef idx="1">
-            <a:schemeClr val="accent1"/>
-          </a:fillRef>
-          <a:effectRef idx="0">
-            <a:schemeClr val="accent1"/>
-          </a:effectRef>
-          <a:fontRef idx="minor">
-            <a:schemeClr val="lt1"/>
-          </a:fontRef>
-        </p:style>
-        <p:txBody>
-          <a:bodyPr rtlCol="0" anchor="ctr"/>
-          <a:lstStyle/>
-          <a:p>
-            <a:pPr algn="ctr"/>
-            <a:endParaRPr lang="it-IT"/>
-          </a:p>
-        </p:txBody>
-      </p:sp>
-      <p:sp>
-        <p:nvSpPr>
-          <p:cNvPr id="6" name="Rettangolo 5"/>
-          <p:cNvSpPr/>
-          <p:nvPr/>
-        </p:nvSpPr>
-        <p:spPr>
-          <a:xfrm>
-            <a:off x="6356640" y="3811139"/>
-            <a:ext cx="501185" cy="238108"/>
-          </a:xfrm>
-          <a:prstGeom prst="rect">
-            <a:avLst/>
-          </a:prstGeom>
-          <a:solidFill>
-            <a:schemeClr val="accent2">
-              <a:lumMod val="20000"/>
-              <a:lumOff val="80000"/>
-            </a:schemeClr>
-          </a:solidFill>
-          <a:ln w="12700">
-            <a:solidFill>
-              <a:schemeClr val="tx1"/>
-            </a:solidFill>
-          </a:ln>
-        </p:spPr>
-        <p:style>
-          <a:lnRef idx="2">
-            <a:schemeClr val="accent1">
-              <a:shade val="50000"/>
-            </a:schemeClr>
-          </a:lnRef>
-          <a:fillRef idx="1">
-            <a:schemeClr val="accent1"/>
-          </a:fillRef>
-          <a:effectRef idx="0">
-            <a:schemeClr val="accent1"/>
-          </a:effectRef>
-          <a:fontRef idx="minor">
-            <a:schemeClr val="lt1"/>
-          </a:fontRef>
-        </p:style>
-        <p:txBody>
-          <a:bodyPr rtlCol="0" anchor="ctr"/>
-          <a:lstStyle/>
-          <a:p>
-            <a:pPr algn="ctr"/>
-            <a:endParaRPr lang="it-IT"/>
-          </a:p>
-        </p:txBody>
-      </p:sp>
       <p:cxnSp>
         <p:nvCxnSpPr>
-          <p:cNvPr id="8" name="Connettore 2 7"/>
+          <p:cNvPr id="152" name="Connettore 2 151"/>
           <p:cNvCxnSpPr>
-            <a:stCxn id="5" idx="5"/>
+            <a:stCxn id="15" idx="2"/>
+            <a:endCxn id="16" idx="0"/>
           </p:cNvCxnSpPr>
           <p:nvPr/>
         </p:nvCxnSpPr>
         <p:spPr>
-          <a:xfrm flipH="1" flipV="1">
-            <a:off x="7325988" y="2909763"/>
-            <a:ext cx="5448" cy="460369"/>
+          <a:xfrm>
+            <a:off x="3324359" y="3923398"/>
+            <a:ext cx="0" cy="308357"/>
           </a:xfrm>
           <a:prstGeom prst="straightConnector1">
             <a:avLst/>
@@ -8770,8 +8105,7 @@
             <a:solidFill>
               <a:schemeClr val="tx1"/>
             </a:solidFill>
-            <a:headEnd type="none" w="med" len="med"/>
-            <a:tailEnd type="arrow" w="med" len="med"/>
+            <a:tailEnd type="triangle"/>
           </a:ln>
         </p:spPr>
         <p:style>
@@ -8789,247 +8123,19 @@
           </a:fontRef>
         </p:style>
       </p:cxnSp>
-      <p:sp>
-        <p:nvSpPr>
-          <p:cNvPr id="10" name="Rettangolo arrotondato 9"/>
-          <p:cNvSpPr/>
-          <p:nvPr/>
-        </p:nvSpPr>
-        <p:spPr>
-          <a:xfrm>
-            <a:off x="6517592" y="2438183"/>
-            <a:ext cx="1616791" cy="471580"/>
-          </a:xfrm>
-          <a:prstGeom prst="roundRect">
-            <a:avLst/>
-          </a:prstGeom>
-          <a:solidFill>
-            <a:schemeClr val="accent4">
-              <a:lumMod val="20000"/>
-              <a:lumOff val="80000"/>
-            </a:schemeClr>
-          </a:solidFill>
-          <a:ln>
-            <a:solidFill>
-              <a:schemeClr val="tx1"/>
-            </a:solidFill>
-          </a:ln>
-        </p:spPr>
-        <p:style>
-          <a:lnRef idx="2">
-            <a:schemeClr val="accent1">
-              <a:shade val="50000"/>
-            </a:schemeClr>
-          </a:lnRef>
-          <a:fillRef idx="1">
-            <a:schemeClr val="accent1"/>
-          </a:fillRef>
-          <a:effectRef idx="0">
-            <a:schemeClr val="accent1"/>
-          </a:effectRef>
-          <a:fontRef idx="minor">
-            <a:schemeClr val="lt1"/>
-          </a:fontRef>
-        </p:style>
-        <p:txBody>
-          <a:bodyPr rtlCol="0" anchor="ctr"/>
-          <a:lstStyle/>
-          <a:p>
-            <a:pPr algn="ctr"/>
-            <a:r>
-              <a:rPr lang="it-IT" sz="1400" dirty="0">
-                <a:solidFill>
-                  <a:schemeClr val="tx1"/>
-                </a:solidFill>
-                <a:latin typeface="Century Schoolbook" panose="02040604050505020304" pitchFamily="18" charset="0"/>
-              </a:rPr>
-              <a:t>Presence Weight</a:t>
-            </a:r>
-          </a:p>
-        </p:txBody>
-      </p:sp>
-      <p:sp>
-        <p:nvSpPr>
-          <p:cNvPr id="11" name="Ovale 10"/>
-          <p:cNvSpPr/>
-          <p:nvPr/>
-        </p:nvSpPr>
-        <p:spPr>
-          <a:xfrm>
-            <a:off x="4381109" y="3436921"/>
-            <a:ext cx="1302611" cy="982897"/>
-          </a:xfrm>
-          <a:prstGeom prst="ellipse">
-            <a:avLst/>
-          </a:prstGeom>
-          <a:solidFill>
-            <a:schemeClr val="accent2">
-              <a:lumMod val="20000"/>
-              <a:lumOff val="80000"/>
-            </a:schemeClr>
-          </a:solidFill>
-          <a:ln w="12700">
-            <a:solidFill>
-              <a:schemeClr val="tx1"/>
-            </a:solidFill>
-          </a:ln>
-        </p:spPr>
-        <p:style>
-          <a:lnRef idx="2">
-            <a:schemeClr val="accent1">
-              <a:shade val="50000"/>
-            </a:schemeClr>
-          </a:lnRef>
-          <a:fillRef idx="1">
-            <a:schemeClr val="accent1"/>
-          </a:fillRef>
-          <a:effectRef idx="0">
-            <a:schemeClr val="accent1"/>
-          </a:effectRef>
-          <a:fontRef idx="minor">
-            <a:schemeClr val="lt1"/>
-          </a:fontRef>
-        </p:style>
-        <p:txBody>
-          <a:bodyPr rtlCol="0" anchor="ctr"/>
-          <a:lstStyle/>
-          <a:p>
-            <a:pPr algn="ctr"/>
-            <a:r>
-              <a:rPr lang="it-IT" sz="1400" dirty="0">
-                <a:solidFill>
-                  <a:schemeClr val="tx1"/>
-                </a:solidFill>
-                <a:latin typeface="Century Schoolbook" panose="02040604050505020304" pitchFamily="18" charset="0"/>
-              </a:rPr>
-              <a:t>Sonar</a:t>
-            </a:r>
-          </a:p>
-          <a:p>
-            <a:pPr algn="ctr"/>
-            <a:r>
-              <a:rPr lang="it-IT" sz="1400" dirty="0">
-                <a:solidFill>
-                  <a:schemeClr val="tx1"/>
-                </a:solidFill>
-                <a:latin typeface="Century Schoolbook" panose="02040604050505020304" pitchFamily="18" charset="0"/>
-              </a:rPr>
-              <a:t>Actor</a:t>
-            </a:r>
-          </a:p>
-        </p:txBody>
-      </p:sp>
-      <p:sp>
-        <p:nvSpPr>
-          <p:cNvPr id="12" name="Triangolo isoscele 11"/>
-          <p:cNvSpPr/>
-          <p:nvPr/>
-        </p:nvSpPr>
-        <p:spPr>
-          <a:xfrm rot="16200000">
-            <a:off x="4881584" y="3315521"/>
-            <a:ext cx="301659" cy="260051"/>
-          </a:xfrm>
-          <a:prstGeom prst="triangle">
-            <a:avLst/>
-          </a:prstGeom>
-          <a:solidFill>
-            <a:srgbClr val="FF0000"/>
-          </a:solidFill>
-          <a:ln w="12700">
-            <a:solidFill>
-              <a:schemeClr val="tx1"/>
-            </a:solidFill>
-          </a:ln>
-        </p:spPr>
-        <p:style>
-          <a:lnRef idx="2">
-            <a:schemeClr val="accent1">
-              <a:shade val="50000"/>
-            </a:schemeClr>
-          </a:lnRef>
-          <a:fillRef idx="1">
-            <a:schemeClr val="accent1"/>
-          </a:fillRef>
-          <a:effectRef idx="0">
-            <a:schemeClr val="accent1"/>
-          </a:effectRef>
-          <a:fontRef idx="minor">
-            <a:schemeClr val="lt1"/>
-          </a:fontRef>
-        </p:style>
-        <p:txBody>
-          <a:bodyPr rtlCol="0" anchor="ctr"/>
-          <a:lstStyle/>
-          <a:p>
-            <a:pPr algn="ctr"/>
-            <a:endParaRPr lang="it-IT"/>
-          </a:p>
-        </p:txBody>
-      </p:sp>
-      <p:sp>
-        <p:nvSpPr>
-          <p:cNvPr id="13" name="Rettangolo 12"/>
-          <p:cNvSpPr/>
-          <p:nvPr/>
-        </p:nvSpPr>
-        <p:spPr>
-          <a:xfrm>
-            <a:off x="4057618" y="3811139"/>
-            <a:ext cx="501185" cy="238108"/>
-          </a:xfrm>
-          <a:prstGeom prst="rect">
-            <a:avLst/>
-          </a:prstGeom>
-          <a:solidFill>
-            <a:schemeClr val="accent2">
-              <a:lumMod val="20000"/>
-              <a:lumOff val="80000"/>
-            </a:schemeClr>
-          </a:solidFill>
-          <a:ln w="12700">
-            <a:solidFill>
-              <a:schemeClr val="tx1"/>
-            </a:solidFill>
-          </a:ln>
-        </p:spPr>
-        <p:style>
-          <a:lnRef idx="2">
-            <a:schemeClr val="accent1">
-              <a:shade val="50000"/>
-            </a:schemeClr>
-          </a:lnRef>
-          <a:fillRef idx="1">
-            <a:schemeClr val="accent1"/>
-          </a:fillRef>
-          <a:effectRef idx="0">
-            <a:schemeClr val="accent1"/>
-          </a:effectRef>
-          <a:fontRef idx="minor">
-            <a:schemeClr val="lt1"/>
-          </a:fontRef>
-        </p:style>
-        <p:txBody>
-          <a:bodyPr rtlCol="0" anchor="ctr"/>
-          <a:lstStyle/>
-          <a:p>
-            <a:pPr algn="ctr"/>
-            <a:endParaRPr lang="it-IT"/>
-          </a:p>
-        </p:txBody>
-      </p:sp>
       <p:cxnSp>
         <p:nvCxnSpPr>
-          <p:cNvPr id="15" name="Connettore 2 14"/>
+          <p:cNvPr id="155" name="Connettore 2 154"/>
           <p:cNvCxnSpPr>
-            <a:stCxn id="12" idx="5"/>
+            <a:stCxn id="16" idx="2"/>
+            <a:endCxn id="17" idx="0"/>
           </p:cNvCxnSpPr>
           <p:nvPr/>
         </p:nvCxnSpPr>
         <p:spPr>
-          <a:xfrm flipH="1" flipV="1">
-            <a:off x="5026966" y="2909763"/>
-            <a:ext cx="5448" cy="460369"/>
+          <a:xfrm>
+            <a:off x="3324359" y="4672186"/>
+            <a:ext cx="0" cy="305705"/>
           </a:xfrm>
           <a:prstGeom prst="straightConnector1">
             <a:avLst/>
@@ -9038,8 +8144,7 @@
             <a:solidFill>
               <a:schemeClr val="tx1"/>
             </a:solidFill>
-            <a:headEnd type="none" w="med" len="med"/>
-            <a:tailEnd type="arrow" w="med" len="med"/>
+            <a:tailEnd type="triangle"/>
           </a:ln>
         </p:spPr>
         <p:style>
@@ -9059,59 +8164,725 @@
       </p:cxnSp>
       <p:sp>
         <p:nvSpPr>
-          <p:cNvPr id="16" name="Rettangolo arrotondato 15"/>
-          <p:cNvSpPr/>
-          <p:nvPr/>
-        </p:nvSpPr>
-        <p:spPr>
-          <a:xfrm>
-            <a:off x="4218570" y="2438183"/>
-            <a:ext cx="1616791" cy="471580"/>
-          </a:xfrm>
-          <a:prstGeom prst="roundRect">
-            <a:avLst/>
-          </a:prstGeom>
-          <a:solidFill>
-            <a:schemeClr val="accent4">
-              <a:lumMod val="20000"/>
-              <a:lumOff val="80000"/>
-            </a:schemeClr>
-          </a:solidFill>
-          <a:ln>
+          <p:cNvPr id="30" name="CasellaDiTesto 29"/>
+          <p:cNvSpPr txBox="1"/>
+          <p:nvPr/>
+        </p:nvSpPr>
+        <p:spPr>
+          <a:xfrm>
+            <a:off x="1975911" y="3167783"/>
+            <a:ext cx="1348446" cy="307777"/>
+          </a:xfrm>
+          <a:prstGeom prst="rect">
+            <a:avLst/>
+          </a:prstGeom>
+          <a:noFill/>
+        </p:spPr>
+        <p:txBody>
+          <a:bodyPr wrap="none" rtlCol="0">
+            <a:spAutoFit/>
+          </a:bodyPr>
+          <a:lstStyle/>
+          <a:p>
+            <a:r>
+              <a:rPr lang="it-IT" sz="1400" dirty="0" smtClean="0">
+                <a:solidFill>
+                  <a:schemeClr val="accent1">
+                    <a:lumMod val="75000"/>
+                  </a:schemeClr>
+                </a:solidFill>
+                <a:latin typeface="Century Schoolbook" panose="02040604050505020304" pitchFamily="18" charset="0"/>
+              </a:rPr>
+              <a:t>SLOTNUM&gt;0</a:t>
+            </a:r>
+            <a:endParaRPr lang="it-IT" sz="1400" dirty="0">
+              <a:solidFill>
+                <a:schemeClr val="accent2">
+                  <a:lumMod val="75000"/>
+                </a:schemeClr>
+              </a:solidFill>
+              <a:latin typeface="Century Schoolbook" panose="02040604050505020304" pitchFamily="18" charset="0"/>
+            </a:endParaRPr>
+          </a:p>
+        </p:txBody>
+      </p:sp>
+      <p:sp>
+        <p:nvSpPr>
+          <p:cNvPr id="31" name="CasellaDiTesto 30"/>
+          <p:cNvSpPr txBox="1"/>
+          <p:nvPr/>
+        </p:nvSpPr>
+        <p:spPr>
+          <a:xfrm>
+            <a:off x="4148563" y="2646939"/>
+            <a:ext cx="1348446" cy="307777"/>
+          </a:xfrm>
+          <a:prstGeom prst="rect">
+            <a:avLst/>
+          </a:prstGeom>
+          <a:noFill/>
+        </p:spPr>
+        <p:txBody>
+          <a:bodyPr wrap="none" rtlCol="0">
+            <a:spAutoFit/>
+          </a:bodyPr>
+          <a:lstStyle/>
+          <a:p>
+            <a:r>
+              <a:rPr lang="it-IT" sz="1400" dirty="0" smtClean="0">
+                <a:solidFill>
+                  <a:schemeClr val="accent1">
+                    <a:lumMod val="75000"/>
+                  </a:schemeClr>
+                </a:solidFill>
+                <a:latin typeface="Century Schoolbook" panose="02040604050505020304" pitchFamily="18" charset="0"/>
+              </a:rPr>
+              <a:t>SLOTNUM=0</a:t>
+            </a:r>
+            <a:endParaRPr lang="it-IT" sz="1400" dirty="0">
+              <a:solidFill>
+                <a:schemeClr val="accent2">
+                  <a:lumMod val="75000"/>
+                </a:schemeClr>
+              </a:solidFill>
+              <a:latin typeface="Century Schoolbook" panose="02040604050505020304" pitchFamily="18" charset="0"/>
+            </a:endParaRPr>
+          </a:p>
+        </p:txBody>
+      </p:sp>
+      <p:sp>
+        <p:nvSpPr>
+          <p:cNvPr id="39" name="CasellaDiTesto 38"/>
+          <p:cNvSpPr txBox="1"/>
+          <p:nvPr/>
+        </p:nvSpPr>
+        <p:spPr>
+          <a:xfrm>
+            <a:off x="1552667" y="2216461"/>
+            <a:ext cx="1749197" cy="523220"/>
+          </a:xfrm>
+          <a:prstGeom prst="rect">
+            <a:avLst/>
+          </a:prstGeom>
+          <a:noFill/>
+        </p:spPr>
+        <p:txBody>
+          <a:bodyPr wrap="none" rtlCol="0">
+            <a:spAutoFit/>
+          </a:bodyPr>
+          <a:lstStyle/>
+          <a:p>
+            <a:r>
+              <a:rPr lang="it-IT" sz="1400" dirty="0" smtClean="0">
+                <a:solidFill>
+                  <a:schemeClr val="accent1">
+                    <a:lumMod val="75000"/>
+                  </a:schemeClr>
+                </a:solidFill>
+                <a:latin typeface="Century Schoolbook" panose="02040604050505020304" pitchFamily="18" charset="0"/>
+              </a:rPr>
+              <a:t>slot available</a:t>
+            </a:r>
+          </a:p>
+          <a:p>
+            <a:r>
+              <a:rPr lang="it-IT" sz="1400" dirty="0" smtClean="0">
+                <a:solidFill>
+                  <a:schemeClr val="accent1">
+                    <a:lumMod val="75000"/>
+                  </a:schemeClr>
+                </a:solidFill>
+                <a:latin typeface="Century Schoolbook" panose="02040604050505020304" pitchFamily="18" charset="0"/>
+              </a:rPr>
+              <a:t>INDOOR-area free</a:t>
+            </a:r>
+          </a:p>
+        </p:txBody>
+      </p:sp>
+      <p:sp>
+        <p:nvSpPr>
+          <p:cNvPr id="40" name="CasellaDiTesto 39"/>
+          <p:cNvSpPr txBox="1"/>
+          <p:nvPr/>
+        </p:nvSpPr>
+        <p:spPr>
+          <a:xfrm>
+            <a:off x="6162958" y="1444730"/>
+            <a:ext cx="2345514" cy="307777"/>
+          </a:xfrm>
+          <a:prstGeom prst="rect">
+            <a:avLst/>
+          </a:prstGeom>
+          <a:noFill/>
+        </p:spPr>
+        <p:txBody>
+          <a:bodyPr wrap="none" rtlCol="0">
+            <a:spAutoFit/>
+          </a:bodyPr>
+          <a:lstStyle/>
+          <a:p>
+            <a:r>
+              <a:rPr lang="it-IT" sz="1400" dirty="0" smtClean="0">
+                <a:solidFill>
+                  <a:schemeClr val="accent1">
+                    <a:lumMod val="75000"/>
+                  </a:schemeClr>
+                </a:solidFill>
+                <a:latin typeface="Century Schoolbook" panose="02040604050505020304" pitchFamily="18" charset="0"/>
+              </a:rPr>
+              <a:t>exit request w/ TOKENID</a:t>
+            </a:r>
+          </a:p>
+        </p:txBody>
+      </p:sp>
+      <p:sp>
+        <p:nvSpPr>
+          <p:cNvPr id="84" name="CasellaDiTesto 83"/>
+          <p:cNvSpPr txBox="1"/>
+          <p:nvPr/>
+        </p:nvSpPr>
+        <p:spPr>
+          <a:xfrm>
+            <a:off x="2231240" y="3930805"/>
+            <a:ext cx="1072730" cy="307777"/>
+          </a:xfrm>
+          <a:prstGeom prst="rect">
+            <a:avLst/>
+          </a:prstGeom>
+          <a:noFill/>
+        </p:spPr>
+        <p:txBody>
+          <a:bodyPr wrap="none" rtlCol="0">
+            <a:spAutoFit/>
+          </a:bodyPr>
+          <a:lstStyle/>
+          <a:p>
+            <a:r>
+              <a:rPr lang="it-IT" sz="1400" dirty="0" smtClean="0">
+                <a:solidFill>
+                  <a:schemeClr val="accent1">
+                    <a:lumMod val="75000"/>
+                  </a:schemeClr>
+                </a:solidFill>
+                <a:latin typeface="Century Schoolbook" panose="02040604050505020304" pitchFamily="18" charset="0"/>
+              </a:rPr>
+              <a:t>when done</a:t>
+            </a:r>
+            <a:endParaRPr lang="it-IT" sz="1400" dirty="0">
+              <a:solidFill>
+                <a:schemeClr val="accent2">
+                  <a:lumMod val="75000"/>
+                </a:schemeClr>
+              </a:solidFill>
+              <a:latin typeface="Century Schoolbook" panose="02040604050505020304" pitchFamily="18" charset="0"/>
+            </a:endParaRPr>
+          </a:p>
+        </p:txBody>
+      </p:sp>
+      <p:sp>
+        <p:nvSpPr>
+          <p:cNvPr id="86" name="CasellaDiTesto 85"/>
+          <p:cNvSpPr txBox="1"/>
+          <p:nvPr/>
+        </p:nvSpPr>
+        <p:spPr>
+          <a:xfrm>
+            <a:off x="2231240" y="4665359"/>
+            <a:ext cx="1072730" cy="307777"/>
+          </a:xfrm>
+          <a:prstGeom prst="rect">
+            <a:avLst/>
+          </a:prstGeom>
+          <a:noFill/>
+        </p:spPr>
+        <p:txBody>
+          <a:bodyPr wrap="none" rtlCol="0">
+            <a:spAutoFit/>
+          </a:bodyPr>
+          <a:lstStyle/>
+          <a:p>
+            <a:r>
+              <a:rPr lang="it-IT" sz="1400" dirty="0" smtClean="0">
+                <a:solidFill>
+                  <a:schemeClr val="accent1">
+                    <a:lumMod val="75000"/>
+                  </a:schemeClr>
+                </a:solidFill>
+                <a:latin typeface="Century Schoolbook" panose="02040604050505020304" pitchFamily="18" charset="0"/>
+              </a:rPr>
+              <a:t>when done</a:t>
+            </a:r>
+            <a:endParaRPr lang="it-IT" sz="1400" dirty="0">
+              <a:solidFill>
+                <a:schemeClr val="accent2">
+                  <a:lumMod val="75000"/>
+                </a:schemeClr>
+              </a:solidFill>
+              <a:latin typeface="Century Schoolbook" panose="02040604050505020304" pitchFamily="18" charset="0"/>
+            </a:endParaRPr>
+          </a:p>
+        </p:txBody>
+      </p:sp>
+      <p:sp>
+        <p:nvSpPr>
+          <p:cNvPr id="87" name="CasellaDiTesto 86"/>
+          <p:cNvSpPr txBox="1"/>
+          <p:nvPr/>
+        </p:nvSpPr>
+        <p:spPr>
+          <a:xfrm>
+            <a:off x="4167608" y="4890329"/>
+            <a:ext cx="1072730" cy="307777"/>
+          </a:xfrm>
+          <a:prstGeom prst="rect">
+            <a:avLst/>
+          </a:prstGeom>
+          <a:noFill/>
+        </p:spPr>
+        <p:txBody>
+          <a:bodyPr wrap="none" rtlCol="0">
+            <a:spAutoFit/>
+          </a:bodyPr>
+          <a:lstStyle/>
+          <a:p>
+            <a:r>
+              <a:rPr lang="it-IT" sz="1400" dirty="0" smtClean="0">
+                <a:solidFill>
+                  <a:schemeClr val="accent1">
+                    <a:lumMod val="75000"/>
+                  </a:schemeClr>
+                </a:solidFill>
+                <a:latin typeface="Century Schoolbook" panose="02040604050505020304" pitchFamily="18" charset="0"/>
+              </a:rPr>
+              <a:t>when done</a:t>
+            </a:r>
+            <a:endParaRPr lang="it-IT" sz="1400" dirty="0">
+              <a:solidFill>
+                <a:schemeClr val="accent2">
+                  <a:lumMod val="75000"/>
+                </a:schemeClr>
+              </a:solidFill>
+              <a:latin typeface="Century Schoolbook" panose="02040604050505020304" pitchFamily="18" charset="0"/>
+            </a:endParaRPr>
+          </a:p>
+        </p:txBody>
+      </p:sp>
+      <p:sp>
+        <p:nvSpPr>
+          <p:cNvPr id="88" name="CasellaDiTesto 87"/>
+          <p:cNvSpPr txBox="1"/>
+          <p:nvPr/>
+        </p:nvSpPr>
+        <p:spPr>
+          <a:xfrm>
+            <a:off x="8618562" y="3180429"/>
+            <a:ext cx="268022" cy="307777"/>
+          </a:xfrm>
+          <a:prstGeom prst="rect">
+            <a:avLst/>
+          </a:prstGeom>
+          <a:noFill/>
+        </p:spPr>
+        <p:txBody>
+          <a:bodyPr wrap="none" rtlCol="0">
+            <a:spAutoFit/>
+          </a:bodyPr>
+          <a:lstStyle/>
+          <a:p>
+            <a:r>
+              <a:rPr lang="el-GR" sz="1400" dirty="0">
+                <a:solidFill>
+                  <a:schemeClr val="accent1">
+                    <a:lumMod val="75000"/>
+                  </a:schemeClr>
+                </a:solidFill>
+                <a:latin typeface="Century Schoolbook" panose="02040604050505020304" pitchFamily="18" charset="0"/>
+              </a:rPr>
+              <a:t>ε</a:t>
+            </a:r>
+            <a:endParaRPr lang="it-IT" sz="1400" dirty="0" smtClean="0">
+              <a:solidFill>
+                <a:schemeClr val="accent1">
+                  <a:lumMod val="75000"/>
+                </a:schemeClr>
+              </a:solidFill>
+              <a:latin typeface="Century Schoolbook" panose="02040604050505020304" pitchFamily="18" charset="0"/>
+            </a:endParaRPr>
+          </a:p>
+        </p:txBody>
+      </p:sp>
+      <p:sp>
+        <p:nvSpPr>
+          <p:cNvPr id="95" name="CasellaDiTesto 94"/>
+          <p:cNvSpPr txBox="1"/>
+          <p:nvPr/>
+        </p:nvSpPr>
+        <p:spPr>
+          <a:xfrm>
+            <a:off x="8618562" y="3930804"/>
+            <a:ext cx="1072730" cy="307777"/>
+          </a:xfrm>
+          <a:prstGeom prst="rect">
+            <a:avLst/>
+          </a:prstGeom>
+          <a:noFill/>
+        </p:spPr>
+        <p:txBody>
+          <a:bodyPr wrap="none" rtlCol="0">
+            <a:spAutoFit/>
+          </a:bodyPr>
+          <a:lstStyle/>
+          <a:p>
+            <a:r>
+              <a:rPr lang="it-IT" sz="1400" dirty="0" smtClean="0">
+                <a:solidFill>
+                  <a:schemeClr val="accent1">
+                    <a:lumMod val="75000"/>
+                  </a:schemeClr>
+                </a:solidFill>
+                <a:latin typeface="Century Schoolbook" panose="02040604050505020304" pitchFamily="18" charset="0"/>
+              </a:rPr>
+              <a:t>when done</a:t>
+            </a:r>
+            <a:endParaRPr lang="it-IT" sz="1400" dirty="0">
+              <a:solidFill>
+                <a:schemeClr val="accent2">
+                  <a:lumMod val="75000"/>
+                </a:schemeClr>
+              </a:solidFill>
+              <a:latin typeface="Century Schoolbook" panose="02040604050505020304" pitchFamily="18" charset="0"/>
+            </a:endParaRPr>
+          </a:p>
+        </p:txBody>
+      </p:sp>
+      <p:sp>
+        <p:nvSpPr>
+          <p:cNvPr id="96" name="CasellaDiTesto 95"/>
+          <p:cNvSpPr txBox="1"/>
+          <p:nvPr/>
+        </p:nvSpPr>
+        <p:spPr>
+          <a:xfrm>
+            <a:off x="6696974" y="4146183"/>
+            <a:ext cx="1072730" cy="307777"/>
+          </a:xfrm>
+          <a:prstGeom prst="rect">
+            <a:avLst/>
+          </a:prstGeom>
+          <a:noFill/>
+        </p:spPr>
+        <p:txBody>
+          <a:bodyPr wrap="none" rtlCol="0">
+            <a:spAutoFit/>
+          </a:bodyPr>
+          <a:lstStyle/>
+          <a:p>
+            <a:r>
+              <a:rPr lang="it-IT" sz="1400" dirty="0" smtClean="0">
+                <a:solidFill>
+                  <a:schemeClr val="accent1">
+                    <a:lumMod val="75000"/>
+                  </a:schemeClr>
+                </a:solidFill>
+                <a:latin typeface="Century Schoolbook" panose="02040604050505020304" pitchFamily="18" charset="0"/>
+              </a:rPr>
+              <a:t>when done</a:t>
+            </a:r>
+            <a:endParaRPr lang="it-IT" sz="1400" dirty="0">
+              <a:solidFill>
+                <a:schemeClr val="accent2">
+                  <a:lumMod val="75000"/>
+                </a:schemeClr>
+              </a:solidFill>
+              <a:latin typeface="Century Schoolbook" panose="02040604050505020304" pitchFamily="18" charset="0"/>
+            </a:endParaRPr>
+          </a:p>
+        </p:txBody>
+      </p:sp>
+      <p:sp>
+        <p:nvSpPr>
+          <p:cNvPr id="54" name="CasellaDiTesto 53"/>
+          <p:cNvSpPr txBox="1"/>
+          <p:nvPr/>
+        </p:nvSpPr>
+        <p:spPr>
+          <a:xfrm>
+            <a:off x="3989620" y="1439678"/>
+            <a:ext cx="1295547" cy="307777"/>
+          </a:xfrm>
+          <a:prstGeom prst="rect">
+            <a:avLst/>
+          </a:prstGeom>
+          <a:noFill/>
+        </p:spPr>
+        <p:txBody>
+          <a:bodyPr wrap="none" rtlCol="0">
+            <a:spAutoFit/>
+          </a:bodyPr>
+          <a:lstStyle/>
+          <a:p>
+            <a:r>
+              <a:rPr lang="it-IT" sz="1400" dirty="0" smtClean="0">
+                <a:solidFill>
+                  <a:schemeClr val="accent1">
+                    <a:lumMod val="75000"/>
+                  </a:schemeClr>
+                </a:solidFill>
+                <a:latin typeface="Century Schoolbook" panose="02040604050505020304" pitchFamily="18" charset="0"/>
+              </a:rPr>
+              <a:t>enter request</a:t>
+            </a:r>
+          </a:p>
+        </p:txBody>
+      </p:sp>
+      <p:sp>
+        <p:nvSpPr>
+          <p:cNvPr id="55" name="CasellaDiTesto 54"/>
+          <p:cNvSpPr txBox="1"/>
+          <p:nvPr/>
+        </p:nvSpPr>
+        <p:spPr>
+          <a:xfrm>
+            <a:off x="8618562" y="2324545"/>
+            <a:ext cx="1935145" cy="307777"/>
+          </a:xfrm>
+          <a:prstGeom prst="rect">
+            <a:avLst/>
+          </a:prstGeom>
+          <a:noFill/>
+        </p:spPr>
+        <p:txBody>
+          <a:bodyPr wrap="none" rtlCol="0">
+            <a:spAutoFit/>
+          </a:bodyPr>
+          <a:lstStyle/>
+          <a:p>
+            <a:r>
+              <a:rPr lang="it-IT" sz="1400" dirty="0" smtClean="0">
+                <a:solidFill>
+                  <a:schemeClr val="accent1">
+                    <a:lumMod val="75000"/>
+                  </a:schemeClr>
+                </a:solidFill>
+                <a:latin typeface="Century Schoolbook" panose="02040604050505020304" pitchFamily="18" charset="0"/>
+              </a:rPr>
+              <a:t>OUTDOOR-area free</a:t>
+            </a:r>
+          </a:p>
+        </p:txBody>
+      </p:sp>
+      <p:cxnSp>
+        <p:nvCxnSpPr>
+          <p:cNvPr id="68" name="Connettore 2 67"/>
+          <p:cNvCxnSpPr/>
+          <p:nvPr/>
+        </p:nvCxnSpPr>
+        <p:spPr>
+          <a:xfrm flipH="1">
+            <a:off x="4150669" y="1859288"/>
+            <a:ext cx="984286" cy="8965"/>
+          </a:xfrm>
+          <a:prstGeom prst="straightConnector1">
+            <a:avLst/>
+          </a:prstGeom>
+          <a:ln w="19050">
             <a:solidFill>
               <a:schemeClr val="tx1"/>
             </a:solidFill>
+            <a:tailEnd type="triangle"/>
           </a:ln>
         </p:spPr>
         <p:style>
-          <a:lnRef idx="2">
-            <a:schemeClr val="accent1">
-              <a:shade val="50000"/>
-            </a:schemeClr>
+          <a:lnRef idx="1">
+            <a:schemeClr val="accent1"/>
           </a:lnRef>
-          <a:fillRef idx="1">
+          <a:fillRef idx="0">
             <a:schemeClr val="accent1"/>
           </a:fillRef>
           <a:effectRef idx="0">
             <a:schemeClr val="accent1"/>
           </a:effectRef>
           <a:fontRef idx="minor">
-            <a:schemeClr val="lt1"/>
+            <a:schemeClr val="tx1"/>
           </a:fontRef>
         </p:style>
-        <p:txBody>
-          <a:bodyPr rtlCol="0" anchor="ctr"/>
-          <a:lstStyle/>
-          <a:p>
-            <a:pPr algn="ctr"/>
-            <a:r>
-              <a:rPr lang="it-IT" sz="1400" dirty="0">
-                <a:solidFill>
-                  <a:schemeClr val="tx1"/>
+      </p:cxnSp>
+      <p:cxnSp>
+        <p:nvCxnSpPr>
+          <p:cNvPr id="72" name="Connettore 2 71"/>
+          <p:cNvCxnSpPr/>
+          <p:nvPr/>
+        </p:nvCxnSpPr>
+        <p:spPr>
+          <a:xfrm flipV="1">
+            <a:off x="4150669" y="2113298"/>
+            <a:ext cx="984286" cy="8965"/>
+          </a:xfrm>
+          <a:prstGeom prst="straightConnector1">
+            <a:avLst/>
+          </a:prstGeom>
+          <a:ln w="19050">
+            <a:solidFill>
+              <a:schemeClr val="tx1"/>
+            </a:solidFill>
+            <a:tailEnd type="triangle"/>
+          </a:ln>
+        </p:spPr>
+        <p:style>
+          <a:lnRef idx="1">
+            <a:schemeClr val="accent1"/>
+          </a:lnRef>
+          <a:fillRef idx="0">
+            <a:schemeClr val="accent1"/>
+          </a:fillRef>
+          <a:effectRef idx="0">
+            <a:schemeClr val="accent1"/>
+          </a:effectRef>
+          <a:fontRef idx="minor">
+            <a:schemeClr val="tx1"/>
+          </a:fontRef>
+        </p:style>
+      </p:cxnSp>
+      <p:sp>
+        <p:nvSpPr>
+          <p:cNvPr id="76" name="CasellaDiTesto 75"/>
+          <p:cNvSpPr txBox="1"/>
+          <p:nvPr/>
+        </p:nvSpPr>
+        <p:spPr>
+          <a:xfrm>
+            <a:off x="4133730" y="2094686"/>
+            <a:ext cx="503664" cy="307777"/>
+          </a:xfrm>
+          <a:prstGeom prst="rect">
+            <a:avLst/>
+          </a:prstGeom>
+          <a:noFill/>
+        </p:spPr>
+        <p:txBody>
+          <a:bodyPr wrap="none" rtlCol="0">
+            <a:spAutoFit/>
+          </a:bodyPr>
+          <a:lstStyle/>
+          <a:p>
+            <a:r>
+              <a:rPr lang="it-IT" sz="1400" dirty="0" smtClean="0">
+                <a:solidFill>
+                  <a:schemeClr val="accent1">
+                    <a:lumMod val="75000"/>
+                  </a:schemeClr>
                 </a:solidFill>
                 <a:latin typeface="Century Schoolbook" panose="02040604050505020304" pitchFamily="18" charset="0"/>
               </a:rPr>
-              <a:t>Presence Sonar</a:t>
+              <a:t>else</a:t>
+            </a:r>
+          </a:p>
+        </p:txBody>
+      </p:sp>
+      <p:cxnSp>
+        <p:nvCxnSpPr>
+          <p:cNvPr id="77" name="Connettore 2 76"/>
+          <p:cNvCxnSpPr/>
+          <p:nvPr/>
+        </p:nvCxnSpPr>
+        <p:spPr>
+          <a:xfrm flipH="1" flipV="1">
+            <a:off x="6787576" y="2113298"/>
+            <a:ext cx="984289" cy="8965"/>
+          </a:xfrm>
+          <a:prstGeom prst="straightConnector1">
+            <a:avLst/>
+          </a:prstGeom>
+          <a:ln w="19050">
+            <a:solidFill>
+              <a:schemeClr val="tx1"/>
+            </a:solidFill>
+            <a:tailEnd type="triangle"/>
+          </a:ln>
+        </p:spPr>
+        <p:style>
+          <a:lnRef idx="1">
+            <a:schemeClr val="accent1"/>
+          </a:lnRef>
+          <a:fillRef idx="0">
+            <a:schemeClr val="accent1"/>
+          </a:fillRef>
+          <a:effectRef idx="0">
+            <a:schemeClr val="accent1"/>
+          </a:effectRef>
+          <a:fontRef idx="minor">
+            <a:schemeClr val="tx1"/>
+          </a:fontRef>
+        </p:style>
+      </p:cxnSp>
+      <p:cxnSp>
+        <p:nvCxnSpPr>
+          <p:cNvPr id="81" name="Connettore 2 80"/>
+          <p:cNvCxnSpPr/>
+          <p:nvPr/>
+        </p:nvCxnSpPr>
+        <p:spPr>
+          <a:xfrm>
+            <a:off x="6787576" y="1859288"/>
+            <a:ext cx="984289" cy="8965"/>
+          </a:xfrm>
+          <a:prstGeom prst="straightConnector1">
+            <a:avLst/>
+          </a:prstGeom>
+          <a:ln w="19050">
+            <a:solidFill>
+              <a:schemeClr val="tx1"/>
+            </a:solidFill>
+            <a:tailEnd type="triangle"/>
+          </a:ln>
+        </p:spPr>
+        <p:style>
+          <a:lnRef idx="1">
+            <a:schemeClr val="accent1"/>
+          </a:lnRef>
+          <a:fillRef idx="0">
+            <a:schemeClr val="accent1"/>
+          </a:fillRef>
+          <a:effectRef idx="0">
+            <a:schemeClr val="accent1"/>
+          </a:effectRef>
+          <a:fontRef idx="minor">
+            <a:schemeClr val="tx1"/>
+          </a:fontRef>
+        </p:style>
+      </p:cxnSp>
+      <p:sp>
+        <p:nvSpPr>
+          <p:cNvPr id="85" name="CasellaDiTesto 84"/>
+          <p:cNvSpPr txBox="1"/>
+          <p:nvPr/>
+        </p:nvSpPr>
+        <p:spPr>
+          <a:xfrm>
+            <a:off x="7266040" y="2111831"/>
+            <a:ext cx="503664" cy="307777"/>
+          </a:xfrm>
+          <a:prstGeom prst="rect">
+            <a:avLst/>
+          </a:prstGeom>
+          <a:noFill/>
+        </p:spPr>
+        <p:txBody>
+          <a:bodyPr wrap="none" rtlCol="0">
+            <a:spAutoFit/>
+          </a:bodyPr>
+          <a:lstStyle/>
+          <a:p>
+            <a:r>
+              <a:rPr lang="it-IT" sz="1400" dirty="0" smtClean="0">
+                <a:solidFill>
+                  <a:schemeClr val="accent1">
+                    <a:lumMod val="75000"/>
+                  </a:schemeClr>
+                </a:solidFill>
+                <a:latin typeface="Century Schoolbook" panose="02040604050505020304" pitchFamily="18" charset="0"/>
+              </a:rPr>
+              <a:t>else</a:t>
             </a:r>
           </a:p>
         </p:txBody>
@@ -9119,7 +8890,7 @@
     </p:spTree>
     <p:extLst>
       <p:ext uri="{BB962C8B-B14F-4D97-AF65-F5344CB8AC3E}">
-        <p14:creationId xmlns:p14="http://schemas.microsoft.com/office/powerpoint/2010/main" val="721290290"/>
+        <p14:creationId xmlns:p14="http://schemas.microsoft.com/office/powerpoint/2010/main" val="224713641"/>
       </p:ext>
     </p:extLst>
   </p:cSld>

--- a/FinalTask/userDocs/img/final_task_schema.pptx
+++ b/FinalTask/userDocs/img/final_task_schema.pptx
@@ -158,10 +158,9 @@
           </a:lstStyle>
           <a:p>
             <a:r>
-              <a:rPr lang="it-IT" smtClean="0"/>
+              <a:rPr lang="it-IT"/>
               <a:t>Fare clic per modificare lo stile del titolo</a:t>
             </a:r>
-            <a:endParaRPr lang="it-IT"/>
           </a:p>
         </p:txBody>
       </p:sp>
@@ -223,10 +222,9 @@
           </a:lstStyle>
           <a:p>
             <a:r>
-              <a:rPr lang="it-IT" smtClean="0"/>
+              <a:rPr lang="it-IT"/>
               <a:t>Fare clic per modificare lo stile del sottotitolo dello schema</a:t>
             </a:r>
-            <a:endParaRPr lang="it-IT"/>
           </a:p>
         </p:txBody>
       </p:sp>
@@ -341,10 +339,9 @@
           <a:lstStyle/>
           <a:p>
             <a:r>
-              <a:rPr lang="it-IT" smtClean="0"/>
+              <a:rPr lang="it-IT"/>
               <a:t>Fare clic per modificare lo stile del titolo</a:t>
             </a:r>
-            <a:endParaRPr lang="it-IT"/>
           </a:p>
         </p:txBody>
       </p:sp>
@@ -365,38 +362,37 @@
           <a:p>
             <a:pPr lvl="0"/>
             <a:r>
-              <a:rPr lang="it-IT" smtClean="0"/>
+              <a:rPr lang="it-IT"/>
               <a:t>Modifica gli stili del testo dello schema</a:t>
             </a:r>
           </a:p>
           <a:p>
             <a:pPr lvl="1"/>
             <a:r>
-              <a:rPr lang="it-IT" smtClean="0"/>
+              <a:rPr lang="it-IT"/>
               <a:t>Secondo livello</a:t>
             </a:r>
           </a:p>
           <a:p>
             <a:pPr lvl="2"/>
             <a:r>
-              <a:rPr lang="it-IT" smtClean="0"/>
+              <a:rPr lang="it-IT"/>
               <a:t>Terzo livello</a:t>
             </a:r>
           </a:p>
           <a:p>
             <a:pPr lvl="3"/>
             <a:r>
-              <a:rPr lang="it-IT" smtClean="0"/>
+              <a:rPr lang="it-IT"/>
               <a:t>Quarto livello</a:t>
             </a:r>
           </a:p>
           <a:p>
             <a:pPr lvl="4"/>
             <a:r>
-              <a:rPr lang="it-IT" smtClean="0"/>
+              <a:rPr lang="it-IT"/>
               <a:t>Quinto livello</a:t>
             </a:r>
-            <a:endParaRPr lang="it-IT"/>
           </a:p>
         </p:txBody>
       </p:sp>
@@ -516,10 +512,9 @@
           <a:lstStyle/>
           <a:p>
             <a:r>
-              <a:rPr lang="it-IT" smtClean="0"/>
+              <a:rPr lang="it-IT"/>
               <a:t>Fare clic per modificare lo stile del titolo</a:t>
             </a:r>
-            <a:endParaRPr lang="it-IT"/>
           </a:p>
         </p:txBody>
       </p:sp>
@@ -545,38 +540,37 @@
           <a:p>
             <a:pPr lvl="0"/>
             <a:r>
-              <a:rPr lang="it-IT" smtClean="0"/>
+              <a:rPr lang="it-IT"/>
               <a:t>Modifica gli stili del testo dello schema</a:t>
             </a:r>
           </a:p>
           <a:p>
             <a:pPr lvl="1"/>
             <a:r>
-              <a:rPr lang="it-IT" smtClean="0"/>
+              <a:rPr lang="it-IT"/>
               <a:t>Secondo livello</a:t>
             </a:r>
           </a:p>
           <a:p>
             <a:pPr lvl="2"/>
             <a:r>
-              <a:rPr lang="it-IT" smtClean="0"/>
+              <a:rPr lang="it-IT"/>
               <a:t>Terzo livello</a:t>
             </a:r>
           </a:p>
           <a:p>
             <a:pPr lvl="3"/>
             <a:r>
-              <a:rPr lang="it-IT" smtClean="0"/>
+              <a:rPr lang="it-IT"/>
               <a:t>Quarto livello</a:t>
             </a:r>
           </a:p>
           <a:p>
             <a:pPr lvl="4"/>
             <a:r>
-              <a:rPr lang="it-IT" smtClean="0"/>
+              <a:rPr lang="it-IT"/>
               <a:t>Quinto livello</a:t>
             </a:r>
-            <a:endParaRPr lang="it-IT"/>
           </a:p>
         </p:txBody>
       </p:sp>
@@ -691,10 +685,9 @@
           <a:lstStyle/>
           <a:p>
             <a:r>
-              <a:rPr lang="it-IT" smtClean="0"/>
+              <a:rPr lang="it-IT"/>
               <a:t>Fare clic per modificare lo stile del titolo</a:t>
             </a:r>
-            <a:endParaRPr lang="it-IT"/>
           </a:p>
         </p:txBody>
       </p:sp>
@@ -715,38 +708,37 @@
           <a:p>
             <a:pPr lvl="0"/>
             <a:r>
-              <a:rPr lang="it-IT" smtClean="0"/>
+              <a:rPr lang="it-IT"/>
               <a:t>Modifica gli stili del testo dello schema</a:t>
             </a:r>
           </a:p>
           <a:p>
             <a:pPr lvl="1"/>
             <a:r>
-              <a:rPr lang="it-IT" smtClean="0"/>
+              <a:rPr lang="it-IT"/>
               <a:t>Secondo livello</a:t>
             </a:r>
           </a:p>
           <a:p>
             <a:pPr lvl="2"/>
             <a:r>
-              <a:rPr lang="it-IT" smtClean="0"/>
+              <a:rPr lang="it-IT"/>
               <a:t>Terzo livello</a:t>
             </a:r>
           </a:p>
           <a:p>
             <a:pPr lvl="3"/>
             <a:r>
-              <a:rPr lang="it-IT" smtClean="0"/>
+              <a:rPr lang="it-IT"/>
               <a:t>Quarto livello</a:t>
             </a:r>
           </a:p>
           <a:p>
             <a:pPr lvl="4"/>
             <a:r>
-              <a:rPr lang="it-IT" smtClean="0"/>
+              <a:rPr lang="it-IT"/>
               <a:t>Quinto livello</a:t>
             </a:r>
-            <a:endParaRPr lang="it-IT"/>
           </a:p>
         </p:txBody>
       </p:sp>
@@ -870,10 +862,9 @@
           </a:lstStyle>
           <a:p>
             <a:r>
-              <a:rPr lang="it-IT" smtClean="0"/>
+              <a:rPr lang="it-IT"/>
               <a:t>Fare clic per modificare lo stile del titolo</a:t>
             </a:r>
-            <a:endParaRPr lang="it-IT"/>
           </a:p>
         </p:txBody>
       </p:sp>
@@ -990,7 +981,7 @@
           <a:p>
             <a:pPr lvl="0"/>
             <a:r>
-              <a:rPr lang="it-IT" smtClean="0"/>
+              <a:rPr lang="it-IT"/>
               <a:t>Modifica gli stili del testo dello schema</a:t>
             </a:r>
           </a:p>
@@ -1107,10 +1098,9 @@
           <a:lstStyle/>
           <a:p>
             <a:r>
-              <a:rPr lang="it-IT" smtClean="0"/>
+              <a:rPr lang="it-IT"/>
               <a:t>Fare clic per modificare lo stile del titolo</a:t>
             </a:r>
-            <a:endParaRPr lang="it-IT"/>
           </a:p>
         </p:txBody>
       </p:sp>
@@ -1136,38 +1126,37 @@
           <a:p>
             <a:pPr lvl="0"/>
             <a:r>
-              <a:rPr lang="it-IT" smtClean="0"/>
+              <a:rPr lang="it-IT"/>
               <a:t>Modifica gli stili del testo dello schema</a:t>
             </a:r>
           </a:p>
           <a:p>
             <a:pPr lvl="1"/>
             <a:r>
-              <a:rPr lang="it-IT" smtClean="0"/>
+              <a:rPr lang="it-IT"/>
               <a:t>Secondo livello</a:t>
             </a:r>
           </a:p>
           <a:p>
             <a:pPr lvl="2"/>
             <a:r>
-              <a:rPr lang="it-IT" smtClean="0"/>
+              <a:rPr lang="it-IT"/>
               <a:t>Terzo livello</a:t>
             </a:r>
           </a:p>
           <a:p>
             <a:pPr lvl="3"/>
             <a:r>
-              <a:rPr lang="it-IT" smtClean="0"/>
+              <a:rPr lang="it-IT"/>
               <a:t>Quarto livello</a:t>
             </a:r>
           </a:p>
           <a:p>
             <a:pPr lvl="4"/>
             <a:r>
-              <a:rPr lang="it-IT" smtClean="0"/>
+              <a:rPr lang="it-IT"/>
               <a:t>Quinto livello</a:t>
             </a:r>
-            <a:endParaRPr lang="it-IT"/>
           </a:p>
         </p:txBody>
       </p:sp>
@@ -1193,38 +1182,37 @@
           <a:p>
             <a:pPr lvl="0"/>
             <a:r>
-              <a:rPr lang="it-IT" smtClean="0"/>
+              <a:rPr lang="it-IT"/>
               <a:t>Modifica gli stili del testo dello schema</a:t>
             </a:r>
           </a:p>
           <a:p>
             <a:pPr lvl="1"/>
             <a:r>
-              <a:rPr lang="it-IT" smtClean="0"/>
+              <a:rPr lang="it-IT"/>
               <a:t>Secondo livello</a:t>
             </a:r>
           </a:p>
           <a:p>
             <a:pPr lvl="2"/>
             <a:r>
-              <a:rPr lang="it-IT" smtClean="0"/>
+              <a:rPr lang="it-IT"/>
               <a:t>Terzo livello</a:t>
             </a:r>
           </a:p>
           <a:p>
             <a:pPr lvl="3"/>
             <a:r>
-              <a:rPr lang="it-IT" smtClean="0"/>
+              <a:rPr lang="it-IT"/>
               <a:t>Quarto livello</a:t>
             </a:r>
           </a:p>
           <a:p>
             <a:pPr lvl="4"/>
             <a:r>
-              <a:rPr lang="it-IT" smtClean="0"/>
+              <a:rPr lang="it-IT"/>
               <a:t>Quinto livello</a:t>
             </a:r>
-            <a:endParaRPr lang="it-IT"/>
           </a:p>
         </p:txBody>
       </p:sp>
@@ -1344,10 +1332,9 @@
           <a:lstStyle/>
           <a:p>
             <a:r>
-              <a:rPr lang="it-IT" smtClean="0"/>
+              <a:rPr lang="it-IT"/>
               <a:t>Fare clic per modificare lo stile del titolo</a:t>
             </a:r>
-            <a:endParaRPr lang="it-IT"/>
           </a:p>
         </p:txBody>
       </p:sp>
@@ -1410,7 +1397,7 @@
           <a:p>
             <a:pPr lvl="0"/>
             <a:r>
-              <a:rPr lang="it-IT" smtClean="0"/>
+              <a:rPr lang="it-IT"/>
               <a:t>Modifica gli stili del testo dello schema</a:t>
             </a:r>
           </a:p>
@@ -1438,38 +1425,37 @@
           <a:p>
             <a:pPr lvl="0"/>
             <a:r>
-              <a:rPr lang="it-IT" smtClean="0"/>
+              <a:rPr lang="it-IT"/>
               <a:t>Modifica gli stili del testo dello schema</a:t>
             </a:r>
           </a:p>
           <a:p>
             <a:pPr lvl="1"/>
             <a:r>
-              <a:rPr lang="it-IT" smtClean="0"/>
+              <a:rPr lang="it-IT"/>
               <a:t>Secondo livello</a:t>
             </a:r>
           </a:p>
           <a:p>
             <a:pPr lvl="2"/>
             <a:r>
-              <a:rPr lang="it-IT" smtClean="0"/>
+              <a:rPr lang="it-IT"/>
               <a:t>Terzo livello</a:t>
             </a:r>
           </a:p>
           <a:p>
             <a:pPr lvl="3"/>
             <a:r>
-              <a:rPr lang="it-IT" smtClean="0"/>
+              <a:rPr lang="it-IT"/>
               <a:t>Quarto livello</a:t>
             </a:r>
           </a:p>
           <a:p>
             <a:pPr lvl="4"/>
             <a:r>
-              <a:rPr lang="it-IT" smtClean="0"/>
+              <a:rPr lang="it-IT"/>
               <a:t>Quinto livello</a:t>
             </a:r>
-            <a:endParaRPr lang="it-IT"/>
           </a:p>
         </p:txBody>
       </p:sp>
@@ -1532,7 +1518,7 @@
           <a:p>
             <a:pPr lvl="0"/>
             <a:r>
-              <a:rPr lang="it-IT" smtClean="0"/>
+              <a:rPr lang="it-IT"/>
               <a:t>Modifica gli stili del testo dello schema</a:t>
             </a:r>
           </a:p>
@@ -1560,38 +1546,37 @@
           <a:p>
             <a:pPr lvl="0"/>
             <a:r>
-              <a:rPr lang="it-IT" smtClean="0"/>
+              <a:rPr lang="it-IT"/>
               <a:t>Modifica gli stili del testo dello schema</a:t>
             </a:r>
           </a:p>
           <a:p>
             <a:pPr lvl="1"/>
             <a:r>
-              <a:rPr lang="it-IT" smtClean="0"/>
+              <a:rPr lang="it-IT"/>
               <a:t>Secondo livello</a:t>
             </a:r>
           </a:p>
           <a:p>
             <a:pPr lvl="2"/>
             <a:r>
-              <a:rPr lang="it-IT" smtClean="0"/>
+              <a:rPr lang="it-IT"/>
               <a:t>Terzo livello</a:t>
             </a:r>
           </a:p>
           <a:p>
             <a:pPr lvl="3"/>
             <a:r>
-              <a:rPr lang="it-IT" smtClean="0"/>
+              <a:rPr lang="it-IT"/>
               <a:t>Quarto livello</a:t>
             </a:r>
           </a:p>
           <a:p>
             <a:pPr lvl="4"/>
             <a:r>
-              <a:rPr lang="it-IT" smtClean="0"/>
+              <a:rPr lang="it-IT"/>
               <a:t>Quinto livello</a:t>
             </a:r>
-            <a:endParaRPr lang="it-IT"/>
           </a:p>
         </p:txBody>
       </p:sp>
@@ -1706,10 +1691,9 @@
           <a:lstStyle/>
           <a:p>
             <a:r>
-              <a:rPr lang="it-IT" smtClean="0"/>
+              <a:rPr lang="it-IT"/>
               <a:t>Fare clic per modificare lo stile del titolo</a:t>
             </a:r>
-            <a:endParaRPr lang="it-IT"/>
           </a:p>
         </p:txBody>
       </p:sp>
@@ -1928,10 +1912,9 @@
           </a:lstStyle>
           <a:p>
             <a:r>
-              <a:rPr lang="it-IT" smtClean="0"/>
+              <a:rPr lang="it-IT"/>
               <a:t>Fare clic per modificare lo stile del titolo</a:t>
             </a:r>
-            <a:endParaRPr lang="it-IT"/>
           </a:p>
         </p:txBody>
       </p:sp>
@@ -1985,38 +1968,37 @@
           <a:p>
             <a:pPr lvl="0"/>
             <a:r>
-              <a:rPr lang="it-IT" smtClean="0"/>
+              <a:rPr lang="it-IT"/>
               <a:t>Modifica gli stili del testo dello schema</a:t>
             </a:r>
           </a:p>
           <a:p>
             <a:pPr lvl="1"/>
             <a:r>
-              <a:rPr lang="it-IT" smtClean="0"/>
+              <a:rPr lang="it-IT"/>
               <a:t>Secondo livello</a:t>
             </a:r>
           </a:p>
           <a:p>
             <a:pPr lvl="2"/>
             <a:r>
-              <a:rPr lang="it-IT" smtClean="0"/>
+              <a:rPr lang="it-IT"/>
               <a:t>Terzo livello</a:t>
             </a:r>
           </a:p>
           <a:p>
             <a:pPr lvl="3"/>
             <a:r>
-              <a:rPr lang="it-IT" smtClean="0"/>
+              <a:rPr lang="it-IT"/>
               <a:t>Quarto livello</a:t>
             </a:r>
           </a:p>
           <a:p>
             <a:pPr lvl="4"/>
             <a:r>
-              <a:rPr lang="it-IT" smtClean="0"/>
+              <a:rPr lang="it-IT"/>
               <a:t>Quinto livello</a:t>
             </a:r>
-            <a:endParaRPr lang="it-IT"/>
           </a:p>
         </p:txBody>
       </p:sp>
@@ -2079,7 +2061,7 @@
           <a:p>
             <a:pPr lvl="0"/>
             <a:r>
-              <a:rPr lang="it-IT" smtClean="0"/>
+              <a:rPr lang="it-IT"/>
               <a:t>Modifica gli stili del testo dello schema</a:t>
             </a:r>
           </a:p>
@@ -2205,10 +2187,9 @@
           </a:lstStyle>
           <a:p>
             <a:r>
-              <a:rPr lang="it-IT" smtClean="0"/>
+              <a:rPr lang="it-IT"/>
               <a:t>Fare clic per modificare lo stile del titolo</a:t>
             </a:r>
-            <a:endParaRPr lang="it-IT"/>
           </a:p>
         </p:txBody>
       </p:sp>
@@ -2332,7 +2313,7 @@
           <a:p>
             <a:pPr lvl="0"/>
             <a:r>
-              <a:rPr lang="it-IT" smtClean="0"/>
+              <a:rPr lang="it-IT"/>
               <a:t>Modifica gli stili del testo dello schema</a:t>
             </a:r>
           </a:p>
@@ -2464,10 +2445,9 @@
           <a:lstStyle/>
           <a:p>
             <a:r>
-              <a:rPr lang="it-IT" smtClean="0"/>
+              <a:rPr lang="it-IT"/>
               <a:t>Fare clic per modificare lo stile del titolo</a:t>
             </a:r>
-            <a:endParaRPr lang="it-IT"/>
           </a:p>
         </p:txBody>
       </p:sp>
@@ -2498,38 +2478,37 @@
           <a:p>
             <a:pPr lvl="0"/>
             <a:r>
-              <a:rPr lang="it-IT" smtClean="0"/>
+              <a:rPr lang="it-IT"/>
               <a:t>Modifica gli stili del testo dello schema</a:t>
             </a:r>
           </a:p>
           <a:p>
             <a:pPr lvl="1"/>
             <a:r>
-              <a:rPr lang="it-IT" smtClean="0"/>
+              <a:rPr lang="it-IT"/>
               <a:t>Secondo livello</a:t>
             </a:r>
           </a:p>
           <a:p>
             <a:pPr lvl="2"/>
             <a:r>
-              <a:rPr lang="it-IT" smtClean="0"/>
+              <a:rPr lang="it-IT"/>
               <a:t>Terzo livello</a:t>
             </a:r>
           </a:p>
           <a:p>
             <a:pPr lvl="3"/>
             <a:r>
-              <a:rPr lang="it-IT" smtClean="0"/>
+              <a:rPr lang="it-IT"/>
               <a:t>Quarto livello</a:t>
             </a:r>
           </a:p>
           <a:p>
             <a:pPr lvl="4"/>
             <a:r>
-              <a:rPr lang="it-IT" smtClean="0"/>
+              <a:rPr lang="it-IT"/>
               <a:t>Quinto livello</a:t>
             </a:r>
-            <a:endParaRPr lang="it-IT"/>
           </a:p>
         </p:txBody>
       </p:sp>
@@ -3021,7 +3000,7 @@
           <a:p>
             <a:pPr algn="ctr"/>
             <a:r>
-              <a:rPr lang="it-IT" sz="1400" dirty="0" smtClean="0">
+              <a:rPr lang="it-IT" sz="1400" dirty="0">
                 <a:solidFill>
                   <a:schemeClr val="tx1"/>
                 </a:solidFill>
@@ -3033,7 +3012,7 @@
           <a:p>
             <a:pPr algn="ctr"/>
             <a:r>
-              <a:rPr lang="it-IT" sz="1400" i="1" dirty="0" smtClean="0">
+              <a:rPr lang="it-IT" sz="1400" i="1" dirty="0">
                 <a:solidFill>
                   <a:schemeClr val="tx1"/>
                 </a:solidFill>
@@ -3041,12 +3020,6 @@
               </a:rPr>
               <a:t>interface</a:t>
             </a:r>
-            <a:endParaRPr lang="it-IT" sz="1400" i="1" dirty="0">
-              <a:solidFill>
-                <a:schemeClr val="tx1"/>
-              </a:solidFill>
-              <a:latin typeface="Century Schoolbook" panose="02040604050505020304" pitchFamily="18" charset="0"/>
-            </a:endParaRPr>
           </a:p>
         </p:txBody>
       </p:sp>
@@ -3098,7 +3071,7 @@
           <a:p>
             <a:pPr algn="ctr"/>
             <a:r>
-              <a:rPr lang="it-IT" sz="1400" dirty="0" smtClean="0">
+              <a:rPr lang="it-IT" sz="1400" dirty="0">
                 <a:solidFill>
                   <a:schemeClr val="tx1"/>
                 </a:solidFill>
@@ -3106,12 +3079,6 @@
               </a:rPr>
               <a:t>Presence Sonar</a:t>
             </a:r>
-            <a:endParaRPr lang="it-IT" sz="1400" dirty="0">
-              <a:solidFill>
-                <a:schemeClr val="tx1"/>
-              </a:solidFill>
-              <a:latin typeface="Century Schoolbook" panose="02040604050505020304" pitchFamily="18" charset="0"/>
-            </a:endParaRPr>
           </a:p>
         </p:txBody>
       </p:sp>
@@ -3163,7 +3130,7 @@
           <a:p>
             <a:pPr algn="ctr"/>
             <a:r>
-              <a:rPr lang="it-IT" sz="1400" dirty="0" smtClean="0">
+              <a:rPr lang="it-IT" sz="1400" dirty="0">
                 <a:solidFill>
                   <a:schemeClr val="tx1"/>
                 </a:solidFill>
@@ -3171,12 +3138,6 @@
               </a:rPr>
               <a:t>Presence Weight</a:t>
             </a:r>
-            <a:endParaRPr lang="it-IT" sz="1400" dirty="0">
-              <a:solidFill>
-                <a:schemeClr val="tx1"/>
-              </a:solidFill>
-              <a:latin typeface="Century Schoolbook" panose="02040604050505020304" pitchFamily="18" charset="0"/>
-            </a:endParaRPr>
           </a:p>
         </p:txBody>
       </p:sp>
@@ -3302,7 +3263,7 @@
           <a:p>
             <a:pPr algn="ctr"/>
             <a:r>
-              <a:rPr lang="it-IT" sz="1400" dirty="0" smtClean="0">
+              <a:rPr lang="it-IT" sz="1400" dirty="0">
                 <a:solidFill>
                   <a:schemeClr val="tx1"/>
                 </a:solidFill>
@@ -3314,7 +3275,7 @@
           <a:p>
             <a:pPr algn="ctr"/>
             <a:r>
-              <a:rPr lang="it-IT" sz="1400" i="1" dirty="0" smtClean="0">
+              <a:rPr lang="it-IT" sz="1400" i="1" dirty="0">
                 <a:solidFill>
                   <a:schemeClr val="tx1"/>
                 </a:solidFill>
@@ -3322,12 +3283,6 @@
               </a:rPr>
               <a:t>interface</a:t>
             </a:r>
-            <a:endParaRPr lang="it-IT" sz="1400" i="1" dirty="0">
-              <a:solidFill>
-                <a:schemeClr val="tx1"/>
-              </a:solidFill>
-              <a:latin typeface="Century Schoolbook" panose="02040604050505020304" pitchFamily="18" charset="0"/>
-            </a:endParaRPr>
           </a:p>
         </p:txBody>
       </p:sp>
@@ -3379,7 +3334,7 @@
           <a:p>
             <a:pPr algn="ctr"/>
             <a:r>
-              <a:rPr lang="it-IT" sz="1400" dirty="0" smtClean="0">
+              <a:rPr lang="it-IT" sz="1400" dirty="0">
                 <a:solidFill>
                   <a:schemeClr val="tx1"/>
                 </a:solidFill>
@@ -3391,7 +3346,7 @@
           <a:p>
             <a:pPr algn="ctr"/>
             <a:r>
-              <a:rPr lang="it-IT" sz="1400" i="1" dirty="0" smtClean="0">
+              <a:rPr lang="it-IT" sz="1400" i="1" dirty="0">
                 <a:solidFill>
                   <a:schemeClr val="tx1"/>
                 </a:solidFill>
@@ -3399,12 +3354,6 @@
               </a:rPr>
               <a:t>interface</a:t>
             </a:r>
-            <a:endParaRPr lang="it-IT" sz="1400" i="1" dirty="0">
-              <a:solidFill>
-                <a:schemeClr val="tx1"/>
-              </a:solidFill>
-              <a:latin typeface="Century Schoolbook" panose="02040604050505020304" pitchFamily="18" charset="0"/>
-            </a:endParaRPr>
           </a:p>
         </p:txBody>
       </p:sp>
@@ -3456,7 +3405,7 @@
           <a:p>
             <a:pPr algn="ctr"/>
             <a:r>
-              <a:rPr lang="it-IT" sz="1400" dirty="0" smtClean="0">
+              <a:rPr lang="it-IT" sz="1400" dirty="0">
                 <a:solidFill>
                   <a:schemeClr val="tx1"/>
                 </a:solidFill>
@@ -3464,12 +3413,6 @@
               </a:rPr>
               <a:t>Mock Sonar</a:t>
             </a:r>
-            <a:endParaRPr lang="it-IT" sz="1400" dirty="0">
-              <a:solidFill>
-                <a:schemeClr val="tx1"/>
-              </a:solidFill>
-              <a:latin typeface="Century Schoolbook" panose="02040604050505020304" pitchFamily="18" charset="0"/>
-            </a:endParaRPr>
           </a:p>
         </p:txBody>
       </p:sp>
@@ -3521,7 +3464,7 @@
           <a:p>
             <a:pPr algn="ctr"/>
             <a:r>
-              <a:rPr lang="it-IT" sz="1400" dirty="0" smtClean="0">
+              <a:rPr lang="it-IT" sz="1400" dirty="0">
                 <a:solidFill>
                   <a:schemeClr val="tx1"/>
                 </a:solidFill>
@@ -3529,12 +3472,6 @@
               </a:rPr>
               <a:t>Sonar Driver</a:t>
             </a:r>
-            <a:endParaRPr lang="it-IT" sz="1400" dirty="0">
-              <a:solidFill>
-                <a:schemeClr val="tx1"/>
-              </a:solidFill>
-              <a:latin typeface="Century Schoolbook" panose="02040604050505020304" pitchFamily="18" charset="0"/>
-            </a:endParaRPr>
           </a:p>
         </p:txBody>
       </p:sp>
@@ -3586,7 +3523,7 @@
           <a:p>
             <a:pPr algn="ctr"/>
             <a:r>
-              <a:rPr lang="it-IT" sz="1400" dirty="0" smtClean="0">
+              <a:rPr lang="it-IT" sz="1400" dirty="0">
                 <a:solidFill>
                   <a:schemeClr val="tx1"/>
                 </a:solidFill>
@@ -3594,12 +3531,6 @@
               </a:rPr>
               <a:t>Mock Weight Sensor</a:t>
             </a:r>
-            <a:endParaRPr lang="it-IT" sz="1400" dirty="0">
-              <a:solidFill>
-                <a:schemeClr val="tx1"/>
-              </a:solidFill>
-              <a:latin typeface="Century Schoolbook" panose="02040604050505020304" pitchFamily="18" charset="0"/>
-            </a:endParaRPr>
           </a:p>
         </p:txBody>
       </p:sp>
@@ -3818,30 +3749,24 @@
           <a:lstStyle/>
           <a:p>
             <a:pPr algn="ctr"/>
-            <a:endParaRPr lang="it-IT" sz="1400" dirty="0" smtClean="0">
-              <a:solidFill>
-                <a:schemeClr val="tx1"/>
-              </a:solidFill>
-              <a:latin typeface="Century Schoolbook" panose="02040604050505020304" pitchFamily="18" charset="0"/>
-            </a:endParaRPr>
-          </a:p>
-          <a:p>
-            <a:pPr algn="ctr"/>
-            <a:r>
-              <a:rPr lang="it-IT" sz="1400" dirty="0" smtClean="0">
-                <a:solidFill>
-                  <a:schemeClr val="tx1"/>
-                </a:solidFill>
-                <a:latin typeface="Century Schoolbook" panose="02040604050505020304" pitchFamily="18" charset="0"/>
-              </a:rPr>
-              <a:t>GUI</a:t>
-            </a:r>
             <a:endParaRPr lang="it-IT" sz="1400" dirty="0">
               <a:solidFill>
                 <a:schemeClr val="tx1"/>
               </a:solidFill>
               <a:latin typeface="Century Schoolbook" panose="02040604050505020304" pitchFamily="18" charset="0"/>
             </a:endParaRPr>
+          </a:p>
+          <a:p>
+            <a:pPr algn="ctr"/>
+            <a:r>
+              <a:rPr lang="it-IT" sz="1400" dirty="0">
+                <a:solidFill>
+                  <a:schemeClr val="tx1"/>
+                </a:solidFill>
+                <a:latin typeface="Century Schoolbook" panose="02040604050505020304" pitchFamily="18" charset="0"/>
+              </a:rPr>
+              <a:t>GUI</a:t>
+            </a:r>
           </a:p>
         </p:txBody>
       </p:sp>
@@ -4004,30 +3929,24 @@
           <a:lstStyle/>
           <a:p>
             <a:pPr algn="ctr"/>
-            <a:endParaRPr lang="it-IT" sz="1400" dirty="0" smtClean="0">
-              <a:solidFill>
-                <a:schemeClr val="tx1"/>
-              </a:solidFill>
-              <a:latin typeface="Century Schoolbook" panose="02040604050505020304" pitchFamily="18" charset="0"/>
-            </a:endParaRPr>
-          </a:p>
-          <a:p>
-            <a:pPr algn="ctr"/>
-            <a:r>
-              <a:rPr lang="it-IT" sz="1400" dirty="0" smtClean="0">
-                <a:solidFill>
-                  <a:schemeClr val="tx1"/>
-                </a:solidFill>
-                <a:latin typeface="Century Schoolbook" panose="02040604050505020304" pitchFamily="18" charset="0"/>
-              </a:rPr>
-              <a:t>GUI</a:t>
-            </a:r>
             <a:endParaRPr lang="it-IT" sz="1400" dirty="0">
               <a:solidFill>
                 <a:schemeClr val="tx1"/>
               </a:solidFill>
               <a:latin typeface="Century Schoolbook" panose="02040604050505020304" pitchFamily="18" charset="0"/>
             </a:endParaRPr>
+          </a:p>
+          <a:p>
+            <a:pPr algn="ctr"/>
+            <a:r>
+              <a:rPr lang="it-IT" sz="1400" dirty="0">
+                <a:solidFill>
+                  <a:schemeClr val="tx1"/>
+                </a:solidFill>
+                <a:latin typeface="Century Schoolbook" panose="02040604050505020304" pitchFamily="18" charset="0"/>
+              </a:rPr>
+              <a:t>GUI</a:t>
+            </a:r>
           </a:p>
         </p:txBody>
       </p:sp>
@@ -4166,7 +4085,7 @@
           <a:lstStyle/>
           <a:p>
             <a:r>
-              <a:rPr lang="it-IT" sz="1600" dirty="0" smtClean="0">
+              <a:rPr lang="it-IT" sz="1600" dirty="0">
                 <a:latin typeface="Century Schoolbook" panose="02040604050505020304" pitchFamily="18" charset="0"/>
               </a:rPr>
               <a:t>Real device</a:t>
@@ -4252,7 +4171,7 @@
           <a:p>
             <a:pPr algn="ctr"/>
             <a:r>
-              <a:rPr lang="it-IT" sz="1400" dirty="0" smtClean="0">
+              <a:rPr lang="it-IT" sz="1400" dirty="0">
                 <a:solidFill>
                   <a:schemeClr val="tx1"/>
                 </a:solidFill>
@@ -4264,7 +4183,7 @@
           <a:p>
             <a:pPr algn="ctr"/>
             <a:r>
-              <a:rPr lang="it-IT" sz="1400" dirty="0" smtClean="0">
+              <a:rPr lang="it-IT" sz="1400" dirty="0">
                 <a:solidFill>
                   <a:schemeClr val="tx1"/>
                 </a:solidFill>
@@ -4272,12 +4191,6 @@
               </a:rPr>
               <a:t>Actor</a:t>
             </a:r>
-            <a:endParaRPr lang="it-IT" sz="1400" dirty="0">
-              <a:solidFill>
-                <a:schemeClr val="tx1"/>
-              </a:solidFill>
-              <a:latin typeface="Century Schoolbook" panose="02040604050505020304" pitchFamily="18" charset="0"/>
-            </a:endParaRPr>
           </a:p>
         </p:txBody>
       </p:sp>
@@ -4296,10 +4209,7 @@
             <a:avLst/>
           </a:prstGeom>
           <a:solidFill>
-            <a:schemeClr val="accent2">
-              <a:lumMod val="20000"/>
-              <a:lumOff val="80000"/>
-            </a:schemeClr>
+            <a:srgbClr val="FF0000"/>
           </a:solidFill>
           <a:ln w="12700">
             <a:solidFill>
@@ -4471,7 +4381,7 @@
           <a:p>
             <a:pPr algn="ctr"/>
             <a:r>
-              <a:rPr lang="it-IT" sz="1400" dirty="0" smtClean="0">
+              <a:rPr lang="it-IT" sz="1400" dirty="0">
                 <a:solidFill>
                   <a:schemeClr val="tx1"/>
                 </a:solidFill>
@@ -4479,12 +4389,6 @@
               </a:rPr>
               <a:t>Mock Thermometer</a:t>
             </a:r>
-            <a:endParaRPr lang="it-IT" sz="1400" dirty="0">
-              <a:solidFill>
-                <a:schemeClr val="tx1"/>
-              </a:solidFill>
-              <a:latin typeface="Century Schoolbook" panose="02040604050505020304" pitchFamily="18" charset="0"/>
-            </a:endParaRPr>
           </a:p>
         </p:txBody>
       </p:sp>
@@ -4536,7 +4440,7 @@
           <a:p>
             <a:pPr algn="ctr"/>
             <a:r>
-              <a:rPr lang="it-IT" sz="1400" dirty="0" smtClean="0">
+              <a:rPr lang="it-IT" sz="1400" dirty="0">
                 <a:solidFill>
                   <a:schemeClr val="tx1"/>
                 </a:solidFill>
@@ -4548,7 +4452,7 @@
           <a:p>
             <a:pPr algn="ctr"/>
             <a:r>
-              <a:rPr lang="it-IT" sz="1400" dirty="0" smtClean="0">
+              <a:rPr lang="it-IT" sz="1400" dirty="0">
                 <a:solidFill>
                   <a:schemeClr val="tx1"/>
                 </a:solidFill>
@@ -4556,12 +4460,6 @@
               </a:rPr>
               <a:t>Actor</a:t>
             </a:r>
-            <a:endParaRPr lang="it-IT" sz="1400" dirty="0">
-              <a:solidFill>
-                <a:schemeClr val="tx1"/>
-              </a:solidFill>
-              <a:latin typeface="Century Schoolbook" panose="02040604050505020304" pitchFamily="18" charset="0"/>
-            </a:endParaRPr>
           </a:p>
         </p:txBody>
       </p:sp>
@@ -4580,10 +4478,7 @@
             <a:avLst/>
           </a:prstGeom>
           <a:solidFill>
-            <a:schemeClr val="accent2">
-              <a:lumMod val="20000"/>
-              <a:lumOff val="80000"/>
-            </a:schemeClr>
+            <a:srgbClr val="FF0000"/>
           </a:solidFill>
           <a:ln w="12700">
             <a:solidFill>
@@ -4755,7 +4650,7 @@
           <a:p>
             <a:pPr algn="ctr"/>
             <a:r>
-              <a:rPr lang="it-IT" sz="1400" dirty="0" smtClean="0">
+              <a:rPr lang="it-IT" sz="1400" dirty="0">
                 <a:solidFill>
                   <a:schemeClr val="tx1"/>
                 </a:solidFill>
@@ -4763,12 +4658,6 @@
               </a:rPr>
               <a:t>Mock Fan</a:t>
             </a:r>
-            <a:endParaRPr lang="it-IT" sz="1400" dirty="0">
-              <a:solidFill>
-                <a:schemeClr val="tx1"/>
-              </a:solidFill>
-              <a:latin typeface="Century Schoolbook" panose="02040604050505020304" pitchFamily="18" charset="0"/>
-            </a:endParaRPr>
           </a:p>
         </p:txBody>
       </p:sp>
@@ -4788,80 +4677,6 @@
           </a:prstGeom>
           <a:solidFill>
             <a:schemeClr val="accent3">
-              <a:lumMod val="20000"/>
-              <a:lumOff val="80000"/>
-            </a:schemeClr>
-          </a:solidFill>
-          <a:ln>
-            <a:solidFill>
-              <a:schemeClr val="tx1"/>
-            </a:solidFill>
-          </a:ln>
-        </p:spPr>
-        <p:style>
-          <a:lnRef idx="2">
-            <a:schemeClr val="accent1">
-              <a:shade val="50000"/>
-            </a:schemeClr>
-          </a:lnRef>
-          <a:fillRef idx="1">
-            <a:schemeClr val="accent1"/>
-          </a:fillRef>
-          <a:effectRef idx="0">
-            <a:schemeClr val="accent1"/>
-          </a:effectRef>
-          <a:fontRef idx="minor">
-            <a:schemeClr val="lt1"/>
-          </a:fontRef>
-        </p:style>
-        <p:txBody>
-          <a:bodyPr rtlCol="0" anchor="ctr"/>
-          <a:lstStyle/>
-          <a:p>
-            <a:pPr algn="ctr"/>
-            <a:endParaRPr lang="it-IT" sz="1400" dirty="0" smtClean="0">
-              <a:solidFill>
-                <a:schemeClr val="tx1"/>
-              </a:solidFill>
-              <a:latin typeface="Century Schoolbook" panose="02040604050505020304" pitchFamily="18" charset="0"/>
-            </a:endParaRPr>
-          </a:p>
-          <a:p>
-            <a:pPr algn="ctr"/>
-            <a:r>
-              <a:rPr lang="it-IT" sz="1400" dirty="0" smtClean="0">
-                <a:solidFill>
-                  <a:schemeClr val="tx1"/>
-                </a:solidFill>
-                <a:latin typeface="Century Schoolbook" panose="02040604050505020304" pitchFamily="18" charset="0"/>
-              </a:rPr>
-              <a:t>GUI</a:t>
-            </a:r>
-            <a:endParaRPr lang="it-IT" sz="1400" dirty="0">
-              <a:solidFill>
-                <a:schemeClr val="tx1"/>
-              </a:solidFill>
-              <a:latin typeface="Century Schoolbook" panose="02040604050505020304" pitchFamily="18" charset="0"/>
-            </a:endParaRPr>
-          </a:p>
-        </p:txBody>
-      </p:sp>
-      <p:sp>
-        <p:nvSpPr>
-          <p:cNvPr id="25" name="Rettangolo 24"/>
-          <p:cNvSpPr/>
-          <p:nvPr/>
-        </p:nvSpPr>
-        <p:spPr>
-          <a:xfrm>
-            <a:off x="4217622" y="1934945"/>
-            <a:ext cx="892349" cy="236289"/>
-          </a:xfrm>
-          <a:prstGeom prst="rect">
-            <a:avLst/>
-          </a:prstGeom>
-          <a:solidFill>
-            <a:schemeClr val="accent1">
               <a:lumMod val="20000"/>
               <a:lumOff val="80000"/>
             </a:schemeClr>
@@ -4900,24 +4715,36 @@
               <a:latin typeface="Century Schoolbook" panose="02040604050505020304" pitchFamily="18" charset="0"/>
             </a:endParaRPr>
           </a:p>
-        </p:txBody>
-      </p:sp>
-      <p:sp>
-        <p:nvSpPr>
-          <p:cNvPr id="26" name="Rettangolo 25"/>
+          <a:p>
+            <a:pPr algn="ctr"/>
+            <a:r>
+              <a:rPr lang="it-IT" sz="1400" dirty="0">
+                <a:solidFill>
+                  <a:schemeClr val="tx1"/>
+                </a:solidFill>
+                <a:latin typeface="Century Schoolbook" panose="02040604050505020304" pitchFamily="18" charset="0"/>
+              </a:rPr>
+              <a:t>GUI</a:t>
+            </a:r>
+          </a:p>
+        </p:txBody>
+      </p:sp>
+      <p:sp>
+        <p:nvSpPr>
+          <p:cNvPr id="25" name="Rettangolo 24"/>
           <p:cNvSpPr/>
           <p:nvPr/>
         </p:nvSpPr>
         <p:spPr>
           <a:xfrm>
-            <a:off x="4964914" y="1998102"/>
-            <a:ext cx="96705" cy="109973"/>
+            <a:off x="4217622" y="1934945"/>
+            <a:ext cx="892349" cy="236289"/>
           </a:xfrm>
           <a:prstGeom prst="rect">
             <a:avLst/>
           </a:prstGeom>
           <a:solidFill>
-            <a:schemeClr val="accent3">
+            <a:schemeClr val="accent1">
               <a:lumMod val="20000"/>
               <a:lumOff val="80000"/>
             </a:schemeClr>
@@ -4960,14 +4787,14 @@
       </p:sp>
       <p:sp>
         <p:nvSpPr>
-          <p:cNvPr id="27" name="Rettangolo 26"/>
+          <p:cNvPr id="26" name="Rettangolo 25"/>
           <p:cNvSpPr/>
           <p:nvPr/>
         </p:nvSpPr>
         <p:spPr>
           <a:xfrm>
-            <a:off x="7182234" y="1934945"/>
-            <a:ext cx="892349" cy="770719"/>
+            <a:off x="4964914" y="1998102"/>
+            <a:ext cx="96705" cy="109973"/>
           </a:xfrm>
           <a:prstGeom prst="rect">
             <a:avLst/>
@@ -5005,30 +4832,80 @@
           <a:lstStyle/>
           <a:p>
             <a:pPr algn="ctr"/>
-            <a:endParaRPr lang="it-IT" sz="1400" dirty="0" smtClean="0">
-              <a:solidFill>
-                <a:schemeClr val="tx1"/>
-              </a:solidFill>
-              <a:latin typeface="Century Schoolbook" panose="02040604050505020304" pitchFamily="18" charset="0"/>
-            </a:endParaRPr>
-          </a:p>
-          <a:p>
-            <a:pPr algn="ctr"/>
-            <a:r>
-              <a:rPr lang="it-IT" sz="1400" dirty="0" smtClean="0">
-                <a:solidFill>
-                  <a:schemeClr val="tx1"/>
-                </a:solidFill>
-                <a:latin typeface="Century Schoolbook" panose="02040604050505020304" pitchFamily="18" charset="0"/>
-              </a:rPr>
-              <a:t>GUI</a:t>
-            </a:r>
             <a:endParaRPr lang="it-IT" sz="1400" dirty="0">
               <a:solidFill>
                 <a:schemeClr val="tx1"/>
               </a:solidFill>
               <a:latin typeface="Century Schoolbook" panose="02040604050505020304" pitchFamily="18" charset="0"/>
             </a:endParaRPr>
+          </a:p>
+        </p:txBody>
+      </p:sp>
+      <p:sp>
+        <p:nvSpPr>
+          <p:cNvPr id="27" name="Rettangolo 26"/>
+          <p:cNvSpPr/>
+          <p:nvPr/>
+        </p:nvSpPr>
+        <p:spPr>
+          <a:xfrm>
+            <a:off x="7182234" y="1934945"/>
+            <a:ext cx="892349" cy="770719"/>
+          </a:xfrm>
+          <a:prstGeom prst="rect">
+            <a:avLst/>
+          </a:prstGeom>
+          <a:solidFill>
+            <a:schemeClr val="accent3">
+              <a:lumMod val="20000"/>
+              <a:lumOff val="80000"/>
+            </a:schemeClr>
+          </a:solidFill>
+          <a:ln>
+            <a:solidFill>
+              <a:schemeClr val="tx1"/>
+            </a:solidFill>
+          </a:ln>
+        </p:spPr>
+        <p:style>
+          <a:lnRef idx="2">
+            <a:schemeClr val="accent1">
+              <a:shade val="50000"/>
+            </a:schemeClr>
+          </a:lnRef>
+          <a:fillRef idx="1">
+            <a:schemeClr val="accent1"/>
+          </a:fillRef>
+          <a:effectRef idx="0">
+            <a:schemeClr val="accent1"/>
+          </a:effectRef>
+          <a:fontRef idx="minor">
+            <a:schemeClr val="lt1"/>
+          </a:fontRef>
+        </p:style>
+        <p:txBody>
+          <a:bodyPr rtlCol="0" anchor="ctr"/>
+          <a:lstStyle/>
+          <a:p>
+            <a:pPr algn="ctr"/>
+            <a:endParaRPr lang="it-IT" sz="1400" dirty="0">
+              <a:solidFill>
+                <a:schemeClr val="tx1"/>
+              </a:solidFill>
+              <a:latin typeface="Century Schoolbook" panose="02040604050505020304" pitchFamily="18" charset="0"/>
+            </a:endParaRPr>
+          </a:p>
+          <a:p>
+            <a:pPr algn="ctr"/>
+            <a:r>
+              <a:rPr lang="it-IT" sz="1400" dirty="0">
+                <a:solidFill>
+                  <a:schemeClr val="tx1"/>
+                </a:solidFill>
+                <a:latin typeface="Century Schoolbook" panose="02040604050505020304" pitchFamily="18" charset="0"/>
+              </a:rPr>
+              <a:t>GUI</a:t>
+            </a:r>
           </a:p>
         </p:txBody>
       </p:sp>
@@ -5222,7 +5099,7 @@
           <a:p>
             <a:pPr algn="ctr"/>
             <a:r>
-              <a:rPr lang="it-IT" sz="1400" dirty="0" smtClean="0">
+              <a:rPr lang="it-IT" sz="1400" dirty="0">
                 <a:solidFill>
                   <a:schemeClr val="tx1"/>
                 </a:solidFill>
@@ -5234,7 +5111,7 @@
           <a:p>
             <a:pPr algn="ctr"/>
             <a:r>
-              <a:rPr lang="it-IT" sz="1400" dirty="0" smtClean="0">
+              <a:rPr lang="it-IT" sz="1400" dirty="0">
                 <a:solidFill>
                   <a:schemeClr val="tx1"/>
                 </a:solidFill>
@@ -5242,12 +5119,6 @@
               </a:rPr>
               <a:t>Actor</a:t>
             </a:r>
-            <a:endParaRPr lang="it-IT" sz="1400" dirty="0">
-              <a:solidFill>
-                <a:schemeClr val="tx1"/>
-              </a:solidFill>
-              <a:latin typeface="Century Schoolbook" panose="02040604050505020304" pitchFamily="18" charset="0"/>
-            </a:endParaRPr>
           </a:p>
         </p:txBody>
       </p:sp>
@@ -5266,10 +5137,7 @@
             <a:avLst/>
           </a:prstGeom>
           <a:solidFill>
-            <a:schemeClr val="accent2">
-              <a:lumMod val="20000"/>
-              <a:lumOff val="80000"/>
-            </a:schemeClr>
+            <a:srgbClr val="FF0000"/>
           </a:solidFill>
           <a:ln w="12700">
             <a:solidFill>
@@ -5440,7 +5308,7 @@
           <a:p>
             <a:pPr algn="ctr"/>
             <a:r>
-              <a:rPr lang="it-IT" sz="1400" dirty="0" smtClean="0">
+              <a:rPr lang="it-IT" sz="1400" dirty="0">
                 <a:solidFill>
                   <a:schemeClr val="tx1"/>
                 </a:solidFill>
@@ -5448,12 +5316,6 @@
               </a:rPr>
               <a:t>Presence Weight</a:t>
             </a:r>
-            <a:endParaRPr lang="it-IT" sz="1400" dirty="0">
-              <a:solidFill>
-                <a:schemeClr val="tx1"/>
-              </a:solidFill>
-              <a:latin typeface="Century Schoolbook" panose="02040604050505020304" pitchFamily="18" charset="0"/>
-            </a:endParaRPr>
           </a:p>
         </p:txBody>
       </p:sp>
@@ -5505,7 +5367,7 @@
           <a:p>
             <a:pPr algn="ctr"/>
             <a:r>
-              <a:rPr lang="it-IT" sz="1400" dirty="0" smtClean="0">
+              <a:rPr lang="it-IT" sz="1400" dirty="0">
                 <a:solidFill>
                   <a:schemeClr val="tx1"/>
                 </a:solidFill>
@@ -5517,7 +5379,7 @@
           <a:p>
             <a:pPr algn="ctr"/>
             <a:r>
-              <a:rPr lang="it-IT" sz="1400" dirty="0" smtClean="0">
+              <a:rPr lang="it-IT" sz="1400" dirty="0">
                 <a:solidFill>
                   <a:schemeClr val="tx1"/>
                 </a:solidFill>
@@ -5525,12 +5387,6 @@
               </a:rPr>
               <a:t>Actor</a:t>
             </a:r>
-            <a:endParaRPr lang="it-IT" sz="1400" dirty="0">
-              <a:solidFill>
-                <a:schemeClr val="tx1"/>
-              </a:solidFill>
-              <a:latin typeface="Century Schoolbook" panose="02040604050505020304" pitchFamily="18" charset="0"/>
-            </a:endParaRPr>
           </a:p>
         </p:txBody>
       </p:sp>
@@ -5549,10 +5405,7 @@
             <a:avLst/>
           </a:prstGeom>
           <a:solidFill>
-            <a:schemeClr val="accent2">
-              <a:lumMod val="20000"/>
-              <a:lumOff val="80000"/>
-            </a:schemeClr>
+            <a:srgbClr val="FF0000"/>
           </a:solidFill>
           <a:ln w="12700">
             <a:solidFill>
@@ -5723,7 +5576,7 @@
           <a:p>
             <a:pPr algn="ctr"/>
             <a:r>
-              <a:rPr lang="it-IT" sz="1400" dirty="0" smtClean="0">
+              <a:rPr lang="it-IT" sz="1400" dirty="0">
                 <a:solidFill>
                   <a:schemeClr val="tx1"/>
                 </a:solidFill>
@@ -5731,12 +5584,6 @@
               </a:rPr>
               <a:t>Presence Sonar</a:t>
             </a:r>
-            <a:endParaRPr lang="it-IT" sz="1400" dirty="0">
-              <a:solidFill>
-                <a:schemeClr val="tx1"/>
-              </a:solidFill>
-              <a:latin typeface="Century Schoolbook" panose="02040604050505020304" pitchFamily="18" charset="0"/>
-            </a:endParaRPr>
           </a:p>
         </p:txBody>
       </p:sp>
@@ -5818,7 +5665,7 @@
           <a:p>
             <a:pPr algn="ctr"/>
             <a:r>
-              <a:rPr lang="it-IT" sz="1400" dirty="0" smtClean="0">
+              <a:rPr lang="it-IT" sz="1400" dirty="0">
                 <a:solidFill>
                   <a:schemeClr val="tx1"/>
                 </a:solidFill>
@@ -5830,7 +5677,7 @@
           <a:p>
             <a:pPr algn="ctr"/>
             <a:r>
-              <a:rPr lang="it-IT" sz="1400" dirty="0" smtClean="0">
+              <a:rPr lang="it-IT" sz="1400" dirty="0">
                 <a:solidFill>
                   <a:schemeClr val="tx1"/>
                 </a:solidFill>
@@ -5838,12 +5685,6 @@
               </a:rPr>
               <a:t>Logic</a:t>
             </a:r>
-            <a:endParaRPr lang="it-IT" sz="1400" dirty="0">
-              <a:solidFill>
-                <a:schemeClr val="tx1"/>
-              </a:solidFill>
-              <a:latin typeface="Century Schoolbook" panose="02040604050505020304" pitchFamily="18" charset="0"/>
-            </a:endParaRPr>
           </a:p>
         </p:txBody>
       </p:sp>
@@ -5859,6 +5700,54 @@
             <a:ext cx="301659" cy="260051"/>
           </a:xfrm>
           <a:prstGeom prst="triangle">
+            <a:avLst/>
+          </a:prstGeom>
+          <a:solidFill>
+            <a:srgbClr val="FF0000"/>
+          </a:solidFill>
+          <a:ln w="12700">
+            <a:solidFill>
+              <a:schemeClr val="tx1"/>
+            </a:solidFill>
+          </a:ln>
+        </p:spPr>
+        <p:style>
+          <a:lnRef idx="2">
+            <a:schemeClr val="accent1">
+              <a:shade val="50000"/>
+            </a:schemeClr>
+          </a:lnRef>
+          <a:fillRef idx="1">
+            <a:schemeClr val="accent1"/>
+          </a:fillRef>
+          <a:effectRef idx="0">
+            <a:schemeClr val="accent1"/>
+          </a:effectRef>
+          <a:fontRef idx="minor">
+            <a:schemeClr val="lt1"/>
+          </a:fontRef>
+        </p:style>
+        <p:txBody>
+          <a:bodyPr rtlCol="0" anchor="ctr"/>
+          <a:lstStyle/>
+          <a:p>
+            <a:pPr algn="ctr"/>
+            <a:endParaRPr lang="it-IT"/>
+          </a:p>
+        </p:txBody>
+      </p:sp>
+      <p:sp>
+        <p:nvSpPr>
+          <p:cNvPr id="83" name="Rettangolo 82"/>
+          <p:cNvSpPr/>
+          <p:nvPr/>
+        </p:nvSpPr>
+        <p:spPr>
+          <a:xfrm>
+            <a:off x="1900137" y="4616938"/>
+            <a:ext cx="501185" cy="238108"/>
+          </a:xfrm>
+          <a:prstGeom prst="rect">
             <a:avLst/>
           </a:prstGeom>
           <a:solidFill>
@@ -5900,57 +5789,6 @@
       </p:sp>
       <p:sp>
         <p:nvSpPr>
-          <p:cNvPr id="83" name="Rettangolo 82"/>
-          <p:cNvSpPr/>
-          <p:nvPr/>
-        </p:nvSpPr>
-        <p:spPr>
-          <a:xfrm>
-            <a:off x="1900137" y="4616938"/>
-            <a:ext cx="501185" cy="238108"/>
-          </a:xfrm>
-          <a:prstGeom prst="rect">
-            <a:avLst/>
-          </a:prstGeom>
-          <a:solidFill>
-            <a:schemeClr val="accent2">
-              <a:lumMod val="20000"/>
-              <a:lumOff val="80000"/>
-            </a:schemeClr>
-          </a:solidFill>
-          <a:ln w="12700">
-            <a:solidFill>
-              <a:schemeClr val="tx1"/>
-            </a:solidFill>
-          </a:ln>
-        </p:spPr>
-        <p:style>
-          <a:lnRef idx="2">
-            <a:schemeClr val="accent1">
-              <a:shade val="50000"/>
-            </a:schemeClr>
-          </a:lnRef>
-          <a:fillRef idx="1">
-            <a:schemeClr val="accent1"/>
-          </a:fillRef>
-          <a:effectRef idx="0">
-            <a:schemeClr val="accent1"/>
-          </a:effectRef>
-          <a:fontRef idx="minor">
-            <a:schemeClr val="lt1"/>
-          </a:fontRef>
-        </p:style>
-        <p:txBody>
-          <a:bodyPr rtlCol="0" anchor="ctr"/>
-          <a:lstStyle/>
-          <a:p>
-            <a:pPr algn="ctr"/>
-            <a:endParaRPr lang="it-IT"/>
-          </a:p>
-        </p:txBody>
-      </p:sp>
-      <p:sp>
-        <p:nvSpPr>
           <p:cNvPr id="84" name="Ovale 83"/>
           <p:cNvSpPr/>
           <p:nvPr/>
@@ -5997,7 +5835,7 @@
           <a:p>
             <a:pPr algn="ctr"/>
             <a:r>
-              <a:rPr lang="it-IT" sz="1400" dirty="0" smtClean="0">
+              <a:rPr lang="it-IT" sz="1400" dirty="0">
                 <a:solidFill>
                   <a:schemeClr val="tx1"/>
                 </a:solidFill>
@@ -6005,12 +5843,6 @@
               </a:rPr>
               <a:t>Robot Proxy</a:t>
             </a:r>
-            <a:endParaRPr lang="it-IT" sz="1400" dirty="0">
-              <a:solidFill>
-                <a:schemeClr val="tx1"/>
-              </a:solidFill>
-              <a:latin typeface="Century Schoolbook" panose="02040604050505020304" pitchFamily="18" charset="0"/>
-            </a:endParaRPr>
           </a:p>
         </p:txBody>
       </p:sp>
@@ -6026,6 +5858,150 @@
             <a:ext cx="301659" cy="260051"/>
           </a:xfrm>
           <a:prstGeom prst="triangle">
+            <a:avLst/>
+          </a:prstGeom>
+          <a:solidFill>
+            <a:srgbClr val="FF0000"/>
+          </a:solidFill>
+          <a:ln w="12700">
+            <a:solidFill>
+              <a:schemeClr val="tx1"/>
+            </a:solidFill>
+          </a:ln>
+        </p:spPr>
+        <p:style>
+          <a:lnRef idx="2">
+            <a:schemeClr val="accent1">
+              <a:shade val="50000"/>
+            </a:schemeClr>
+          </a:lnRef>
+          <a:fillRef idx="1">
+            <a:schemeClr val="accent1"/>
+          </a:fillRef>
+          <a:effectRef idx="0">
+            <a:schemeClr val="accent1"/>
+          </a:effectRef>
+          <a:fontRef idx="minor">
+            <a:schemeClr val="lt1"/>
+          </a:fontRef>
+        </p:style>
+        <p:txBody>
+          <a:bodyPr rtlCol="0" anchor="ctr"/>
+          <a:lstStyle/>
+          <a:p>
+            <a:pPr algn="ctr"/>
+            <a:endParaRPr lang="it-IT"/>
+          </a:p>
+        </p:txBody>
+      </p:sp>
+      <p:sp>
+        <p:nvSpPr>
+          <p:cNvPr id="86" name="Ovale 85"/>
+          <p:cNvSpPr/>
+          <p:nvPr/>
+        </p:nvSpPr>
+        <p:spPr>
+          <a:xfrm>
+            <a:off x="2220389" y="1632384"/>
+            <a:ext cx="1302611" cy="982897"/>
+          </a:xfrm>
+          <a:prstGeom prst="ellipse">
+            <a:avLst/>
+          </a:prstGeom>
+          <a:solidFill>
+            <a:schemeClr val="accent1">
+              <a:lumMod val="20000"/>
+              <a:lumOff val="80000"/>
+            </a:schemeClr>
+          </a:solidFill>
+          <a:ln w="12700">
+            <a:solidFill>
+              <a:schemeClr val="tx1"/>
+            </a:solidFill>
+          </a:ln>
+        </p:spPr>
+        <p:style>
+          <a:lnRef idx="2">
+            <a:schemeClr val="accent1">
+              <a:shade val="50000"/>
+            </a:schemeClr>
+          </a:lnRef>
+          <a:fillRef idx="1">
+            <a:schemeClr val="accent1"/>
+          </a:fillRef>
+          <a:effectRef idx="0">
+            <a:schemeClr val="accent1"/>
+          </a:effectRef>
+          <a:fontRef idx="minor">
+            <a:schemeClr val="lt1"/>
+          </a:fontRef>
+        </p:style>
+        <p:txBody>
+          <a:bodyPr rtlCol="0" anchor="ctr"/>
+          <a:lstStyle/>
+          <a:p>
+            <a:pPr algn="ctr"/>
+            <a:r>
+              <a:rPr lang="it-IT" sz="1400" dirty="0">
+                <a:solidFill>
+                  <a:schemeClr val="tx1"/>
+                </a:solidFill>
+                <a:latin typeface="Century Schoolbook" panose="02040604050505020304" pitchFamily="18" charset="0"/>
+              </a:rPr>
+              <a:t>Planner Util</a:t>
+            </a:r>
+          </a:p>
+        </p:txBody>
+      </p:sp>
+      <p:cxnSp>
+        <p:nvCxnSpPr>
+          <p:cNvPr id="87" name="Connettore 2 86"/>
+          <p:cNvCxnSpPr/>
+          <p:nvPr/>
+        </p:nvCxnSpPr>
+        <p:spPr>
+          <a:xfrm flipH="1" flipV="1">
+            <a:off x="2873853" y="3629746"/>
+            <a:ext cx="2157" cy="541872"/>
+          </a:xfrm>
+          <a:prstGeom prst="straightConnector1">
+            <a:avLst/>
+          </a:prstGeom>
+          <a:ln w="19050">
+            <a:solidFill>
+              <a:schemeClr val="tx1"/>
+            </a:solidFill>
+            <a:headEnd type="none" w="med" len="med"/>
+            <a:tailEnd type="arrow" w="med" len="med"/>
+          </a:ln>
+        </p:spPr>
+        <p:style>
+          <a:lnRef idx="1">
+            <a:schemeClr val="accent1"/>
+          </a:lnRef>
+          <a:fillRef idx="0">
+            <a:schemeClr val="accent1"/>
+          </a:fillRef>
+          <a:effectRef idx="0">
+            <a:schemeClr val="accent1"/>
+          </a:effectRef>
+          <a:fontRef idx="minor">
+            <a:schemeClr val="tx1"/>
+          </a:fontRef>
+        </p:style>
+      </p:cxnSp>
+      <p:sp>
+        <p:nvSpPr>
+          <p:cNvPr id="88" name="Rettangolo arrotondato 87"/>
+          <p:cNvSpPr/>
+          <p:nvPr/>
+        </p:nvSpPr>
+        <p:spPr>
+          <a:xfrm>
+            <a:off x="2065457" y="3157761"/>
+            <a:ext cx="1616791" cy="471580"/>
+          </a:xfrm>
+          <a:prstGeom prst="roundRect">
             <a:avLst/>
           </a:prstGeom>
           <a:solidFill>
@@ -6034,7 +6010,7 @@
               <a:lumOff val="80000"/>
             </a:schemeClr>
           </a:solidFill>
-          <a:ln w="12700">
+          <a:ln>
             <a:solidFill>
               <a:schemeClr val="tx1"/>
             </a:solidFill>
@@ -6061,161 +6037,8 @@
           <a:lstStyle/>
           <a:p>
             <a:pPr algn="ctr"/>
-            <a:endParaRPr lang="it-IT"/>
-          </a:p>
-        </p:txBody>
-      </p:sp>
-      <p:sp>
-        <p:nvSpPr>
-          <p:cNvPr id="86" name="Ovale 85"/>
-          <p:cNvSpPr/>
-          <p:nvPr/>
-        </p:nvSpPr>
-        <p:spPr>
-          <a:xfrm>
-            <a:off x="2220389" y="1632384"/>
-            <a:ext cx="1302611" cy="982897"/>
-          </a:xfrm>
-          <a:prstGeom prst="ellipse">
-            <a:avLst/>
-          </a:prstGeom>
-          <a:solidFill>
-            <a:schemeClr val="accent1">
-              <a:lumMod val="20000"/>
-              <a:lumOff val="80000"/>
-            </a:schemeClr>
-          </a:solidFill>
-          <a:ln w="12700">
-            <a:solidFill>
-              <a:schemeClr val="tx1"/>
-            </a:solidFill>
-          </a:ln>
-        </p:spPr>
-        <p:style>
-          <a:lnRef idx="2">
-            <a:schemeClr val="accent1">
-              <a:shade val="50000"/>
-            </a:schemeClr>
-          </a:lnRef>
-          <a:fillRef idx="1">
-            <a:schemeClr val="accent1"/>
-          </a:fillRef>
-          <a:effectRef idx="0">
-            <a:schemeClr val="accent1"/>
-          </a:effectRef>
-          <a:fontRef idx="minor">
-            <a:schemeClr val="lt1"/>
-          </a:fontRef>
-        </p:style>
-        <p:txBody>
-          <a:bodyPr rtlCol="0" anchor="ctr"/>
-          <a:lstStyle/>
-          <a:p>
-            <a:pPr algn="ctr"/>
-            <a:r>
-              <a:rPr lang="it-IT" sz="1400" dirty="0" smtClean="0">
-                <a:solidFill>
-                  <a:schemeClr val="tx1"/>
-                </a:solidFill>
-                <a:latin typeface="Century Schoolbook" panose="02040604050505020304" pitchFamily="18" charset="0"/>
-              </a:rPr>
-              <a:t>Planner Util</a:t>
-            </a:r>
-            <a:endParaRPr lang="it-IT" sz="1400" dirty="0">
-              <a:solidFill>
-                <a:schemeClr val="tx1"/>
-              </a:solidFill>
-              <a:latin typeface="Century Schoolbook" panose="02040604050505020304" pitchFamily="18" charset="0"/>
-            </a:endParaRPr>
-          </a:p>
-        </p:txBody>
-      </p:sp>
-      <p:cxnSp>
-        <p:nvCxnSpPr>
-          <p:cNvPr id="87" name="Connettore 2 86"/>
-          <p:cNvCxnSpPr/>
-          <p:nvPr/>
-        </p:nvCxnSpPr>
-        <p:spPr>
-          <a:xfrm flipH="1" flipV="1">
-            <a:off x="2873853" y="3629746"/>
-            <a:ext cx="2157" cy="541872"/>
-          </a:xfrm>
-          <a:prstGeom prst="straightConnector1">
-            <a:avLst/>
-          </a:prstGeom>
-          <a:ln w="19050">
-            <a:solidFill>
-              <a:schemeClr val="tx1"/>
-            </a:solidFill>
-            <a:headEnd type="none" w="med" len="med"/>
-            <a:tailEnd type="arrow" w="med" len="med"/>
-          </a:ln>
-        </p:spPr>
-        <p:style>
-          <a:lnRef idx="1">
-            <a:schemeClr val="accent1"/>
-          </a:lnRef>
-          <a:fillRef idx="0">
-            <a:schemeClr val="accent1"/>
-          </a:fillRef>
-          <a:effectRef idx="0">
-            <a:schemeClr val="accent1"/>
-          </a:effectRef>
-          <a:fontRef idx="minor">
-            <a:schemeClr val="tx1"/>
-          </a:fontRef>
-        </p:style>
-      </p:cxnSp>
-      <p:sp>
-        <p:nvSpPr>
-          <p:cNvPr id="88" name="Rettangolo arrotondato 87"/>
-          <p:cNvSpPr/>
-          <p:nvPr/>
-        </p:nvSpPr>
-        <p:spPr>
-          <a:xfrm>
-            <a:off x="2065457" y="3157761"/>
-            <a:ext cx="1616791" cy="471580"/>
-          </a:xfrm>
-          <a:prstGeom prst="roundRect">
-            <a:avLst/>
-          </a:prstGeom>
-          <a:solidFill>
-            <a:schemeClr val="accent4">
-              <a:lumMod val="20000"/>
-              <a:lumOff val="80000"/>
-            </a:schemeClr>
-          </a:solidFill>
-          <a:ln>
-            <a:solidFill>
-              <a:schemeClr val="tx1"/>
-            </a:solidFill>
-          </a:ln>
-        </p:spPr>
-        <p:style>
-          <a:lnRef idx="2">
-            <a:schemeClr val="accent1">
-              <a:shade val="50000"/>
-            </a:schemeClr>
-          </a:lnRef>
-          <a:fillRef idx="1">
-            <a:schemeClr val="accent1"/>
-          </a:fillRef>
-          <a:effectRef idx="0">
-            <a:schemeClr val="accent1"/>
-          </a:effectRef>
-          <a:fontRef idx="minor">
-            <a:schemeClr val="lt1"/>
-          </a:fontRef>
-        </p:style>
-        <p:txBody>
-          <a:bodyPr rtlCol="0" anchor="ctr"/>
-          <a:lstStyle/>
-          <a:p>
-            <a:pPr algn="ctr"/>
-            <a:r>
-              <a:rPr lang="it-IT" sz="1400" dirty="0" smtClean="0">
+            <a:r>
+              <a:rPr lang="it-IT" sz="1400" dirty="0">
                 <a:solidFill>
                   <a:schemeClr val="tx1"/>
                 </a:solidFill>
@@ -6223,12 +6046,6 @@
               </a:rPr>
               <a:t>Directional Planner</a:t>
             </a:r>
-            <a:endParaRPr lang="it-IT" sz="1400" dirty="0">
-              <a:solidFill>
-                <a:schemeClr val="tx1"/>
-              </a:solidFill>
-              <a:latin typeface="Century Schoolbook" panose="02040604050505020304" pitchFamily="18" charset="0"/>
-            </a:endParaRPr>
           </a:p>
         </p:txBody>
       </p:sp>
@@ -6392,7 +6209,7 @@
           <a:p>
             <a:pPr algn="ctr"/>
             <a:r>
-              <a:rPr lang="it-IT" sz="1400" dirty="0" smtClean="0">
+              <a:rPr lang="it-IT" sz="1400" dirty="0">
                 <a:solidFill>
                   <a:schemeClr val="tx1"/>
                 </a:solidFill>
@@ -6400,12 +6217,6 @@
               </a:rPr>
               <a:t>Basic Step Robot</a:t>
             </a:r>
-            <a:endParaRPr lang="it-IT" sz="1400" dirty="0">
-              <a:solidFill>
-                <a:schemeClr val="tx1"/>
-              </a:solidFill>
-              <a:latin typeface="Century Schoolbook" panose="02040604050505020304" pitchFamily="18" charset="0"/>
-            </a:endParaRPr>
           </a:p>
         </p:txBody>
       </p:sp>
@@ -6421,6 +6232,54 @@
             <a:ext cx="301659" cy="260051"/>
           </a:xfrm>
           <a:prstGeom prst="triangle">
+            <a:avLst/>
+          </a:prstGeom>
+          <a:solidFill>
+            <a:srgbClr val="FF0000"/>
+          </a:solidFill>
+          <a:ln w="12700">
+            <a:solidFill>
+              <a:schemeClr val="tx1"/>
+            </a:solidFill>
+          </a:ln>
+        </p:spPr>
+        <p:style>
+          <a:lnRef idx="2">
+            <a:schemeClr val="accent1">
+              <a:shade val="50000"/>
+            </a:schemeClr>
+          </a:lnRef>
+          <a:fillRef idx="1">
+            <a:schemeClr val="accent1"/>
+          </a:fillRef>
+          <a:effectRef idx="0">
+            <a:schemeClr val="accent1"/>
+          </a:effectRef>
+          <a:fontRef idx="minor">
+            <a:schemeClr val="lt1"/>
+          </a:fontRef>
+        </p:style>
+        <p:txBody>
+          <a:bodyPr rtlCol="0" anchor="ctr"/>
+          <a:lstStyle/>
+          <a:p>
+            <a:pPr algn="ctr"/>
+            <a:endParaRPr lang="it-IT"/>
+          </a:p>
+        </p:txBody>
+      </p:sp>
+      <p:sp>
+        <p:nvSpPr>
+          <p:cNvPr id="99" name="Rettangolo 98"/>
+          <p:cNvSpPr/>
+          <p:nvPr/>
+        </p:nvSpPr>
+        <p:spPr>
+          <a:xfrm>
+            <a:off x="6518384" y="4616938"/>
+            <a:ext cx="501185" cy="238108"/>
+          </a:xfrm>
+          <a:prstGeom prst="rect">
             <a:avLst/>
           </a:prstGeom>
           <a:solidFill>
@@ -6460,57 +6319,6 @@
           </a:p>
         </p:txBody>
       </p:sp>
-      <p:sp>
-        <p:nvSpPr>
-          <p:cNvPr id="99" name="Rettangolo 98"/>
-          <p:cNvSpPr/>
-          <p:nvPr/>
-        </p:nvSpPr>
-        <p:spPr>
-          <a:xfrm>
-            <a:off x="6518384" y="4616938"/>
-            <a:ext cx="501185" cy="238108"/>
-          </a:xfrm>
-          <a:prstGeom prst="rect">
-            <a:avLst/>
-          </a:prstGeom>
-          <a:solidFill>
-            <a:schemeClr val="accent2">
-              <a:lumMod val="20000"/>
-              <a:lumOff val="80000"/>
-            </a:schemeClr>
-          </a:solidFill>
-          <a:ln w="12700">
-            <a:solidFill>
-              <a:schemeClr val="tx1"/>
-            </a:solidFill>
-          </a:ln>
-        </p:spPr>
-        <p:style>
-          <a:lnRef idx="2">
-            <a:schemeClr val="accent1">
-              <a:shade val="50000"/>
-            </a:schemeClr>
-          </a:lnRef>
-          <a:fillRef idx="1">
-            <a:schemeClr val="accent1"/>
-          </a:fillRef>
-          <a:effectRef idx="0">
-            <a:schemeClr val="accent1"/>
-          </a:effectRef>
-          <a:fontRef idx="minor">
-            <a:schemeClr val="lt1"/>
-          </a:fontRef>
-        </p:style>
-        <p:txBody>
-          <a:bodyPr rtlCol="0" anchor="ctr"/>
-          <a:lstStyle/>
-          <a:p>
-            <a:pPr algn="ctr"/>
-            <a:endParaRPr lang="it-IT"/>
-          </a:p>
-        </p:txBody>
-      </p:sp>
       <p:cxnSp>
         <p:nvCxnSpPr>
           <p:cNvPr id="100" name="Connettore 2 99"/>
@@ -6597,7 +6405,7 @@
           <a:p>
             <a:pPr algn="ctr"/>
             <a:r>
-              <a:rPr lang="it-IT" sz="1400" dirty="0" smtClean="0">
+              <a:rPr lang="it-IT" sz="1400" dirty="0">
                 <a:solidFill>
                   <a:schemeClr val="tx1"/>
                 </a:solidFill>
@@ -6605,12 +6413,6 @@
               </a:rPr>
               <a:t>WEnv</a:t>
             </a:r>
-            <a:endParaRPr lang="it-IT" sz="1400" dirty="0">
-              <a:solidFill>
-                <a:schemeClr val="tx1"/>
-              </a:solidFill>
-              <a:latin typeface="Century Schoolbook" panose="02040604050505020304" pitchFamily="18" charset="0"/>
-            </a:endParaRPr>
           </a:p>
         </p:txBody>
       </p:sp>
@@ -6629,10 +6431,7 @@
             <a:avLst/>
           </a:prstGeom>
           <a:solidFill>
-            <a:schemeClr val="accent4">
-              <a:lumMod val="20000"/>
-              <a:lumOff val="80000"/>
-            </a:schemeClr>
+            <a:srgbClr val="FF0000"/>
           </a:solidFill>
           <a:ln w="12700">
             <a:solidFill>
@@ -7024,7 +6823,7 @@
           <a:p>
             <a:pPr algn="ctr"/>
             <a:r>
-              <a:rPr lang="it-IT" sz="1400" dirty="0" smtClean="0">
+              <a:rPr lang="it-IT" sz="1400" dirty="0">
                 <a:solidFill>
                   <a:schemeClr val="tx1"/>
                 </a:solidFill>
@@ -7053,10 +6852,81 @@
                 </a:solidFill>
                 <a:latin typeface="Century Schoolbook" panose="02040604050505020304" pitchFamily="18" charset="0"/>
               </a:rPr>
-              <a:t>send </a:t>
-            </a:r>
-            <a:r>
-              <a:rPr lang="it-IT" sz="1400" dirty="0" smtClean="0">
+              <a:t>send notice</a:t>
+            </a:r>
+          </a:p>
+        </p:txBody>
+      </p:sp>
+      <p:sp>
+        <p:nvSpPr>
+          <p:cNvPr id="5" name="Rettangolo arrotondato 4"/>
+          <p:cNvSpPr/>
+          <p:nvPr/>
+        </p:nvSpPr>
+        <p:spPr>
+          <a:xfrm>
+            <a:off x="2498046" y="2735505"/>
+            <a:ext cx="1652621" cy="440431"/>
+          </a:xfrm>
+          <a:prstGeom prst="roundRect">
+            <a:avLst/>
+          </a:prstGeom>
+          <a:solidFill>
+            <a:schemeClr val="accent3">
+              <a:lumMod val="20000"/>
+              <a:lumOff val="80000"/>
+            </a:schemeClr>
+          </a:solidFill>
+          <a:ln>
+            <a:solidFill>
+              <a:schemeClr val="tx1"/>
+            </a:solidFill>
+          </a:ln>
+        </p:spPr>
+        <p:style>
+          <a:lnRef idx="2">
+            <a:schemeClr val="accent1">
+              <a:shade val="50000"/>
+            </a:schemeClr>
+          </a:lnRef>
+          <a:fillRef idx="1">
+            <a:schemeClr val="accent1"/>
+          </a:fillRef>
+          <a:effectRef idx="0">
+            <a:schemeClr val="accent1"/>
+          </a:effectRef>
+          <a:fontRef idx="minor">
+            <a:schemeClr val="lt1"/>
+          </a:fontRef>
+        </p:style>
+        <p:txBody>
+          <a:bodyPr rtlCol="0" anchor="ctr"/>
+          <a:lstStyle/>
+          <a:p>
+            <a:pPr algn="ctr"/>
+            <a:r>
+              <a:rPr lang="it-IT" sz="1400" dirty="0">
+                <a:solidFill>
+                  <a:schemeClr val="tx1"/>
+                </a:solidFill>
+                <a:latin typeface="Century Schoolbook" panose="02040604050505020304" pitchFamily="18" charset="0"/>
+              </a:rPr>
+              <a:t>informIN</a:t>
+            </a:r>
+          </a:p>
+          <a:p>
+            <a:pPr algn="ctr"/>
+            <a:r>
+              <a:rPr lang="it-IT" sz="1400" dirty="0">
+                <a:solidFill>
+                  <a:schemeClr val="tx1"/>
+                </a:solidFill>
+                <a:latin typeface="Century Schoolbook" panose="02040604050505020304" pitchFamily="18" charset="0"/>
+              </a:rPr>
+              <a:t>/</a:t>
+            </a:r>
+            <a:r>
+              <a:rPr lang="it-IT" sz="1400" dirty="0">
                 <a:solidFill>
                   <a:schemeClr val="accent2">
                     <a:lumMod val="75000"/>
@@ -7064,7 +6934,1011 @@
                 </a:solidFill>
                 <a:latin typeface="Century Schoolbook" panose="02040604050505020304" pitchFamily="18" charset="0"/>
               </a:rPr>
-              <a:t>notice</a:t>
+              <a:t>SLOTNUM</a:t>
+            </a:r>
+          </a:p>
+        </p:txBody>
+      </p:sp>
+      <p:sp>
+        <p:nvSpPr>
+          <p:cNvPr id="15" name="Rettangolo arrotondato 14"/>
+          <p:cNvSpPr/>
+          <p:nvPr/>
+        </p:nvSpPr>
+        <p:spPr>
+          <a:xfrm>
+            <a:off x="2498048" y="3482967"/>
+            <a:ext cx="1652621" cy="440431"/>
+          </a:xfrm>
+          <a:prstGeom prst="roundRect">
+            <a:avLst/>
+          </a:prstGeom>
+          <a:solidFill>
+            <a:schemeClr val="accent3">
+              <a:lumMod val="20000"/>
+              <a:lumOff val="80000"/>
+            </a:schemeClr>
+          </a:solidFill>
+          <a:ln>
+            <a:solidFill>
+              <a:schemeClr val="tx1"/>
+            </a:solidFill>
+          </a:ln>
+        </p:spPr>
+        <p:style>
+          <a:lnRef idx="2">
+            <a:schemeClr val="accent1">
+              <a:shade val="50000"/>
+            </a:schemeClr>
+          </a:lnRef>
+          <a:fillRef idx="1">
+            <a:schemeClr val="accent1"/>
+          </a:fillRef>
+          <a:effectRef idx="0">
+            <a:schemeClr val="accent1"/>
+          </a:effectRef>
+          <a:fontRef idx="minor">
+            <a:schemeClr val="lt1"/>
+          </a:fontRef>
+        </p:style>
+        <p:txBody>
+          <a:bodyPr rtlCol="0" anchor="ctr"/>
+          <a:lstStyle/>
+          <a:p>
+            <a:pPr algn="ctr"/>
+            <a:r>
+              <a:rPr lang="it-IT" sz="1400" dirty="0">
+                <a:solidFill>
+                  <a:schemeClr val="tx1"/>
+                </a:solidFill>
+                <a:latin typeface="Century Schoolbook" panose="02040604050505020304" pitchFamily="18" charset="0"/>
+              </a:rPr>
+              <a:t>moveToIn</a:t>
+            </a:r>
+          </a:p>
+          <a:p>
+            <a:pPr algn="ctr"/>
+            <a:r>
+              <a:rPr lang="it-IT" sz="1400" dirty="0">
+                <a:solidFill>
+                  <a:schemeClr val="tx1"/>
+                </a:solidFill>
+                <a:latin typeface="Century Schoolbook" panose="02040604050505020304" pitchFamily="18" charset="0"/>
+              </a:rPr>
+              <a:t>/</a:t>
+            </a:r>
+            <a:r>
+              <a:rPr lang="it-IT" sz="1400" dirty="0">
+                <a:solidFill>
+                  <a:schemeClr val="accent2">
+                    <a:lumMod val="75000"/>
+                  </a:schemeClr>
+                </a:solidFill>
+                <a:latin typeface="Century Schoolbook" panose="02040604050505020304" pitchFamily="18" charset="0"/>
+              </a:rPr>
+              <a:t>goto INDOOR</a:t>
+            </a:r>
+          </a:p>
+        </p:txBody>
+      </p:sp>
+      <p:sp>
+        <p:nvSpPr>
+          <p:cNvPr id="16" name="Rettangolo arrotondato 15"/>
+          <p:cNvSpPr/>
+          <p:nvPr/>
+        </p:nvSpPr>
+        <p:spPr>
+          <a:xfrm>
+            <a:off x="2498048" y="4231755"/>
+            <a:ext cx="1652621" cy="440431"/>
+          </a:xfrm>
+          <a:prstGeom prst="roundRect">
+            <a:avLst/>
+          </a:prstGeom>
+          <a:solidFill>
+            <a:schemeClr val="accent3">
+              <a:lumMod val="20000"/>
+              <a:lumOff val="80000"/>
+            </a:schemeClr>
+          </a:solidFill>
+          <a:ln>
+            <a:solidFill>
+              <a:schemeClr val="tx1"/>
+            </a:solidFill>
+          </a:ln>
+        </p:spPr>
+        <p:style>
+          <a:lnRef idx="2">
+            <a:schemeClr val="accent1">
+              <a:shade val="50000"/>
+            </a:schemeClr>
+          </a:lnRef>
+          <a:fillRef idx="1">
+            <a:schemeClr val="accent1"/>
+          </a:fillRef>
+          <a:effectRef idx="0">
+            <a:schemeClr val="accent1"/>
+          </a:effectRef>
+          <a:fontRef idx="minor">
+            <a:schemeClr val="lt1"/>
+          </a:fontRef>
+        </p:style>
+        <p:txBody>
+          <a:bodyPr rtlCol="0" anchor="ctr"/>
+          <a:lstStyle/>
+          <a:p>
+            <a:pPr algn="ctr"/>
+            <a:r>
+              <a:rPr lang="it-IT" sz="1400" dirty="0">
+                <a:solidFill>
+                  <a:schemeClr val="tx1"/>
+                </a:solidFill>
+                <a:latin typeface="Century Schoolbook" panose="02040604050505020304" pitchFamily="18" charset="0"/>
+              </a:rPr>
+              <a:t>receipt</a:t>
+            </a:r>
+          </a:p>
+          <a:p>
+            <a:pPr algn="ctr"/>
+            <a:r>
+              <a:rPr lang="it-IT" sz="1400" dirty="0">
+                <a:solidFill>
+                  <a:schemeClr val="tx1"/>
+                </a:solidFill>
+                <a:latin typeface="Century Schoolbook" panose="02040604050505020304" pitchFamily="18" charset="0"/>
+              </a:rPr>
+              <a:t>/</a:t>
+            </a:r>
+            <a:r>
+              <a:rPr lang="it-IT" sz="1400" dirty="0">
+                <a:solidFill>
+                  <a:schemeClr val="accent2">
+                    <a:lumMod val="75000"/>
+                  </a:schemeClr>
+                </a:solidFill>
+                <a:latin typeface="Century Schoolbook" panose="02040604050505020304" pitchFamily="18" charset="0"/>
+              </a:rPr>
+              <a:t>TOKENID</a:t>
+            </a:r>
+          </a:p>
+        </p:txBody>
+      </p:sp>
+      <p:sp>
+        <p:nvSpPr>
+          <p:cNvPr id="17" name="Rettangolo arrotondato 16"/>
+          <p:cNvSpPr/>
+          <p:nvPr/>
+        </p:nvSpPr>
+        <p:spPr>
+          <a:xfrm>
+            <a:off x="2498048" y="4977891"/>
+            <a:ext cx="1652621" cy="440431"/>
+          </a:xfrm>
+          <a:prstGeom prst="roundRect">
+            <a:avLst/>
+          </a:prstGeom>
+          <a:solidFill>
+            <a:schemeClr val="accent3">
+              <a:lumMod val="20000"/>
+              <a:lumOff val="80000"/>
+            </a:schemeClr>
+          </a:solidFill>
+          <a:ln>
+            <a:solidFill>
+              <a:schemeClr val="tx1"/>
+            </a:solidFill>
+          </a:ln>
+        </p:spPr>
+        <p:style>
+          <a:lnRef idx="2">
+            <a:schemeClr val="accent1">
+              <a:shade val="50000"/>
+            </a:schemeClr>
+          </a:lnRef>
+          <a:fillRef idx="1">
+            <a:schemeClr val="accent1"/>
+          </a:fillRef>
+          <a:effectRef idx="0">
+            <a:schemeClr val="accent1"/>
+          </a:effectRef>
+          <a:fontRef idx="minor">
+            <a:schemeClr val="lt1"/>
+          </a:fontRef>
+        </p:style>
+        <p:txBody>
+          <a:bodyPr rtlCol="0" anchor="ctr"/>
+          <a:lstStyle/>
+          <a:p>
+            <a:pPr algn="ctr"/>
+            <a:r>
+              <a:rPr lang="it-IT" sz="1400" dirty="0">
+                <a:solidFill>
+                  <a:schemeClr val="tx1"/>
+                </a:solidFill>
+                <a:latin typeface="Century Schoolbook" panose="02040604050505020304" pitchFamily="18" charset="0"/>
+              </a:rPr>
+              <a:t>moveToSlotIn</a:t>
+            </a:r>
+          </a:p>
+          <a:p>
+            <a:pPr algn="ctr"/>
+            <a:r>
+              <a:rPr lang="it-IT" sz="1400" dirty="0">
+                <a:solidFill>
+                  <a:schemeClr val="tx1"/>
+                </a:solidFill>
+                <a:latin typeface="Century Schoolbook" panose="02040604050505020304" pitchFamily="18" charset="0"/>
+              </a:rPr>
+              <a:t>/</a:t>
+            </a:r>
+            <a:r>
+              <a:rPr lang="it-IT" sz="1400" dirty="0">
+                <a:solidFill>
+                  <a:schemeClr val="accent2">
+                    <a:lumMod val="75000"/>
+                  </a:schemeClr>
+                </a:solidFill>
+                <a:latin typeface="Century Schoolbook" panose="02040604050505020304" pitchFamily="18" charset="0"/>
+              </a:rPr>
+              <a:t>goto SLOT</a:t>
+            </a:r>
+          </a:p>
+        </p:txBody>
+      </p:sp>
+      <p:sp>
+        <p:nvSpPr>
+          <p:cNvPr id="19" name="Rettangolo arrotondato 18"/>
+          <p:cNvSpPr/>
+          <p:nvPr/>
+        </p:nvSpPr>
+        <p:spPr>
+          <a:xfrm>
+            <a:off x="7771865" y="1775042"/>
+            <a:ext cx="1652621" cy="440431"/>
+          </a:xfrm>
+          <a:prstGeom prst="roundRect">
+            <a:avLst/>
+          </a:prstGeom>
+          <a:solidFill>
+            <a:schemeClr val="accent3">
+              <a:lumMod val="20000"/>
+              <a:lumOff val="80000"/>
+            </a:schemeClr>
+          </a:solidFill>
+          <a:ln>
+            <a:solidFill>
+              <a:schemeClr val="tx1"/>
+            </a:solidFill>
+          </a:ln>
+        </p:spPr>
+        <p:style>
+          <a:lnRef idx="2">
+            <a:schemeClr val="accent1">
+              <a:shade val="50000"/>
+            </a:schemeClr>
+          </a:lnRef>
+          <a:fillRef idx="1">
+            <a:schemeClr val="accent1"/>
+          </a:fillRef>
+          <a:effectRef idx="0">
+            <a:schemeClr val="accent1"/>
+          </a:effectRef>
+          <a:fontRef idx="minor">
+            <a:schemeClr val="lt1"/>
+          </a:fontRef>
+        </p:style>
+        <p:txBody>
+          <a:bodyPr rtlCol="0" anchor="ctr"/>
+          <a:lstStyle/>
+          <a:p>
+            <a:pPr algn="ctr"/>
+            <a:r>
+              <a:rPr lang="it-IT" sz="1400" dirty="0">
+                <a:solidFill>
+                  <a:schemeClr val="tx1"/>
+                </a:solidFill>
+                <a:latin typeface="Century Schoolbook" panose="02040604050505020304" pitchFamily="18" charset="0"/>
+              </a:rPr>
+              <a:t>acceptOUT</a:t>
+            </a:r>
+          </a:p>
+          <a:p>
+            <a:pPr algn="ctr"/>
+            <a:r>
+              <a:rPr lang="it-IT" sz="1400" dirty="0">
+                <a:solidFill>
+                  <a:schemeClr val="tx1"/>
+                </a:solidFill>
+                <a:latin typeface="Century Schoolbook" panose="02040604050505020304" pitchFamily="18" charset="0"/>
+              </a:rPr>
+              <a:t>/</a:t>
+            </a:r>
+            <a:r>
+              <a:rPr lang="it-IT" sz="1400" dirty="0">
+                <a:solidFill>
+                  <a:schemeClr val="accent2">
+                    <a:lumMod val="75000"/>
+                  </a:schemeClr>
+                </a:solidFill>
+                <a:latin typeface="Century Schoolbook" panose="02040604050505020304" pitchFamily="18" charset="0"/>
+              </a:rPr>
+              <a:t>send notice</a:t>
+            </a:r>
+          </a:p>
+        </p:txBody>
+      </p:sp>
+      <p:sp>
+        <p:nvSpPr>
+          <p:cNvPr id="21" name="Rettangolo arrotondato 20"/>
+          <p:cNvSpPr/>
+          <p:nvPr/>
+        </p:nvSpPr>
+        <p:spPr>
+          <a:xfrm>
+            <a:off x="5134955" y="1766077"/>
+            <a:ext cx="1652621" cy="440431"/>
+          </a:xfrm>
+          <a:prstGeom prst="roundRect">
+            <a:avLst/>
+          </a:prstGeom>
+          <a:solidFill>
+            <a:schemeClr val="accent3">
+              <a:lumMod val="20000"/>
+              <a:lumOff val="80000"/>
+            </a:schemeClr>
+          </a:solidFill>
+          <a:ln>
+            <a:solidFill>
+              <a:schemeClr val="tx1"/>
+            </a:solidFill>
+          </a:ln>
+        </p:spPr>
+        <p:style>
+          <a:lnRef idx="2">
+            <a:schemeClr val="accent1">
+              <a:shade val="50000"/>
+            </a:schemeClr>
+          </a:lnRef>
+          <a:fillRef idx="1">
+            <a:schemeClr val="accent1"/>
+          </a:fillRef>
+          <a:effectRef idx="0">
+            <a:schemeClr val="accent1"/>
+          </a:effectRef>
+          <a:fontRef idx="minor">
+            <a:schemeClr val="lt1"/>
+          </a:fontRef>
+        </p:style>
+        <p:txBody>
+          <a:bodyPr rtlCol="0" anchor="ctr"/>
+          <a:lstStyle/>
+          <a:p>
+            <a:pPr algn="ctr"/>
+            <a:r>
+              <a:rPr lang="it-IT" sz="1400" dirty="0">
+                <a:solidFill>
+                  <a:schemeClr val="tx1"/>
+                </a:solidFill>
+                <a:latin typeface="Century Schoolbook" panose="02040604050505020304" pitchFamily="18" charset="0"/>
+              </a:rPr>
+              <a:t>moveToHome</a:t>
+            </a:r>
+          </a:p>
+          <a:p>
+            <a:pPr algn="ctr"/>
+            <a:r>
+              <a:rPr lang="it-IT" sz="1400" dirty="0">
+                <a:solidFill>
+                  <a:schemeClr val="tx1"/>
+                </a:solidFill>
+                <a:latin typeface="Century Schoolbook" panose="02040604050505020304" pitchFamily="18" charset="0"/>
+              </a:rPr>
+              <a:t>/ </a:t>
+            </a:r>
+            <a:r>
+              <a:rPr lang="it-IT" sz="1400" dirty="0">
+                <a:solidFill>
+                  <a:schemeClr val="accent2">
+                    <a:lumMod val="75000"/>
+                  </a:schemeClr>
+                </a:solidFill>
+                <a:latin typeface="Century Schoolbook" panose="02040604050505020304" pitchFamily="18" charset="0"/>
+              </a:rPr>
+              <a:t>goto HOME</a:t>
+            </a:r>
+          </a:p>
+        </p:txBody>
+      </p:sp>
+      <p:sp>
+        <p:nvSpPr>
+          <p:cNvPr id="22" name="Rettangolo arrotondato 21"/>
+          <p:cNvSpPr/>
+          <p:nvPr/>
+        </p:nvSpPr>
+        <p:spPr>
+          <a:xfrm>
+            <a:off x="7771864" y="2735505"/>
+            <a:ext cx="1652621" cy="440431"/>
+          </a:xfrm>
+          <a:prstGeom prst="roundRect">
+            <a:avLst/>
+          </a:prstGeom>
+          <a:solidFill>
+            <a:schemeClr val="accent3">
+              <a:lumMod val="20000"/>
+              <a:lumOff val="80000"/>
+            </a:schemeClr>
+          </a:solidFill>
+          <a:ln>
+            <a:solidFill>
+              <a:schemeClr val="tx1"/>
+            </a:solidFill>
+          </a:ln>
+        </p:spPr>
+        <p:style>
+          <a:lnRef idx="2">
+            <a:schemeClr val="accent1">
+              <a:shade val="50000"/>
+            </a:schemeClr>
+          </a:lnRef>
+          <a:fillRef idx="1">
+            <a:schemeClr val="accent1"/>
+          </a:fillRef>
+          <a:effectRef idx="0">
+            <a:schemeClr val="accent1"/>
+          </a:effectRef>
+          <a:fontRef idx="minor">
+            <a:schemeClr val="lt1"/>
+          </a:fontRef>
+        </p:style>
+        <p:txBody>
+          <a:bodyPr rtlCol="0" anchor="ctr"/>
+          <a:lstStyle/>
+          <a:p>
+            <a:pPr algn="ctr"/>
+            <a:r>
+              <a:rPr lang="it-IT" sz="1400" dirty="0">
+                <a:solidFill>
+                  <a:schemeClr val="tx1"/>
+                </a:solidFill>
+                <a:latin typeface="Century Schoolbook" panose="02040604050505020304" pitchFamily="18" charset="0"/>
+              </a:rPr>
+              <a:t>findSlot</a:t>
+            </a:r>
+          </a:p>
+          <a:p>
+            <a:pPr algn="ctr"/>
+            <a:r>
+              <a:rPr lang="it-IT" sz="1400" dirty="0">
+                <a:solidFill>
+                  <a:schemeClr val="tx1"/>
+                </a:solidFill>
+                <a:latin typeface="Century Schoolbook" panose="02040604050505020304" pitchFamily="18" charset="0"/>
+              </a:rPr>
+              <a:t>/</a:t>
+            </a:r>
+            <a:r>
+              <a:rPr lang="it-IT" sz="1400" dirty="0">
+                <a:solidFill>
+                  <a:schemeClr val="accent2">
+                    <a:lumMod val="75000"/>
+                  </a:schemeClr>
+                </a:solidFill>
+                <a:latin typeface="Century Schoolbook" panose="02040604050505020304" pitchFamily="18" charset="0"/>
+              </a:rPr>
+              <a:t>CARSLOTNUM</a:t>
+            </a:r>
+          </a:p>
+        </p:txBody>
+      </p:sp>
+      <p:sp>
+        <p:nvSpPr>
+          <p:cNvPr id="23" name="Rettangolo arrotondato 22"/>
+          <p:cNvSpPr/>
+          <p:nvPr/>
+        </p:nvSpPr>
+        <p:spPr>
+          <a:xfrm>
+            <a:off x="7771864" y="3484293"/>
+            <a:ext cx="1652621" cy="440431"/>
+          </a:xfrm>
+          <a:prstGeom prst="roundRect">
+            <a:avLst/>
+          </a:prstGeom>
+          <a:solidFill>
+            <a:schemeClr val="accent3">
+              <a:lumMod val="20000"/>
+              <a:lumOff val="80000"/>
+            </a:schemeClr>
+          </a:solidFill>
+          <a:ln>
+            <a:solidFill>
+              <a:schemeClr val="tx1"/>
+            </a:solidFill>
+          </a:ln>
+        </p:spPr>
+        <p:style>
+          <a:lnRef idx="2">
+            <a:schemeClr val="accent1">
+              <a:shade val="50000"/>
+            </a:schemeClr>
+          </a:lnRef>
+          <a:fillRef idx="1">
+            <a:schemeClr val="accent1"/>
+          </a:fillRef>
+          <a:effectRef idx="0">
+            <a:schemeClr val="accent1"/>
+          </a:effectRef>
+          <a:fontRef idx="minor">
+            <a:schemeClr val="lt1"/>
+          </a:fontRef>
+        </p:style>
+        <p:txBody>
+          <a:bodyPr rtlCol="0" anchor="ctr"/>
+          <a:lstStyle/>
+          <a:p>
+            <a:pPr algn="ctr"/>
+            <a:r>
+              <a:rPr lang="it-IT" sz="1400" dirty="0">
+                <a:solidFill>
+                  <a:schemeClr val="tx1"/>
+                </a:solidFill>
+                <a:latin typeface="Century Schoolbook" panose="02040604050505020304" pitchFamily="18" charset="0"/>
+              </a:rPr>
+              <a:t>moveToSlotOut</a:t>
+            </a:r>
+          </a:p>
+          <a:p>
+            <a:pPr algn="ctr"/>
+            <a:r>
+              <a:rPr lang="it-IT" sz="1400" dirty="0">
+                <a:solidFill>
+                  <a:schemeClr val="tx1"/>
+                </a:solidFill>
+                <a:latin typeface="Century Schoolbook" panose="02040604050505020304" pitchFamily="18" charset="0"/>
+              </a:rPr>
+              <a:t>/</a:t>
+            </a:r>
+            <a:r>
+              <a:rPr lang="it-IT" sz="1400" dirty="0">
+                <a:solidFill>
+                  <a:schemeClr val="accent2">
+                    <a:lumMod val="75000"/>
+                  </a:schemeClr>
+                </a:solidFill>
+                <a:latin typeface="Century Schoolbook" panose="02040604050505020304" pitchFamily="18" charset="0"/>
+              </a:rPr>
+              <a:t>goto SLOT</a:t>
+            </a:r>
+          </a:p>
+        </p:txBody>
+      </p:sp>
+      <p:sp>
+        <p:nvSpPr>
+          <p:cNvPr id="25" name="Rettangolo arrotondato 24"/>
+          <p:cNvSpPr/>
+          <p:nvPr/>
+        </p:nvSpPr>
+        <p:spPr>
+          <a:xfrm>
+            <a:off x="7771863" y="4230429"/>
+            <a:ext cx="1652621" cy="440431"/>
+          </a:xfrm>
+          <a:prstGeom prst="roundRect">
+            <a:avLst/>
+          </a:prstGeom>
+          <a:solidFill>
+            <a:schemeClr val="accent3">
+              <a:lumMod val="20000"/>
+              <a:lumOff val="80000"/>
+            </a:schemeClr>
+          </a:solidFill>
+          <a:ln>
+            <a:solidFill>
+              <a:schemeClr val="tx1"/>
+            </a:solidFill>
+          </a:ln>
+        </p:spPr>
+        <p:style>
+          <a:lnRef idx="2">
+            <a:schemeClr val="accent1">
+              <a:shade val="50000"/>
+            </a:schemeClr>
+          </a:lnRef>
+          <a:fillRef idx="1">
+            <a:schemeClr val="accent1"/>
+          </a:fillRef>
+          <a:effectRef idx="0">
+            <a:schemeClr val="accent1"/>
+          </a:effectRef>
+          <a:fontRef idx="minor">
+            <a:schemeClr val="lt1"/>
+          </a:fontRef>
+        </p:style>
+        <p:txBody>
+          <a:bodyPr rtlCol="0" anchor="ctr"/>
+          <a:lstStyle/>
+          <a:p>
+            <a:pPr algn="ctr"/>
+            <a:r>
+              <a:rPr lang="it-IT" sz="1400" dirty="0">
+                <a:solidFill>
+                  <a:schemeClr val="tx1"/>
+                </a:solidFill>
+                <a:latin typeface="Century Schoolbook" panose="02040604050505020304" pitchFamily="18" charset="0"/>
+              </a:rPr>
+              <a:t>moveToOut</a:t>
+            </a:r>
+          </a:p>
+          <a:p>
+            <a:pPr algn="ctr"/>
+            <a:r>
+              <a:rPr lang="it-IT" sz="1400" dirty="0">
+                <a:solidFill>
+                  <a:schemeClr val="tx1"/>
+                </a:solidFill>
+                <a:latin typeface="Century Schoolbook" panose="02040604050505020304" pitchFamily="18" charset="0"/>
+              </a:rPr>
+              <a:t>/</a:t>
+            </a:r>
+            <a:r>
+              <a:rPr lang="it-IT" sz="1400" dirty="0">
+                <a:solidFill>
+                  <a:schemeClr val="accent2">
+                    <a:lumMod val="75000"/>
+                  </a:schemeClr>
+                </a:solidFill>
+                <a:latin typeface="Century Schoolbook" panose="02040604050505020304" pitchFamily="18" charset="0"/>
+              </a:rPr>
+              <a:t>goto OUTDOOR</a:t>
+            </a:r>
+          </a:p>
+        </p:txBody>
+      </p:sp>
+      <p:cxnSp>
+        <p:nvCxnSpPr>
+          <p:cNvPr id="115" name="Connettore 4 114"/>
+          <p:cNvCxnSpPr>
+            <a:stCxn id="17" idx="3"/>
+            <a:endCxn id="21" idx="2"/>
+          </p:cNvCxnSpPr>
+          <p:nvPr/>
+        </p:nvCxnSpPr>
+        <p:spPr>
+          <a:xfrm flipV="1">
+            <a:off x="4150669" y="2206508"/>
+            <a:ext cx="1810597" cy="2991599"/>
+          </a:xfrm>
+          <a:prstGeom prst="bentConnector2">
+            <a:avLst/>
+          </a:prstGeom>
+          <a:ln w="19050">
+            <a:solidFill>
+              <a:schemeClr val="tx1"/>
+            </a:solidFill>
+            <a:tailEnd type="triangle"/>
+          </a:ln>
+        </p:spPr>
+        <p:style>
+          <a:lnRef idx="1">
+            <a:schemeClr val="accent1"/>
+          </a:lnRef>
+          <a:fillRef idx="0">
+            <a:schemeClr val="accent1"/>
+          </a:fillRef>
+          <a:effectRef idx="0">
+            <a:schemeClr val="accent1"/>
+          </a:effectRef>
+          <a:fontRef idx="minor">
+            <a:schemeClr val="tx1"/>
+          </a:fontRef>
+        </p:style>
+      </p:cxnSp>
+      <p:cxnSp>
+        <p:nvCxnSpPr>
+          <p:cNvPr id="137" name="Connettore 2 136"/>
+          <p:cNvCxnSpPr>
+            <a:stCxn id="19" idx="2"/>
+            <a:endCxn id="22" idx="0"/>
+          </p:cNvCxnSpPr>
+          <p:nvPr/>
+        </p:nvCxnSpPr>
+        <p:spPr>
+          <a:xfrm flipH="1">
+            <a:off x="8598175" y="2215473"/>
+            <a:ext cx="1" cy="520032"/>
+          </a:xfrm>
+          <a:prstGeom prst="straightConnector1">
+            <a:avLst/>
+          </a:prstGeom>
+          <a:ln w="19050">
+            <a:solidFill>
+              <a:schemeClr val="tx1"/>
+            </a:solidFill>
+            <a:tailEnd type="triangle"/>
+          </a:ln>
+        </p:spPr>
+        <p:style>
+          <a:lnRef idx="1">
+            <a:schemeClr val="accent1"/>
+          </a:lnRef>
+          <a:fillRef idx="0">
+            <a:schemeClr val="accent1"/>
+          </a:fillRef>
+          <a:effectRef idx="0">
+            <a:schemeClr val="accent1"/>
+          </a:effectRef>
+          <a:fontRef idx="minor">
+            <a:schemeClr val="tx1"/>
+          </a:fontRef>
+        </p:style>
+      </p:cxnSp>
+      <p:cxnSp>
+        <p:nvCxnSpPr>
+          <p:cNvPr id="140" name="Connettore 2 139"/>
+          <p:cNvCxnSpPr>
+            <a:stCxn id="22" idx="2"/>
+            <a:endCxn id="23" idx="0"/>
+          </p:cNvCxnSpPr>
+          <p:nvPr/>
+        </p:nvCxnSpPr>
+        <p:spPr>
+          <a:xfrm>
+            <a:off x="8598175" y="3175936"/>
+            <a:ext cx="0" cy="308357"/>
+          </a:xfrm>
+          <a:prstGeom prst="straightConnector1">
+            <a:avLst/>
+          </a:prstGeom>
+          <a:ln w="19050">
+            <a:solidFill>
+              <a:schemeClr val="tx1"/>
+            </a:solidFill>
+            <a:tailEnd type="triangle"/>
+          </a:ln>
+        </p:spPr>
+        <p:style>
+          <a:lnRef idx="1">
+            <a:schemeClr val="accent1"/>
+          </a:lnRef>
+          <a:fillRef idx="0">
+            <a:schemeClr val="accent1"/>
+          </a:fillRef>
+          <a:effectRef idx="0">
+            <a:schemeClr val="accent1"/>
+          </a:effectRef>
+          <a:fontRef idx="minor">
+            <a:schemeClr val="tx1"/>
+          </a:fontRef>
+        </p:style>
+      </p:cxnSp>
+      <p:cxnSp>
+        <p:nvCxnSpPr>
+          <p:cNvPr id="143" name="Connettore 2 142"/>
+          <p:cNvCxnSpPr>
+            <a:stCxn id="23" idx="2"/>
+            <a:endCxn id="25" idx="0"/>
+          </p:cNvCxnSpPr>
+          <p:nvPr/>
+        </p:nvCxnSpPr>
+        <p:spPr>
+          <a:xfrm flipH="1">
+            <a:off x="8598174" y="3924724"/>
+            <a:ext cx="1" cy="305705"/>
+          </a:xfrm>
+          <a:prstGeom prst="straightConnector1">
+            <a:avLst/>
+          </a:prstGeom>
+          <a:ln w="19050">
+            <a:solidFill>
+              <a:schemeClr val="tx1"/>
+            </a:solidFill>
+            <a:tailEnd type="triangle"/>
+          </a:ln>
+        </p:spPr>
+        <p:style>
+          <a:lnRef idx="1">
+            <a:schemeClr val="accent1"/>
+          </a:lnRef>
+          <a:fillRef idx="0">
+            <a:schemeClr val="accent1"/>
+          </a:fillRef>
+          <a:effectRef idx="0">
+            <a:schemeClr val="accent1"/>
+          </a:effectRef>
+          <a:fontRef idx="minor">
+            <a:schemeClr val="tx1"/>
+          </a:fontRef>
+        </p:style>
+      </p:cxnSp>
+      <p:cxnSp>
+        <p:nvCxnSpPr>
+          <p:cNvPr id="146" name="Connettore 2 145"/>
+          <p:cNvCxnSpPr>
+            <a:stCxn id="4" idx="2"/>
+            <a:endCxn id="5" idx="0"/>
+          </p:cNvCxnSpPr>
+          <p:nvPr/>
+        </p:nvCxnSpPr>
+        <p:spPr>
+          <a:xfrm flipH="1">
+            <a:off x="3324357" y="2215473"/>
+            <a:ext cx="2" cy="520032"/>
+          </a:xfrm>
+          <a:prstGeom prst="straightConnector1">
+            <a:avLst/>
+          </a:prstGeom>
+          <a:ln w="19050">
+            <a:solidFill>
+              <a:schemeClr val="tx1"/>
+            </a:solidFill>
+            <a:tailEnd type="triangle"/>
+          </a:ln>
+        </p:spPr>
+        <p:style>
+          <a:lnRef idx="1">
+            <a:schemeClr val="accent1"/>
+          </a:lnRef>
+          <a:fillRef idx="0">
+            <a:schemeClr val="accent1"/>
+          </a:fillRef>
+          <a:effectRef idx="0">
+            <a:schemeClr val="accent1"/>
+          </a:effectRef>
+          <a:fontRef idx="minor">
+            <a:schemeClr val="tx1"/>
+          </a:fontRef>
+        </p:style>
+      </p:cxnSp>
+      <p:cxnSp>
+        <p:nvCxnSpPr>
+          <p:cNvPr id="149" name="Connettore 2 148"/>
+          <p:cNvCxnSpPr>
+            <a:stCxn id="5" idx="2"/>
+            <a:endCxn id="15" idx="0"/>
+          </p:cNvCxnSpPr>
+          <p:nvPr/>
+        </p:nvCxnSpPr>
+        <p:spPr>
+          <a:xfrm>
+            <a:off x="3324357" y="3175936"/>
+            <a:ext cx="2" cy="307031"/>
+          </a:xfrm>
+          <a:prstGeom prst="straightConnector1">
+            <a:avLst/>
+          </a:prstGeom>
+          <a:ln w="19050">
+            <a:solidFill>
+              <a:schemeClr val="tx1"/>
+            </a:solidFill>
+            <a:tailEnd type="triangle"/>
+          </a:ln>
+        </p:spPr>
+        <p:style>
+          <a:lnRef idx="1">
+            <a:schemeClr val="accent1"/>
+          </a:lnRef>
+          <a:fillRef idx="0">
+            <a:schemeClr val="accent1"/>
+          </a:fillRef>
+          <a:effectRef idx="0">
+            <a:schemeClr val="accent1"/>
+          </a:effectRef>
+          <a:fontRef idx="minor">
+            <a:schemeClr val="tx1"/>
+          </a:fontRef>
+        </p:style>
+      </p:cxnSp>
+      <p:cxnSp>
+        <p:nvCxnSpPr>
+          <p:cNvPr id="152" name="Connettore 2 151"/>
+          <p:cNvCxnSpPr>
+            <a:stCxn id="15" idx="2"/>
+            <a:endCxn id="16" idx="0"/>
+          </p:cNvCxnSpPr>
+          <p:nvPr/>
+        </p:nvCxnSpPr>
+        <p:spPr>
+          <a:xfrm>
+            <a:off x="3324359" y="3923398"/>
+            <a:ext cx="0" cy="308357"/>
+          </a:xfrm>
+          <a:prstGeom prst="straightConnector1">
+            <a:avLst/>
+          </a:prstGeom>
+          <a:ln w="19050">
+            <a:solidFill>
+              <a:schemeClr val="tx1"/>
+            </a:solidFill>
+            <a:tailEnd type="triangle"/>
+          </a:ln>
+        </p:spPr>
+        <p:style>
+          <a:lnRef idx="1">
+            <a:schemeClr val="accent1"/>
+          </a:lnRef>
+          <a:fillRef idx="0">
+            <a:schemeClr val="accent1"/>
+          </a:fillRef>
+          <a:effectRef idx="0">
+            <a:schemeClr val="accent1"/>
+          </a:effectRef>
+          <a:fontRef idx="minor">
+            <a:schemeClr val="tx1"/>
+          </a:fontRef>
+        </p:style>
+      </p:cxnSp>
+      <p:cxnSp>
+        <p:nvCxnSpPr>
+          <p:cNvPr id="155" name="Connettore 2 154"/>
+          <p:cNvCxnSpPr>
+            <a:stCxn id="16" idx="2"/>
+            <a:endCxn id="17" idx="0"/>
+          </p:cNvCxnSpPr>
+          <p:nvPr/>
+        </p:nvCxnSpPr>
+        <p:spPr>
+          <a:xfrm>
+            <a:off x="3324359" y="4672186"/>
+            <a:ext cx="0" cy="305705"/>
+          </a:xfrm>
+          <a:prstGeom prst="straightConnector1">
+            <a:avLst/>
+          </a:prstGeom>
+          <a:ln w="19050">
+            <a:solidFill>
+              <a:schemeClr val="tx1"/>
+            </a:solidFill>
+            <a:tailEnd type="triangle"/>
+          </a:ln>
+        </p:spPr>
+        <p:style>
+          <a:lnRef idx="1">
+            <a:schemeClr val="accent1"/>
+          </a:lnRef>
+          <a:fillRef idx="0">
+            <a:schemeClr val="accent1"/>
+          </a:fillRef>
+          <a:effectRef idx="0">
+            <a:schemeClr val="accent1"/>
+          </a:effectRef>
+          <a:fontRef idx="minor">
+            <a:schemeClr val="tx1"/>
+          </a:fontRef>
+        </p:style>
+      </p:cxnSp>
+      <p:sp>
+        <p:nvSpPr>
+          <p:cNvPr id="30" name="CasellaDiTesto 29"/>
+          <p:cNvSpPr txBox="1"/>
+          <p:nvPr/>
+        </p:nvSpPr>
+        <p:spPr>
+          <a:xfrm>
+            <a:off x="1975911" y="3167783"/>
+            <a:ext cx="1348446" cy="307777"/>
+          </a:xfrm>
+          <a:prstGeom prst="rect">
+            <a:avLst/>
+          </a:prstGeom>
+          <a:noFill/>
+        </p:spPr>
+        <p:txBody>
+          <a:bodyPr wrap="none" rtlCol="0">
+            <a:spAutoFit/>
+          </a:bodyPr>
+          <a:lstStyle/>
+          <a:p>
+            <a:r>
+              <a:rPr lang="it-IT" sz="1400" dirty="0">
+                <a:solidFill>
+                  <a:schemeClr val="accent1">
+                    <a:lumMod val="75000"/>
+                  </a:schemeClr>
+                </a:solidFill>
+                <a:latin typeface="Century Schoolbook" panose="02040604050505020304" pitchFamily="18" charset="0"/>
+              </a:rPr>
+              <a:t>SLOTNUM&gt;0</a:t>
             </a:r>
             <a:endParaRPr lang="it-IT" sz="1400" dirty="0">
               <a:solidFill>
@@ -7079,421 +7953,36 @@
       </p:sp>
       <p:sp>
         <p:nvSpPr>
-          <p:cNvPr id="5" name="Rettangolo arrotondato 4"/>
-          <p:cNvSpPr/>
-          <p:nvPr/>
-        </p:nvSpPr>
-        <p:spPr>
-          <a:xfrm>
-            <a:off x="2498046" y="2735505"/>
-            <a:ext cx="1652621" cy="440431"/>
-          </a:xfrm>
-          <a:prstGeom prst="roundRect">
-            <a:avLst/>
-          </a:prstGeom>
-          <a:solidFill>
-            <a:schemeClr val="accent3">
-              <a:lumMod val="20000"/>
-              <a:lumOff val="80000"/>
-            </a:schemeClr>
-          </a:solidFill>
-          <a:ln>
-            <a:solidFill>
-              <a:schemeClr val="tx1"/>
-            </a:solidFill>
-          </a:ln>
-        </p:spPr>
-        <p:style>
-          <a:lnRef idx="2">
-            <a:schemeClr val="accent1">
-              <a:shade val="50000"/>
-            </a:schemeClr>
-          </a:lnRef>
-          <a:fillRef idx="1">
-            <a:schemeClr val="accent1"/>
-          </a:fillRef>
-          <a:effectRef idx="0">
-            <a:schemeClr val="accent1"/>
-          </a:effectRef>
-          <a:fontRef idx="minor">
-            <a:schemeClr val="lt1"/>
-          </a:fontRef>
-        </p:style>
-        <p:txBody>
-          <a:bodyPr rtlCol="0" anchor="ctr"/>
-          <a:lstStyle/>
-          <a:p>
-            <a:pPr algn="ctr"/>
-            <a:r>
-              <a:rPr lang="it-IT" sz="1400" dirty="0" smtClean="0">
-                <a:solidFill>
-                  <a:schemeClr val="tx1"/>
+          <p:cNvPr id="31" name="CasellaDiTesto 30"/>
+          <p:cNvSpPr txBox="1"/>
+          <p:nvPr/>
+        </p:nvSpPr>
+        <p:spPr>
+          <a:xfrm>
+            <a:off x="4148563" y="2646939"/>
+            <a:ext cx="1348446" cy="307777"/>
+          </a:xfrm>
+          <a:prstGeom prst="rect">
+            <a:avLst/>
+          </a:prstGeom>
+          <a:noFill/>
+        </p:spPr>
+        <p:txBody>
+          <a:bodyPr wrap="none" rtlCol="0">
+            <a:spAutoFit/>
+          </a:bodyPr>
+          <a:lstStyle/>
+          <a:p>
+            <a:r>
+              <a:rPr lang="it-IT" sz="1400" dirty="0">
+                <a:solidFill>
+                  <a:schemeClr val="accent1">
+                    <a:lumMod val="75000"/>
+                  </a:schemeClr>
                 </a:solidFill>
                 <a:latin typeface="Century Schoolbook" panose="02040604050505020304" pitchFamily="18" charset="0"/>
               </a:rPr>
-              <a:t>informIN</a:t>
-            </a:r>
-          </a:p>
-          <a:p>
-            <a:pPr algn="ctr"/>
-            <a:r>
-              <a:rPr lang="it-IT" sz="1400" dirty="0" smtClean="0">
-                <a:solidFill>
-                  <a:schemeClr val="tx1"/>
-                </a:solidFill>
-                <a:latin typeface="Century Schoolbook" panose="02040604050505020304" pitchFamily="18" charset="0"/>
-              </a:rPr>
-              <a:t>/</a:t>
-            </a:r>
-            <a:r>
-              <a:rPr lang="it-IT" sz="1400" dirty="0" smtClean="0">
-                <a:solidFill>
-                  <a:schemeClr val="accent2">
-                    <a:lumMod val="75000"/>
-                  </a:schemeClr>
-                </a:solidFill>
-                <a:latin typeface="Century Schoolbook" panose="02040604050505020304" pitchFamily="18" charset="0"/>
-              </a:rPr>
-              <a:t>SLOTNUM</a:t>
-            </a:r>
-          </a:p>
-        </p:txBody>
-      </p:sp>
-      <p:sp>
-        <p:nvSpPr>
-          <p:cNvPr id="15" name="Rettangolo arrotondato 14"/>
-          <p:cNvSpPr/>
-          <p:nvPr/>
-        </p:nvSpPr>
-        <p:spPr>
-          <a:xfrm>
-            <a:off x="2498048" y="3482967"/>
-            <a:ext cx="1652621" cy="440431"/>
-          </a:xfrm>
-          <a:prstGeom prst="roundRect">
-            <a:avLst/>
-          </a:prstGeom>
-          <a:solidFill>
-            <a:schemeClr val="accent3">
-              <a:lumMod val="20000"/>
-              <a:lumOff val="80000"/>
-            </a:schemeClr>
-          </a:solidFill>
-          <a:ln>
-            <a:solidFill>
-              <a:schemeClr val="tx1"/>
-            </a:solidFill>
-          </a:ln>
-        </p:spPr>
-        <p:style>
-          <a:lnRef idx="2">
-            <a:schemeClr val="accent1">
-              <a:shade val="50000"/>
-            </a:schemeClr>
-          </a:lnRef>
-          <a:fillRef idx="1">
-            <a:schemeClr val="accent1"/>
-          </a:fillRef>
-          <a:effectRef idx="0">
-            <a:schemeClr val="accent1"/>
-          </a:effectRef>
-          <a:fontRef idx="minor">
-            <a:schemeClr val="lt1"/>
-          </a:fontRef>
-        </p:style>
-        <p:txBody>
-          <a:bodyPr rtlCol="0" anchor="ctr"/>
-          <a:lstStyle/>
-          <a:p>
-            <a:pPr algn="ctr"/>
-            <a:r>
-              <a:rPr lang="it-IT" sz="1400" dirty="0" smtClean="0">
-                <a:solidFill>
-                  <a:schemeClr val="tx1"/>
-                </a:solidFill>
-                <a:latin typeface="Century Schoolbook" panose="02040604050505020304" pitchFamily="18" charset="0"/>
-              </a:rPr>
-              <a:t>moveToIn</a:t>
-            </a:r>
-          </a:p>
-          <a:p>
-            <a:pPr algn="ctr"/>
-            <a:r>
-              <a:rPr lang="it-IT" sz="1400" dirty="0" smtClean="0">
-                <a:solidFill>
-                  <a:schemeClr val="tx1"/>
-                </a:solidFill>
-                <a:latin typeface="Century Schoolbook" panose="02040604050505020304" pitchFamily="18" charset="0"/>
-              </a:rPr>
-              <a:t>/</a:t>
-            </a:r>
-            <a:r>
-              <a:rPr lang="it-IT" sz="1400" dirty="0" smtClean="0">
-                <a:solidFill>
-                  <a:schemeClr val="accent2">
-                    <a:lumMod val="75000"/>
-                  </a:schemeClr>
-                </a:solidFill>
-                <a:latin typeface="Century Schoolbook" panose="02040604050505020304" pitchFamily="18" charset="0"/>
-              </a:rPr>
-              <a:t>goto INDOOR</a:t>
-            </a:r>
-          </a:p>
-        </p:txBody>
-      </p:sp>
-      <p:sp>
-        <p:nvSpPr>
-          <p:cNvPr id="16" name="Rettangolo arrotondato 15"/>
-          <p:cNvSpPr/>
-          <p:nvPr/>
-        </p:nvSpPr>
-        <p:spPr>
-          <a:xfrm>
-            <a:off x="2498048" y="4231755"/>
-            <a:ext cx="1652621" cy="440431"/>
-          </a:xfrm>
-          <a:prstGeom prst="roundRect">
-            <a:avLst/>
-          </a:prstGeom>
-          <a:solidFill>
-            <a:schemeClr val="accent3">
-              <a:lumMod val="20000"/>
-              <a:lumOff val="80000"/>
-            </a:schemeClr>
-          </a:solidFill>
-          <a:ln>
-            <a:solidFill>
-              <a:schemeClr val="tx1"/>
-            </a:solidFill>
-          </a:ln>
-        </p:spPr>
-        <p:style>
-          <a:lnRef idx="2">
-            <a:schemeClr val="accent1">
-              <a:shade val="50000"/>
-            </a:schemeClr>
-          </a:lnRef>
-          <a:fillRef idx="1">
-            <a:schemeClr val="accent1"/>
-          </a:fillRef>
-          <a:effectRef idx="0">
-            <a:schemeClr val="accent1"/>
-          </a:effectRef>
-          <a:fontRef idx="minor">
-            <a:schemeClr val="lt1"/>
-          </a:fontRef>
-        </p:style>
-        <p:txBody>
-          <a:bodyPr rtlCol="0" anchor="ctr"/>
-          <a:lstStyle/>
-          <a:p>
-            <a:pPr algn="ctr"/>
-            <a:r>
-              <a:rPr lang="it-IT" sz="1400" dirty="0" smtClean="0">
-                <a:solidFill>
-                  <a:schemeClr val="tx1"/>
-                </a:solidFill>
-                <a:latin typeface="Century Schoolbook" panose="02040604050505020304" pitchFamily="18" charset="0"/>
-              </a:rPr>
-              <a:t>receipt</a:t>
-            </a:r>
-          </a:p>
-          <a:p>
-            <a:pPr algn="ctr"/>
-            <a:r>
-              <a:rPr lang="it-IT" sz="1400" dirty="0" smtClean="0">
-                <a:solidFill>
-                  <a:schemeClr val="tx1"/>
-                </a:solidFill>
-                <a:latin typeface="Century Schoolbook" panose="02040604050505020304" pitchFamily="18" charset="0"/>
-              </a:rPr>
-              <a:t>/</a:t>
-            </a:r>
-            <a:r>
-              <a:rPr lang="it-IT" sz="1400" dirty="0" smtClean="0">
-                <a:solidFill>
-                  <a:schemeClr val="accent2">
-                    <a:lumMod val="75000"/>
-                  </a:schemeClr>
-                </a:solidFill>
-                <a:latin typeface="Century Schoolbook" panose="02040604050505020304" pitchFamily="18" charset="0"/>
-              </a:rPr>
-              <a:t>TOKENID</a:t>
-            </a:r>
-          </a:p>
-        </p:txBody>
-      </p:sp>
-      <p:sp>
-        <p:nvSpPr>
-          <p:cNvPr id="17" name="Rettangolo arrotondato 16"/>
-          <p:cNvSpPr/>
-          <p:nvPr/>
-        </p:nvSpPr>
-        <p:spPr>
-          <a:xfrm>
-            <a:off x="2498048" y="4977891"/>
-            <a:ext cx="1652621" cy="440431"/>
-          </a:xfrm>
-          <a:prstGeom prst="roundRect">
-            <a:avLst/>
-          </a:prstGeom>
-          <a:solidFill>
-            <a:schemeClr val="accent3">
-              <a:lumMod val="20000"/>
-              <a:lumOff val="80000"/>
-            </a:schemeClr>
-          </a:solidFill>
-          <a:ln>
-            <a:solidFill>
-              <a:schemeClr val="tx1"/>
-            </a:solidFill>
-          </a:ln>
-        </p:spPr>
-        <p:style>
-          <a:lnRef idx="2">
-            <a:schemeClr val="accent1">
-              <a:shade val="50000"/>
-            </a:schemeClr>
-          </a:lnRef>
-          <a:fillRef idx="1">
-            <a:schemeClr val="accent1"/>
-          </a:fillRef>
-          <a:effectRef idx="0">
-            <a:schemeClr val="accent1"/>
-          </a:effectRef>
-          <a:fontRef idx="minor">
-            <a:schemeClr val="lt1"/>
-          </a:fontRef>
-        </p:style>
-        <p:txBody>
-          <a:bodyPr rtlCol="0" anchor="ctr"/>
-          <a:lstStyle/>
-          <a:p>
-            <a:pPr algn="ctr"/>
-            <a:r>
-              <a:rPr lang="it-IT" sz="1400" dirty="0" smtClean="0">
-                <a:solidFill>
-                  <a:schemeClr val="tx1"/>
-                </a:solidFill>
-                <a:latin typeface="Century Schoolbook" panose="02040604050505020304" pitchFamily="18" charset="0"/>
-              </a:rPr>
-              <a:t>moveToSlotIn</a:t>
-            </a:r>
-          </a:p>
-          <a:p>
-            <a:pPr algn="ctr"/>
-            <a:r>
-              <a:rPr lang="it-IT" sz="1400" dirty="0" smtClean="0">
-                <a:solidFill>
-                  <a:schemeClr val="tx1"/>
-                </a:solidFill>
-                <a:latin typeface="Century Schoolbook" panose="02040604050505020304" pitchFamily="18" charset="0"/>
-              </a:rPr>
-              <a:t>/</a:t>
-            </a:r>
-            <a:r>
-              <a:rPr lang="it-IT" sz="1400" dirty="0" smtClean="0">
-                <a:solidFill>
-                  <a:schemeClr val="accent2">
-                    <a:lumMod val="75000"/>
-                  </a:schemeClr>
-                </a:solidFill>
-                <a:latin typeface="Century Schoolbook" panose="02040604050505020304" pitchFamily="18" charset="0"/>
-              </a:rPr>
-              <a:t>goto SLOT</a:t>
-            </a:r>
-          </a:p>
-        </p:txBody>
-      </p:sp>
-      <p:sp>
-        <p:nvSpPr>
-          <p:cNvPr id="19" name="Rettangolo arrotondato 18"/>
-          <p:cNvSpPr/>
-          <p:nvPr/>
-        </p:nvSpPr>
-        <p:spPr>
-          <a:xfrm>
-            <a:off x="7771865" y="1775042"/>
-            <a:ext cx="1652621" cy="440431"/>
-          </a:xfrm>
-          <a:prstGeom prst="roundRect">
-            <a:avLst/>
-          </a:prstGeom>
-          <a:solidFill>
-            <a:schemeClr val="accent3">
-              <a:lumMod val="20000"/>
-              <a:lumOff val="80000"/>
-            </a:schemeClr>
-          </a:solidFill>
-          <a:ln>
-            <a:solidFill>
-              <a:schemeClr val="tx1"/>
-            </a:solidFill>
-          </a:ln>
-        </p:spPr>
-        <p:style>
-          <a:lnRef idx="2">
-            <a:schemeClr val="accent1">
-              <a:shade val="50000"/>
-            </a:schemeClr>
-          </a:lnRef>
-          <a:fillRef idx="1">
-            <a:schemeClr val="accent1"/>
-          </a:fillRef>
-          <a:effectRef idx="0">
-            <a:schemeClr val="accent1"/>
-          </a:effectRef>
-          <a:fontRef idx="minor">
-            <a:schemeClr val="lt1"/>
-          </a:fontRef>
-        </p:style>
-        <p:txBody>
-          <a:bodyPr rtlCol="0" anchor="ctr"/>
-          <a:lstStyle/>
-          <a:p>
-            <a:pPr algn="ctr"/>
-            <a:r>
-              <a:rPr lang="it-IT" sz="1400" dirty="0" smtClean="0">
-                <a:solidFill>
-                  <a:schemeClr val="tx1"/>
-                </a:solidFill>
-                <a:latin typeface="Century Schoolbook" panose="02040604050505020304" pitchFamily="18" charset="0"/>
-              </a:rPr>
-              <a:t>acceptOUT</a:t>
-            </a:r>
-          </a:p>
-          <a:p>
-            <a:pPr algn="ctr"/>
-            <a:r>
-              <a:rPr lang="it-IT" sz="1400" dirty="0">
-                <a:solidFill>
-                  <a:schemeClr val="tx1"/>
-                </a:solidFill>
-                <a:latin typeface="Century Schoolbook" panose="02040604050505020304" pitchFamily="18" charset="0"/>
-              </a:rPr>
-              <a:t>/</a:t>
-            </a:r>
-            <a:r>
-              <a:rPr lang="it-IT" sz="1400" dirty="0">
-                <a:solidFill>
-                  <a:schemeClr val="accent2">
-                    <a:lumMod val="75000"/>
-                  </a:schemeClr>
-                </a:solidFill>
-                <a:latin typeface="Century Schoolbook" panose="02040604050505020304" pitchFamily="18" charset="0"/>
-              </a:rPr>
-              <a:t>send </a:t>
-            </a:r>
-            <a:r>
-              <a:rPr lang="it-IT" sz="1400" dirty="0" smtClean="0">
-                <a:solidFill>
-                  <a:schemeClr val="accent2">
-                    <a:lumMod val="75000"/>
-                  </a:schemeClr>
-                </a:solidFill>
-                <a:latin typeface="Century Schoolbook" panose="02040604050505020304" pitchFamily="18" charset="0"/>
-              </a:rPr>
-              <a:t>notice</a:t>
+              <a:t>SLOTNUM=0</a:t>
             </a:r>
             <a:endParaRPr lang="it-IT" sz="1400" dirty="0">
               <a:solidFill>
@@ -7508,246 +7997,121 @@
       </p:sp>
       <p:sp>
         <p:nvSpPr>
-          <p:cNvPr id="21" name="Rettangolo arrotondato 20"/>
-          <p:cNvSpPr/>
-          <p:nvPr/>
-        </p:nvSpPr>
-        <p:spPr>
-          <a:xfrm>
-            <a:off x="5134955" y="1766077"/>
-            <a:ext cx="1652621" cy="440431"/>
-          </a:xfrm>
-          <a:prstGeom prst="roundRect">
-            <a:avLst/>
-          </a:prstGeom>
-          <a:solidFill>
-            <a:schemeClr val="accent3">
-              <a:lumMod val="20000"/>
-              <a:lumOff val="80000"/>
-            </a:schemeClr>
-          </a:solidFill>
-          <a:ln>
-            <a:solidFill>
-              <a:schemeClr val="tx1"/>
-            </a:solidFill>
-          </a:ln>
-        </p:spPr>
-        <p:style>
-          <a:lnRef idx="2">
-            <a:schemeClr val="accent1">
-              <a:shade val="50000"/>
-            </a:schemeClr>
-          </a:lnRef>
-          <a:fillRef idx="1">
-            <a:schemeClr val="accent1"/>
-          </a:fillRef>
-          <a:effectRef idx="0">
-            <a:schemeClr val="accent1"/>
-          </a:effectRef>
-          <a:fontRef idx="minor">
-            <a:schemeClr val="lt1"/>
-          </a:fontRef>
-        </p:style>
-        <p:txBody>
-          <a:bodyPr rtlCol="0" anchor="ctr"/>
-          <a:lstStyle/>
-          <a:p>
-            <a:pPr algn="ctr"/>
-            <a:r>
-              <a:rPr lang="it-IT" sz="1400" dirty="0" smtClean="0">
-                <a:solidFill>
-                  <a:schemeClr val="tx1"/>
+          <p:cNvPr id="39" name="CasellaDiTesto 38"/>
+          <p:cNvSpPr txBox="1"/>
+          <p:nvPr/>
+        </p:nvSpPr>
+        <p:spPr>
+          <a:xfrm>
+            <a:off x="1552667" y="2216461"/>
+            <a:ext cx="1749197" cy="523220"/>
+          </a:xfrm>
+          <a:prstGeom prst="rect">
+            <a:avLst/>
+          </a:prstGeom>
+          <a:noFill/>
+        </p:spPr>
+        <p:txBody>
+          <a:bodyPr wrap="none" rtlCol="0">
+            <a:spAutoFit/>
+          </a:bodyPr>
+          <a:lstStyle/>
+          <a:p>
+            <a:r>
+              <a:rPr lang="it-IT" sz="1400" dirty="0">
+                <a:solidFill>
+                  <a:schemeClr val="accent1">
+                    <a:lumMod val="75000"/>
+                  </a:schemeClr>
                 </a:solidFill>
                 <a:latin typeface="Century Schoolbook" panose="02040604050505020304" pitchFamily="18" charset="0"/>
               </a:rPr>
-              <a:t>moveToHome</a:t>
-            </a:r>
-          </a:p>
-          <a:p>
-            <a:pPr algn="ctr"/>
-            <a:r>
-              <a:rPr lang="it-IT" sz="1400" dirty="0" smtClean="0">
-                <a:solidFill>
-                  <a:schemeClr val="tx1"/>
+              <a:t>slot available</a:t>
+            </a:r>
+          </a:p>
+          <a:p>
+            <a:r>
+              <a:rPr lang="it-IT" sz="1400" dirty="0">
+                <a:solidFill>
+                  <a:schemeClr val="accent1">
+                    <a:lumMod val="75000"/>
+                  </a:schemeClr>
                 </a:solidFill>
                 <a:latin typeface="Century Schoolbook" panose="02040604050505020304" pitchFamily="18" charset="0"/>
               </a:rPr>
-              <a:t>/ </a:t>
-            </a:r>
-            <a:r>
-              <a:rPr lang="it-IT" sz="1400" dirty="0" smtClean="0">
-                <a:solidFill>
-                  <a:schemeClr val="accent2">
+              <a:t>INDOOR-area free</a:t>
+            </a:r>
+          </a:p>
+        </p:txBody>
+      </p:sp>
+      <p:sp>
+        <p:nvSpPr>
+          <p:cNvPr id="40" name="CasellaDiTesto 39"/>
+          <p:cNvSpPr txBox="1"/>
+          <p:nvPr/>
+        </p:nvSpPr>
+        <p:spPr>
+          <a:xfrm>
+            <a:off x="6162958" y="1444730"/>
+            <a:ext cx="2345514" cy="307777"/>
+          </a:xfrm>
+          <a:prstGeom prst="rect">
+            <a:avLst/>
+          </a:prstGeom>
+          <a:noFill/>
+        </p:spPr>
+        <p:txBody>
+          <a:bodyPr wrap="none" rtlCol="0">
+            <a:spAutoFit/>
+          </a:bodyPr>
+          <a:lstStyle/>
+          <a:p>
+            <a:r>
+              <a:rPr lang="it-IT" sz="1400" dirty="0">
+                <a:solidFill>
+                  <a:schemeClr val="accent1">
                     <a:lumMod val="75000"/>
                   </a:schemeClr>
                 </a:solidFill>
                 <a:latin typeface="Century Schoolbook" panose="02040604050505020304" pitchFamily="18" charset="0"/>
               </a:rPr>
-              <a:t>goto HOME</a:t>
-            </a:r>
-          </a:p>
-        </p:txBody>
-      </p:sp>
-      <p:sp>
-        <p:nvSpPr>
-          <p:cNvPr id="22" name="Rettangolo arrotondato 21"/>
-          <p:cNvSpPr/>
-          <p:nvPr/>
-        </p:nvSpPr>
-        <p:spPr>
-          <a:xfrm>
-            <a:off x="7771864" y="2735505"/>
-            <a:ext cx="1652621" cy="440431"/>
-          </a:xfrm>
-          <a:prstGeom prst="roundRect">
-            <a:avLst/>
-          </a:prstGeom>
-          <a:solidFill>
-            <a:schemeClr val="accent3">
-              <a:lumMod val="20000"/>
-              <a:lumOff val="80000"/>
-            </a:schemeClr>
-          </a:solidFill>
-          <a:ln>
-            <a:solidFill>
-              <a:schemeClr val="tx1"/>
-            </a:solidFill>
-          </a:ln>
-        </p:spPr>
-        <p:style>
-          <a:lnRef idx="2">
-            <a:schemeClr val="accent1">
-              <a:shade val="50000"/>
-            </a:schemeClr>
-          </a:lnRef>
-          <a:fillRef idx="1">
-            <a:schemeClr val="accent1"/>
-          </a:fillRef>
-          <a:effectRef idx="0">
-            <a:schemeClr val="accent1"/>
-          </a:effectRef>
-          <a:fontRef idx="minor">
-            <a:schemeClr val="lt1"/>
-          </a:fontRef>
-        </p:style>
-        <p:txBody>
-          <a:bodyPr rtlCol="0" anchor="ctr"/>
-          <a:lstStyle/>
-          <a:p>
-            <a:pPr algn="ctr"/>
-            <a:r>
-              <a:rPr lang="it-IT" sz="1400" dirty="0" smtClean="0">
-                <a:solidFill>
-                  <a:schemeClr val="tx1"/>
+              <a:t>exit request w/ TOKENID</a:t>
+            </a:r>
+          </a:p>
+        </p:txBody>
+      </p:sp>
+      <p:sp>
+        <p:nvSpPr>
+          <p:cNvPr id="84" name="CasellaDiTesto 83"/>
+          <p:cNvSpPr txBox="1"/>
+          <p:nvPr/>
+        </p:nvSpPr>
+        <p:spPr>
+          <a:xfrm>
+            <a:off x="2231240" y="3930805"/>
+            <a:ext cx="1072730" cy="307777"/>
+          </a:xfrm>
+          <a:prstGeom prst="rect">
+            <a:avLst/>
+          </a:prstGeom>
+          <a:noFill/>
+        </p:spPr>
+        <p:txBody>
+          <a:bodyPr wrap="none" rtlCol="0">
+            <a:spAutoFit/>
+          </a:bodyPr>
+          <a:lstStyle/>
+          <a:p>
+            <a:r>
+              <a:rPr lang="it-IT" sz="1400" dirty="0">
+                <a:solidFill>
+                  <a:schemeClr val="accent1">
+                    <a:lumMod val="75000"/>
+                  </a:schemeClr>
                 </a:solidFill>
                 <a:latin typeface="Century Schoolbook" panose="02040604050505020304" pitchFamily="18" charset="0"/>
               </a:rPr>
-              <a:t>findSlot</a:t>
-            </a:r>
-          </a:p>
-          <a:p>
-            <a:pPr algn="ctr"/>
-            <a:r>
-              <a:rPr lang="it-IT" sz="1400" dirty="0" smtClean="0">
-                <a:solidFill>
-                  <a:schemeClr val="tx1"/>
-                </a:solidFill>
-                <a:latin typeface="Century Schoolbook" panose="02040604050505020304" pitchFamily="18" charset="0"/>
-              </a:rPr>
-              <a:t>/</a:t>
-            </a:r>
-            <a:r>
-              <a:rPr lang="it-IT" sz="1400" dirty="0" smtClean="0">
-                <a:solidFill>
-                  <a:schemeClr val="accent2">
-                    <a:lumMod val="75000"/>
-                  </a:schemeClr>
-                </a:solidFill>
-                <a:latin typeface="Century Schoolbook" panose="02040604050505020304" pitchFamily="18" charset="0"/>
-              </a:rPr>
-              <a:t>CARSLOTNUM</a:t>
-            </a:r>
-          </a:p>
-        </p:txBody>
-      </p:sp>
-      <p:sp>
-        <p:nvSpPr>
-          <p:cNvPr id="23" name="Rettangolo arrotondato 22"/>
-          <p:cNvSpPr/>
-          <p:nvPr/>
-        </p:nvSpPr>
-        <p:spPr>
-          <a:xfrm>
-            <a:off x="7771864" y="3484293"/>
-            <a:ext cx="1652621" cy="440431"/>
-          </a:xfrm>
-          <a:prstGeom prst="roundRect">
-            <a:avLst/>
-          </a:prstGeom>
-          <a:solidFill>
-            <a:schemeClr val="accent3">
-              <a:lumMod val="20000"/>
-              <a:lumOff val="80000"/>
-            </a:schemeClr>
-          </a:solidFill>
-          <a:ln>
-            <a:solidFill>
-              <a:schemeClr val="tx1"/>
-            </a:solidFill>
-          </a:ln>
-        </p:spPr>
-        <p:style>
-          <a:lnRef idx="2">
-            <a:schemeClr val="accent1">
-              <a:shade val="50000"/>
-            </a:schemeClr>
-          </a:lnRef>
-          <a:fillRef idx="1">
-            <a:schemeClr val="accent1"/>
-          </a:fillRef>
-          <a:effectRef idx="0">
-            <a:schemeClr val="accent1"/>
-          </a:effectRef>
-          <a:fontRef idx="minor">
-            <a:schemeClr val="lt1"/>
-          </a:fontRef>
-        </p:style>
-        <p:txBody>
-          <a:bodyPr rtlCol="0" anchor="ctr"/>
-          <a:lstStyle/>
-          <a:p>
-            <a:pPr algn="ctr"/>
-            <a:r>
-              <a:rPr lang="it-IT" sz="1400" dirty="0" smtClean="0">
-                <a:solidFill>
-                  <a:schemeClr val="tx1"/>
-                </a:solidFill>
-                <a:latin typeface="Century Schoolbook" panose="02040604050505020304" pitchFamily="18" charset="0"/>
-              </a:rPr>
-              <a:t>moveToSlotOut</a:t>
-            </a:r>
-          </a:p>
-          <a:p>
-            <a:pPr algn="ctr"/>
-            <a:r>
-              <a:rPr lang="it-IT" sz="1400" dirty="0" smtClean="0">
-                <a:solidFill>
-                  <a:schemeClr val="tx1"/>
-                </a:solidFill>
-                <a:latin typeface="Century Schoolbook" panose="02040604050505020304" pitchFamily="18" charset="0"/>
-              </a:rPr>
-              <a:t>/</a:t>
-            </a:r>
-            <a:r>
-              <a:rPr lang="it-IT" sz="1400" dirty="0" smtClean="0">
-                <a:solidFill>
-                  <a:schemeClr val="accent2">
-                    <a:lumMod val="75000"/>
-                  </a:schemeClr>
-                </a:solidFill>
-                <a:latin typeface="Century Schoolbook" panose="02040604050505020304" pitchFamily="18" charset="0"/>
-              </a:rPr>
-              <a:t>goto SLOT</a:t>
+              <a:t>when done</a:t>
             </a:r>
             <a:endParaRPr lang="it-IT" sz="1400" dirty="0">
               <a:solidFill>
@@ -7762,82 +8126,36 @@
       </p:sp>
       <p:sp>
         <p:nvSpPr>
-          <p:cNvPr id="25" name="Rettangolo arrotondato 24"/>
-          <p:cNvSpPr/>
-          <p:nvPr/>
-        </p:nvSpPr>
-        <p:spPr>
-          <a:xfrm>
-            <a:off x="7771863" y="4230429"/>
-            <a:ext cx="1652621" cy="440431"/>
-          </a:xfrm>
-          <a:prstGeom prst="roundRect">
-            <a:avLst/>
-          </a:prstGeom>
-          <a:solidFill>
-            <a:schemeClr val="accent3">
-              <a:lumMod val="20000"/>
-              <a:lumOff val="80000"/>
-            </a:schemeClr>
-          </a:solidFill>
-          <a:ln>
-            <a:solidFill>
-              <a:schemeClr val="tx1"/>
-            </a:solidFill>
-          </a:ln>
-        </p:spPr>
-        <p:style>
-          <a:lnRef idx="2">
-            <a:schemeClr val="accent1">
-              <a:shade val="50000"/>
-            </a:schemeClr>
-          </a:lnRef>
-          <a:fillRef idx="1">
-            <a:schemeClr val="accent1"/>
-          </a:fillRef>
-          <a:effectRef idx="0">
-            <a:schemeClr val="accent1"/>
-          </a:effectRef>
-          <a:fontRef idx="minor">
-            <a:schemeClr val="lt1"/>
-          </a:fontRef>
-        </p:style>
-        <p:txBody>
-          <a:bodyPr rtlCol="0" anchor="ctr"/>
-          <a:lstStyle/>
-          <a:p>
-            <a:pPr algn="ctr"/>
-            <a:r>
-              <a:rPr lang="it-IT" sz="1400" dirty="0" smtClean="0">
-                <a:solidFill>
-                  <a:schemeClr val="tx1"/>
+          <p:cNvPr id="86" name="CasellaDiTesto 85"/>
+          <p:cNvSpPr txBox="1"/>
+          <p:nvPr/>
+        </p:nvSpPr>
+        <p:spPr>
+          <a:xfrm>
+            <a:off x="2231240" y="4665359"/>
+            <a:ext cx="1072730" cy="307777"/>
+          </a:xfrm>
+          <a:prstGeom prst="rect">
+            <a:avLst/>
+          </a:prstGeom>
+          <a:noFill/>
+        </p:spPr>
+        <p:txBody>
+          <a:bodyPr wrap="none" rtlCol="0">
+            <a:spAutoFit/>
+          </a:bodyPr>
+          <a:lstStyle/>
+          <a:p>
+            <a:r>
+              <a:rPr lang="it-IT" sz="1400" dirty="0">
+                <a:solidFill>
+                  <a:schemeClr val="accent1">
+                    <a:lumMod val="75000"/>
+                  </a:schemeClr>
                 </a:solidFill>
                 <a:latin typeface="Century Schoolbook" panose="02040604050505020304" pitchFamily="18" charset="0"/>
               </a:rPr>
-              <a:t>moveToOut</a:t>
-            </a:r>
-          </a:p>
-          <a:p>
-            <a:pPr algn="ctr"/>
-            <a:r>
-              <a:rPr lang="it-IT" sz="1400" dirty="0" smtClean="0">
-                <a:solidFill>
-                  <a:schemeClr val="tx1"/>
-                </a:solidFill>
-                <a:latin typeface="Century Schoolbook" panose="02040604050505020304" pitchFamily="18" charset="0"/>
-              </a:rPr>
-              <a:t>/</a:t>
-            </a:r>
-            <a:r>
-              <a:rPr lang="it-IT" sz="1400" dirty="0" smtClean="0">
-                <a:solidFill>
-                  <a:schemeClr val="accent2">
-                    <a:lumMod val="75000"/>
-                  </a:schemeClr>
-                </a:solidFill>
-                <a:latin typeface="Century Schoolbook" panose="02040604050505020304" pitchFamily="18" charset="0"/>
-              </a:rPr>
-              <a:t>goto OUTDOOR</a:t>
+              <a:t>when done</a:t>
             </a:r>
             <a:endParaRPr lang="it-IT" sz="1400" dirty="0">
               <a:solidFill>
@@ -7850,328 +8168,16 @@
           </a:p>
         </p:txBody>
       </p:sp>
-      <p:cxnSp>
-        <p:nvCxnSpPr>
-          <p:cNvPr id="115" name="Connettore 4 114"/>
-          <p:cNvCxnSpPr>
-            <a:stCxn id="17" idx="3"/>
-            <a:endCxn id="21" idx="2"/>
-          </p:cNvCxnSpPr>
-          <p:nvPr/>
-        </p:nvCxnSpPr>
-        <p:spPr>
-          <a:xfrm flipV="1">
-            <a:off x="4150669" y="2206508"/>
-            <a:ext cx="1810597" cy="2991599"/>
-          </a:xfrm>
-          <a:prstGeom prst="bentConnector2">
-            <a:avLst/>
-          </a:prstGeom>
-          <a:ln w="19050">
-            <a:solidFill>
-              <a:schemeClr val="tx1"/>
-            </a:solidFill>
-            <a:tailEnd type="triangle"/>
-          </a:ln>
-        </p:spPr>
-        <p:style>
-          <a:lnRef idx="1">
-            <a:schemeClr val="accent1"/>
-          </a:lnRef>
-          <a:fillRef idx="0">
-            <a:schemeClr val="accent1"/>
-          </a:fillRef>
-          <a:effectRef idx="0">
-            <a:schemeClr val="accent1"/>
-          </a:effectRef>
-          <a:fontRef idx="minor">
-            <a:schemeClr val="tx1"/>
-          </a:fontRef>
-        </p:style>
-      </p:cxnSp>
-      <p:cxnSp>
-        <p:nvCxnSpPr>
-          <p:cNvPr id="137" name="Connettore 2 136"/>
-          <p:cNvCxnSpPr>
-            <a:stCxn id="19" idx="2"/>
-            <a:endCxn id="22" idx="0"/>
-          </p:cNvCxnSpPr>
-          <p:nvPr/>
-        </p:nvCxnSpPr>
-        <p:spPr>
-          <a:xfrm flipH="1">
-            <a:off x="8598175" y="2215473"/>
-            <a:ext cx="1" cy="520032"/>
-          </a:xfrm>
-          <a:prstGeom prst="straightConnector1">
-            <a:avLst/>
-          </a:prstGeom>
-          <a:ln w="19050">
-            <a:solidFill>
-              <a:schemeClr val="tx1"/>
-            </a:solidFill>
-            <a:tailEnd type="triangle"/>
-          </a:ln>
-        </p:spPr>
-        <p:style>
-          <a:lnRef idx="1">
-            <a:schemeClr val="accent1"/>
-          </a:lnRef>
-          <a:fillRef idx="0">
-            <a:schemeClr val="accent1"/>
-          </a:fillRef>
-          <a:effectRef idx="0">
-            <a:schemeClr val="accent1"/>
-          </a:effectRef>
-          <a:fontRef idx="minor">
-            <a:schemeClr val="tx1"/>
-          </a:fontRef>
-        </p:style>
-      </p:cxnSp>
-      <p:cxnSp>
-        <p:nvCxnSpPr>
-          <p:cNvPr id="140" name="Connettore 2 139"/>
-          <p:cNvCxnSpPr>
-            <a:stCxn id="22" idx="2"/>
-            <a:endCxn id="23" idx="0"/>
-          </p:cNvCxnSpPr>
-          <p:nvPr/>
-        </p:nvCxnSpPr>
-        <p:spPr>
-          <a:xfrm>
-            <a:off x="8598175" y="3175936"/>
-            <a:ext cx="0" cy="308357"/>
-          </a:xfrm>
-          <a:prstGeom prst="straightConnector1">
-            <a:avLst/>
-          </a:prstGeom>
-          <a:ln w="19050">
-            <a:solidFill>
-              <a:schemeClr val="tx1"/>
-            </a:solidFill>
-            <a:tailEnd type="triangle"/>
-          </a:ln>
-        </p:spPr>
-        <p:style>
-          <a:lnRef idx="1">
-            <a:schemeClr val="accent1"/>
-          </a:lnRef>
-          <a:fillRef idx="0">
-            <a:schemeClr val="accent1"/>
-          </a:fillRef>
-          <a:effectRef idx="0">
-            <a:schemeClr val="accent1"/>
-          </a:effectRef>
-          <a:fontRef idx="minor">
-            <a:schemeClr val="tx1"/>
-          </a:fontRef>
-        </p:style>
-      </p:cxnSp>
-      <p:cxnSp>
-        <p:nvCxnSpPr>
-          <p:cNvPr id="143" name="Connettore 2 142"/>
-          <p:cNvCxnSpPr>
-            <a:stCxn id="23" idx="2"/>
-            <a:endCxn id="25" idx="0"/>
-          </p:cNvCxnSpPr>
-          <p:nvPr/>
-        </p:nvCxnSpPr>
-        <p:spPr>
-          <a:xfrm flipH="1">
-            <a:off x="8598174" y="3924724"/>
-            <a:ext cx="1" cy="305705"/>
-          </a:xfrm>
-          <a:prstGeom prst="straightConnector1">
-            <a:avLst/>
-          </a:prstGeom>
-          <a:ln w="19050">
-            <a:solidFill>
-              <a:schemeClr val="tx1"/>
-            </a:solidFill>
-            <a:tailEnd type="triangle"/>
-          </a:ln>
-        </p:spPr>
-        <p:style>
-          <a:lnRef idx="1">
-            <a:schemeClr val="accent1"/>
-          </a:lnRef>
-          <a:fillRef idx="0">
-            <a:schemeClr val="accent1"/>
-          </a:fillRef>
-          <a:effectRef idx="0">
-            <a:schemeClr val="accent1"/>
-          </a:effectRef>
-          <a:fontRef idx="minor">
-            <a:schemeClr val="tx1"/>
-          </a:fontRef>
-        </p:style>
-      </p:cxnSp>
-      <p:cxnSp>
-        <p:nvCxnSpPr>
-          <p:cNvPr id="146" name="Connettore 2 145"/>
-          <p:cNvCxnSpPr>
-            <a:stCxn id="4" idx="2"/>
-            <a:endCxn id="5" idx="0"/>
-          </p:cNvCxnSpPr>
-          <p:nvPr/>
-        </p:nvCxnSpPr>
-        <p:spPr>
-          <a:xfrm flipH="1">
-            <a:off x="3324357" y="2215473"/>
-            <a:ext cx="2" cy="520032"/>
-          </a:xfrm>
-          <a:prstGeom prst="straightConnector1">
-            <a:avLst/>
-          </a:prstGeom>
-          <a:ln w="19050">
-            <a:solidFill>
-              <a:schemeClr val="tx1"/>
-            </a:solidFill>
-            <a:tailEnd type="triangle"/>
-          </a:ln>
-        </p:spPr>
-        <p:style>
-          <a:lnRef idx="1">
-            <a:schemeClr val="accent1"/>
-          </a:lnRef>
-          <a:fillRef idx="0">
-            <a:schemeClr val="accent1"/>
-          </a:fillRef>
-          <a:effectRef idx="0">
-            <a:schemeClr val="accent1"/>
-          </a:effectRef>
-          <a:fontRef idx="minor">
-            <a:schemeClr val="tx1"/>
-          </a:fontRef>
-        </p:style>
-      </p:cxnSp>
-      <p:cxnSp>
-        <p:nvCxnSpPr>
-          <p:cNvPr id="149" name="Connettore 2 148"/>
-          <p:cNvCxnSpPr>
-            <a:stCxn id="5" idx="2"/>
-            <a:endCxn id="15" idx="0"/>
-          </p:cNvCxnSpPr>
-          <p:nvPr/>
-        </p:nvCxnSpPr>
-        <p:spPr>
-          <a:xfrm>
-            <a:off x="3324357" y="3175936"/>
-            <a:ext cx="2" cy="307031"/>
-          </a:xfrm>
-          <a:prstGeom prst="straightConnector1">
-            <a:avLst/>
-          </a:prstGeom>
-          <a:ln w="19050">
-            <a:solidFill>
-              <a:schemeClr val="tx1"/>
-            </a:solidFill>
-            <a:tailEnd type="triangle"/>
-          </a:ln>
-        </p:spPr>
-        <p:style>
-          <a:lnRef idx="1">
-            <a:schemeClr val="accent1"/>
-          </a:lnRef>
-          <a:fillRef idx="0">
-            <a:schemeClr val="accent1"/>
-          </a:fillRef>
-          <a:effectRef idx="0">
-            <a:schemeClr val="accent1"/>
-          </a:effectRef>
-          <a:fontRef idx="minor">
-            <a:schemeClr val="tx1"/>
-          </a:fontRef>
-        </p:style>
-      </p:cxnSp>
-      <p:cxnSp>
-        <p:nvCxnSpPr>
-          <p:cNvPr id="152" name="Connettore 2 151"/>
-          <p:cNvCxnSpPr>
-            <a:stCxn id="15" idx="2"/>
-            <a:endCxn id="16" idx="0"/>
-          </p:cNvCxnSpPr>
-          <p:nvPr/>
-        </p:nvCxnSpPr>
-        <p:spPr>
-          <a:xfrm>
-            <a:off x="3324359" y="3923398"/>
-            <a:ext cx="0" cy="308357"/>
-          </a:xfrm>
-          <a:prstGeom prst="straightConnector1">
-            <a:avLst/>
-          </a:prstGeom>
-          <a:ln w="19050">
-            <a:solidFill>
-              <a:schemeClr val="tx1"/>
-            </a:solidFill>
-            <a:tailEnd type="triangle"/>
-          </a:ln>
-        </p:spPr>
-        <p:style>
-          <a:lnRef idx="1">
-            <a:schemeClr val="accent1"/>
-          </a:lnRef>
-          <a:fillRef idx="0">
-            <a:schemeClr val="accent1"/>
-          </a:fillRef>
-          <a:effectRef idx="0">
-            <a:schemeClr val="accent1"/>
-          </a:effectRef>
-          <a:fontRef idx="minor">
-            <a:schemeClr val="tx1"/>
-          </a:fontRef>
-        </p:style>
-      </p:cxnSp>
-      <p:cxnSp>
-        <p:nvCxnSpPr>
-          <p:cNvPr id="155" name="Connettore 2 154"/>
-          <p:cNvCxnSpPr>
-            <a:stCxn id="16" idx="2"/>
-            <a:endCxn id="17" idx="0"/>
-          </p:cNvCxnSpPr>
-          <p:nvPr/>
-        </p:nvCxnSpPr>
-        <p:spPr>
-          <a:xfrm>
-            <a:off x="3324359" y="4672186"/>
-            <a:ext cx="0" cy="305705"/>
-          </a:xfrm>
-          <a:prstGeom prst="straightConnector1">
-            <a:avLst/>
-          </a:prstGeom>
-          <a:ln w="19050">
-            <a:solidFill>
-              <a:schemeClr val="tx1"/>
-            </a:solidFill>
-            <a:tailEnd type="triangle"/>
-          </a:ln>
-        </p:spPr>
-        <p:style>
-          <a:lnRef idx="1">
-            <a:schemeClr val="accent1"/>
-          </a:lnRef>
-          <a:fillRef idx="0">
-            <a:schemeClr val="accent1"/>
-          </a:fillRef>
-          <a:effectRef idx="0">
-            <a:schemeClr val="accent1"/>
-          </a:effectRef>
-          <a:fontRef idx="minor">
-            <a:schemeClr val="tx1"/>
-          </a:fontRef>
-        </p:style>
-      </p:cxnSp>
-      <p:sp>
-        <p:nvSpPr>
-          <p:cNvPr id="30" name="CasellaDiTesto 29"/>
+      <p:sp>
+        <p:nvSpPr>
+          <p:cNvPr id="87" name="CasellaDiTesto 86"/>
           <p:cNvSpPr txBox="1"/>
           <p:nvPr/>
         </p:nvSpPr>
         <p:spPr>
           <a:xfrm>
-            <a:off x="1975911" y="3167783"/>
-            <a:ext cx="1348446" cy="307777"/>
+            <a:off x="4167608" y="4890329"/>
+            <a:ext cx="1072730" cy="307777"/>
           </a:xfrm>
           <a:prstGeom prst="rect">
             <a:avLst/>
@@ -8185,7 +8191,7 @@
           <a:lstStyle/>
           <a:p>
             <a:r>
-              <a:rPr lang="it-IT" sz="1400" dirty="0" smtClean="0">
+              <a:rPr lang="it-IT" sz="1400" dirty="0">
                 <a:solidFill>
                   <a:schemeClr val="accent1">
                     <a:lumMod val="75000"/>
@@ -8193,7 +8199,7 @@
                 </a:solidFill>
                 <a:latin typeface="Century Schoolbook" panose="02040604050505020304" pitchFamily="18" charset="0"/>
               </a:rPr>
-              <a:t>SLOTNUM&gt;0</a:t>
+              <a:t>when done</a:t>
             </a:r>
             <a:endParaRPr lang="it-IT" sz="1400" dirty="0">
               <a:solidFill>
@@ -8208,14 +8214,14 @@
       </p:sp>
       <p:sp>
         <p:nvSpPr>
-          <p:cNvPr id="31" name="CasellaDiTesto 30"/>
+          <p:cNvPr id="88" name="CasellaDiTesto 87"/>
           <p:cNvSpPr txBox="1"/>
           <p:nvPr/>
         </p:nvSpPr>
         <p:spPr>
           <a:xfrm>
-            <a:off x="4148563" y="2646939"/>
-            <a:ext cx="1348446" cy="307777"/>
+            <a:off x="8618562" y="3180429"/>
+            <a:ext cx="268022" cy="307777"/>
           </a:xfrm>
           <a:prstGeom prst="rect">
             <a:avLst/>
@@ -8229,7 +8235,7 @@
           <a:lstStyle/>
           <a:p>
             <a:r>
-              <a:rPr lang="it-IT" sz="1400" dirty="0" smtClean="0">
+              <a:rPr lang="el-GR" sz="1400" dirty="0">
                 <a:solidFill>
                   <a:schemeClr val="accent1">
                     <a:lumMod val="75000"/>
@@ -8237,7 +8243,51 @@
                 </a:solidFill>
                 <a:latin typeface="Century Schoolbook" panose="02040604050505020304" pitchFamily="18" charset="0"/>
               </a:rPr>
-              <a:t>SLOTNUM=0</a:t>
+              <a:t>ε</a:t>
+            </a:r>
+            <a:endParaRPr lang="it-IT" sz="1400" dirty="0">
+              <a:solidFill>
+                <a:schemeClr val="accent1">
+                  <a:lumMod val="75000"/>
+                </a:schemeClr>
+              </a:solidFill>
+              <a:latin typeface="Century Schoolbook" panose="02040604050505020304" pitchFamily="18" charset="0"/>
+            </a:endParaRPr>
+          </a:p>
+        </p:txBody>
+      </p:sp>
+      <p:sp>
+        <p:nvSpPr>
+          <p:cNvPr id="95" name="CasellaDiTesto 94"/>
+          <p:cNvSpPr txBox="1"/>
+          <p:nvPr/>
+        </p:nvSpPr>
+        <p:spPr>
+          <a:xfrm>
+            <a:off x="8618562" y="3930804"/>
+            <a:ext cx="1072730" cy="307777"/>
+          </a:xfrm>
+          <a:prstGeom prst="rect">
+            <a:avLst/>
+          </a:prstGeom>
+          <a:noFill/>
+        </p:spPr>
+        <p:txBody>
+          <a:bodyPr wrap="none" rtlCol="0">
+            <a:spAutoFit/>
+          </a:bodyPr>
+          <a:lstStyle/>
+          <a:p>
+            <a:r>
+              <a:rPr lang="it-IT" sz="1400" dirty="0">
+                <a:solidFill>
+                  <a:schemeClr val="accent1">
+                    <a:lumMod val="75000"/>
+                  </a:schemeClr>
+                </a:solidFill>
+                <a:latin typeface="Century Schoolbook" panose="02040604050505020304" pitchFamily="18" charset="0"/>
+              </a:rPr>
+              <a:t>when done</a:t>
             </a:r>
             <a:endParaRPr lang="it-IT" sz="1400" dirty="0">
               <a:solidFill>
@@ -8252,14 +8302,14 @@
       </p:sp>
       <p:sp>
         <p:nvSpPr>
-          <p:cNvPr id="39" name="CasellaDiTesto 38"/>
+          <p:cNvPr id="96" name="CasellaDiTesto 95"/>
           <p:cNvSpPr txBox="1"/>
           <p:nvPr/>
         </p:nvSpPr>
         <p:spPr>
           <a:xfrm>
-            <a:off x="1552667" y="2216461"/>
-            <a:ext cx="1749197" cy="523220"/>
+            <a:off x="6696974" y="4146183"/>
+            <a:ext cx="1072730" cy="307777"/>
           </a:xfrm>
           <a:prstGeom prst="rect">
             <a:avLst/>
@@ -8273,92 +8323,7 @@
           <a:lstStyle/>
           <a:p>
             <a:r>
-              <a:rPr lang="it-IT" sz="1400" dirty="0" smtClean="0">
-                <a:solidFill>
-                  <a:schemeClr val="accent1">
-                    <a:lumMod val="75000"/>
-                  </a:schemeClr>
-                </a:solidFill>
-                <a:latin typeface="Century Schoolbook" panose="02040604050505020304" pitchFamily="18" charset="0"/>
-              </a:rPr>
-              <a:t>slot available</a:t>
-            </a:r>
-          </a:p>
-          <a:p>
-            <a:r>
-              <a:rPr lang="it-IT" sz="1400" dirty="0" smtClean="0">
-                <a:solidFill>
-                  <a:schemeClr val="accent1">
-                    <a:lumMod val="75000"/>
-                  </a:schemeClr>
-                </a:solidFill>
-                <a:latin typeface="Century Schoolbook" panose="02040604050505020304" pitchFamily="18" charset="0"/>
-              </a:rPr>
-              <a:t>INDOOR-area free</a:t>
-            </a:r>
-          </a:p>
-        </p:txBody>
-      </p:sp>
-      <p:sp>
-        <p:nvSpPr>
-          <p:cNvPr id="40" name="CasellaDiTesto 39"/>
-          <p:cNvSpPr txBox="1"/>
-          <p:nvPr/>
-        </p:nvSpPr>
-        <p:spPr>
-          <a:xfrm>
-            <a:off x="6162958" y="1444730"/>
-            <a:ext cx="2345514" cy="307777"/>
-          </a:xfrm>
-          <a:prstGeom prst="rect">
-            <a:avLst/>
-          </a:prstGeom>
-          <a:noFill/>
-        </p:spPr>
-        <p:txBody>
-          <a:bodyPr wrap="none" rtlCol="0">
-            <a:spAutoFit/>
-          </a:bodyPr>
-          <a:lstStyle/>
-          <a:p>
-            <a:r>
-              <a:rPr lang="it-IT" sz="1400" dirty="0" smtClean="0">
-                <a:solidFill>
-                  <a:schemeClr val="accent1">
-                    <a:lumMod val="75000"/>
-                  </a:schemeClr>
-                </a:solidFill>
-                <a:latin typeface="Century Schoolbook" panose="02040604050505020304" pitchFamily="18" charset="0"/>
-              </a:rPr>
-              <a:t>exit request w/ TOKENID</a:t>
-            </a:r>
-          </a:p>
-        </p:txBody>
-      </p:sp>
-      <p:sp>
-        <p:nvSpPr>
-          <p:cNvPr id="84" name="CasellaDiTesto 83"/>
-          <p:cNvSpPr txBox="1"/>
-          <p:nvPr/>
-        </p:nvSpPr>
-        <p:spPr>
-          <a:xfrm>
-            <a:off x="2231240" y="3930805"/>
-            <a:ext cx="1072730" cy="307777"/>
-          </a:xfrm>
-          <a:prstGeom prst="rect">
-            <a:avLst/>
-          </a:prstGeom>
-          <a:noFill/>
-        </p:spPr>
-        <p:txBody>
-          <a:bodyPr wrap="none" rtlCol="0">
-            <a:spAutoFit/>
-          </a:bodyPr>
-          <a:lstStyle/>
-          <a:p>
-            <a:r>
-              <a:rPr lang="it-IT" sz="1400" dirty="0" smtClean="0">
+              <a:rPr lang="it-IT" sz="1400" dirty="0">
                 <a:solidFill>
                   <a:schemeClr val="accent1">
                     <a:lumMod val="75000"/>
@@ -8381,14 +8346,14 @@
       </p:sp>
       <p:sp>
         <p:nvSpPr>
-          <p:cNvPr id="86" name="CasellaDiTesto 85"/>
+          <p:cNvPr id="54" name="CasellaDiTesto 53"/>
           <p:cNvSpPr txBox="1"/>
           <p:nvPr/>
         </p:nvSpPr>
         <p:spPr>
           <a:xfrm>
-            <a:off x="2231240" y="4665359"/>
-            <a:ext cx="1072730" cy="307777"/>
+            <a:off x="3989620" y="1439678"/>
+            <a:ext cx="1295547" cy="307777"/>
           </a:xfrm>
           <a:prstGeom prst="rect">
             <a:avLst/>
@@ -8402,7 +8367,7 @@
           <a:lstStyle/>
           <a:p>
             <a:r>
-              <a:rPr lang="it-IT" sz="1400" dirty="0" smtClean="0">
+              <a:rPr lang="it-IT" sz="1400" dirty="0">
                 <a:solidFill>
                   <a:schemeClr val="accent1">
                     <a:lumMod val="75000"/>
@@ -8410,29 +8375,21 @@
                 </a:solidFill>
                 <a:latin typeface="Century Schoolbook" panose="02040604050505020304" pitchFamily="18" charset="0"/>
               </a:rPr>
-              <a:t>when done</a:t>
-            </a:r>
-            <a:endParaRPr lang="it-IT" sz="1400" dirty="0">
-              <a:solidFill>
-                <a:schemeClr val="accent2">
-                  <a:lumMod val="75000"/>
-                </a:schemeClr>
-              </a:solidFill>
-              <a:latin typeface="Century Schoolbook" panose="02040604050505020304" pitchFamily="18" charset="0"/>
-            </a:endParaRPr>
-          </a:p>
-        </p:txBody>
-      </p:sp>
-      <p:sp>
-        <p:nvSpPr>
-          <p:cNvPr id="87" name="CasellaDiTesto 86"/>
+              <a:t>enter request</a:t>
+            </a:r>
+          </a:p>
+        </p:txBody>
+      </p:sp>
+      <p:sp>
+        <p:nvSpPr>
+          <p:cNvPr id="55" name="CasellaDiTesto 54"/>
           <p:cNvSpPr txBox="1"/>
           <p:nvPr/>
         </p:nvSpPr>
         <p:spPr>
           <a:xfrm>
-            <a:off x="4167608" y="4890329"/>
-            <a:ext cx="1072730" cy="307777"/>
+            <a:off x="8618562" y="2324545"/>
+            <a:ext cx="1935145" cy="307777"/>
           </a:xfrm>
           <a:prstGeom prst="rect">
             <a:avLst/>
@@ -8446,219 +8403,7 @@
           <a:lstStyle/>
           <a:p>
             <a:r>
-              <a:rPr lang="it-IT" sz="1400" dirty="0" smtClean="0">
-                <a:solidFill>
-                  <a:schemeClr val="accent1">
-                    <a:lumMod val="75000"/>
-                  </a:schemeClr>
-                </a:solidFill>
-                <a:latin typeface="Century Schoolbook" panose="02040604050505020304" pitchFamily="18" charset="0"/>
-              </a:rPr>
-              <a:t>when done</a:t>
-            </a:r>
-            <a:endParaRPr lang="it-IT" sz="1400" dirty="0">
-              <a:solidFill>
-                <a:schemeClr val="accent2">
-                  <a:lumMod val="75000"/>
-                </a:schemeClr>
-              </a:solidFill>
-              <a:latin typeface="Century Schoolbook" panose="02040604050505020304" pitchFamily="18" charset="0"/>
-            </a:endParaRPr>
-          </a:p>
-        </p:txBody>
-      </p:sp>
-      <p:sp>
-        <p:nvSpPr>
-          <p:cNvPr id="88" name="CasellaDiTesto 87"/>
-          <p:cNvSpPr txBox="1"/>
-          <p:nvPr/>
-        </p:nvSpPr>
-        <p:spPr>
-          <a:xfrm>
-            <a:off x="8618562" y="3180429"/>
-            <a:ext cx="268022" cy="307777"/>
-          </a:xfrm>
-          <a:prstGeom prst="rect">
-            <a:avLst/>
-          </a:prstGeom>
-          <a:noFill/>
-        </p:spPr>
-        <p:txBody>
-          <a:bodyPr wrap="none" rtlCol="0">
-            <a:spAutoFit/>
-          </a:bodyPr>
-          <a:lstStyle/>
-          <a:p>
-            <a:r>
-              <a:rPr lang="el-GR" sz="1400" dirty="0">
-                <a:solidFill>
-                  <a:schemeClr val="accent1">
-                    <a:lumMod val="75000"/>
-                  </a:schemeClr>
-                </a:solidFill>
-                <a:latin typeface="Century Schoolbook" panose="02040604050505020304" pitchFamily="18" charset="0"/>
-              </a:rPr>
-              <a:t>ε</a:t>
-            </a:r>
-            <a:endParaRPr lang="it-IT" sz="1400" dirty="0" smtClean="0">
-              <a:solidFill>
-                <a:schemeClr val="accent1">
-                  <a:lumMod val="75000"/>
-                </a:schemeClr>
-              </a:solidFill>
-              <a:latin typeface="Century Schoolbook" panose="02040604050505020304" pitchFamily="18" charset="0"/>
-            </a:endParaRPr>
-          </a:p>
-        </p:txBody>
-      </p:sp>
-      <p:sp>
-        <p:nvSpPr>
-          <p:cNvPr id="95" name="CasellaDiTesto 94"/>
-          <p:cNvSpPr txBox="1"/>
-          <p:nvPr/>
-        </p:nvSpPr>
-        <p:spPr>
-          <a:xfrm>
-            <a:off x="8618562" y="3930804"/>
-            <a:ext cx="1072730" cy="307777"/>
-          </a:xfrm>
-          <a:prstGeom prst="rect">
-            <a:avLst/>
-          </a:prstGeom>
-          <a:noFill/>
-        </p:spPr>
-        <p:txBody>
-          <a:bodyPr wrap="none" rtlCol="0">
-            <a:spAutoFit/>
-          </a:bodyPr>
-          <a:lstStyle/>
-          <a:p>
-            <a:r>
-              <a:rPr lang="it-IT" sz="1400" dirty="0" smtClean="0">
-                <a:solidFill>
-                  <a:schemeClr val="accent1">
-                    <a:lumMod val="75000"/>
-                  </a:schemeClr>
-                </a:solidFill>
-                <a:latin typeface="Century Schoolbook" panose="02040604050505020304" pitchFamily="18" charset="0"/>
-              </a:rPr>
-              <a:t>when done</a:t>
-            </a:r>
-            <a:endParaRPr lang="it-IT" sz="1400" dirty="0">
-              <a:solidFill>
-                <a:schemeClr val="accent2">
-                  <a:lumMod val="75000"/>
-                </a:schemeClr>
-              </a:solidFill>
-              <a:latin typeface="Century Schoolbook" panose="02040604050505020304" pitchFamily="18" charset="0"/>
-            </a:endParaRPr>
-          </a:p>
-        </p:txBody>
-      </p:sp>
-      <p:sp>
-        <p:nvSpPr>
-          <p:cNvPr id="96" name="CasellaDiTesto 95"/>
-          <p:cNvSpPr txBox="1"/>
-          <p:nvPr/>
-        </p:nvSpPr>
-        <p:spPr>
-          <a:xfrm>
-            <a:off x="6696974" y="4146183"/>
-            <a:ext cx="1072730" cy="307777"/>
-          </a:xfrm>
-          <a:prstGeom prst="rect">
-            <a:avLst/>
-          </a:prstGeom>
-          <a:noFill/>
-        </p:spPr>
-        <p:txBody>
-          <a:bodyPr wrap="none" rtlCol="0">
-            <a:spAutoFit/>
-          </a:bodyPr>
-          <a:lstStyle/>
-          <a:p>
-            <a:r>
-              <a:rPr lang="it-IT" sz="1400" dirty="0" smtClean="0">
-                <a:solidFill>
-                  <a:schemeClr val="accent1">
-                    <a:lumMod val="75000"/>
-                  </a:schemeClr>
-                </a:solidFill>
-                <a:latin typeface="Century Schoolbook" panose="02040604050505020304" pitchFamily="18" charset="0"/>
-              </a:rPr>
-              <a:t>when done</a:t>
-            </a:r>
-            <a:endParaRPr lang="it-IT" sz="1400" dirty="0">
-              <a:solidFill>
-                <a:schemeClr val="accent2">
-                  <a:lumMod val="75000"/>
-                </a:schemeClr>
-              </a:solidFill>
-              <a:latin typeface="Century Schoolbook" panose="02040604050505020304" pitchFamily="18" charset="0"/>
-            </a:endParaRPr>
-          </a:p>
-        </p:txBody>
-      </p:sp>
-      <p:sp>
-        <p:nvSpPr>
-          <p:cNvPr id="54" name="CasellaDiTesto 53"/>
-          <p:cNvSpPr txBox="1"/>
-          <p:nvPr/>
-        </p:nvSpPr>
-        <p:spPr>
-          <a:xfrm>
-            <a:off x="3989620" y="1439678"/>
-            <a:ext cx="1295547" cy="307777"/>
-          </a:xfrm>
-          <a:prstGeom prst="rect">
-            <a:avLst/>
-          </a:prstGeom>
-          <a:noFill/>
-        </p:spPr>
-        <p:txBody>
-          <a:bodyPr wrap="none" rtlCol="0">
-            <a:spAutoFit/>
-          </a:bodyPr>
-          <a:lstStyle/>
-          <a:p>
-            <a:r>
-              <a:rPr lang="it-IT" sz="1400" dirty="0" smtClean="0">
-                <a:solidFill>
-                  <a:schemeClr val="accent1">
-                    <a:lumMod val="75000"/>
-                  </a:schemeClr>
-                </a:solidFill>
-                <a:latin typeface="Century Schoolbook" panose="02040604050505020304" pitchFamily="18" charset="0"/>
-              </a:rPr>
-              <a:t>enter request</a:t>
-            </a:r>
-          </a:p>
-        </p:txBody>
-      </p:sp>
-      <p:sp>
-        <p:nvSpPr>
-          <p:cNvPr id="55" name="CasellaDiTesto 54"/>
-          <p:cNvSpPr txBox="1"/>
-          <p:nvPr/>
-        </p:nvSpPr>
-        <p:spPr>
-          <a:xfrm>
-            <a:off x="8618562" y="2324545"/>
-            <a:ext cx="1935145" cy="307777"/>
-          </a:xfrm>
-          <a:prstGeom prst="rect">
-            <a:avLst/>
-          </a:prstGeom>
-          <a:noFill/>
-        </p:spPr>
-        <p:txBody>
-          <a:bodyPr wrap="none" rtlCol="0">
-            <a:spAutoFit/>
-          </a:bodyPr>
-          <a:lstStyle/>
-          <a:p>
-            <a:r>
-              <a:rPr lang="it-IT" sz="1400" dirty="0" smtClean="0">
+              <a:rPr lang="it-IT" sz="1400" dirty="0">
                 <a:solidFill>
                   <a:schemeClr val="accent1">
                     <a:lumMod val="75000"/>
@@ -8766,7 +8511,7 @@
           <a:lstStyle/>
           <a:p>
             <a:r>
-              <a:rPr lang="it-IT" sz="1400" dirty="0" smtClean="0">
+              <a:rPr lang="it-IT" sz="1400" dirty="0">
                 <a:solidFill>
                   <a:schemeClr val="accent1">
                     <a:lumMod val="75000"/>
@@ -8874,7 +8619,7 @@
           <a:lstStyle/>
           <a:p>
             <a:r>
-              <a:rPr lang="it-IT" sz="1400" dirty="0" smtClean="0">
+              <a:rPr lang="it-IT" sz="1400" dirty="0">
                 <a:solidFill>
                   <a:schemeClr val="accent1">
                     <a:lumMod val="75000"/>

--- a/FinalTask/userDocs/img/final_task_schema.pptx
+++ b/FinalTask/userDocs/img/final_task_schema.pptx
@@ -10,6 +10,7 @@
     <p:sldId id="266" r:id="rId4"/>
     <p:sldId id="270" r:id="rId5"/>
     <p:sldId id="269" r:id="rId6"/>
+    <p:sldId id="273" r:id="rId7"/>
   </p:sldIdLst>
   <p:sldSz cx="12192000" cy="6858000"/>
   <p:notesSz cx="6858000" cy="9144000"/>
@@ -8645,6 +8646,693 @@
 </p:sld>
 </file>
 
+<file path=ppt/slides/slide6.xml><?xml version="1.0" encoding="utf-8"?>
+<p:sld xmlns:a="http://schemas.openxmlformats.org/drawingml/2006/main" xmlns:r="http://schemas.openxmlformats.org/officeDocument/2006/relationships" xmlns:p="http://schemas.openxmlformats.org/presentationml/2006/main">
+  <p:cSld>
+    <p:spTree>
+      <p:nvGrpSpPr>
+        <p:cNvPr id="1" name=""/>
+        <p:cNvGrpSpPr/>
+        <p:nvPr/>
+      </p:nvGrpSpPr>
+      <p:grpSpPr>
+        <a:xfrm>
+          <a:off x="0" y="0"/>
+          <a:ext cx="0" cy="0"/>
+          <a:chOff x="0" y="0"/>
+          <a:chExt cx="0" cy="0"/>
+        </a:xfrm>
+      </p:grpSpPr>
+      <p:sp>
+        <p:nvSpPr>
+          <p:cNvPr id="4" name="Ovale 3"/>
+          <p:cNvSpPr/>
+          <p:nvPr/>
+        </p:nvSpPr>
+        <p:spPr>
+          <a:xfrm>
+            <a:off x="3737252" y="4002284"/>
+            <a:ext cx="1857403" cy="1401520"/>
+          </a:xfrm>
+          <a:prstGeom prst="ellipse">
+            <a:avLst/>
+          </a:prstGeom>
+          <a:solidFill>
+            <a:schemeClr val="accent2">
+              <a:lumMod val="20000"/>
+              <a:lumOff val="80000"/>
+            </a:schemeClr>
+          </a:solidFill>
+          <a:ln w="12700">
+            <a:solidFill>
+              <a:schemeClr val="tx1"/>
+            </a:solidFill>
+          </a:ln>
+        </p:spPr>
+        <p:style>
+          <a:lnRef idx="2">
+            <a:schemeClr val="accent1">
+              <a:shade val="50000"/>
+            </a:schemeClr>
+          </a:lnRef>
+          <a:fillRef idx="1">
+            <a:schemeClr val="accent1"/>
+          </a:fillRef>
+          <a:effectRef idx="0">
+            <a:schemeClr val="accent1"/>
+          </a:effectRef>
+          <a:fontRef idx="minor">
+            <a:schemeClr val="lt1"/>
+          </a:fontRef>
+        </p:style>
+        <p:txBody>
+          <a:bodyPr rtlCol="0" anchor="ctr"/>
+          <a:lstStyle/>
+          <a:p>
+            <a:pPr algn="ctr"/>
+            <a:r>
+              <a:rPr lang="it-IT" sz="1400" dirty="0" smtClean="0">
+                <a:solidFill>
+                  <a:schemeClr val="tx1"/>
+                </a:solidFill>
+                <a:latin typeface="Century Schoolbook" panose="02040604050505020304" pitchFamily="18" charset="0"/>
+              </a:rPr>
+              <a:t>Outdoor Sentinel</a:t>
+            </a:r>
+            <a:endParaRPr lang="it-IT" sz="1400" dirty="0">
+              <a:solidFill>
+                <a:schemeClr val="tx1"/>
+              </a:solidFill>
+              <a:latin typeface="Century Schoolbook" panose="02040604050505020304" pitchFamily="18" charset="0"/>
+            </a:endParaRPr>
+          </a:p>
+        </p:txBody>
+      </p:sp>
+      <p:sp>
+        <p:nvSpPr>
+          <p:cNvPr id="5" name="Triangolo isoscele 4"/>
+          <p:cNvSpPr/>
+          <p:nvPr/>
+        </p:nvSpPr>
+        <p:spPr>
+          <a:xfrm rot="16200000">
+            <a:off x="4450884" y="3816879"/>
+            <a:ext cx="430138" cy="370809"/>
+          </a:xfrm>
+          <a:prstGeom prst="triangle">
+            <a:avLst/>
+          </a:prstGeom>
+          <a:solidFill>
+            <a:srgbClr val="FF0000"/>
+          </a:solidFill>
+          <a:ln w="12700">
+            <a:solidFill>
+              <a:schemeClr val="tx1"/>
+            </a:solidFill>
+          </a:ln>
+        </p:spPr>
+        <p:style>
+          <a:lnRef idx="2">
+            <a:schemeClr val="accent1">
+              <a:shade val="50000"/>
+            </a:schemeClr>
+          </a:lnRef>
+          <a:fillRef idx="1">
+            <a:schemeClr val="accent1"/>
+          </a:fillRef>
+          <a:effectRef idx="0">
+            <a:schemeClr val="accent1"/>
+          </a:effectRef>
+          <a:fontRef idx="minor">
+            <a:schemeClr val="lt1"/>
+          </a:fontRef>
+        </p:style>
+        <p:txBody>
+          <a:bodyPr rtlCol="0" anchor="ctr"/>
+          <a:lstStyle/>
+          <a:p>
+            <a:pPr algn="ctr"/>
+            <a:endParaRPr lang="it-IT"/>
+          </a:p>
+        </p:txBody>
+      </p:sp>
+      <p:sp>
+        <p:nvSpPr>
+          <p:cNvPr id="6" name="Rettangolo 5"/>
+          <p:cNvSpPr/>
+          <p:nvPr/>
+        </p:nvSpPr>
+        <p:spPr>
+          <a:xfrm>
+            <a:off x="3301618" y="4583535"/>
+            <a:ext cx="714644" cy="339520"/>
+          </a:xfrm>
+          <a:prstGeom prst="rect">
+            <a:avLst/>
+          </a:prstGeom>
+          <a:solidFill>
+            <a:schemeClr val="accent2">
+              <a:lumMod val="20000"/>
+              <a:lumOff val="80000"/>
+            </a:schemeClr>
+          </a:solidFill>
+          <a:ln w="12700">
+            <a:solidFill>
+              <a:schemeClr val="tx1"/>
+            </a:solidFill>
+          </a:ln>
+        </p:spPr>
+        <p:style>
+          <a:lnRef idx="2">
+            <a:schemeClr val="accent1">
+              <a:shade val="50000"/>
+            </a:schemeClr>
+          </a:lnRef>
+          <a:fillRef idx="1">
+            <a:schemeClr val="accent1"/>
+          </a:fillRef>
+          <a:effectRef idx="0">
+            <a:schemeClr val="accent1"/>
+          </a:effectRef>
+          <a:fontRef idx="minor">
+            <a:schemeClr val="lt1"/>
+          </a:fontRef>
+        </p:style>
+        <p:txBody>
+          <a:bodyPr rtlCol="0" anchor="ctr"/>
+          <a:lstStyle/>
+          <a:p>
+            <a:pPr algn="ctr"/>
+            <a:endParaRPr lang="it-IT"/>
+          </a:p>
+        </p:txBody>
+      </p:sp>
+      <p:sp>
+        <p:nvSpPr>
+          <p:cNvPr id="17" name="Ovale 16"/>
+          <p:cNvSpPr/>
+          <p:nvPr/>
+        </p:nvSpPr>
+        <p:spPr>
+          <a:xfrm>
+            <a:off x="6769271" y="4002284"/>
+            <a:ext cx="1857403" cy="1401520"/>
+          </a:xfrm>
+          <a:prstGeom prst="ellipse">
+            <a:avLst/>
+          </a:prstGeom>
+          <a:solidFill>
+            <a:schemeClr val="accent2">
+              <a:lumMod val="20000"/>
+              <a:lumOff val="80000"/>
+            </a:schemeClr>
+          </a:solidFill>
+          <a:ln w="12700">
+            <a:solidFill>
+              <a:schemeClr val="tx1"/>
+            </a:solidFill>
+          </a:ln>
+        </p:spPr>
+        <p:style>
+          <a:lnRef idx="2">
+            <a:schemeClr val="accent1">
+              <a:shade val="50000"/>
+            </a:schemeClr>
+          </a:lnRef>
+          <a:fillRef idx="1">
+            <a:schemeClr val="accent1"/>
+          </a:fillRef>
+          <a:effectRef idx="0">
+            <a:schemeClr val="accent1"/>
+          </a:effectRef>
+          <a:fontRef idx="minor">
+            <a:schemeClr val="lt1"/>
+          </a:fontRef>
+        </p:style>
+        <p:txBody>
+          <a:bodyPr rtlCol="0" anchor="ctr"/>
+          <a:lstStyle/>
+          <a:p>
+            <a:pPr algn="ctr"/>
+            <a:r>
+              <a:rPr lang="it-IT" sz="1400" dirty="0" smtClean="0">
+                <a:solidFill>
+                  <a:schemeClr val="tx1"/>
+                </a:solidFill>
+                <a:latin typeface="Century Schoolbook" panose="02040604050505020304" pitchFamily="18" charset="0"/>
+              </a:rPr>
+              <a:t>Temperature Sentinel</a:t>
+            </a:r>
+            <a:endParaRPr lang="it-IT" sz="1400" dirty="0">
+              <a:solidFill>
+                <a:schemeClr val="tx1"/>
+              </a:solidFill>
+              <a:latin typeface="Century Schoolbook" panose="02040604050505020304" pitchFamily="18" charset="0"/>
+            </a:endParaRPr>
+          </a:p>
+        </p:txBody>
+      </p:sp>
+      <p:sp>
+        <p:nvSpPr>
+          <p:cNvPr id="18" name="Triangolo isoscele 17"/>
+          <p:cNvSpPr/>
+          <p:nvPr/>
+        </p:nvSpPr>
+        <p:spPr>
+          <a:xfrm rot="16200000">
+            <a:off x="7482903" y="3816879"/>
+            <a:ext cx="430138" cy="370809"/>
+          </a:xfrm>
+          <a:prstGeom prst="triangle">
+            <a:avLst/>
+          </a:prstGeom>
+          <a:solidFill>
+            <a:srgbClr val="FF0000"/>
+          </a:solidFill>
+          <a:ln w="12700">
+            <a:solidFill>
+              <a:schemeClr val="tx1"/>
+            </a:solidFill>
+          </a:ln>
+        </p:spPr>
+        <p:style>
+          <a:lnRef idx="2">
+            <a:schemeClr val="accent1">
+              <a:shade val="50000"/>
+            </a:schemeClr>
+          </a:lnRef>
+          <a:fillRef idx="1">
+            <a:schemeClr val="accent1"/>
+          </a:fillRef>
+          <a:effectRef idx="0">
+            <a:schemeClr val="accent1"/>
+          </a:effectRef>
+          <a:fontRef idx="minor">
+            <a:schemeClr val="lt1"/>
+          </a:fontRef>
+        </p:style>
+        <p:txBody>
+          <a:bodyPr rtlCol="0" anchor="ctr"/>
+          <a:lstStyle/>
+          <a:p>
+            <a:pPr algn="ctr"/>
+            <a:endParaRPr lang="it-IT"/>
+          </a:p>
+        </p:txBody>
+      </p:sp>
+      <p:sp>
+        <p:nvSpPr>
+          <p:cNvPr id="19" name="Rettangolo 18"/>
+          <p:cNvSpPr/>
+          <p:nvPr/>
+        </p:nvSpPr>
+        <p:spPr>
+          <a:xfrm>
+            <a:off x="6333637" y="4583535"/>
+            <a:ext cx="714644" cy="339520"/>
+          </a:xfrm>
+          <a:prstGeom prst="rect">
+            <a:avLst/>
+          </a:prstGeom>
+          <a:solidFill>
+            <a:schemeClr val="accent2">
+              <a:lumMod val="20000"/>
+              <a:lumOff val="80000"/>
+            </a:schemeClr>
+          </a:solidFill>
+          <a:ln w="12700">
+            <a:solidFill>
+              <a:schemeClr val="tx1"/>
+            </a:solidFill>
+          </a:ln>
+        </p:spPr>
+        <p:style>
+          <a:lnRef idx="2">
+            <a:schemeClr val="accent1">
+              <a:shade val="50000"/>
+            </a:schemeClr>
+          </a:lnRef>
+          <a:fillRef idx="1">
+            <a:schemeClr val="accent1"/>
+          </a:fillRef>
+          <a:effectRef idx="0">
+            <a:schemeClr val="accent1"/>
+          </a:effectRef>
+          <a:fontRef idx="minor">
+            <a:schemeClr val="lt1"/>
+          </a:fontRef>
+        </p:style>
+        <p:txBody>
+          <a:bodyPr rtlCol="0" anchor="ctr"/>
+          <a:lstStyle/>
+          <a:p>
+            <a:pPr algn="ctr"/>
+            <a:endParaRPr lang="it-IT"/>
+          </a:p>
+        </p:txBody>
+      </p:sp>
+      <p:sp>
+        <p:nvSpPr>
+          <p:cNvPr id="20" name="Ovale 19"/>
+          <p:cNvSpPr/>
+          <p:nvPr/>
+        </p:nvSpPr>
+        <p:spPr>
+          <a:xfrm>
+            <a:off x="3737251" y="1315220"/>
+            <a:ext cx="1857403" cy="1401520"/>
+          </a:xfrm>
+          <a:prstGeom prst="ellipse">
+            <a:avLst/>
+          </a:prstGeom>
+          <a:solidFill>
+            <a:schemeClr val="accent2">
+              <a:lumMod val="20000"/>
+              <a:lumOff val="80000"/>
+            </a:schemeClr>
+          </a:solidFill>
+          <a:ln w="12700">
+            <a:solidFill>
+              <a:schemeClr val="tx1"/>
+            </a:solidFill>
+          </a:ln>
+        </p:spPr>
+        <p:style>
+          <a:lnRef idx="2">
+            <a:schemeClr val="accent1">
+              <a:shade val="50000"/>
+            </a:schemeClr>
+          </a:lnRef>
+          <a:fillRef idx="1">
+            <a:schemeClr val="accent1"/>
+          </a:fillRef>
+          <a:effectRef idx="0">
+            <a:schemeClr val="accent1"/>
+          </a:effectRef>
+          <a:fontRef idx="minor">
+            <a:schemeClr val="lt1"/>
+          </a:fontRef>
+        </p:style>
+        <p:txBody>
+          <a:bodyPr rtlCol="0" anchor="ctr"/>
+          <a:lstStyle/>
+          <a:p>
+            <a:pPr algn="ctr"/>
+            <a:r>
+              <a:rPr lang="it-IT" sz="1400" dirty="0" smtClean="0">
+                <a:solidFill>
+                  <a:schemeClr val="tx1"/>
+                </a:solidFill>
+                <a:latin typeface="Century Schoolbook" panose="02040604050505020304" pitchFamily="18" charset="0"/>
+              </a:rPr>
+              <a:t>Timer</a:t>
+            </a:r>
+          </a:p>
+          <a:p>
+            <a:pPr algn="ctr"/>
+            <a:r>
+              <a:rPr lang="it-IT" sz="1400" dirty="0" smtClean="0">
+                <a:solidFill>
+                  <a:schemeClr val="tx1"/>
+                </a:solidFill>
+                <a:latin typeface="Century Schoolbook" panose="02040604050505020304" pitchFamily="18" charset="0"/>
+              </a:rPr>
+              <a:t>Actor</a:t>
+            </a:r>
+            <a:endParaRPr lang="it-IT" sz="1400" dirty="0">
+              <a:solidFill>
+                <a:schemeClr val="tx1"/>
+              </a:solidFill>
+              <a:latin typeface="Century Schoolbook" panose="02040604050505020304" pitchFamily="18" charset="0"/>
+            </a:endParaRPr>
+          </a:p>
+        </p:txBody>
+      </p:sp>
+      <p:sp>
+        <p:nvSpPr>
+          <p:cNvPr id="22" name="Triangolo isoscele 21"/>
+          <p:cNvSpPr/>
+          <p:nvPr/>
+        </p:nvSpPr>
+        <p:spPr>
+          <a:xfrm rot="16200000">
+            <a:off x="4450883" y="1129815"/>
+            <a:ext cx="430138" cy="370809"/>
+          </a:xfrm>
+          <a:prstGeom prst="triangle">
+            <a:avLst/>
+          </a:prstGeom>
+          <a:solidFill>
+            <a:srgbClr val="FF0000"/>
+          </a:solidFill>
+          <a:ln w="12700">
+            <a:solidFill>
+              <a:schemeClr val="tx1"/>
+            </a:solidFill>
+          </a:ln>
+        </p:spPr>
+        <p:style>
+          <a:lnRef idx="2">
+            <a:schemeClr val="accent1">
+              <a:shade val="50000"/>
+            </a:schemeClr>
+          </a:lnRef>
+          <a:fillRef idx="1">
+            <a:schemeClr val="accent1"/>
+          </a:fillRef>
+          <a:effectRef idx="0">
+            <a:schemeClr val="accent1"/>
+          </a:effectRef>
+          <a:fontRef idx="minor">
+            <a:schemeClr val="lt1"/>
+          </a:fontRef>
+        </p:style>
+        <p:txBody>
+          <a:bodyPr rtlCol="0" anchor="ctr"/>
+          <a:lstStyle/>
+          <a:p>
+            <a:pPr algn="ctr"/>
+            <a:endParaRPr lang="it-IT"/>
+          </a:p>
+        </p:txBody>
+      </p:sp>
+      <p:sp>
+        <p:nvSpPr>
+          <p:cNvPr id="30" name="Rettangolo 29"/>
+          <p:cNvSpPr/>
+          <p:nvPr/>
+        </p:nvSpPr>
+        <p:spPr>
+          <a:xfrm>
+            <a:off x="3301617" y="1896471"/>
+            <a:ext cx="714644" cy="339520"/>
+          </a:xfrm>
+          <a:prstGeom prst="rect">
+            <a:avLst/>
+          </a:prstGeom>
+          <a:solidFill>
+            <a:schemeClr val="accent2">
+              <a:lumMod val="20000"/>
+              <a:lumOff val="80000"/>
+            </a:schemeClr>
+          </a:solidFill>
+          <a:ln w="12700">
+            <a:solidFill>
+              <a:schemeClr val="tx1"/>
+            </a:solidFill>
+          </a:ln>
+        </p:spPr>
+        <p:style>
+          <a:lnRef idx="2">
+            <a:schemeClr val="accent1">
+              <a:shade val="50000"/>
+            </a:schemeClr>
+          </a:lnRef>
+          <a:fillRef idx="1">
+            <a:schemeClr val="accent1"/>
+          </a:fillRef>
+          <a:effectRef idx="0">
+            <a:schemeClr val="accent1"/>
+          </a:effectRef>
+          <a:fontRef idx="minor">
+            <a:schemeClr val="lt1"/>
+          </a:fontRef>
+        </p:style>
+        <p:txBody>
+          <a:bodyPr rtlCol="0" anchor="ctr"/>
+          <a:lstStyle/>
+          <a:p>
+            <a:pPr algn="ctr"/>
+            <a:endParaRPr lang="it-IT"/>
+          </a:p>
+        </p:txBody>
+      </p:sp>
+      <p:cxnSp>
+        <p:nvCxnSpPr>
+          <p:cNvPr id="31" name="Connettore 2 30"/>
+          <p:cNvCxnSpPr/>
+          <p:nvPr/>
+        </p:nvCxnSpPr>
+        <p:spPr>
+          <a:xfrm flipH="1" flipV="1">
+            <a:off x="4493434" y="2909342"/>
+            <a:ext cx="1" cy="1011285"/>
+          </a:xfrm>
+          <a:prstGeom prst="straightConnector1">
+            <a:avLst/>
+          </a:prstGeom>
+          <a:ln w="19050">
+            <a:solidFill>
+              <a:schemeClr val="tx1"/>
+            </a:solidFill>
+            <a:prstDash val="sysDash"/>
+            <a:headEnd type="none" w="med" len="med"/>
+            <a:tailEnd type="arrow" w="med" len="med"/>
+          </a:ln>
+        </p:spPr>
+        <p:style>
+          <a:lnRef idx="1">
+            <a:schemeClr val="accent1"/>
+          </a:lnRef>
+          <a:fillRef idx="0">
+            <a:schemeClr val="accent1"/>
+          </a:fillRef>
+          <a:effectRef idx="0">
+            <a:schemeClr val="accent1"/>
+          </a:effectRef>
+          <a:fontRef idx="minor">
+            <a:schemeClr val="tx1"/>
+          </a:fontRef>
+        </p:style>
+      </p:cxnSp>
+      <p:sp>
+        <p:nvSpPr>
+          <p:cNvPr id="32" name="Figura a mano libera 31"/>
+          <p:cNvSpPr/>
+          <p:nvPr/>
+        </p:nvSpPr>
+        <p:spPr>
+          <a:xfrm rot="5400000">
+            <a:off x="4535020" y="3107943"/>
+            <a:ext cx="990600" cy="638334"/>
+          </a:xfrm>
+          <a:custGeom>
+            <a:avLst/>
+            <a:gdLst>
+              <a:gd name="connsiteX0" fmla="*/ 0 w 990600"/>
+              <a:gd name="connsiteY0" fmla="*/ 439954 h 638334"/>
+              <a:gd name="connsiteX1" fmla="*/ 314325 w 990600"/>
+              <a:gd name="connsiteY1" fmla="*/ 439954 h 638334"/>
+              <a:gd name="connsiteX2" fmla="*/ 390525 w 990600"/>
+              <a:gd name="connsiteY2" fmla="*/ 1804 h 638334"/>
+              <a:gd name="connsiteX3" fmla="*/ 571500 w 990600"/>
+              <a:gd name="connsiteY3" fmla="*/ 630454 h 638334"/>
+              <a:gd name="connsiteX4" fmla="*/ 685800 w 990600"/>
+              <a:gd name="connsiteY4" fmla="*/ 354229 h 638334"/>
+              <a:gd name="connsiteX5" fmla="*/ 990600 w 990600"/>
+              <a:gd name="connsiteY5" fmla="*/ 344704 h 638334"/>
+            </a:gdLst>
+            <a:ahLst/>
+            <a:cxnLst>
+              <a:cxn ang="0">
+                <a:pos x="connsiteX0" y="connsiteY0"/>
+              </a:cxn>
+              <a:cxn ang="0">
+                <a:pos x="connsiteX1" y="connsiteY1"/>
+              </a:cxn>
+              <a:cxn ang="0">
+                <a:pos x="connsiteX2" y="connsiteY2"/>
+              </a:cxn>
+              <a:cxn ang="0">
+                <a:pos x="connsiteX3" y="connsiteY3"/>
+              </a:cxn>
+              <a:cxn ang="0">
+                <a:pos x="connsiteX4" y="connsiteY4"/>
+              </a:cxn>
+              <a:cxn ang="0">
+                <a:pos x="connsiteX5" y="connsiteY5"/>
+              </a:cxn>
+            </a:cxnLst>
+            <a:rect l="l" t="t" r="r" b="b"/>
+            <a:pathLst>
+              <a:path w="990600" h="638334">
+                <a:moveTo>
+                  <a:pt x="0" y="439954"/>
+                </a:moveTo>
+                <a:cubicBezTo>
+                  <a:pt x="124619" y="476466"/>
+                  <a:pt x="249238" y="512979"/>
+                  <a:pt x="314325" y="439954"/>
+                </a:cubicBezTo>
+                <a:cubicBezTo>
+                  <a:pt x="379412" y="366929"/>
+                  <a:pt x="347663" y="-29946"/>
+                  <a:pt x="390525" y="1804"/>
+                </a:cubicBezTo>
+                <a:cubicBezTo>
+                  <a:pt x="433387" y="33554"/>
+                  <a:pt x="522288" y="571717"/>
+                  <a:pt x="571500" y="630454"/>
+                </a:cubicBezTo>
+                <a:cubicBezTo>
+                  <a:pt x="620713" y="689192"/>
+                  <a:pt x="615950" y="401854"/>
+                  <a:pt x="685800" y="354229"/>
+                </a:cubicBezTo>
+                <a:cubicBezTo>
+                  <a:pt x="755650" y="306604"/>
+                  <a:pt x="873125" y="325654"/>
+                  <a:pt x="990600" y="344704"/>
+                </a:cubicBezTo>
+              </a:path>
+            </a:pathLst>
+          </a:custGeom>
+          <a:noFill/>
+          <a:ln w="15875">
+            <a:solidFill>
+              <a:schemeClr val="tx1"/>
+            </a:solidFill>
+            <a:tailEnd type="arrow"/>
+          </a:ln>
+        </p:spPr>
+        <p:style>
+          <a:lnRef idx="2">
+            <a:schemeClr val="accent1">
+              <a:shade val="50000"/>
+            </a:schemeClr>
+          </a:lnRef>
+          <a:fillRef idx="1">
+            <a:schemeClr val="accent1"/>
+          </a:fillRef>
+          <a:effectRef idx="0">
+            <a:schemeClr val="accent1"/>
+          </a:effectRef>
+          <a:fontRef idx="minor">
+            <a:schemeClr val="lt1"/>
+          </a:fontRef>
+        </p:style>
+        <p:txBody>
+          <a:bodyPr rtlCol="0" anchor="ctr"/>
+          <a:lstStyle/>
+          <a:p>
+            <a:pPr algn="ctr"/>
+            <a:endParaRPr lang="it-IT"/>
+          </a:p>
+        </p:txBody>
+      </p:sp>
+    </p:spTree>
+    <p:extLst>
+      <p:ext uri="{BB962C8B-B14F-4D97-AF65-F5344CB8AC3E}">
+        <p14:creationId xmlns:p14="http://schemas.microsoft.com/office/powerpoint/2010/main" val="808280778"/>
+      </p:ext>
+    </p:extLst>
+  </p:cSld>
+  <p:clrMapOvr>
+    <a:masterClrMapping/>
+  </p:clrMapOvr>
+</p:sld>
+</file>
+
 <file path=ppt/theme/theme1.xml><?xml version="1.0" encoding="utf-8"?>
 <a:theme xmlns:a="http://schemas.openxmlformats.org/drawingml/2006/main" name="Tema di Office">
   <a:themeElements>

--- a/FinalTask/userDocs/img/final_task_schema.pptx
+++ b/FinalTask/userDocs/img/final_task_schema.pptx
@@ -11,6 +11,9 @@
     <p:sldId id="270" r:id="rId5"/>
     <p:sldId id="269" r:id="rId6"/>
     <p:sldId id="273" r:id="rId7"/>
+    <p:sldId id="274" r:id="rId8"/>
+    <p:sldId id="275" r:id="rId9"/>
+    <p:sldId id="276" r:id="rId10"/>
   </p:sldIdLst>
   <p:sldSz cx="12192000" cy="6858000"/>
   <p:notesSz cx="6858000" cy="9144000"/>
@@ -9333,6 +9336,5664 @@
 </p:sld>
 </file>
 
+<file path=ppt/slides/slide7.xml><?xml version="1.0" encoding="utf-8"?>
+<p:sld xmlns:a="http://schemas.openxmlformats.org/drawingml/2006/main" xmlns:r="http://schemas.openxmlformats.org/officeDocument/2006/relationships" xmlns:p="http://schemas.openxmlformats.org/presentationml/2006/main">
+  <p:cSld>
+    <p:spTree>
+      <p:nvGrpSpPr>
+        <p:cNvPr id="1" name=""/>
+        <p:cNvGrpSpPr/>
+        <p:nvPr/>
+      </p:nvGrpSpPr>
+      <p:grpSpPr>
+        <a:xfrm>
+          <a:off x="0" y="0"/>
+          <a:ext cx="0" cy="0"/>
+          <a:chOff x="0" y="0"/>
+          <a:chExt cx="0" cy="0"/>
+        </a:xfrm>
+      </p:grpSpPr>
+      <p:sp>
+        <p:nvSpPr>
+          <p:cNvPr id="7" name="Ovale 6">
+            <a:extLst>
+              <a:ext uri="{FF2B5EF4-FFF2-40B4-BE49-F238E27FC236}">
+                <a16:creationId xmlns:a16="http://schemas.microsoft.com/office/drawing/2014/main" id="{89FC37F9-070A-4437-BCA4-685B862773B8}"/>
+              </a:ext>
+            </a:extLst>
+          </p:cNvPr>
+          <p:cNvSpPr/>
+          <p:nvPr/>
+        </p:nvSpPr>
+        <p:spPr>
+          <a:xfrm>
+            <a:off x="9293085" y="4567434"/>
+            <a:ext cx="1857403" cy="1636771"/>
+          </a:xfrm>
+          <a:prstGeom prst="ellipse">
+            <a:avLst/>
+          </a:prstGeom>
+          <a:solidFill>
+            <a:schemeClr val="accent4">
+              <a:lumMod val="20000"/>
+              <a:lumOff val="80000"/>
+            </a:schemeClr>
+          </a:solidFill>
+          <a:ln w="12700">
+            <a:solidFill>
+              <a:schemeClr val="tx1"/>
+            </a:solidFill>
+          </a:ln>
+        </p:spPr>
+        <p:style>
+          <a:lnRef idx="2">
+            <a:schemeClr val="accent1">
+              <a:shade val="50000"/>
+            </a:schemeClr>
+          </a:lnRef>
+          <a:fillRef idx="1">
+            <a:schemeClr val="accent1"/>
+          </a:fillRef>
+          <a:effectRef idx="0">
+            <a:schemeClr val="accent1"/>
+          </a:effectRef>
+          <a:fontRef idx="minor">
+            <a:schemeClr val="lt1"/>
+          </a:fontRef>
+        </p:style>
+        <p:txBody>
+          <a:bodyPr rtlCol="0" anchor="ctr"/>
+          <a:lstStyle/>
+          <a:p>
+            <a:pPr algn="ctr"/>
+            <a:r>
+              <a:rPr lang="it-IT" sz="1400" dirty="0" smtClean="0">
+                <a:solidFill>
+                  <a:schemeClr val="tx1"/>
+                </a:solidFill>
+                <a:latin typeface="Century Schoolbook" panose="02040604050505020304" pitchFamily="18" charset="0"/>
+              </a:rPr>
+              <a:t>Virtual Environment</a:t>
+            </a:r>
+            <a:endParaRPr lang="it-IT" sz="1400" dirty="0">
+              <a:solidFill>
+                <a:schemeClr val="tx1"/>
+              </a:solidFill>
+              <a:latin typeface="Century Schoolbook" panose="02040604050505020304" pitchFamily="18" charset="0"/>
+            </a:endParaRPr>
+          </a:p>
+        </p:txBody>
+      </p:sp>
+      <p:sp>
+        <p:nvSpPr>
+          <p:cNvPr id="14" name="Ovale 13">
+            <a:extLst>
+              <a:ext uri="{FF2B5EF4-FFF2-40B4-BE49-F238E27FC236}">
+                <a16:creationId xmlns:a16="http://schemas.microsoft.com/office/drawing/2014/main" id="{D730308E-50C2-4F0A-9A73-ABE09ACFC7BE}"/>
+              </a:ext>
+            </a:extLst>
+          </p:cNvPr>
+          <p:cNvSpPr/>
+          <p:nvPr/>
+        </p:nvSpPr>
+        <p:spPr>
+          <a:xfrm>
+            <a:off x="806000" y="759713"/>
+            <a:ext cx="1857403" cy="1636769"/>
+          </a:xfrm>
+          <a:prstGeom prst="ellipse">
+            <a:avLst/>
+          </a:prstGeom>
+          <a:solidFill>
+            <a:schemeClr val="accent2">
+              <a:lumMod val="20000"/>
+              <a:lumOff val="80000"/>
+            </a:schemeClr>
+          </a:solidFill>
+          <a:ln w="12700">
+            <a:solidFill>
+              <a:schemeClr val="tx1"/>
+            </a:solidFill>
+          </a:ln>
+        </p:spPr>
+        <p:style>
+          <a:lnRef idx="2">
+            <a:schemeClr val="accent1">
+              <a:shade val="50000"/>
+            </a:schemeClr>
+          </a:lnRef>
+          <a:fillRef idx="1">
+            <a:schemeClr val="accent1"/>
+          </a:fillRef>
+          <a:effectRef idx="0">
+            <a:schemeClr val="accent1"/>
+          </a:effectRef>
+          <a:fontRef idx="minor">
+            <a:schemeClr val="lt1"/>
+          </a:fontRef>
+        </p:style>
+        <p:txBody>
+          <a:bodyPr rtlCol="0" anchor="ctr"/>
+          <a:lstStyle/>
+          <a:p>
+            <a:pPr algn="ctr"/>
+            <a:r>
+              <a:rPr lang="it-IT" sz="1400" dirty="0" smtClean="0">
+                <a:solidFill>
+                  <a:schemeClr val="tx1"/>
+                </a:solidFill>
+                <a:latin typeface="Century Schoolbook" panose="02040604050505020304" pitchFamily="18" charset="0"/>
+              </a:rPr>
+              <a:t>Weight</a:t>
+            </a:r>
+            <a:endParaRPr lang="it-IT" sz="1400" dirty="0">
+              <a:solidFill>
+                <a:schemeClr val="tx1"/>
+              </a:solidFill>
+              <a:latin typeface="Century Schoolbook" panose="02040604050505020304" pitchFamily="18" charset="0"/>
+            </a:endParaRPr>
+          </a:p>
+          <a:p>
+            <a:pPr algn="ctr"/>
+            <a:r>
+              <a:rPr lang="it-IT" sz="1400" dirty="0">
+                <a:solidFill>
+                  <a:schemeClr val="tx1"/>
+                </a:solidFill>
+                <a:latin typeface="Century Schoolbook" panose="02040604050505020304" pitchFamily="18" charset="0"/>
+              </a:rPr>
+              <a:t>Actor</a:t>
+            </a:r>
+          </a:p>
+        </p:txBody>
+      </p:sp>
+      <p:sp>
+        <p:nvSpPr>
+          <p:cNvPr id="15" name="Triangolo isoscele 14">
+            <a:extLst>
+              <a:ext uri="{FF2B5EF4-FFF2-40B4-BE49-F238E27FC236}">
+                <a16:creationId xmlns:a16="http://schemas.microsoft.com/office/drawing/2014/main" id="{92CE9E93-4516-46FF-BDA3-7E103FC05806}"/>
+              </a:ext>
+            </a:extLst>
+          </p:cNvPr>
+          <p:cNvSpPr/>
+          <p:nvPr/>
+        </p:nvSpPr>
+        <p:spPr>
+          <a:xfrm rot="16200000">
+            <a:off x="1529450" y="668463"/>
+            <a:ext cx="334579" cy="182501"/>
+          </a:xfrm>
+          <a:prstGeom prst="triangle">
+            <a:avLst/>
+          </a:prstGeom>
+          <a:solidFill>
+            <a:srgbClr val="FF0000"/>
+          </a:solidFill>
+          <a:ln w="12700">
+            <a:solidFill>
+              <a:schemeClr val="tx1"/>
+            </a:solidFill>
+          </a:ln>
+        </p:spPr>
+        <p:style>
+          <a:lnRef idx="2">
+            <a:schemeClr val="accent1">
+              <a:shade val="50000"/>
+            </a:schemeClr>
+          </a:lnRef>
+          <a:fillRef idx="1">
+            <a:schemeClr val="accent1"/>
+          </a:fillRef>
+          <a:effectRef idx="0">
+            <a:schemeClr val="accent1"/>
+          </a:effectRef>
+          <a:fontRef idx="minor">
+            <a:schemeClr val="lt1"/>
+          </a:fontRef>
+        </p:style>
+        <p:txBody>
+          <a:bodyPr rtlCol="0" anchor="ctr"/>
+          <a:lstStyle/>
+          <a:p>
+            <a:pPr algn="ctr"/>
+            <a:endParaRPr lang="it-IT"/>
+          </a:p>
+        </p:txBody>
+      </p:sp>
+      <p:sp>
+        <p:nvSpPr>
+          <p:cNvPr id="16" name="Rettangolo 15">
+            <a:extLst>
+              <a:ext uri="{FF2B5EF4-FFF2-40B4-BE49-F238E27FC236}">
+                <a16:creationId xmlns:a16="http://schemas.microsoft.com/office/drawing/2014/main" id="{2A90512A-9E37-483C-B175-4E3EADE12D1A}"/>
+              </a:ext>
+            </a:extLst>
+          </p:cNvPr>
+          <p:cNvSpPr/>
+          <p:nvPr/>
+        </p:nvSpPr>
+        <p:spPr>
+          <a:xfrm>
+            <a:off x="426473" y="1422486"/>
+            <a:ext cx="714644" cy="339520"/>
+          </a:xfrm>
+          <a:prstGeom prst="rect">
+            <a:avLst/>
+          </a:prstGeom>
+          <a:solidFill>
+            <a:schemeClr val="accent2">
+              <a:lumMod val="20000"/>
+              <a:lumOff val="80000"/>
+            </a:schemeClr>
+          </a:solidFill>
+          <a:ln w="12700">
+            <a:solidFill>
+              <a:schemeClr val="tx1"/>
+            </a:solidFill>
+          </a:ln>
+        </p:spPr>
+        <p:style>
+          <a:lnRef idx="2">
+            <a:schemeClr val="accent1">
+              <a:shade val="50000"/>
+            </a:schemeClr>
+          </a:lnRef>
+          <a:fillRef idx="1">
+            <a:schemeClr val="accent1"/>
+          </a:fillRef>
+          <a:effectRef idx="0">
+            <a:schemeClr val="accent1"/>
+          </a:effectRef>
+          <a:fontRef idx="minor">
+            <a:schemeClr val="lt1"/>
+          </a:fontRef>
+        </p:style>
+        <p:txBody>
+          <a:bodyPr rtlCol="0" anchor="ctr"/>
+          <a:lstStyle/>
+          <a:p>
+            <a:pPr algn="ctr"/>
+            <a:endParaRPr lang="it-IT"/>
+          </a:p>
+        </p:txBody>
+      </p:sp>
+      <p:sp>
+        <p:nvSpPr>
+          <p:cNvPr id="17" name="Ovale 16">
+            <a:extLst>
+              <a:ext uri="{FF2B5EF4-FFF2-40B4-BE49-F238E27FC236}">
+                <a16:creationId xmlns:a16="http://schemas.microsoft.com/office/drawing/2014/main" id="{61477D68-C5DB-4C9A-A5CE-C789181B086D}"/>
+              </a:ext>
+            </a:extLst>
+          </p:cNvPr>
+          <p:cNvSpPr/>
+          <p:nvPr/>
+        </p:nvSpPr>
+        <p:spPr>
+          <a:xfrm>
+            <a:off x="8561317" y="654373"/>
+            <a:ext cx="1857403" cy="1636770"/>
+          </a:xfrm>
+          <a:prstGeom prst="ellipse">
+            <a:avLst/>
+          </a:prstGeom>
+          <a:solidFill>
+            <a:schemeClr val="accent2">
+              <a:lumMod val="20000"/>
+              <a:lumOff val="80000"/>
+            </a:schemeClr>
+          </a:solidFill>
+          <a:ln w="12700">
+            <a:solidFill>
+              <a:schemeClr val="tx1"/>
+            </a:solidFill>
+          </a:ln>
+        </p:spPr>
+        <p:style>
+          <a:lnRef idx="2">
+            <a:schemeClr val="accent1">
+              <a:shade val="50000"/>
+            </a:schemeClr>
+          </a:lnRef>
+          <a:fillRef idx="1">
+            <a:schemeClr val="accent1"/>
+          </a:fillRef>
+          <a:effectRef idx="0">
+            <a:schemeClr val="accent1"/>
+          </a:effectRef>
+          <a:fontRef idx="minor">
+            <a:schemeClr val="lt1"/>
+          </a:fontRef>
+        </p:style>
+        <p:txBody>
+          <a:bodyPr rtlCol="0" anchor="ctr"/>
+          <a:lstStyle/>
+          <a:p>
+            <a:pPr algn="ctr"/>
+            <a:r>
+              <a:rPr lang="it-IT" sz="1400" dirty="0">
+                <a:solidFill>
+                  <a:schemeClr val="tx1"/>
+                </a:solidFill>
+                <a:latin typeface="Century Schoolbook" panose="02040604050505020304" pitchFamily="18" charset="0"/>
+              </a:rPr>
+              <a:t>Fan</a:t>
+            </a:r>
+          </a:p>
+          <a:p>
+            <a:pPr algn="ctr"/>
+            <a:r>
+              <a:rPr lang="it-IT" sz="1400" dirty="0">
+                <a:solidFill>
+                  <a:schemeClr val="tx1"/>
+                </a:solidFill>
+                <a:latin typeface="Century Schoolbook" panose="02040604050505020304" pitchFamily="18" charset="0"/>
+              </a:rPr>
+              <a:t>Actor</a:t>
+            </a:r>
+          </a:p>
+        </p:txBody>
+      </p:sp>
+      <p:sp>
+        <p:nvSpPr>
+          <p:cNvPr id="19" name="Rettangolo 18">
+            <a:extLst>
+              <a:ext uri="{FF2B5EF4-FFF2-40B4-BE49-F238E27FC236}">
+                <a16:creationId xmlns:a16="http://schemas.microsoft.com/office/drawing/2014/main" id="{D0D196ED-8B3E-49CA-8474-7BC6D32F1734}"/>
+              </a:ext>
+            </a:extLst>
+          </p:cNvPr>
+          <p:cNvSpPr/>
+          <p:nvPr/>
+        </p:nvSpPr>
+        <p:spPr>
+          <a:xfrm>
+            <a:off x="8125683" y="1235624"/>
+            <a:ext cx="714644" cy="339520"/>
+          </a:xfrm>
+          <a:prstGeom prst="rect">
+            <a:avLst/>
+          </a:prstGeom>
+          <a:solidFill>
+            <a:schemeClr val="accent2">
+              <a:lumMod val="20000"/>
+              <a:lumOff val="80000"/>
+            </a:schemeClr>
+          </a:solidFill>
+          <a:ln w="12700">
+            <a:solidFill>
+              <a:schemeClr val="tx1"/>
+            </a:solidFill>
+          </a:ln>
+        </p:spPr>
+        <p:style>
+          <a:lnRef idx="2">
+            <a:schemeClr val="accent1">
+              <a:shade val="50000"/>
+            </a:schemeClr>
+          </a:lnRef>
+          <a:fillRef idx="1">
+            <a:schemeClr val="accent1"/>
+          </a:fillRef>
+          <a:effectRef idx="0">
+            <a:schemeClr val="accent1"/>
+          </a:effectRef>
+          <a:fontRef idx="minor">
+            <a:schemeClr val="lt1"/>
+          </a:fontRef>
+        </p:style>
+        <p:txBody>
+          <a:bodyPr rtlCol="0" anchor="ctr"/>
+          <a:lstStyle/>
+          <a:p>
+            <a:pPr algn="ctr"/>
+            <a:endParaRPr lang="it-IT"/>
+          </a:p>
+        </p:txBody>
+      </p:sp>
+      <p:sp>
+        <p:nvSpPr>
+          <p:cNvPr id="23" name="Ovale 22">
+            <a:extLst>
+              <a:ext uri="{FF2B5EF4-FFF2-40B4-BE49-F238E27FC236}">
+                <a16:creationId xmlns:a16="http://schemas.microsoft.com/office/drawing/2014/main" id="{BBCA4ED2-540F-47F3-A6A9-2638DE17168D}"/>
+              </a:ext>
+            </a:extLst>
+          </p:cNvPr>
+          <p:cNvSpPr/>
+          <p:nvPr/>
+        </p:nvSpPr>
+        <p:spPr>
+          <a:xfrm>
+            <a:off x="939594" y="4970206"/>
+            <a:ext cx="1905929" cy="1636771"/>
+          </a:xfrm>
+          <a:prstGeom prst="ellipse">
+            <a:avLst/>
+          </a:prstGeom>
+          <a:solidFill>
+            <a:schemeClr val="accent2">
+              <a:lumMod val="20000"/>
+              <a:lumOff val="80000"/>
+            </a:schemeClr>
+          </a:solidFill>
+          <a:ln w="12700">
+            <a:solidFill>
+              <a:schemeClr val="tx1"/>
+            </a:solidFill>
+          </a:ln>
+        </p:spPr>
+        <p:style>
+          <a:lnRef idx="2">
+            <a:schemeClr val="accent1">
+              <a:shade val="50000"/>
+            </a:schemeClr>
+          </a:lnRef>
+          <a:fillRef idx="1">
+            <a:schemeClr val="accent1"/>
+          </a:fillRef>
+          <a:effectRef idx="0">
+            <a:schemeClr val="accent1"/>
+          </a:effectRef>
+          <a:fontRef idx="minor">
+            <a:schemeClr val="lt1"/>
+          </a:fontRef>
+        </p:style>
+        <p:txBody>
+          <a:bodyPr rtlCol="0" anchor="ctr"/>
+          <a:lstStyle/>
+          <a:p>
+            <a:pPr algn="ctr"/>
+            <a:r>
+              <a:rPr lang="it-IT" sz="1400" dirty="0" smtClean="0">
+                <a:solidFill>
+                  <a:schemeClr val="tx1"/>
+                </a:solidFill>
+                <a:latin typeface="Century Schoolbook" panose="02040604050505020304" pitchFamily="18" charset="0"/>
+              </a:rPr>
+              <a:t>Sonar</a:t>
+            </a:r>
+            <a:endParaRPr lang="it-IT" sz="1400" dirty="0">
+              <a:solidFill>
+                <a:schemeClr val="tx1"/>
+              </a:solidFill>
+              <a:latin typeface="Century Schoolbook" panose="02040604050505020304" pitchFamily="18" charset="0"/>
+            </a:endParaRPr>
+          </a:p>
+          <a:p>
+            <a:pPr algn="ctr"/>
+            <a:r>
+              <a:rPr lang="it-IT" sz="1400" dirty="0">
+                <a:solidFill>
+                  <a:schemeClr val="tx1"/>
+                </a:solidFill>
+                <a:latin typeface="Century Schoolbook" panose="02040604050505020304" pitchFamily="18" charset="0"/>
+              </a:rPr>
+              <a:t>Actor</a:t>
+            </a:r>
+          </a:p>
+        </p:txBody>
+      </p:sp>
+      <p:sp>
+        <p:nvSpPr>
+          <p:cNvPr id="25" name="Rettangolo 24">
+            <a:extLst>
+              <a:ext uri="{FF2B5EF4-FFF2-40B4-BE49-F238E27FC236}">
+                <a16:creationId xmlns:a16="http://schemas.microsoft.com/office/drawing/2014/main" id="{F21F5878-EC00-4196-A658-CC0F42AA5337}"/>
+              </a:ext>
+            </a:extLst>
+          </p:cNvPr>
+          <p:cNvSpPr/>
+          <p:nvPr/>
+        </p:nvSpPr>
+        <p:spPr>
+          <a:xfrm>
+            <a:off x="503960" y="5551458"/>
+            <a:ext cx="714644" cy="339520"/>
+          </a:xfrm>
+          <a:prstGeom prst="rect">
+            <a:avLst/>
+          </a:prstGeom>
+          <a:solidFill>
+            <a:schemeClr val="accent2">
+              <a:lumMod val="20000"/>
+              <a:lumOff val="80000"/>
+            </a:schemeClr>
+          </a:solidFill>
+          <a:ln w="12700">
+            <a:solidFill>
+              <a:schemeClr val="tx1"/>
+            </a:solidFill>
+          </a:ln>
+        </p:spPr>
+        <p:style>
+          <a:lnRef idx="2">
+            <a:schemeClr val="accent1">
+              <a:shade val="50000"/>
+            </a:schemeClr>
+          </a:lnRef>
+          <a:fillRef idx="1">
+            <a:schemeClr val="accent1"/>
+          </a:fillRef>
+          <a:effectRef idx="0">
+            <a:schemeClr val="accent1"/>
+          </a:effectRef>
+          <a:fontRef idx="minor">
+            <a:schemeClr val="lt1"/>
+          </a:fontRef>
+        </p:style>
+        <p:txBody>
+          <a:bodyPr rtlCol="0" anchor="ctr"/>
+          <a:lstStyle/>
+          <a:p>
+            <a:pPr algn="ctr"/>
+            <a:endParaRPr lang="it-IT"/>
+          </a:p>
+        </p:txBody>
+      </p:sp>
+      <p:sp>
+        <p:nvSpPr>
+          <p:cNvPr id="26" name="Triangolo isoscele 25">
+            <a:extLst>
+              <a:ext uri="{FF2B5EF4-FFF2-40B4-BE49-F238E27FC236}">
+                <a16:creationId xmlns:a16="http://schemas.microsoft.com/office/drawing/2014/main" id="{9CAE1808-6BAC-4DE6-B88B-C7DF4498F972}"/>
+              </a:ext>
+            </a:extLst>
+          </p:cNvPr>
+          <p:cNvSpPr/>
+          <p:nvPr/>
+        </p:nvSpPr>
+        <p:spPr>
+          <a:xfrm rot="16200000">
+            <a:off x="9335668" y="557359"/>
+            <a:ext cx="334579" cy="182501"/>
+          </a:xfrm>
+          <a:prstGeom prst="triangle">
+            <a:avLst/>
+          </a:prstGeom>
+          <a:solidFill>
+            <a:srgbClr val="FF0000"/>
+          </a:solidFill>
+          <a:ln w="12700">
+            <a:solidFill>
+              <a:schemeClr val="tx1"/>
+            </a:solidFill>
+          </a:ln>
+        </p:spPr>
+        <p:style>
+          <a:lnRef idx="2">
+            <a:schemeClr val="accent1">
+              <a:shade val="50000"/>
+            </a:schemeClr>
+          </a:lnRef>
+          <a:fillRef idx="1">
+            <a:schemeClr val="accent1"/>
+          </a:fillRef>
+          <a:effectRef idx="0">
+            <a:schemeClr val="accent1"/>
+          </a:effectRef>
+          <a:fontRef idx="minor">
+            <a:schemeClr val="lt1"/>
+          </a:fontRef>
+        </p:style>
+        <p:txBody>
+          <a:bodyPr rtlCol="0" anchor="ctr"/>
+          <a:lstStyle/>
+          <a:p>
+            <a:pPr algn="ctr"/>
+            <a:endParaRPr lang="it-IT"/>
+          </a:p>
+        </p:txBody>
+      </p:sp>
+      <p:sp>
+        <p:nvSpPr>
+          <p:cNvPr id="27" name="Triangolo isoscele 26">
+            <a:extLst>
+              <a:ext uri="{FF2B5EF4-FFF2-40B4-BE49-F238E27FC236}">
+                <a16:creationId xmlns:a16="http://schemas.microsoft.com/office/drawing/2014/main" id="{CC46F1F8-3ACE-4BB2-9921-DB49F6873A20}"/>
+              </a:ext>
+            </a:extLst>
+          </p:cNvPr>
+          <p:cNvSpPr/>
+          <p:nvPr/>
+        </p:nvSpPr>
+        <p:spPr>
+          <a:xfrm rot="16200000">
+            <a:off x="10054498" y="4476184"/>
+            <a:ext cx="334579" cy="182501"/>
+          </a:xfrm>
+          <a:prstGeom prst="triangle">
+            <a:avLst/>
+          </a:prstGeom>
+          <a:solidFill>
+            <a:srgbClr val="FF0000"/>
+          </a:solidFill>
+          <a:ln w="12700">
+            <a:solidFill>
+              <a:schemeClr val="tx1"/>
+            </a:solidFill>
+          </a:ln>
+        </p:spPr>
+        <p:style>
+          <a:lnRef idx="2">
+            <a:schemeClr val="accent1">
+              <a:shade val="50000"/>
+            </a:schemeClr>
+          </a:lnRef>
+          <a:fillRef idx="1">
+            <a:schemeClr val="accent1"/>
+          </a:fillRef>
+          <a:effectRef idx="0">
+            <a:schemeClr val="accent1"/>
+          </a:effectRef>
+          <a:fontRef idx="minor">
+            <a:schemeClr val="lt1"/>
+          </a:fontRef>
+        </p:style>
+        <p:txBody>
+          <a:bodyPr rtlCol="0" anchor="ctr"/>
+          <a:lstStyle/>
+          <a:p>
+            <a:pPr algn="ctr"/>
+            <a:endParaRPr lang="it-IT"/>
+          </a:p>
+        </p:txBody>
+      </p:sp>
+      <p:sp>
+        <p:nvSpPr>
+          <p:cNvPr id="28" name="Triangolo isoscele 27">
+            <a:extLst>
+              <a:ext uri="{FF2B5EF4-FFF2-40B4-BE49-F238E27FC236}">
+                <a16:creationId xmlns:a16="http://schemas.microsoft.com/office/drawing/2014/main" id="{970D0960-8DAD-462C-AEB8-6084C9782178}"/>
+              </a:ext>
+            </a:extLst>
+          </p:cNvPr>
+          <p:cNvSpPr/>
+          <p:nvPr/>
+        </p:nvSpPr>
+        <p:spPr>
+          <a:xfrm rot="16200000">
+            <a:off x="1723530" y="4878956"/>
+            <a:ext cx="334579" cy="182501"/>
+          </a:xfrm>
+          <a:prstGeom prst="triangle">
+            <a:avLst/>
+          </a:prstGeom>
+          <a:solidFill>
+            <a:srgbClr val="FF0000"/>
+          </a:solidFill>
+          <a:ln w="12700">
+            <a:solidFill>
+              <a:schemeClr val="tx1"/>
+            </a:solidFill>
+          </a:ln>
+        </p:spPr>
+        <p:style>
+          <a:lnRef idx="2">
+            <a:schemeClr val="accent1">
+              <a:shade val="50000"/>
+            </a:schemeClr>
+          </a:lnRef>
+          <a:fillRef idx="1">
+            <a:schemeClr val="accent1"/>
+          </a:fillRef>
+          <a:effectRef idx="0">
+            <a:schemeClr val="accent1"/>
+          </a:effectRef>
+          <a:fontRef idx="minor">
+            <a:schemeClr val="lt1"/>
+          </a:fontRef>
+        </p:style>
+        <p:txBody>
+          <a:bodyPr rtlCol="0" anchor="ctr"/>
+          <a:lstStyle/>
+          <a:p>
+            <a:pPr algn="ctr"/>
+            <a:endParaRPr lang="it-IT"/>
+          </a:p>
+        </p:txBody>
+      </p:sp>
+      <p:sp>
+        <p:nvSpPr>
+          <p:cNvPr id="29" name="Ovale 28">
+            <a:extLst>
+              <a:ext uri="{FF2B5EF4-FFF2-40B4-BE49-F238E27FC236}">
+                <a16:creationId xmlns:a16="http://schemas.microsoft.com/office/drawing/2014/main" id="{DF2514AF-7CB4-4E97-88AA-A7322A070659}"/>
+              </a:ext>
+            </a:extLst>
+          </p:cNvPr>
+          <p:cNvSpPr/>
+          <p:nvPr/>
+        </p:nvSpPr>
+        <p:spPr>
+          <a:xfrm>
+            <a:off x="4511262" y="2817291"/>
+            <a:ext cx="1857403" cy="1636769"/>
+          </a:xfrm>
+          <a:prstGeom prst="ellipse">
+            <a:avLst/>
+          </a:prstGeom>
+          <a:solidFill>
+            <a:schemeClr val="accent2">
+              <a:lumMod val="20000"/>
+              <a:lumOff val="80000"/>
+            </a:schemeClr>
+          </a:solidFill>
+          <a:ln w="12700">
+            <a:solidFill>
+              <a:schemeClr val="tx1"/>
+            </a:solidFill>
+          </a:ln>
+        </p:spPr>
+        <p:style>
+          <a:lnRef idx="2">
+            <a:schemeClr val="accent1">
+              <a:shade val="50000"/>
+            </a:schemeClr>
+          </a:lnRef>
+          <a:fillRef idx="1">
+            <a:schemeClr val="accent1"/>
+          </a:fillRef>
+          <a:effectRef idx="0">
+            <a:schemeClr val="accent1"/>
+          </a:effectRef>
+          <a:fontRef idx="minor">
+            <a:schemeClr val="lt1"/>
+          </a:fontRef>
+        </p:style>
+        <p:txBody>
+          <a:bodyPr rtlCol="0" anchor="ctr"/>
+          <a:lstStyle/>
+          <a:p>
+            <a:pPr algn="ctr"/>
+            <a:r>
+              <a:rPr lang="it-IT" sz="1400" dirty="0">
+                <a:solidFill>
+                  <a:schemeClr val="tx1"/>
+                </a:solidFill>
+                <a:latin typeface="Century Schoolbook" panose="02040604050505020304" pitchFamily="18" charset="0"/>
+              </a:rPr>
+              <a:t>Park Manager Service</a:t>
+            </a:r>
+          </a:p>
+          <a:p>
+            <a:pPr algn="ctr"/>
+            <a:r>
+              <a:rPr lang="it-IT" sz="1400" dirty="0" smtClean="0">
+                <a:solidFill>
+                  <a:schemeClr val="tx1"/>
+                </a:solidFill>
+                <a:latin typeface="Century Schoolbook" panose="02040604050505020304" pitchFamily="18" charset="0"/>
+              </a:rPr>
+              <a:t>(</a:t>
+            </a:r>
+            <a:r>
+              <a:rPr lang="it-IT" sz="1400" dirty="0" smtClean="0">
+                <a:solidFill>
+                  <a:schemeClr val="tx1"/>
+                </a:solidFill>
+                <a:latin typeface="Century Schoolbook" panose="02040604050505020304" pitchFamily="18" charset="0"/>
+              </a:rPr>
+              <a:t> business Logic )</a:t>
+            </a:r>
+            <a:endParaRPr lang="it-IT" sz="1400" dirty="0">
+              <a:solidFill>
+                <a:schemeClr val="tx1"/>
+              </a:solidFill>
+              <a:latin typeface="Century Schoolbook" panose="02040604050505020304" pitchFamily="18" charset="0"/>
+            </a:endParaRPr>
+          </a:p>
+        </p:txBody>
+      </p:sp>
+      <p:sp>
+        <p:nvSpPr>
+          <p:cNvPr id="30" name="Triangolo isoscele 29">
+            <a:extLst>
+              <a:ext uri="{FF2B5EF4-FFF2-40B4-BE49-F238E27FC236}">
+                <a16:creationId xmlns:a16="http://schemas.microsoft.com/office/drawing/2014/main" id="{F00ED55C-50B1-4116-AE35-B24C0346EA9D}"/>
+              </a:ext>
+            </a:extLst>
+          </p:cNvPr>
+          <p:cNvSpPr/>
+          <p:nvPr/>
+        </p:nvSpPr>
+        <p:spPr>
+          <a:xfrm rot="16200000">
+            <a:off x="5234712" y="2726041"/>
+            <a:ext cx="334579" cy="182501"/>
+          </a:xfrm>
+          <a:prstGeom prst="triangle">
+            <a:avLst/>
+          </a:prstGeom>
+          <a:solidFill>
+            <a:srgbClr val="FF0000"/>
+          </a:solidFill>
+          <a:ln w="12700">
+            <a:solidFill>
+              <a:schemeClr val="tx1"/>
+            </a:solidFill>
+          </a:ln>
+        </p:spPr>
+        <p:style>
+          <a:lnRef idx="2">
+            <a:schemeClr val="accent1">
+              <a:shade val="50000"/>
+            </a:schemeClr>
+          </a:lnRef>
+          <a:fillRef idx="1">
+            <a:schemeClr val="accent1"/>
+          </a:fillRef>
+          <a:effectRef idx="0">
+            <a:schemeClr val="accent1"/>
+          </a:effectRef>
+          <a:fontRef idx="minor">
+            <a:schemeClr val="lt1"/>
+          </a:fontRef>
+        </p:style>
+        <p:txBody>
+          <a:bodyPr rtlCol="0" anchor="ctr"/>
+          <a:lstStyle/>
+          <a:p>
+            <a:pPr algn="ctr"/>
+            <a:endParaRPr lang="it-IT"/>
+          </a:p>
+        </p:txBody>
+      </p:sp>
+      <p:sp>
+        <p:nvSpPr>
+          <p:cNvPr id="31" name="Rettangolo 30">
+            <a:extLst>
+              <a:ext uri="{FF2B5EF4-FFF2-40B4-BE49-F238E27FC236}">
+                <a16:creationId xmlns:a16="http://schemas.microsoft.com/office/drawing/2014/main" id="{0531960E-FB0B-47EF-9792-36C0BECA7830}"/>
+              </a:ext>
+            </a:extLst>
+          </p:cNvPr>
+          <p:cNvSpPr/>
+          <p:nvPr/>
+        </p:nvSpPr>
+        <p:spPr>
+          <a:xfrm>
+            <a:off x="4131735" y="3480064"/>
+            <a:ext cx="714644" cy="339520"/>
+          </a:xfrm>
+          <a:prstGeom prst="rect">
+            <a:avLst/>
+          </a:prstGeom>
+          <a:solidFill>
+            <a:schemeClr val="accent2">
+              <a:lumMod val="20000"/>
+              <a:lumOff val="80000"/>
+            </a:schemeClr>
+          </a:solidFill>
+          <a:ln w="12700">
+            <a:solidFill>
+              <a:schemeClr val="tx1"/>
+            </a:solidFill>
+          </a:ln>
+        </p:spPr>
+        <p:style>
+          <a:lnRef idx="2">
+            <a:schemeClr val="accent1">
+              <a:shade val="50000"/>
+            </a:schemeClr>
+          </a:lnRef>
+          <a:fillRef idx="1">
+            <a:schemeClr val="accent1"/>
+          </a:fillRef>
+          <a:effectRef idx="0">
+            <a:schemeClr val="accent1"/>
+          </a:effectRef>
+          <a:fontRef idx="minor">
+            <a:schemeClr val="lt1"/>
+          </a:fontRef>
+        </p:style>
+        <p:txBody>
+          <a:bodyPr rtlCol="0" anchor="ctr"/>
+          <a:lstStyle/>
+          <a:p>
+            <a:pPr algn="ctr"/>
+            <a:endParaRPr lang="it-IT"/>
+          </a:p>
+        </p:txBody>
+      </p:sp>
+      <p:sp>
+        <p:nvSpPr>
+          <p:cNvPr id="34" name="Figura a mano libera 33"/>
+          <p:cNvSpPr/>
+          <p:nvPr/>
+        </p:nvSpPr>
+        <p:spPr>
+          <a:xfrm>
+            <a:off x="2951586" y="3307712"/>
+            <a:ext cx="990600" cy="638334"/>
+          </a:xfrm>
+          <a:custGeom>
+            <a:avLst/>
+            <a:gdLst>
+              <a:gd name="connsiteX0" fmla="*/ 0 w 990600"/>
+              <a:gd name="connsiteY0" fmla="*/ 439954 h 638334"/>
+              <a:gd name="connsiteX1" fmla="*/ 314325 w 990600"/>
+              <a:gd name="connsiteY1" fmla="*/ 439954 h 638334"/>
+              <a:gd name="connsiteX2" fmla="*/ 390525 w 990600"/>
+              <a:gd name="connsiteY2" fmla="*/ 1804 h 638334"/>
+              <a:gd name="connsiteX3" fmla="*/ 571500 w 990600"/>
+              <a:gd name="connsiteY3" fmla="*/ 630454 h 638334"/>
+              <a:gd name="connsiteX4" fmla="*/ 685800 w 990600"/>
+              <a:gd name="connsiteY4" fmla="*/ 354229 h 638334"/>
+              <a:gd name="connsiteX5" fmla="*/ 990600 w 990600"/>
+              <a:gd name="connsiteY5" fmla="*/ 344704 h 638334"/>
+            </a:gdLst>
+            <a:ahLst/>
+            <a:cxnLst>
+              <a:cxn ang="0">
+                <a:pos x="connsiteX0" y="connsiteY0"/>
+              </a:cxn>
+              <a:cxn ang="0">
+                <a:pos x="connsiteX1" y="connsiteY1"/>
+              </a:cxn>
+              <a:cxn ang="0">
+                <a:pos x="connsiteX2" y="connsiteY2"/>
+              </a:cxn>
+              <a:cxn ang="0">
+                <a:pos x="connsiteX3" y="connsiteY3"/>
+              </a:cxn>
+              <a:cxn ang="0">
+                <a:pos x="connsiteX4" y="connsiteY4"/>
+              </a:cxn>
+              <a:cxn ang="0">
+                <a:pos x="connsiteX5" y="connsiteY5"/>
+              </a:cxn>
+            </a:cxnLst>
+            <a:rect l="l" t="t" r="r" b="b"/>
+            <a:pathLst>
+              <a:path w="990600" h="638334">
+                <a:moveTo>
+                  <a:pt x="0" y="439954"/>
+                </a:moveTo>
+                <a:cubicBezTo>
+                  <a:pt x="124619" y="476466"/>
+                  <a:pt x="249238" y="512979"/>
+                  <a:pt x="314325" y="439954"/>
+                </a:cubicBezTo>
+                <a:cubicBezTo>
+                  <a:pt x="379412" y="366929"/>
+                  <a:pt x="347663" y="-29946"/>
+                  <a:pt x="390525" y="1804"/>
+                </a:cubicBezTo>
+                <a:cubicBezTo>
+                  <a:pt x="433387" y="33554"/>
+                  <a:pt x="522288" y="571717"/>
+                  <a:pt x="571500" y="630454"/>
+                </a:cubicBezTo>
+                <a:cubicBezTo>
+                  <a:pt x="620713" y="689192"/>
+                  <a:pt x="615950" y="401854"/>
+                  <a:pt x="685800" y="354229"/>
+                </a:cubicBezTo>
+                <a:cubicBezTo>
+                  <a:pt x="755650" y="306604"/>
+                  <a:pt x="873125" y="325654"/>
+                  <a:pt x="990600" y="344704"/>
+                </a:cubicBezTo>
+              </a:path>
+            </a:pathLst>
+          </a:custGeom>
+          <a:noFill/>
+          <a:ln w="15875">
+            <a:solidFill>
+              <a:schemeClr val="tx1"/>
+            </a:solidFill>
+            <a:tailEnd type="arrow"/>
+          </a:ln>
+        </p:spPr>
+        <p:style>
+          <a:lnRef idx="2">
+            <a:schemeClr val="accent1">
+              <a:shade val="50000"/>
+            </a:schemeClr>
+          </a:lnRef>
+          <a:fillRef idx="1">
+            <a:schemeClr val="accent1"/>
+          </a:fillRef>
+          <a:effectRef idx="0">
+            <a:schemeClr val="accent1"/>
+          </a:effectRef>
+          <a:fontRef idx="minor">
+            <a:schemeClr val="lt1"/>
+          </a:fontRef>
+        </p:style>
+        <p:txBody>
+          <a:bodyPr rtlCol="0" anchor="ctr"/>
+          <a:lstStyle/>
+          <a:p>
+            <a:pPr algn="ctr"/>
+            <a:endParaRPr lang="it-IT"/>
+          </a:p>
+        </p:txBody>
+      </p:sp>
+      <p:sp>
+        <p:nvSpPr>
+          <p:cNvPr id="36" name="Figura a mano libera 35"/>
+          <p:cNvSpPr/>
+          <p:nvPr/>
+        </p:nvSpPr>
+        <p:spPr>
+          <a:xfrm rot="19800000">
+            <a:off x="2699345" y="4395352"/>
+            <a:ext cx="1767172" cy="638334"/>
+          </a:xfrm>
+          <a:custGeom>
+            <a:avLst/>
+            <a:gdLst>
+              <a:gd name="connsiteX0" fmla="*/ 0 w 990600"/>
+              <a:gd name="connsiteY0" fmla="*/ 439954 h 638334"/>
+              <a:gd name="connsiteX1" fmla="*/ 314325 w 990600"/>
+              <a:gd name="connsiteY1" fmla="*/ 439954 h 638334"/>
+              <a:gd name="connsiteX2" fmla="*/ 390525 w 990600"/>
+              <a:gd name="connsiteY2" fmla="*/ 1804 h 638334"/>
+              <a:gd name="connsiteX3" fmla="*/ 571500 w 990600"/>
+              <a:gd name="connsiteY3" fmla="*/ 630454 h 638334"/>
+              <a:gd name="connsiteX4" fmla="*/ 685800 w 990600"/>
+              <a:gd name="connsiteY4" fmla="*/ 354229 h 638334"/>
+              <a:gd name="connsiteX5" fmla="*/ 990600 w 990600"/>
+              <a:gd name="connsiteY5" fmla="*/ 344704 h 638334"/>
+            </a:gdLst>
+            <a:ahLst/>
+            <a:cxnLst>
+              <a:cxn ang="0">
+                <a:pos x="connsiteX0" y="connsiteY0"/>
+              </a:cxn>
+              <a:cxn ang="0">
+                <a:pos x="connsiteX1" y="connsiteY1"/>
+              </a:cxn>
+              <a:cxn ang="0">
+                <a:pos x="connsiteX2" y="connsiteY2"/>
+              </a:cxn>
+              <a:cxn ang="0">
+                <a:pos x="connsiteX3" y="connsiteY3"/>
+              </a:cxn>
+              <a:cxn ang="0">
+                <a:pos x="connsiteX4" y="connsiteY4"/>
+              </a:cxn>
+              <a:cxn ang="0">
+                <a:pos x="connsiteX5" y="connsiteY5"/>
+              </a:cxn>
+            </a:cxnLst>
+            <a:rect l="l" t="t" r="r" b="b"/>
+            <a:pathLst>
+              <a:path w="990600" h="638334">
+                <a:moveTo>
+                  <a:pt x="0" y="439954"/>
+                </a:moveTo>
+                <a:cubicBezTo>
+                  <a:pt x="124619" y="476466"/>
+                  <a:pt x="249238" y="512979"/>
+                  <a:pt x="314325" y="439954"/>
+                </a:cubicBezTo>
+                <a:cubicBezTo>
+                  <a:pt x="379412" y="366929"/>
+                  <a:pt x="347663" y="-29946"/>
+                  <a:pt x="390525" y="1804"/>
+                </a:cubicBezTo>
+                <a:cubicBezTo>
+                  <a:pt x="433387" y="33554"/>
+                  <a:pt x="522288" y="571717"/>
+                  <a:pt x="571500" y="630454"/>
+                </a:cubicBezTo>
+                <a:cubicBezTo>
+                  <a:pt x="620713" y="689192"/>
+                  <a:pt x="615950" y="401854"/>
+                  <a:pt x="685800" y="354229"/>
+                </a:cubicBezTo>
+                <a:cubicBezTo>
+                  <a:pt x="755650" y="306604"/>
+                  <a:pt x="873125" y="325654"/>
+                  <a:pt x="990600" y="344704"/>
+                </a:cubicBezTo>
+              </a:path>
+            </a:pathLst>
+          </a:custGeom>
+          <a:noFill/>
+          <a:ln w="15875">
+            <a:solidFill>
+              <a:schemeClr val="tx1"/>
+            </a:solidFill>
+            <a:tailEnd type="arrow"/>
+          </a:ln>
+        </p:spPr>
+        <p:style>
+          <a:lnRef idx="2">
+            <a:schemeClr val="accent1">
+              <a:shade val="50000"/>
+            </a:schemeClr>
+          </a:lnRef>
+          <a:fillRef idx="1">
+            <a:schemeClr val="accent1"/>
+          </a:fillRef>
+          <a:effectRef idx="0">
+            <a:schemeClr val="accent1"/>
+          </a:effectRef>
+          <a:fontRef idx="minor">
+            <a:schemeClr val="lt1"/>
+          </a:fontRef>
+        </p:style>
+        <p:txBody>
+          <a:bodyPr rtlCol="0" anchor="ctr"/>
+          <a:lstStyle/>
+          <a:p>
+            <a:pPr algn="ctr"/>
+            <a:endParaRPr lang="it-IT"/>
+          </a:p>
+        </p:txBody>
+      </p:sp>
+      <p:sp>
+        <p:nvSpPr>
+          <p:cNvPr id="37" name="Figura a mano libera 36"/>
+          <p:cNvSpPr/>
+          <p:nvPr/>
+        </p:nvSpPr>
+        <p:spPr>
+          <a:xfrm rot="1800000">
+            <a:off x="2886728" y="1871791"/>
+            <a:ext cx="1767172" cy="638334"/>
+          </a:xfrm>
+          <a:custGeom>
+            <a:avLst/>
+            <a:gdLst>
+              <a:gd name="connsiteX0" fmla="*/ 0 w 990600"/>
+              <a:gd name="connsiteY0" fmla="*/ 439954 h 638334"/>
+              <a:gd name="connsiteX1" fmla="*/ 314325 w 990600"/>
+              <a:gd name="connsiteY1" fmla="*/ 439954 h 638334"/>
+              <a:gd name="connsiteX2" fmla="*/ 390525 w 990600"/>
+              <a:gd name="connsiteY2" fmla="*/ 1804 h 638334"/>
+              <a:gd name="connsiteX3" fmla="*/ 571500 w 990600"/>
+              <a:gd name="connsiteY3" fmla="*/ 630454 h 638334"/>
+              <a:gd name="connsiteX4" fmla="*/ 685800 w 990600"/>
+              <a:gd name="connsiteY4" fmla="*/ 354229 h 638334"/>
+              <a:gd name="connsiteX5" fmla="*/ 990600 w 990600"/>
+              <a:gd name="connsiteY5" fmla="*/ 344704 h 638334"/>
+            </a:gdLst>
+            <a:ahLst/>
+            <a:cxnLst>
+              <a:cxn ang="0">
+                <a:pos x="connsiteX0" y="connsiteY0"/>
+              </a:cxn>
+              <a:cxn ang="0">
+                <a:pos x="connsiteX1" y="connsiteY1"/>
+              </a:cxn>
+              <a:cxn ang="0">
+                <a:pos x="connsiteX2" y="connsiteY2"/>
+              </a:cxn>
+              <a:cxn ang="0">
+                <a:pos x="connsiteX3" y="connsiteY3"/>
+              </a:cxn>
+              <a:cxn ang="0">
+                <a:pos x="connsiteX4" y="connsiteY4"/>
+              </a:cxn>
+              <a:cxn ang="0">
+                <a:pos x="connsiteX5" y="connsiteY5"/>
+              </a:cxn>
+            </a:cxnLst>
+            <a:rect l="l" t="t" r="r" b="b"/>
+            <a:pathLst>
+              <a:path w="990600" h="638334">
+                <a:moveTo>
+                  <a:pt x="0" y="439954"/>
+                </a:moveTo>
+                <a:cubicBezTo>
+                  <a:pt x="124619" y="476466"/>
+                  <a:pt x="249238" y="512979"/>
+                  <a:pt x="314325" y="439954"/>
+                </a:cubicBezTo>
+                <a:cubicBezTo>
+                  <a:pt x="379412" y="366929"/>
+                  <a:pt x="347663" y="-29946"/>
+                  <a:pt x="390525" y="1804"/>
+                </a:cubicBezTo>
+                <a:cubicBezTo>
+                  <a:pt x="433387" y="33554"/>
+                  <a:pt x="522288" y="571717"/>
+                  <a:pt x="571500" y="630454"/>
+                </a:cubicBezTo>
+                <a:cubicBezTo>
+                  <a:pt x="620713" y="689192"/>
+                  <a:pt x="615950" y="401854"/>
+                  <a:pt x="685800" y="354229"/>
+                </a:cubicBezTo>
+                <a:cubicBezTo>
+                  <a:pt x="755650" y="306604"/>
+                  <a:pt x="873125" y="325654"/>
+                  <a:pt x="990600" y="344704"/>
+                </a:cubicBezTo>
+              </a:path>
+            </a:pathLst>
+          </a:custGeom>
+          <a:noFill/>
+          <a:ln w="15875">
+            <a:solidFill>
+              <a:schemeClr val="tx1"/>
+            </a:solidFill>
+            <a:tailEnd type="arrow"/>
+          </a:ln>
+        </p:spPr>
+        <p:style>
+          <a:lnRef idx="2">
+            <a:schemeClr val="accent1">
+              <a:shade val="50000"/>
+            </a:schemeClr>
+          </a:lnRef>
+          <a:fillRef idx="1">
+            <a:schemeClr val="accent1"/>
+          </a:fillRef>
+          <a:effectRef idx="0">
+            <a:schemeClr val="accent1"/>
+          </a:effectRef>
+          <a:fontRef idx="minor">
+            <a:schemeClr val="lt1"/>
+          </a:fontRef>
+        </p:style>
+        <p:txBody>
+          <a:bodyPr rtlCol="0" anchor="ctr"/>
+          <a:lstStyle/>
+          <a:p>
+            <a:pPr algn="ctr"/>
+            <a:endParaRPr lang="it-IT"/>
+          </a:p>
+        </p:txBody>
+      </p:sp>
+      <p:cxnSp>
+        <p:nvCxnSpPr>
+          <p:cNvPr id="38" name="Connettore 2 37"/>
+          <p:cNvCxnSpPr/>
+          <p:nvPr/>
+        </p:nvCxnSpPr>
+        <p:spPr>
+          <a:xfrm flipV="1">
+            <a:off x="6397403" y="1976569"/>
+            <a:ext cx="1725937" cy="923260"/>
+          </a:xfrm>
+          <a:prstGeom prst="straightConnector1">
+            <a:avLst/>
+          </a:prstGeom>
+          <a:ln w="19050">
+            <a:solidFill>
+              <a:schemeClr val="tx1"/>
+            </a:solidFill>
+            <a:prstDash val="sysDash"/>
+            <a:headEnd type="none" w="med" len="med"/>
+            <a:tailEnd type="arrow" w="med" len="med"/>
+          </a:ln>
+        </p:spPr>
+        <p:style>
+          <a:lnRef idx="1">
+            <a:schemeClr val="accent1"/>
+          </a:lnRef>
+          <a:fillRef idx="0">
+            <a:schemeClr val="accent1"/>
+          </a:fillRef>
+          <a:effectRef idx="0">
+            <a:schemeClr val="accent1"/>
+          </a:effectRef>
+          <a:fontRef idx="minor">
+            <a:schemeClr val="tx1"/>
+          </a:fontRef>
+        </p:style>
+      </p:cxnSp>
+      <p:grpSp>
+        <p:nvGrpSpPr>
+          <p:cNvPr id="3" name="Gruppo 2"/>
+          <p:cNvGrpSpPr/>
+          <p:nvPr/>
+        </p:nvGrpSpPr>
+        <p:grpSpPr>
+          <a:xfrm rot="900000">
+            <a:off x="6630929" y="3900132"/>
+            <a:ext cx="844768" cy="342073"/>
+            <a:chOff x="8144484" y="4563130"/>
+            <a:chExt cx="844768" cy="342073"/>
+          </a:xfrm>
+        </p:grpSpPr>
+        <p:cxnSp>
+          <p:nvCxnSpPr>
+            <p:cNvPr id="41" name="Connettore 2 40"/>
+            <p:cNvCxnSpPr/>
+            <p:nvPr/>
+          </p:nvCxnSpPr>
+          <p:spPr>
+            <a:xfrm flipV="1">
+              <a:off x="8144484" y="4634422"/>
+              <a:ext cx="721852" cy="2"/>
+            </a:xfrm>
+            <a:prstGeom prst="straightConnector1">
+              <a:avLst/>
+            </a:prstGeom>
+            <a:ln w="19050">
+              <a:solidFill>
+                <a:schemeClr val="tx1"/>
+              </a:solidFill>
+              <a:headEnd type="none" w="med" len="med"/>
+              <a:tailEnd type="none" w="med" len="med"/>
+            </a:ln>
+          </p:spPr>
+          <p:style>
+            <a:lnRef idx="1">
+              <a:schemeClr val="accent1"/>
+            </a:lnRef>
+            <a:fillRef idx="0">
+              <a:schemeClr val="accent1"/>
+            </a:fillRef>
+            <a:effectRef idx="0">
+              <a:schemeClr val="accent1"/>
+            </a:effectRef>
+            <a:fontRef idx="minor">
+              <a:schemeClr val="tx1"/>
+            </a:fontRef>
+          </p:style>
+        </p:cxnSp>
+        <p:sp>
+          <p:nvSpPr>
+            <p:cNvPr id="42" name="Triangolo isoscele 41"/>
+            <p:cNvSpPr/>
+            <p:nvPr/>
+          </p:nvSpPr>
+          <p:spPr>
+            <a:xfrm rot="16200000" flipV="1">
+              <a:off x="8856502" y="4572964"/>
+              <a:ext cx="142583" cy="122916"/>
+            </a:xfrm>
+            <a:prstGeom prst="triangle">
+              <a:avLst/>
+            </a:prstGeom>
+            <a:solidFill>
+              <a:schemeClr val="bg1"/>
+            </a:solidFill>
+            <a:ln w="15875">
+              <a:solidFill>
+                <a:schemeClr val="tx1"/>
+              </a:solidFill>
+            </a:ln>
+          </p:spPr>
+          <p:style>
+            <a:lnRef idx="2">
+              <a:schemeClr val="accent1">
+                <a:shade val="50000"/>
+              </a:schemeClr>
+            </a:lnRef>
+            <a:fillRef idx="1">
+              <a:schemeClr val="accent1"/>
+            </a:fillRef>
+            <a:effectRef idx="0">
+              <a:schemeClr val="accent1"/>
+            </a:effectRef>
+            <a:fontRef idx="minor">
+              <a:schemeClr val="lt1"/>
+            </a:fontRef>
+          </p:style>
+          <p:txBody>
+            <a:bodyPr rtlCol="0" anchor="ctr"/>
+            <a:lstStyle/>
+            <a:p>
+              <a:pPr algn="ctr"/>
+              <a:endParaRPr lang="it-IT"/>
+            </a:p>
+          </p:txBody>
+        </p:sp>
+        <p:cxnSp>
+          <p:nvCxnSpPr>
+            <p:cNvPr id="43" name="Connettore 2 42"/>
+            <p:cNvCxnSpPr/>
+            <p:nvPr/>
+          </p:nvCxnSpPr>
+          <p:spPr>
+            <a:xfrm flipV="1">
+              <a:off x="8267400" y="4833910"/>
+              <a:ext cx="721852" cy="2"/>
+            </a:xfrm>
+            <a:prstGeom prst="straightConnector1">
+              <a:avLst/>
+            </a:prstGeom>
+            <a:ln w="19050">
+              <a:solidFill>
+                <a:schemeClr val="tx1"/>
+              </a:solidFill>
+              <a:prstDash val="sysDash"/>
+              <a:headEnd type="none" w="med" len="med"/>
+              <a:tailEnd type="none" w="med" len="med"/>
+            </a:ln>
+          </p:spPr>
+          <p:style>
+            <a:lnRef idx="1">
+              <a:schemeClr val="accent1"/>
+            </a:lnRef>
+            <a:fillRef idx="0">
+              <a:schemeClr val="accent1"/>
+            </a:fillRef>
+            <a:effectRef idx="0">
+              <a:schemeClr val="accent1"/>
+            </a:effectRef>
+            <a:fontRef idx="minor">
+              <a:schemeClr val="tx1"/>
+            </a:fontRef>
+          </p:style>
+        </p:cxnSp>
+        <p:sp>
+          <p:nvSpPr>
+            <p:cNvPr id="44" name="Triangolo isoscele 43"/>
+            <p:cNvSpPr/>
+            <p:nvPr/>
+          </p:nvSpPr>
+          <p:spPr>
+            <a:xfrm rot="5400000" flipH="1" flipV="1">
+              <a:off x="8167744" y="4772454"/>
+              <a:ext cx="142583" cy="122916"/>
+            </a:xfrm>
+            <a:prstGeom prst="triangle">
+              <a:avLst/>
+            </a:prstGeom>
+            <a:solidFill>
+              <a:schemeClr val="bg1"/>
+            </a:solidFill>
+            <a:ln w="15875">
+              <a:solidFill>
+                <a:schemeClr val="tx1"/>
+              </a:solidFill>
+            </a:ln>
+          </p:spPr>
+          <p:style>
+            <a:lnRef idx="2">
+              <a:schemeClr val="accent1">
+                <a:shade val="50000"/>
+              </a:schemeClr>
+            </a:lnRef>
+            <a:fillRef idx="1">
+              <a:schemeClr val="accent1"/>
+            </a:fillRef>
+            <a:effectRef idx="0">
+              <a:schemeClr val="accent1"/>
+            </a:effectRef>
+            <a:fontRef idx="minor">
+              <a:schemeClr val="lt1"/>
+            </a:fontRef>
+          </p:style>
+          <p:txBody>
+            <a:bodyPr rtlCol="0" anchor="ctr"/>
+            <a:lstStyle/>
+            <a:p>
+              <a:pPr algn="ctr"/>
+              <a:endParaRPr lang="it-IT"/>
+            </a:p>
+          </p:txBody>
+        </p:sp>
+      </p:grpSp>
+      <p:sp>
+        <p:nvSpPr>
+          <p:cNvPr id="45" name="Ovale 44">
+            <a:extLst>
+              <a:ext uri="{FF2B5EF4-FFF2-40B4-BE49-F238E27FC236}">
+                <a16:creationId xmlns:a16="http://schemas.microsoft.com/office/drawing/2014/main" id="{D730308E-50C2-4F0A-9A73-ABE09ACFC7BE}"/>
+              </a:ext>
+            </a:extLst>
+          </p:cNvPr>
+          <p:cNvSpPr/>
+          <p:nvPr/>
+        </p:nvSpPr>
+        <p:spPr>
+          <a:xfrm>
+            <a:off x="3901119" y="4928056"/>
+            <a:ext cx="1857403" cy="1636769"/>
+          </a:xfrm>
+          <a:prstGeom prst="ellipse">
+            <a:avLst/>
+          </a:prstGeom>
+          <a:solidFill>
+            <a:schemeClr val="accent2">
+              <a:lumMod val="20000"/>
+              <a:lumOff val="80000"/>
+            </a:schemeClr>
+          </a:solidFill>
+          <a:ln w="12700">
+            <a:solidFill>
+              <a:schemeClr val="tx1"/>
+            </a:solidFill>
+          </a:ln>
+        </p:spPr>
+        <p:style>
+          <a:lnRef idx="2">
+            <a:schemeClr val="accent1">
+              <a:shade val="50000"/>
+            </a:schemeClr>
+          </a:lnRef>
+          <a:fillRef idx="1">
+            <a:schemeClr val="accent1"/>
+          </a:fillRef>
+          <a:effectRef idx="0">
+            <a:schemeClr val="accent1"/>
+          </a:effectRef>
+          <a:fontRef idx="minor">
+            <a:schemeClr val="lt1"/>
+          </a:fontRef>
+        </p:style>
+        <p:txBody>
+          <a:bodyPr rtlCol="0" anchor="ctr"/>
+          <a:lstStyle/>
+          <a:p>
+            <a:pPr algn="ctr"/>
+            <a:r>
+              <a:rPr lang="it-IT" sz="1400" dirty="0" smtClean="0">
+                <a:solidFill>
+                  <a:schemeClr val="tx1"/>
+                </a:solidFill>
+                <a:latin typeface="Century Schoolbook" panose="02040604050505020304" pitchFamily="18" charset="0"/>
+              </a:rPr>
+              <a:t>Park Service GUI Actor</a:t>
+            </a:r>
+            <a:endParaRPr lang="it-IT" sz="1400" dirty="0">
+              <a:solidFill>
+                <a:schemeClr val="tx1"/>
+              </a:solidFill>
+              <a:latin typeface="Century Schoolbook" panose="02040604050505020304" pitchFamily="18" charset="0"/>
+            </a:endParaRPr>
+          </a:p>
+        </p:txBody>
+      </p:sp>
+      <p:sp>
+        <p:nvSpPr>
+          <p:cNvPr id="47" name="Triangolo isoscele 46">
+            <a:extLst>
+              <a:ext uri="{FF2B5EF4-FFF2-40B4-BE49-F238E27FC236}">
+                <a16:creationId xmlns:a16="http://schemas.microsoft.com/office/drawing/2014/main" id="{92CE9E93-4516-46FF-BDA3-7E103FC05806}"/>
+              </a:ext>
+            </a:extLst>
+          </p:cNvPr>
+          <p:cNvSpPr/>
+          <p:nvPr/>
+        </p:nvSpPr>
+        <p:spPr>
+          <a:xfrm rot="16200000">
+            <a:off x="4624569" y="4836806"/>
+            <a:ext cx="334579" cy="182501"/>
+          </a:xfrm>
+          <a:prstGeom prst="triangle">
+            <a:avLst/>
+          </a:prstGeom>
+          <a:solidFill>
+            <a:srgbClr val="FF0000"/>
+          </a:solidFill>
+          <a:ln w="12700">
+            <a:solidFill>
+              <a:schemeClr val="tx1"/>
+            </a:solidFill>
+          </a:ln>
+        </p:spPr>
+        <p:style>
+          <a:lnRef idx="2">
+            <a:schemeClr val="accent1">
+              <a:shade val="50000"/>
+            </a:schemeClr>
+          </a:lnRef>
+          <a:fillRef idx="1">
+            <a:schemeClr val="accent1"/>
+          </a:fillRef>
+          <a:effectRef idx="0">
+            <a:schemeClr val="accent1"/>
+          </a:effectRef>
+          <a:fontRef idx="minor">
+            <a:schemeClr val="lt1"/>
+          </a:fontRef>
+        </p:style>
+        <p:txBody>
+          <a:bodyPr rtlCol="0" anchor="ctr"/>
+          <a:lstStyle/>
+          <a:p>
+            <a:pPr algn="ctr"/>
+            <a:endParaRPr lang="it-IT"/>
+          </a:p>
+        </p:txBody>
+      </p:sp>
+      <p:sp>
+        <p:nvSpPr>
+          <p:cNvPr id="49" name="Rettangolo 48">
+            <a:extLst>
+              <a:ext uri="{FF2B5EF4-FFF2-40B4-BE49-F238E27FC236}">
+                <a16:creationId xmlns:a16="http://schemas.microsoft.com/office/drawing/2014/main" id="{2A90512A-9E37-483C-B175-4E3EADE12D1A}"/>
+              </a:ext>
+            </a:extLst>
+          </p:cNvPr>
+          <p:cNvSpPr/>
+          <p:nvPr/>
+        </p:nvSpPr>
+        <p:spPr>
+          <a:xfrm>
+            <a:off x="3521592" y="5590829"/>
+            <a:ext cx="714644" cy="339520"/>
+          </a:xfrm>
+          <a:prstGeom prst="rect">
+            <a:avLst/>
+          </a:prstGeom>
+          <a:solidFill>
+            <a:schemeClr val="accent2">
+              <a:lumMod val="20000"/>
+              <a:lumOff val="80000"/>
+            </a:schemeClr>
+          </a:solidFill>
+          <a:ln w="12700">
+            <a:solidFill>
+              <a:schemeClr val="tx1"/>
+            </a:solidFill>
+          </a:ln>
+        </p:spPr>
+        <p:style>
+          <a:lnRef idx="2">
+            <a:schemeClr val="accent1">
+              <a:shade val="50000"/>
+            </a:schemeClr>
+          </a:lnRef>
+          <a:fillRef idx="1">
+            <a:schemeClr val="accent1"/>
+          </a:fillRef>
+          <a:effectRef idx="0">
+            <a:schemeClr val="accent1"/>
+          </a:effectRef>
+          <a:fontRef idx="minor">
+            <a:schemeClr val="lt1"/>
+          </a:fontRef>
+        </p:style>
+        <p:txBody>
+          <a:bodyPr rtlCol="0" anchor="ctr"/>
+          <a:lstStyle/>
+          <a:p>
+            <a:pPr algn="ctr"/>
+            <a:endParaRPr lang="it-IT"/>
+          </a:p>
+        </p:txBody>
+      </p:sp>
+      <p:sp>
+        <p:nvSpPr>
+          <p:cNvPr id="50" name="Ovale 49">
+            <a:extLst>
+              <a:ext uri="{FF2B5EF4-FFF2-40B4-BE49-F238E27FC236}">
+                <a16:creationId xmlns:a16="http://schemas.microsoft.com/office/drawing/2014/main" id="{D730308E-50C2-4F0A-9A73-ABE09ACFC7BE}"/>
+              </a:ext>
+            </a:extLst>
+          </p:cNvPr>
+          <p:cNvSpPr/>
+          <p:nvPr/>
+        </p:nvSpPr>
+        <p:spPr>
+          <a:xfrm>
+            <a:off x="6982924" y="5072593"/>
+            <a:ext cx="1857403" cy="1636769"/>
+          </a:xfrm>
+          <a:prstGeom prst="ellipse">
+            <a:avLst/>
+          </a:prstGeom>
+          <a:solidFill>
+            <a:schemeClr val="accent2">
+              <a:lumMod val="20000"/>
+              <a:lumOff val="80000"/>
+            </a:schemeClr>
+          </a:solidFill>
+          <a:ln w="12700">
+            <a:solidFill>
+              <a:schemeClr val="tx1"/>
+            </a:solidFill>
+          </a:ln>
+        </p:spPr>
+        <p:style>
+          <a:lnRef idx="2">
+            <a:schemeClr val="accent1">
+              <a:shade val="50000"/>
+            </a:schemeClr>
+          </a:lnRef>
+          <a:fillRef idx="1">
+            <a:schemeClr val="accent1"/>
+          </a:fillRef>
+          <a:effectRef idx="0">
+            <a:schemeClr val="accent1"/>
+          </a:effectRef>
+          <a:fontRef idx="minor">
+            <a:schemeClr val="lt1"/>
+          </a:fontRef>
+        </p:style>
+        <p:txBody>
+          <a:bodyPr rtlCol="0" anchor="ctr"/>
+          <a:lstStyle/>
+          <a:p>
+            <a:pPr algn="ctr"/>
+            <a:r>
+              <a:rPr lang="it-IT" sz="1400" dirty="0" smtClean="0">
+                <a:solidFill>
+                  <a:schemeClr val="tx1"/>
+                </a:solidFill>
+                <a:latin typeface="Century Schoolbook" panose="02040604050505020304" pitchFamily="18" charset="0"/>
+              </a:rPr>
+              <a:t>Park Service Status GUI Actor</a:t>
+            </a:r>
+            <a:endParaRPr lang="it-IT" sz="1400" dirty="0">
+              <a:solidFill>
+                <a:schemeClr val="tx1"/>
+              </a:solidFill>
+              <a:latin typeface="Century Schoolbook" panose="02040604050505020304" pitchFamily="18" charset="0"/>
+            </a:endParaRPr>
+          </a:p>
+        </p:txBody>
+      </p:sp>
+      <p:sp>
+        <p:nvSpPr>
+          <p:cNvPr id="51" name="Triangolo isoscele 50">
+            <a:extLst>
+              <a:ext uri="{FF2B5EF4-FFF2-40B4-BE49-F238E27FC236}">
+                <a16:creationId xmlns:a16="http://schemas.microsoft.com/office/drawing/2014/main" id="{92CE9E93-4516-46FF-BDA3-7E103FC05806}"/>
+              </a:ext>
+            </a:extLst>
+          </p:cNvPr>
+          <p:cNvSpPr/>
+          <p:nvPr/>
+        </p:nvSpPr>
+        <p:spPr>
+          <a:xfrm rot="16200000">
+            <a:off x="7706374" y="4981343"/>
+            <a:ext cx="334579" cy="182501"/>
+          </a:xfrm>
+          <a:prstGeom prst="triangle">
+            <a:avLst/>
+          </a:prstGeom>
+          <a:solidFill>
+            <a:srgbClr val="FF0000"/>
+          </a:solidFill>
+          <a:ln w="12700">
+            <a:solidFill>
+              <a:schemeClr val="tx1"/>
+            </a:solidFill>
+          </a:ln>
+        </p:spPr>
+        <p:style>
+          <a:lnRef idx="2">
+            <a:schemeClr val="accent1">
+              <a:shade val="50000"/>
+            </a:schemeClr>
+          </a:lnRef>
+          <a:fillRef idx="1">
+            <a:schemeClr val="accent1"/>
+          </a:fillRef>
+          <a:effectRef idx="0">
+            <a:schemeClr val="accent1"/>
+          </a:effectRef>
+          <a:fontRef idx="minor">
+            <a:schemeClr val="lt1"/>
+          </a:fontRef>
+        </p:style>
+        <p:txBody>
+          <a:bodyPr rtlCol="0" anchor="ctr"/>
+          <a:lstStyle/>
+          <a:p>
+            <a:pPr algn="ctr"/>
+            <a:endParaRPr lang="it-IT"/>
+          </a:p>
+        </p:txBody>
+      </p:sp>
+      <p:sp>
+        <p:nvSpPr>
+          <p:cNvPr id="52" name="Rettangolo 51">
+            <a:extLst>
+              <a:ext uri="{FF2B5EF4-FFF2-40B4-BE49-F238E27FC236}">
+                <a16:creationId xmlns:a16="http://schemas.microsoft.com/office/drawing/2014/main" id="{2A90512A-9E37-483C-B175-4E3EADE12D1A}"/>
+              </a:ext>
+            </a:extLst>
+          </p:cNvPr>
+          <p:cNvSpPr/>
+          <p:nvPr/>
+        </p:nvSpPr>
+        <p:spPr>
+          <a:xfrm>
+            <a:off x="6603397" y="5735366"/>
+            <a:ext cx="714644" cy="339520"/>
+          </a:xfrm>
+          <a:prstGeom prst="rect">
+            <a:avLst/>
+          </a:prstGeom>
+          <a:solidFill>
+            <a:schemeClr val="accent2">
+              <a:lumMod val="20000"/>
+              <a:lumOff val="80000"/>
+            </a:schemeClr>
+          </a:solidFill>
+          <a:ln w="12700">
+            <a:solidFill>
+              <a:schemeClr val="tx1"/>
+            </a:solidFill>
+          </a:ln>
+        </p:spPr>
+        <p:style>
+          <a:lnRef idx="2">
+            <a:schemeClr val="accent1">
+              <a:shade val="50000"/>
+            </a:schemeClr>
+          </a:lnRef>
+          <a:fillRef idx="1">
+            <a:schemeClr val="accent1"/>
+          </a:fillRef>
+          <a:effectRef idx="0">
+            <a:schemeClr val="accent1"/>
+          </a:effectRef>
+          <a:fontRef idx="minor">
+            <a:schemeClr val="lt1"/>
+          </a:fontRef>
+        </p:style>
+        <p:txBody>
+          <a:bodyPr rtlCol="0" anchor="ctr"/>
+          <a:lstStyle/>
+          <a:p>
+            <a:pPr algn="ctr"/>
+            <a:endParaRPr lang="it-IT"/>
+          </a:p>
+        </p:txBody>
+      </p:sp>
+      <p:sp>
+        <p:nvSpPr>
+          <p:cNvPr id="55" name="Ovale 54">
+            <a:extLst>
+              <a:ext uri="{FF2B5EF4-FFF2-40B4-BE49-F238E27FC236}">
+                <a16:creationId xmlns:a16="http://schemas.microsoft.com/office/drawing/2014/main" id="{D730308E-50C2-4F0A-9A73-ABE09ACFC7BE}"/>
+              </a:ext>
+            </a:extLst>
+          </p:cNvPr>
+          <p:cNvSpPr/>
+          <p:nvPr/>
+        </p:nvSpPr>
+        <p:spPr>
+          <a:xfrm>
+            <a:off x="760932" y="2696179"/>
+            <a:ext cx="1902471" cy="1676484"/>
+          </a:xfrm>
+          <a:prstGeom prst="ellipse">
+            <a:avLst/>
+          </a:prstGeom>
+          <a:solidFill>
+            <a:schemeClr val="accent2">
+              <a:lumMod val="20000"/>
+              <a:lumOff val="80000"/>
+            </a:schemeClr>
+          </a:solidFill>
+          <a:ln w="12700">
+            <a:solidFill>
+              <a:schemeClr val="tx1"/>
+            </a:solidFill>
+          </a:ln>
+        </p:spPr>
+        <p:style>
+          <a:lnRef idx="2">
+            <a:schemeClr val="accent1">
+              <a:shade val="50000"/>
+            </a:schemeClr>
+          </a:lnRef>
+          <a:fillRef idx="1">
+            <a:schemeClr val="accent1"/>
+          </a:fillRef>
+          <a:effectRef idx="0">
+            <a:schemeClr val="accent1"/>
+          </a:effectRef>
+          <a:fontRef idx="minor">
+            <a:schemeClr val="lt1"/>
+          </a:fontRef>
+        </p:style>
+        <p:txBody>
+          <a:bodyPr rtlCol="0" anchor="ctr"/>
+          <a:lstStyle/>
+          <a:p>
+            <a:pPr algn="ctr"/>
+            <a:r>
+              <a:rPr lang="it-IT" sz="1400" dirty="0" smtClean="0">
+                <a:solidFill>
+                  <a:schemeClr val="tx1"/>
+                </a:solidFill>
+                <a:latin typeface="Century Schoolbook" panose="02040604050505020304" pitchFamily="18" charset="0"/>
+              </a:rPr>
+              <a:t>Thermometer</a:t>
+            </a:r>
+            <a:endParaRPr lang="it-IT" sz="1400" dirty="0">
+              <a:solidFill>
+                <a:schemeClr val="tx1"/>
+              </a:solidFill>
+              <a:latin typeface="Century Schoolbook" panose="02040604050505020304" pitchFamily="18" charset="0"/>
+            </a:endParaRPr>
+          </a:p>
+          <a:p>
+            <a:pPr algn="ctr"/>
+            <a:r>
+              <a:rPr lang="it-IT" sz="1400" dirty="0">
+                <a:solidFill>
+                  <a:schemeClr val="tx1"/>
+                </a:solidFill>
+                <a:latin typeface="Century Schoolbook" panose="02040604050505020304" pitchFamily="18" charset="0"/>
+              </a:rPr>
+              <a:t>Actor</a:t>
+            </a:r>
+          </a:p>
+        </p:txBody>
+      </p:sp>
+      <p:sp>
+        <p:nvSpPr>
+          <p:cNvPr id="57" name="Triangolo isoscele 56">
+            <a:extLst>
+              <a:ext uri="{FF2B5EF4-FFF2-40B4-BE49-F238E27FC236}">
+                <a16:creationId xmlns:a16="http://schemas.microsoft.com/office/drawing/2014/main" id="{92CE9E93-4516-46FF-BDA3-7E103FC05806}"/>
+              </a:ext>
+            </a:extLst>
+          </p:cNvPr>
+          <p:cNvSpPr/>
+          <p:nvPr/>
+        </p:nvSpPr>
+        <p:spPr>
+          <a:xfrm rot="16200000">
+            <a:off x="1484382" y="2644643"/>
+            <a:ext cx="334579" cy="182501"/>
+          </a:xfrm>
+          <a:prstGeom prst="triangle">
+            <a:avLst/>
+          </a:prstGeom>
+          <a:solidFill>
+            <a:srgbClr val="FF0000"/>
+          </a:solidFill>
+          <a:ln w="12700">
+            <a:solidFill>
+              <a:schemeClr val="tx1"/>
+            </a:solidFill>
+          </a:ln>
+        </p:spPr>
+        <p:style>
+          <a:lnRef idx="2">
+            <a:schemeClr val="accent1">
+              <a:shade val="50000"/>
+            </a:schemeClr>
+          </a:lnRef>
+          <a:fillRef idx="1">
+            <a:schemeClr val="accent1"/>
+          </a:fillRef>
+          <a:effectRef idx="0">
+            <a:schemeClr val="accent1"/>
+          </a:effectRef>
+          <a:fontRef idx="minor">
+            <a:schemeClr val="lt1"/>
+          </a:fontRef>
+        </p:style>
+        <p:txBody>
+          <a:bodyPr rtlCol="0" anchor="ctr"/>
+          <a:lstStyle/>
+          <a:p>
+            <a:pPr algn="ctr"/>
+            <a:endParaRPr lang="it-IT"/>
+          </a:p>
+        </p:txBody>
+      </p:sp>
+      <p:sp>
+        <p:nvSpPr>
+          <p:cNvPr id="58" name="Rettangolo 57">
+            <a:extLst>
+              <a:ext uri="{FF2B5EF4-FFF2-40B4-BE49-F238E27FC236}">
+                <a16:creationId xmlns:a16="http://schemas.microsoft.com/office/drawing/2014/main" id="{2A90512A-9E37-483C-B175-4E3EADE12D1A}"/>
+              </a:ext>
+            </a:extLst>
+          </p:cNvPr>
+          <p:cNvSpPr/>
+          <p:nvPr/>
+        </p:nvSpPr>
+        <p:spPr>
+          <a:xfrm>
+            <a:off x="381405" y="3398666"/>
+            <a:ext cx="714644" cy="339520"/>
+          </a:xfrm>
+          <a:prstGeom prst="rect">
+            <a:avLst/>
+          </a:prstGeom>
+          <a:solidFill>
+            <a:schemeClr val="accent2">
+              <a:lumMod val="20000"/>
+              <a:lumOff val="80000"/>
+            </a:schemeClr>
+          </a:solidFill>
+          <a:ln w="12700">
+            <a:solidFill>
+              <a:schemeClr val="tx1"/>
+            </a:solidFill>
+          </a:ln>
+        </p:spPr>
+        <p:style>
+          <a:lnRef idx="2">
+            <a:schemeClr val="accent1">
+              <a:shade val="50000"/>
+            </a:schemeClr>
+          </a:lnRef>
+          <a:fillRef idx="1">
+            <a:schemeClr val="accent1"/>
+          </a:fillRef>
+          <a:effectRef idx="0">
+            <a:schemeClr val="accent1"/>
+          </a:effectRef>
+          <a:fontRef idx="minor">
+            <a:schemeClr val="lt1"/>
+          </a:fontRef>
+        </p:style>
+        <p:txBody>
+          <a:bodyPr rtlCol="0" anchor="ctr"/>
+          <a:lstStyle/>
+          <a:p>
+            <a:pPr algn="ctr"/>
+            <a:endParaRPr lang="it-IT"/>
+          </a:p>
+        </p:txBody>
+      </p:sp>
+    </p:spTree>
+    <p:extLst>
+      <p:ext uri="{BB962C8B-B14F-4D97-AF65-F5344CB8AC3E}">
+        <p14:creationId xmlns:p14="http://schemas.microsoft.com/office/powerpoint/2010/main" val="3789791558"/>
+      </p:ext>
+    </p:extLst>
+  </p:cSld>
+  <p:clrMapOvr>
+    <a:masterClrMapping/>
+  </p:clrMapOvr>
+</p:sld>
+</file>
+
+<file path=ppt/slides/slide8.xml><?xml version="1.0" encoding="utf-8"?>
+<p:sld xmlns:a="http://schemas.openxmlformats.org/drawingml/2006/main" xmlns:r="http://schemas.openxmlformats.org/officeDocument/2006/relationships" xmlns:p="http://schemas.openxmlformats.org/presentationml/2006/main">
+  <p:cSld>
+    <p:spTree>
+      <p:nvGrpSpPr>
+        <p:cNvPr id="1" name=""/>
+        <p:cNvGrpSpPr/>
+        <p:nvPr/>
+      </p:nvGrpSpPr>
+      <p:grpSpPr>
+        <a:xfrm>
+          <a:off x="0" y="0"/>
+          <a:ext cx="0" cy="0"/>
+          <a:chOff x="0" y="0"/>
+          <a:chExt cx="0" cy="0"/>
+        </a:xfrm>
+      </p:grpSpPr>
+      <p:grpSp>
+        <p:nvGrpSpPr>
+          <p:cNvPr id="3" name="Gruppo 2"/>
+          <p:cNvGrpSpPr/>
+          <p:nvPr/>
+        </p:nvGrpSpPr>
+        <p:grpSpPr>
+          <a:xfrm>
+            <a:off x="2194758" y="3153195"/>
+            <a:ext cx="1926426" cy="1214172"/>
+            <a:chOff x="402476" y="3280190"/>
+            <a:chExt cx="1926426" cy="1214172"/>
+          </a:xfrm>
+        </p:grpSpPr>
+        <p:sp>
+          <p:nvSpPr>
+            <p:cNvPr id="17" name="Ovale 16"/>
+            <p:cNvSpPr/>
+            <p:nvPr/>
+          </p:nvSpPr>
+          <p:spPr>
+            <a:xfrm>
+              <a:off x="667957" y="3428429"/>
+              <a:ext cx="1660945" cy="1065933"/>
+            </a:xfrm>
+            <a:prstGeom prst="ellipse">
+              <a:avLst/>
+            </a:prstGeom>
+            <a:solidFill>
+              <a:schemeClr val="accent2">
+                <a:lumMod val="20000"/>
+                <a:lumOff val="80000"/>
+              </a:schemeClr>
+            </a:solidFill>
+            <a:ln w="12700">
+              <a:solidFill>
+                <a:schemeClr val="tx1"/>
+              </a:solidFill>
+            </a:ln>
+          </p:spPr>
+          <p:style>
+            <a:lnRef idx="2">
+              <a:schemeClr val="accent1">
+                <a:shade val="50000"/>
+              </a:schemeClr>
+            </a:lnRef>
+            <a:fillRef idx="1">
+              <a:schemeClr val="accent1"/>
+            </a:fillRef>
+            <a:effectRef idx="0">
+              <a:schemeClr val="accent1"/>
+            </a:effectRef>
+            <a:fontRef idx="minor">
+              <a:schemeClr val="lt1"/>
+            </a:fontRef>
+          </p:style>
+          <p:txBody>
+            <a:bodyPr rtlCol="0" anchor="ctr"/>
+            <a:lstStyle/>
+            <a:p>
+              <a:pPr algn="ctr"/>
+              <a:r>
+                <a:rPr lang="it-IT" sz="1200" dirty="0" smtClean="0">
+                  <a:solidFill>
+                    <a:schemeClr val="tx1"/>
+                  </a:solidFill>
+                  <a:latin typeface="Century Schoolbook" panose="02040604050505020304" pitchFamily="18" charset="0"/>
+                </a:rPr>
+                <a:t>Sonar</a:t>
+              </a:r>
+              <a:endParaRPr lang="it-IT" sz="1200" dirty="0">
+                <a:solidFill>
+                  <a:schemeClr val="tx1"/>
+                </a:solidFill>
+                <a:latin typeface="Century Schoolbook" panose="02040604050505020304" pitchFamily="18" charset="0"/>
+              </a:endParaRPr>
+            </a:p>
+            <a:p>
+              <a:pPr algn="ctr"/>
+              <a:r>
+                <a:rPr lang="it-IT" sz="1200" dirty="0" smtClean="0">
+                  <a:solidFill>
+                    <a:schemeClr val="tx1"/>
+                  </a:solidFill>
+                  <a:latin typeface="Century Schoolbook" panose="02040604050505020304" pitchFamily="18" charset="0"/>
+                </a:rPr>
+                <a:t>Actor</a:t>
+              </a:r>
+              <a:endParaRPr lang="it-IT" sz="1200" dirty="0">
+                <a:solidFill>
+                  <a:schemeClr val="tx1"/>
+                </a:solidFill>
+                <a:latin typeface="Century Schoolbook" panose="02040604050505020304" pitchFamily="18" charset="0"/>
+              </a:endParaRPr>
+            </a:p>
+          </p:txBody>
+        </p:sp>
+        <p:sp>
+          <p:nvSpPr>
+            <p:cNvPr id="18" name="Triangolo isoscele 17"/>
+            <p:cNvSpPr/>
+            <p:nvPr/>
+          </p:nvSpPr>
+          <p:spPr>
+            <a:xfrm rot="16200000">
+              <a:off x="1350190" y="3300636"/>
+              <a:ext cx="296478" cy="255585"/>
+            </a:xfrm>
+            <a:prstGeom prst="triangle">
+              <a:avLst/>
+            </a:prstGeom>
+            <a:solidFill>
+              <a:srgbClr val="FF0000"/>
+            </a:solidFill>
+            <a:ln w="12700">
+              <a:solidFill>
+                <a:schemeClr val="tx1"/>
+              </a:solidFill>
+            </a:ln>
+          </p:spPr>
+          <p:style>
+            <a:lnRef idx="2">
+              <a:schemeClr val="accent1">
+                <a:shade val="50000"/>
+              </a:schemeClr>
+            </a:lnRef>
+            <a:fillRef idx="1">
+              <a:schemeClr val="accent1"/>
+            </a:fillRef>
+            <a:effectRef idx="0">
+              <a:schemeClr val="accent1"/>
+            </a:effectRef>
+            <a:fontRef idx="minor">
+              <a:schemeClr val="lt1"/>
+            </a:fontRef>
+          </p:style>
+          <p:txBody>
+            <a:bodyPr rtlCol="0" anchor="ctr"/>
+            <a:lstStyle/>
+            <a:p>
+              <a:pPr algn="ctr"/>
+              <a:endParaRPr lang="it-IT"/>
+            </a:p>
+          </p:txBody>
+        </p:sp>
+        <p:sp>
+          <p:nvSpPr>
+            <p:cNvPr id="19" name="Rettangolo 18"/>
+            <p:cNvSpPr/>
+            <p:nvPr/>
+          </p:nvSpPr>
+          <p:spPr>
+            <a:xfrm>
+              <a:off x="402476" y="3835268"/>
+              <a:ext cx="530961" cy="252254"/>
+            </a:xfrm>
+            <a:prstGeom prst="rect">
+              <a:avLst/>
+            </a:prstGeom>
+            <a:solidFill>
+              <a:schemeClr val="accent2">
+                <a:lumMod val="20000"/>
+                <a:lumOff val="80000"/>
+              </a:schemeClr>
+            </a:solidFill>
+            <a:ln w="12700">
+              <a:solidFill>
+                <a:schemeClr val="tx1"/>
+              </a:solidFill>
+            </a:ln>
+          </p:spPr>
+          <p:style>
+            <a:lnRef idx="2">
+              <a:schemeClr val="accent1">
+                <a:shade val="50000"/>
+              </a:schemeClr>
+            </a:lnRef>
+            <a:fillRef idx="1">
+              <a:schemeClr val="accent1"/>
+            </a:fillRef>
+            <a:effectRef idx="0">
+              <a:schemeClr val="accent1"/>
+            </a:effectRef>
+            <a:fontRef idx="minor">
+              <a:schemeClr val="lt1"/>
+            </a:fontRef>
+          </p:style>
+          <p:txBody>
+            <a:bodyPr rtlCol="0" anchor="ctr"/>
+            <a:lstStyle/>
+            <a:p>
+              <a:pPr algn="ctr"/>
+              <a:endParaRPr lang="it-IT"/>
+            </a:p>
+          </p:txBody>
+        </p:sp>
+      </p:grpSp>
+      <p:grpSp>
+        <p:nvGrpSpPr>
+          <p:cNvPr id="7" name="Gruppo 6"/>
+          <p:cNvGrpSpPr/>
+          <p:nvPr/>
+        </p:nvGrpSpPr>
+        <p:grpSpPr>
+          <a:xfrm>
+            <a:off x="2145379" y="1882219"/>
+            <a:ext cx="1926426" cy="1214172"/>
+            <a:chOff x="402476" y="309828"/>
+            <a:chExt cx="1926426" cy="1214172"/>
+          </a:xfrm>
+        </p:grpSpPr>
+        <p:sp>
+          <p:nvSpPr>
+            <p:cNvPr id="24" name="Ovale 23"/>
+            <p:cNvSpPr/>
+            <p:nvPr/>
+          </p:nvSpPr>
+          <p:spPr>
+            <a:xfrm>
+              <a:off x="667957" y="458067"/>
+              <a:ext cx="1660945" cy="1065933"/>
+            </a:xfrm>
+            <a:prstGeom prst="ellipse">
+              <a:avLst/>
+            </a:prstGeom>
+            <a:solidFill>
+              <a:schemeClr val="accent2">
+                <a:lumMod val="20000"/>
+                <a:lumOff val="80000"/>
+              </a:schemeClr>
+            </a:solidFill>
+            <a:ln w="12700">
+              <a:solidFill>
+                <a:schemeClr val="tx1"/>
+              </a:solidFill>
+            </a:ln>
+          </p:spPr>
+          <p:style>
+            <a:lnRef idx="2">
+              <a:schemeClr val="accent1">
+                <a:shade val="50000"/>
+              </a:schemeClr>
+            </a:lnRef>
+            <a:fillRef idx="1">
+              <a:schemeClr val="accent1"/>
+            </a:fillRef>
+            <a:effectRef idx="0">
+              <a:schemeClr val="accent1"/>
+            </a:effectRef>
+            <a:fontRef idx="minor">
+              <a:schemeClr val="lt1"/>
+            </a:fontRef>
+          </p:style>
+          <p:txBody>
+            <a:bodyPr rtlCol="0" anchor="ctr"/>
+            <a:lstStyle/>
+            <a:p>
+              <a:pPr algn="ctr"/>
+              <a:r>
+                <a:rPr lang="it-IT" sz="1200" dirty="0" smtClean="0">
+                  <a:solidFill>
+                    <a:schemeClr val="tx1"/>
+                  </a:solidFill>
+                  <a:latin typeface="Century Schoolbook" panose="02040604050505020304" pitchFamily="18" charset="0"/>
+                </a:rPr>
+                <a:t>Weight</a:t>
+              </a:r>
+              <a:endParaRPr lang="it-IT" sz="1200" dirty="0">
+                <a:solidFill>
+                  <a:schemeClr val="tx1"/>
+                </a:solidFill>
+                <a:latin typeface="Century Schoolbook" panose="02040604050505020304" pitchFamily="18" charset="0"/>
+              </a:endParaRPr>
+            </a:p>
+            <a:p>
+              <a:pPr algn="ctr"/>
+              <a:r>
+                <a:rPr lang="it-IT" sz="1200" dirty="0" smtClean="0">
+                  <a:solidFill>
+                    <a:schemeClr val="tx1"/>
+                  </a:solidFill>
+                  <a:latin typeface="Century Schoolbook" panose="02040604050505020304" pitchFamily="18" charset="0"/>
+                </a:rPr>
+                <a:t>Actor</a:t>
+              </a:r>
+              <a:endParaRPr lang="it-IT" sz="1200" dirty="0">
+                <a:solidFill>
+                  <a:schemeClr val="tx1"/>
+                </a:solidFill>
+                <a:latin typeface="Century Schoolbook" panose="02040604050505020304" pitchFamily="18" charset="0"/>
+              </a:endParaRPr>
+            </a:p>
+          </p:txBody>
+        </p:sp>
+        <p:sp>
+          <p:nvSpPr>
+            <p:cNvPr id="25" name="Triangolo isoscele 24"/>
+            <p:cNvSpPr/>
+            <p:nvPr/>
+          </p:nvSpPr>
+          <p:spPr>
+            <a:xfrm rot="16200000">
+              <a:off x="1350190" y="330274"/>
+              <a:ext cx="296478" cy="255585"/>
+            </a:xfrm>
+            <a:prstGeom prst="triangle">
+              <a:avLst/>
+            </a:prstGeom>
+            <a:solidFill>
+              <a:srgbClr val="FF0000"/>
+            </a:solidFill>
+            <a:ln w="12700">
+              <a:solidFill>
+                <a:schemeClr val="tx1"/>
+              </a:solidFill>
+            </a:ln>
+          </p:spPr>
+          <p:style>
+            <a:lnRef idx="2">
+              <a:schemeClr val="accent1">
+                <a:shade val="50000"/>
+              </a:schemeClr>
+            </a:lnRef>
+            <a:fillRef idx="1">
+              <a:schemeClr val="accent1"/>
+            </a:fillRef>
+            <a:effectRef idx="0">
+              <a:schemeClr val="accent1"/>
+            </a:effectRef>
+            <a:fontRef idx="minor">
+              <a:schemeClr val="lt1"/>
+            </a:fontRef>
+          </p:style>
+          <p:txBody>
+            <a:bodyPr rtlCol="0" anchor="ctr"/>
+            <a:lstStyle/>
+            <a:p>
+              <a:pPr algn="ctr"/>
+              <a:endParaRPr lang="it-IT"/>
+            </a:p>
+          </p:txBody>
+        </p:sp>
+        <p:sp>
+          <p:nvSpPr>
+            <p:cNvPr id="26" name="Rettangolo 25"/>
+            <p:cNvSpPr/>
+            <p:nvPr/>
+          </p:nvSpPr>
+          <p:spPr>
+            <a:xfrm>
+              <a:off x="402476" y="864906"/>
+              <a:ext cx="530961" cy="252254"/>
+            </a:xfrm>
+            <a:prstGeom prst="rect">
+              <a:avLst/>
+            </a:prstGeom>
+            <a:solidFill>
+              <a:schemeClr val="accent2">
+                <a:lumMod val="20000"/>
+                <a:lumOff val="80000"/>
+              </a:schemeClr>
+            </a:solidFill>
+            <a:ln w="12700">
+              <a:solidFill>
+                <a:schemeClr val="tx1"/>
+              </a:solidFill>
+            </a:ln>
+          </p:spPr>
+          <p:style>
+            <a:lnRef idx="2">
+              <a:schemeClr val="accent1">
+                <a:shade val="50000"/>
+              </a:schemeClr>
+            </a:lnRef>
+            <a:fillRef idx="1">
+              <a:schemeClr val="accent1"/>
+            </a:fillRef>
+            <a:effectRef idx="0">
+              <a:schemeClr val="accent1"/>
+            </a:effectRef>
+            <a:fontRef idx="minor">
+              <a:schemeClr val="lt1"/>
+            </a:fontRef>
+          </p:style>
+          <p:txBody>
+            <a:bodyPr rtlCol="0" anchor="ctr"/>
+            <a:lstStyle/>
+            <a:p>
+              <a:pPr algn="ctr"/>
+              <a:endParaRPr lang="it-IT"/>
+            </a:p>
+          </p:txBody>
+        </p:sp>
+      </p:grpSp>
+      <p:grpSp>
+        <p:nvGrpSpPr>
+          <p:cNvPr id="33" name="Gruppo 32"/>
+          <p:cNvGrpSpPr/>
+          <p:nvPr/>
+        </p:nvGrpSpPr>
+        <p:grpSpPr>
+          <a:xfrm>
+            <a:off x="5432188" y="2443639"/>
+            <a:ext cx="1926426" cy="1214172"/>
+            <a:chOff x="402476" y="5184618"/>
+            <a:chExt cx="1926426" cy="1214172"/>
+          </a:xfrm>
+        </p:grpSpPr>
+        <p:sp>
+          <p:nvSpPr>
+            <p:cNvPr id="34" name="Ovale 33"/>
+            <p:cNvSpPr/>
+            <p:nvPr/>
+          </p:nvSpPr>
+          <p:spPr>
+            <a:xfrm>
+              <a:off x="667957" y="5332857"/>
+              <a:ext cx="1660945" cy="1065933"/>
+            </a:xfrm>
+            <a:prstGeom prst="ellipse">
+              <a:avLst/>
+            </a:prstGeom>
+            <a:solidFill>
+              <a:schemeClr val="accent2">
+                <a:lumMod val="20000"/>
+                <a:lumOff val="80000"/>
+              </a:schemeClr>
+            </a:solidFill>
+            <a:ln w="12700">
+              <a:solidFill>
+                <a:schemeClr val="tx1"/>
+              </a:solidFill>
+            </a:ln>
+          </p:spPr>
+          <p:style>
+            <a:lnRef idx="2">
+              <a:schemeClr val="accent1">
+                <a:shade val="50000"/>
+              </a:schemeClr>
+            </a:lnRef>
+            <a:fillRef idx="1">
+              <a:schemeClr val="accent1"/>
+            </a:fillRef>
+            <a:effectRef idx="0">
+              <a:schemeClr val="accent1"/>
+            </a:effectRef>
+            <a:fontRef idx="minor">
+              <a:schemeClr val="lt1"/>
+            </a:fontRef>
+          </p:style>
+          <p:txBody>
+            <a:bodyPr rtlCol="0" anchor="ctr"/>
+            <a:lstStyle/>
+            <a:p>
+              <a:pPr algn="ctr"/>
+              <a:r>
+                <a:rPr lang="it-IT" sz="1200" dirty="0" smtClean="0">
+                  <a:solidFill>
+                    <a:schemeClr val="tx1"/>
+                  </a:solidFill>
+                  <a:latin typeface="Century Schoolbook" panose="02040604050505020304" pitchFamily="18" charset="0"/>
+                </a:rPr>
+                <a:t>Park Manager Service</a:t>
+              </a:r>
+            </a:p>
+            <a:p>
+              <a:pPr algn="ctr"/>
+              <a:r>
+                <a:rPr lang="it-IT" sz="1100" i="1" dirty="0" smtClean="0">
+                  <a:solidFill>
+                    <a:schemeClr val="tx1"/>
+                  </a:solidFill>
+                  <a:latin typeface="Century Schoolbook" panose="02040604050505020304" pitchFamily="18" charset="0"/>
+                </a:rPr>
+                <a:t>(business logic)</a:t>
+              </a:r>
+              <a:endParaRPr lang="it-IT" sz="1400" i="1" dirty="0">
+                <a:solidFill>
+                  <a:schemeClr val="tx1"/>
+                </a:solidFill>
+                <a:latin typeface="Century Schoolbook" panose="02040604050505020304" pitchFamily="18" charset="0"/>
+              </a:endParaRPr>
+            </a:p>
+          </p:txBody>
+        </p:sp>
+        <p:sp>
+          <p:nvSpPr>
+            <p:cNvPr id="35" name="Triangolo isoscele 34"/>
+            <p:cNvSpPr/>
+            <p:nvPr/>
+          </p:nvSpPr>
+          <p:spPr>
+            <a:xfrm rot="16200000">
+              <a:off x="1350190" y="5205064"/>
+              <a:ext cx="296478" cy="255585"/>
+            </a:xfrm>
+            <a:prstGeom prst="triangle">
+              <a:avLst/>
+            </a:prstGeom>
+            <a:solidFill>
+              <a:srgbClr val="FF0000"/>
+            </a:solidFill>
+            <a:ln w="12700">
+              <a:solidFill>
+                <a:schemeClr val="tx1"/>
+              </a:solidFill>
+            </a:ln>
+          </p:spPr>
+          <p:style>
+            <a:lnRef idx="2">
+              <a:schemeClr val="accent1">
+                <a:shade val="50000"/>
+              </a:schemeClr>
+            </a:lnRef>
+            <a:fillRef idx="1">
+              <a:schemeClr val="accent1"/>
+            </a:fillRef>
+            <a:effectRef idx="0">
+              <a:schemeClr val="accent1"/>
+            </a:effectRef>
+            <a:fontRef idx="minor">
+              <a:schemeClr val="lt1"/>
+            </a:fontRef>
+          </p:style>
+          <p:txBody>
+            <a:bodyPr rtlCol="0" anchor="ctr"/>
+            <a:lstStyle/>
+            <a:p>
+              <a:pPr algn="ctr"/>
+              <a:endParaRPr lang="it-IT"/>
+            </a:p>
+          </p:txBody>
+        </p:sp>
+        <p:sp>
+          <p:nvSpPr>
+            <p:cNvPr id="36" name="Rettangolo 35"/>
+            <p:cNvSpPr/>
+            <p:nvPr/>
+          </p:nvSpPr>
+          <p:spPr>
+            <a:xfrm>
+              <a:off x="402476" y="5739696"/>
+              <a:ext cx="530961" cy="252254"/>
+            </a:xfrm>
+            <a:prstGeom prst="rect">
+              <a:avLst/>
+            </a:prstGeom>
+            <a:solidFill>
+              <a:schemeClr val="accent2">
+                <a:lumMod val="20000"/>
+                <a:lumOff val="80000"/>
+              </a:schemeClr>
+            </a:solidFill>
+            <a:ln w="12700">
+              <a:solidFill>
+                <a:schemeClr val="tx1"/>
+              </a:solidFill>
+            </a:ln>
+          </p:spPr>
+          <p:style>
+            <a:lnRef idx="2">
+              <a:schemeClr val="accent1">
+                <a:shade val="50000"/>
+              </a:schemeClr>
+            </a:lnRef>
+            <a:fillRef idx="1">
+              <a:schemeClr val="accent1"/>
+            </a:fillRef>
+            <a:effectRef idx="0">
+              <a:schemeClr val="accent1"/>
+            </a:effectRef>
+            <a:fontRef idx="minor">
+              <a:schemeClr val="lt1"/>
+            </a:fontRef>
+          </p:style>
+          <p:txBody>
+            <a:bodyPr rtlCol="0" anchor="ctr"/>
+            <a:lstStyle/>
+            <a:p>
+              <a:pPr algn="ctr"/>
+              <a:endParaRPr lang="it-IT"/>
+            </a:p>
+          </p:txBody>
+        </p:sp>
+      </p:grpSp>
+      <p:grpSp>
+        <p:nvGrpSpPr>
+          <p:cNvPr id="37" name="Gruppo 36"/>
+          <p:cNvGrpSpPr/>
+          <p:nvPr/>
+        </p:nvGrpSpPr>
+        <p:grpSpPr>
+          <a:xfrm>
+            <a:off x="5416991" y="4608344"/>
+            <a:ext cx="1926426" cy="1214172"/>
+            <a:chOff x="402476" y="5184618"/>
+            <a:chExt cx="1926426" cy="1214172"/>
+          </a:xfrm>
+        </p:grpSpPr>
+        <p:sp>
+          <p:nvSpPr>
+            <p:cNvPr id="38" name="Ovale 37"/>
+            <p:cNvSpPr/>
+            <p:nvPr/>
+          </p:nvSpPr>
+          <p:spPr>
+            <a:xfrm>
+              <a:off x="667957" y="5332857"/>
+              <a:ext cx="1660945" cy="1065933"/>
+            </a:xfrm>
+            <a:prstGeom prst="ellipse">
+              <a:avLst/>
+            </a:prstGeom>
+            <a:solidFill>
+              <a:schemeClr val="accent2">
+                <a:lumMod val="20000"/>
+                <a:lumOff val="80000"/>
+              </a:schemeClr>
+            </a:solidFill>
+            <a:ln w="12700">
+              <a:solidFill>
+                <a:schemeClr val="tx1"/>
+              </a:solidFill>
+            </a:ln>
+          </p:spPr>
+          <p:style>
+            <a:lnRef idx="2">
+              <a:schemeClr val="accent1">
+                <a:shade val="50000"/>
+              </a:schemeClr>
+            </a:lnRef>
+            <a:fillRef idx="1">
+              <a:schemeClr val="accent1"/>
+            </a:fillRef>
+            <a:effectRef idx="0">
+              <a:schemeClr val="accent1"/>
+            </a:effectRef>
+            <a:fontRef idx="minor">
+              <a:schemeClr val="lt1"/>
+            </a:fontRef>
+          </p:style>
+          <p:txBody>
+            <a:bodyPr rtlCol="0" anchor="ctr"/>
+            <a:lstStyle/>
+            <a:p>
+              <a:pPr algn="ctr"/>
+              <a:r>
+                <a:rPr lang="it-IT" sz="1200" dirty="0" smtClean="0">
+                  <a:solidFill>
+                    <a:schemeClr val="tx1"/>
+                  </a:solidFill>
+                  <a:latin typeface="Century Schoolbook" panose="02040604050505020304" pitchFamily="18" charset="0"/>
+                </a:rPr>
+                <a:t>Park Service Status GUI Actor</a:t>
+              </a:r>
+              <a:endParaRPr lang="it-IT" sz="1400" i="1" dirty="0">
+                <a:solidFill>
+                  <a:schemeClr val="tx1"/>
+                </a:solidFill>
+                <a:latin typeface="Century Schoolbook" panose="02040604050505020304" pitchFamily="18" charset="0"/>
+              </a:endParaRPr>
+            </a:p>
+          </p:txBody>
+        </p:sp>
+        <p:sp>
+          <p:nvSpPr>
+            <p:cNvPr id="39" name="Triangolo isoscele 38"/>
+            <p:cNvSpPr/>
+            <p:nvPr/>
+          </p:nvSpPr>
+          <p:spPr>
+            <a:xfrm rot="16200000">
+              <a:off x="1350190" y="5205064"/>
+              <a:ext cx="296478" cy="255585"/>
+            </a:xfrm>
+            <a:prstGeom prst="triangle">
+              <a:avLst/>
+            </a:prstGeom>
+            <a:solidFill>
+              <a:srgbClr val="FF0000"/>
+            </a:solidFill>
+            <a:ln w="12700">
+              <a:solidFill>
+                <a:schemeClr val="tx1"/>
+              </a:solidFill>
+            </a:ln>
+          </p:spPr>
+          <p:style>
+            <a:lnRef idx="2">
+              <a:schemeClr val="accent1">
+                <a:shade val="50000"/>
+              </a:schemeClr>
+            </a:lnRef>
+            <a:fillRef idx="1">
+              <a:schemeClr val="accent1"/>
+            </a:fillRef>
+            <a:effectRef idx="0">
+              <a:schemeClr val="accent1"/>
+            </a:effectRef>
+            <a:fontRef idx="minor">
+              <a:schemeClr val="lt1"/>
+            </a:fontRef>
+          </p:style>
+          <p:txBody>
+            <a:bodyPr rtlCol="0" anchor="ctr"/>
+            <a:lstStyle/>
+            <a:p>
+              <a:pPr algn="ctr"/>
+              <a:endParaRPr lang="it-IT"/>
+            </a:p>
+          </p:txBody>
+        </p:sp>
+        <p:sp>
+          <p:nvSpPr>
+            <p:cNvPr id="40" name="Rettangolo 39"/>
+            <p:cNvSpPr/>
+            <p:nvPr/>
+          </p:nvSpPr>
+          <p:spPr>
+            <a:xfrm>
+              <a:off x="402476" y="5739696"/>
+              <a:ext cx="530961" cy="252254"/>
+            </a:xfrm>
+            <a:prstGeom prst="rect">
+              <a:avLst/>
+            </a:prstGeom>
+            <a:solidFill>
+              <a:schemeClr val="accent2">
+                <a:lumMod val="20000"/>
+                <a:lumOff val="80000"/>
+              </a:schemeClr>
+            </a:solidFill>
+            <a:ln w="12700">
+              <a:solidFill>
+                <a:schemeClr val="tx1"/>
+              </a:solidFill>
+            </a:ln>
+          </p:spPr>
+          <p:style>
+            <a:lnRef idx="2">
+              <a:schemeClr val="accent1">
+                <a:shade val="50000"/>
+              </a:schemeClr>
+            </a:lnRef>
+            <a:fillRef idx="1">
+              <a:schemeClr val="accent1"/>
+            </a:fillRef>
+            <a:effectRef idx="0">
+              <a:schemeClr val="accent1"/>
+            </a:effectRef>
+            <a:fontRef idx="minor">
+              <a:schemeClr val="lt1"/>
+            </a:fontRef>
+          </p:style>
+          <p:txBody>
+            <a:bodyPr rtlCol="0" anchor="ctr"/>
+            <a:lstStyle/>
+            <a:p>
+              <a:pPr algn="ctr"/>
+              <a:endParaRPr lang="it-IT"/>
+            </a:p>
+          </p:txBody>
+        </p:sp>
+      </p:grpSp>
+      <p:grpSp>
+        <p:nvGrpSpPr>
+          <p:cNvPr id="41" name="Gruppo 40"/>
+          <p:cNvGrpSpPr/>
+          <p:nvPr/>
+        </p:nvGrpSpPr>
+        <p:grpSpPr>
+          <a:xfrm>
+            <a:off x="5432188" y="465287"/>
+            <a:ext cx="1926426" cy="1214172"/>
+            <a:chOff x="402476" y="5184618"/>
+            <a:chExt cx="1926426" cy="1214172"/>
+          </a:xfrm>
+        </p:grpSpPr>
+        <p:sp>
+          <p:nvSpPr>
+            <p:cNvPr id="42" name="Ovale 41"/>
+            <p:cNvSpPr/>
+            <p:nvPr/>
+          </p:nvSpPr>
+          <p:spPr>
+            <a:xfrm>
+              <a:off x="667957" y="5332857"/>
+              <a:ext cx="1660945" cy="1065933"/>
+            </a:xfrm>
+            <a:prstGeom prst="ellipse">
+              <a:avLst/>
+            </a:prstGeom>
+            <a:solidFill>
+              <a:schemeClr val="accent2">
+                <a:lumMod val="20000"/>
+                <a:lumOff val="80000"/>
+              </a:schemeClr>
+            </a:solidFill>
+            <a:ln w="12700">
+              <a:solidFill>
+                <a:schemeClr val="tx1"/>
+              </a:solidFill>
+            </a:ln>
+          </p:spPr>
+          <p:style>
+            <a:lnRef idx="2">
+              <a:schemeClr val="accent1">
+                <a:shade val="50000"/>
+              </a:schemeClr>
+            </a:lnRef>
+            <a:fillRef idx="1">
+              <a:schemeClr val="accent1"/>
+            </a:fillRef>
+            <a:effectRef idx="0">
+              <a:schemeClr val="accent1"/>
+            </a:effectRef>
+            <a:fontRef idx="minor">
+              <a:schemeClr val="lt1"/>
+            </a:fontRef>
+          </p:style>
+          <p:txBody>
+            <a:bodyPr rtlCol="0" anchor="ctr"/>
+            <a:lstStyle/>
+            <a:p>
+              <a:pPr algn="ctr"/>
+              <a:r>
+                <a:rPr lang="it-IT" sz="1200" dirty="0" smtClean="0">
+                  <a:solidFill>
+                    <a:schemeClr val="tx1"/>
+                  </a:solidFill>
+                  <a:latin typeface="Century Schoolbook" panose="02040604050505020304" pitchFamily="18" charset="0"/>
+                </a:rPr>
+                <a:t>Park Service GUI Actor</a:t>
+              </a:r>
+              <a:endParaRPr lang="it-IT" sz="1400" i="1" dirty="0">
+                <a:solidFill>
+                  <a:schemeClr val="tx1"/>
+                </a:solidFill>
+                <a:latin typeface="Century Schoolbook" panose="02040604050505020304" pitchFamily="18" charset="0"/>
+              </a:endParaRPr>
+            </a:p>
+          </p:txBody>
+        </p:sp>
+        <p:sp>
+          <p:nvSpPr>
+            <p:cNvPr id="43" name="Triangolo isoscele 42"/>
+            <p:cNvSpPr/>
+            <p:nvPr/>
+          </p:nvSpPr>
+          <p:spPr>
+            <a:xfrm rot="16200000">
+              <a:off x="1350190" y="5205064"/>
+              <a:ext cx="296478" cy="255585"/>
+            </a:xfrm>
+            <a:prstGeom prst="triangle">
+              <a:avLst/>
+            </a:prstGeom>
+            <a:solidFill>
+              <a:srgbClr val="FF0000"/>
+            </a:solidFill>
+            <a:ln w="12700">
+              <a:solidFill>
+                <a:schemeClr val="tx1"/>
+              </a:solidFill>
+            </a:ln>
+          </p:spPr>
+          <p:style>
+            <a:lnRef idx="2">
+              <a:schemeClr val="accent1">
+                <a:shade val="50000"/>
+              </a:schemeClr>
+            </a:lnRef>
+            <a:fillRef idx="1">
+              <a:schemeClr val="accent1"/>
+            </a:fillRef>
+            <a:effectRef idx="0">
+              <a:schemeClr val="accent1"/>
+            </a:effectRef>
+            <a:fontRef idx="minor">
+              <a:schemeClr val="lt1"/>
+            </a:fontRef>
+          </p:style>
+          <p:txBody>
+            <a:bodyPr rtlCol="0" anchor="ctr"/>
+            <a:lstStyle/>
+            <a:p>
+              <a:pPr algn="ctr"/>
+              <a:endParaRPr lang="it-IT"/>
+            </a:p>
+          </p:txBody>
+        </p:sp>
+        <p:sp>
+          <p:nvSpPr>
+            <p:cNvPr id="44" name="Rettangolo 43"/>
+            <p:cNvSpPr/>
+            <p:nvPr/>
+          </p:nvSpPr>
+          <p:spPr>
+            <a:xfrm>
+              <a:off x="402476" y="5739696"/>
+              <a:ext cx="530961" cy="252254"/>
+            </a:xfrm>
+            <a:prstGeom prst="rect">
+              <a:avLst/>
+            </a:prstGeom>
+            <a:solidFill>
+              <a:schemeClr val="accent2">
+                <a:lumMod val="20000"/>
+                <a:lumOff val="80000"/>
+              </a:schemeClr>
+            </a:solidFill>
+            <a:ln w="12700">
+              <a:solidFill>
+                <a:schemeClr val="tx1"/>
+              </a:solidFill>
+            </a:ln>
+          </p:spPr>
+          <p:style>
+            <a:lnRef idx="2">
+              <a:schemeClr val="accent1">
+                <a:shade val="50000"/>
+              </a:schemeClr>
+            </a:lnRef>
+            <a:fillRef idx="1">
+              <a:schemeClr val="accent1"/>
+            </a:fillRef>
+            <a:effectRef idx="0">
+              <a:schemeClr val="accent1"/>
+            </a:effectRef>
+            <a:fontRef idx="minor">
+              <a:schemeClr val="lt1"/>
+            </a:fontRef>
+          </p:style>
+          <p:txBody>
+            <a:bodyPr rtlCol="0" anchor="ctr"/>
+            <a:lstStyle/>
+            <a:p>
+              <a:pPr algn="ctr"/>
+              <a:endParaRPr lang="it-IT"/>
+            </a:p>
+          </p:txBody>
+        </p:sp>
+      </p:grpSp>
+      <p:grpSp>
+        <p:nvGrpSpPr>
+          <p:cNvPr id="45" name="Gruppo 44"/>
+          <p:cNvGrpSpPr/>
+          <p:nvPr/>
+        </p:nvGrpSpPr>
+        <p:grpSpPr>
+          <a:xfrm>
+            <a:off x="8474535" y="4670588"/>
+            <a:ext cx="1926426" cy="1214172"/>
+            <a:chOff x="402476" y="5184618"/>
+            <a:chExt cx="1926426" cy="1214172"/>
+          </a:xfrm>
+        </p:grpSpPr>
+        <p:sp>
+          <p:nvSpPr>
+            <p:cNvPr id="46" name="Ovale 45"/>
+            <p:cNvSpPr/>
+            <p:nvPr/>
+          </p:nvSpPr>
+          <p:spPr>
+            <a:xfrm>
+              <a:off x="667957" y="5332857"/>
+              <a:ext cx="1660945" cy="1065933"/>
+            </a:xfrm>
+            <a:prstGeom prst="ellipse">
+              <a:avLst/>
+            </a:prstGeom>
+            <a:solidFill>
+              <a:schemeClr val="accent2">
+                <a:lumMod val="20000"/>
+                <a:lumOff val="80000"/>
+              </a:schemeClr>
+            </a:solidFill>
+            <a:ln w="12700">
+              <a:solidFill>
+                <a:schemeClr val="tx1"/>
+              </a:solidFill>
+            </a:ln>
+          </p:spPr>
+          <p:style>
+            <a:lnRef idx="2">
+              <a:schemeClr val="accent1">
+                <a:shade val="50000"/>
+              </a:schemeClr>
+            </a:lnRef>
+            <a:fillRef idx="1">
+              <a:schemeClr val="accent1"/>
+            </a:fillRef>
+            <a:effectRef idx="0">
+              <a:schemeClr val="accent1"/>
+            </a:effectRef>
+            <a:fontRef idx="minor">
+              <a:schemeClr val="lt1"/>
+            </a:fontRef>
+          </p:style>
+          <p:txBody>
+            <a:bodyPr rtlCol="0" anchor="ctr"/>
+            <a:lstStyle/>
+            <a:p>
+              <a:pPr algn="ctr"/>
+              <a:r>
+                <a:rPr lang="it-IT" sz="1200" dirty="0" smtClean="0">
+                  <a:solidFill>
+                    <a:schemeClr val="tx1"/>
+                  </a:solidFill>
+                  <a:latin typeface="Century Schoolbook" panose="02040604050505020304" pitchFamily="18" charset="0"/>
+                </a:rPr>
+                <a:t>Fan</a:t>
+              </a:r>
+            </a:p>
+            <a:p>
+              <a:pPr algn="ctr"/>
+              <a:r>
+                <a:rPr lang="it-IT" sz="1200" dirty="0" smtClean="0">
+                  <a:solidFill>
+                    <a:schemeClr val="tx1"/>
+                  </a:solidFill>
+                  <a:latin typeface="Century Schoolbook" panose="02040604050505020304" pitchFamily="18" charset="0"/>
+                </a:rPr>
+                <a:t>Actor</a:t>
+              </a:r>
+              <a:endParaRPr lang="it-IT" sz="1400" i="1" dirty="0">
+                <a:solidFill>
+                  <a:schemeClr val="tx1"/>
+                </a:solidFill>
+                <a:latin typeface="Century Schoolbook" panose="02040604050505020304" pitchFamily="18" charset="0"/>
+              </a:endParaRPr>
+            </a:p>
+          </p:txBody>
+        </p:sp>
+        <p:sp>
+          <p:nvSpPr>
+            <p:cNvPr id="47" name="Triangolo isoscele 46"/>
+            <p:cNvSpPr/>
+            <p:nvPr/>
+          </p:nvSpPr>
+          <p:spPr>
+            <a:xfrm rot="16200000">
+              <a:off x="1350190" y="5205064"/>
+              <a:ext cx="296478" cy="255585"/>
+            </a:xfrm>
+            <a:prstGeom prst="triangle">
+              <a:avLst/>
+            </a:prstGeom>
+            <a:solidFill>
+              <a:srgbClr val="FF0000"/>
+            </a:solidFill>
+            <a:ln w="12700">
+              <a:solidFill>
+                <a:schemeClr val="tx1"/>
+              </a:solidFill>
+            </a:ln>
+          </p:spPr>
+          <p:style>
+            <a:lnRef idx="2">
+              <a:schemeClr val="accent1">
+                <a:shade val="50000"/>
+              </a:schemeClr>
+            </a:lnRef>
+            <a:fillRef idx="1">
+              <a:schemeClr val="accent1"/>
+            </a:fillRef>
+            <a:effectRef idx="0">
+              <a:schemeClr val="accent1"/>
+            </a:effectRef>
+            <a:fontRef idx="minor">
+              <a:schemeClr val="lt1"/>
+            </a:fontRef>
+          </p:style>
+          <p:txBody>
+            <a:bodyPr rtlCol="0" anchor="ctr"/>
+            <a:lstStyle/>
+            <a:p>
+              <a:pPr algn="ctr"/>
+              <a:endParaRPr lang="it-IT"/>
+            </a:p>
+          </p:txBody>
+        </p:sp>
+        <p:sp>
+          <p:nvSpPr>
+            <p:cNvPr id="48" name="Rettangolo 47"/>
+            <p:cNvSpPr/>
+            <p:nvPr/>
+          </p:nvSpPr>
+          <p:spPr>
+            <a:xfrm>
+              <a:off x="402476" y="5739696"/>
+              <a:ext cx="530961" cy="252254"/>
+            </a:xfrm>
+            <a:prstGeom prst="rect">
+              <a:avLst/>
+            </a:prstGeom>
+            <a:solidFill>
+              <a:schemeClr val="accent2">
+                <a:lumMod val="20000"/>
+                <a:lumOff val="80000"/>
+              </a:schemeClr>
+            </a:solidFill>
+            <a:ln w="12700">
+              <a:solidFill>
+                <a:schemeClr val="tx1"/>
+              </a:solidFill>
+            </a:ln>
+          </p:spPr>
+          <p:style>
+            <a:lnRef idx="2">
+              <a:schemeClr val="accent1">
+                <a:shade val="50000"/>
+              </a:schemeClr>
+            </a:lnRef>
+            <a:fillRef idx="1">
+              <a:schemeClr val="accent1"/>
+            </a:fillRef>
+            <a:effectRef idx="0">
+              <a:schemeClr val="accent1"/>
+            </a:effectRef>
+            <a:fontRef idx="minor">
+              <a:schemeClr val="lt1"/>
+            </a:fontRef>
+          </p:style>
+          <p:txBody>
+            <a:bodyPr rtlCol="0" anchor="ctr"/>
+            <a:lstStyle/>
+            <a:p>
+              <a:pPr algn="ctr"/>
+              <a:endParaRPr lang="it-IT"/>
+            </a:p>
+          </p:txBody>
+        </p:sp>
+      </p:grpSp>
+      <p:sp>
+        <p:nvSpPr>
+          <p:cNvPr id="58" name="Figura a mano libera 57"/>
+          <p:cNvSpPr/>
+          <p:nvPr/>
+        </p:nvSpPr>
+        <p:spPr>
+          <a:xfrm>
+            <a:off x="4256696" y="2272710"/>
+            <a:ext cx="990600" cy="638334"/>
+          </a:xfrm>
+          <a:custGeom>
+            <a:avLst/>
+            <a:gdLst>
+              <a:gd name="connsiteX0" fmla="*/ 0 w 990600"/>
+              <a:gd name="connsiteY0" fmla="*/ 439954 h 638334"/>
+              <a:gd name="connsiteX1" fmla="*/ 314325 w 990600"/>
+              <a:gd name="connsiteY1" fmla="*/ 439954 h 638334"/>
+              <a:gd name="connsiteX2" fmla="*/ 390525 w 990600"/>
+              <a:gd name="connsiteY2" fmla="*/ 1804 h 638334"/>
+              <a:gd name="connsiteX3" fmla="*/ 571500 w 990600"/>
+              <a:gd name="connsiteY3" fmla="*/ 630454 h 638334"/>
+              <a:gd name="connsiteX4" fmla="*/ 685800 w 990600"/>
+              <a:gd name="connsiteY4" fmla="*/ 354229 h 638334"/>
+              <a:gd name="connsiteX5" fmla="*/ 990600 w 990600"/>
+              <a:gd name="connsiteY5" fmla="*/ 344704 h 638334"/>
+            </a:gdLst>
+            <a:ahLst/>
+            <a:cxnLst>
+              <a:cxn ang="0">
+                <a:pos x="connsiteX0" y="connsiteY0"/>
+              </a:cxn>
+              <a:cxn ang="0">
+                <a:pos x="connsiteX1" y="connsiteY1"/>
+              </a:cxn>
+              <a:cxn ang="0">
+                <a:pos x="connsiteX2" y="connsiteY2"/>
+              </a:cxn>
+              <a:cxn ang="0">
+                <a:pos x="connsiteX3" y="connsiteY3"/>
+              </a:cxn>
+              <a:cxn ang="0">
+                <a:pos x="connsiteX4" y="connsiteY4"/>
+              </a:cxn>
+              <a:cxn ang="0">
+                <a:pos x="connsiteX5" y="connsiteY5"/>
+              </a:cxn>
+            </a:cxnLst>
+            <a:rect l="l" t="t" r="r" b="b"/>
+            <a:pathLst>
+              <a:path w="990600" h="638334">
+                <a:moveTo>
+                  <a:pt x="0" y="439954"/>
+                </a:moveTo>
+                <a:cubicBezTo>
+                  <a:pt x="124619" y="476466"/>
+                  <a:pt x="249238" y="512979"/>
+                  <a:pt x="314325" y="439954"/>
+                </a:cubicBezTo>
+                <a:cubicBezTo>
+                  <a:pt x="379412" y="366929"/>
+                  <a:pt x="347663" y="-29946"/>
+                  <a:pt x="390525" y="1804"/>
+                </a:cubicBezTo>
+                <a:cubicBezTo>
+                  <a:pt x="433387" y="33554"/>
+                  <a:pt x="522288" y="571717"/>
+                  <a:pt x="571500" y="630454"/>
+                </a:cubicBezTo>
+                <a:cubicBezTo>
+                  <a:pt x="620713" y="689192"/>
+                  <a:pt x="615950" y="401854"/>
+                  <a:pt x="685800" y="354229"/>
+                </a:cubicBezTo>
+                <a:cubicBezTo>
+                  <a:pt x="755650" y="306604"/>
+                  <a:pt x="873125" y="325654"/>
+                  <a:pt x="990600" y="344704"/>
+                </a:cubicBezTo>
+              </a:path>
+            </a:pathLst>
+          </a:custGeom>
+          <a:noFill/>
+          <a:ln w="15875">
+            <a:solidFill>
+              <a:schemeClr val="tx1"/>
+            </a:solidFill>
+            <a:tailEnd type="arrow"/>
+          </a:ln>
+        </p:spPr>
+        <p:style>
+          <a:lnRef idx="2">
+            <a:schemeClr val="accent1">
+              <a:shade val="50000"/>
+            </a:schemeClr>
+          </a:lnRef>
+          <a:fillRef idx="1">
+            <a:schemeClr val="accent1"/>
+          </a:fillRef>
+          <a:effectRef idx="0">
+            <a:schemeClr val="accent1"/>
+          </a:effectRef>
+          <a:fontRef idx="minor">
+            <a:schemeClr val="lt1"/>
+          </a:fontRef>
+        </p:style>
+        <p:txBody>
+          <a:bodyPr rtlCol="0" anchor="ctr"/>
+          <a:lstStyle/>
+          <a:p>
+            <a:pPr algn="ctr"/>
+            <a:endParaRPr lang="it-IT"/>
+          </a:p>
+        </p:txBody>
+      </p:sp>
+      <p:sp>
+        <p:nvSpPr>
+          <p:cNvPr id="59" name="Figura a mano libera 58"/>
+          <p:cNvSpPr/>
+          <p:nvPr/>
+        </p:nvSpPr>
+        <p:spPr>
+          <a:xfrm>
+            <a:off x="4219011" y="4978941"/>
+            <a:ext cx="990600" cy="638334"/>
+          </a:xfrm>
+          <a:custGeom>
+            <a:avLst/>
+            <a:gdLst>
+              <a:gd name="connsiteX0" fmla="*/ 0 w 990600"/>
+              <a:gd name="connsiteY0" fmla="*/ 439954 h 638334"/>
+              <a:gd name="connsiteX1" fmla="*/ 314325 w 990600"/>
+              <a:gd name="connsiteY1" fmla="*/ 439954 h 638334"/>
+              <a:gd name="connsiteX2" fmla="*/ 390525 w 990600"/>
+              <a:gd name="connsiteY2" fmla="*/ 1804 h 638334"/>
+              <a:gd name="connsiteX3" fmla="*/ 571500 w 990600"/>
+              <a:gd name="connsiteY3" fmla="*/ 630454 h 638334"/>
+              <a:gd name="connsiteX4" fmla="*/ 685800 w 990600"/>
+              <a:gd name="connsiteY4" fmla="*/ 354229 h 638334"/>
+              <a:gd name="connsiteX5" fmla="*/ 990600 w 990600"/>
+              <a:gd name="connsiteY5" fmla="*/ 344704 h 638334"/>
+            </a:gdLst>
+            <a:ahLst/>
+            <a:cxnLst>
+              <a:cxn ang="0">
+                <a:pos x="connsiteX0" y="connsiteY0"/>
+              </a:cxn>
+              <a:cxn ang="0">
+                <a:pos x="connsiteX1" y="connsiteY1"/>
+              </a:cxn>
+              <a:cxn ang="0">
+                <a:pos x="connsiteX2" y="connsiteY2"/>
+              </a:cxn>
+              <a:cxn ang="0">
+                <a:pos x="connsiteX3" y="connsiteY3"/>
+              </a:cxn>
+              <a:cxn ang="0">
+                <a:pos x="connsiteX4" y="connsiteY4"/>
+              </a:cxn>
+              <a:cxn ang="0">
+                <a:pos x="connsiteX5" y="connsiteY5"/>
+              </a:cxn>
+            </a:cxnLst>
+            <a:rect l="l" t="t" r="r" b="b"/>
+            <a:pathLst>
+              <a:path w="990600" h="638334">
+                <a:moveTo>
+                  <a:pt x="0" y="439954"/>
+                </a:moveTo>
+                <a:cubicBezTo>
+                  <a:pt x="124619" y="476466"/>
+                  <a:pt x="249238" y="512979"/>
+                  <a:pt x="314325" y="439954"/>
+                </a:cubicBezTo>
+                <a:cubicBezTo>
+                  <a:pt x="379412" y="366929"/>
+                  <a:pt x="347663" y="-29946"/>
+                  <a:pt x="390525" y="1804"/>
+                </a:cubicBezTo>
+                <a:cubicBezTo>
+                  <a:pt x="433387" y="33554"/>
+                  <a:pt x="522288" y="571717"/>
+                  <a:pt x="571500" y="630454"/>
+                </a:cubicBezTo>
+                <a:cubicBezTo>
+                  <a:pt x="620713" y="689192"/>
+                  <a:pt x="615950" y="401854"/>
+                  <a:pt x="685800" y="354229"/>
+                </a:cubicBezTo>
+                <a:cubicBezTo>
+                  <a:pt x="755650" y="306604"/>
+                  <a:pt x="873125" y="325654"/>
+                  <a:pt x="990600" y="344704"/>
+                </a:cubicBezTo>
+              </a:path>
+            </a:pathLst>
+          </a:custGeom>
+          <a:noFill/>
+          <a:ln w="15875">
+            <a:solidFill>
+              <a:schemeClr val="tx1"/>
+            </a:solidFill>
+            <a:tailEnd type="arrow"/>
+          </a:ln>
+        </p:spPr>
+        <p:style>
+          <a:lnRef idx="2">
+            <a:schemeClr val="accent1">
+              <a:shade val="50000"/>
+            </a:schemeClr>
+          </a:lnRef>
+          <a:fillRef idx="1">
+            <a:schemeClr val="accent1"/>
+          </a:fillRef>
+          <a:effectRef idx="0">
+            <a:schemeClr val="accent1"/>
+          </a:effectRef>
+          <a:fontRef idx="minor">
+            <a:schemeClr val="lt1"/>
+          </a:fontRef>
+        </p:style>
+        <p:txBody>
+          <a:bodyPr rtlCol="0" anchor="ctr"/>
+          <a:lstStyle/>
+          <a:p>
+            <a:pPr algn="ctr"/>
+            <a:endParaRPr lang="it-IT"/>
+          </a:p>
+        </p:txBody>
+      </p:sp>
+      <p:cxnSp>
+        <p:nvCxnSpPr>
+          <p:cNvPr id="61" name="Connettore 2 60"/>
+          <p:cNvCxnSpPr/>
+          <p:nvPr/>
+        </p:nvCxnSpPr>
+        <p:spPr>
+          <a:xfrm>
+            <a:off x="7450157" y="5351793"/>
+            <a:ext cx="945711" cy="0"/>
+          </a:xfrm>
+          <a:prstGeom prst="straightConnector1">
+            <a:avLst/>
+          </a:prstGeom>
+          <a:ln w="19050">
+            <a:solidFill>
+              <a:schemeClr val="tx1"/>
+            </a:solidFill>
+            <a:prstDash val="sysDash"/>
+            <a:headEnd type="none" w="med" len="med"/>
+            <a:tailEnd type="arrow" w="med" len="med"/>
+          </a:ln>
+        </p:spPr>
+        <p:style>
+          <a:lnRef idx="1">
+            <a:schemeClr val="accent1"/>
+          </a:lnRef>
+          <a:fillRef idx="0">
+            <a:schemeClr val="accent1"/>
+          </a:fillRef>
+          <a:effectRef idx="0">
+            <a:schemeClr val="accent1"/>
+          </a:effectRef>
+          <a:fontRef idx="minor">
+            <a:schemeClr val="tx1"/>
+          </a:fontRef>
+        </p:style>
+      </p:cxnSp>
+      <p:grpSp>
+        <p:nvGrpSpPr>
+          <p:cNvPr id="73" name="Gruppo 72"/>
+          <p:cNvGrpSpPr/>
+          <p:nvPr/>
+        </p:nvGrpSpPr>
+        <p:grpSpPr>
+          <a:xfrm>
+            <a:off x="8496420" y="2517758"/>
+            <a:ext cx="1660945" cy="1214172"/>
+            <a:chOff x="9616460" y="2966720"/>
+            <a:chExt cx="1660945" cy="1214172"/>
+          </a:xfrm>
+        </p:grpSpPr>
+        <p:sp>
+          <p:nvSpPr>
+            <p:cNvPr id="69" name="Ovale 68"/>
+            <p:cNvSpPr/>
+            <p:nvPr/>
+          </p:nvSpPr>
+          <p:spPr>
+            <a:xfrm>
+              <a:off x="9616460" y="3114959"/>
+              <a:ext cx="1660945" cy="1065933"/>
+            </a:xfrm>
+            <a:prstGeom prst="ellipse">
+              <a:avLst/>
+            </a:prstGeom>
+            <a:solidFill>
+              <a:schemeClr val="accent4">
+                <a:lumMod val="20000"/>
+                <a:lumOff val="80000"/>
+              </a:schemeClr>
+            </a:solidFill>
+            <a:ln w="12700">
+              <a:solidFill>
+                <a:schemeClr val="tx1"/>
+              </a:solidFill>
+            </a:ln>
+          </p:spPr>
+          <p:style>
+            <a:lnRef idx="2">
+              <a:schemeClr val="accent1">
+                <a:shade val="50000"/>
+              </a:schemeClr>
+            </a:lnRef>
+            <a:fillRef idx="1">
+              <a:schemeClr val="accent1"/>
+            </a:fillRef>
+            <a:effectRef idx="0">
+              <a:schemeClr val="accent1"/>
+            </a:effectRef>
+            <a:fontRef idx="minor">
+              <a:schemeClr val="lt1"/>
+            </a:fontRef>
+          </p:style>
+          <p:txBody>
+            <a:bodyPr rtlCol="0" anchor="ctr"/>
+            <a:lstStyle/>
+            <a:p>
+              <a:pPr algn="ctr"/>
+              <a:r>
+                <a:rPr lang="it-IT" sz="1200" dirty="0" smtClean="0">
+                  <a:solidFill>
+                    <a:schemeClr val="tx1"/>
+                  </a:solidFill>
+                  <a:latin typeface="Century Schoolbook" panose="02040604050505020304" pitchFamily="18" charset="0"/>
+                </a:rPr>
+                <a:t>Virtual Environment</a:t>
+              </a:r>
+            </a:p>
+          </p:txBody>
+        </p:sp>
+        <p:sp>
+          <p:nvSpPr>
+            <p:cNvPr id="70" name="Triangolo isoscele 69"/>
+            <p:cNvSpPr/>
+            <p:nvPr/>
+          </p:nvSpPr>
+          <p:spPr>
+            <a:xfrm rot="16200000">
+              <a:off x="10298693" y="2987166"/>
+              <a:ext cx="296478" cy="255585"/>
+            </a:xfrm>
+            <a:prstGeom prst="triangle">
+              <a:avLst/>
+            </a:prstGeom>
+            <a:solidFill>
+              <a:srgbClr val="FF0000"/>
+            </a:solidFill>
+            <a:ln w="12700">
+              <a:solidFill>
+                <a:schemeClr val="tx1"/>
+              </a:solidFill>
+            </a:ln>
+          </p:spPr>
+          <p:style>
+            <a:lnRef idx="2">
+              <a:schemeClr val="accent1">
+                <a:shade val="50000"/>
+              </a:schemeClr>
+            </a:lnRef>
+            <a:fillRef idx="1">
+              <a:schemeClr val="accent1"/>
+            </a:fillRef>
+            <a:effectRef idx="0">
+              <a:schemeClr val="accent1"/>
+            </a:effectRef>
+            <a:fontRef idx="minor">
+              <a:schemeClr val="lt1"/>
+            </a:fontRef>
+          </p:style>
+          <p:txBody>
+            <a:bodyPr rtlCol="0" anchor="ctr"/>
+            <a:lstStyle/>
+            <a:p>
+              <a:pPr algn="ctr"/>
+              <a:endParaRPr lang="it-IT"/>
+            </a:p>
+          </p:txBody>
+        </p:sp>
+      </p:grpSp>
+      <p:sp>
+        <p:nvSpPr>
+          <p:cNvPr id="74" name="Figura a mano libera 73"/>
+          <p:cNvSpPr/>
+          <p:nvPr/>
+        </p:nvSpPr>
+        <p:spPr>
+          <a:xfrm>
+            <a:off x="4360008" y="3209620"/>
+            <a:ext cx="990600" cy="638334"/>
+          </a:xfrm>
+          <a:custGeom>
+            <a:avLst/>
+            <a:gdLst>
+              <a:gd name="connsiteX0" fmla="*/ 0 w 990600"/>
+              <a:gd name="connsiteY0" fmla="*/ 439954 h 638334"/>
+              <a:gd name="connsiteX1" fmla="*/ 314325 w 990600"/>
+              <a:gd name="connsiteY1" fmla="*/ 439954 h 638334"/>
+              <a:gd name="connsiteX2" fmla="*/ 390525 w 990600"/>
+              <a:gd name="connsiteY2" fmla="*/ 1804 h 638334"/>
+              <a:gd name="connsiteX3" fmla="*/ 571500 w 990600"/>
+              <a:gd name="connsiteY3" fmla="*/ 630454 h 638334"/>
+              <a:gd name="connsiteX4" fmla="*/ 685800 w 990600"/>
+              <a:gd name="connsiteY4" fmla="*/ 354229 h 638334"/>
+              <a:gd name="connsiteX5" fmla="*/ 990600 w 990600"/>
+              <a:gd name="connsiteY5" fmla="*/ 344704 h 638334"/>
+            </a:gdLst>
+            <a:ahLst/>
+            <a:cxnLst>
+              <a:cxn ang="0">
+                <a:pos x="connsiteX0" y="connsiteY0"/>
+              </a:cxn>
+              <a:cxn ang="0">
+                <a:pos x="connsiteX1" y="connsiteY1"/>
+              </a:cxn>
+              <a:cxn ang="0">
+                <a:pos x="connsiteX2" y="connsiteY2"/>
+              </a:cxn>
+              <a:cxn ang="0">
+                <a:pos x="connsiteX3" y="connsiteY3"/>
+              </a:cxn>
+              <a:cxn ang="0">
+                <a:pos x="connsiteX4" y="connsiteY4"/>
+              </a:cxn>
+              <a:cxn ang="0">
+                <a:pos x="connsiteX5" y="connsiteY5"/>
+              </a:cxn>
+            </a:cxnLst>
+            <a:rect l="l" t="t" r="r" b="b"/>
+            <a:pathLst>
+              <a:path w="990600" h="638334">
+                <a:moveTo>
+                  <a:pt x="0" y="439954"/>
+                </a:moveTo>
+                <a:cubicBezTo>
+                  <a:pt x="124619" y="476466"/>
+                  <a:pt x="249238" y="512979"/>
+                  <a:pt x="314325" y="439954"/>
+                </a:cubicBezTo>
+                <a:cubicBezTo>
+                  <a:pt x="379412" y="366929"/>
+                  <a:pt x="347663" y="-29946"/>
+                  <a:pt x="390525" y="1804"/>
+                </a:cubicBezTo>
+                <a:cubicBezTo>
+                  <a:pt x="433387" y="33554"/>
+                  <a:pt x="522288" y="571717"/>
+                  <a:pt x="571500" y="630454"/>
+                </a:cubicBezTo>
+                <a:cubicBezTo>
+                  <a:pt x="620713" y="689192"/>
+                  <a:pt x="615950" y="401854"/>
+                  <a:pt x="685800" y="354229"/>
+                </a:cubicBezTo>
+                <a:cubicBezTo>
+                  <a:pt x="755650" y="306604"/>
+                  <a:pt x="873125" y="325654"/>
+                  <a:pt x="990600" y="344704"/>
+                </a:cubicBezTo>
+              </a:path>
+            </a:pathLst>
+          </a:custGeom>
+          <a:noFill/>
+          <a:ln w="15875">
+            <a:solidFill>
+              <a:schemeClr val="tx1"/>
+            </a:solidFill>
+            <a:tailEnd type="arrow"/>
+          </a:ln>
+        </p:spPr>
+        <p:style>
+          <a:lnRef idx="2">
+            <a:schemeClr val="accent1">
+              <a:shade val="50000"/>
+            </a:schemeClr>
+          </a:lnRef>
+          <a:fillRef idx="1">
+            <a:schemeClr val="accent1"/>
+          </a:fillRef>
+          <a:effectRef idx="0">
+            <a:schemeClr val="accent1"/>
+          </a:effectRef>
+          <a:fontRef idx="minor">
+            <a:schemeClr val="lt1"/>
+          </a:fontRef>
+        </p:style>
+        <p:txBody>
+          <a:bodyPr rtlCol="0" anchor="ctr"/>
+          <a:lstStyle/>
+          <a:p>
+            <a:pPr algn="ctr"/>
+            <a:endParaRPr lang="it-IT"/>
+          </a:p>
+        </p:txBody>
+      </p:sp>
+      <p:grpSp>
+        <p:nvGrpSpPr>
+          <p:cNvPr id="75" name="Gruppo 74"/>
+          <p:cNvGrpSpPr/>
+          <p:nvPr/>
+        </p:nvGrpSpPr>
+        <p:grpSpPr>
+          <a:xfrm>
+            <a:off x="7505133" y="2953807"/>
+            <a:ext cx="844768" cy="342073"/>
+            <a:chOff x="8144484" y="4563130"/>
+            <a:chExt cx="844768" cy="342073"/>
+          </a:xfrm>
+        </p:grpSpPr>
+        <p:cxnSp>
+          <p:nvCxnSpPr>
+            <p:cNvPr id="76" name="Connettore 2 75"/>
+            <p:cNvCxnSpPr/>
+            <p:nvPr/>
+          </p:nvCxnSpPr>
+          <p:spPr>
+            <a:xfrm flipV="1">
+              <a:off x="8144484" y="4634422"/>
+              <a:ext cx="721852" cy="2"/>
+            </a:xfrm>
+            <a:prstGeom prst="straightConnector1">
+              <a:avLst/>
+            </a:prstGeom>
+            <a:ln w="19050">
+              <a:solidFill>
+                <a:schemeClr val="tx1"/>
+              </a:solidFill>
+              <a:headEnd type="none" w="med" len="med"/>
+              <a:tailEnd type="none" w="med" len="med"/>
+            </a:ln>
+          </p:spPr>
+          <p:style>
+            <a:lnRef idx="1">
+              <a:schemeClr val="accent1"/>
+            </a:lnRef>
+            <a:fillRef idx="0">
+              <a:schemeClr val="accent1"/>
+            </a:fillRef>
+            <a:effectRef idx="0">
+              <a:schemeClr val="accent1"/>
+            </a:effectRef>
+            <a:fontRef idx="minor">
+              <a:schemeClr val="tx1"/>
+            </a:fontRef>
+          </p:style>
+        </p:cxnSp>
+        <p:sp>
+          <p:nvSpPr>
+            <p:cNvPr id="77" name="Triangolo isoscele 76"/>
+            <p:cNvSpPr/>
+            <p:nvPr/>
+          </p:nvSpPr>
+          <p:spPr>
+            <a:xfrm rot="16200000" flipV="1">
+              <a:off x="8856502" y="4572964"/>
+              <a:ext cx="142583" cy="122916"/>
+            </a:xfrm>
+            <a:prstGeom prst="triangle">
+              <a:avLst/>
+            </a:prstGeom>
+            <a:solidFill>
+              <a:schemeClr val="bg1"/>
+            </a:solidFill>
+            <a:ln w="15875">
+              <a:solidFill>
+                <a:schemeClr val="tx1"/>
+              </a:solidFill>
+            </a:ln>
+          </p:spPr>
+          <p:style>
+            <a:lnRef idx="2">
+              <a:schemeClr val="accent1">
+                <a:shade val="50000"/>
+              </a:schemeClr>
+            </a:lnRef>
+            <a:fillRef idx="1">
+              <a:schemeClr val="accent1"/>
+            </a:fillRef>
+            <a:effectRef idx="0">
+              <a:schemeClr val="accent1"/>
+            </a:effectRef>
+            <a:fontRef idx="minor">
+              <a:schemeClr val="lt1"/>
+            </a:fontRef>
+          </p:style>
+          <p:txBody>
+            <a:bodyPr rtlCol="0" anchor="ctr"/>
+            <a:lstStyle/>
+            <a:p>
+              <a:pPr algn="ctr"/>
+              <a:endParaRPr lang="it-IT"/>
+            </a:p>
+          </p:txBody>
+        </p:sp>
+        <p:cxnSp>
+          <p:nvCxnSpPr>
+            <p:cNvPr id="78" name="Connettore 2 77"/>
+            <p:cNvCxnSpPr/>
+            <p:nvPr/>
+          </p:nvCxnSpPr>
+          <p:spPr>
+            <a:xfrm flipV="1">
+              <a:off x="8267400" y="4833910"/>
+              <a:ext cx="721852" cy="2"/>
+            </a:xfrm>
+            <a:prstGeom prst="straightConnector1">
+              <a:avLst/>
+            </a:prstGeom>
+            <a:ln w="19050">
+              <a:solidFill>
+                <a:schemeClr val="tx1"/>
+              </a:solidFill>
+              <a:prstDash val="sysDash"/>
+              <a:headEnd type="none" w="med" len="med"/>
+              <a:tailEnd type="none" w="med" len="med"/>
+            </a:ln>
+          </p:spPr>
+          <p:style>
+            <a:lnRef idx="1">
+              <a:schemeClr val="accent1"/>
+            </a:lnRef>
+            <a:fillRef idx="0">
+              <a:schemeClr val="accent1"/>
+            </a:fillRef>
+            <a:effectRef idx="0">
+              <a:schemeClr val="accent1"/>
+            </a:effectRef>
+            <a:fontRef idx="minor">
+              <a:schemeClr val="tx1"/>
+            </a:fontRef>
+          </p:style>
+        </p:cxnSp>
+        <p:sp>
+          <p:nvSpPr>
+            <p:cNvPr id="79" name="Triangolo isoscele 78"/>
+            <p:cNvSpPr/>
+            <p:nvPr/>
+          </p:nvSpPr>
+          <p:spPr>
+            <a:xfrm rot="5400000" flipH="1" flipV="1">
+              <a:off x="8167744" y="4772454"/>
+              <a:ext cx="142583" cy="122916"/>
+            </a:xfrm>
+            <a:prstGeom prst="triangle">
+              <a:avLst/>
+            </a:prstGeom>
+            <a:solidFill>
+              <a:schemeClr val="bg1"/>
+            </a:solidFill>
+            <a:ln w="15875">
+              <a:solidFill>
+                <a:schemeClr val="tx1"/>
+              </a:solidFill>
+            </a:ln>
+          </p:spPr>
+          <p:style>
+            <a:lnRef idx="2">
+              <a:schemeClr val="accent1">
+                <a:shade val="50000"/>
+              </a:schemeClr>
+            </a:lnRef>
+            <a:fillRef idx="1">
+              <a:schemeClr val="accent1"/>
+            </a:fillRef>
+            <a:effectRef idx="0">
+              <a:schemeClr val="accent1"/>
+            </a:effectRef>
+            <a:fontRef idx="minor">
+              <a:schemeClr val="lt1"/>
+            </a:fontRef>
+          </p:style>
+          <p:txBody>
+            <a:bodyPr rtlCol="0" anchor="ctr"/>
+            <a:lstStyle/>
+            <a:p>
+              <a:pPr algn="ctr"/>
+              <a:endParaRPr lang="it-IT"/>
+            </a:p>
+          </p:txBody>
+        </p:sp>
+      </p:grpSp>
+      <p:grpSp>
+        <p:nvGrpSpPr>
+          <p:cNvPr id="83" name="Gruppo 82"/>
+          <p:cNvGrpSpPr/>
+          <p:nvPr/>
+        </p:nvGrpSpPr>
+        <p:grpSpPr>
+          <a:xfrm>
+            <a:off x="2145379" y="4672275"/>
+            <a:ext cx="1926426" cy="1214172"/>
+            <a:chOff x="402476" y="5184618"/>
+            <a:chExt cx="1926426" cy="1214172"/>
+          </a:xfrm>
+        </p:grpSpPr>
+        <p:sp>
+          <p:nvSpPr>
+            <p:cNvPr id="84" name="Ovale 83"/>
+            <p:cNvSpPr/>
+            <p:nvPr/>
+          </p:nvSpPr>
+          <p:spPr>
+            <a:xfrm>
+              <a:off x="667957" y="5332857"/>
+              <a:ext cx="1660945" cy="1065933"/>
+            </a:xfrm>
+            <a:prstGeom prst="ellipse">
+              <a:avLst/>
+            </a:prstGeom>
+            <a:solidFill>
+              <a:schemeClr val="accent2">
+                <a:lumMod val="20000"/>
+                <a:lumOff val="80000"/>
+              </a:schemeClr>
+            </a:solidFill>
+            <a:ln w="12700">
+              <a:solidFill>
+                <a:schemeClr val="tx1"/>
+              </a:solidFill>
+            </a:ln>
+          </p:spPr>
+          <p:style>
+            <a:lnRef idx="2">
+              <a:schemeClr val="accent1">
+                <a:shade val="50000"/>
+              </a:schemeClr>
+            </a:lnRef>
+            <a:fillRef idx="1">
+              <a:schemeClr val="accent1"/>
+            </a:fillRef>
+            <a:effectRef idx="0">
+              <a:schemeClr val="accent1"/>
+            </a:effectRef>
+            <a:fontRef idx="minor">
+              <a:schemeClr val="lt1"/>
+            </a:fontRef>
+          </p:style>
+          <p:txBody>
+            <a:bodyPr rtlCol="0" anchor="ctr"/>
+            <a:lstStyle/>
+            <a:p>
+              <a:pPr algn="ctr"/>
+              <a:r>
+                <a:rPr lang="it-IT" sz="1200" dirty="0" smtClean="0">
+                  <a:solidFill>
+                    <a:schemeClr val="tx1"/>
+                  </a:solidFill>
+                  <a:latin typeface="Century Schoolbook" panose="02040604050505020304" pitchFamily="18" charset="0"/>
+                </a:rPr>
+                <a:t>Thermometer</a:t>
+              </a:r>
+              <a:endParaRPr lang="it-IT" sz="1200" dirty="0">
+                <a:solidFill>
+                  <a:schemeClr val="tx1"/>
+                </a:solidFill>
+                <a:latin typeface="Century Schoolbook" panose="02040604050505020304" pitchFamily="18" charset="0"/>
+              </a:endParaRPr>
+            </a:p>
+            <a:p>
+              <a:pPr algn="ctr"/>
+              <a:r>
+                <a:rPr lang="it-IT" sz="1200" dirty="0" smtClean="0">
+                  <a:solidFill>
+                    <a:schemeClr val="tx1"/>
+                  </a:solidFill>
+                  <a:latin typeface="Century Schoolbook" panose="02040604050505020304" pitchFamily="18" charset="0"/>
+                </a:rPr>
+                <a:t>Actor</a:t>
+              </a:r>
+              <a:endParaRPr lang="it-IT" sz="1200" dirty="0">
+                <a:solidFill>
+                  <a:schemeClr val="tx1"/>
+                </a:solidFill>
+                <a:latin typeface="Century Schoolbook" panose="02040604050505020304" pitchFamily="18" charset="0"/>
+              </a:endParaRPr>
+            </a:p>
+          </p:txBody>
+        </p:sp>
+        <p:sp>
+          <p:nvSpPr>
+            <p:cNvPr id="85" name="Triangolo isoscele 84"/>
+            <p:cNvSpPr/>
+            <p:nvPr/>
+          </p:nvSpPr>
+          <p:spPr>
+            <a:xfrm rot="16200000">
+              <a:off x="1350190" y="5205064"/>
+              <a:ext cx="296478" cy="255585"/>
+            </a:xfrm>
+            <a:prstGeom prst="triangle">
+              <a:avLst/>
+            </a:prstGeom>
+            <a:solidFill>
+              <a:srgbClr val="FF0000"/>
+            </a:solidFill>
+            <a:ln w="12700">
+              <a:solidFill>
+                <a:schemeClr val="tx1"/>
+              </a:solidFill>
+            </a:ln>
+          </p:spPr>
+          <p:style>
+            <a:lnRef idx="2">
+              <a:schemeClr val="accent1">
+                <a:shade val="50000"/>
+              </a:schemeClr>
+            </a:lnRef>
+            <a:fillRef idx="1">
+              <a:schemeClr val="accent1"/>
+            </a:fillRef>
+            <a:effectRef idx="0">
+              <a:schemeClr val="accent1"/>
+            </a:effectRef>
+            <a:fontRef idx="minor">
+              <a:schemeClr val="lt1"/>
+            </a:fontRef>
+          </p:style>
+          <p:txBody>
+            <a:bodyPr rtlCol="0" anchor="ctr"/>
+            <a:lstStyle/>
+            <a:p>
+              <a:pPr algn="ctr"/>
+              <a:endParaRPr lang="it-IT"/>
+            </a:p>
+          </p:txBody>
+        </p:sp>
+        <p:sp>
+          <p:nvSpPr>
+            <p:cNvPr id="86" name="Rettangolo 85"/>
+            <p:cNvSpPr/>
+            <p:nvPr/>
+          </p:nvSpPr>
+          <p:spPr>
+            <a:xfrm>
+              <a:off x="402476" y="5739696"/>
+              <a:ext cx="530961" cy="252254"/>
+            </a:xfrm>
+            <a:prstGeom prst="rect">
+              <a:avLst/>
+            </a:prstGeom>
+            <a:solidFill>
+              <a:schemeClr val="accent2">
+                <a:lumMod val="20000"/>
+                <a:lumOff val="80000"/>
+              </a:schemeClr>
+            </a:solidFill>
+            <a:ln w="12700">
+              <a:solidFill>
+                <a:schemeClr val="tx1"/>
+              </a:solidFill>
+            </a:ln>
+          </p:spPr>
+          <p:style>
+            <a:lnRef idx="2">
+              <a:schemeClr val="accent1">
+                <a:shade val="50000"/>
+              </a:schemeClr>
+            </a:lnRef>
+            <a:fillRef idx="1">
+              <a:schemeClr val="accent1"/>
+            </a:fillRef>
+            <a:effectRef idx="0">
+              <a:schemeClr val="accent1"/>
+            </a:effectRef>
+            <a:fontRef idx="minor">
+              <a:schemeClr val="lt1"/>
+            </a:fontRef>
+          </p:style>
+          <p:txBody>
+            <a:bodyPr rtlCol="0" anchor="ctr"/>
+            <a:lstStyle/>
+            <a:p>
+              <a:pPr algn="ctr"/>
+              <a:endParaRPr lang="it-IT"/>
+            </a:p>
+          </p:txBody>
+        </p:sp>
+      </p:grpSp>
+      <p:cxnSp>
+        <p:nvCxnSpPr>
+          <p:cNvPr id="87" name="Connettore 2 86"/>
+          <p:cNvCxnSpPr/>
+          <p:nvPr/>
+        </p:nvCxnSpPr>
+        <p:spPr>
+          <a:xfrm flipV="1">
+            <a:off x="7204076" y="3491065"/>
+            <a:ext cx="7389" cy="1327761"/>
+          </a:xfrm>
+          <a:prstGeom prst="straightConnector1">
+            <a:avLst/>
+          </a:prstGeom>
+          <a:ln w="19050">
+            <a:solidFill>
+              <a:schemeClr val="tx1"/>
+            </a:solidFill>
+            <a:prstDash val="sysDash"/>
+            <a:headEnd type="none" w="med" len="med"/>
+            <a:tailEnd type="arrow" w="med" len="med"/>
+          </a:ln>
+        </p:spPr>
+        <p:style>
+          <a:lnRef idx="1">
+            <a:schemeClr val="accent1"/>
+          </a:lnRef>
+          <a:fillRef idx="0">
+            <a:schemeClr val="accent1"/>
+          </a:fillRef>
+          <a:effectRef idx="0">
+            <a:schemeClr val="accent1"/>
+          </a:effectRef>
+          <a:fontRef idx="minor">
+            <a:schemeClr val="tx1"/>
+          </a:fontRef>
+        </p:style>
+      </p:cxnSp>
+      <p:sp>
+        <p:nvSpPr>
+          <p:cNvPr id="95" name="CasellaDiTesto 94"/>
+          <p:cNvSpPr txBox="1"/>
+          <p:nvPr/>
+        </p:nvSpPr>
+        <p:spPr>
+          <a:xfrm>
+            <a:off x="7450157" y="5415676"/>
+            <a:ext cx="827471" cy="461665"/>
+          </a:xfrm>
+          <a:prstGeom prst="rect">
+            <a:avLst/>
+          </a:prstGeom>
+          <a:noFill/>
+        </p:spPr>
+        <p:txBody>
+          <a:bodyPr wrap="none" rtlCol="0">
+            <a:spAutoFit/>
+          </a:bodyPr>
+          <a:lstStyle/>
+          <a:p>
+            <a:r>
+              <a:rPr lang="it-IT" sz="1200" dirty="0" smtClean="0">
+                <a:solidFill>
+                  <a:schemeClr val="accent1">
+                    <a:lumMod val="75000"/>
+                  </a:schemeClr>
+                </a:solidFill>
+                <a:latin typeface="Bookman Old Style" panose="02050604050505020204" pitchFamily="18" charset="0"/>
+              </a:rPr>
+              <a:t>start fan</a:t>
+            </a:r>
+          </a:p>
+          <a:p>
+            <a:r>
+              <a:rPr lang="it-IT" sz="1200" dirty="0" smtClean="0">
+                <a:solidFill>
+                  <a:schemeClr val="accent1">
+                    <a:lumMod val="75000"/>
+                  </a:schemeClr>
+                </a:solidFill>
+                <a:latin typeface="Bookman Old Style" panose="02050604050505020204" pitchFamily="18" charset="0"/>
+              </a:rPr>
+              <a:t>stop fan</a:t>
+            </a:r>
+            <a:endParaRPr lang="it-IT" sz="1200" dirty="0">
+              <a:solidFill>
+                <a:schemeClr val="accent1">
+                  <a:lumMod val="75000"/>
+                </a:schemeClr>
+              </a:solidFill>
+              <a:latin typeface="Bookman Old Style" panose="02050604050505020204" pitchFamily="18" charset="0"/>
+            </a:endParaRPr>
+          </a:p>
+        </p:txBody>
+      </p:sp>
+      <p:sp>
+        <p:nvSpPr>
+          <p:cNvPr id="96" name="CasellaDiTesto 95"/>
+          <p:cNvSpPr txBox="1"/>
+          <p:nvPr/>
+        </p:nvSpPr>
+        <p:spPr>
+          <a:xfrm>
+            <a:off x="7281805" y="2591877"/>
+            <a:ext cx="1313180" cy="276999"/>
+          </a:xfrm>
+          <a:prstGeom prst="rect">
+            <a:avLst/>
+          </a:prstGeom>
+          <a:noFill/>
+        </p:spPr>
+        <p:txBody>
+          <a:bodyPr wrap="none" rtlCol="0">
+            <a:spAutoFit/>
+          </a:bodyPr>
+          <a:lstStyle/>
+          <a:p>
+            <a:r>
+              <a:rPr lang="it-IT" sz="1200" dirty="0" smtClean="0">
+                <a:solidFill>
+                  <a:schemeClr val="accent1">
+                    <a:lumMod val="75000"/>
+                  </a:schemeClr>
+                </a:solidFill>
+                <a:latin typeface="Bookman Old Style" panose="02050604050505020204" pitchFamily="18" charset="0"/>
+              </a:rPr>
+              <a:t>move to: &lt;X,Y&gt;</a:t>
+            </a:r>
+            <a:endParaRPr lang="it-IT" sz="1200" dirty="0">
+              <a:solidFill>
+                <a:schemeClr val="accent1">
+                  <a:lumMod val="75000"/>
+                </a:schemeClr>
+              </a:solidFill>
+              <a:latin typeface="Bookman Old Style" panose="02050604050505020204" pitchFamily="18" charset="0"/>
+            </a:endParaRPr>
+          </a:p>
+        </p:txBody>
+      </p:sp>
+      <p:sp>
+        <p:nvSpPr>
+          <p:cNvPr id="97" name="CasellaDiTesto 96"/>
+          <p:cNvSpPr txBox="1"/>
+          <p:nvPr/>
+        </p:nvSpPr>
+        <p:spPr>
+          <a:xfrm>
+            <a:off x="3809772" y="1819103"/>
+            <a:ext cx="1763624" cy="461665"/>
+          </a:xfrm>
+          <a:prstGeom prst="rect">
+            <a:avLst/>
+          </a:prstGeom>
+          <a:noFill/>
+        </p:spPr>
+        <p:txBody>
+          <a:bodyPr wrap="none" rtlCol="0">
+            <a:spAutoFit/>
+          </a:bodyPr>
+          <a:lstStyle/>
+          <a:p>
+            <a:r>
+              <a:rPr lang="it-IT" sz="1200" dirty="0" smtClean="0">
+                <a:solidFill>
+                  <a:schemeClr val="accent1">
+                    <a:lumMod val="75000"/>
+                  </a:schemeClr>
+                </a:solidFill>
+                <a:latin typeface="Bookman Old Style" panose="02050604050505020204" pitchFamily="18" charset="0"/>
+              </a:rPr>
+              <a:t>INDOOR-area free</a:t>
+            </a:r>
+          </a:p>
+          <a:p>
+            <a:r>
+              <a:rPr lang="it-IT" sz="1200" dirty="0" smtClean="0">
+                <a:solidFill>
+                  <a:schemeClr val="accent1">
+                    <a:lumMod val="75000"/>
+                  </a:schemeClr>
+                </a:solidFill>
+                <a:latin typeface="Bookman Old Style" panose="02050604050505020204" pitchFamily="18" charset="0"/>
+              </a:rPr>
+              <a:t>INDOOR-area occup</a:t>
+            </a:r>
+            <a:r>
+              <a:rPr lang="it-IT" sz="1200" dirty="0">
+                <a:solidFill>
+                  <a:schemeClr val="accent1">
+                    <a:lumMod val="75000"/>
+                  </a:schemeClr>
+                </a:solidFill>
+                <a:latin typeface="Bookman Old Style" panose="02050604050505020204" pitchFamily="18" charset="0"/>
+              </a:rPr>
+              <a:t>.</a:t>
+            </a:r>
+            <a:endParaRPr lang="it-IT" sz="1200" dirty="0">
+              <a:solidFill>
+                <a:schemeClr val="accent1">
+                  <a:lumMod val="75000"/>
+                </a:schemeClr>
+              </a:solidFill>
+              <a:latin typeface="Bookman Old Style" panose="02050604050505020204" pitchFamily="18" charset="0"/>
+            </a:endParaRPr>
+          </a:p>
+        </p:txBody>
+      </p:sp>
+      <p:sp>
+        <p:nvSpPr>
+          <p:cNvPr id="98" name="CasellaDiTesto 97"/>
+          <p:cNvSpPr txBox="1"/>
+          <p:nvPr/>
+        </p:nvSpPr>
+        <p:spPr>
+          <a:xfrm>
+            <a:off x="4046801" y="3867701"/>
+            <a:ext cx="1936749" cy="461665"/>
+          </a:xfrm>
+          <a:prstGeom prst="rect">
+            <a:avLst/>
+          </a:prstGeom>
+          <a:noFill/>
+        </p:spPr>
+        <p:txBody>
+          <a:bodyPr wrap="none" rtlCol="0">
+            <a:spAutoFit/>
+          </a:bodyPr>
+          <a:lstStyle/>
+          <a:p>
+            <a:r>
+              <a:rPr lang="it-IT" sz="1200" dirty="0" smtClean="0">
+                <a:solidFill>
+                  <a:schemeClr val="accent1">
+                    <a:lumMod val="75000"/>
+                  </a:schemeClr>
+                </a:solidFill>
+                <a:latin typeface="Bookman Old Style" panose="02050604050505020204" pitchFamily="18" charset="0"/>
+              </a:rPr>
+              <a:t>OUTDOOR-area free</a:t>
+            </a:r>
+          </a:p>
+          <a:p>
+            <a:r>
+              <a:rPr lang="it-IT" sz="1200" dirty="0" smtClean="0">
+                <a:solidFill>
+                  <a:schemeClr val="accent1">
+                    <a:lumMod val="75000"/>
+                  </a:schemeClr>
+                </a:solidFill>
+                <a:latin typeface="Bookman Old Style" panose="02050604050505020204" pitchFamily="18" charset="0"/>
+              </a:rPr>
+              <a:t>OUTDOOR-area occup.</a:t>
+            </a:r>
+            <a:endParaRPr lang="it-IT" sz="1200" dirty="0">
+              <a:solidFill>
+                <a:schemeClr val="accent1">
+                  <a:lumMod val="75000"/>
+                </a:schemeClr>
+              </a:solidFill>
+              <a:latin typeface="Bookman Old Style" panose="02050604050505020204" pitchFamily="18" charset="0"/>
+            </a:endParaRPr>
+          </a:p>
+        </p:txBody>
+      </p:sp>
+      <p:sp>
+        <p:nvSpPr>
+          <p:cNvPr id="99" name="CasellaDiTesto 98"/>
+          <p:cNvSpPr txBox="1"/>
+          <p:nvPr/>
+        </p:nvSpPr>
+        <p:spPr>
+          <a:xfrm>
+            <a:off x="4042513" y="5600342"/>
+            <a:ext cx="1795684" cy="276999"/>
+          </a:xfrm>
+          <a:prstGeom prst="rect">
+            <a:avLst/>
+          </a:prstGeom>
+          <a:noFill/>
+        </p:spPr>
+        <p:txBody>
+          <a:bodyPr wrap="none" rtlCol="0">
+            <a:spAutoFit/>
+          </a:bodyPr>
+          <a:lstStyle/>
+          <a:p>
+            <a:r>
+              <a:rPr lang="it-IT" sz="1200" dirty="0" smtClean="0">
+                <a:solidFill>
+                  <a:schemeClr val="accent1">
+                    <a:lumMod val="75000"/>
+                  </a:schemeClr>
+                </a:solidFill>
+                <a:latin typeface="Bookman Old Style" panose="02050604050505020204" pitchFamily="18" charset="0"/>
+              </a:rPr>
+              <a:t>temperature: &lt;value&gt;</a:t>
+            </a:r>
+            <a:endParaRPr lang="it-IT" sz="1200" dirty="0">
+              <a:solidFill>
+                <a:schemeClr val="accent1">
+                  <a:lumMod val="75000"/>
+                </a:schemeClr>
+              </a:solidFill>
+              <a:latin typeface="Bookman Old Style" panose="02050604050505020204" pitchFamily="18" charset="0"/>
+            </a:endParaRPr>
+          </a:p>
+        </p:txBody>
+      </p:sp>
+      <p:sp>
+        <p:nvSpPr>
+          <p:cNvPr id="105" name="CasellaDiTesto 104"/>
+          <p:cNvSpPr txBox="1"/>
+          <p:nvPr/>
+        </p:nvSpPr>
+        <p:spPr>
+          <a:xfrm>
+            <a:off x="7174116" y="3907592"/>
+            <a:ext cx="1055097" cy="461665"/>
+          </a:xfrm>
+          <a:prstGeom prst="rect">
+            <a:avLst/>
+          </a:prstGeom>
+          <a:noFill/>
+        </p:spPr>
+        <p:txBody>
+          <a:bodyPr wrap="none" rtlCol="0">
+            <a:spAutoFit/>
+          </a:bodyPr>
+          <a:lstStyle/>
+          <a:p>
+            <a:r>
+              <a:rPr lang="it-IT" sz="1200" dirty="0" smtClean="0">
+                <a:solidFill>
+                  <a:schemeClr val="accent1">
+                    <a:lumMod val="75000"/>
+                  </a:schemeClr>
+                </a:solidFill>
+                <a:latin typeface="Bookman Old Style" panose="02050604050505020204" pitchFamily="18" charset="0"/>
+              </a:rPr>
+              <a:t>start trolley</a:t>
+            </a:r>
+          </a:p>
+          <a:p>
+            <a:r>
+              <a:rPr lang="it-IT" sz="1200" dirty="0" smtClean="0">
+                <a:solidFill>
+                  <a:schemeClr val="accent1">
+                    <a:lumMod val="75000"/>
+                  </a:schemeClr>
+                </a:solidFill>
+                <a:latin typeface="Bookman Old Style" panose="02050604050505020204" pitchFamily="18" charset="0"/>
+              </a:rPr>
+              <a:t>stop trolley</a:t>
+            </a:r>
+            <a:endParaRPr lang="it-IT" sz="1200" dirty="0">
+              <a:solidFill>
+                <a:schemeClr val="accent1">
+                  <a:lumMod val="75000"/>
+                </a:schemeClr>
+              </a:solidFill>
+              <a:latin typeface="Bookman Old Style" panose="02050604050505020204" pitchFamily="18" charset="0"/>
+            </a:endParaRPr>
+          </a:p>
+        </p:txBody>
+      </p:sp>
+      <p:cxnSp>
+        <p:nvCxnSpPr>
+          <p:cNvPr id="109" name="Connettore 2 108"/>
+          <p:cNvCxnSpPr/>
+          <p:nvPr/>
+        </p:nvCxnSpPr>
+        <p:spPr>
+          <a:xfrm>
+            <a:off x="6124982" y="3644021"/>
+            <a:ext cx="5087" cy="1057737"/>
+          </a:xfrm>
+          <a:prstGeom prst="straightConnector1">
+            <a:avLst/>
+          </a:prstGeom>
+          <a:ln w="19050">
+            <a:solidFill>
+              <a:schemeClr val="tx1"/>
+            </a:solidFill>
+            <a:prstDash val="sysDash"/>
+            <a:headEnd type="none" w="med" len="med"/>
+            <a:tailEnd type="arrow" w="med" len="med"/>
+          </a:ln>
+        </p:spPr>
+        <p:style>
+          <a:lnRef idx="1">
+            <a:schemeClr val="accent1"/>
+          </a:lnRef>
+          <a:fillRef idx="0">
+            <a:schemeClr val="accent1"/>
+          </a:fillRef>
+          <a:effectRef idx="0">
+            <a:schemeClr val="accent1"/>
+          </a:effectRef>
+          <a:fontRef idx="minor">
+            <a:schemeClr val="tx1"/>
+          </a:fontRef>
+        </p:style>
+      </p:cxnSp>
+      <p:sp>
+        <p:nvSpPr>
+          <p:cNvPr id="115" name="CasellaDiTesto 114"/>
+          <p:cNvSpPr txBox="1"/>
+          <p:nvPr/>
+        </p:nvSpPr>
+        <p:spPr>
+          <a:xfrm>
+            <a:off x="6107993" y="3897460"/>
+            <a:ext cx="840295" cy="461665"/>
+          </a:xfrm>
+          <a:prstGeom prst="rect">
+            <a:avLst/>
+          </a:prstGeom>
+          <a:noFill/>
+        </p:spPr>
+        <p:txBody>
+          <a:bodyPr wrap="none" rtlCol="0">
+            <a:spAutoFit/>
+          </a:bodyPr>
+          <a:lstStyle/>
+          <a:p>
+            <a:r>
+              <a:rPr lang="it-IT" sz="1200" dirty="0" smtClean="0">
+                <a:solidFill>
+                  <a:schemeClr val="accent1">
+                    <a:lumMod val="75000"/>
+                  </a:schemeClr>
+                </a:solidFill>
+                <a:latin typeface="Bookman Old Style" panose="02050604050505020204" pitchFamily="18" charset="0"/>
+              </a:rPr>
+              <a:t>parking:</a:t>
+            </a:r>
+          </a:p>
+          <a:p>
+            <a:r>
+              <a:rPr lang="it-IT" sz="1200" dirty="0" smtClean="0">
+                <a:solidFill>
+                  <a:schemeClr val="accent1">
+                    <a:lumMod val="75000"/>
+                  </a:schemeClr>
+                </a:solidFill>
+                <a:latin typeface="Bookman Old Style" panose="02050604050505020204" pitchFamily="18" charset="0"/>
+              </a:rPr>
+              <a:t>&lt;status&gt;</a:t>
+            </a:r>
+            <a:endParaRPr lang="it-IT" sz="1200" dirty="0">
+              <a:solidFill>
+                <a:schemeClr val="accent1">
+                  <a:lumMod val="75000"/>
+                </a:schemeClr>
+              </a:solidFill>
+              <a:latin typeface="Bookman Old Style" panose="02050604050505020204" pitchFamily="18" charset="0"/>
+            </a:endParaRPr>
+          </a:p>
+        </p:txBody>
+      </p:sp>
+      <p:grpSp>
+        <p:nvGrpSpPr>
+          <p:cNvPr id="118" name="Gruppo 117"/>
+          <p:cNvGrpSpPr/>
+          <p:nvPr/>
+        </p:nvGrpSpPr>
+        <p:grpSpPr>
+          <a:xfrm rot="5400000">
+            <a:off x="6700574" y="1939950"/>
+            <a:ext cx="844768" cy="342073"/>
+            <a:chOff x="8144484" y="4563130"/>
+            <a:chExt cx="844768" cy="342073"/>
+          </a:xfrm>
+        </p:grpSpPr>
+        <p:cxnSp>
+          <p:nvCxnSpPr>
+            <p:cNvPr id="119" name="Connettore 2 118"/>
+            <p:cNvCxnSpPr/>
+            <p:nvPr/>
+          </p:nvCxnSpPr>
+          <p:spPr>
+            <a:xfrm flipV="1">
+              <a:off x="8144484" y="4634422"/>
+              <a:ext cx="721852" cy="2"/>
+            </a:xfrm>
+            <a:prstGeom prst="straightConnector1">
+              <a:avLst/>
+            </a:prstGeom>
+            <a:ln w="19050">
+              <a:solidFill>
+                <a:schemeClr val="tx1"/>
+              </a:solidFill>
+              <a:headEnd type="none" w="med" len="med"/>
+              <a:tailEnd type="none" w="med" len="med"/>
+            </a:ln>
+          </p:spPr>
+          <p:style>
+            <a:lnRef idx="1">
+              <a:schemeClr val="accent1"/>
+            </a:lnRef>
+            <a:fillRef idx="0">
+              <a:schemeClr val="accent1"/>
+            </a:fillRef>
+            <a:effectRef idx="0">
+              <a:schemeClr val="accent1"/>
+            </a:effectRef>
+            <a:fontRef idx="minor">
+              <a:schemeClr val="tx1"/>
+            </a:fontRef>
+          </p:style>
+        </p:cxnSp>
+        <p:sp>
+          <p:nvSpPr>
+            <p:cNvPr id="120" name="Triangolo isoscele 119"/>
+            <p:cNvSpPr/>
+            <p:nvPr/>
+          </p:nvSpPr>
+          <p:spPr>
+            <a:xfrm rot="16200000" flipV="1">
+              <a:off x="8856502" y="4572964"/>
+              <a:ext cx="142583" cy="122916"/>
+            </a:xfrm>
+            <a:prstGeom prst="triangle">
+              <a:avLst/>
+            </a:prstGeom>
+            <a:solidFill>
+              <a:schemeClr val="bg1"/>
+            </a:solidFill>
+            <a:ln w="15875">
+              <a:solidFill>
+                <a:schemeClr val="tx1"/>
+              </a:solidFill>
+            </a:ln>
+          </p:spPr>
+          <p:style>
+            <a:lnRef idx="2">
+              <a:schemeClr val="accent1">
+                <a:shade val="50000"/>
+              </a:schemeClr>
+            </a:lnRef>
+            <a:fillRef idx="1">
+              <a:schemeClr val="accent1"/>
+            </a:fillRef>
+            <a:effectRef idx="0">
+              <a:schemeClr val="accent1"/>
+            </a:effectRef>
+            <a:fontRef idx="minor">
+              <a:schemeClr val="lt1"/>
+            </a:fontRef>
+          </p:style>
+          <p:txBody>
+            <a:bodyPr rtlCol="0" anchor="ctr"/>
+            <a:lstStyle/>
+            <a:p>
+              <a:pPr algn="ctr"/>
+              <a:endParaRPr lang="it-IT"/>
+            </a:p>
+          </p:txBody>
+        </p:sp>
+        <p:cxnSp>
+          <p:nvCxnSpPr>
+            <p:cNvPr id="121" name="Connettore 2 120"/>
+            <p:cNvCxnSpPr/>
+            <p:nvPr/>
+          </p:nvCxnSpPr>
+          <p:spPr>
+            <a:xfrm flipV="1">
+              <a:off x="8267400" y="4833910"/>
+              <a:ext cx="721852" cy="2"/>
+            </a:xfrm>
+            <a:prstGeom prst="straightConnector1">
+              <a:avLst/>
+            </a:prstGeom>
+            <a:ln w="19050">
+              <a:solidFill>
+                <a:schemeClr val="tx1"/>
+              </a:solidFill>
+              <a:prstDash val="sysDash"/>
+              <a:headEnd type="none" w="med" len="med"/>
+              <a:tailEnd type="none" w="med" len="med"/>
+            </a:ln>
+          </p:spPr>
+          <p:style>
+            <a:lnRef idx="1">
+              <a:schemeClr val="accent1"/>
+            </a:lnRef>
+            <a:fillRef idx="0">
+              <a:schemeClr val="accent1"/>
+            </a:fillRef>
+            <a:effectRef idx="0">
+              <a:schemeClr val="accent1"/>
+            </a:effectRef>
+            <a:fontRef idx="minor">
+              <a:schemeClr val="tx1"/>
+            </a:fontRef>
+          </p:style>
+        </p:cxnSp>
+        <p:sp>
+          <p:nvSpPr>
+            <p:cNvPr id="122" name="Triangolo isoscele 121"/>
+            <p:cNvSpPr/>
+            <p:nvPr/>
+          </p:nvSpPr>
+          <p:spPr>
+            <a:xfrm rot="5400000" flipH="1" flipV="1">
+              <a:off x="8167744" y="4772454"/>
+              <a:ext cx="142583" cy="122916"/>
+            </a:xfrm>
+            <a:prstGeom prst="triangle">
+              <a:avLst/>
+            </a:prstGeom>
+            <a:solidFill>
+              <a:schemeClr val="bg1"/>
+            </a:solidFill>
+            <a:ln w="15875">
+              <a:solidFill>
+                <a:schemeClr val="tx1"/>
+              </a:solidFill>
+            </a:ln>
+          </p:spPr>
+          <p:style>
+            <a:lnRef idx="2">
+              <a:schemeClr val="accent1">
+                <a:shade val="50000"/>
+              </a:schemeClr>
+            </a:lnRef>
+            <a:fillRef idx="1">
+              <a:schemeClr val="accent1"/>
+            </a:fillRef>
+            <a:effectRef idx="0">
+              <a:schemeClr val="accent1"/>
+            </a:effectRef>
+            <a:fontRef idx="minor">
+              <a:schemeClr val="lt1"/>
+            </a:fontRef>
+          </p:style>
+          <p:txBody>
+            <a:bodyPr rtlCol="0" anchor="ctr"/>
+            <a:lstStyle/>
+            <a:p>
+              <a:pPr algn="ctr"/>
+              <a:endParaRPr lang="it-IT"/>
+            </a:p>
+          </p:txBody>
+        </p:sp>
+      </p:grpSp>
+      <p:sp>
+        <p:nvSpPr>
+          <p:cNvPr id="123" name="CasellaDiTesto 122"/>
+          <p:cNvSpPr txBox="1"/>
+          <p:nvPr/>
+        </p:nvSpPr>
+        <p:spPr>
+          <a:xfrm>
+            <a:off x="7190609" y="1880153"/>
+            <a:ext cx="1159292" cy="461665"/>
+          </a:xfrm>
+          <a:prstGeom prst="rect">
+            <a:avLst/>
+          </a:prstGeom>
+          <a:noFill/>
+        </p:spPr>
+        <p:txBody>
+          <a:bodyPr wrap="none" rtlCol="0">
+            <a:spAutoFit/>
+          </a:bodyPr>
+          <a:lstStyle/>
+          <a:p>
+            <a:r>
+              <a:rPr lang="it-IT" sz="1200" dirty="0" smtClean="0">
+                <a:solidFill>
+                  <a:schemeClr val="accent1">
+                    <a:lumMod val="75000"/>
+                  </a:schemeClr>
+                </a:solidFill>
+                <a:latin typeface="Bookman Old Style" panose="02050604050505020204" pitchFamily="18" charset="0"/>
+              </a:rPr>
+              <a:t>&lt;SLOTNUM&gt;</a:t>
+            </a:r>
+          </a:p>
+          <a:p>
+            <a:r>
+              <a:rPr lang="it-IT" sz="1200" dirty="0" smtClean="0">
+                <a:solidFill>
+                  <a:schemeClr val="accent1">
+                    <a:lumMod val="75000"/>
+                  </a:schemeClr>
+                </a:solidFill>
+                <a:latin typeface="Bookman Old Style" panose="02050604050505020204" pitchFamily="18" charset="0"/>
+              </a:rPr>
+              <a:t>&lt;TOKENID&gt;</a:t>
+            </a:r>
+            <a:endParaRPr lang="it-IT" sz="1200" dirty="0">
+              <a:solidFill>
+                <a:schemeClr val="accent1">
+                  <a:lumMod val="75000"/>
+                </a:schemeClr>
+              </a:solidFill>
+              <a:latin typeface="Bookman Old Style" panose="02050604050505020204" pitchFamily="18" charset="0"/>
+            </a:endParaRPr>
+          </a:p>
+        </p:txBody>
+      </p:sp>
+      <p:cxnSp>
+        <p:nvCxnSpPr>
+          <p:cNvPr id="124" name="Connettore 2 123"/>
+          <p:cNvCxnSpPr/>
+          <p:nvPr/>
+        </p:nvCxnSpPr>
+        <p:spPr>
+          <a:xfrm flipH="1">
+            <a:off x="5902286" y="1679458"/>
+            <a:ext cx="3490" cy="926208"/>
+          </a:xfrm>
+          <a:prstGeom prst="straightConnector1">
+            <a:avLst/>
+          </a:prstGeom>
+          <a:ln w="19050">
+            <a:solidFill>
+              <a:schemeClr val="tx1"/>
+            </a:solidFill>
+            <a:prstDash val="sysDash"/>
+            <a:headEnd type="none" w="med" len="med"/>
+            <a:tailEnd type="arrow" w="med" len="med"/>
+          </a:ln>
+        </p:spPr>
+        <p:style>
+          <a:lnRef idx="1">
+            <a:schemeClr val="accent1"/>
+          </a:lnRef>
+          <a:fillRef idx="0">
+            <a:schemeClr val="accent1"/>
+          </a:fillRef>
+          <a:effectRef idx="0">
+            <a:schemeClr val="accent1"/>
+          </a:effectRef>
+          <a:fontRef idx="minor">
+            <a:schemeClr val="tx1"/>
+          </a:fontRef>
+        </p:style>
+      </p:cxnSp>
+      <p:sp>
+        <p:nvSpPr>
+          <p:cNvPr id="125" name="CasellaDiTesto 124"/>
+          <p:cNvSpPr txBox="1"/>
+          <p:nvPr/>
+        </p:nvSpPr>
+        <p:spPr>
+          <a:xfrm>
+            <a:off x="5896015" y="1982265"/>
+            <a:ext cx="1101584" cy="276999"/>
+          </a:xfrm>
+          <a:prstGeom prst="rect">
+            <a:avLst/>
+          </a:prstGeom>
+          <a:noFill/>
+        </p:spPr>
+        <p:txBody>
+          <a:bodyPr wrap="none" rtlCol="0">
+            <a:spAutoFit/>
+          </a:bodyPr>
+          <a:lstStyle/>
+          <a:p>
+            <a:r>
+              <a:rPr lang="it-IT" sz="1200" dirty="0" smtClean="0">
+                <a:solidFill>
+                  <a:schemeClr val="accent1">
+                    <a:lumMod val="75000"/>
+                  </a:schemeClr>
+                </a:solidFill>
+                <a:latin typeface="Bookman Old Style" panose="02050604050505020204" pitchFamily="18" charset="0"/>
+              </a:rPr>
+              <a:t>&lt;TOKENID&gt;</a:t>
+            </a:r>
+            <a:endParaRPr lang="it-IT" sz="1200" dirty="0">
+              <a:solidFill>
+                <a:schemeClr val="accent1">
+                  <a:lumMod val="75000"/>
+                </a:schemeClr>
+              </a:solidFill>
+              <a:latin typeface="Bookman Old Style" panose="02050604050505020204" pitchFamily="18" charset="0"/>
+            </a:endParaRPr>
+          </a:p>
+        </p:txBody>
+      </p:sp>
+    </p:spTree>
+    <p:extLst>
+      <p:ext uri="{BB962C8B-B14F-4D97-AF65-F5344CB8AC3E}">
+        <p14:creationId xmlns:p14="http://schemas.microsoft.com/office/powerpoint/2010/main" val="3186916657"/>
+      </p:ext>
+    </p:extLst>
+  </p:cSld>
+  <p:clrMapOvr>
+    <a:masterClrMapping/>
+  </p:clrMapOvr>
+</p:sld>
+</file>
+
+<file path=ppt/slides/slide9.xml><?xml version="1.0" encoding="utf-8"?>
+<p:sld xmlns:a="http://schemas.openxmlformats.org/drawingml/2006/main" xmlns:r="http://schemas.openxmlformats.org/officeDocument/2006/relationships" xmlns:p="http://schemas.openxmlformats.org/presentationml/2006/main">
+  <p:cSld>
+    <p:spTree>
+      <p:nvGrpSpPr>
+        <p:cNvPr id="1" name=""/>
+        <p:cNvGrpSpPr/>
+        <p:nvPr/>
+      </p:nvGrpSpPr>
+      <p:grpSpPr>
+        <a:xfrm>
+          <a:off x="0" y="0"/>
+          <a:ext cx="0" cy="0"/>
+          <a:chOff x="0" y="0"/>
+          <a:chExt cx="0" cy="0"/>
+        </a:xfrm>
+      </p:grpSpPr>
+      <p:grpSp>
+        <p:nvGrpSpPr>
+          <p:cNvPr id="8" name="Gruppo 7"/>
+          <p:cNvGrpSpPr/>
+          <p:nvPr/>
+        </p:nvGrpSpPr>
+        <p:grpSpPr>
+          <a:xfrm>
+            <a:off x="9134203" y="2883317"/>
+            <a:ext cx="1926426" cy="1214172"/>
+            <a:chOff x="402476" y="5184618"/>
+            <a:chExt cx="1926426" cy="1214172"/>
+          </a:xfrm>
+        </p:grpSpPr>
+        <p:sp>
+          <p:nvSpPr>
+            <p:cNvPr id="9" name="Ovale 8"/>
+            <p:cNvSpPr/>
+            <p:nvPr/>
+          </p:nvSpPr>
+          <p:spPr>
+            <a:xfrm>
+              <a:off x="667957" y="5332857"/>
+              <a:ext cx="1660945" cy="1065933"/>
+            </a:xfrm>
+            <a:prstGeom prst="ellipse">
+              <a:avLst/>
+            </a:prstGeom>
+            <a:solidFill>
+              <a:schemeClr val="accent2">
+                <a:lumMod val="20000"/>
+                <a:lumOff val="80000"/>
+              </a:schemeClr>
+            </a:solidFill>
+            <a:ln w="12700">
+              <a:solidFill>
+                <a:schemeClr val="tx1"/>
+              </a:solidFill>
+            </a:ln>
+          </p:spPr>
+          <p:style>
+            <a:lnRef idx="2">
+              <a:schemeClr val="accent1">
+                <a:shade val="50000"/>
+              </a:schemeClr>
+            </a:lnRef>
+            <a:fillRef idx="1">
+              <a:schemeClr val="accent1"/>
+            </a:fillRef>
+            <a:effectRef idx="0">
+              <a:schemeClr val="accent1"/>
+            </a:effectRef>
+            <a:fontRef idx="minor">
+              <a:schemeClr val="lt1"/>
+            </a:fontRef>
+          </p:style>
+          <p:txBody>
+            <a:bodyPr rtlCol="0" anchor="ctr"/>
+            <a:lstStyle/>
+            <a:p>
+              <a:pPr algn="ctr"/>
+              <a:r>
+                <a:rPr lang="it-IT" sz="1200" dirty="0" smtClean="0">
+                  <a:solidFill>
+                    <a:schemeClr val="tx1"/>
+                  </a:solidFill>
+                  <a:latin typeface="Century Schoolbook" panose="02040604050505020304" pitchFamily="18" charset="0"/>
+                </a:rPr>
+                <a:t>Temperature </a:t>
+              </a:r>
+              <a:r>
+                <a:rPr lang="it-IT" sz="1200" dirty="0" err="1" smtClean="0">
+                  <a:solidFill>
+                    <a:schemeClr val="tx1"/>
+                  </a:solidFill>
+                  <a:latin typeface="Century Schoolbook" panose="02040604050505020304" pitchFamily="18" charset="0"/>
+                </a:rPr>
+                <a:t>Sentinel</a:t>
+              </a:r>
+              <a:endParaRPr lang="it-IT" sz="1200" dirty="0" smtClean="0">
+                <a:solidFill>
+                  <a:schemeClr val="tx1"/>
+                </a:solidFill>
+                <a:latin typeface="Century Schoolbook" panose="02040604050505020304" pitchFamily="18" charset="0"/>
+              </a:endParaRPr>
+            </a:p>
+          </p:txBody>
+        </p:sp>
+        <p:sp>
+          <p:nvSpPr>
+            <p:cNvPr id="10" name="Triangolo isoscele 9"/>
+            <p:cNvSpPr/>
+            <p:nvPr/>
+          </p:nvSpPr>
+          <p:spPr>
+            <a:xfrm rot="16200000">
+              <a:off x="1350190" y="5205064"/>
+              <a:ext cx="296478" cy="255585"/>
+            </a:xfrm>
+            <a:prstGeom prst="triangle">
+              <a:avLst/>
+            </a:prstGeom>
+            <a:solidFill>
+              <a:srgbClr val="FF0000"/>
+            </a:solidFill>
+            <a:ln w="12700">
+              <a:solidFill>
+                <a:schemeClr val="tx1"/>
+              </a:solidFill>
+            </a:ln>
+          </p:spPr>
+          <p:style>
+            <a:lnRef idx="2">
+              <a:schemeClr val="accent1">
+                <a:shade val="50000"/>
+              </a:schemeClr>
+            </a:lnRef>
+            <a:fillRef idx="1">
+              <a:schemeClr val="accent1"/>
+            </a:fillRef>
+            <a:effectRef idx="0">
+              <a:schemeClr val="accent1"/>
+            </a:effectRef>
+            <a:fontRef idx="minor">
+              <a:schemeClr val="lt1"/>
+            </a:fontRef>
+          </p:style>
+          <p:txBody>
+            <a:bodyPr rtlCol="0" anchor="ctr"/>
+            <a:lstStyle/>
+            <a:p>
+              <a:pPr algn="ctr"/>
+              <a:endParaRPr lang="it-IT"/>
+            </a:p>
+          </p:txBody>
+        </p:sp>
+        <p:sp>
+          <p:nvSpPr>
+            <p:cNvPr id="11" name="Rettangolo 10"/>
+            <p:cNvSpPr/>
+            <p:nvPr/>
+          </p:nvSpPr>
+          <p:spPr>
+            <a:xfrm>
+              <a:off x="402476" y="5739696"/>
+              <a:ext cx="530961" cy="252254"/>
+            </a:xfrm>
+            <a:prstGeom prst="rect">
+              <a:avLst/>
+            </a:prstGeom>
+            <a:solidFill>
+              <a:schemeClr val="accent2">
+                <a:lumMod val="20000"/>
+                <a:lumOff val="80000"/>
+              </a:schemeClr>
+            </a:solidFill>
+            <a:ln w="12700">
+              <a:solidFill>
+                <a:schemeClr val="tx1"/>
+              </a:solidFill>
+            </a:ln>
+          </p:spPr>
+          <p:style>
+            <a:lnRef idx="2">
+              <a:schemeClr val="accent1">
+                <a:shade val="50000"/>
+              </a:schemeClr>
+            </a:lnRef>
+            <a:fillRef idx="1">
+              <a:schemeClr val="accent1"/>
+            </a:fillRef>
+            <a:effectRef idx="0">
+              <a:schemeClr val="accent1"/>
+            </a:effectRef>
+            <a:fontRef idx="minor">
+              <a:schemeClr val="lt1"/>
+            </a:fontRef>
+          </p:style>
+          <p:txBody>
+            <a:bodyPr rtlCol="0" anchor="ctr"/>
+            <a:lstStyle/>
+            <a:p>
+              <a:pPr algn="ctr"/>
+              <a:endParaRPr lang="it-IT"/>
+            </a:p>
+          </p:txBody>
+        </p:sp>
+      </p:grpSp>
+      <p:sp>
+        <p:nvSpPr>
+          <p:cNvPr id="12" name="Figura a mano libera 11"/>
+          <p:cNvSpPr/>
+          <p:nvPr/>
+        </p:nvSpPr>
+        <p:spPr>
+          <a:xfrm rot="12625422">
+            <a:off x="8703810" y="2446855"/>
+            <a:ext cx="990600" cy="638334"/>
+          </a:xfrm>
+          <a:custGeom>
+            <a:avLst/>
+            <a:gdLst>
+              <a:gd name="connsiteX0" fmla="*/ 0 w 990600"/>
+              <a:gd name="connsiteY0" fmla="*/ 439954 h 638334"/>
+              <a:gd name="connsiteX1" fmla="*/ 314325 w 990600"/>
+              <a:gd name="connsiteY1" fmla="*/ 439954 h 638334"/>
+              <a:gd name="connsiteX2" fmla="*/ 390525 w 990600"/>
+              <a:gd name="connsiteY2" fmla="*/ 1804 h 638334"/>
+              <a:gd name="connsiteX3" fmla="*/ 571500 w 990600"/>
+              <a:gd name="connsiteY3" fmla="*/ 630454 h 638334"/>
+              <a:gd name="connsiteX4" fmla="*/ 685800 w 990600"/>
+              <a:gd name="connsiteY4" fmla="*/ 354229 h 638334"/>
+              <a:gd name="connsiteX5" fmla="*/ 990600 w 990600"/>
+              <a:gd name="connsiteY5" fmla="*/ 344704 h 638334"/>
+            </a:gdLst>
+            <a:ahLst/>
+            <a:cxnLst>
+              <a:cxn ang="0">
+                <a:pos x="connsiteX0" y="connsiteY0"/>
+              </a:cxn>
+              <a:cxn ang="0">
+                <a:pos x="connsiteX1" y="connsiteY1"/>
+              </a:cxn>
+              <a:cxn ang="0">
+                <a:pos x="connsiteX2" y="connsiteY2"/>
+              </a:cxn>
+              <a:cxn ang="0">
+                <a:pos x="connsiteX3" y="connsiteY3"/>
+              </a:cxn>
+              <a:cxn ang="0">
+                <a:pos x="connsiteX4" y="connsiteY4"/>
+              </a:cxn>
+              <a:cxn ang="0">
+                <a:pos x="connsiteX5" y="connsiteY5"/>
+              </a:cxn>
+            </a:cxnLst>
+            <a:rect l="l" t="t" r="r" b="b"/>
+            <a:pathLst>
+              <a:path w="990600" h="638334">
+                <a:moveTo>
+                  <a:pt x="0" y="439954"/>
+                </a:moveTo>
+                <a:cubicBezTo>
+                  <a:pt x="124619" y="476466"/>
+                  <a:pt x="249238" y="512979"/>
+                  <a:pt x="314325" y="439954"/>
+                </a:cubicBezTo>
+                <a:cubicBezTo>
+                  <a:pt x="379412" y="366929"/>
+                  <a:pt x="347663" y="-29946"/>
+                  <a:pt x="390525" y="1804"/>
+                </a:cubicBezTo>
+                <a:cubicBezTo>
+                  <a:pt x="433387" y="33554"/>
+                  <a:pt x="522288" y="571717"/>
+                  <a:pt x="571500" y="630454"/>
+                </a:cubicBezTo>
+                <a:cubicBezTo>
+                  <a:pt x="620713" y="689192"/>
+                  <a:pt x="615950" y="401854"/>
+                  <a:pt x="685800" y="354229"/>
+                </a:cubicBezTo>
+                <a:cubicBezTo>
+                  <a:pt x="755650" y="306604"/>
+                  <a:pt x="873125" y="325654"/>
+                  <a:pt x="990600" y="344704"/>
+                </a:cubicBezTo>
+              </a:path>
+            </a:pathLst>
+          </a:custGeom>
+          <a:noFill/>
+          <a:ln w="15875">
+            <a:solidFill>
+              <a:schemeClr val="tx1"/>
+            </a:solidFill>
+            <a:tailEnd type="arrow"/>
+          </a:ln>
+        </p:spPr>
+        <p:style>
+          <a:lnRef idx="2">
+            <a:schemeClr val="accent1">
+              <a:shade val="50000"/>
+            </a:schemeClr>
+          </a:lnRef>
+          <a:fillRef idx="1">
+            <a:schemeClr val="accent1"/>
+          </a:fillRef>
+          <a:effectRef idx="0">
+            <a:schemeClr val="accent1"/>
+          </a:effectRef>
+          <a:fontRef idx="minor">
+            <a:schemeClr val="lt1"/>
+          </a:fontRef>
+        </p:style>
+        <p:txBody>
+          <a:bodyPr rtlCol="0" anchor="ctr"/>
+          <a:lstStyle/>
+          <a:p>
+            <a:pPr algn="ctr"/>
+            <a:endParaRPr lang="it-IT"/>
+          </a:p>
+        </p:txBody>
+      </p:sp>
+      <p:sp>
+        <p:nvSpPr>
+          <p:cNvPr id="13" name="Figura a mano libera 12"/>
+          <p:cNvSpPr/>
+          <p:nvPr/>
+        </p:nvSpPr>
+        <p:spPr>
+          <a:xfrm rot="19470106">
+            <a:off x="8571571" y="3968099"/>
+            <a:ext cx="990600" cy="638334"/>
+          </a:xfrm>
+          <a:custGeom>
+            <a:avLst/>
+            <a:gdLst>
+              <a:gd name="connsiteX0" fmla="*/ 0 w 990600"/>
+              <a:gd name="connsiteY0" fmla="*/ 439954 h 638334"/>
+              <a:gd name="connsiteX1" fmla="*/ 314325 w 990600"/>
+              <a:gd name="connsiteY1" fmla="*/ 439954 h 638334"/>
+              <a:gd name="connsiteX2" fmla="*/ 390525 w 990600"/>
+              <a:gd name="connsiteY2" fmla="*/ 1804 h 638334"/>
+              <a:gd name="connsiteX3" fmla="*/ 571500 w 990600"/>
+              <a:gd name="connsiteY3" fmla="*/ 630454 h 638334"/>
+              <a:gd name="connsiteX4" fmla="*/ 685800 w 990600"/>
+              <a:gd name="connsiteY4" fmla="*/ 354229 h 638334"/>
+              <a:gd name="connsiteX5" fmla="*/ 990600 w 990600"/>
+              <a:gd name="connsiteY5" fmla="*/ 344704 h 638334"/>
+            </a:gdLst>
+            <a:ahLst/>
+            <a:cxnLst>
+              <a:cxn ang="0">
+                <a:pos x="connsiteX0" y="connsiteY0"/>
+              </a:cxn>
+              <a:cxn ang="0">
+                <a:pos x="connsiteX1" y="connsiteY1"/>
+              </a:cxn>
+              <a:cxn ang="0">
+                <a:pos x="connsiteX2" y="connsiteY2"/>
+              </a:cxn>
+              <a:cxn ang="0">
+                <a:pos x="connsiteX3" y="connsiteY3"/>
+              </a:cxn>
+              <a:cxn ang="0">
+                <a:pos x="connsiteX4" y="connsiteY4"/>
+              </a:cxn>
+              <a:cxn ang="0">
+                <a:pos x="connsiteX5" y="connsiteY5"/>
+              </a:cxn>
+            </a:cxnLst>
+            <a:rect l="l" t="t" r="r" b="b"/>
+            <a:pathLst>
+              <a:path w="990600" h="638334">
+                <a:moveTo>
+                  <a:pt x="0" y="439954"/>
+                </a:moveTo>
+                <a:cubicBezTo>
+                  <a:pt x="124619" y="476466"/>
+                  <a:pt x="249238" y="512979"/>
+                  <a:pt x="314325" y="439954"/>
+                </a:cubicBezTo>
+                <a:cubicBezTo>
+                  <a:pt x="379412" y="366929"/>
+                  <a:pt x="347663" y="-29946"/>
+                  <a:pt x="390525" y="1804"/>
+                </a:cubicBezTo>
+                <a:cubicBezTo>
+                  <a:pt x="433387" y="33554"/>
+                  <a:pt x="522288" y="571717"/>
+                  <a:pt x="571500" y="630454"/>
+                </a:cubicBezTo>
+                <a:cubicBezTo>
+                  <a:pt x="620713" y="689192"/>
+                  <a:pt x="615950" y="401854"/>
+                  <a:pt x="685800" y="354229"/>
+                </a:cubicBezTo>
+                <a:cubicBezTo>
+                  <a:pt x="755650" y="306604"/>
+                  <a:pt x="873125" y="325654"/>
+                  <a:pt x="990600" y="344704"/>
+                </a:cubicBezTo>
+              </a:path>
+            </a:pathLst>
+          </a:custGeom>
+          <a:noFill/>
+          <a:ln w="15875">
+            <a:solidFill>
+              <a:schemeClr val="tx1"/>
+            </a:solidFill>
+            <a:tailEnd type="arrow"/>
+          </a:ln>
+        </p:spPr>
+        <p:style>
+          <a:lnRef idx="2">
+            <a:schemeClr val="accent1">
+              <a:shade val="50000"/>
+            </a:schemeClr>
+          </a:lnRef>
+          <a:fillRef idx="1">
+            <a:schemeClr val="accent1"/>
+          </a:fillRef>
+          <a:effectRef idx="0">
+            <a:schemeClr val="accent1"/>
+          </a:effectRef>
+          <a:fontRef idx="minor">
+            <a:schemeClr val="lt1"/>
+          </a:fontRef>
+        </p:style>
+        <p:txBody>
+          <a:bodyPr rtlCol="0" anchor="ctr"/>
+          <a:lstStyle/>
+          <a:p>
+            <a:pPr algn="ctr"/>
+            <a:endParaRPr lang="it-IT"/>
+          </a:p>
+        </p:txBody>
+      </p:sp>
+      <p:sp>
+        <p:nvSpPr>
+          <p:cNvPr id="14" name="Figura a mano libera 13"/>
+          <p:cNvSpPr/>
+          <p:nvPr/>
+        </p:nvSpPr>
+        <p:spPr>
+          <a:xfrm rot="15989499">
+            <a:off x="7181572" y="3141551"/>
+            <a:ext cx="990600" cy="638334"/>
+          </a:xfrm>
+          <a:custGeom>
+            <a:avLst/>
+            <a:gdLst>
+              <a:gd name="connsiteX0" fmla="*/ 0 w 990600"/>
+              <a:gd name="connsiteY0" fmla="*/ 439954 h 638334"/>
+              <a:gd name="connsiteX1" fmla="*/ 314325 w 990600"/>
+              <a:gd name="connsiteY1" fmla="*/ 439954 h 638334"/>
+              <a:gd name="connsiteX2" fmla="*/ 390525 w 990600"/>
+              <a:gd name="connsiteY2" fmla="*/ 1804 h 638334"/>
+              <a:gd name="connsiteX3" fmla="*/ 571500 w 990600"/>
+              <a:gd name="connsiteY3" fmla="*/ 630454 h 638334"/>
+              <a:gd name="connsiteX4" fmla="*/ 685800 w 990600"/>
+              <a:gd name="connsiteY4" fmla="*/ 354229 h 638334"/>
+              <a:gd name="connsiteX5" fmla="*/ 990600 w 990600"/>
+              <a:gd name="connsiteY5" fmla="*/ 344704 h 638334"/>
+            </a:gdLst>
+            <a:ahLst/>
+            <a:cxnLst>
+              <a:cxn ang="0">
+                <a:pos x="connsiteX0" y="connsiteY0"/>
+              </a:cxn>
+              <a:cxn ang="0">
+                <a:pos x="connsiteX1" y="connsiteY1"/>
+              </a:cxn>
+              <a:cxn ang="0">
+                <a:pos x="connsiteX2" y="connsiteY2"/>
+              </a:cxn>
+              <a:cxn ang="0">
+                <a:pos x="connsiteX3" y="connsiteY3"/>
+              </a:cxn>
+              <a:cxn ang="0">
+                <a:pos x="connsiteX4" y="connsiteY4"/>
+              </a:cxn>
+              <a:cxn ang="0">
+                <a:pos x="connsiteX5" y="connsiteY5"/>
+              </a:cxn>
+            </a:cxnLst>
+            <a:rect l="l" t="t" r="r" b="b"/>
+            <a:pathLst>
+              <a:path w="990600" h="638334">
+                <a:moveTo>
+                  <a:pt x="0" y="439954"/>
+                </a:moveTo>
+                <a:cubicBezTo>
+                  <a:pt x="124619" y="476466"/>
+                  <a:pt x="249238" y="512979"/>
+                  <a:pt x="314325" y="439954"/>
+                </a:cubicBezTo>
+                <a:cubicBezTo>
+                  <a:pt x="379412" y="366929"/>
+                  <a:pt x="347663" y="-29946"/>
+                  <a:pt x="390525" y="1804"/>
+                </a:cubicBezTo>
+                <a:cubicBezTo>
+                  <a:pt x="433387" y="33554"/>
+                  <a:pt x="522288" y="571717"/>
+                  <a:pt x="571500" y="630454"/>
+                </a:cubicBezTo>
+                <a:cubicBezTo>
+                  <a:pt x="620713" y="689192"/>
+                  <a:pt x="615950" y="401854"/>
+                  <a:pt x="685800" y="354229"/>
+                </a:cubicBezTo>
+                <a:cubicBezTo>
+                  <a:pt x="755650" y="306604"/>
+                  <a:pt x="873125" y="325654"/>
+                  <a:pt x="990600" y="344704"/>
+                </a:cubicBezTo>
+              </a:path>
+            </a:pathLst>
+          </a:custGeom>
+          <a:noFill/>
+          <a:ln w="15875">
+            <a:solidFill>
+              <a:schemeClr val="tx1"/>
+            </a:solidFill>
+            <a:tailEnd type="arrow"/>
+          </a:ln>
+        </p:spPr>
+        <p:style>
+          <a:lnRef idx="2">
+            <a:schemeClr val="accent1">
+              <a:shade val="50000"/>
+            </a:schemeClr>
+          </a:lnRef>
+          <a:fillRef idx="1">
+            <a:schemeClr val="accent1"/>
+          </a:fillRef>
+          <a:effectRef idx="0">
+            <a:schemeClr val="accent1"/>
+          </a:effectRef>
+          <a:fontRef idx="minor">
+            <a:schemeClr val="lt1"/>
+          </a:fontRef>
+        </p:style>
+        <p:txBody>
+          <a:bodyPr rtlCol="0" anchor="ctr"/>
+          <a:lstStyle/>
+          <a:p>
+            <a:pPr algn="ctr"/>
+            <a:endParaRPr lang="it-IT"/>
+          </a:p>
+        </p:txBody>
+      </p:sp>
+      <p:grpSp>
+        <p:nvGrpSpPr>
+          <p:cNvPr id="15" name="Gruppo 14"/>
+          <p:cNvGrpSpPr/>
+          <p:nvPr/>
+        </p:nvGrpSpPr>
+        <p:grpSpPr>
+          <a:xfrm>
+            <a:off x="3587051" y="2722834"/>
+            <a:ext cx="1926426" cy="1214172"/>
+            <a:chOff x="402476" y="5184618"/>
+            <a:chExt cx="1926426" cy="1214172"/>
+          </a:xfrm>
+        </p:grpSpPr>
+        <p:sp>
+          <p:nvSpPr>
+            <p:cNvPr id="16" name="Ovale 15"/>
+            <p:cNvSpPr/>
+            <p:nvPr/>
+          </p:nvSpPr>
+          <p:spPr>
+            <a:xfrm>
+              <a:off x="667957" y="5332857"/>
+              <a:ext cx="1660945" cy="1065933"/>
+            </a:xfrm>
+            <a:prstGeom prst="ellipse">
+              <a:avLst/>
+            </a:prstGeom>
+            <a:solidFill>
+              <a:schemeClr val="accent2">
+                <a:lumMod val="20000"/>
+                <a:lumOff val="80000"/>
+              </a:schemeClr>
+            </a:solidFill>
+            <a:ln w="12700">
+              <a:solidFill>
+                <a:schemeClr val="tx1"/>
+              </a:solidFill>
+            </a:ln>
+          </p:spPr>
+          <p:style>
+            <a:lnRef idx="2">
+              <a:schemeClr val="accent1">
+                <a:shade val="50000"/>
+              </a:schemeClr>
+            </a:lnRef>
+            <a:fillRef idx="1">
+              <a:schemeClr val="accent1"/>
+            </a:fillRef>
+            <a:effectRef idx="0">
+              <a:schemeClr val="accent1"/>
+            </a:effectRef>
+            <a:fontRef idx="minor">
+              <a:schemeClr val="lt1"/>
+            </a:fontRef>
+          </p:style>
+          <p:txBody>
+            <a:bodyPr rtlCol="0" anchor="ctr"/>
+            <a:lstStyle/>
+            <a:p>
+              <a:pPr algn="ctr"/>
+              <a:r>
+                <a:rPr lang="it-IT" sz="1200" dirty="0" smtClean="0">
+                  <a:solidFill>
+                    <a:schemeClr val="tx1"/>
+                  </a:solidFill>
+                  <a:latin typeface="Century Schoolbook" panose="02040604050505020304" pitchFamily="18" charset="0"/>
+                </a:rPr>
+                <a:t>Outdoor</a:t>
+              </a:r>
+              <a:r>
+                <a:rPr lang="it-IT" sz="1200" dirty="0">
+                  <a:solidFill>
+                    <a:schemeClr val="tx1"/>
+                  </a:solidFill>
+                  <a:latin typeface="Century Schoolbook" panose="02040604050505020304" pitchFamily="18" charset="0"/>
+                </a:rPr>
+                <a:t> </a:t>
+              </a:r>
+              <a:r>
+                <a:rPr lang="it-IT" sz="1200" dirty="0" err="1" smtClean="0">
+                  <a:solidFill>
+                    <a:schemeClr val="tx1"/>
+                  </a:solidFill>
+                  <a:latin typeface="Century Schoolbook" panose="02040604050505020304" pitchFamily="18" charset="0"/>
+                </a:rPr>
+                <a:t>Sentinel</a:t>
+              </a:r>
+              <a:endParaRPr lang="it-IT" sz="1200" dirty="0" smtClean="0">
+                <a:solidFill>
+                  <a:schemeClr val="tx1"/>
+                </a:solidFill>
+                <a:latin typeface="Century Schoolbook" panose="02040604050505020304" pitchFamily="18" charset="0"/>
+              </a:endParaRPr>
+            </a:p>
+          </p:txBody>
+        </p:sp>
+        <p:sp>
+          <p:nvSpPr>
+            <p:cNvPr id="17" name="Triangolo isoscele 16"/>
+            <p:cNvSpPr/>
+            <p:nvPr/>
+          </p:nvSpPr>
+          <p:spPr>
+            <a:xfrm rot="16200000">
+              <a:off x="1350190" y="5205064"/>
+              <a:ext cx="296478" cy="255585"/>
+            </a:xfrm>
+            <a:prstGeom prst="triangle">
+              <a:avLst/>
+            </a:prstGeom>
+            <a:solidFill>
+              <a:srgbClr val="FF0000"/>
+            </a:solidFill>
+            <a:ln w="12700">
+              <a:solidFill>
+                <a:schemeClr val="tx1"/>
+              </a:solidFill>
+            </a:ln>
+          </p:spPr>
+          <p:style>
+            <a:lnRef idx="2">
+              <a:schemeClr val="accent1">
+                <a:shade val="50000"/>
+              </a:schemeClr>
+            </a:lnRef>
+            <a:fillRef idx="1">
+              <a:schemeClr val="accent1"/>
+            </a:fillRef>
+            <a:effectRef idx="0">
+              <a:schemeClr val="accent1"/>
+            </a:effectRef>
+            <a:fontRef idx="minor">
+              <a:schemeClr val="lt1"/>
+            </a:fontRef>
+          </p:style>
+          <p:txBody>
+            <a:bodyPr rtlCol="0" anchor="ctr"/>
+            <a:lstStyle/>
+            <a:p>
+              <a:pPr algn="ctr"/>
+              <a:endParaRPr lang="it-IT"/>
+            </a:p>
+          </p:txBody>
+        </p:sp>
+        <p:sp>
+          <p:nvSpPr>
+            <p:cNvPr id="18" name="Rettangolo 17"/>
+            <p:cNvSpPr/>
+            <p:nvPr/>
+          </p:nvSpPr>
+          <p:spPr>
+            <a:xfrm>
+              <a:off x="402476" y="5739696"/>
+              <a:ext cx="530961" cy="252254"/>
+            </a:xfrm>
+            <a:prstGeom prst="rect">
+              <a:avLst/>
+            </a:prstGeom>
+            <a:solidFill>
+              <a:schemeClr val="accent2">
+                <a:lumMod val="20000"/>
+                <a:lumOff val="80000"/>
+              </a:schemeClr>
+            </a:solidFill>
+            <a:ln w="12700">
+              <a:solidFill>
+                <a:schemeClr val="tx1"/>
+              </a:solidFill>
+            </a:ln>
+          </p:spPr>
+          <p:style>
+            <a:lnRef idx="2">
+              <a:schemeClr val="accent1">
+                <a:shade val="50000"/>
+              </a:schemeClr>
+            </a:lnRef>
+            <a:fillRef idx="1">
+              <a:schemeClr val="accent1"/>
+            </a:fillRef>
+            <a:effectRef idx="0">
+              <a:schemeClr val="accent1"/>
+            </a:effectRef>
+            <a:fontRef idx="minor">
+              <a:schemeClr val="lt1"/>
+            </a:fontRef>
+          </p:style>
+          <p:txBody>
+            <a:bodyPr rtlCol="0" anchor="ctr"/>
+            <a:lstStyle/>
+            <a:p>
+              <a:pPr algn="ctr"/>
+              <a:endParaRPr lang="it-IT"/>
+            </a:p>
+          </p:txBody>
+        </p:sp>
+      </p:grpSp>
+    </p:spTree>
+    <p:extLst>
+      <p:ext uri="{BB962C8B-B14F-4D97-AF65-F5344CB8AC3E}">
+        <p14:creationId xmlns:p14="http://schemas.microsoft.com/office/powerpoint/2010/main" val="3081595603"/>
+      </p:ext>
+    </p:extLst>
+  </p:cSld>
+  <p:clrMapOvr>
+    <a:masterClrMapping/>
+  </p:clrMapOvr>
+</p:sld>
+</file>
+
 <file path=ppt/theme/theme1.xml><?xml version="1.0" encoding="utf-8"?>
 <a:theme xmlns:a="http://schemas.openxmlformats.org/drawingml/2006/main" name="Tema di Office">
   <a:themeElements>

--- a/FinalTask/userDocs/img/final_task_schema.pptx
+++ b/FinalTask/userDocs/img/final_task_schema.pptx
@@ -10,10 +10,8 @@
     <p:sldId id="266" r:id="rId4"/>
     <p:sldId id="270" r:id="rId5"/>
     <p:sldId id="269" r:id="rId6"/>
-    <p:sldId id="273" r:id="rId7"/>
-    <p:sldId id="274" r:id="rId8"/>
-    <p:sldId id="275" r:id="rId9"/>
-    <p:sldId id="276" r:id="rId10"/>
+    <p:sldId id="275" r:id="rId7"/>
+    <p:sldId id="276" r:id="rId8"/>
   </p:sldIdLst>
   <p:sldSz cx="12192000" cy="6858000"/>
   <p:notesSz cx="6858000" cy="9144000"/>
@@ -4302,7 +4300,6 @@
           <p:cNvPr id="11" name="Connettore 2 10"/>
           <p:cNvCxnSpPr>
             <a:stCxn id="5" idx="5"/>
-            <a:endCxn id="10" idx="2"/>
           </p:cNvCxnSpPr>
           <p:nvPr/>
         </p:nvCxnSpPr>
@@ -6677,6 +6674,291 @@
           </a:fontRef>
         </p:style>
       </p:cxnSp>
+      <p:sp>
+        <p:nvSpPr>
+          <p:cNvPr id="24" name="CasellaDiTesto 23"/>
+          <p:cNvSpPr txBox="1"/>
+          <p:nvPr/>
+        </p:nvSpPr>
+        <p:spPr>
+          <a:xfrm>
+            <a:off x="3442320" y="3966027"/>
+            <a:ext cx="1202573" cy="646331"/>
+          </a:xfrm>
+          <a:prstGeom prst="rect">
+            <a:avLst/>
+          </a:prstGeom>
+          <a:noFill/>
+        </p:spPr>
+        <p:txBody>
+          <a:bodyPr wrap="none" rtlCol="0">
+            <a:spAutoFit/>
+          </a:bodyPr>
+          <a:lstStyle/>
+          <a:p>
+            <a:r>
+              <a:rPr lang="it-IT" sz="1200" dirty="0" smtClean="0">
+                <a:solidFill>
+                  <a:schemeClr val="accent1">
+                    <a:lumMod val="75000"/>
+                  </a:schemeClr>
+                </a:solidFill>
+                <a:latin typeface="Bookman Old Style" panose="02050604050505020204" pitchFamily="18" charset="0"/>
+              </a:rPr>
+              <a:t>move forward</a:t>
+            </a:r>
+          </a:p>
+          <a:p>
+            <a:r>
+              <a:rPr lang="it-IT" sz="1200" dirty="0" smtClean="0">
+                <a:solidFill>
+                  <a:schemeClr val="accent1">
+                    <a:lumMod val="75000"/>
+                  </a:schemeClr>
+                </a:solidFill>
+                <a:latin typeface="Bookman Old Style" panose="02050604050505020204" pitchFamily="18" charset="0"/>
+              </a:rPr>
+              <a:t>rotate left</a:t>
+            </a:r>
+          </a:p>
+          <a:p>
+            <a:r>
+              <a:rPr lang="it-IT" sz="1200" dirty="0" smtClean="0">
+                <a:solidFill>
+                  <a:schemeClr val="accent1">
+                    <a:lumMod val="75000"/>
+                  </a:schemeClr>
+                </a:solidFill>
+                <a:latin typeface="Bookman Old Style" panose="02050604050505020204" pitchFamily="18" charset="0"/>
+              </a:rPr>
+              <a:t>rotate right</a:t>
+            </a:r>
+            <a:endParaRPr lang="it-IT" sz="1200" dirty="0">
+              <a:solidFill>
+                <a:schemeClr val="accent1">
+                  <a:lumMod val="75000"/>
+                </a:schemeClr>
+              </a:solidFill>
+              <a:latin typeface="Bookman Old Style" panose="02050604050505020204" pitchFamily="18" charset="0"/>
+            </a:endParaRPr>
+          </a:p>
+        </p:txBody>
+      </p:sp>
+      <p:sp>
+        <p:nvSpPr>
+          <p:cNvPr id="26" name="CasellaDiTesto 25"/>
+          <p:cNvSpPr txBox="1"/>
+          <p:nvPr/>
+        </p:nvSpPr>
+        <p:spPr>
+          <a:xfrm>
+            <a:off x="5813150" y="3966026"/>
+            <a:ext cx="604653" cy="646331"/>
+          </a:xfrm>
+          <a:prstGeom prst="rect">
+            <a:avLst/>
+          </a:prstGeom>
+          <a:noFill/>
+        </p:spPr>
+        <p:txBody>
+          <a:bodyPr wrap="none" rtlCol="0">
+            <a:spAutoFit/>
+          </a:bodyPr>
+          <a:lstStyle/>
+          <a:p>
+            <a:r>
+              <a:rPr lang="it-IT" sz="1200" dirty="0" smtClean="0">
+                <a:solidFill>
+                  <a:schemeClr val="accent1">
+                    <a:lumMod val="75000"/>
+                  </a:schemeClr>
+                </a:solidFill>
+                <a:latin typeface="Bookman Old Style" panose="02050604050505020204" pitchFamily="18" charset="0"/>
+              </a:rPr>
+              <a:t>aril w</a:t>
+            </a:r>
+          </a:p>
+          <a:p>
+            <a:r>
+              <a:rPr lang="it-IT" sz="1200" dirty="0" smtClean="0">
+                <a:solidFill>
+                  <a:schemeClr val="accent1">
+                    <a:lumMod val="75000"/>
+                  </a:schemeClr>
+                </a:solidFill>
+                <a:latin typeface="Bookman Old Style" panose="02050604050505020204" pitchFamily="18" charset="0"/>
+              </a:rPr>
+              <a:t>aril l</a:t>
+            </a:r>
+          </a:p>
+          <a:p>
+            <a:r>
+              <a:rPr lang="it-IT" sz="1200" dirty="0" smtClean="0">
+                <a:solidFill>
+                  <a:schemeClr val="accent1">
+                    <a:lumMod val="75000"/>
+                  </a:schemeClr>
+                </a:solidFill>
+                <a:latin typeface="Bookman Old Style" panose="02050604050505020204" pitchFamily="18" charset="0"/>
+              </a:rPr>
+              <a:t>aril r</a:t>
+            </a:r>
+            <a:endParaRPr lang="it-IT" sz="1200" dirty="0">
+              <a:solidFill>
+                <a:schemeClr val="accent1">
+                  <a:lumMod val="75000"/>
+                </a:schemeClr>
+              </a:solidFill>
+              <a:latin typeface="Bookman Old Style" panose="02050604050505020204" pitchFamily="18" charset="0"/>
+            </a:endParaRPr>
+          </a:p>
+        </p:txBody>
+      </p:sp>
+      <p:sp>
+        <p:nvSpPr>
+          <p:cNvPr id="27" name="CasellaDiTesto 26"/>
+          <p:cNvSpPr txBox="1"/>
+          <p:nvPr/>
+        </p:nvSpPr>
+        <p:spPr>
+          <a:xfrm>
+            <a:off x="7690842" y="3856017"/>
+            <a:ext cx="1968809" cy="461665"/>
+          </a:xfrm>
+          <a:prstGeom prst="rect">
+            <a:avLst/>
+          </a:prstGeom>
+          <a:noFill/>
+        </p:spPr>
+        <p:txBody>
+          <a:bodyPr wrap="none" rtlCol="0">
+            <a:spAutoFit/>
+          </a:bodyPr>
+          <a:lstStyle/>
+          <a:p>
+            <a:r>
+              <a:rPr lang="it-IT" sz="1200" dirty="0" smtClean="0">
+                <a:solidFill>
+                  <a:schemeClr val="accent1">
+                    <a:lumMod val="75000"/>
+                  </a:schemeClr>
+                </a:solidFill>
+                <a:latin typeface="Bookman Old Style" panose="02050604050505020204" pitchFamily="18" charset="0"/>
+              </a:rPr>
+              <a:t>"robotmove": "&lt;MOVE&gt;"</a:t>
+            </a:r>
+          </a:p>
+          <a:p>
+            <a:r>
+              <a:rPr lang="it-IT" sz="1200" dirty="0" smtClean="0">
+                <a:solidFill>
+                  <a:schemeClr val="accent1">
+                    <a:lumMod val="75000"/>
+                  </a:schemeClr>
+                </a:solidFill>
+                <a:latin typeface="Bookman Old Style" panose="02050604050505020204" pitchFamily="18" charset="0"/>
+              </a:rPr>
+              <a:t>"time": "&lt;T&gt;"</a:t>
+            </a:r>
+            <a:endParaRPr lang="it-IT" sz="1200" dirty="0">
+              <a:solidFill>
+                <a:schemeClr val="accent1">
+                  <a:lumMod val="75000"/>
+                </a:schemeClr>
+              </a:solidFill>
+              <a:latin typeface="Bookman Old Style" panose="02050604050505020204" pitchFamily="18" charset="0"/>
+            </a:endParaRPr>
+          </a:p>
+        </p:txBody>
+      </p:sp>
+      <p:sp>
+        <p:nvSpPr>
+          <p:cNvPr id="28" name="CasellaDiTesto 27"/>
+          <p:cNvSpPr txBox="1"/>
+          <p:nvPr/>
+        </p:nvSpPr>
+        <p:spPr>
+          <a:xfrm>
+            <a:off x="7568902" y="3851235"/>
+            <a:ext cx="256802" cy="400110"/>
+          </a:xfrm>
+          <a:prstGeom prst="rect">
+            <a:avLst/>
+          </a:prstGeom>
+          <a:noFill/>
+        </p:spPr>
+        <p:txBody>
+          <a:bodyPr wrap="none" rtlCol="0">
+            <a:spAutoFit/>
+          </a:bodyPr>
+          <a:lstStyle/>
+          <a:p>
+            <a:r>
+              <a:rPr lang="it-IT" sz="2000" dirty="0" smtClean="0">
+                <a:solidFill>
+                  <a:schemeClr val="accent1">
+                    <a:lumMod val="75000"/>
+                  </a:schemeClr>
+                </a:solidFill>
+                <a:latin typeface="Bookman Old Style" panose="02050604050505020204" pitchFamily="18" charset="0"/>
+              </a:rPr>
+              <a:t>{</a:t>
+            </a:r>
+            <a:endParaRPr lang="it-IT" sz="2000" dirty="0">
+              <a:solidFill>
+                <a:schemeClr val="accent1">
+                  <a:lumMod val="75000"/>
+                </a:schemeClr>
+              </a:solidFill>
+              <a:latin typeface="Bookman Old Style" panose="02050604050505020204" pitchFamily="18" charset="0"/>
+            </a:endParaRPr>
+          </a:p>
+        </p:txBody>
+      </p:sp>
+      <p:sp>
+        <p:nvSpPr>
+          <p:cNvPr id="29" name="CasellaDiTesto 28"/>
+          <p:cNvSpPr txBox="1"/>
+          <p:nvPr/>
+        </p:nvSpPr>
+        <p:spPr>
+          <a:xfrm>
+            <a:off x="9479276" y="3833209"/>
+            <a:ext cx="256802" cy="400110"/>
+          </a:xfrm>
+          <a:prstGeom prst="rect">
+            <a:avLst/>
+          </a:prstGeom>
+          <a:noFill/>
+        </p:spPr>
+        <p:txBody>
+          <a:bodyPr wrap="none" rtlCol="0">
+            <a:spAutoFit/>
+          </a:bodyPr>
+          <a:lstStyle/>
+          <a:p>
+            <a:r>
+              <a:rPr lang="it-IT" sz="2000" dirty="0" smtClean="0">
+                <a:solidFill>
+                  <a:schemeClr val="accent1">
+                    <a:lumMod val="75000"/>
+                  </a:schemeClr>
+                </a:solidFill>
+                <a:latin typeface="Bookman Old Style" panose="02050604050505020204" pitchFamily="18" charset="0"/>
+              </a:rPr>
+              <a:t>}</a:t>
+            </a:r>
+            <a:endParaRPr lang="it-IT" sz="2000" dirty="0">
+              <a:solidFill>
+                <a:schemeClr val="accent1">
+                  <a:lumMod val="75000"/>
+                </a:schemeClr>
+              </a:solidFill>
+              <a:latin typeface="Bookman Old Style" panose="02050604050505020204" pitchFamily="18" charset="0"/>
+            </a:endParaRPr>
+          </a:p>
+        </p:txBody>
+      </p:sp>
     </p:spTree>
     <p:extLst>
       <p:ext uri="{BB962C8B-B14F-4D97-AF65-F5344CB8AC3E}">
@@ -8650,2754 +8932,6 @@
 </file>
 
 <file path=ppt/slides/slide6.xml><?xml version="1.0" encoding="utf-8"?>
-<p:sld xmlns:a="http://schemas.openxmlformats.org/drawingml/2006/main" xmlns:r="http://schemas.openxmlformats.org/officeDocument/2006/relationships" xmlns:p="http://schemas.openxmlformats.org/presentationml/2006/main">
-  <p:cSld>
-    <p:spTree>
-      <p:nvGrpSpPr>
-        <p:cNvPr id="1" name=""/>
-        <p:cNvGrpSpPr/>
-        <p:nvPr/>
-      </p:nvGrpSpPr>
-      <p:grpSpPr>
-        <a:xfrm>
-          <a:off x="0" y="0"/>
-          <a:ext cx="0" cy="0"/>
-          <a:chOff x="0" y="0"/>
-          <a:chExt cx="0" cy="0"/>
-        </a:xfrm>
-      </p:grpSpPr>
-      <p:sp>
-        <p:nvSpPr>
-          <p:cNvPr id="4" name="Ovale 3"/>
-          <p:cNvSpPr/>
-          <p:nvPr/>
-        </p:nvSpPr>
-        <p:spPr>
-          <a:xfrm>
-            <a:off x="3737252" y="4002284"/>
-            <a:ext cx="1857403" cy="1401520"/>
-          </a:xfrm>
-          <a:prstGeom prst="ellipse">
-            <a:avLst/>
-          </a:prstGeom>
-          <a:solidFill>
-            <a:schemeClr val="accent2">
-              <a:lumMod val="20000"/>
-              <a:lumOff val="80000"/>
-            </a:schemeClr>
-          </a:solidFill>
-          <a:ln w="12700">
-            <a:solidFill>
-              <a:schemeClr val="tx1"/>
-            </a:solidFill>
-          </a:ln>
-        </p:spPr>
-        <p:style>
-          <a:lnRef idx="2">
-            <a:schemeClr val="accent1">
-              <a:shade val="50000"/>
-            </a:schemeClr>
-          </a:lnRef>
-          <a:fillRef idx="1">
-            <a:schemeClr val="accent1"/>
-          </a:fillRef>
-          <a:effectRef idx="0">
-            <a:schemeClr val="accent1"/>
-          </a:effectRef>
-          <a:fontRef idx="minor">
-            <a:schemeClr val="lt1"/>
-          </a:fontRef>
-        </p:style>
-        <p:txBody>
-          <a:bodyPr rtlCol="0" anchor="ctr"/>
-          <a:lstStyle/>
-          <a:p>
-            <a:pPr algn="ctr"/>
-            <a:r>
-              <a:rPr lang="it-IT" sz="1400" dirty="0" smtClean="0">
-                <a:solidFill>
-                  <a:schemeClr val="tx1"/>
-                </a:solidFill>
-                <a:latin typeface="Century Schoolbook" panose="02040604050505020304" pitchFamily="18" charset="0"/>
-              </a:rPr>
-              <a:t>Outdoor Sentinel</a:t>
-            </a:r>
-            <a:endParaRPr lang="it-IT" sz="1400" dirty="0">
-              <a:solidFill>
-                <a:schemeClr val="tx1"/>
-              </a:solidFill>
-              <a:latin typeface="Century Schoolbook" panose="02040604050505020304" pitchFamily="18" charset="0"/>
-            </a:endParaRPr>
-          </a:p>
-        </p:txBody>
-      </p:sp>
-      <p:sp>
-        <p:nvSpPr>
-          <p:cNvPr id="5" name="Triangolo isoscele 4"/>
-          <p:cNvSpPr/>
-          <p:nvPr/>
-        </p:nvSpPr>
-        <p:spPr>
-          <a:xfrm rot="16200000">
-            <a:off x="4450884" y="3816879"/>
-            <a:ext cx="430138" cy="370809"/>
-          </a:xfrm>
-          <a:prstGeom prst="triangle">
-            <a:avLst/>
-          </a:prstGeom>
-          <a:solidFill>
-            <a:srgbClr val="FF0000"/>
-          </a:solidFill>
-          <a:ln w="12700">
-            <a:solidFill>
-              <a:schemeClr val="tx1"/>
-            </a:solidFill>
-          </a:ln>
-        </p:spPr>
-        <p:style>
-          <a:lnRef idx="2">
-            <a:schemeClr val="accent1">
-              <a:shade val="50000"/>
-            </a:schemeClr>
-          </a:lnRef>
-          <a:fillRef idx="1">
-            <a:schemeClr val="accent1"/>
-          </a:fillRef>
-          <a:effectRef idx="0">
-            <a:schemeClr val="accent1"/>
-          </a:effectRef>
-          <a:fontRef idx="minor">
-            <a:schemeClr val="lt1"/>
-          </a:fontRef>
-        </p:style>
-        <p:txBody>
-          <a:bodyPr rtlCol="0" anchor="ctr"/>
-          <a:lstStyle/>
-          <a:p>
-            <a:pPr algn="ctr"/>
-            <a:endParaRPr lang="it-IT"/>
-          </a:p>
-        </p:txBody>
-      </p:sp>
-      <p:sp>
-        <p:nvSpPr>
-          <p:cNvPr id="6" name="Rettangolo 5"/>
-          <p:cNvSpPr/>
-          <p:nvPr/>
-        </p:nvSpPr>
-        <p:spPr>
-          <a:xfrm>
-            <a:off x="3301618" y="4583535"/>
-            <a:ext cx="714644" cy="339520"/>
-          </a:xfrm>
-          <a:prstGeom prst="rect">
-            <a:avLst/>
-          </a:prstGeom>
-          <a:solidFill>
-            <a:schemeClr val="accent2">
-              <a:lumMod val="20000"/>
-              <a:lumOff val="80000"/>
-            </a:schemeClr>
-          </a:solidFill>
-          <a:ln w="12700">
-            <a:solidFill>
-              <a:schemeClr val="tx1"/>
-            </a:solidFill>
-          </a:ln>
-        </p:spPr>
-        <p:style>
-          <a:lnRef idx="2">
-            <a:schemeClr val="accent1">
-              <a:shade val="50000"/>
-            </a:schemeClr>
-          </a:lnRef>
-          <a:fillRef idx="1">
-            <a:schemeClr val="accent1"/>
-          </a:fillRef>
-          <a:effectRef idx="0">
-            <a:schemeClr val="accent1"/>
-          </a:effectRef>
-          <a:fontRef idx="minor">
-            <a:schemeClr val="lt1"/>
-          </a:fontRef>
-        </p:style>
-        <p:txBody>
-          <a:bodyPr rtlCol="0" anchor="ctr"/>
-          <a:lstStyle/>
-          <a:p>
-            <a:pPr algn="ctr"/>
-            <a:endParaRPr lang="it-IT"/>
-          </a:p>
-        </p:txBody>
-      </p:sp>
-      <p:sp>
-        <p:nvSpPr>
-          <p:cNvPr id="17" name="Ovale 16"/>
-          <p:cNvSpPr/>
-          <p:nvPr/>
-        </p:nvSpPr>
-        <p:spPr>
-          <a:xfrm>
-            <a:off x="6769271" y="4002284"/>
-            <a:ext cx="1857403" cy="1401520"/>
-          </a:xfrm>
-          <a:prstGeom prst="ellipse">
-            <a:avLst/>
-          </a:prstGeom>
-          <a:solidFill>
-            <a:schemeClr val="accent2">
-              <a:lumMod val="20000"/>
-              <a:lumOff val="80000"/>
-            </a:schemeClr>
-          </a:solidFill>
-          <a:ln w="12700">
-            <a:solidFill>
-              <a:schemeClr val="tx1"/>
-            </a:solidFill>
-          </a:ln>
-        </p:spPr>
-        <p:style>
-          <a:lnRef idx="2">
-            <a:schemeClr val="accent1">
-              <a:shade val="50000"/>
-            </a:schemeClr>
-          </a:lnRef>
-          <a:fillRef idx="1">
-            <a:schemeClr val="accent1"/>
-          </a:fillRef>
-          <a:effectRef idx="0">
-            <a:schemeClr val="accent1"/>
-          </a:effectRef>
-          <a:fontRef idx="minor">
-            <a:schemeClr val="lt1"/>
-          </a:fontRef>
-        </p:style>
-        <p:txBody>
-          <a:bodyPr rtlCol="0" anchor="ctr"/>
-          <a:lstStyle/>
-          <a:p>
-            <a:pPr algn="ctr"/>
-            <a:r>
-              <a:rPr lang="it-IT" sz="1400" dirty="0" smtClean="0">
-                <a:solidFill>
-                  <a:schemeClr val="tx1"/>
-                </a:solidFill>
-                <a:latin typeface="Century Schoolbook" panose="02040604050505020304" pitchFamily="18" charset="0"/>
-              </a:rPr>
-              <a:t>Temperature Sentinel</a:t>
-            </a:r>
-            <a:endParaRPr lang="it-IT" sz="1400" dirty="0">
-              <a:solidFill>
-                <a:schemeClr val="tx1"/>
-              </a:solidFill>
-              <a:latin typeface="Century Schoolbook" panose="02040604050505020304" pitchFamily="18" charset="0"/>
-            </a:endParaRPr>
-          </a:p>
-        </p:txBody>
-      </p:sp>
-      <p:sp>
-        <p:nvSpPr>
-          <p:cNvPr id="18" name="Triangolo isoscele 17"/>
-          <p:cNvSpPr/>
-          <p:nvPr/>
-        </p:nvSpPr>
-        <p:spPr>
-          <a:xfrm rot="16200000">
-            <a:off x="7482903" y="3816879"/>
-            <a:ext cx="430138" cy="370809"/>
-          </a:xfrm>
-          <a:prstGeom prst="triangle">
-            <a:avLst/>
-          </a:prstGeom>
-          <a:solidFill>
-            <a:srgbClr val="FF0000"/>
-          </a:solidFill>
-          <a:ln w="12700">
-            <a:solidFill>
-              <a:schemeClr val="tx1"/>
-            </a:solidFill>
-          </a:ln>
-        </p:spPr>
-        <p:style>
-          <a:lnRef idx="2">
-            <a:schemeClr val="accent1">
-              <a:shade val="50000"/>
-            </a:schemeClr>
-          </a:lnRef>
-          <a:fillRef idx="1">
-            <a:schemeClr val="accent1"/>
-          </a:fillRef>
-          <a:effectRef idx="0">
-            <a:schemeClr val="accent1"/>
-          </a:effectRef>
-          <a:fontRef idx="minor">
-            <a:schemeClr val="lt1"/>
-          </a:fontRef>
-        </p:style>
-        <p:txBody>
-          <a:bodyPr rtlCol="0" anchor="ctr"/>
-          <a:lstStyle/>
-          <a:p>
-            <a:pPr algn="ctr"/>
-            <a:endParaRPr lang="it-IT"/>
-          </a:p>
-        </p:txBody>
-      </p:sp>
-      <p:sp>
-        <p:nvSpPr>
-          <p:cNvPr id="19" name="Rettangolo 18"/>
-          <p:cNvSpPr/>
-          <p:nvPr/>
-        </p:nvSpPr>
-        <p:spPr>
-          <a:xfrm>
-            <a:off x="6333637" y="4583535"/>
-            <a:ext cx="714644" cy="339520"/>
-          </a:xfrm>
-          <a:prstGeom prst="rect">
-            <a:avLst/>
-          </a:prstGeom>
-          <a:solidFill>
-            <a:schemeClr val="accent2">
-              <a:lumMod val="20000"/>
-              <a:lumOff val="80000"/>
-            </a:schemeClr>
-          </a:solidFill>
-          <a:ln w="12700">
-            <a:solidFill>
-              <a:schemeClr val="tx1"/>
-            </a:solidFill>
-          </a:ln>
-        </p:spPr>
-        <p:style>
-          <a:lnRef idx="2">
-            <a:schemeClr val="accent1">
-              <a:shade val="50000"/>
-            </a:schemeClr>
-          </a:lnRef>
-          <a:fillRef idx="1">
-            <a:schemeClr val="accent1"/>
-          </a:fillRef>
-          <a:effectRef idx="0">
-            <a:schemeClr val="accent1"/>
-          </a:effectRef>
-          <a:fontRef idx="minor">
-            <a:schemeClr val="lt1"/>
-          </a:fontRef>
-        </p:style>
-        <p:txBody>
-          <a:bodyPr rtlCol="0" anchor="ctr"/>
-          <a:lstStyle/>
-          <a:p>
-            <a:pPr algn="ctr"/>
-            <a:endParaRPr lang="it-IT"/>
-          </a:p>
-        </p:txBody>
-      </p:sp>
-      <p:sp>
-        <p:nvSpPr>
-          <p:cNvPr id="20" name="Ovale 19"/>
-          <p:cNvSpPr/>
-          <p:nvPr/>
-        </p:nvSpPr>
-        <p:spPr>
-          <a:xfrm>
-            <a:off x="3737251" y="1315220"/>
-            <a:ext cx="1857403" cy="1401520"/>
-          </a:xfrm>
-          <a:prstGeom prst="ellipse">
-            <a:avLst/>
-          </a:prstGeom>
-          <a:solidFill>
-            <a:schemeClr val="accent2">
-              <a:lumMod val="20000"/>
-              <a:lumOff val="80000"/>
-            </a:schemeClr>
-          </a:solidFill>
-          <a:ln w="12700">
-            <a:solidFill>
-              <a:schemeClr val="tx1"/>
-            </a:solidFill>
-          </a:ln>
-        </p:spPr>
-        <p:style>
-          <a:lnRef idx="2">
-            <a:schemeClr val="accent1">
-              <a:shade val="50000"/>
-            </a:schemeClr>
-          </a:lnRef>
-          <a:fillRef idx="1">
-            <a:schemeClr val="accent1"/>
-          </a:fillRef>
-          <a:effectRef idx="0">
-            <a:schemeClr val="accent1"/>
-          </a:effectRef>
-          <a:fontRef idx="minor">
-            <a:schemeClr val="lt1"/>
-          </a:fontRef>
-        </p:style>
-        <p:txBody>
-          <a:bodyPr rtlCol="0" anchor="ctr"/>
-          <a:lstStyle/>
-          <a:p>
-            <a:pPr algn="ctr"/>
-            <a:r>
-              <a:rPr lang="it-IT" sz="1400" dirty="0" smtClean="0">
-                <a:solidFill>
-                  <a:schemeClr val="tx1"/>
-                </a:solidFill>
-                <a:latin typeface="Century Schoolbook" panose="02040604050505020304" pitchFamily="18" charset="0"/>
-              </a:rPr>
-              <a:t>Timer</a:t>
-            </a:r>
-          </a:p>
-          <a:p>
-            <a:pPr algn="ctr"/>
-            <a:r>
-              <a:rPr lang="it-IT" sz="1400" dirty="0" smtClean="0">
-                <a:solidFill>
-                  <a:schemeClr val="tx1"/>
-                </a:solidFill>
-                <a:latin typeface="Century Schoolbook" panose="02040604050505020304" pitchFamily="18" charset="0"/>
-              </a:rPr>
-              <a:t>Actor</a:t>
-            </a:r>
-            <a:endParaRPr lang="it-IT" sz="1400" dirty="0">
-              <a:solidFill>
-                <a:schemeClr val="tx1"/>
-              </a:solidFill>
-              <a:latin typeface="Century Schoolbook" panose="02040604050505020304" pitchFamily="18" charset="0"/>
-            </a:endParaRPr>
-          </a:p>
-        </p:txBody>
-      </p:sp>
-      <p:sp>
-        <p:nvSpPr>
-          <p:cNvPr id="22" name="Triangolo isoscele 21"/>
-          <p:cNvSpPr/>
-          <p:nvPr/>
-        </p:nvSpPr>
-        <p:spPr>
-          <a:xfrm rot="16200000">
-            <a:off x="4450883" y="1129815"/>
-            <a:ext cx="430138" cy="370809"/>
-          </a:xfrm>
-          <a:prstGeom prst="triangle">
-            <a:avLst/>
-          </a:prstGeom>
-          <a:solidFill>
-            <a:srgbClr val="FF0000"/>
-          </a:solidFill>
-          <a:ln w="12700">
-            <a:solidFill>
-              <a:schemeClr val="tx1"/>
-            </a:solidFill>
-          </a:ln>
-        </p:spPr>
-        <p:style>
-          <a:lnRef idx="2">
-            <a:schemeClr val="accent1">
-              <a:shade val="50000"/>
-            </a:schemeClr>
-          </a:lnRef>
-          <a:fillRef idx="1">
-            <a:schemeClr val="accent1"/>
-          </a:fillRef>
-          <a:effectRef idx="0">
-            <a:schemeClr val="accent1"/>
-          </a:effectRef>
-          <a:fontRef idx="minor">
-            <a:schemeClr val="lt1"/>
-          </a:fontRef>
-        </p:style>
-        <p:txBody>
-          <a:bodyPr rtlCol="0" anchor="ctr"/>
-          <a:lstStyle/>
-          <a:p>
-            <a:pPr algn="ctr"/>
-            <a:endParaRPr lang="it-IT"/>
-          </a:p>
-        </p:txBody>
-      </p:sp>
-      <p:sp>
-        <p:nvSpPr>
-          <p:cNvPr id="30" name="Rettangolo 29"/>
-          <p:cNvSpPr/>
-          <p:nvPr/>
-        </p:nvSpPr>
-        <p:spPr>
-          <a:xfrm>
-            <a:off x="3301617" y="1896471"/>
-            <a:ext cx="714644" cy="339520"/>
-          </a:xfrm>
-          <a:prstGeom prst="rect">
-            <a:avLst/>
-          </a:prstGeom>
-          <a:solidFill>
-            <a:schemeClr val="accent2">
-              <a:lumMod val="20000"/>
-              <a:lumOff val="80000"/>
-            </a:schemeClr>
-          </a:solidFill>
-          <a:ln w="12700">
-            <a:solidFill>
-              <a:schemeClr val="tx1"/>
-            </a:solidFill>
-          </a:ln>
-        </p:spPr>
-        <p:style>
-          <a:lnRef idx="2">
-            <a:schemeClr val="accent1">
-              <a:shade val="50000"/>
-            </a:schemeClr>
-          </a:lnRef>
-          <a:fillRef idx="1">
-            <a:schemeClr val="accent1"/>
-          </a:fillRef>
-          <a:effectRef idx="0">
-            <a:schemeClr val="accent1"/>
-          </a:effectRef>
-          <a:fontRef idx="minor">
-            <a:schemeClr val="lt1"/>
-          </a:fontRef>
-        </p:style>
-        <p:txBody>
-          <a:bodyPr rtlCol="0" anchor="ctr"/>
-          <a:lstStyle/>
-          <a:p>
-            <a:pPr algn="ctr"/>
-            <a:endParaRPr lang="it-IT"/>
-          </a:p>
-        </p:txBody>
-      </p:sp>
-      <p:cxnSp>
-        <p:nvCxnSpPr>
-          <p:cNvPr id="31" name="Connettore 2 30"/>
-          <p:cNvCxnSpPr/>
-          <p:nvPr/>
-        </p:nvCxnSpPr>
-        <p:spPr>
-          <a:xfrm flipH="1" flipV="1">
-            <a:off x="4493434" y="2909342"/>
-            <a:ext cx="1" cy="1011285"/>
-          </a:xfrm>
-          <a:prstGeom prst="straightConnector1">
-            <a:avLst/>
-          </a:prstGeom>
-          <a:ln w="19050">
-            <a:solidFill>
-              <a:schemeClr val="tx1"/>
-            </a:solidFill>
-            <a:prstDash val="sysDash"/>
-            <a:headEnd type="none" w="med" len="med"/>
-            <a:tailEnd type="arrow" w="med" len="med"/>
-          </a:ln>
-        </p:spPr>
-        <p:style>
-          <a:lnRef idx="1">
-            <a:schemeClr val="accent1"/>
-          </a:lnRef>
-          <a:fillRef idx="0">
-            <a:schemeClr val="accent1"/>
-          </a:fillRef>
-          <a:effectRef idx="0">
-            <a:schemeClr val="accent1"/>
-          </a:effectRef>
-          <a:fontRef idx="minor">
-            <a:schemeClr val="tx1"/>
-          </a:fontRef>
-        </p:style>
-      </p:cxnSp>
-      <p:sp>
-        <p:nvSpPr>
-          <p:cNvPr id="32" name="Figura a mano libera 31"/>
-          <p:cNvSpPr/>
-          <p:nvPr/>
-        </p:nvSpPr>
-        <p:spPr>
-          <a:xfrm rot="5400000">
-            <a:off x="4535020" y="3107943"/>
-            <a:ext cx="990600" cy="638334"/>
-          </a:xfrm>
-          <a:custGeom>
-            <a:avLst/>
-            <a:gdLst>
-              <a:gd name="connsiteX0" fmla="*/ 0 w 990600"/>
-              <a:gd name="connsiteY0" fmla="*/ 439954 h 638334"/>
-              <a:gd name="connsiteX1" fmla="*/ 314325 w 990600"/>
-              <a:gd name="connsiteY1" fmla="*/ 439954 h 638334"/>
-              <a:gd name="connsiteX2" fmla="*/ 390525 w 990600"/>
-              <a:gd name="connsiteY2" fmla="*/ 1804 h 638334"/>
-              <a:gd name="connsiteX3" fmla="*/ 571500 w 990600"/>
-              <a:gd name="connsiteY3" fmla="*/ 630454 h 638334"/>
-              <a:gd name="connsiteX4" fmla="*/ 685800 w 990600"/>
-              <a:gd name="connsiteY4" fmla="*/ 354229 h 638334"/>
-              <a:gd name="connsiteX5" fmla="*/ 990600 w 990600"/>
-              <a:gd name="connsiteY5" fmla="*/ 344704 h 638334"/>
-            </a:gdLst>
-            <a:ahLst/>
-            <a:cxnLst>
-              <a:cxn ang="0">
-                <a:pos x="connsiteX0" y="connsiteY0"/>
-              </a:cxn>
-              <a:cxn ang="0">
-                <a:pos x="connsiteX1" y="connsiteY1"/>
-              </a:cxn>
-              <a:cxn ang="0">
-                <a:pos x="connsiteX2" y="connsiteY2"/>
-              </a:cxn>
-              <a:cxn ang="0">
-                <a:pos x="connsiteX3" y="connsiteY3"/>
-              </a:cxn>
-              <a:cxn ang="0">
-                <a:pos x="connsiteX4" y="connsiteY4"/>
-              </a:cxn>
-              <a:cxn ang="0">
-                <a:pos x="connsiteX5" y="connsiteY5"/>
-              </a:cxn>
-            </a:cxnLst>
-            <a:rect l="l" t="t" r="r" b="b"/>
-            <a:pathLst>
-              <a:path w="990600" h="638334">
-                <a:moveTo>
-                  <a:pt x="0" y="439954"/>
-                </a:moveTo>
-                <a:cubicBezTo>
-                  <a:pt x="124619" y="476466"/>
-                  <a:pt x="249238" y="512979"/>
-                  <a:pt x="314325" y="439954"/>
-                </a:cubicBezTo>
-                <a:cubicBezTo>
-                  <a:pt x="379412" y="366929"/>
-                  <a:pt x="347663" y="-29946"/>
-                  <a:pt x="390525" y="1804"/>
-                </a:cubicBezTo>
-                <a:cubicBezTo>
-                  <a:pt x="433387" y="33554"/>
-                  <a:pt x="522288" y="571717"/>
-                  <a:pt x="571500" y="630454"/>
-                </a:cubicBezTo>
-                <a:cubicBezTo>
-                  <a:pt x="620713" y="689192"/>
-                  <a:pt x="615950" y="401854"/>
-                  <a:pt x="685800" y="354229"/>
-                </a:cubicBezTo>
-                <a:cubicBezTo>
-                  <a:pt x="755650" y="306604"/>
-                  <a:pt x="873125" y="325654"/>
-                  <a:pt x="990600" y="344704"/>
-                </a:cubicBezTo>
-              </a:path>
-            </a:pathLst>
-          </a:custGeom>
-          <a:noFill/>
-          <a:ln w="15875">
-            <a:solidFill>
-              <a:schemeClr val="tx1"/>
-            </a:solidFill>
-            <a:tailEnd type="arrow"/>
-          </a:ln>
-        </p:spPr>
-        <p:style>
-          <a:lnRef idx="2">
-            <a:schemeClr val="accent1">
-              <a:shade val="50000"/>
-            </a:schemeClr>
-          </a:lnRef>
-          <a:fillRef idx="1">
-            <a:schemeClr val="accent1"/>
-          </a:fillRef>
-          <a:effectRef idx="0">
-            <a:schemeClr val="accent1"/>
-          </a:effectRef>
-          <a:fontRef idx="minor">
-            <a:schemeClr val="lt1"/>
-          </a:fontRef>
-        </p:style>
-        <p:txBody>
-          <a:bodyPr rtlCol="0" anchor="ctr"/>
-          <a:lstStyle/>
-          <a:p>
-            <a:pPr algn="ctr"/>
-            <a:endParaRPr lang="it-IT"/>
-          </a:p>
-        </p:txBody>
-      </p:sp>
-    </p:spTree>
-    <p:extLst>
-      <p:ext uri="{BB962C8B-B14F-4D97-AF65-F5344CB8AC3E}">
-        <p14:creationId xmlns:p14="http://schemas.microsoft.com/office/powerpoint/2010/main" val="808280778"/>
-      </p:ext>
-    </p:extLst>
-  </p:cSld>
-  <p:clrMapOvr>
-    <a:masterClrMapping/>
-  </p:clrMapOvr>
-</p:sld>
-</file>
-
-<file path=ppt/slides/slide7.xml><?xml version="1.0" encoding="utf-8"?>
-<p:sld xmlns:a="http://schemas.openxmlformats.org/drawingml/2006/main" xmlns:r="http://schemas.openxmlformats.org/officeDocument/2006/relationships" xmlns:p="http://schemas.openxmlformats.org/presentationml/2006/main">
-  <p:cSld>
-    <p:spTree>
-      <p:nvGrpSpPr>
-        <p:cNvPr id="1" name=""/>
-        <p:cNvGrpSpPr/>
-        <p:nvPr/>
-      </p:nvGrpSpPr>
-      <p:grpSpPr>
-        <a:xfrm>
-          <a:off x="0" y="0"/>
-          <a:ext cx="0" cy="0"/>
-          <a:chOff x="0" y="0"/>
-          <a:chExt cx="0" cy="0"/>
-        </a:xfrm>
-      </p:grpSpPr>
-      <p:sp>
-        <p:nvSpPr>
-          <p:cNvPr id="7" name="Ovale 6">
-            <a:extLst>
-              <a:ext uri="{FF2B5EF4-FFF2-40B4-BE49-F238E27FC236}">
-                <a16:creationId xmlns:a16="http://schemas.microsoft.com/office/drawing/2014/main" id="{89FC37F9-070A-4437-BCA4-685B862773B8}"/>
-              </a:ext>
-            </a:extLst>
-          </p:cNvPr>
-          <p:cNvSpPr/>
-          <p:nvPr/>
-        </p:nvSpPr>
-        <p:spPr>
-          <a:xfrm>
-            <a:off x="9293085" y="4567434"/>
-            <a:ext cx="1857403" cy="1636771"/>
-          </a:xfrm>
-          <a:prstGeom prst="ellipse">
-            <a:avLst/>
-          </a:prstGeom>
-          <a:solidFill>
-            <a:schemeClr val="accent4">
-              <a:lumMod val="20000"/>
-              <a:lumOff val="80000"/>
-            </a:schemeClr>
-          </a:solidFill>
-          <a:ln w="12700">
-            <a:solidFill>
-              <a:schemeClr val="tx1"/>
-            </a:solidFill>
-          </a:ln>
-        </p:spPr>
-        <p:style>
-          <a:lnRef idx="2">
-            <a:schemeClr val="accent1">
-              <a:shade val="50000"/>
-            </a:schemeClr>
-          </a:lnRef>
-          <a:fillRef idx="1">
-            <a:schemeClr val="accent1"/>
-          </a:fillRef>
-          <a:effectRef idx="0">
-            <a:schemeClr val="accent1"/>
-          </a:effectRef>
-          <a:fontRef idx="minor">
-            <a:schemeClr val="lt1"/>
-          </a:fontRef>
-        </p:style>
-        <p:txBody>
-          <a:bodyPr rtlCol="0" anchor="ctr"/>
-          <a:lstStyle/>
-          <a:p>
-            <a:pPr algn="ctr"/>
-            <a:r>
-              <a:rPr lang="it-IT" sz="1400" dirty="0" smtClean="0">
-                <a:solidFill>
-                  <a:schemeClr val="tx1"/>
-                </a:solidFill>
-                <a:latin typeface="Century Schoolbook" panose="02040604050505020304" pitchFamily="18" charset="0"/>
-              </a:rPr>
-              <a:t>Virtual Environment</a:t>
-            </a:r>
-            <a:endParaRPr lang="it-IT" sz="1400" dirty="0">
-              <a:solidFill>
-                <a:schemeClr val="tx1"/>
-              </a:solidFill>
-              <a:latin typeface="Century Schoolbook" panose="02040604050505020304" pitchFamily="18" charset="0"/>
-            </a:endParaRPr>
-          </a:p>
-        </p:txBody>
-      </p:sp>
-      <p:sp>
-        <p:nvSpPr>
-          <p:cNvPr id="14" name="Ovale 13">
-            <a:extLst>
-              <a:ext uri="{FF2B5EF4-FFF2-40B4-BE49-F238E27FC236}">
-                <a16:creationId xmlns:a16="http://schemas.microsoft.com/office/drawing/2014/main" id="{D730308E-50C2-4F0A-9A73-ABE09ACFC7BE}"/>
-              </a:ext>
-            </a:extLst>
-          </p:cNvPr>
-          <p:cNvSpPr/>
-          <p:nvPr/>
-        </p:nvSpPr>
-        <p:spPr>
-          <a:xfrm>
-            <a:off x="806000" y="759713"/>
-            <a:ext cx="1857403" cy="1636769"/>
-          </a:xfrm>
-          <a:prstGeom prst="ellipse">
-            <a:avLst/>
-          </a:prstGeom>
-          <a:solidFill>
-            <a:schemeClr val="accent2">
-              <a:lumMod val="20000"/>
-              <a:lumOff val="80000"/>
-            </a:schemeClr>
-          </a:solidFill>
-          <a:ln w="12700">
-            <a:solidFill>
-              <a:schemeClr val="tx1"/>
-            </a:solidFill>
-          </a:ln>
-        </p:spPr>
-        <p:style>
-          <a:lnRef idx="2">
-            <a:schemeClr val="accent1">
-              <a:shade val="50000"/>
-            </a:schemeClr>
-          </a:lnRef>
-          <a:fillRef idx="1">
-            <a:schemeClr val="accent1"/>
-          </a:fillRef>
-          <a:effectRef idx="0">
-            <a:schemeClr val="accent1"/>
-          </a:effectRef>
-          <a:fontRef idx="minor">
-            <a:schemeClr val="lt1"/>
-          </a:fontRef>
-        </p:style>
-        <p:txBody>
-          <a:bodyPr rtlCol="0" anchor="ctr"/>
-          <a:lstStyle/>
-          <a:p>
-            <a:pPr algn="ctr"/>
-            <a:r>
-              <a:rPr lang="it-IT" sz="1400" dirty="0" smtClean="0">
-                <a:solidFill>
-                  <a:schemeClr val="tx1"/>
-                </a:solidFill>
-                <a:latin typeface="Century Schoolbook" panose="02040604050505020304" pitchFamily="18" charset="0"/>
-              </a:rPr>
-              <a:t>Weight</a:t>
-            </a:r>
-            <a:endParaRPr lang="it-IT" sz="1400" dirty="0">
-              <a:solidFill>
-                <a:schemeClr val="tx1"/>
-              </a:solidFill>
-              <a:latin typeface="Century Schoolbook" panose="02040604050505020304" pitchFamily="18" charset="0"/>
-            </a:endParaRPr>
-          </a:p>
-          <a:p>
-            <a:pPr algn="ctr"/>
-            <a:r>
-              <a:rPr lang="it-IT" sz="1400" dirty="0">
-                <a:solidFill>
-                  <a:schemeClr val="tx1"/>
-                </a:solidFill>
-                <a:latin typeface="Century Schoolbook" panose="02040604050505020304" pitchFamily="18" charset="0"/>
-              </a:rPr>
-              <a:t>Actor</a:t>
-            </a:r>
-          </a:p>
-        </p:txBody>
-      </p:sp>
-      <p:sp>
-        <p:nvSpPr>
-          <p:cNvPr id="15" name="Triangolo isoscele 14">
-            <a:extLst>
-              <a:ext uri="{FF2B5EF4-FFF2-40B4-BE49-F238E27FC236}">
-                <a16:creationId xmlns:a16="http://schemas.microsoft.com/office/drawing/2014/main" id="{92CE9E93-4516-46FF-BDA3-7E103FC05806}"/>
-              </a:ext>
-            </a:extLst>
-          </p:cNvPr>
-          <p:cNvSpPr/>
-          <p:nvPr/>
-        </p:nvSpPr>
-        <p:spPr>
-          <a:xfrm rot="16200000">
-            <a:off x="1529450" y="668463"/>
-            <a:ext cx="334579" cy="182501"/>
-          </a:xfrm>
-          <a:prstGeom prst="triangle">
-            <a:avLst/>
-          </a:prstGeom>
-          <a:solidFill>
-            <a:srgbClr val="FF0000"/>
-          </a:solidFill>
-          <a:ln w="12700">
-            <a:solidFill>
-              <a:schemeClr val="tx1"/>
-            </a:solidFill>
-          </a:ln>
-        </p:spPr>
-        <p:style>
-          <a:lnRef idx="2">
-            <a:schemeClr val="accent1">
-              <a:shade val="50000"/>
-            </a:schemeClr>
-          </a:lnRef>
-          <a:fillRef idx="1">
-            <a:schemeClr val="accent1"/>
-          </a:fillRef>
-          <a:effectRef idx="0">
-            <a:schemeClr val="accent1"/>
-          </a:effectRef>
-          <a:fontRef idx="minor">
-            <a:schemeClr val="lt1"/>
-          </a:fontRef>
-        </p:style>
-        <p:txBody>
-          <a:bodyPr rtlCol="0" anchor="ctr"/>
-          <a:lstStyle/>
-          <a:p>
-            <a:pPr algn="ctr"/>
-            <a:endParaRPr lang="it-IT"/>
-          </a:p>
-        </p:txBody>
-      </p:sp>
-      <p:sp>
-        <p:nvSpPr>
-          <p:cNvPr id="16" name="Rettangolo 15">
-            <a:extLst>
-              <a:ext uri="{FF2B5EF4-FFF2-40B4-BE49-F238E27FC236}">
-                <a16:creationId xmlns:a16="http://schemas.microsoft.com/office/drawing/2014/main" id="{2A90512A-9E37-483C-B175-4E3EADE12D1A}"/>
-              </a:ext>
-            </a:extLst>
-          </p:cNvPr>
-          <p:cNvSpPr/>
-          <p:nvPr/>
-        </p:nvSpPr>
-        <p:spPr>
-          <a:xfrm>
-            <a:off x="426473" y="1422486"/>
-            <a:ext cx="714644" cy="339520"/>
-          </a:xfrm>
-          <a:prstGeom prst="rect">
-            <a:avLst/>
-          </a:prstGeom>
-          <a:solidFill>
-            <a:schemeClr val="accent2">
-              <a:lumMod val="20000"/>
-              <a:lumOff val="80000"/>
-            </a:schemeClr>
-          </a:solidFill>
-          <a:ln w="12700">
-            <a:solidFill>
-              <a:schemeClr val="tx1"/>
-            </a:solidFill>
-          </a:ln>
-        </p:spPr>
-        <p:style>
-          <a:lnRef idx="2">
-            <a:schemeClr val="accent1">
-              <a:shade val="50000"/>
-            </a:schemeClr>
-          </a:lnRef>
-          <a:fillRef idx="1">
-            <a:schemeClr val="accent1"/>
-          </a:fillRef>
-          <a:effectRef idx="0">
-            <a:schemeClr val="accent1"/>
-          </a:effectRef>
-          <a:fontRef idx="minor">
-            <a:schemeClr val="lt1"/>
-          </a:fontRef>
-        </p:style>
-        <p:txBody>
-          <a:bodyPr rtlCol="0" anchor="ctr"/>
-          <a:lstStyle/>
-          <a:p>
-            <a:pPr algn="ctr"/>
-            <a:endParaRPr lang="it-IT"/>
-          </a:p>
-        </p:txBody>
-      </p:sp>
-      <p:sp>
-        <p:nvSpPr>
-          <p:cNvPr id="17" name="Ovale 16">
-            <a:extLst>
-              <a:ext uri="{FF2B5EF4-FFF2-40B4-BE49-F238E27FC236}">
-                <a16:creationId xmlns:a16="http://schemas.microsoft.com/office/drawing/2014/main" id="{61477D68-C5DB-4C9A-A5CE-C789181B086D}"/>
-              </a:ext>
-            </a:extLst>
-          </p:cNvPr>
-          <p:cNvSpPr/>
-          <p:nvPr/>
-        </p:nvSpPr>
-        <p:spPr>
-          <a:xfrm>
-            <a:off x="8561317" y="654373"/>
-            <a:ext cx="1857403" cy="1636770"/>
-          </a:xfrm>
-          <a:prstGeom prst="ellipse">
-            <a:avLst/>
-          </a:prstGeom>
-          <a:solidFill>
-            <a:schemeClr val="accent2">
-              <a:lumMod val="20000"/>
-              <a:lumOff val="80000"/>
-            </a:schemeClr>
-          </a:solidFill>
-          <a:ln w="12700">
-            <a:solidFill>
-              <a:schemeClr val="tx1"/>
-            </a:solidFill>
-          </a:ln>
-        </p:spPr>
-        <p:style>
-          <a:lnRef idx="2">
-            <a:schemeClr val="accent1">
-              <a:shade val="50000"/>
-            </a:schemeClr>
-          </a:lnRef>
-          <a:fillRef idx="1">
-            <a:schemeClr val="accent1"/>
-          </a:fillRef>
-          <a:effectRef idx="0">
-            <a:schemeClr val="accent1"/>
-          </a:effectRef>
-          <a:fontRef idx="minor">
-            <a:schemeClr val="lt1"/>
-          </a:fontRef>
-        </p:style>
-        <p:txBody>
-          <a:bodyPr rtlCol="0" anchor="ctr"/>
-          <a:lstStyle/>
-          <a:p>
-            <a:pPr algn="ctr"/>
-            <a:r>
-              <a:rPr lang="it-IT" sz="1400" dirty="0">
-                <a:solidFill>
-                  <a:schemeClr val="tx1"/>
-                </a:solidFill>
-                <a:latin typeface="Century Schoolbook" panose="02040604050505020304" pitchFamily="18" charset="0"/>
-              </a:rPr>
-              <a:t>Fan</a:t>
-            </a:r>
-          </a:p>
-          <a:p>
-            <a:pPr algn="ctr"/>
-            <a:r>
-              <a:rPr lang="it-IT" sz="1400" dirty="0">
-                <a:solidFill>
-                  <a:schemeClr val="tx1"/>
-                </a:solidFill>
-                <a:latin typeface="Century Schoolbook" panose="02040604050505020304" pitchFamily="18" charset="0"/>
-              </a:rPr>
-              <a:t>Actor</a:t>
-            </a:r>
-          </a:p>
-        </p:txBody>
-      </p:sp>
-      <p:sp>
-        <p:nvSpPr>
-          <p:cNvPr id="19" name="Rettangolo 18">
-            <a:extLst>
-              <a:ext uri="{FF2B5EF4-FFF2-40B4-BE49-F238E27FC236}">
-                <a16:creationId xmlns:a16="http://schemas.microsoft.com/office/drawing/2014/main" id="{D0D196ED-8B3E-49CA-8474-7BC6D32F1734}"/>
-              </a:ext>
-            </a:extLst>
-          </p:cNvPr>
-          <p:cNvSpPr/>
-          <p:nvPr/>
-        </p:nvSpPr>
-        <p:spPr>
-          <a:xfrm>
-            <a:off x="8125683" y="1235624"/>
-            <a:ext cx="714644" cy="339520"/>
-          </a:xfrm>
-          <a:prstGeom prst="rect">
-            <a:avLst/>
-          </a:prstGeom>
-          <a:solidFill>
-            <a:schemeClr val="accent2">
-              <a:lumMod val="20000"/>
-              <a:lumOff val="80000"/>
-            </a:schemeClr>
-          </a:solidFill>
-          <a:ln w="12700">
-            <a:solidFill>
-              <a:schemeClr val="tx1"/>
-            </a:solidFill>
-          </a:ln>
-        </p:spPr>
-        <p:style>
-          <a:lnRef idx="2">
-            <a:schemeClr val="accent1">
-              <a:shade val="50000"/>
-            </a:schemeClr>
-          </a:lnRef>
-          <a:fillRef idx="1">
-            <a:schemeClr val="accent1"/>
-          </a:fillRef>
-          <a:effectRef idx="0">
-            <a:schemeClr val="accent1"/>
-          </a:effectRef>
-          <a:fontRef idx="minor">
-            <a:schemeClr val="lt1"/>
-          </a:fontRef>
-        </p:style>
-        <p:txBody>
-          <a:bodyPr rtlCol="0" anchor="ctr"/>
-          <a:lstStyle/>
-          <a:p>
-            <a:pPr algn="ctr"/>
-            <a:endParaRPr lang="it-IT"/>
-          </a:p>
-        </p:txBody>
-      </p:sp>
-      <p:sp>
-        <p:nvSpPr>
-          <p:cNvPr id="23" name="Ovale 22">
-            <a:extLst>
-              <a:ext uri="{FF2B5EF4-FFF2-40B4-BE49-F238E27FC236}">
-                <a16:creationId xmlns:a16="http://schemas.microsoft.com/office/drawing/2014/main" id="{BBCA4ED2-540F-47F3-A6A9-2638DE17168D}"/>
-              </a:ext>
-            </a:extLst>
-          </p:cNvPr>
-          <p:cNvSpPr/>
-          <p:nvPr/>
-        </p:nvSpPr>
-        <p:spPr>
-          <a:xfrm>
-            <a:off x="939594" y="4970206"/>
-            <a:ext cx="1905929" cy="1636771"/>
-          </a:xfrm>
-          <a:prstGeom prst="ellipse">
-            <a:avLst/>
-          </a:prstGeom>
-          <a:solidFill>
-            <a:schemeClr val="accent2">
-              <a:lumMod val="20000"/>
-              <a:lumOff val="80000"/>
-            </a:schemeClr>
-          </a:solidFill>
-          <a:ln w="12700">
-            <a:solidFill>
-              <a:schemeClr val="tx1"/>
-            </a:solidFill>
-          </a:ln>
-        </p:spPr>
-        <p:style>
-          <a:lnRef idx="2">
-            <a:schemeClr val="accent1">
-              <a:shade val="50000"/>
-            </a:schemeClr>
-          </a:lnRef>
-          <a:fillRef idx="1">
-            <a:schemeClr val="accent1"/>
-          </a:fillRef>
-          <a:effectRef idx="0">
-            <a:schemeClr val="accent1"/>
-          </a:effectRef>
-          <a:fontRef idx="minor">
-            <a:schemeClr val="lt1"/>
-          </a:fontRef>
-        </p:style>
-        <p:txBody>
-          <a:bodyPr rtlCol="0" anchor="ctr"/>
-          <a:lstStyle/>
-          <a:p>
-            <a:pPr algn="ctr"/>
-            <a:r>
-              <a:rPr lang="it-IT" sz="1400" dirty="0" smtClean="0">
-                <a:solidFill>
-                  <a:schemeClr val="tx1"/>
-                </a:solidFill>
-                <a:latin typeface="Century Schoolbook" panose="02040604050505020304" pitchFamily="18" charset="0"/>
-              </a:rPr>
-              <a:t>Sonar</a:t>
-            </a:r>
-            <a:endParaRPr lang="it-IT" sz="1400" dirty="0">
-              <a:solidFill>
-                <a:schemeClr val="tx1"/>
-              </a:solidFill>
-              <a:latin typeface="Century Schoolbook" panose="02040604050505020304" pitchFamily="18" charset="0"/>
-            </a:endParaRPr>
-          </a:p>
-          <a:p>
-            <a:pPr algn="ctr"/>
-            <a:r>
-              <a:rPr lang="it-IT" sz="1400" dirty="0">
-                <a:solidFill>
-                  <a:schemeClr val="tx1"/>
-                </a:solidFill>
-                <a:latin typeface="Century Schoolbook" panose="02040604050505020304" pitchFamily="18" charset="0"/>
-              </a:rPr>
-              <a:t>Actor</a:t>
-            </a:r>
-          </a:p>
-        </p:txBody>
-      </p:sp>
-      <p:sp>
-        <p:nvSpPr>
-          <p:cNvPr id="25" name="Rettangolo 24">
-            <a:extLst>
-              <a:ext uri="{FF2B5EF4-FFF2-40B4-BE49-F238E27FC236}">
-                <a16:creationId xmlns:a16="http://schemas.microsoft.com/office/drawing/2014/main" id="{F21F5878-EC00-4196-A658-CC0F42AA5337}"/>
-              </a:ext>
-            </a:extLst>
-          </p:cNvPr>
-          <p:cNvSpPr/>
-          <p:nvPr/>
-        </p:nvSpPr>
-        <p:spPr>
-          <a:xfrm>
-            <a:off x="503960" y="5551458"/>
-            <a:ext cx="714644" cy="339520"/>
-          </a:xfrm>
-          <a:prstGeom prst="rect">
-            <a:avLst/>
-          </a:prstGeom>
-          <a:solidFill>
-            <a:schemeClr val="accent2">
-              <a:lumMod val="20000"/>
-              <a:lumOff val="80000"/>
-            </a:schemeClr>
-          </a:solidFill>
-          <a:ln w="12700">
-            <a:solidFill>
-              <a:schemeClr val="tx1"/>
-            </a:solidFill>
-          </a:ln>
-        </p:spPr>
-        <p:style>
-          <a:lnRef idx="2">
-            <a:schemeClr val="accent1">
-              <a:shade val="50000"/>
-            </a:schemeClr>
-          </a:lnRef>
-          <a:fillRef idx="1">
-            <a:schemeClr val="accent1"/>
-          </a:fillRef>
-          <a:effectRef idx="0">
-            <a:schemeClr val="accent1"/>
-          </a:effectRef>
-          <a:fontRef idx="minor">
-            <a:schemeClr val="lt1"/>
-          </a:fontRef>
-        </p:style>
-        <p:txBody>
-          <a:bodyPr rtlCol="0" anchor="ctr"/>
-          <a:lstStyle/>
-          <a:p>
-            <a:pPr algn="ctr"/>
-            <a:endParaRPr lang="it-IT"/>
-          </a:p>
-        </p:txBody>
-      </p:sp>
-      <p:sp>
-        <p:nvSpPr>
-          <p:cNvPr id="26" name="Triangolo isoscele 25">
-            <a:extLst>
-              <a:ext uri="{FF2B5EF4-FFF2-40B4-BE49-F238E27FC236}">
-                <a16:creationId xmlns:a16="http://schemas.microsoft.com/office/drawing/2014/main" id="{9CAE1808-6BAC-4DE6-B88B-C7DF4498F972}"/>
-              </a:ext>
-            </a:extLst>
-          </p:cNvPr>
-          <p:cNvSpPr/>
-          <p:nvPr/>
-        </p:nvSpPr>
-        <p:spPr>
-          <a:xfrm rot="16200000">
-            <a:off x="9335668" y="557359"/>
-            <a:ext cx="334579" cy="182501"/>
-          </a:xfrm>
-          <a:prstGeom prst="triangle">
-            <a:avLst/>
-          </a:prstGeom>
-          <a:solidFill>
-            <a:srgbClr val="FF0000"/>
-          </a:solidFill>
-          <a:ln w="12700">
-            <a:solidFill>
-              <a:schemeClr val="tx1"/>
-            </a:solidFill>
-          </a:ln>
-        </p:spPr>
-        <p:style>
-          <a:lnRef idx="2">
-            <a:schemeClr val="accent1">
-              <a:shade val="50000"/>
-            </a:schemeClr>
-          </a:lnRef>
-          <a:fillRef idx="1">
-            <a:schemeClr val="accent1"/>
-          </a:fillRef>
-          <a:effectRef idx="0">
-            <a:schemeClr val="accent1"/>
-          </a:effectRef>
-          <a:fontRef idx="minor">
-            <a:schemeClr val="lt1"/>
-          </a:fontRef>
-        </p:style>
-        <p:txBody>
-          <a:bodyPr rtlCol="0" anchor="ctr"/>
-          <a:lstStyle/>
-          <a:p>
-            <a:pPr algn="ctr"/>
-            <a:endParaRPr lang="it-IT"/>
-          </a:p>
-        </p:txBody>
-      </p:sp>
-      <p:sp>
-        <p:nvSpPr>
-          <p:cNvPr id="27" name="Triangolo isoscele 26">
-            <a:extLst>
-              <a:ext uri="{FF2B5EF4-FFF2-40B4-BE49-F238E27FC236}">
-                <a16:creationId xmlns:a16="http://schemas.microsoft.com/office/drawing/2014/main" id="{CC46F1F8-3ACE-4BB2-9921-DB49F6873A20}"/>
-              </a:ext>
-            </a:extLst>
-          </p:cNvPr>
-          <p:cNvSpPr/>
-          <p:nvPr/>
-        </p:nvSpPr>
-        <p:spPr>
-          <a:xfrm rot="16200000">
-            <a:off x="10054498" y="4476184"/>
-            <a:ext cx="334579" cy="182501"/>
-          </a:xfrm>
-          <a:prstGeom prst="triangle">
-            <a:avLst/>
-          </a:prstGeom>
-          <a:solidFill>
-            <a:srgbClr val="FF0000"/>
-          </a:solidFill>
-          <a:ln w="12700">
-            <a:solidFill>
-              <a:schemeClr val="tx1"/>
-            </a:solidFill>
-          </a:ln>
-        </p:spPr>
-        <p:style>
-          <a:lnRef idx="2">
-            <a:schemeClr val="accent1">
-              <a:shade val="50000"/>
-            </a:schemeClr>
-          </a:lnRef>
-          <a:fillRef idx="1">
-            <a:schemeClr val="accent1"/>
-          </a:fillRef>
-          <a:effectRef idx="0">
-            <a:schemeClr val="accent1"/>
-          </a:effectRef>
-          <a:fontRef idx="minor">
-            <a:schemeClr val="lt1"/>
-          </a:fontRef>
-        </p:style>
-        <p:txBody>
-          <a:bodyPr rtlCol="0" anchor="ctr"/>
-          <a:lstStyle/>
-          <a:p>
-            <a:pPr algn="ctr"/>
-            <a:endParaRPr lang="it-IT"/>
-          </a:p>
-        </p:txBody>
-      </p:sp>
-      <p:sp>
-        <p:nvSpPr>
-          <p:cNvPr id="28" name="Triangolo isoscele 27">
-            <a:extLst>
-              <a:ext uri="{FF2B5EF4-FFF2-40B4-BE49-F238E27FC236}">
-                <a16:creationId xmlns:a16="http://schemas.microsoft.com/office/drawing/2014/main" id="{970D0960-8DAD-462C-AEB8-6084C9782178}"/>
-              </a:ext>
-            </a:extLst>
-          </p:cNvPr>
-          <p:cNvSpPr/>
-          <p:nvPr/>
-        </p:nvSpPr>
-        <p:spPr>
-          <a:xfrm rot="16200000">
-            <a:off x="1723530" y="4878956"/>
-            <a:ext cx="334579" cy="182501"/>
-          </a:xfrm>
-          <a:prstGeom prst="triangle">
-            <a:avLst/>
-          </a:prstGeom>
-          <a:solidFill>
-            <a:srgbClr val="FF0000"/>
-          </a:solidFill>
-          <a:ln w="12700">
-            <a:solidFill>
-              <a:schemeClr val="tx1"/>
-            </a:solidFill>
-          </a:ln>
-        </p:spPr>
-        <p:style>
-          <a:lnRef idx="2">
-            <a:schemeClr val="accent1">
-              <a:shade val="50000"/>
-            </a:schemeClr>
-          </a:lnRef>
-          <a:fillRef idx="1">
-            <a:schemeClr val="accent1"/>
-          </a:fillRef>
-          <a:effectRef idx="0">
-            <a:schemeClr val="accent1"/>
-          </a:effectRef>
-          <a:fontRef idx="minor">
-            <a:schemeClr val="lt1"/>
-          </a:fontRef>
-        </p:style>
-        <p:txBody>
-          <a:bodyPr rtlCol="0" anchor="ctr"/>
-          <a:lstStyle/>
-          <a:p>
-            <a:pPr algn="ctr"/>
-            <a:endParaRPr lang="it-IT"/>
-          </a:p>
-        </p:txBody>
-      </p:sp>
-      <p:sp>
-        <p:nvSpPr>
-          <p:cNvPr id="29" name="Ovale 28">
-            <a:extLst>
-              <a:ext uri="{FF2B5EF4-FFF2-40B4-BE49-F238E27FC236}">
-                <a16:creationId xmlns:a16="http://schemas.microsoft.com/office/drawing/2014/main" id="{DF2514AF-7CB4-4E97-88AA-A7322A070659}"/>
-              </a:ext>
-            </a:extLst>
-          </p:cNvPr>
-          <p:cNvSpPr/>
-          <p:nvPr/>
-        </p:nvSpPr>
-        <p:spPr>
-          <a:xfrm>
-            <a:off x="4511262" y="2817291"/>
-            <a:ext cx="1857403" cy="1636769"/>
-          </a:xfrm>
-          <a:prstGeom prst="ellipse">
-            <a:avLst/>
-          </a:prstGeom>
-          <a:solidFill>
-            <a:schemeClr val="accent2">
-              <a:lumMod val="20000"/>
-              <a:lumOff val="80000"/>
-            </a:schemeClr>
-          </a:solidFill>
-          <a:ln w="12700">
-            <a:solidFill>
-              <a:schemeClr val="tx1"/>
-            </a:solidFill>
-          </a:ln>
-        </p:spPr>
-        <p:style>
-          <a:lnRef idx="2">
-            <a:schemeClr val="accent1">
-              <a:shade val="50000"/>
-            </a:schemeClr>
-          </a:lnRef>
-          <a:fillRef idx="1">
-            <a:schemeClr val="accent1"/>
-          </a:fillRef>
-          <a:effectRef idx="0">
-            <a:schemeClr val="accent1"/>
-          </a:effectRef>
-          <a:fontRef idx="minor">
-            <a:schemeClr val="lt1"/>
-          </a:fontRef>
-        </p:style>
-        <p:txBody>
-          <a:bodyPr rtlCol="0" anchor="ctr"/>
-          <a:lstStyle/>
-          <a:p>
-            <a:pPr algn="ctr"/>
-            <a:r>
-              <a:rPr lang="it-IT" sz="1400" dirty="0">
-                <a:solidFill>
-                  <a:schemeClr val="tx1"/>
-                </a:solidFill>
-                <a:latin typeface="Century Schoolbook" panose="02040604050505020304" pitchFamily="18" charset="0"/>
-              </a:rPr>
-              <a:t>Park Manager Service</a:t>
-            </a:r>
-          </a:p>
-          <a:p>
-            <a:pPr algn="ctr"/>
-            <a:r>
-              <a:rPr lang="it-IT" sz="1400" dirty="0" smtClean="0">
-                <a:solidFill>
-                  <a:schemeClr val="tx1"/>
-                </a:solidFill>
-                <a:latin typeface="Century Schoolbook" panose="02040604050505020304" pitchFamily="18" charset="0"/>
-              </a:rPr>
-              <a:t>(</a:t>
-            </a:r>
-            <a:r>
-              <a:rPr lang="it-IT" sz="1400" dirty="0" smtClean="0">
-                <a:solidFill>
-                  <a:schemeClr val="tx1"/>
-                </a:solidFill>
-                <a:latin typeface="Century Schoolbook" panose="02040604050505020304" pitchFamily="18" charset="0"/>
-              </a:rPr>
-              <a:t> business Logic )</a:t>
-            </a:r>
-            <a:endParaRPr lang="it-IT" sz="1400" dirty="0">
-              <a:solidFill>
-                <a:schemeClr val="tx1"/>
-              </a:solidFill>
-              <a:latin typeface="Century Schoolbook" panose="02040604050505020304" pitchFamily="18" charset="0"/>
-            </a:endParaRPr>
-          </a:p>
-        </p:txBody>
-      </p:sp>
-      <p:sp>
-        <p:nvSpPr>
-          <p:cNvPr id="30" name="Triangolo isoscele 29">
-            <a:extLst>
-              <a:ext uri="{FF2B5EF4-FFF2-40B4-BE49-F238E27FC236}">
-                <a16:creationId xmlns:a16="http://schemas.microsoft.com/office/drawing/2014/main" id="{F00ED55C-50B1-4116-AE35-B24C0346EA9D}"/>
-              </a:ext>
-            </a:extLst>
-          </p:cNvPr>
-          <p:cNvSpPr/>
-          <p:nvPr/>
-        </p:nvSpPr>
-        <p:spPr>
-          <a:xfrm rot="16200000">
-            <a:off x="5234712" y="2726041"/>
-            <a:ext cx="334579" cy="182501"/>
-          </a:xfrm>
-          <a:prstGeom prst="triangle">
-            <a:avLst/>
-          </a:prstGeom>
-          <a:solidFill>
-            <a:srgbClr val="FF0000"/>
-          </a:solidFill>
-          <a:ln w="12700">
-            <a:solidFill>
-              <a:schemeClr val="tx1"/>
-            </a:solidFill>
-          </a:ln>
-        </p:spPr>
-        <p:style>
-          <a:lnRef idx="2">
-            <a:schemeClr val="accent1">
-              <a:shade val="50000"/>
-            </a:schemeClr>
-          </a:lnRef>
-          <a:fillRef idx="1">
-            <a:schemeClr val="accent1"/>
-          </a:fillRef>
-          <a:effectRef idx="0">
-            <a:schemeClr val="accent1"/>
-          </a:effectRef>
-          <a:fontRef idx="minor">
-            <a:schemeClr val="lt1"/>
-          </a:fontRef>
-        </p:style>
-        <p:txBody>
-          <a:bodyPr rtlCol="0" anchor="ctr"/>
-          <a:lstStyle/>
-          <a:p>
-            <a:pPr algn="ctr"/>
-            <a:endParaRPr lang="it-IT"/>
-          </a:p>
-        </p:txBody>
-      </p:sp>
-      <p:sp>
-        <p:nvSpPr>
-          <p:cNvPr id="31" name="Rettangolo 30">
-            <a:extLst>
-              <a:ext uri="{FF2B5EF4-FFF2-40B4-BE49-F238E27FC236}">
-                <a16:creationId xmlns:a16="http://schemas.microsoft.com/office/drawing/2014/main" id="{0531960E-FB0B-47EF-9792-36C0BECA7830}"/>
-              </a:ext>
-            </a:extLst>
-          </p:cNvPr>
-          <p:cNvSpPr/>
-          <p:nvPr/>
-        </p:nvSpPr>
-        <p:spPr>
-          <a:xfrm>
-            <a:off x="4131735" y="3480064"/>
-            <a:ext cx="714644" cy="339520"/>
-          </a:xfrm>
-          <a:prstGeom prst="rect">
-            <a:avLst/>
-          </a:prstGeom>
-          <a:solidFill>
-            <a:schemeClr val="accent2">
-              <a:lumMod val="20000"/>
-              <a:lumOff val="80000"/>
-            </a:schemeClr>
-          </a:solidFill>
-          <a:ln w="12700">
-            <a:solidFill>
-              <a:schemeClr val="tx1"/>
-            </a:solidFill>
-          </a:ln>
-        </p:spPr>
-        <p:style>
-          <a:lnRef idx="2">
-            <a:schemeClr val="accent1">
-              <a:shade val="50000"/>
-            </a:schemeClr>
-          </a:lnRef>
-          <a:fillRef idx="1">
-            <a:schemeClr val="accent1"/>
-          </a:fillRef>
-          <a:effectRef idx="0">
-            <a:schemeClr val="accent1"/>
-          </a:effectRef>
-          <a:fontRef idx="minor">
-            <a:schemeClr val="lt1"/>
-          </a:fontRef>
-        </p:style>
-        <p:txBody>
-          <a:bodyPr rtlCol="0" anchor="ctr"/>
-          <a:lstStyle/>
-          <a:p>
-            <a:pPr algn="ctr"/>
-            <a:endParaRPr lang="it-IT"/>
-          </a:p>
-        </p:txBody>
-      </p:sp>
-      <p:sp>
-        <p:nvSpPr>
-          <p:cNvPr id="34" name="Figura a mano libera 33"/>
-          <p:cNvSpPr/>
-          <p:nvPr/>
-        </p:nvSpPr>
-        <p:spPr>
-          <a:xfrm>
-            <a:off x="2951586" y="3307712"/>
-            <a:ext cx="990600" cy="638334"/>
-          </a:xfrm>
-          <a:custGeom>
-            <a:avLst/>
-            <a:gdLst>
-              <a:gd name="connsiteX0" fmla="*/ 0 w 990600"/>
-              <a:gd name="connsiteY0" fmla="*/ 439954 h 638334"/>
-              <a:gd name="connsiteX1" fmla="*/ 314325 w 990600"/>
-              <a:gd name="connsiteY1" fmla="*/ 439954 h 638334"/>
-              <a:gd name="connsiteX2" fmla="*/ 390525 w 990600"/>
-              <a:gd name="connsiteY2" fmla="*/ 1804 h 638334"/>
-              <a:gd name="connsiteX3" fmla="*/ 571500 w 990600"/>
-              <a:gd name="connsiteY3" fmla="*/ 630454 h 638334"/>
-              <a:gd name="connsiteX4" fmla="*/ 685800 w 990600"/>
-              <a:gd name="connsiteY4" fmla="*/ 354229 h 638334"/>
-              <a:gd name="connsiteX5" fmla="*/ 990600 w 990600"/>
-              <a:gd name="connsiteY5" fmla="*/ 344704 h 638334"/>
-            </a:gdLst>
-            <a:ahLst/>
-            <a:cxnLst>
-              <a:cxn ang="0">
-                <a:pos x="connsiteX0" y="connsiteY0"/>
-              </a:cxn>
-              <a:cxn ang="0">
-                <a:pos x="connsiteX1" y="connsiteY1"/>
-              </a:cxn>
-              <a:cxn ang="0">
-                <a:pos x="connsiteX2" y="connsiteY2"/>
-              </a:cxn>
-              <a:cxn ang="0">
-                <a:pos x="connsiteX3" y="connsiteY3"/>
-              </a:cxn>
-              <a:cxn ang="0">
-                <a:pos x="connsiteX4" y="connsiteY4"/>
-              </a:cxn>
-              <a:cxn ang="0">
-                <a:pos x="connsiteX5" y="connsiteY5"/>
-              </a:cxn>
-            </a:cxnLst>
-            <a:rect l="l" t="t" r="r" b="b"/>
-            <a:pathLst>
-              <a:path w="990600" h="638334">
-                <a:moveTo>
-                  <a:pt x="0" y="439954"/>
-                </a:moveTo>
-                <a:cubicBezTo>
-                  <a:pt x="124619" y="476466"/>
-                  <a:pt x="249238" y="512979"/>
-                  <a:pt x="314325" y="439954"/>
-                </a:cubicBezTo>
-                <a:cubicBezTo>
-                  <a:pt x="379412" y="366929"/>
-                  <a:pt x="347663" y="-29946"/>
-                  <a:pt x="390525" y="1804"/>
-                </a:cubicBezTo>
-                <a:cubicBezTo>
-                  <a:pt x="433387" y="33554"/>
-                  <a:pt x="522288" y="571717"/>
-                  <a:pt x="571500" y="630454"/>
-                </a:cubicBezTo>
-                <a:cubicBezTo>
-                  <a:pt x="620713" y="689192"/>
-                  <a:pt x="615950" y="401854"/>
-                  <a:pt x="685800" y="354229"/>
-                </a:cubicBezTo>
-                <a:cubicBezTo>
-                  <a:pt x="755650" y="306604"/>
-                  <a:pt x="873125" y="325654"/>
-                  <a:pt x="990600" y="344704"/>
-                </a:cubicBezTo>
-              </a:path>
-            </a:pathLst>
-          </a:custGeom>
-          <a:noFill/>
-          <a:ln w="15875">
-            <a:solidFill>
-              <a:schemeClr val="tx1"/>
-            </a:solidFill>
-            <a:tailEnd type="arrow"/>
-          </a:ln>
-        </p:spPr>
-        <p:style>
-          <a:lnRef idx="2">
-            <a:schemeClr val="accent1">
-              <a:shade val="50000"/>
-            </a:schemeClr>
-          </a:lnRef>
-          <a:fillRef idx="1">
-            <a:schemeClr val="accent1"/>
-          </a:fillRef>
-          <a:effectRef idx="0">
-            <a:schemeClr val="accent1"/>
-          </a:effectRef>
-          <a:fontRef idx="minor">
-            <a:schemeClr val="lt1"/>
-          </a:fontRef>
-        </p:style>
-        <p:txBody>
-          <a:bodyPr rtlCol="0" anchor="ctr"/>
-          <a:lstStyle/>
-          <a:p>
-            <a:pPr algn="ctr"/>
-            <a:endParaRPr lang="it-IT"/>
-          </a:p>
-        </p:txBody>
-      </p:sp>
-      <p:sp>
-        <p:nvSpPr>
-          <p:cNvPr id="36" name="Figura a mano libera 35"/>
-          <p:cNvSpPr/>
-          <p:nvPr/>
-        </p:nvSpPr>
-        <p:spPr>
-          <a:xfrm rot="19800000">
-            <a:off x="2699345" y="4395352"/>
-            <a:ext cx="1767172" cy="638334"/>
-          </a:xfrm>
-          <a:custGeom>
-            <a:avLst/>
-            <a:gdLst>
-              <a:gd name="connsiteX0" fmla="*/ 0 w 990600"/>
-              <a:gd name="connsiteY0" fmla="*/ 439954 h 638334"/>
-              <a:gd name="connsiteX1" fmla="*/ 314325 w 990600"/>
-              <a:gd name="connsiteY1" fmla="*/ 439954 h 638334"/>
-              <a:gd name="connsiteX2" fmla="*/ 390525 w 990600"/>
-              <a:gd name="connsiteY2" fmla="*/ 1804 h 638334"/>
-              <a:gd name="connsiteX3" fmla="*/ 571500 w 990600"/>
-              <a:gd name="connsiteY3" fmla="*/ 630454 h 638334"/>
-              <a:gd name="connsiteX4" fmla="*/ 685800 w 990600"/>
-              <a:gd name="connsiteY4" fmla="*/ 354229 h 638334"/>
-              <a:gd name="connsiteX5" fmla="*/ 990600 w 990600"/>
-              <a:gd name="connsiteY5" fmla="*/ 344704 h 638334"/>
-            </a:gdLst>
-            <a:ahLst/>
-            <a:cxnLst>
-              <a:cxn ang="0">
-                <a:pos x="connsiteX0" y="connsiteY0"/>
-              </a:cxn>
-              <a:cxn ang="0">
-                <a:pos x="connsiteX1" y="connsiteY1"/>
-              </a:cxn>
-              <a:cxn ang="0">
-                <a:pos x="connsiteX2" y="connsiteY2"/>
-              </a:cxn>
-              <a:cxn ang="0">
-                <a:pos x="connsiteX3" y="connsiteY3"/>
-              </a:cxn>
-              <a:cxn ang="0">
-                <a:pos x="connsiteX4" y="connsiteY4"/>
-              </a:cxn>
-              <a:cxn ang="0">
-                <a:pos x="connsiteX5" y="connsiteY5"/>
-              </a:cxn>
-            </a:cxnLst>
-            <a:rect l="l" t="t" r="r" b="b"/>
-            <a:pathLst>
-              <a:path w="990600" h="638334">
-                <a:moveTo>
-                  <a:pt x="0" y="439954"/>
-                </a:moveTo>
-                <a:cubicBezTo>
-                  <a:pt x="124619" y="476466"/>
-                  <a:pt x="249238" y="512979"/>
-                  <a:pt x="314325" y="439954"/>
-                </a:cubicBezTo>
-                <a:cubicBezTo>
-                  <a:pt x="379412" y="366929"/>
-                  <a:pt x="347663" y="-29946"/>
-                  <a:pt x="390525" y="1804"/>
-                </a:cubicBezTo>
-                <a:cubicBezTo>
-                  <a:pt x="433387" y="33554"/>
-                  <a:pt x="522288" y="571717"/>
-                  <a:pt x="571500" y="630454"/>
-                </a:cubicBezTo>
-                <a:cubicBezTo>
-                  <a:pt x="620713" y="689192"/>
-                  <a:pt x="615950" y="401854"/>
-                  <a:pt x="685800" y="354229"/>
-                </a:cubicBezTo>
-                <a:cubicBezTo>
-                  <a:pt x="755650" y="306604"/>
-                  <a:pt x="873125" y="325654"/>
-                  <a:pt x="990600" y="344704"/>
-                </a:cubicBezTo>
-              </a:path>
-            </a:pathLst>
-          </a:custGeom>
-          <a:noFill/>
-          <a:ln w="15875">
-            <a:solidFill>
-              <a:schemeClr val="tx1"/>
-            </a:solidFill>
-            <a:tailEnd type="arrow"/>
-          </a:ln>
-        </p:spPr>
-        <p:style>
-          <a:lnRef idx="2">
-            <a:schemeClr val="accent1">
-              <a:shade val="50000"/>
-            </a:schemeClr>
-          </a:lnRef>
-          <a:fillRef idx="1">
-            <a:schemeClr val="accent1"/>
-          </a:fillRef>
-          <a:effectRef idx="0">
-            <a:schemeClr val="accent1"/>
-          </a:effectRef>
-          <a:fontRef idx="minor">
-            <a:schemeClr val="lt1"/>
-          </a:fontRef>
-        </p:style>
-        <p:txBody>
-          <a:bodyPr rtlCol="0" anchor="ctr"/>
-          <a:lstStyle/>
-          <a:p>
-            <a:pPr algn="ctr"/>
-            <a:endParaRPr lang="it-IT"/>
-          </a:p>
-        </p:txBody>
-      </p:sp>
-      <p:sp>
-        <p:nvSpPr>
-          <p:cNvPr id="37" name="Figura a mano libera 36"/>
-          <p:cNvSpPr/>
-          <p:nvPr/>
-        </p:nvSpPr>
-        <p:spPr>
-          <a:xfrm rot="1800000">
-            <a:off x="2886728" y="1871791"/>
-            <a:ext cx="1767172" cy="638334"/>
-          </a:xfrm>
-          <a:custGeom>
-            <a:avLst/>
-            <a:gdLst>
-              <a:gd name="connsiteX0" fmla="*/ 0 w 990600"/>
-              <a:gd name="connsiteY0" fmla="*/ 439954 h 638334"/>
-              <a:gd name="connsiteX1" fmla="*/ 314325 w 990600"/>
-              <a:gd name="connsiteY1" fmla="*/ 439954 h 638334"/>
-              <a:gd name="connsiteX2" fmla="*/ 390525 w 990600"/>
-              <a:gd name="connsiteY2" fmla="*/ 1804 h 638334"/>
-              <a:gd name="connsiteX3" fmla="*/ 571500 w 990600"/>
-              <a:gd name="connsiteY3" fmla="*/ 630454 h 638334"/>
-              <a:gd name="connsiteX4" fmla="*/ 685800 w 990600"/>
-              <a:gd name="connsiteY4" fmla="*/ 354229 h 638334"/>
-              <a:gd name="connsiteX5" fmla="*/ 990600 w 990600"/>
-              <a:gd name="connsiteY5" fmla="*/ 344704 h 638334"/>
-            </a:gdLst>
-            <a:ahLst/>
-            <a:cxnLst>
-              <a:cxn ang="0">
-                <a:pos x="connsiteX0" y="connsiteY0"/>
-              </a:cxn>
-              <a:cxn ang="0">
-                <a:pos x="connsiteX1" y="connsiteY1"/>
-              </a:cxn>
-              <a:cxn ang="0">
-                <a:pos x="connsiteX2" y="connsiteY2"/>
-              </a:cxn>
-              <a:cxn ang="0">
-                <a:pos x="connsiteX3" y="connsiteY3"/>
-              </a:cxn>
-              <a:cxn ang="0">
-                <a:pos x="connsiteX4" y="connsiteY4"/>
-              </a:cxn>
-              <a:cxn ang="0">
-                <a:pos x="connsiteX5" y="connsiteY5"/>
-              </a:cxn>
-            </a:cxnLst>
-            <a:rect l="l" t="t" r="r" b="b"/>
-            <a:pathLst>
-              <a:path w="990600" h="638334">
-                <a:moveTo>
-                  <a:pt x="0" y="439954"/>
-                </a:moveTo>
-                <a:cubicBezTo>
-                  <a:pt x="124619" y="476466"/>
-                  <a:pt x="249238" y="512979"/>
-                  <a:pt x="314325" y="439954"/>
-                </a:cubicBezTo>
-                <a:cubicBezTo>
-                  <a:pt x="379412" y="366929"/>
-                  <a:pt x="347663" y="-29946"/>
-                  <a:pt x="390525" y="1804"/>
-                </a:cubicBezTo>
-                <a:cubicBezTo>
-                  <a:pt x="433387" y="33554"/>
-                  <a:pt x="522288" y="571717"/>
-                  <a:pt x="571500" y="630454"/>
-                </a:cubicBezTo>
-                <a:cubicBezTo>
-                  <a:pt x="620713" y="689192"/>
-                  <a:pt x="615950" y="401854"/>
-                  <a:pt x="685800" y="354229"/>
-                </a:cubicBezTo>
-                <a:cubicBezTo>
-                  <a:pt x="755650" y="306604"/>
-                  <a:pt x="873125" y="325654"/>
-                  <a:pt x="990600" y="344704"/>
-                </a:cubicBezTo>
-              </a:path>
-            </a:pathLst>
-          </a:custGeom>
-          <a:noFill/>
-          <a:ln w="15875">
-            <a:solidFill>
-              <a:schemeClr val="tx1"/>
-            </a:solidFill>
-            <a:tailEnd type="arrow"/>
-          </a:ln>
-        </p:spPr>
-        <p:style>
-          <a:lnRef idx="2">
-            <a:schemeClr val="accent1">
-              <a:shade val="50000"/>
-            </a:schemeClr>
-          </a:lnRef>
-          <a:fillRef idx="1">
-            <a:schemeClr val="accent1"/>
-          </a:fillRef>
-          <a:effectRef idx="0">
-            <a:schemeClr val="accent1"/>
-          </a:effectRef>
-          <a:fontRef idx="minor">
-            <a:schemeClr val="lt1"/>
-          </a:fontRef>
-        </p:style>
-        <p:txBody>
-          <a:bodyPr rtlCol="0" anchor="ctr"/>
-          <a:lstStyle/>
-          <a:p>
-            <a:pPr algn="ctr"/>
-            <a:endParaRPr lang="it-IT"/>
-          </a:p>
-        </p:txBody>
-      </p:sp>
-      <p:cxnSp>
-        <p:nvCxnSpPr>
-          <p:cNvPr id="38" name="Connettore 2 37"/>
-          <p:cNvCxnSpPr/>
-          <p:nvPr/>
-        </p:nvCxnSpPr>
-        <p:spPr>
-          <a:xfrm flipV="1">
-            <a:off x="6397403" y="1976569"/>
-            <a:ext cx="1725937" cy="923260"/>
-          </a:xfrm>
-          <a:prstGeom prst="straightConnector1">
-            <a:avLst/>
-          </a:prstGeom>
-          <a:ln w="19050">
-            <a:solidFill>
-              <a:schemeClr val="tx1"/>
-            </a:solidFill>
-            <a:prstDash val="sysDash"/>
-            <a:headEnd type="none" w="med" len="med"/>
-            <a:tailEnd type="arrow" w="med" len="med"/>
-          </a:ln>
-        </p:spPr>
-        <p:style>
-          <a:lnRef idx="1">
-            <a:schemeClr val="accent1"/>
-          </a:lnRef>
-          <a:fillRef idx="0">
-            <a:schemeClr val="accent1"/>
-          </a:fillRef>
-          <a:effectRef idx="0">
-            <a:schemeClr val="accent1"/>
-          </a:effectRef>
-          <a:fontRef idx="minor">
-            <a:schemeClr val="tx1"/>
-          </a:fontRef>
-        </p:style>
-      </p:cxnSp>
-      <p:grpSp>
-        <p:nvGrpSpPr>
-          <p:cNvPr id="3" name="Gruppo 2"/>
-          <p:cNvGrpSpPr/>
-          <p:nvPr/>
-        </p:nvGrpSpPr>
-        <p:grpSpPr>
-          <a:xfrm rot="900000">
-            <a:off x="6630929" y="3900132"/>
-            <a:ext cx="844768" cy="342073"/>
-            <a:chOff x="8144484" y="4563130"/>
-            <a:chExt cx="844768" cy="342073"/>
-          </a:xfrm>
-        </p:grpSpPr>
-        <p:cxnSp>
-          <p:nvCxnSpPr>
-            <p:cNvPr id="41" name="Connettore 2 40"/>
-            <p:cNvCxnSpPr/>
-            <p:nvPr/>
-          </p:nvCxnSpPr>
-          <p:spPr>
-            <a:xfrm flipV="1">
-              <a:off x="8144484" y="4634422"/>
-              <a:ext cx="721852" cy="2"/>
-            </a:xfrm>
-            <a:prstGeom prst="straightConnector1">
-              <a:avLst/>
-            </a:prstGeom>
-            <a:ln w="19050">
-              <a:solidFill>
-                <a:schemeClr val="tx1"/>
-              </a:solidFill>
-              <a:headEnd type="none" w="med" len="med"/>
-              <a:tailEnd type="none" w="med" len="med"/>
-            </a:ln>
-          </p:spPr>
-          <p:style>
-            <a:lnRef idx="1">
-              <a:schemeClr val="accent1"/>
-            </a:lnRef>
-            <a:fillRef idx="0">
-              <a:schemeClr val="accent1"/>
-            </a:fillRef>
-            <a:effectRef idx="0">
-              <a:schemeClr val="accent1"/>
-            </a:effectRef>
-            <a:fontRef idx="minor">
-              <a:schemeClr val="tx1"/>
-            </a:fontRef>
-          </p:style>
-        </p:cxnSp>
-        <p:sp>
-          <p:nvSpPr>
-            <p:cNvPr id="42" name="Triangolo isoscele 41"/>
-            <p:cNvSpPr/>
-            <p:nvPr/>
-          </p:nvSpPr>
-          <p:spPr>
-            <a:xfrm rot="16200000" flipV="1">
-              <a:off x="8856502" y="4572964"/>
-              <a:ext cx="142583" cy="122916"/>
-            </a:xfrm>
-            <a:prstGeom prst="triangle">
-              <a:avLst/>
-            </a:prstGeom>
-            <a:solidFill>
-              <a:schemeClr val="bg1"/>
-            </a:solidFill>
-            <a:ln w="15875">
-              <a:solidFill>
-                <a:schemeClr val="tx1"/>
-              </a:solidFill>
-            </a:ln>
-          </p:spPr>
-          <p:style>
-            <a:lnRef idx="2">
-              <a:schemeClr val="accent1">
-                <a:shade val="50000"/>
-              </a:schemeClr>
-            </a:lnRef>
-            <a:fillRef idx="1">
-              <a:schemeClr val="accent1"/>
-            </a:fillRef>
-            <a:effectRef idx="0">
-              <a:schemeClr val="accent1"/>
-            </a:effectRef>
-            <a:fontRef idx="minor">
-              <a:schemeClr val="lt1"/>
-            </a:fontRef>
-          </p:style>
-          <p:txBody>
-            <a:bodyPr rtlCol="0" anchor="ctr"/>
-            <a:lstStyle/>
-            <a:p>
-              <a:pPr algn="ctr"/>
-              <a:endParaRPr lang="it-IT"/>
-            </a:p>
-          </p:txBody>
-        </p:sp>
-        <p:cxnSp>
-          <p:nvCxnSpPr>
-            <p:cNvPr id="43" name="Connettore 2 42"/>
-            <p:cNvCxnSpPr/>
-            <p:nvPr/>
-          </p:nvCxnSpPr>
-          <p:spPr>
-            <a:xfrm flipV="1">
-              <a:off x="8267400" y="4833910"/>
-              <a:ext cx="721852" cy="2"/>
-            </a:xfrm>
-            <a:prstGeom prst="straightConnector1">
-              <a:avLst/>
-            </a:prstGeom>
-            <a:ln w="19050">
-              <a:solidFill>
-                <a:schemeClr val="tx1"/>
-              </a:solidFill>
-              <a:prstDash val="sysDash"/>
-              <a:headEnd type="none" w="med" len="med"/>
-              <a:tailEnd type="none" w="med" len="med"/>
-            </a:ln>
-          </p:spPr>
-          <p:style>
-            <a:lnRef idx="1">
-              <a:schemeClr val="accent1"/>
-            </a:lnRef>
-            <a:fillRef idx="0">
-              <a:schemeClr val="accent1"/>
-            </a:fillRef>
-            <a:effectRef idx="0">
-              <a:schemeClr val="accent1"/>
-            </a:effectRef>
-            <a:fontRef idx="minor">
-              <a:schemeClr val="tx1"/>
-            </a:fontRef>
-          </p:style>
-        </p:cxnSp>
-        <p:sp>
-          <p:nvSpPr>
-            <p:cNvPr id="44" name="Triangolo isoscele 43"/>
-            <p:cNvSpPr/>
-            <p:nvPr/>
-          </p:nvSpPr>
-          <p:spPr>
-            <a:xfrm rot="5400000" flipH="1" flipV="1">
-              <a:off x="8167744" y="4772454"/>
-              <a:ext cx="142583" cy="122916"/>
-            </a:xfrm>
-            <a:prstGeom prst="triangle">
-              <a:avLst/>
-            </a:prstGeom>
-            <a:solidFill>
-              <a:schemeClr val="bg1"/>
-            </a:solidFill>
-            <a:ln w="15875">
-              <a:solidFill>
-                <a:schemeClr val="tx1"/>
-              </a:solidFill>
-            </a:ln>
-          </p:spPr>
-          <p:style>
-            <a:lnRef idx="2">
-              <a:schemeClr val="accent1">
-                <a:shade val="50000"/>
-              </a:schemeClr>
-            </a:lnRef>
-            <a:fillRef idx="1">
-              <a:schemeClr val="accent1"/>
-            </a:fillRef>
-            <a:effectRef idx="0">
-              <a:schemeClr val="accent1"/>
-            </a:effectRef>
-            <a:fontRef idx="minor">
-              <a:schemeClr val="lt1"/>
-            </a:fontRef>
-          </p:style>
-          <p:txBody>
-            <a:bodyPr rtlCol="0" anchor="ctr"/>
-            <a:lstStyle/>
-            <a:p>
-              <a:pPr algn="ctr"/>
-              <a:endParaRPr lang="it-IT"/>
-            </a:p>
-          </p:txBody>
-        </p:sp>
-      </p:grpSp>
-      <p:sp>
-        <p:nvSpPr>
-          <p:cNvPr id="45" name="Ovale 44">
-            <a:extLst>
-              <a:ext uri="{FF2B5EF4-FFF2-40B4-BE49-F238E27FC236}">
-                <a16:creationId xmlns:a16="http://schemas.microsoft.com/office/drawing/2014/main" id="{D730308E-50C2-4F0A-9A73-ABE09ACFC7BE}"/>
-              </a:ext>
-            </a:extLst>
-          </p:cNvPr>
-          <p:cNvSpPr/>
-          <p:nvPr/>
-        </p:nvSpPr>
-        <p:spPr>
-          <a:xfrm>
-            <a:off x="3901119" y="4928056"/>
-            <a:ext cx="1857403" cy="1636769"/>
-          </a:xfrm>
-          <a:prstGeom prst="ellipse">
-            <a:avLst/>
-          </a:prstGeom>
-          <a:solidFill>
-            <a:schemeClr val="accent2">
-              <a:lumMod val="20000"/>
-              <a:lumOff val="80000"/>
-            </a:schemeClr>
-          </a:solidFill>
-          <a:ln w="12700">
-            <a:solidFill>
-              <a:schemeClr val="tx1"/>
-            </a:solidFill>
-          </a:ln>
-        </p:spPr>
-        <p:style>
-          <a:lnRef idx="2">
-            <a:schemeClr val="accent1">
-              <a:shade val="50000"/>
-            </a:schemeClr>
-          </a:lnRef>
-          <a:fillRef idx="1">
-            <a:schemeClr val="accent1"/>
-          </a:fillRef>
-          <a:effectRef idx="0">
-            <a:schemeClr val="accent1"/>
-          </a:effectRef>
-          <a:fontRef idx="minor">
-            <a:schemeClr val="lt1"/>
-          </a:fontRef>
-        </p:style>
-        <p:txBody>
-          <a:bodyPr rtlCol="0" anchor="ctr"/>
-          <a:lstStyle/>
-          <a:p>
-            <a:pPr algn="ctr"/>
-            <a:r>
-              <a:rPr lang="it-IT" sz="1400" dirty="0" smtClean="0">
-                <a:solidFill>
-                  <a:schemeClr val="tx1"/>
-                </a:solidFill>
-                <a:latin typeface="Century Schoolbook" panose="02040604050505020304" pitchFamily="18" charset="0"/>
-              </a:rPr>
-              <a:t>Park Service GUI Actor</a:t>
-            </a:r>
-            <a:endParaRPr lang="it-IT" sz="1400" dirty="0">
-              <a:solidFill>
-                <a:schemeClr val="tx1"/>
-              </a:solidFill>
-              <a:latin typeface="Century Schoolbook" panose="02040604050505020304" pitchFamily="18" charset="0"/>
-            </a:endParaRPr>
-          </a:p>
-        </p:txBody>
-      </p:sp>
-      <p:sp>
-        <p:nvSpPr>
-          <p:cNvPr id="47" name="Triangolo isoscele 46">
-            <a:extLst>
-              <a:ext uri="{FF2B5EF4-FFF2-40B4-BE49-F238E27FC236}">
-                <a16:creationId xmlns:a16="http://schemas.microsoft.com/office/drawing/2014/main" id="{92CE9E93-4516-46FF-BDA3-7E103FC05806}"/>
-              </a:ext>
-            </a:extLst>
-          </p:cNvPr>
-          <p:cNvSpPr/>
-          <p:nvPr/>
-        </p:nvSpPr>
-        <p:spPr>
-          <a:xfrm rot="16200000">
-            <a:off x="4624569" y="4836806"/>
-            <a:ext cx="334579" cy="182501"/>
-          </a:xfrm>
-          <a:prstGeom prst="triangle">
-            <a:avLst/>
-          </a:prstGeom>
-          <a:solidFill>
-            <a:srgbClr val="FF0000"/>
-          </a:solidFill>
-          <a:ln w="12700">
-            <a:solidFill>
-              <a:schemeClr val="tx1"/>
-            </a:solidFill>
-          </a:ln>
-        </p:spPr>
-        <p:style>
-          <a:lnRef idx="2">
-            <a:schemeClr val="accent1">
-              <a:shade val="50000"/>
-            </a:schemeClr>
-          </a:lnRef>
-          <a:fillRef idx="1">
-            <a:schemeClr val="accent1"/>
-          </a:fillRef>
-          <a:effectRef idx="0">
-            <a:schemeClr val="accent1"/>
-          </a:effectRef>
-          <a:fontRef idx="minor">
-            <a:schemeClr val="lt1"/>
-          </a:fontRef>
-        </p:style>
-        <p:txBody>
-          <a:bodyPr rtlCol="0" anchor="ctr"/>
-          <a:lstStyle/>
-          <a:p>
-            <a:pPr algn="ctr"/>
-            <a:endParaRPr lang="it-IT"/>
-          </a:p>
-        </p:txBody>
-      </p:sp>
-      <p:sp>
-        <p:nvSpPr>
-          <p:cNvPr id="49" name="Rettangolo 48">
-            <a:extLst>
-              <a:ext uri="{FF2B5EF4-FFF2-40B4-BE49-F238E27FC236}">
-                <a16:creationId xmlns:a16="http://schemas.microsoft.com/office/drawing/2014/main" id="{2A90512A-9E37-483C-B175-4E3EADE12D1A}"/>
-              </a:ext>
-            </a:extLst>
-          </p:cNvPr>
-          <p:cNvSpPr/>
-          <p:nvPr/>
-        </p:nvSpPr>
-        <p:spPr>
-          <a:xfrm>
-            <a:off x="3521592" y="5590829"/>
-            <a:ext cx="714644" cy="339520"/>
-          </a:xfrm>
-          <a:prstGeom prst="rect">
-            <a:avLst/>
-          </a:prstGeom>
-          <a:solidFill>
-            <a:schemeClr val="accent2">
-              <a:lumMod val="20000"/>
-              <a:lumOff val="80000"/>
-            </a:schemeClr>
-          </a:solidFill>
-          <a:ln w="12700">
-            <a:solidFill>
-              <a:schemeClr val="tx1"/>
-            </a:solidFill>
-          </a:ln>
-        </p:spPr>
-        <p:style>
-          <a:lnRef idx="2">
-            <a:schemeClr val="accent1">
-              <a:shade val="50000"/>
-            </a:schemeClr>
-          </a:lnRef>
-          <a:fillRef idx="1">
-            <a:schemeClr val="accent1"/>
-          </a:fillRef>
-          <a:effectRef idx="0">
-            <a:schemeClr val="accent1"/>
-          </a:effectRef>
-          <a:fontRef idx="minor">
-            <a:schemeClr val="lt1"/>
-          </a:fontRef>
-        </p:style>
-        <p:txBody>
-          <a:bodyPr rtlCol="0" anchor="ctr"/>
-          <a:lstStyle/>
-          <a:p>
-            <a:pPr algn="ctr"/>
-            <a:endParaRPr lang="it-IT"/>
-          </a:p>
-        </p:txBody>
-      </p:sp>
-      <p:sp>
-        <p:nvSpPr>
-          <p:cNvPr id="50" name="Ovale 49">
-            <a:extLst>
-              <a:ext uri="{FF2B5EF4-FFF2-40B4-BE49-F238E27FC236}">
-                <a16:creationId xmlns:a16="http://schemas.microsoft.com/office/drawing/2014/main" id="{D730308E-50C2-4F0A-9A73-ABE09ACFC7BE}"/>
-              </a:ext>
-            </a:extLst>
-          </p:cNvPr>
-          <p:cNvSpPr/>
-          <p:nvPr/>
-        </p:nvSpPr>
-        <p:spPr>
-          <a:xfrm>
-            <a:off x="6982924" y="5072593"/>
-            <a:ext cx="1857403" cy="1636769"/>
-          </a:xfrm>
-          <a:prstGeom prst="ellipse">
-            <a:avLst/>
-          </a:prstGeom>
-          <a:solidFill>
-            <a:schemeClr val="accent2">
-              <a:lumMod val="20000"/>
-              <a:lumOff val="80000"/>
-            </a:schemeClr>
-          </a:solidFill>
-          <a:ln w="12700">
-            <a:solidFill>
-              <a:schemeClr val="tx1"/>
-            </a:solidFill>
-          </a:ln>
-        </p:spPr>
-        <p:style>
-          <a:lnRef idx="2">
-            <a:schemeClr val="accent1">
-              <a:shade val="50000"/>
-            </a:schemeClr>
-          </a:lnRef>
-          <a:fillRef idx="1">
-            <a:schemeClr val="accent1"/>
-          </a:fillRef>
-          <a:effectRef idx="0">
-            <a:schemeClr val="accent1"/>
-          </a:effectRef>
-          <a:fontRef idx="minor">
-            <a:schemeClr val="lt1"/>
-          </a:fontRef>
-        </p:style>
-        <p:txBody>
-          <a:bodyPr rtlCol="0" anchor="ctr"/>
-          <a:lstStyle/>
-          <a:p>
-            <a:pPr algn="ctr"/>
-            <a:r>
-              <a:rPr lang="it-IT" sz="1400" dirty="0" smtClean="0">
-                <a:solidFill>
-                  <a:schemeClr val="tx1"/>
-                </a:solidFill>
-                <a:latin typeface="Century Schoolbook" panose="02040604050505020304" pitchFamily="18" charset="0"/>
-              </a:rPr>
-              <a:t>Park Service Status GUI Actor</a:t>
-            </a:r>
-            <a:endParaRPr lang="it-IT" sz="1400" dirty="0">
-              <a:solidFill>
-                <a:schemeClr val="tx1"/>
-              </a:solidFill>
-              <a:latin typeface="Century Schoolbook" panose="02040604050505020304" pitchFamily="18" charset="0"/>
-            </a:endParaRPr>
-          </a:p>
-        </p:txBody>
-      </p:sp>
-      <p:sp>
-        <p:nvSpPr>
-          <p:cNvPr id="51" name="Triangolo isoscele 50">
-            <a:extLst>
-              <a:ext uri="{FF2B5EF4-FFF2-40B4-BE49-F238E27FC236}">
-                <a16:creationId xmlns:a16="http://schemas.microsoft.com/office/drawing/2014/main" id="{92CE9E93-4516-46FF-BDA3-7E103FC05806}"/>
-              </a:ext>
-            </a:extLst>
-          </p:cNvPr>
-          <p:cNvSpPr/>
-          <p:nvPr/>
-        </p:nvSpPr>
-        <p:spPr>
-          <a:xfrm rot="16200000">
-            <a:off x="7706374" y="4981343"/>
-            <a:ext cx="334579" cy="182501"/>
-          </a:xfrm>
-          <a:prstGeom prst="triangle">
-            <a:avLst/>
-          </a:prstGeom>
-          <a:solidFill>
-            <a:srgbClr val="FF0000"/>
-          </a:solidFill>
-          <a:ln w="12700">
-            <a:solidFill>
-              <a:schemeClr val="tx1"/>
-            </a:solidFill>
-          </a:ln>
-        </p:spPr>
-        <p:style>
-          <a:lnRef idx="2">
-            <a:schemeClr val="accent1">
-              <a:shade val="50000"/>
-            </a:schemeClr>
-          </a:lnRef>
-          <a:fillRef idx="1">
-            <a:schemeClr val="accent1"/>
-          </a:fillRef>
-          <a:effectRef idx="0">
-            <a:schemeClr val="accent1"/>
-          </a:effectRef>
-          <a:fontRef idx="minor">
-            <a:schemeClr val="lt1"/>
-          </a:fontRef>
-        </p:style>
-        <p:txBody>
-          <a:bodyPr rtlCol="0" anchor="ctr"/>
-          <a:lstStyle/>
-          <a:p>
-            <a:pPr algn="ctr"/>
-            <a:endParaRPr lang="it-IT"/>
-          </a:p>
-        </p:txBody>
-      </p:sp>
-      <p:sp>
-        <p:nvSpPr>
-          <p:cNvPr id="52" name="Rettangolo 51">
-            <a:extLst>
-              <a:ext uri="{FF2B5EF4-FFF2-40B4-BE49-F238E27FC236}">
-                <a16:creationId xmlns:a16="http://schemas.microsoft.com/office/drawing/2014/main" id="{2A90512A-9E37-483C-B175-4E3EADE12D1A}"/>
-              </a:ext>
-            </a:extLst>
-          </p:cNvPr>
-          <p:cNvSpPr/>
-          <p:nvPr/>
-        </p:nvSpPr>
-        <p:spPr>
-          <a:xfrm>
-            <a:off x="6603397" y="5735366"/>
-            <a:ext cx="714644" cy="339520"/>
-          </a:xfrm>
-          <a:prstGeom prst="rect">
-            <a:avLst/>
-          </a:prstGeom>
-          <a:solidFill>
-            <a:schemeClr val="accent2">
-              <a:lumMod val="20000"/>
-              <a:lumOff val="80000"/>
-            </a:schemeClr>
-          </a:solidFill>
-          <a:ln w="12700">
-            <a:solidFill>
-              <a:schemeClr val="tx1"/>
-            </a:solidFill>
-          </a:ln>
-        </p:spPr>
-        <p:style>
-          <a:lnRef idx="2">
-            <a:schemeClr val="accent1">
-              <a:shade val="50000"/>
-            </a:schemeClr>
-          </a:lnRef>
-          <a:fillRef idx="1">
-            <a:schemeClr val="accent1"/>
-          </a:fillRef>
-          <a:effectRef idx="0">
-            <a:schemeClr val="accent1"/>
-          </a:effectRef>
-          <a:fontRef idx="minor">
-            <a:schemeClr val="lt1"/>
-          </a:fontRef>
-        </p:style>
-        <p:txBody>
-          <a:bodyPr rtlCol="0" anchor="ctr"/>
-          <a:lstStyle/>
-          <a:p>
-            <a:pPr algn="ctr"/>
-            <a:endParaRPr lang="it-IT"/>
-          </a:p>
-        </p:txBody>
-      </p:sp>
-      <p:sp>
-        <p:nvSpPr>
-          <p:cNvPr id="55" name="Ovale 54">
-            <a:extLst>
-              <a:ext uri="{FF2B5EF4-FFF2-40B4-BE49-F238E27FC236}">
-                <a16:creationId xmlns:a16="http://schemas.microsoft.com/office/drawing/2014/main" id="{D730308E-50C2-4F0A-9A73-ABE09ACFC7BE}"/>
-              </a:ext>
-            </a:extLst>
-          </p:cNvPr>
-          <p:cNvSpPr/>
-          <p:nvPr/>
-        </p:nvSpPr>
-        <p:spPr>
-          <a:xfrm>
-            <a:off x="760932" y="2696179"/>
-            <a:ext cx="1902471" cy="1676484"/>
-          </a:xfrm>
-          <a:prstGeom prst="ellipse">
-            <a:avLst/>
-          </a:prstGeom>
-          <a:solidFill>
-            <a:schemeClr val="accent2">
-              <a:lumMod val="20000"/>
-              <a:lumOff val="80000"/>
-            </a:schemeClr>
-          </a:solidFill>
-          <a:ln w="12700">
-            <a:solidFill>
-              <a:schemeClr val="tx1"/>
-            </a:solidFill>
-          </a:ln>
-        </p:spPr>
-        <p:style>
-          <a:lnRef idx="2">
-            <a:schemeClr val="accent1">
-              <a:shade val="50000"/>
-            </a:schemeClr>
-          </a:lnRef>
-          <a:fillRef idx="1">
-            <a:schemeClr val="accent1"/>
-          </a:fillRef>
-          <a:effectRef idx="0">
-            <a:schemeClr val="accent1"/>
-          </a:effectRef>
-          <a:fontRef idx="minor">
-            <a:schemeClr val="lt1"/>
-          </a:fontRef>
-        </p:style>
-        <p:txBody>
-          <a:bodyPr rtlCol="0" anchor="ctr"/>
-          <a:lstStyle/>
-          <a:p>
-            <a:pPr algn="ctr"/>
-            <a:r>
-              <a:rPr lang="it-IT" sz="1400" dirty="0" smtClean="0">
-                <a:solidFill>
-                  <a:schemeClr val="tx1"/>
-                </a:solidFill>
-                <a:latin typeface="Century Schoolbook" panose="02040604050505020304" pitchFamily="18" charset="0"/>
-              </a:rPr>
-              <a:t>Thermometer</a:t>
-            </a:r>
-            <a:endParaRPr lang="it-IT" sz="1400" dirty="0">
-              <a:solidFill>
-                <a:schemeClr val="tx1"/>
-              </a:solidFill>
-              <a:latin typeface="Century Schoolbook" panose="02040604050505020304" pitchFamily="18" charset="0"/>
-            </a:endParaRPr>
-          </a:p>
-          <a:p>
-            <a:pPr algn="ctr"/>
-            <a:r>
-              <a:rPr lang="it-IT" sz="1400" dirty="0">
-                <a:solidFill>
-                  <a:schemeClr val="tx1"/>
-                </a:solidFill>
-                <a:latin typeface="Century Schoolbook" panose="02040604050505020304" pitchFamily="18" charset="0"/>
-              </a:rPr>
-              <a:t>Actor</a:t>
-            </a:r>
-          </a:p>
-        </p:txBody>
-      </p:sp>
-      <p:sp>
-        <p:nvSpPr>
-          <p:cNvPr id="57" name="Triangolo isoscele 56">
-            <a:extLst>
-              <a:ext uri="{FF2B5EF4-FFF2-40B4-BE49-F238E27FC236}">
-                <a16:creationId xmlns:a16="http://schemas.microsoft.com/office/drawing/2014/main" id="{92CE9E93-4516-46FF-BDA3-7E103FC05806}"/>
-              </a:ext>
-            </a:extLst>
-          </p:cNvPr>
-          <p:cNvSpPr/>
-          <p:nvPr/>
-        </p:nvSpPr>
-        <p:spPr>
-          <a:xfrm rot="16200000">
-            <a:off x="1484382" y="2644643"/>
-            <a:ext cx="334579" cy="182501"/>
-          </a:xfrm>
-          <a:prstGeom prst="triangle">
-            <a:avLst/>
-          </a:prstGeom>
-          <a:solidFill>
-            <a:srgbClr val="FF0000"/>
-          </a:solidFill>
-          <a:ln w="12700">
-            <a:solidFill>
-              <a:schemeClr val="tx1"/>
-            </a:solidFill>
-          </a:ln>
-        </p:spPr>
-        <p:style>
-          <a:lnRef idx="2">
-            <a:schemeClr val="accent1">
-              <a:shade val="50000"/>
-            </a:schemeClr>
-          </a:lnRef>
-          <a:fillRef idx="1">
-            <a:schemeClr val="accent1"/>
-          </a:fillRef>
-          <a:effectRef idx="0">
-            <a:schemeClr val="accent1"/>
-          </a:effectRef>
-          <a:fontRef idx="minor">
-            <a:schemeClr val="lt1"/>
-          </a:fontRef>
-        </p:style>
-        <p:txBody>
-          <a:bodyPr rtlCol="0" anchor="ctr"/>
-          <a:lstStyle/>
-          <a:p>
-            <a:pPr algn="ctr"/>
-            <a:endParaRPr lang="it-IT"/>
-          </a:p>
-        </p:txBody>
-      </p:sp>
-      <p:sp>
-        <p:nvSpPr>
-          <p:cNvPr id="58" name="Rettangolo 57">
-            <a:extLst>
-              <a:ext uri="{FF2B5EF4-FFF2-40B4-BE49-F238E27FC236}">
-                <a16:creationId xmlns:a16="http://schemas.microsoft.com/office/drawing/2014/main" id="{2A90512A-9E37-483C-B175-4E3EADE12D1A}"/>
-              </a:ext>
-            </a:extLst>
-          </p:cNvPr>
-          <p:cNvSpPr/>
-          <p:nvPr/>
-        </p:nvSpPr>
-        <p:spPr>
-          <a:xfrm>
-            <a:off x="381405" y="3398666"/>
-            <a:ext cx="714644" cy="339520"/>
-          </a:xfrm>
-          <a:prstGeom prst="rect">
-            <a:avLst/>
-          </a:prstGeom>
-          <a:solidFill>
-            <a:schemeClr val="accent2">
-              <a:lumMod val="20000"/>
-              <a:lumOff val="80000"/>
-            </a:schemeClr>
-          </a:solidFill>
-          <a:ln w="12700">
-            <a:solidFill>
-              <a:schemeClr val="tx1"/>
-            </a:solidFill>
-          </a:ln>
-        </p:spPr>
-        <p:style>
-          <a:lnRef idx="2">
-            <a:schemeClr val="accent1">
-              <a:shade val="50000"/>
-            </a:schemeClr>
-          </a:lnRef>
-          <a:fillRef idx="1">
-            <a:schemeClr val="accent1"/>
-          </a:fillRef>
-          <a:effectRef idx="0">
-            <a:schemeClr val="accent1"/>
-          </a:effectRef>
-          <a:fontRef idx="minor">
-            <a:schemeClr val="lt1"/>
-          </a:fontRef>
-        </p:style>
-        <p:txBody>
-          <a:bodyPr rtlCol="0" anchor="ctr"/>
-          <a:lstStyle/>
-          <a:p>
-            <a:pPr algn="ctr"/>
-            <a:endParaRPr lang="it-IT"/>
-          </a:p>
-        </p:txBody>
-      </p:sp>
-    </p:spTree>
-    <p:extLst>
-      <p:ext uri="{BB962C8B-B14F-4D97-AF65-F5344CB8AC3E}">
-        <p14:creationId xmlns:p14="http://schemas.microsoft.com/office/powerpoint/2010/main" val="3789791558"/>
-      </p:ext>
-    </p:extLst>
-  </p:cSld>
-  <p:clrMapOvr>
-    <a:masterClrMapping/>
-  </p:clrMapOvr>
-</p:sld>
-</file>
-
-<file path=ppt/slides/slide8.xml><?xml version="1.0" encoding="utf-8"?>
 <p:sld xmlns:a="http://schemas.openxmlformats.org/drawingml/2006/main" xmlns:r="http://schemas.openxmlformats.org/officeDocument/2006/relationships" xmlns:p="http://schemas.openxmlformats.org/presentationml/2006/main">
   <p:cSld>
     <p:spTree>
@@ -13632,14 +11166,6 @@
               </a:rPr>
               <a:t>.</a:t>
             </a:r>
-            <a:endParaRPr lang="it-IT" sz="1200" dirty="0">
-              <a:solidFill>
-                <a:schemeClr val="accent1">
-                  <a:lumMod val="75000"/>
-                </a:schemeClr>
-              </a:solidFill>
-              <a:latin typeface="Bookman Old Style" panose="02050604050505020204" pitchFamily="18" charset="0"/>
-            </a:endParaRPr>
           </a:p>
         </p:txBody>
       </p:sp>
@@ -14234,7 +11760,7 @@
 </p:sld>
 </file>
 
-<file path=ppt/slides/slide9.xml><?xml version="1.0" encoding="utf-8"?>
+<file path=ppt/slides/slide7.xml><?xml version="1.0" encoding="utf-8"?>
 <p:sld xmlns:a="http://schemas.openxmlformats.org/drawingml/2006/main" xmlns:r="http://schemas.openxmlformats.org/officeDocument/2006/relationships" xmlns:p="http://schemas.openxmlformats.org/presentationml/2006/main">
   <p:cSld>
     <p:spTree>
@@ -14259,7 +11785,7 @@
         </p:nvGrpSpPr>
         <p:grpSpPr>
           <a:xfrm>
-            <a:off x="9134203" y="2883317"/>
+            <a:off x="5573236" y="4611480"/>
             <a:ext cx="1926426" cy="1214172"/>
             <a:chOff x="402476" y="5184618"/>
             <a:chExt cx="1926426" cy="1214172"/>
@@ -14319,23 +11845,8 @@
                   </a:solidFill>
                   <a:latin typeface="Century Schoolbook" panose="02040604050505020304" pitchFamily="18" charset="0"/>
                 </a:rPr>
-                <a:t>Temperature </a:t>
+                <a:t>Temperature Sentinel</a:t>
               </a:r>
-              <a:r>
-                <a:rPr lang="it-IT" sz="1200" dirty="0" err="1" smtClean="0">
-                  <a:solidFill>
-                    <a:schemeClr val="tx1"/>
-                  </a:solidFill>
-                  <a:latin typeface="Century Schoolbook" panose="02040604050505020304" pitchFamily="18" charset="0"/>
-                </a:rPr>
-                <a:t>Sentinel</a:t>
-              </a:r>
-              <a:endParaRPr lang="it-IT" sz="1200" dirty="0" smtClean="0">
-                <a:solidFill>
-                  <a:schemeClr val="tx1"/>
-                </a:solidFill>
-                <a:latin typeface="Century Schoolbook" panose="02040604050505020304" pitchFamily="18" charset="0"/>
-              </a:endParaRPr>
             </a:p>
           </p:txBody>
         </p:sp>
@@ -14439,15 +11950,429 @@
           </p:txBody>
         </p:sp>
       </p:grpSp>
-      <p:sp>
-        <p:nvSpPr>
-          <p:cNvPr id="12" name="Figura a mano libera 11"/>
+      <p:grpSp>
+        <p:nvGrpSpPr>
+          <p:cNvPr id="15" name="Gruppo 14"/>
+          <p:cNvGrpSpPr/>
+          <p:nvPr/>
+        </p:nvGrpSpPr>
+        <p:grpSpPr>
+          <a:xfrm>
+            <a:off x="5573236" y="3245569"/>
+            <a:ext cx="1926426" cy="1214172"/>
+            <a:chOff x="402476" y="5184618"/>
+            <a:chExt cx="1926426" cy="1214172"/>
+          </a:xfrm>
+        </p:grpSpPr>
+        <p:sp>
+          <p:nvSpPr>
+            <p:cNvPr id="16" name="Ovale 15"/>
+            <p:cNvSpPr/>
+            <p:nvPr/>
+          </p:nvSpPr>
+          <p:spPr>
+            <a:xfrm>
+              <a:off x="667957" y="5332857"/>
+              <a:ext cx="1660945" cy="1065933"/>
+            </a:xfrm>
+            <a:prstGeom prst="ellipse">
+              <a:avLst/>
+            </a:prstGeom>
+            <a:solidFill>
+              <a:schemeClr val="accent2">
+                <a:lumMod val="20000"/>
+                <a:lumOff val="80000"/>
+              </a:schemeClr>
+            </a:solidFill>
+            <a:ln w="12700">
+              <a:solidFill>
+                <a:schemeClr val="tx1"/>
+              </a:solidFill>
+            </a:ln>
+          </p:spPr>
+          <p:style>
+            <a:lnRef idx="2">
+              <a:schemeClr val="accent1">
+                <a:shade val="50000"/>
+              </a:schemeClr>
+            </a:lnRef>
+            <a:fillRef idx="1">
+              <a:schemeClr val="accent1"/>
+            </a:fillRef>
+            <a:effectRef idx="0">
+              <a:schemeClr val="accent1"/>
+            </a:effectRef>
+            <a:fontRef idx="minor">
+              <a:schemeClr val="lt1"/>
+            </a:fontRef>
+          </p:style>
+          <p:txBody>
+            <a:bodyPr rtlCol="0" anchor="ctr"/>
+            <a:lstStyle/>
+            <a:p>
+              <a:pPr algn="ctr"/>
+              <a:r>
+                <a:rPr lang="it-IT" sz="1200" dirty="0" smtClean="0">
+                  <a:solidFill>
+                    <a:schemeClr val="tx1"/>
+                  </a:solidFill>
+                  <a:latin typeface="Century Schoolbook" panose="02040604050505020304" pitchFamily="18" charset="0"/>
+                </a:rPr>
+                <a:t>Outdoor</a:t>
+              </a:r>
+              <a:r>
+                <a:rPr lang="it-IT" sz="1200" dirty="0">
+                  <a:solidFill>
+                    <a:schemeClr val="tx1"/>
+                  </a:solidFill>
+                  <a:latin typeface="Century Schoolbook" panose="02040604050505020304" pitchFamily="18" charset="0"/>
+                </a:rPr>
+                <a:t> </a:t>
+              </a:r>
+              <a:r>
+                <a:rPr lang="it-IT" sz="1200" dirty="0" smtClean="0">
+                  <a:solidFill>
+                    <a:schemeClr val="tx1"/>
+                  </a:solidFill>
+                  <a:latin typeface="Century Schoolbook" panose="02040604050505020304" pitchFamily="18" charset="0"/>
+                </a:rPr>
+                <a:t>Sentinel</a:t>
+              </a:r>
+            </a:p>
+          </p:txBody>
+        </p:sp>
+        <p:sp>
+          <p:nvSpPr>
+            <p:cNvPr id="17" name="Triangolo isoscele 16"/>
+            <p:cNvSpPr/>
+            <p:nvPr/>
+          </p:nvSpPr>
+          <p:spPr>
+            <a:xfrm rot="16200000">
+              <a:off x="1350190" y="5205064"/>
+              <a:ext cx="296478" cy="255585"/>
+            </a:xfrm>
+            <a:prstGeom prst="triangle">
+              <a:avLst/>
+            </a:prstGeom>
+            <a:solidFill>
+              <a:srgbClr val="FF0000"/>
+            </a:solidFill>
+            <a:ln w="12700">
+              <a:solidFill>
+                <a:schemeClr val="tx1"/>
+              </a:solidFill>
+            </a:ln>
+          </p:spPr>
+          <p:style>
+            <a:lnRef idx="2">
+              <a:schemeClr val="accent1">
+                <a:shade val="50000"/>
+              </a:schemeClr>
+            </a:lnRef>
+            <a:fillRef idx="1">
+              <a:schemeClr val="accent1"/>
+            </a:fillRef>
+            <a:effectRef idx="0">
+              <a:schemeClr val="accent1"/>
+            </a:effectRef>
+            <a:fontRef idx="minor">
+              <a:schemeClr val="lt1"/>
+            </a:fontRef>
+          </p:style>
+          <p:txBody>
+            <a:bodyPr rtlCol="0" anchor="ctr"/>
+            <a:lstStyle/>
+            <a:p>
+              <a:pPr algn="ctr"/>
+              <a:endParaRPr lang="it-IT"/>
+            </a:p>
+          </p:txBody>
+        </p:sp>
+        <p:sp>
+          <p:nvSpPr>
+            <p:cNvPr id="18" name="Rettangolo 17"/>
+            <p:cNvSpPr/>
+            <p:nvPr/>
+          </p:nvSpPr>
+          <p:spPr>
+            <a:xfrm>
+              <a:off x="402476" y="5739696"/>
+              <a:ext cx="530961" cy="252254"/>
+            </a:xfrm>
+            <a:prstGeom prst="rect">
+              <a:avLst/>
+            </a:prstGeom>
+            <a:solidFill>
+              <a:schemeClr val="accent2">
+                <a:lumMod val="20000"/>
+                <a:lumOff val="80000"/>
+              </a:schemeClr>
+            </a:solidFill>
+            <a:ln w="12700">
+              <a:solidFill>
+                <a:schemeClr val="tx1"/>
+              </a:solidFill>
+            </a:ln>
+          </p:spPr>
+          <p:style>
+            <a:lnRef idx="2">
+              <a:schemeClr val="accent1">
+                <a:shade val="50000"/>
+              </a:schemeClr>
+            </a:lnRef>
+            <a:fillRef idx="1">
+              <a:schemeClr val="accent1"/>
+            </a:fillRef>
+            <a:effectRef idx="0">
+              <a:schemeClr val="accent1"/>
+            </a:effectRef>
+            <a:fontRef idx="minor">
+              <a:schemeClr val="lt1"/>
+            </a:fontRef>
+          </p:style>
+          <p:txBody>
+            <a:bodyPr rtlCol="0" anchor="ctr"/>
+            <a:lstStyle/>
+            <a:p>
+              <a:pPr algn="ctr"/>
+              <a:endParaRPr lang="it-IT"/>
+            </a:p>
+          </p:txBody>
+        </p:sp>
+      </p:grpSp>
+      <p:grpSp>
+        <p:nvGrpSpPr>
+          <p:cNvPr id="19" name="Gruppo 18"/>
+          <p:cNvGrpSpPr/>
+          <p:nvPr/>
+        </p:nvGrpSpPr>
+        <p:grpSpPr>
+          <a:xfrm>
+            <a:off x="5578183" y="955372"/>
+            <a:ext cx="1926426" cy="1214172"/>
+            <a:chOff x="402476" y="5184618"/>
+            <a:chExt cx="1926426" cy="1214172"/>
+          </a:xfrm>
+        </p:grpSpPr>
+        <p:sp>
+          <p:nvSpPr>
+            <p:cNvPr id="20" name="Ovale 19"/>
+            <p:cNvSpPr/>
+            <p:nvPr/>
+          </p:nvSpPr>
+          <p:spPr>
+            <a:xfrm>
+              <a:off x="667957" y="5332857"/>
+              <a:ext cx="1660945" cy="1065933"/>
+            </a:xfrm>
+            <a:prstGeom prst="ellipse">
+              <a:avLst/>
+            </a:prstGeom>
+            <a:solidFill>
+              <a:schemeClr val="accent2">
+                <a:lumMod val="20000"/>
+                <a:lumOff val="80000"/>
+              </a:schemeClr>
+            </a:solidFill>
+            <a:ln w="12700">
+              <a:solidFill>
+                <a:schemeClr val="tx1"/>
+              </a:solidFill>
+            </a:ln>
+          </p:spPr>
+          <p:style>
+            <a:lnRef idx="2">
+              <a:schemeClr val="accent1">
+                <a:shade val="50000"/>
+              </a:schemeClr>
+            </a:lnRef>
+            <a:fillRef idx="1">
+              <a:schemeClr val="accent1"/>
+            </a:fillRef>
+            <a:effectRef idx="0">
+              <a:schemeClr val="accent1"/>
+            </a:effectRef>
+            <a:fontRef idx="minor">
+              <a:schemeClr val="lt1"/>
+            </a:fontRef>
+          </p:style>
+          <p:txBody>
+            <a:bodyPr rtlCol="0" anchor="ctr"/>
+            <a:lstStyle/>
+            <a:p>
+              <a:pPr algn="ctr"/>
+              <a:r>
+                <a:rPr lang="it-IT" sz="1200" dirty="0" smtClean="0">
+                  <a:solidFill>
+                    <a:schemeClr val="tx1"/>
+                  </a:solidFill>
+                  <a:latin typeface="Century Schoolbook" panose="02040604050505020304" pitchFamily="18" charset="0"/>
+                </a:rPr>
+                <a:t>Timer</a:t>
+              </a:r>
+            </a:p>
+            <a:p>
+              <a:pPr algn="ctr"/>
+              <a:r>
+                <a:rPr lang="it-IT" sz="1200" dirty="0" smtClean="0">
+                  <a:solidFill>
+                    <a:schemeClr val="tx1"/>
+                  </a:solidFill>
+                  <a:latin typeface="Century Schoolbook" panose="02040604050505020304" pitchFamily="18" charset="0"/>
+                </a:rPr>
+                <a:t>Actor</a:t>
+              </a:r>
+            </a:p>
+          </p:txBody>
+        </p:sp>
+        <p:sp>
+          <p:nvSpPr>
+            <p:cNvPr id="21" name="Triangolo isoscele 20"/>
+            <p:cNvSpPr/>
+            <p:nvPr/>
+          </p:nvSpPr>
+          <p:spPr>
+            <a:xfrm rot="16200000">
+              <a:off x="1350190" y="5205064"/>
+              <a:ext cx="296478" cy="255585"/>
+            </a:xfrm>
+            <a:prstGeom prst="triangle">
+              <a:avLst/>
+            </a:prstGeom>
+            <a:solidFill>
+              <a:srgbClr val="FF0000"/>
+            </a:solidFill>
+            <a:ln w="12700">
+              <a:solidFill>
+                <a:schemeClr val="tx1"/>
+              </a:solidFill>
+            </a:ln>
+          </p:spPr>
+          <p:style>
+            <a:lnRef idx="2">
+              <a:schemeClr val="accent1">
+                <a:shade val="50000"/>
+              </a:schemeClr>
+            </a:lnRef>
+            <a:fillRef idx="1">
+              <a:schemeClr val="accent1"/>
+            </a:fillRef>
+            <a:effectRef idx="0">
+              <a:schemeClr val="accent1"/>
+            </a:effectRef>
+            <a:fontRef idx="minor">
+              <a:schemeClr val="lt1"/>
+            </a:fontRef>
+          </p:style>
+          <p:txBody>
+            <a:bodyPr rtlCol="0" anchor="ctr"/>
+            <a:lstStyle/>
+            <a:p>
+              <a:pPr algn="ctr"/>
+              <a:endParaRPr lang="it-IT"/>
+            </a:p>
+          </p:txBody>
+        </p:sp>
+        <p:sp>
+          <p:nvSpPr>
+            <p:cNvPr id="22" name="Rettangolo 21"/>
+            <p:cNvSpPr/>
+            <p:nvPr/>
+          </p:nvSpPr>
+          <p:spPr>
+            <a:xfrm>
+              <a:off x="402476" y="5739696"/>
+              <a:ext cx="530961" cy="252254"/>
+            </a:xfrm>
+            <a:prstGeom prst="rect">
+              <a:avLst/>
+            </a:prstGeom>
+            <a:solidFill>
+              <a:schemeClr val="accent2">
+                <a:lumMod val="20000"/>
+                <a:lumOff val="80000"/>
+              </a:schemeClr>
+            </a:solidFill>
+            <a:ln w="12700">
+              <a:solidFill>
+                <a:schemeClr val="tx1"/>
+              </a:solidFill>
+            </a:ln>
+          </p:spPr>
+          <p:style>
+            <a:lnRef idx="2">
+              <a:schemeClr val="accent1">
+                <a:shade val="50000"/>
+              </a:schemeClr>
+            </a:lnRef>
+            <a:fillRef idx="1">
+              <a:schemeClr val="accent1"/>
+            </a:fillRef>
+            <a:effectRef idx="0">
+              <a:schemeClr val="accent1"/>
+            </a:effectRef>
+            <a:fontRef idx="minor">
+              <a:schemeClr val="lt1"/>
+            </a:fontRef>
+          </p:style>
+          <p:txBody>
+            <a:bodyPr rtlCol="0" anchor="ctr"/>
+            <a:lstStyle/>
+            <a:p>
+              <a:pPr algn="ctr"/>
+              <a:endParaRPr lang="it-IT"/>
+            </a:p>
+          </p:txBody>
+        </p:sp>
+      </p:grpSp>
+      <p:cxnSp>
+        <p:nvCxnSpPr>
+          <p:cNvPr id="23" name="Connettore 2 22"/>
+          <p:cNvCxnSpPr/>
+          <p:nvPr/>
+        </p:nvCxnSpPr>
+        <p:spPr>
+          <a:xfrm flipH="1" flipV="1">
+            <a:off x="6440423" y="2285224"/>
+            <a:ext cx="1" cy="1011285"/>
+          </a:xfrm>
+          <a:prstGeom prst="straightConnector1">
+            <a:avLst/>
+          </a:prstGeom>
+          <a:ln w="19050">
+            <a:solidFill>
+              <a:schemeClr val="tx1"/>
+            </a:solidFill>
+            <a:prstDash val="sysDash"/>
+            <a:headEnd type="none" w="med" len="med"/>
+            <a:tailEnd type="arrow" w="med" len="med"/>
+          </a:ln>
+        </p:spPr>
+        <p:style>
+          <a:lnRef idx="1">
+            <a:schemeClr val="accent1"/>
+          </a:lnRef>
+          <a:fillRef idx="0">
+            <a:schemeClr val="accent1"/>
+          </a:fillRef>
+          <a:effectRef idx="0">
+            <a:schemeClr val="accent1"/>
+          </a:effectRef>
+          <a:fontRef idx="minor">
+            <a:schemeClr val="tx1"/>
+          </a:fontRef>
+        </p:style>
+      </p:cxnSp>
+      <p:sp>
+        <p:nvSpPr>
+          <p:cNvPr id="24" name="Figura a mano libera 23"/>
           <p:cNvSpPr/>
           <p:nvPr/>
         </p:nvSpPr>
         <p:spPr>
-          <a:xfrm rot="12625422">
-            <a:off x="8703810" y="2446855"/>
+          <a:xfrm rot="5400000">
+            <a:off x="6482009" y="2483825"/>
             <a:ext cx="990600" cy="638334"/>
           </a:xfrm>
           <a:custGeom>
@@ -14554,15 +12479,409 @@
           </a:p>
         </p:txBody>
       </p:sp>
-      <p:sp>
-        <p:nvSpPr>
-          <p:cNvPr id="13" name="Figura a mano libera 12"/>
+      <p:grpSp>
+        <p:nvGrpSpPr>
+          <p:cNvPr id="25" name="Gruppo 24"/>
+          <p:cNvGrpSpPr/>
+          <p:nvPr/>
+        </p:nvGrpSpPr>
+        <p:grpSpPr>
+          <a:xfrm>
+            <a:off x="2462505" y="3323048"/>
+            <a:ext cx="1926426" cy="1214172"/>
+            <a:chOff x="402476" y="3280190"/>
+            <a:chExt cx="1926426" cy="1214172"/>
+          </a:xfrm>
+        </p:grpSpPr>
+        <p:sp>
+          <p:nvSpPr>
+            <p:cNvPr id="26" name="Ovale 25"/>
+            <p:cNvSpPr/>
+            <p:nvPr/>
+          </p:nvSpPr>
+          <p:spPr>
+            <a:xfrm>
+              <a:off x="667957" y="3428429"/>
+              <a:ext cx="1660945" cy="1065933"/>
+            </a:xfrm>
+            <a:prstGeom prst="ellipse">
+              <a:avLst/>
+            </a:prstGeom>
+            <a:solidFill>
+              <a:schemeClr val="accent2">
+                <a:lumMod val="20000"/>
+                <a:lumOff val="80000"/>
+              </a:schemeClr>
+            </a:solidFill>
+            <a:ln w="12700">
+              <a:solidFill>
+                <a:schemeClr val="tx1"/>
+              </a:solidFill>
+            </a:ln>
+          </p:spPr>
+          <p:style>
+            <a:lnRef idx="2">
+              <a:schemeClr val="accent1">
+                <a:shade val="50000"/>
+              </a:schemeClr>
+            </a:lnRef>
+            <a:fillRef idx="1">
+              <a:schemeClr val="accent1"/>
+            </a:fillRef>
+            <a:effectRef idx="0">
+              <a:schemeClr val="accent1"/>
+            </a:effectRef>
+            <a:fontRef idx="minor">
+              <a:schemeClr val="lt1"/>
+            </a:fontRef>
+          </p:style>
+          <p:txBody>
+            <a:bodyPr rtlCol="0" anchor="ctr"/>
+            <a:lstStyle/>
+            <a:p>
+              <a:pPr algn="ctr"/>
+              <a:r>
+                <a:rPr lang="it-IT" sz="1200" dirty="0" smtClean="0">
+                  <a:solidFill>
+                    <a:schemeClr val="tx1"/>
+                  </a:solidFill>
+                  <a:latin typeface="Century Schoolbook" panose="02040604050505020304" pitchFamily="18" charset="0"/>
+                </a:rPr>
+                <a:t>Sonar</a:t>
+              </a:r>
+              <a:endParaRPr lang="it-IT" sz="1200" dirty="0">
+                <a:solidFill>
+                  <a:schemeClr val="tx1"/>
+                </a:solidFill>
+                <a:latin typeface="Century Schoolbook" panose="02040604050505020304" pitchFamily="18" charset="0"/>
+              </a:endParaRPr>
+            </a:p>
+            <a:p>
+              <a:pPr algn="ctr"/>
+              <a:r>
+                <a:rPr lang="it-IT" sz="1200" dirty="0" smtClean="0">
+                  <a:solidFill>
+                    <a:schemeClr val="tx1"/>
+                  </a:solidFill>
+                  <a:latin typeface="Century Schoolbook" panose="02040604050505020304" pitchFamily="18" charset="0"/>
+                </a:rPr>
+                <a:t>Actor</a:t>
+              </a:r>
+              <a:endParaRPr lang="it-IT" sz="1200" dirty="0">
+                <a:solidFill>
+                  <a:schemeClr val="tx1"/>
+                </a:solidFill>
+                <a:latin typeface="Century Schoolbook" panose="02040604050505020304" pitchFamily="18" charset="0"/>
+              </a:endParaRPr>
+            </a:p>
+          </p:txBody>
+        </p:sp>
+        <p:sp>
+          <p:nvSpPr>
+            <p:cNvPr id="27" name="Triangolo isoscele 26"/>
+            <p:cNvSpPr/>
+            <p:nvPr/>
+          </p:nvSpPr>
+          <p:spPr>
+            <a:xfrm rot="16200000">
+              <a:off x="1350190" y="3300636"/>
+              <a:ext cx="296478" cy="255585"/>
+            </a:xfrm>
+            <a:prstGeom prst="triangle">
+              <a:avLst/>
+            </a:prstGeom>
+            <a:solidFill>
+              <a:srgbClr val="FF0000"/>
+            </a:solidFill>
+            <a:ln w="12700">
+              <a:solidFill>
+                <a:schemeClr val="tx1"/>
+              </a:solidFill>
+            </a:ln>
+          </p:spPr>
+          <p:style>
+            <a:lnRef idx="2">
+              <a:schemeClr val="accent1">
+                <a:shade val="50000"/>
+              </a:schemeClr>
+            </a:lnRef>
+            <a:fillRef idx="1">
+              <a:schemeClr val="accent1"/>
+            </a:fillRef>
+            <a:effectRef idx="0">
+              <a:schemeClr val="accent1"/>
+            </a:effectRef>
+            <a:fontRef idx="minor">
+              <a:schemeClr val="lt1"/>
+            </a:fontRef>
+          </p:style>
+          <p:txBody>
+            <a:bodyPr rtlCol="0" anchor="ctr"/>
+            <a:lstStyle/>
+            <a:p>
+              <a:pPr algn="ctr"/>
+              <a:endParaRPr lang="it-IT"/>
+            </a:p>
+          </p:txBody>
+        </p:sp>
+        <p:sp>
+          <p:nvSpPr>
+            <p:cNvPr id="28" name="Rettangolo 27"/>
+            <p:cNvSpPr/>
+            <p:nvPr/>
+          </p:nvSpPr>
+          <p:spPr>
+            <a:xfrm>
+              <a:off x="402476" y="3835268"/>
+              <a:ext cx="530961" cy="252254"/>
+            </a:xfrm>
+            <a:prstGeom prst="rect">
+              <a:avLst/>
+            </a:prstGeom>
+            <a:solidFill>
+              <a:schemeClr val="accent2">
+                <a:lumMod val="20000"/>
+                <a:lumOff val="80000"/>
+              </a:schemeClr>
+            </a:solidFill>
+            <a:ln w="12700">
+              <a:solidFill>
+                <a:schemeClr val="tx1"/>
+              </a:solidFill>
+            </a:ln>
+          </p:spPr>
+          <p:style>
+            <a:lnRef idx="2">
+              <a:schemeClr val="accent1">
+                <a:shade val="50000"/>
+              </a:schemeClr>
+            </a:lnRef>
+            <a:fillRef idx="1">
+              <a:schemeClr val="accent1"/>
+            </a:fillRef>
+            <a:effectRef idx="0">
+              <a:schemeClr val="accent1"/>
+            </a:effectRef>
+            <a:fontRef idx="minor">
+              <a:schemeClr val="lt1"/>
+            </a:fontRef>
+          </p:style>
+          <p:txBody>
+            <a:bodyPr rtlCol="0" anchor="ctr"/>
+            <a:lstStyle/>
+            <a:p>
+              <a:pPr algn="ctr"/>
+              <a:endParaRPr lang="it-IT"/>
+            </a:p>
+          </p:txBody>
+        </p:sp>
+      </p:grpSp>
+      <p:grpSp>
+        <p:nvGrpSpPr>
+          <p:cNvPr id="29" name="Gruppo 28"/>
+          <p:cNvGrpSpPr/>
+          <p:nvPr/>
+        </p:nvGrpSpPr>
+        <p:grpSpPr>
+          <a:xfrm>
+            <a:off x="2400905" y="4611480"/>
+            <a:ext cx="1926426" cy="1214172"/>
+            <a:chOff x="402476" y="5184618"/>
+            <a:chExt cx="1926426" cy="1214172"/>
+          </a:xfrm>
+        </p:grpSpPr>
+        <p:sp>
+          <p:nvSpPr>
+            <p:cNvPr id="30" name="Ovale 29"/>
+            <p:cNvSpPr/>
+            <p:nvPr/>
+          </p:nvSpPr>
+          <p:spPr>
+            <a:xfrm>
+              <a:off x="667957" y="5332857"/>
+              <a:ext cx="1660945" cy="1065933"/>
+            </a:xfrm>
+            <a:prstGeom prst="ellipse">
+              <a:avLst/>
+            </a:prstGeom>
+            <a:solidFill>
+              <a:schemeClr val="accent2">
+                <a:lumMod val="20000"/>
+                <a:lumOff val="80000"/>
+              </a:schemeClr>
+            </a:solidFill>
+            <a:ln w="12700">
+              <a:solidFill>
+                <a:schemeClr val="tx1"/>
+              </a:solidFill>
+            </a:ln>
+          </p:spPr>
+          <p:style>
+            <a:lnRef idx="2">
+              <a:schemeClr val="accent1">
+                <a:shade val="50000"/>
+              </a:schemeClr>
+            </a:lnRef>
+            <a:fillRef idx="1">
+              <a:schemeClr val="accent1"/>
+            </a:fillRef>
+            <a:effectRef idx="0">
+              <a:schemeClr val="accent1"/>
+            </a:effectRef>
+            <a:fontRef idx="minor">
+              <a:schemeClr val="lt1"/>
+            </a:fontRef>
+          </p:style>
+          <p:txBody>
+            <a:bodyPr rtlCol="0" anchor="ctr"/>
+            <a:lstStyle/>
+            <a:p>
+              <a:pPr algn="ctr"/>
+              <a:r>
+                <a:rPr lang="it-IT" sz="1200" dirty="0" smtClean="0">
+                  <a:solidFill>
+                    <a:schemeClr val="tx1"/>
+                  </a:solidFill>
+                  <a:latin typeface="Century Schoolbook" panose="02040604050505020304" pitchFamily="18" charset="0"/>
+                </a:rPr>
+                <a:t>Thermometer</a:t>
+              </a:r>
+              <a:endParaRPr lang="it-IT" sz="1200" dirty="0">
+                <a:solidFill>
+                  <a:schemeClr val="tx1"/>
+                </a:solidFill>
+                <a:latin typeface="Century Schoolbook" panose="02040604050505020304" pitchFamily="18" charset="0"/>
+              </a:endParaRPr>
+            </a:p>
+            <a:p>
+              <a:pPr algn="ctr"/>
+              <a:r>
+                <a:rPr lang="it-IT" sz="1200" dirty="0" smtClean="0">
+                  <a:solidFill>
+                    <a:schemeClr val="tx1"/>
+                  </a:solidFill>
+                  <a:latin typeface="Century Schoolbook" panose="02040604050505020304" pitchFamily="18" charset="0"/>
+                </a:rPr>
+                <a:t>Actor</a:t>
+              </a:r>
+              <a:endParaRPr lang="it-IT" sz="1200" dirty="0">
+                <a:solidFill>
+                  <a:schemeClr val="tx1"/>
+                </a:solidFill>
+                <a:latin typeface="Century Schoolbook" panose="02040604050505020304" pitchFamily="18" charset="0"/>
+              </a:endParaRPr>
+            </a:p>
+          </p:txBody>
+        </p:sp>
+        <p:sp>
+          <p:nvSpPr>
+            <p:cNvPr id="31" name="Triangolo isoscele 30"/>
+            <p:cNvSpPr/>
+            <p:nvPr/>
+          </p:nvSpPr>
+          <p:spPr>
+            <a:xfrm rot="16200000">
+              <a:off x="1350190" y="5205064"/>
+              <a:ext cx="296478" cy="255585"/>
+            </a:xfrm>
+            <a:prstGeom prst="triangle">
+              <a:avLst/>
+            </a:prstGeom>
+            <a:solidFill>
+              <a:srgbClr val="FF0000"/>
+            </a:solidFill>
+            <a:ln w="12700">
+              <a:solidFill>
+                <a:schemeClr val="tx1"/>
+              </a:solidFill>
+            </a:ln>
+          </p:spPr>
+          <p:style>
+            <a:lnRef idx="2">
+              <a:schemeClr val="accent1">
+                <a:shade val="50000"/>
+              </a:schemeClr>
+            </a:lnRef>
+            <a:fillRef idx="1">
+              <a:schemeClr val="accent1"/>
+            </a:fillRef>
+            <a:effectRef idx="0">
+              <a:schemeClr val="accent1"/>
+            </a:effectRef>
+            <a:fontRef idx="minor">
+              <a:schemeClr val="lt1"/>
+            </a:fontRef>
+          </p:style>
+          <p:txBody>
+            <a:bodyPr rtlCol="0" anchor="ctr"/>
+            <a:lstStyle/>
+            <a:p>
+              <a:pPr algn="ctr"/>
+              <a:endParaRPr lang="it-IT"/>
+            </a:p>
+          </p:txBody>
+        </p:sp>
+        <p:sp>
+          <p:nvSpPr>
+            <p:cNvPr id="32" name="Rettangolo 31"/>
+            <p:cNvSpPr/>
+            <p:nvPr/>
+          </p:nvSpPr>
+          <p:spPr>
+            <a:xfrm>
+              <a:off x="402476" y="5739696"/>
+              <a:ext cx="530961" cy="252254"/>
+            </a:xfrm>
+            <a:prstGeom prst="rect">
+              <a:avLst/>
+            </a:prstGeom>
+            <a:solidFill>
+              <a:schemeClr val="accent2">
+                <a:lumMod val="20000"/>
+                <a:lumOff val="80000"/>
+              </a:schemeClr>
+            </a:solidFill>
+            <a:ln w="12700">
+              <a:solidFill>
+                <a:schemeClr val="tx1"/>
+              </a:solidFill>
+            </a:ln>
+          </p:spPr>
+          <p:style>
+            <a:lnRef idx="2">
+              <a:schemeClr val="accent1">
+                <a:shade val="50000"/>
+              </a:schemeClr>
+            </a:lnRef>
+            <a:fillRef idx="1">
+              <a:schemeClr val="accent1"/>
+            </a:fillRef>
+            <a:effectRef idx="0">
+              <a:schemeClr val="accent1"/>
+            </a:effectRef>
+            <a:fontRef idx="minor">
+              <a:schemeClr val="lt1"/>
+            </a:fontRef>
+          </p:style>
+          <p:txBody>
+            <a:bodyPr rtlCol="0" anchor="ctr"/>
+            <a:lstStyle/>
+            <a:p>
+              <a:pPr algn="ctr"/>
+              <a:endParaRPr lang="it-IT"/>
+            </a:p>
+          </p:txBody>
+        </p:sp>
+      </p:grpSp>
+      <p:sp>
+        <p:nvSpPr>
+          <p:cNvPr id="33" name="Figura a mano libera 32"/>
           <p:cNvSpPr/>
           <p:nvPr/>
         </p:nvSpPr>
         <p:spPr>
-          <a:xfrm rot="19470106">
-            <a:off x="8571571" y="3968099"/>
+          <a:xfrm>
+            <a:off x="4507707" y="3596230"/>
             <a:ext cx="990600" cy="638334"/>
           </a:xfrm>
           <a:custGeom>
@@ -14671,13 +12990,70 @@
       </p:sp>
       <p:sp>
         <p:nvSpPr>
-          <p:cNvPr id="14" name="Figura a mano libera 13"/>
+          <p:cNvPr id="34" name="CasellaDiTesto 33"/>
+          <p:cNvSpPr txBox="1"/>
+          <p:nvPr/>
+        </p:nvSpPr>
+        <p:spPr>
+          <a:xfrm>
+            <a:off x="4167662" y="3199002"/>
+            <a:ext cx="1936749" cy="461665"/>
+          </a:xfrm>
+          <a:prstGeom prst="rect">
+            <a:avLst/>
+          </a:prstGeom>
+          <a:noFill/>
+        </p:spPr>
+        <p:txBody>
+          <a:bodyPr wrap="none" rtlCol="0">
+            <a:spAutoFit/>
+          </a:bodyPr>
+          <a:lstStyle/>
+          <a:p>
+            <a:r>
+              <a:rPr lang="it-IT" sz="1200" dirty="0" smtClean="0">
+                <a:solidFill>
+                  <a:schemeClr val="accent1">
+                    <a:lumMod val="75000"/>
+                  </a:schemeClr>
+                </a:solidFill>
+                <a:latin typeface="Bookman Old Style" panose="02050604050505020204" pitchFamily="18" charset="0"/>
+              </a:rPr>
+              <a:t>OUTDOOR-area free</a:t>
+            </a:r>
+          </a:p>
+          <a:p>
+            <a:r>
+              <a:rPr lang="it-IT" sz="1200" dirty="0" smtClean="0">
+                <a:solidFill>
+                  <a:schemeClr val="accent1">
+                    <a:lumMod val="75000"/>
+                  </a:schemeClr>
+                </a:solidFill>
+                <a:latin typeface="Bookman Old Style" panose="02050604050505020204" pitchFamily="18" charset="0"/>
+              </a:rPr>
+              <a:t>OUTDOOR-area occup.</a:t>
+            </a:r>
+            <a:endParaRPr lang="it-IT" sz="1200" dirty="0">
+              <a:solidFill>
+                <a:schemeClr val="accent1">
+                  <a:lumMod val="75000"/>
+                </a:schemeClr>
+              </a:solidFill>
+              <a:latin typeface="Bookman Old Style" panose="02050604050505020204" pitchFamily="18" charset="0"/>
+            </a:endParaRPr>
+          </a:p>
+        </p:txBody>
+      </p:sp>
+      <p:sp>
+        <p:nvSpPr>
+          <p:cNvPr id="35" name="Figura a mano libera 34"/>
           <p:cNvSpPr/>
           <p:nvPr/>
         </p:nvSpPr>
         <p:spPr>
-          <a:xfrm rot="15989499">
-            <a:off x="7181572" y="3141551"/>
+          <a:xfrm>
+            <a:off x="4445516" y="4942279"/>
             <a:ext cx="990600" cy="638334"/>
           </a:xfrm>
           <a:custGeom>
@@ -14784,15 +13160,59 @@
           </a:p>
         </p:txBody>
       </p:sp>
+      <p:sp>
+        <p:nvSpPr>
+          <p:cNvPr id="36" name="CasellaDiTesto 35"/>
+          <p:cNvSpPr txBox="1"/>
+          <p:nvPr/>
+        </p:nvSpPr>
+        <p:spPr>
+          <a:xfrm>
+            <a:off x="4269018" y="5563680"/>
+            <a:ext cx="1795684" cy="276999"/>
+          </a:xfrm>
+          <a:prstGeom prst="rect">
+            <a:avLst/>
+          </a:prstGeom>
+          <a:noFill/>
+        </p:spPr>
+        <p:txBody>
+          <a:bodyPr wrap="none" rtlCol="0">
+            <a:spAutoFit/>
+          </a:bodyPr>
+          <a:lstStyle/>
+          <a:p>
+            <a:r>
+              <a:rPr lang="it-IT" sz="1200" dirty="0" smtClean="0">
+                <a:solidFill>
+                  <a:schemeClr val="accent1">
+                    <a:lumMod val="75000"/>
+                  </a:schemeClr>
+                </a:solidFill>
+                <a:latin typeface="Bookman Old Style" panose="02050604050505020204" pitchFamily="18" charset="0"/>
+              </a:rPr>
+              <a:t>temperature: &lt;value&gt;</a:t>
+            </a:r>
+            <a:endParaRPr lang="it-IT" sz="1200" dirty="0">
+              <a:solidFill>
+                <a:schemeClr val="accent1">
+                  <a:lumMod val="75000"/>
+                </a:schemeClr>
+              </a:solidFill>
+              <a:latin typeface="Bookman Old Style" panose="02050604050505020204" pitchFamily="18" charset="0"/>
+            </a:endParaRPr>
+          </a:p>
+        </p:txBody>
+      </p:sp>
       <p:grpSp>
         <p:nvGrpSpPr>
-          <p:cNvPr id="15" name="Gruppo 14"/>
+          <p:cNvPr id="37" name="Gruppo 36"/>
           <p:cNvGrpSpPr/>
           <p:nvPr/>
         </p:nvGrpSpPr>
         <p:grpSpPr>
           <a:xfrm>
-            <a:off x="3587051" y="2722834"/>
+            <a:off x="8556786" y="3852655"/>
             <a:ext cx="1926426" cy="1214172"/>
             <a:chOff x="402476" y="5184618"/>
             <a:chExt cx="1926426" cy="1214172"/>
@@ -14800,7 +13220,7 @@
         </p:grpSpPr>
         <p:sp>
           <p:nvSpPr>
-            <p:cNvPr id="16" name="Ovale 15"/>
+            <p:cNvPr id="38" name="Ovale 37"/>
             <p:cNvSpPr/>
             <p:nvPr/>
           </p:nvSpPr>
@@ -14852,27 +13272,9 @@
                   </a:solidFill>
                   <a:latin typeface="Century Schoolbook" panose="02040604050505020304" pitchFamily="18" charset="0"/>
                 </a:rPr>
-                <a:t>Outdoor</a:t>
+                <a:t>Park Service Status GUI Actor</a:t>
               </a:r>
-              <a:r>
-                <a:rPr lang="it-IT" sz="1200" dirty="0">
-                  <a:solidFill>
-                    <a:schemeClr val="tx1"/>
-                  </a:solidFill>
-                  <a:latin typeface="Century Schoolbook" panose="02040604050505020304" pitchFamily="18" charset="0"/>
-                </a:rPr>
-                <a:t> </a:t>
-              </a:r>
-              <a:r>
-                <a:rPr lang="it-IT" sz="1200" dirty="0" err="1" smtClean="0">
-                  <a:solidFill>
-                    <a:schemeClr val="tx1"/>
-                  </a:solidFill>
-                  <a:latin typeface="Century Schoolbook" panose="02040604050505020304" pitchFamily="18" charset="0"/>
-                </a:rPr>
-                <a:t>Sentinel</a:t>
-              </a:r>
-              <a:endParaRPr lang="it-IT" sz="1200" dirty="0" smtClean="0">
+              <a:endParaRPr lang="it-IT" sz="1400" i="1" dirty="0">
                 <a:solidFill>
                   <a:schemeClr val="tx1"/>
                 </a:solidFill>
@@ -14883,7 +13285,7 @@
         </p:sp>
         <p:sp>
           <p:nvSpPr>
-            <p:cNvPr id="17" name="Triangolo isoscele 16"/>
+            <p:cNvPr id="39" name="Triangolo isoscele 38"/>
             <p:cNvSpPr/>
             <p:nvPr/>
           </p:nvSpPr>
@@ -14931,7 +13333,7 @@
         </p:sp>
         <p:sp>
           <p:nvSpPr>
-            <p:cNvPr id="18" name="Rettangolo 17"/>
+            <p:cNvPr id="40" name="Rettangolo 39"/>
             <p:cNvSpPr/>
             <p:nvPr/>
           </p:nvSpPr>
@@ -14981,6 +13383,350 @@
           </p:txBody>
         </p:sp>
       </p:grpSp>
+      <p:sp>
+        <p:nvSpPr>
+          <p:cNvPr id="41" name="Figura a mano libera 40"/>
+          <p:cNvSpPr/>
+          <p:nvPr/>
+        </p:nvSpPr>
+        <p:spPr>
+          <a:xfrm>
+            <a:off x="7628377" y="3718740"/>
+            <a:ext cx="990600" cy="638334"/>
+          </a:xfrm>
+          <a:custGeom>
+            <a:avLst/>
+            <a:gdLst>
+              <a:gd name="connsiteX0" fmla="*/ 0 w 990600"/>
+              <a:gd name="connsiteY0" fmla="*/ 439954 h 638334"/>
+              <a:gd name="connsiteX1" fmla="*/ 314325 w 990600"/>
+              <a:gd name="connsiteY1" fmla="*/ 439954 h 638334"/>
+              <a:gd name="connsiteX2" fmla="*/ 390525 w 990600"/>
+              <a:gd name="connsiteY2" fmla="*/ 1804 h 638334"/>
+              <a:gd name="connsiteX3" fmla="*/ 571500 w 990600"/>
+              <a:gd name="connsiteY3" fmla="*/ 630454 h 638334"/>
+              <a:gd name="connsiteX4" fmla="*/ 685800 w 990600"/>
+              <a:gd name="connsiteY4" fmla="*/ 354229 h 638334"/>
+              <a:gd name="connsiteX5" fmla="*/ 990600 w 990600"/>
+              <a:gd name="connsiteY5" fmla="*/ 344704 h 638334"/>
+            </a:gdLst>
+            <a:ahLst/>
+            <a:cxnLst>
+              <a:cxn ang="0">
+                <a:pos x="connsiteX0" y="connsiteY0"/>
+              </a:cxn>
+              <a:cxn ang="0">
+                <a:pos x="connsiteX1" y="connsiteY1"/>
+              </a:cxn>
+              <a:cxn ang="0">
+                <a:pos x="connsiteX2" y="connsiteY2"/>
+              </a:cxn>
+              <a:cxn ang="0">
+                <a:pos x="connsiteX3" y="connsiteY3"/>
+              </a:cxn>
+              <a:cxn ang="0">
+                <a:pos x="connsiteX4" y="connsiteY4"/>
+              </a:cxn>
+              <a:cxn ang="0">
+                <a:pos x="connsiteX5" y="connsiteY5"/>
+              </a:cxn>
+            </a:cxnLst>
+            <a:rect l="l" t="t" r="r" b="b"/>
+            <a:pathLst>
+              <a:path w="990600" h="638334">
+                <a:moveTo>
+                  <a:pt x="0" y="439954"/>
+                </a:moveTo>
+                <a:cubicBezTo>
+                  <a:pt x="124619" y="476466"/>
+                  <a:pt x="249238" y="512979"/>
+                  <a:pt x="314325" y="439954"/>
+                </a:cubicBezTo>
+                <a:cubicBezTo>
+                  <a:pt x="379412" y="366929"/>
+                  <a:pt x="347663" y="-29946"/>
+                  <a:pt x="390525" y="1804"/>
+                </a:cubicBezTo>
+                <a:cubicBezTo>
+                  <a:pt x="433387" y="33554"/>
+                  <a:pt x="522288" y="571717"/>
+                  <a:pt x="571500" y="630454"/>
+                </a:cubicBezTo>
+                <a:cubicBezTo>
+                  <a:pt x="620713" y="689192"/>
+                  <a:pt x="615950" y="401854"/>
+                  <a:pt x="685800" y="354229"/>
+                </a:cubicBezTo>
+                <a:cubicBezTo>
+                  <a:pt x="755650" y="306604"/>
+                  <a:pt x="873125" y="325654"/>
+                  <a:pt x="990600" y="344704"/>
+                </a:cubicBezTo>
+              </a:path>
+            </a:pathLst>
+          </a:custGeom>
+          <a:noFill/>
+          <a:ln w="15875">
+            <a:solidFill>
+              <a:schemeClr val="tx1"/>
+            </a:solidFill>
+            <a:tailEnd type="arrow"/>
+          </a:ln>
+        </p:spPr>
+        <p:style>
+          <a:lnRef idx="2">
+            <a:schemeClr val="accent1">
+              <a:shade val="50000"/>
+            </a:schemeClr>
+          </a:lnRef>
+          <a:fillRef idx="1">
+            <a:schemeClr val="accent1"/>
+          </a:fillRef>
+          <a:effectRef idx="0">
+            <a:schemeClr val="accent1"/>
+          </a:effectRef>
+          <a:fontRef idx="minor">
+            <a:schemeClr val="lt1"/>
+          </a:fontRef>
+        </p:style>
+        <p:txBody>
+          <a:bodyPr rtlCol="0" anchor="ctr"/>
+          <a:lstStyle/>
+          <a:p>
+            <a:pPr algn="ctr"/>
+            <a:endParaRPr lang="it-IT"/>
+          </a:p>
+        </p:txBody>
+      </p:sp>
+      <p:sp>
+        <p:nvSpPr>
+          <p:cNvPr id="42" name="Figura a mano libera 41"/>
+          <p:cNvSpPr/>
+          <p:nvPr/>
+        </p:nvSpPr>
+        <p:spPr>
+          <a:xfrm>
+            <a:off x="7557560" y="4607594"/>
+            <a:ext cx="990600" cy="638334"/>
+          </a:xfrm>
+          <a:custGeom>
+            <a:avLst/>
+            <a:gdLst>
+              <a:gd name="connsiteX0" fmla="*/ 0 w 990600"/>
+              <a:gd name="connsiteY0" fmla="*/ 439954 h 638334"/>
+              <a:gd name="connsiteX1" fmla="*/ 314325 w 990600"/>
+              <a:gd name="connsiteY1" fmla="*/ 439954 h 638334"/>
+              <a:gd name="connsiteX2" fmla="*/ 390525 w 990600"/>
+              <a:gd name="connsiteY2" fmla="*/ 1804 h 638334"/>
+              <a:gd name="connsiteX3" fmla="*/ 571500 w 990600"/>
+              <a:gd name="connsiteY3" fmla="*/ 630454 h 638334"/>
+              <a:gd name="connsiteX4" fmla="*/ 685800 w 990600"/>
+              <a:gd name="connsiteY4" fmla="*/ 354229 h 638334"/>
+              <a:gd name="connsiteX5" fmla="*/ 990600 w 990600"/>
+              <a:gd name="connsiteY5" fmla="*/ 344704 h 638334"/>
+            </a:gdLst>
+            <a:ahLst/>
+            <a:cxnLst>
+              <a:cxn ang="0">
+                <a:pos x="connsiteX0" y="connsiteY0"/>
+              </a:cxn>
+              <a:cxn ang="0">
+                <a:pos x="connsiteX1" y="connsiteY1"/>
+              </a:cxn>
+              <a:cxn ang="0">
+                <a:pos x="connsiteX2" y="connsiteY2"/>
+              </a:cxn>
+              <a:cxn ang="0">
+                <a:pos x="connsiteX3" y="connsiteY3"/>
+              </a:cxn>
+              <a:cxn ang="0">
+                <a:pos x="connsiteX4" y="connsiteY4"/>
+              </a:cxn>
+              <a:cxn ang="0">
+                <a:pos x="connsiteX5" y="connsiteY5"/>
+              </a:cxn>
+            </a:cxnLst>
+            <a:rect l="l" t="t" r="r" b="b"/>
+            <a:pathLst>
+              <a:path w="990600" h="638334">
+                <a:moveTo>
+                  <a:pt x="0" y="439954"/>
+                </a:moveTo>
+                <a:cubicBezTo>
+                  <a:pt x="124619" y="476466"/>
+                  <a:pt x="249238" y="512979"/>
+                  <a:pt x="314325" y="439954"/>
+                </a:cubicBezTo>
+                <a:cubicBezTo>
+                  <a:pt x="379412" y="366929"/>
+                  <a:pt x="347663" y="-29946"/>
+                  <a:pt x="390525" y="1804"/>
+                </a:cubicBezTo>
+                <a:cubicBezTo>
+                  <a:pt x="433387" y="33554"/>
+                  <a:pt x="522288" y="571717"/>
+                  <a:pt x="571500" y="630454"/>
+                </a:cubicBezTo>
+                <a:cubicBezTo>
+                  <a:pt x="620713" y="689192"/>
+                  <a:pt x="615950" y="401854"/>
+                  <a:pt x="685800" y="354229"/>
+                </a:cubicBezTo>
+                <a:cubicBezTo>
+                  <a:pt x="755650" y="306604"/>
+                  <a:pt x="873125" y="325654"/>
+                  <a:pt x="990600" y="344704"/>
+                </a:cubicBezTo>
+              </a:path>
+            </a:pathLst>
+          </a:custGeom>
+          <a:noFill/>
+          <a:ln w="15875">
+            <a:solidFill>
+              <a:schemeClr val="tx1"/>
+            </a:solidFill>
+            <a:tailEnd type="arrow"/>
+          </a:ln>
+        </p:spPr>
+        <p:style>
+          <a:lnRef idx="2">
+            <a:schemeClr val="accent1">
+              <a:shade val="50000"/>
+            </a:schemeClr>
+          </a:lnRef>
+          <a:fillRef idx="1">
+            <a:schemeClr val="accent1"/>
+          </a:fillRef>
+          <a:effectRef idx="0">
+            <a:schemeClr val="accent1"/>
+          </a:effectRef>
+          <a:fontRef idx="minor">
+            <a:schemeClr val="lt1"/>
+          </a:fontRef>
+        </p:style>
+        <p:txBody>
+          <a:bodyPr rtlCol="0" anchor="ctr"/>
+          <a:lstStyle/>
+          <a:p>
+            <a:pPr algn="ctr"/>
+            <a:endParaRPr lang="it-IT"/>
+          </a:p>
+        </p:txBody>
+      </p:sp>
+      <p:sp>
+        <p:nvSpPr>
+          <p:cNvPr id="43" name="CasellaDiTesto 42"/>
+          <p:cNvSpPr txBox="1"/>
+          <p:nvPr/>
+        </p:nvSpPr>
+        <p:spPr>
+          <a:xfrm>
+            <a:off x="7480003" y="3283067"/>
+            <a:ext cx="1893467" cy="461665"/>
+          </a:xfrm>
+          <a:prstGeom prst="rect">
+            <a:avLst/>
+          </a:prstGeom>
+          <a:noFill/>
+        </p:spPr>
+        <p:txBody>
+          <a:bodyPr wrap="none" rtlCol="0">
+            <a:spAutoFit/>
+          </a:bodyPr>
+          <a:lstStyle/>
+          <a:p>
+            <a:r>
+              <a:rPr lang="it-IT" sz="1200" dirty="0" smtClean="0">
+                <a:solidFill>
+                  <a:schemeClr val="accent1">
+                    <a:lumMod val="75000"/>
+                  </a:schemeClr>
+                </a:solidFill>
+                <a:latin typeface="Bookman Old Style" panose="02050604050505020204" pitchFamily="18" charset="0"/>
+              </a:rPr>
+              <a:t>outdoor alarm</a:t>
+            </a:r>
+          </a:p>
+          <a:p>
+            <a:r>
+              <a:rPr lang="it-IT" sz="1200" dirty="0" smtClean="0">
+                <a:solidFill>
+                  <a:schemeClr val="accent1">
+                    <a:lumMod val="75000"/>
+                  </a:schemeClr>
+                </a:solidFill>
+                <a:latin typeface="Bookman Old Style" panose="02050604050505020204" pitchFamily="18" charset="0"/>
+              </a:rPr>
+              <a:t>outdoor alarm revoked</a:t>
+            </a:r>
+            <a:endParaRPr lang="it-IT" sz="1200" dirty="0">
+              <a:solidFill>
+                <a:schemeClr val="accent1">
+                  <a:lumMod val="75000"/>
+                </a:schemeClr>
+              </a:solidFill>
+              <a:latin typeface="Bookman Old Style" panose="02050604050505020204" pitchFamily="18" charset="0"/>
+            </a:endParaRPr>
+          </a:p>
+        </p:txBody>
+      </p:sp>
+      <p:sp>
+        <p:nvSpPr>
+          <p:cNvPr id="44" name="CasellaDiTesto 43"/>
+          <p:cNvSpPr txBox="1"/>
+          <p:nvPr/>
+        </p:nvSpPr>
+        <p:spPr>
+          <a:xfrm>
+            <a:off x="7557560" y="5313993"/>
+            <a:ext cx="2233304" cy="461665"/>
+          </a:xfrm>
+          <a:prstGeom prst="rect">
+            <a:avLst/>
+          </a:prstGeom>
+          <a:noFill/>
+        </p:spPr>
+        <p:txBody>
+          <a:bodyPr wrap="none" rtlCol="0">
+            <a:spAutoFit/>
+          </a:bodyPr>
+          <a:lstStyle/>
+          <a:p>
+            <a:r>
+              <a:rPr lang="it-IT" sz="1200" dirty="0" smtClean="0">
+                <a:solidFill>
+                  <a:schemeClr val="accent1">
+                    <a:lumMod val="75000"/>
+                  </a:schemeClr>
+                </a:solidFill>
+                <a:latin typeface="Bookman Old Style" panose="02050604050505020204" pitchFamily="18" charset="0"/>
+              </a:rPr>
+              <a:t>temperature alarm</a:t>
+            </a:r>
+          </a:p>
+          <a:p>
+            <a:r>
+              <a:rPr lang="it-IT" sz="1200" dirty="0" smtClean="0">
+                <a:solidFill>
+                  <a:schemeClr val="accent1">
+                    <a:lumMod val="75000"/>
+                  </a:schemeClr>
+                </a:solidFill>
+                <a:latin typeface="Bookman Old Style" panose="02050604050505020204" pitchFamily="18" charset="0"/>
+              </a:rPr>
+              <a:t>temperature alarm revoked</a:t>
+            </a:r>
+            <a:endParaRPr lang="it-IT" sz="1200" dirty="0">
+              <a:solidFill>
+                <a:schemeClr val="accent1">
+                  <a:lumMod val="75000"/>
+                </a:schemeClr>
+              </a:solidFill>
+              <a:latin typeface="Bookman Old Style" panose="02050604050505020204" pitchFamily="18" charset="0"/>
+            </a:endParaRPr>
+          </a:p>
+        </p:txBody>
+      </p:sp>
     </p:spTree>
     <p:extLst>
       <p:ext uri="{BB962C8B-B14F-4D97-AF65-F5344CB8AC3E}">

--- a/FinalTask/userDocs/img/final_task_schema.pptx
+++ b/FinalTask/userDocs/img/final_task_schema.pptx
@@ -247,7 +247,7 @@
           <a:p>
             <a:fld id="{B54D5996-1787-4713-9AAF-D983FFC67929}" type="datetimeFigureOut">
               <a:rPr lang="it-IT" smtClean="0"/>
-              <a:t>22/06/2021</a:t>
+              <a:t>24/06/2021</a:t>
             </a:fld>
             <a:endParaRPr lang="it-IT"/>
           </a:p>
@@ -415,7 +415,7 @@
           <a:p>
             <a:fld id="{B54D5996-1787-4713-9AAF-D983FFC67929}" type="datetimeFigureOut">
               <a:rPr lang="it-IT" smtClean="0"/>
-              <a:t>22/06/2021</a:t>
+              <a:t>24/06/2021</a:t>
             </a:fld>
             <a:endParaRPr lang="it-IT"/>
           </a:p>
@@ -593,7 +593,7 @@
           <a:p>
             <a:fld id="{B54D5996-1787-4713-9AAF-D983FFC67929}" type="datetimeFigureOut">
               <a:rPr lang="it-IT" smtClean="0"/>
-              <a:t>22/06/2021</a:t>
+              <a:t>24/06/2021</a:t>
             </a:fld>
             <a:endParaRPr lang="it-IT"/>
           </a:p>
@@ -761,7 +761,7 @@
           <a:p>
             <a:fld id="{B54D5996-1787-4713-9AAF-D983FFC67929}" type="datetimeFigureOut">
               <a:rPr lang="it-IT" smtClean="0"/>
-              <a:t>22/06/2021</a:t>
+              <a:t>24/06/2021</a:t>
             </a:fld>
             <a:endParaRPr lang="it-IT"/>
           </a:p>
@@ -1006,7 +1006,7 @@
           <a:p>
             <a:fld id="{B54D5996-1787-4713-9AAF-D983FFC67929}" type="datetimeFigureOut">
               <a:rPr lang="it-IT" smtClean="0"/>
-              <a:t>22/06/2021</a:t>
+              <a:t>24/06/2021</a:t>
             </a:fld>
             <a:endParaRPr lang="it-IT"/>
           </a:p>
@@ -1235,7 +1235,7 @@
           <a:p>
             <a:fld id="{B54D5996-1787-4713-9AAF-D983FFC67929}" type="datetimeFigureOut">
               <a:rPr lang="it-IT" smtClean="0"/>
-              <a:t>22/06/2021</a:t>
+              <a:t>24/06/2021</a:t>
             </a:fld>
             <a:endParaRPr lang="it-IT"/>
           </a:p>
@@ -1599,7 +1599,7 @@
           <a:p>
             <a:fld id="{B54D5996-1787-4713-9AAF-D983FFC67929}" type="datetimeFigureOut">
               <a:rPr lang="it-IT" smtClean="0"/>
-              <a:t>22/06/2021</a:t>
+              <a:t>24/06/2021</a:t>
             </a:fld>
             <a:endParaRPr lang="it-IT"/>
           </a:p>
@@ -1716,7 +1716,7 @@
           <a:p>
             <a:fld id="{B54D5996-1787-4713-9AAF-D983FFC67929}" type="datetimeFigureOut">
               <a:rPr lang="it-IT" smtClean="0"/>
-              <a:t>22/06/2021</a:t>
+              <a:t>24/06/2021</a:t>
             </a:fld>
             <a:endParaRPr lang="it-IT"/>
           </a:p>
@@ -1811,7 +1811,7 @@
           <a:p>
             <a:fld id="{B54D5996-1787-4713-9AAF-D983FFC67929}" type="datetimeFigureOut">
               <a:rPr lang="it-IT" smtClean="0"/>
-              <a:t>22/06/2021</a:t>
+              <a:t>24/06/2021</a:t>
             </a:fld>
             <a:endParaRPr lang="it-IT"/>
           </a:p>
@@ -2086,7 +2086,7 @@
           <a:p>
             <a:fld id="{B54D5996-1787-4713-9AAF-D983FFC67929}" type="datetimeFigureOut">
               <a:rPr lang="it-IT" smtClean="0"/>
-              <a:t>22/06/2021</a:t>
+              <a:t>24/06/2021</a:t>
             </a:fld>
             <a:endParaRPr lang="it-IT"/>
           </a:p>
@@ -2338,7 +2338,7 @@
           <a:p>
             <a:fld id="{B54D5996-1787-4713-9AAF-D983FFC67929}" type="datetimeFigureOut">
               <a:rPr lang="it-IT" smtClean="0"/>
-              <a:t>22/06/2021</a:t>
+              <a:t>24/06/2021</a:t>
             </a:fld>
             <a:endParaRPr lang="it-IT"/>
           </a:p>
@@ -2549,7 +2549,7 @@
           <a:p>
             <a:fld id="{B54D5996-1787-4713-9AAF-D983FFC67929}" type="datetimeFigureOut">
               <a:rPr lang="it-IT" smtClean="0"/>
-              <a:t>22/06/2021</a:t>
+              <a:t>24/06/2021</a:t>
             </a:fld>
             <a:endParaRPr lang="it-IT"/>
           </a:p>
@@ -8289,8 +8289,8 @@
         </p:nvSpPr>
         <p:spPr>
           <a:xfrm>
-            <a:off x="1552667" y="2216461"/>
-            <a:ext cx="1749197" cy="523220"/>
+            <a:off x="1585355" y="2321600"/>
+            <a:ext cx="1749197" cy="307777"/>
           </a:xfrm>
           <a:prstGeom prst="rect">
             <a:avLst/>
@@ -8303,6 +8303,17 @@
           </a:bodyPr>
           <a:lstStyle/>
           <a:p>
+            <a:r>
+              <a:rPr lang="it-IT" sz="1400" dirty="0" smtClean="0">
+                <a:solidFill>
+                  <a:schemeClr val="accent1">
+                    <a:lumMod val="75000"/>
+                  </a:schemeClr>
+                </a:solidFill>
+                <a:latin typeface="Century Schoolbook" panose="02040604050505020304" pitchFamily="18" charset="0"/>
+              </a:rPr>
+              <a:t>INDOOR-area </a:t>
+            </a:r>
             <a:r>
               <a:rPr lang="it-IT" sz="1400" dirty="0">
                 <a:solidFill>
@@ -8312,20 +8323,7 @@
                 </a:solidFill>
                 <a:latin typeface="Century Schoolbook" panose="02040604050505020304" pitchFamily="18" charset="0"/>
               </a:rPr>
-              <a:t>slot available</a:t>
-            </a:r>
-          </a:p>
-          <a:p>
-            <a:r>
-              <a:rPr lang="it-IT" sz="1400" dirty="0">
-                <a:solidFill>
-                  <a:schemeClr val="accent1">
-                    <a:lumMod val="75000"/>
-                  </a:schemeClr>
-                </a:solidFill>
-                <a:latin typeface="Century Schoolbook" panose="02040604050505020304" pitchFamily="18" charset="0"/>
-              </a:rPr>
-              <a:t>INDOOR-area free</a:t>
+              <a:t>free</a:t>
             </a:r>
           </a:p>
         </p:txBody>
@@ -8375,50 +8373,6 @@
         <p:spPr>
           <a:xfrm>
             <a:off x="2231240" y="3930805"/>
-            <a:ext cx="1072730" cy="307777"/>
-          </a:xfrm>
-          <a:prstGeom prst="rect">
-            <a:avLst/>
-          </a:prstGeom>
-          <a:noFill/>
-        </p:spPr>
-        <p:txBody>
-          <a:bodyPr wrap="none" rtlCol="0">
-            <a:spAutoFit/>
-          </a:bodyPr>
-          <a:lstStyle/>
-          <a:p>
-            <a:r>
-              <a:rPr lang="it-IT" sz="1400" dirty="0">
-                <a:solidFill>
-                  <a:schemeClr val="accent1">
-                    <a:lumMod val="75000"/>
-                  </a:schemeClr>
-                </a:solidFill>
-                <a:latin typeface="Century Schoolbook" panose="02040604050505020304" pitchFamily="18" charset="0"/>
-              </a:rPr>
-              <a:t>when done</a:t>
-            </a:r>
-            <a:endParaRPr lang="it-IT" sz="1400" dirty="0">
-              <a:solidFill>
-                <a:schemeClr val="accent2">
-                  <a:lumMod val="75000"/>
-                </a:schemeClr>
-              </a:solidFill>
-              <a:latin typeface="Century Schoolbook" panose="02040604050505020304" pitchFamily="18" charset="0"/>
-            </a:endParaRPr>
-          </a:p>
-        </p:txBody>
-      </p:sp>
-      <p:sp>
-        <p:nvSpPr>
-          <p:cNvPr id="86" name="CasellaDiTesto 85"/>
-          <p:cNvSpPr txBox="1"/>
-          <p:nvPr/>
-        </p:nvSpPr>
-        <p:spPr>
-          <a:xfrm>
-            <a:off x="2231240" y="4665359"/>
             <a:ext cx="1072730" cy="307777"/>
           </a:xfrm>
           <a:prstGeom prst="rect">
@@ -8915,6 +8869,50 @@
               </a:rPr>
               <a:t>else</a:t>
             </a:r>
+          </a:p>
+        </p:txBody>
+      </p:sp>
+      <p:sp>
+        <p:nvSpPr>
+          <p:cNvPr id="41" name="CasellaDiTesto 40"/>
+          <p:cNvSpPr txBox="1"/>
+          <p:nvPr/>
+        </p:nvSpPr>
+        <p:spPr>
+          <a:xfrm>
+            <a:off x="3051614" y="4672766"/>
+            <a:ext cx="268022" cy="307777"/>
+          </a:xfrm>
+          <a:prstGeom prst="rect">
+            <a:avLst/>
+          </a:prstGeom>
+          <a:noFill/>
+        </p:spPr>
+        <p:txBody>
+          <a:bodyPr wrap="none" rtlCol="0">
+            <a:spAutoFit/>
+          </a:bodyPr>
+          <a:lstStyle/>
+          <a:p>
+            <a:r>
+              <a:rPr lang="el-GR" sz="1400" dirty="0">
+                <a:solidFill>
+                  <a:schemeClr val="accent1">
+                    <a:lumMod val="75000"/>
+                  </a:schemeClr>
+                </a:solidFill>
+                <a:latin typeface="Century Schoolbook" panose="02040604050505020304" pitchFamily="18" charset="0"/>
+              </a:rPr>
+              <a:t>ε</a:t>
+            </a:r>
+            <a:endParaRPr lang="it-IT" sz="1400" dirty="0">
+              <a:solidFill>
+                <a:schemeClr val="accent1">
+                  <a:lumMod val="75000"/>
+                </a:schemeClr>
+              </a:solidFill>
+              <a:latin typeface="Century Schoolbook" panose="02040604050505020304" pitchFamily="18" charset="0"/>
+            </a:endParaRPr>
           </a:p>
         </p:txBody>
       </p:sp>

--- a/FinalTask/userDocs/img/final_task_schema.pptx
+++ b/FinalTask/userDocs/img/final_task_schema.pptx
@@ -5666,26 +5666,38 @@
           <a:p>
             <a:pPr algn="ctr"/>
             <a:r>
+              <a:rPr lang="it-IT" sz="1400" dirty="0" smtClean="0">
+                <a:solidFill>
+                  <a:schemeClr val="tx1"/>
+                </a:solidFill>
+                <a:latin typeface="Century Schoolbook" panose="02040604050505020304" pitchFamily="18" charset="0"/>
+              </a:rPr>
+              <a:t>Trolley</a:t>
+            </a:r>
+            <a:r>
               <a:rPr lang="it-IT" sz="1400" dirty="0">
                 <a:solidFill>
                   <a:schemeClr val="tx1"/>
                 </a:solidFill>
                 <a:latin typeface="Century Schoolbook" panose="02040604050505020304" pitchFamily="18" charset="0"/>
               </a:rPr>
-              <a:t>Business</a:t>
-            </a:r>
-          </a:p>
-          <a:p>
-            <a:pPr algn="ctr"/>
-            <a:r>
-              <a:rPr lang="it-IT" sz="1400" dirty="0">
+              <a:t> </a:t>
+            </a:r>
+            <a:r>
+              <a:rPr lang="it-IT" sz="1400" dirty="0" smtClean="0">
                 <a:solidFill>
                   <a:schemeClr val="tx1"/>
                 </a:solidFill>
                 <a:latin typeface="Century Schoolbook" panose="02040604050505020304" pitchFamily="18" charset="0"/>
               </a:rPr>
-              <a:t>Logic</a:t>
-            </a:r>
+              <a:t>Actor</a:t>
+            </a:r>
+            <a:endParaRPr lang="it-IT" sz="1400" dirty="0" smtClean="0">
+              <a:solidFill>
+                <a:schemeClr val="tx1"/>
+              </a:solidFill>
+              <a:latin typeface="Century Schoolbook" panose="02040604050505020304" pitchFamily="18" charset="0"/>
+            </a:endParaRPr>
           </a:p>
         </p:txBody>
       </p:sp>
@@ -9601,9 +9613,21 @@
                 </a:rPr>
                 <a:t>Park Service Status GUI Actor</a:t>
               </a:r>
+            </a:p>
+            <a:p>
+              <a:pPr lvl="0" algn="ctr"/>
+              <a:r>
+                <a:rPr lang="it-IT" sz="1100" i="1" dirty="0" smtClean="0">
+                  <a:solidFill>
+                    <a:prstClr val="black"/>
+                  </a:solidFill>
+                  <a:latin typeface="Century Schoolbook" panose="02040604050505020304" pitchFamily="18" charset="0"/>
+                </a:rPr>
+                <a:t>(manager’s)</a:t>
+              </a:r>
               <a:endParaRPr lang="it-IT" sz="1400" i="1" dirty="0">
                 <a:solidFill>
-                  <a:schemeClr val="tx1"/>
+                  <a:prstClr val="black"/>
                 </a:solidFill>
                 <a:latin typeface="Century Schoolbook" panose="02040604050505020304" pitchFamily="18" charset="0"/>
               </a:endParaRPr>
@@ -9780,9 +9804,21 @@
                 </a:rPr>
                 <a:t>Park Service GUI Actor</a:t>
               </a:r>
+            </a:p>
+            <a:p>
+              <a:pPr lvl="0" algn="ctr"/>
+              <a:r>
+                <a:rPr lang="it-IT" sz="1100" i="1" dirty="0" smtClean="0">
+                  <a:solidFill>
+                    <a:prstClr val="black"/>
+                  </a:solidFill>
+                  <a:latin typeface="Century Schoolbook" panose="02040604050505020304" pitchFamily="18" charset="0"/>
+                </a:rPr>
+                <a:t>(client’s)</a:t>
+              </a:r>
               <a:endParaRPr lang="it-IT" sz="1400" i="1" dirty="0">
                 <a:solidFill>
-                  <a:schemeClr val="tx1"/>
+                  <a:prstClr val="black"/>
                 </a:solidFill>
                 <a:latin typeface="Century Schoolbook" panose="02040604050505020304" pitchFamily="18" charset="0"/>
               </a:endParaRPr>
@@ -10348,128 +10384,6 @@
           </a:fontRef>
         </p:style>
       </p:cxnSp>
-      <p:grpSp>
-        <p:nvGrpSpPr>
-          <p:cNvPr id="73" name="Gruppo 72"/>
-          <p:cNvGrpSpPr/>
-          <p:nvPr/>
-        </p:nvGrpSpPr>
-        <p:grpSpPr>
-          <a:xfrm>
-            <a:off x="8496420" y="2517758"/>
-            <a:ext cx="1660945" cy="1214172"/>
-            <a:chOff x="9616460" y="2966720"/>
-            <a:chExt cx="1660945" cy="1214172"/>
-          </a:xfrm>
-        </p:grpSpPr>
-        <p:sp>
-          <p:nvSpPr>
-            <p:cNvPr id="69" name="Ovale 68"/>
-            <p:cNvSpPr/>
-            <p:nvPr/>
-          </p:nvSpPr>
-          <p:spPr>
-            <a:xfrm>
-              <a:off x="9616460" y="3114959"/>
-              <a:ext cx="1660945" cy="1065933"/>
-            </a:xfrm>
-            <a:prstGeom prst="ellipse">
-              <a:avLst/>
-            </a:prstGeom>
-            <a:solidFill>
-              <a:schemeClr val="accent4">
-                <a:lumMod val="20000"/>
-                <a:lumOff val="80000"/>
-              </a:schemeClr>
-            </a:solidFill>
-            <a:ln w="12700">
-              <a:solidFill>
-                <a:schemeClr val="tx1"/>
-              </a:solidFill>
-            </a:ln>
-          </p:spPr>
-          <p:style>
-            <a:lnRef idx="2">
-              <a:schemeClr val="accent1">
-                <a:shade val="50000"/>
-              </a:schemeClr>
-            </a:lnRef>
-            <a:fillRef idx="1">
-              <a:schemeClr val="accent1"/>
-            </a:fillRef>
-            <a:effectRef idx="0">
-              <a:schemeClr val="accent1"/>
-            </a:effectRef>
-            <a:fontRef idx="minor">
-              <a:schemeClr val="lt1"/>
-            </a:fontRef>
-          </p:style>
-          <p:txBody>
-            <a:bodyPr rtlCol="0" anchor="ctr"/>
-            <a:lstStyle/>
-            <a:p>
-              <a:pPr algn="ctr"/>
-              <a:r>
-                <a:rPr lang="it-IT" sz="1200" dirty="0" smtClean="0">
-                  <a:solidFill>
-                    <a:schemeClr val="tx1"/>
-                  </a:solidFill>
-                  <a:latin typeface="Century Schoolbook" panose="02040604050505020304" pitchFamily="18" charset="0"/>
-                </a:rPr>
-                <a:t>Virtual Environment</a:t>
-              </a:r>
-            </a:p>
-          </p:txBody>
-        </p:sp>
-        <p:sp>
-          <p:nvSpPr>
-            <p:cNvPr id="70" name="Triangolo isoscele 69"/>
-            <p:cNvSpPr/>
-            <p:nvPr/>
-          </p:nvSpPr>
-          <p:spPr>
-            <a:xfrm rot="16200000">
-              <a:off x="10298693" y="2987166"/>
-              <a:ext cx="296478" cy="255585"/>
-            </a:xfrm>
-            <a:prstGeom prst="triangle">
-              <a:avLst/>
-            </a:prstGeom>
-            <a:solidFill>
-              <a:srgbClr val="FF0000"/>
-            </a:solidFill>
-            <a:ln w="12700">
-              <a:solidFill>
-                <a:schemeClr val="tx1"/>
-              </a:solidFill>
-            </a:ln>
-          </p:spPr>
-          <p:style>
-            <a:lnRef idx="2">
-              <a:schemeClr val="accent1">
-                <a:shade val="50000"/>
-              </a:schemeClr>
-            </a:lnRef>
-            <a:fillRef idx="1">
-              <a:schemeClr val="accent1"/>
-            </a:fillRef>
-            <a:effectRef idx="0">
-              <a:schemeClr val="accent1"/>
-            </a:effectRef>
-            <a:fontRef idx="minor">
-              <a:schemeClr val="lt1"/>
-            </a:fontRef>
-          </p:style>
-          <p:txBody>
-            <a:bodyPr rtlCol="0" anchor="ctr"/>
-            <a:lstStyle/>
-            <a:p>
-              <a:pPr algn="ctr"/>
-              <a:endParaRPr lang="it-IT"/>
-            </a:p>
-          </p:txBody>
-        </p:sp>
-      </p:grpSp>
       <p:sp>
         <p:nvSpPr>
           <p:cNvPr id="74" name="Figura a mano libera 73"/>
@@ -11071,8 +10985,8 @@
         </p:nvSpPr>
         <p:spPr>
           <a:xfrm>
-            <a:off x="7281805" y="2591877"/>
-            <a:ext cx="1313180" cy="276999"/>
+            <a:off x="7358613" y="2618259"/>
+            <a:ext cx="1428596" cy="276999"/>
           </a:xfrm>
           <a:prstGeom prst="rect">
             <a:avLst/>
@@ -11094,7 +11008,7 @@
                 </a:solidFill>
                 <a:latin typeface="Bookman Old Style" panose="02050604050505020204" pitchFamily="18" charset="0"/>
               </a:rPr>
-              <a:t>move to: &lt;X,Y&gt;</a:t>
+              <a:t>goto: &lt;location&gt;</a:t>
             </a:r>
             <a:endParaRPr lang="it-IT" sz="1200" dirty="0">
               <a:solidFill>
@@ -11276,7 +11190,7 @@
         </p:nvSpPr>
         <p:spPr>
           <a:xfrm>
-            <a:off x="7174116" y="3907592"/>
+            <a:off x="7199517" y="3907592"/>
             <a:ext cx="1055097" cy="461665"/>
           </a:xfrm>
           <a:prstGeom prst="rect">
@@ -11371,7 +11285,7 @@
         </p:nvSpPr>
         <p:spPr>
           <a:xfrm>
-            <a:off x="6107993" y="3897460"/>
+            <a:off x="6133394" y="3897460"/>
             <a:ext cx="840295" cy="461665"/>
           </a:xfrm>
           <a:prstGeom prst="rect">
@@ -11745,6 +11659,197 @@
           </a:p>
         </p:txBody>
       </p:sp>
+      <p:grpSp>
+        <p:nvGrpSpPr>
+          <p:cNvPr id="60" name="Gruppo 59"/>
+          <p:cNvGrpSpPr/>
+          <p:nvPr/>
+        </p:nvGrpSpPr>
+        <p:grpSpPr>
+          <a:xfrm>
+            <a:off x="8479482" y="2443639"/>
+            <a:ext cx="1926426" cy="1214172"/>
+            <a:chOff x="402476" y="5184618"/>
+            <a:chExt cx="1926426" cy="1214172"/>
+          </a:xfrm>
+        </p:grpSpPr>
+        <p:sp>
+          <p:nvSpPr>
+            <p:cNvPr id="62" name="Ovale 61"/>
+            <p:cNvSpPr/>
+            <p:nvPr/>
+          </p:nvSpPr>
+          <p:spPr>
+            <a:xfrm>
+              <a:off x="667957" y="5332857"/>
+              <a:ext cx="1660945" cy="1065933"/>
+            </a:xfrm>
+            <a:prstGeom prst="ellipse">
+              <a:avLst/>
+            </a:prstGeom>
+            <a:solidFill>
+              <a:schemeClr val="accent2">
+                <a:lumMod val="20000"/>
+                <a:lumOff val="80000"/>
+              </a:schemeClr>
+            </a:solidFill>
+            <a:ln w="12700">
+              <a:solidFill>
+                <a:schemeClr val="tx1"/>
+              </a:solidFill>
+            </a:ln>
+          </p:spPr>
+          <p:style>
+            <a:lnRef idx="2">
+              <a:schemeClr val="accent1">
+                <a:shade val="50000"/>
+              </a:schemeClr>
+            </a:lnRef>
+            <a:fillRef idx="1">
+              <a:schemeClr val="accent1"/>
+            </a:fillRef>
+            <a:effectRef idx="0">
+              <a:schemeClr val="accent1"/>
+            </a:effectRef>
+            <a:fontRef idx="minor">
+              <a:schemeClr val="lt1"/>
+            </a:fontRef>
+          </p:style>
+          <p:txBody>
+            <a:bodyPr rtlCol="0" anchor="ctr"/>
+            <a:lstStyle/>
+            <a:p>
+              <a:pPr algn="ctr"/>
+              <a:r>
+                <a:rPr lang="it-IT" sz="1200" dirty="0" smtClean="0">
+                  <a:solidFill>
+                    <a:schemeClr val="tx1"/>
+                  </a:solidFill>
+                  <a:latin typeface="Century Schoolbook" panose="02040604050505020304" pitchFamily="18" charset="0"/>
+                </a:rPr>
+                <a:t>Trolley</a:t>
+              </a:r>
+            </a:p>
+            <a:p>
+              <a:pPr algn="ctr"/>
+              <a:r>
+                <a:rPr lang="it-IT" sz="1200" dirty="0" smtClean="0">
+                  <a:solidFill>
+                    <a:schemeClr val="tx1"/>
+                  </a:solidFill>
+                  <a:latin typeface="Century Schoolbook" panose="02040604050505020304" pitchFamily="18" charset="0"/>
+                </a:rPr>
+                <a:t>Actor</a:t>
+              </a:r>
+              <a:endParaRPr lang="it-IT" sz="1400" i="1" dirty="0">
+                <a:solidFill>
+                  <a:schemeClr val="tx1"/>
+                </a:solidFill>
+                <a:latin typeface="Century Schoolbook" panose="02040604050505020304" pitchFamily="18" charset="0"/>
+              </a:endParaRPr>
+            </a:p>
+          </p:txBody>
+        </p:sp>
+        <p:sp>
+          <p:nvSpPr>
+            <p:cNvPr id="63" name="Triangolo isoscele 62"/>
+            <p:cNvSpPr/>
+            <p:nvPr/>
+          </p:nvSpPr>
+          <p:spPr>
+            <a:xfrm rot="16200000">
+              <a:off x="1350190" y="5205064"/>
+              <a:ext cx="296478" cy="255585"/>
+            </a:xfrm>
+            <a:prstGeom prst="triangle">
+              <a:avLst/>
+            </a:prstGeom>
+            <a:solidFill>
+              <a:srgbClr val="FF0000"/>
+            </a:solidFill>
+            <a:ln w="12700">
+              <a:solidFill>
+                <a:schemeClr val="tx1"/>
+              </a:solidFill>
+            </a:ln>
+          </p:spPr>
+          <p:style>
+            <a:lnRef idx="2">
+              <a:schemeClr val="accent1">
+                <a:shade val="50000"/>
+              </a:schemeClr>
+            </a:lnRef>
+            <a:fillRef idx="1">
+              <a:schemeClr val="accent1"/>
+            </a:fillRef>
+            <a:effectRef idx="0">
+              <a:schemeClr val="accent1"/>
+            </a:effectRef>
+            <a:fontRef idx="minor">
+              <a:schemeClr val="lt1"/>
+            </a:fontRef>
+          </p:style>
+          <p:txBody>
+            <a:bodyPr rtlCol="0" anchor="ctr"/>
+            <a:lstStyle/>
+            <a:p>
+              <a:pPr algn="ctr"/>
+              <a:endParaRPr lang="it-IT"/>
+            </a:p>
+          </p:txBody>
+        </p:sp>
+        <p:sp>
+          <p:nvSpPr>
+            <p:cNvPr id="64" name="Rettangolo 63"/>
+            <p:cNvSpPr/>
+            <p:nvPr/>
+          </p:nvSpPr>
+          <p:spPr>
+            <a:xfrm>
+              <a:off x="402476" y="5739696"/>
+              <a:ext cx="530961" cy="252254"/>
+            </a:xfrm>
+            <a:prstGeom prst="rect">
+              <a:avLst/>
+            </a:prstGeom>
+            <a:solidFill>
+              <a:schemeClr val="accent2">
+                <a:lumMod val="20000"/>
+                <a:lumOff val="80000"/>
+              </a:schemeClr>
+            </a:solidFill>
+            <a:ln w="12700">
+              <a:solidFill>
+                <a:schemeClr val="tx1"/>
+              </a:solidFill>
+            </a:ln>
+          </p:spPr>
+          <p:style>
+            <a:lnRef idx="2">
+              <a:schemeClr val="accent1">
+                <a:shade val="50000"/>
+              </a:schemeClr>
+            </a:lnRef>
+            <a:fillRef idx="1">
+              <a:schemeClr val="accent1"/>
+            </a:fillRef>
+            <a:effectRef idx="0">
+              <a:schemeClr val="accent1"/>
+            </a:effectRef>
+            <a:fontRef idx="minor">
+              <a:schemeClr val="lt1"/>
+            </a:fontRef>
+          </p:style>
+          <p:txBody>
+            <a:bodyPr rtlCol="0" anchor="ctr"/>
+            <a:lstStyle/>
+            <a:p>
+              <a:pPr algn="ctr"/>
+              <a:endParaRPr lang="it-IT"/>
+            </a:p>
+          </p:txBody>
+        </p:sp>
+      </p:grpSp>
     </p:spTree>
     <p:extLst>
       <p:ext uri="{BB962C8B-B14F-4D97-AF65-F5344CB8AC3E}">
@@ -11843,7 +11948,7 @@
                   </a:solidFill>
                   <a:latin typeface="Century Schoolbook" panose="02040604050505020304" pitchFamily="18" charset="0"/>
                 </a:rPr>
-                <a:t>Temperature Sentinel</a:t>
+                <a:t>Temperature Sentinel Actor</a:t>
               </a:r>
             </a:p>
           </p:txBody>
@@ -12034,7 +12139,7 @@
                   </a:solidFill>
                   <a:latin typeface="Century Schoolbook" panose="02040604050505020304" pitchFamily="18" charset="0"/>
                 </a:rPr>
-                <a:t>Sentinel</a:t>
+                <a:t>Sentinel Actor</a:t>
               </a:r>
             </a:p>
           </p:txBody>
@@ -12994,7 +13099,7 @@
         </p:nvSpPr>
         <p:spPr>
           <a:xfrm>
-            <a:off x="4167662" y="3199002"/>
+            <a:off x="4167662" y="3173601"/>
             <a:ext cx="1936749" cy="461665"/>
           </a:xfrm>
           <a:prstGeom prst="rect">
@@ -13264,7 +13369,7 @@
             <a:p>
               <a:pPr algn="ctr"/>
               <a:r>
-                <a:rPr lang="it-IT" sz="1200" dirty="0" smtClean="0">
+                <a:rPr lang="it-IT" sz="1200" dirty="0">
                   <a:solidFill>
                     <a:schemeClr val="tx1"/>
                   </a:solidFill>
@@ -13272,9 +13377,21 @@
                 </a:rPr>
                 <a:t>Park Service Status GUI Actor</a:t>
               </a:r>
+            </a:p>
+            <a:p>
+              <a:pPr lvl="0" algn="ctr"/>
+              <a:r>
+                <a:rPr lang="it-IT" sz="1100" i="1" dirty="0">
+                  <a:solidFill>
+                    <a:prstClr val="black"/>
+                  </a:solidFill>
+                  <a:latin typeface="Century Schoolbook" panose="02040604050505020304" pitchFamily="18" charset="0"/>
+                </a:rPr>
+                <a:t>(manager’s)</a:t>
+              </a:r>
               <a:endParaRPr lang="it-IT" sz="1400" i="1" dirty="0">
                 <a:solidFill>
-                  <a:schemeClr val="tx1"/>
+                  <a:prstClr val="black"/>
                 </a:solidFill>
                 <a:latin typeface="Century Schoolbook" panose="02040604050505020304" pitchFamily="18" charset="0"/>
               </a:endParaRPr>
